--- a/architecture_overview.pptx
+++ b/architecture_overview.pptx
@@ -3168,8 +3168,8 @@
         </p:nvSpPr>
         <p:spPr>
           <a:xfrm>
-            <a:off x="365760" y="1097280"/>
-            <a:ext cx="1828800" cy="594360"/>
+            <a:off x="365760" y="1188720"/>
+            <a:ext cx="1737360" cy="640080"/>
           </a:xfrm>
           <a:prstGeom prst="can">
             <a:avLst/>
@@ -3177,7 +3177,7 @@
           <a:solidFill>
             <a:srgbClr val="B0C4DE"/>
           </a:solidFill>
-          <a:ln w="25400">
+          <a:ln w="19050">
             <a:solidFill>
               <a:srgbClr val="424242"/>
             </a:solidFill>
@@ -3198,7 +3198,7 @@
           </a:fontRef>
         </p:style>
         <p:txBody>
-          <a:bodyPr rtlCol="0" anchor="ctr" wrap="square" lIns="101600" rIns="101600" tIns="101600" bIns="101600"/>
+          <a:bodyPr rtlCol="0" anchor="ctr" wrap="square"/>
           <a:lstStyle/>
           <a:p>
             <a:pPr algn="ctr">
@@ -3210,7 +3210,12 @@
               </a:defRPr>
             </a:pPr>
             <a:r>
-              <a:t>CSV Data</a:t>
+              <a:t>CSV</a:t>
+            </a:r>
+          </a:p>
+          <a:p>
+            <a:r>
+              <a:t>Data</a:t>
             </a:r>
           </a:p>
         </p:txBody>
@@ -3223,8 +3228,8 @@
         </p:nvSpPr>
         <p:spPr>
           <a:xfrm>
-            <a:off x="365760" y="1965960"/>
-            <a:ext cx="1828800" cy="594360"/>
+            <a:off x="365760" y="2148840"/>
+            <a:ext cx="1737360" cy="640080"/>
           </a:xfrm>
           <a:prstGeom prst="can">
             <a:avLst/>
@@ -3232,7 +3237,7 @@
           <a:solidFill>
             <a:srgbClr val="B0C4DE"/>
           </a:solidFill>
-          <a:ln w="25400">
+          <a:ln w="19050">
             <a:solidFill>
               <a:srgbClr val="424242"/>
             </a:solidFill>
@@ -3253,7 +3258,7 @@
           </a:fontRef>
         </p:style>
         <p:txBody>
-          <a:bodyPr rtlCol="0" anchor="ctr" wrap="square" lIns="101600" rIns="101600" tIns="101600" bIns="101600"/>
+          <a:bodyPr rtlCol="0" anchor="ctr" wrap="square"/>
           <a:lstStyle/>
           <a:p>
             <a:pPr algn="ctr">
@@ -3283,8 +3288,8 @@
         </p:nvSpPr>
         <p:spPr>
           <a:xfrm>
-            <a:off x="365760" y="2834640"/>
-            <a:ext cx="1828800" cy="594360"/>
+            <a:off x="365760" y="3108960"/>
+            <a:ext cx="1737360" cy="640080"/>
           </a:xfrm>
           <a:prstGeom prst="parallelogram">
             <a:avLst/>
@@ -3292,7 +3297,7 @@
           <a:solidFill>
             <a:srgbClr val="BDBDBD"/>
           </a:solidFill>
-          <a:ln w="25400">
+          <a:ln w="19050">
             <a:solidFill>
               <a:srgbClr val="424242"/>
             </a:solidFill>
@@ -3313,7 +3318,7 @@
           </a:fontRef>
         </p:style>
         <p:txBody>
-          <a:bodyPr rtlCol="0" anchor="ctr" wrap="square" lIns="101600" rIns="101600" tIns="101600" bIns="101600"/>
+          <a:bodyPr rtlCol="0" anchor="ctr" wrap="square"/>
           <a:lstStyle/>
           <a:p>
             <a:pPr algn="ctr">
@@ -3338,8 +3343,8 @@
         </p:nvSpPr>
         <p:spPr>
           <a:xfrm>
-            <a:off x="2331720" y="1097280"/>
-            <a:ext cx="1828800" cy="594360"/>
+            <a:off x="2286000" y="1188720"/>
+            <a:ext cx="1737360" cy="640080"/>
           </a:xfrm>
           <a:prstGeom prst="roundRect">
             <a:avLst/>
@@ -3347,7 +3352,7 @@
           <a:solidFill>
             <a:srgbClr val="90A4AE"/>
           </a:solidFill>
-          <a:ln w="25400">
+          <a:ln w="19050">
             <a:solidFill>
               <a:srgbClr val="424242"/>
             </a:solidFill>
@@ -3368,7 +3373,7 @@
           </a:fontRef>
         </p:style>
         <p:txBody>
-          <a:bodyPr rtlCol="0" anchor="ctr" wrap="square" lIns="101600" rIns="101600" tIns="101600" bIns="101600"/>
+          <a:bodyPr rtlCol="0" anchor="ctr" wrap="square"/>
           <a:lstStyle/>
           <a:p>
             <a:pPr algn="ctr">
@@ -3398,8 +3403,8 @@
         </p:nvSpPr>
         <p:spPr>
           <a:xfrm>
-            <a:off x="2331720" y="2834640"/>
-            <a:ext cx="1828800" cy="594360"/>
+            <a:off x="2286000" y="3108960"/>
+            <a:ext cx="1737360" cy="640080"/>
           </a:xfrm>
           <a:prstGeom prst="roundRect">
             <a:avLst/>
@@ -3407,7 +3412,7 @@
           <a:solidFill>
             <a:srgbClr val="90A4AE"/>
           </a:solidFill>
-          <a:ln w="25400">
+          <a:ln w="19050">
             <a:solidFill>
               <a:srgbClr val="424242"/>
             </a:solidFill>
@@ -3428,7 +3433,7 @@
           </a:fontRef>
         </p:style>
         <p:txBody>
-          <a:bodyPr rtlCol="0" anchor="ctr" wrap="square" lIns="101600" rIns="101600" tIns="101600" bIns="101600"/>
+          <a:bodyPr rtlCol="0" anchor="ctr" wrap="square"/>
           <a:lstStyle/>
           <a:p>
             <a:pPr algn="ctr">
@@ -3445,7 +3450,7 @@
           </a:p>
           <a:p>
             <a:r>
-              <a:t>Framework</a:t>
+              <a:t>CLI</a:t>
             </a:r>
           </a:p>
         </p:txBody>
@@ -3458,8 +3463,8 @@
         </p:nvSpPr>
         <p:spPr>
           <a:xfrm>
-            <a:off x="4297680" y="1097280"/>
-            <a:ext cx="1828800" cy="594360"/>
+            <a:off x="4206240" y="1188720"/>
+            <a:ext cx="1737360" cy="640080"/>
           </a:xfrm>
           <a:prstGeom prst="roundRect">
             <a:avLst/>
@@ -3467,7 +3472,7 @@
           <a:solidFill>
             <a:srgbClr val="90A4AE"/>
           </a:solidFill>
-          <a:ln w="25400">
+          <a:ln w="19050">
             <a:solidFill>
               <a:srgbClr val="424242"/>
             </a:solidFill>
@@ -3488,7 +3493,7 @@
           </a:fontRef>
         </p:style>
         <p:txBody>
-          <a:bodyPr rtlCol="0" anchor="ctr" wrap="square" lIns="101600" rIns="101600" tIns="101600" bIns="101600"/>
+          <a:bodyPr rtlCol="0" anchor="ctr" wrap="square"/>
           <a:lstStyle/>
           <a:p>
             <a:pPr algn="ctr">
@@ -3518,8 +3523,8 @@
         </p:nvSpPr>
         <p:spPr>
           <a:xfrm>
-            <a:off x="4297680" y="1965960"/>
-            <a:ext cx="1828800" cy="594360"/>
+            <a:off x="4206240" y="2148840"/>
+            <a:ext cx="1737360" cy="640080"/>
           </a:xfrm>
           <a:prstGeom prst="roundRect">
             <a:avLst/>
@@ -3527,7 +3532,7 @@
           <a:solidFill>
             <a:srgbClr val="90A4AE"/>
           </a:solidFill>
-          <a:ln w="25400">
+          <a:ln w="19050">
             <a:solidFill>
               <a:srgbClr val="424242"/>
             </a:solidFill>
@@ -3548,7 +3553,7 @@
           </a:fontRef>
         </p:style>
         <p:txBody>
-          <a:bodyPr rtlCol="0" anchor="ctr" wrap="square" lIns="101600" rIns="101600" tIns="101600" bIns="101600"/>
+          <a:bodyPr rtlCol="0" anchor="ctr" wrap="square"/>
           <a:lstStyle/>
           <a:p>
             <a:pPr algn="ctr">
@@ -3578,8 +3583,8 @@
         </p:nvSpPr>
         <p:spPr>
           <a:xfrm>
-            <a:off x="4297680" y="2834640"/>
-            <a:ext cx="1828800" cy="594360"/>
+            <a:off x="4206240" y="3108960"/>
+            <a:ext cx="1737360" cy="640080"/>
           </a:xfrm>
           <a:prstGeom prst="roundRect">
             <a:avLst/>
@@ -3587,7 +3592,7 @@
           <a:solidFill>
             <a:srgbClr val="90A4AE"/>
           </a:solidFill>
-          <a:ln w="25400">
+          <a:ln w="19050">
             <a:solidFill>
               <a:srgbClr val="424242"/>
             </a:solidFill>
@@ -3608,7 +3613,7 @@
           </a:fontRef>
         </p:style>
         <p:txBody>
-          <a:bodyPr rtlCol="0" anchor="ctr" wrap="square" lIns="101600" rIns="101600" tIns="101600" bIns="101600"/>
+          <a:bodyPr rtlCol="0" anchor="ctr" wrap="square"/>
           <a:lstStyle/>
           <a:p>
             <a:pPr algn="ctr">
@@ -3638,8 +3643,8 @@
         </p:nvSpPr>
         <p:spPr>
           <a:xfrm>
-            <a:off x="6263640" y="1965960"/>
-            <a:ext cx="1828800" cy="594360"/>
+            <a:off x="6126480" y="2148840"/>
+            <a:ext cx="1737360" cy="640080"/>
           </a:xfrm>
           <a:prstGeom prst="hexagon">
             <a:avLst/>
@@ -3647,7 +3652,7 @@
           <a:solidFill>
             <a:srgbClr val="FF9800"/>
           </a:solidFill>
-          <a:ln w="25400">
+          <a:ln w="19050">
             <a:solidFill>
               <a:srgbClr val="424242"/>
             </a:solidFill>
@@ -3668,7 +3673,7 @@
           </a:fontRef>
         </p:style>
         <p:txBody>
-          <a:bodyPr rtlCol="0" anchor="ctr" wrap="square" lIns="101600" rIns="101600" tIns="101600" bIns="101600"/>
+          <a:bodyPr rtlCol="0" anchor="ctr" wrap="square"/>
           <a:lstStyle/>
           <a:p>
             <a:pPr algn="ctr">
@@ -3698,8 +3703,8 @@
         </p:nvSpPr>
         <p:spPr>
           <a:xfrm>
-            <a:off x="8229600" y="2834640"/>
-            <a:ext cx="1828800" cy="594360"/>
+            <a:off x="8046720" y="3108960"/>
+            <a:ext cx="1737360" cy="640080"/>
           </a:xfrm>
           <a:prstGeom prst="can">
             <a:avLst/>
@@ -3707,7 +3712,7 @@
           <a:solidFill>
             <a:srgbClr val="B0C4DE"/>
           </a:solidFill>
-          <a:ln w="25400">
+          <a:ln w="19050">
             <a:solidFill>
               <a:srgbClr val="424242"/>
             </a:solidFill>
@@ -3728,7 +3733,7 @@
           </a:fontRef>
         </p:style>
         <p:txBody>
-          <a:bodyPr rtlCol="0" anchor="ctr" wrap="square" lIns="101600" rIns="101600" tIns="101600" bIns="101600"/>
+          <a:bodyPr rtlCol="0" anchor="ctr" wrap="square"/>
           <a:lstStyle/>
           <a:p>
             <a:pPr algn="ctr">
@@ -3740,7 +3745,7 @@
               </a:defRPr>
             </a:pPr>
             <a:r>
-              <a:t>World Model</a:t>
+              <a:t>State</a:t>
             </a:r>
           </a:p>
           <a:p>
@@ -3758,8 +3763,8 @@
         </p:nvSpPr>
         <p:spPr>
           <a:xfrm>
-            <a:off x="10195560" y="1965960"/>
-            <a:ext cx="1828800" cy="594360"/>
+            <a:off x="9966960" y="2148840"/>
+            <a:ext cx="1737360" cy="640080"/>
           </a:xfrm>
           <a:prstGeom prst="parallelogram">
             <a:avLst/>
@@ -3767,7 +3772,7 @@
           <a:solidFill>
             <a:srgbClr val="BDBDBD"/>
           </a:solidFill>
-          <a:ln w="25400">
+          <a:ln w="19050">
             <a:solidFill>
               <a:srgbClr val="424242"/>
             </a:solidFill>
@@ -3788,7 +3793,7 @@
           </a:fontRef>
         </p:style>
         <p:txBody>
-          <a:bodyPr rtlCol="0" anchor="ctr" wrap="square" lIns="101600" rIns="101600" tIns="101600" bIns="101600"/>
+          <a:bodyPr rtlCol="0" anchor="ctr" wrap="square"/>
           <a:lstStyle/>
           <a:p>
             <a:pPr algn="ctr">
@@ -3800,12 +3805,12 @@
               </a:defRPr>
             </a:pPr>
             <a:r>
-              <a:t>Enhanced</a:t>
-            </a:r>
-          </a:p>
-          <a:p>
-            <a:r>
               <a:t>Report</a:t>
+            </a:r>
+          </a:p>
+          <a:p>
+            <a:r>
+              <a:t>TXT</a:t>
             </a:r>
           </a:p>
         </p:txBody>
@@ -3818,8 +3823,8 @@
         </p:nvSpPr>
         <p:spPr>
           <a:xfrm>
-            <a:off x="10195560" y="2834640"/>
-            <a:ext cx="1828800" cy="594360"/>
+            <a:off x="9966960" y="3108960"/>
+            <a:ext cx="1737360" cy="640080"/>
           </a:xfrm>
           <a:prstGeom prst="parallelogram">
             <a:avLst/>
@@ -3827,7 +3832,7 @@
           <a:solidFill>
             <a:srgbClr val="BDBDBD"/>
           </a:solidFill>
-          <a:ln w="25400">
+          <a:ln w="19050">
             <a:solidFill>
               <a:srgbClr val="424242"/>
             </a:solidFill>
@@ -3848,7 +3853,7 @@
           </a:fontRef>
         </p:style>
         <p:txBody>
-          <a:bodyPr rtlCol="0" anchor="ctr" wrap="square" lIns="101600" rIns="101600" tIns="101600" bIns="101600"/>
+          <a:bodyPr rtlCol="0" anchor="ctr" wrap="square"/>
           <a:lstStyle/>
           <a:p>
             <a:pPr algn="ctr">
@@ -3878,13 +3883,13 @@
         </p:nvCxnSpPr>
         <p:spPr>
           <a:xfrm>
-            <a:off x="1280160.0" y="1394460.0"/>
-            <a:ext cx="1965960.0" cy="0.0"/>
+            <a:off x="2103120" y="1508760.0"/>
+            <a:ext cx="182880" cy="0.0"/>
           </a:xfrm>
           <a:prstGeom prst="line">
             <a:avLst/>
           </a:prstGeom>
-          <a:ln w="25400">
+          <a:ln w="19050">
             <a:solidFill>
               <a:srgbClr val="424242"/>
             </a:solidFill>
@@ -3913,13 +3918,13 @@
         </p:nvCxnSpPr>
         <p:spPr>
           <a:xfrm flipV="1">
-            <a:off x="1280160.0" y="1394460.0"/>
-            <a:ext cx="1965960.0" cy="1737360.0"/>
+            <a:off x="2103120" y="1508760.0"/>
+            <a:ext cx="182880" cy="1920240.0"/>
           </a:xfrm>
           <a:prstGeom prst="line">
             <a:avLst/>
           </a:prstGeom>
-          <a:ln w="25400">
+          <a:ln w="19050">
             <a:solidFill>
               <a:srgbClr val="424242"/>
             </a:solidFill>
@@ -3948,13 +3953,13 @@
         </p:nvCxnSpPr>
         <p:spPr>
           <a:xfrm>
-            <a:off x="3246120.0" y="1394460.0"/>
-            <a:ext cx="1965960.0" cy="0.0"/>
+            <a:off x="4023360" y="1508760.0"/>
+            <a:ext cx="182880" cy="0.0"/>
           </a:xfrm>
           <a:prstGeom prst="line">
             <a:avLst/>
           </a:prstGeom>
-          <a:ln w="25400">
+          <a:ln w="19050">
             <a:solidFill>
               <a:srgbClr val="424242"/>
             </a:solidFill>
@@ -3983,13 +3988,13 @@
         </p:nvCxnSpPr>
         <p:spPr>
           <a:xfrm>
-            <a:off x="3246120.0" y="1394460.0"/>
-            <a:ext cx="1965960.0" cy="1737360.0"/>
+            <a:off x="4023360" y="1508760.0"/>
+            <a:ext cx="182880" cy="1920240.0"/>
           </a:xfrm>
           <a:prstGeom prst="line">
             <a:avLst/>
           </a:prstGeom>
-          <a:ln w="25400">
+          <a:ln w="19050">
             <a:solidFill>
               <a:srgbClr val="424242"/>
             </a:solidFill>
@@ -4018,13 +4023,13 @@
         </p:nvCxnSpPr>
         <p:spPr>
           <a:xfrm>
-            <a:off x="5212080.0" y="1394460.0"/>
-            <a:ext cx="1965960.0" cy="868680.0"/>
+            <a:off x="5943600" y="1508760.0"/>
+            <a:ext cx="182880" cy="960120.0"/>
           </a:xfrm>
           <a:prstGeom prst="line">
             <a:avLst/>
           </a:prstGeom>
-          <a:ln w="25400">
+          <a:ln w="19050">
             <a:solidFill>
               <a:srgbClr val="424242"/>
             </a:solidFill>
@@ -4052,14 +4057,14 @@
           <p:nvPr/>
         </p:nvCxnSpPr>
         <p:spPr>
-          <a:xfrm>
-            <a:off x="5212080.0" y="1394460.0"/>
-            <a:ext cx="0.0" cy="1737360.0"/>
+          <a:xfrm flipH="1">
+            <a:off x="4206240" y="1508760.0"/>
+            <a:ext cx="1737360" cy="1920240.0"/>
           </a:xfrm>
           <a:prstGeom prst="line">
             <a:avLst/>
           </a:prstGeom>
-          <a:ln w="25400">
+          <a:ln w="19050">
             <a:solidFill>
               <a:srgbClr val="424242"/>
             </a:solidFill>
@@ -4088,13 +4093,13 @@
         </p:nvCxnSpPr>
         <p:spPr>
           <a:xfrm>
-            <a:off x="5212080.0" y="2263140.0"/>
-            <a:ext cx="1965960.0" cy="0.0"/>
+            <a:off x="5943600" y="2468880.0"/>
+            <a:ext cx="182880" cy="0.0"/>
           </a:xfrm>
           <a:prstGeom prst="line">
             <a:avLst/>
           </a:prstGeom>
-          <a:ln w="25400">
+          <a:ln w="19050">
             <a:solidFill>
               <a:srgbClr val="424242"/>
             </a:solidFill>
@@ -4122,14 +4127,14 @@
           <p:nvPr/>
         </p:nvCxnSpPr>
         <p:spPr>
-          <a:xfrm>
-            <a:off x="5212080.0" y="2263140.0"/>
-            <a:ext cx="0.0" cy="868680.0"/>
+          <a:xfrm flipH="1">
+            <a:off x="4206240" y="2468880.0"/>
+            <a:ext cx="1737360" cy="960120.0"/>
           </a:xfrm>
           <a:prstGeom prst="line">
             <a:avLst/>
           </a:prstGeom>
-          <a:ln w="25400">
+          <a:ln w="19050">
             <a:solidFill>
               <a:srgbClr val="424242"/>
             </a:solidFill>
@@ -4158,13 +4163,13 @@
         </p:nvCxnSpPr>
         <p:spPr>
           <a:xfrm>
-            <a:off x="5212080.0" y="3131820.0"/>
-            <a:ext cx="3931920.0" cy="0.0"/>
+            <a:off x="5943600" y="3429000.0"/>
+            <a:ext cx="2103120" cy="0.0"/>
           </a:xfrm>
           <a:prstGeom prst="line">
             <a:avLst/>
           </a:prstGeom>
-          <a:ln w="25400">
+          <a:ln w="19050">
             <a:solidFill>
               <a:srgbClr val="424242"/>
             </a:solidFill>
@@ -4193,13 +4198,13 @@
         </p:nvCxnSpPr>
         <p:spPr>
           <a:xfrm flipV="1">
-            <a:off x="5212080.0" y="2263140.0"/>
-            <a:ext cx="5897880.0" cy="868680.0"/>
+            <a:off x="5943600" y="2468880.0"/>
+            <a:ext cx="4023360" cy="960120.0"/>
           </a:xfrm>
           <a:prstGeom prst="line">
             <a:avLst/>
           </a:prstGeom>
-          <a:ln w="25400">
+          <a:ln w="19050">
             <a:solidFill>
               <a:srgbClr val="424242"/>
             </a:solidFill>
@@ -4228,13 +4233,13 @@
         </p:nvCxnSpPr>
         <p:spPr>
           <a:xfrm>
-            <a:off x="5212080.0" y="1394460.0"/>
-            <a:ext cx="5897880.0" cy="1737360.0"/>
+            <a:off x="5943600" y="1508760.0"/>
+            <a:ext cx="4023360" cy="1920240.0"/>
           </a:xfrm>
           <a:prstGeom prst="line">
             <a:avLst/>
           </a:prstGeom>
-          <a:ln w="25400">
+          <a:ln w="19050">
             <a:solidFill>
               <a:srgbClr val="424242"/>
             </a:solidFill>
@@ -4263,13 +4268,13 @@
         </p:nvCxnSpPr>
         <p:spPr>
           <a:xfrm>
-            <a:off x="1280160.0" y="2263140.0"/>
-            <a:ext cx="3931920.0" cy="0.0"/>
+            <a:off x="2103120" y="2468880.0"/>
+            <a:ext cx="2103120" cy="0.0"/>
           </a:xfrm>
           <a:prstGeom prst="line">
             <a:avLst/>
           </a:prstGeom>
-          <a:ln w="25400">
+          <a:ln w="19050">
             <a:solidFill>
               <a:srgbClr val="424242"/>
             </a:solidFill>
@@ -4292,13 +4297,58 @@
       </p:cxnSp>
       <p:sp>
         <p:nvSpPr>
-          <p:cNvPr id="28" name="TextBox 27"/>
+          <p:cNvPr id="28" name="Rounded Rectangle 27"/>
+          <p:cNvSpPr/>
+          <p:nvPr/>
+        </p:nvSpPr>
+        <p:spPr>
+          <a:xfrm>
+            <a:off x="9509760" y="5212080"/>
+            <a:ext cx="2468880" cy="1280160"/>
+          </a:xfrm>
+          <a:prstGeom prst="roundRect">
+            <a:avLst/>
+          </a:prstGeom>
+          <a:solidFill>
+            <a:srgbClr val="F5F5F5"/>
+          </a:solidFill>
+          <a:ln w="6350">
+            <a:solidFill>
+              <a:srgbClr val="C8C8C8"/>
+            </a:solidFill>
+          </a:ln>
+        </p:spPr>
+        <p:style>
+          <a:lnRef idx="1">
+            <a:schemeClr val="accent1"/>
+          </a:lnRef>
+          <a:fillRef idx="3">
+            <a:schemeClr val="accent1"/>
+          </a:fillRef>
+          <a:effectRef idx="2">
+            <a:schemeClr val="accent1"/>
+          </a:effectRef>
+          <a:fontRef idx="minor">
+            <a:schemeClr val="lt1"/>
+          </a:fontRef>
+        </p:style>
+        <p:txBody>
+          <a:bodyPr rtlCol="0" anchor="ctr"/>
+          <a:lstStyle/>
+          <a:p>
+            <a:pPr algn="ctr"/>
+          </a:p>
+        </p:txBody>
+      </p:sp>
+      <p:sp>
+        <p:nvSpPr>
+          <p:cNvPr id="29" name="TextBox 28"/>
           <p:cNvSpPr txBox="1"/>
           <p:nvPr/>
         </p:nvSpPr>
         <p:spPr>
           <a:xfrm>
-            <a:off x="9601200" y="5029200"/>
+            <a:off x="9601200" y="5303520"/>
             <a:ext cx="2286000" cy="228600"/>
           </a:xfrm>
           <a:prstGeom prst="rect">
@@ -4328,13 +4378,13 @@
       </p:sp>
       <p:sp>
         <p:nvSpPr>
-          <p:cNvPr id="29" name="TextBox 28"/>
+          <p:cNvPr id="30" name="TextBox 29"/>
           <p:cNvSpPr txBox="1"/>
           <p:nvPr/>
         </p:nvSpPr>
         <p:spPr>
           <a:xfrm>
-            <a:off x="9601200" y="5349240"/>
+            <a:off x="9601200" y="5623560"/>
             <a:ext cx="2286000" cy="201168"/>
           </a:xfrm>
           <a:prstGeom prst="rect">
@@ -4349,30 +4399,30 @@
           <a:lstStyle/>
           <a:p>
             <a:pPr>
-              <a:defRPr sz="1400">
+              <a:defRPr sz="1300">
                 <a:latin typeface="Calibri"/>
               </a:defRPr>
             </a:pPr>
             <a:r>
-              <a:rPr sz="1800" b="1">
+              <a:rPr sz="1600" b="1">
                 <a:solidFill>
                   <a:srgbClr val="B0C4DE"/>
                 </a:solidFill>
               </a:rPr>
-              <a:t>■ Datastore</a:t>
-            </a:r>
-          </a:p>
-        </p:txBody>
-      </p:sp>
-      <p:sp>
-        <p:nvSpPr>
-          <p:cNvPr id="30" name="TextBox 29"/>
+              <a:t>● Datastore</a:t>
+            </a:r>
+          </a:p>
+        </p:txBody>
+      </p:sp>
+      <p:sp>
+        <p:nvSpPr>
+          <p:cNvPr id="31" name="TextBox 30"/>
           <p:cNvSpPr txBox="1"/>
           <p:nvPr/>
         </p:nvSpPr>
         <p:spPr>
           <a:xfrm>
-            <a:off x="9601200" y="5559552"/>
+            <a:off x="9601200" y="5824728"/>
             <a:ext cx="2286000" cy="201168"/>
           </a:xfrm>
           <a:prstGeom prst="rect">
@@ -4387,30 +4437,30 @@
           <a:lstStyle/>
           <a:p>
             <a:pPr>
-              <a:defRPr sz="1400">
+              <a:defRPr sz="1300">
                 <a:latin typeface="Calibri"/>
               </a:defRPr>
             </a:pPr>
             <a:r>
-              <a:rPr sz="1800" b="1">
+              <a:rPr sz="1600" b="1">
                 <a:solidFill>
                   <a:srgbClr val="90A4AE"/>
                 </a:solidFill>
               </a:rPr>
-              <a:t>■ Service/Module</a:t>
-            </a:r>
-          </a:p>
-        </p:txBody>
-      </p:sp>
-      <p:sp>
-        <p:nvSpPr>
-          <p:cNvPr id="31" name="TextBox 30"/>
+              <a:t>● Service/Module</a:t>
+            </a:r>
+          </a:p>
+        </p:txBody>
+      </p:sp>
+      <p:sp>
+        <p:nvSpPr>
+          <p:cNvPr id="32" name="TextBox 31"/>
           <p:cNvSpPr txBox="1"/>
           <p:nvPr/>
         </p:nvSpPr>
         <p:spPr>
           <a:xfrm>
-            <a:off x="9601200" y="5769864"/>
+            <a:off x="9601200" y="6025896"/>
             <a:ext cx="2286000" cy="201168"/>
           </a:xfrm>
           <a:prstGeom prst="rect">
@@ -4425,30 +4475,30 @@
           <a:lstStyle/>
           <a:p>
             <a:pPr>
-              <a:defRPr sz="1400">
+              <a:defRPr sz="1300">
                 <a:latin typeface="Calibri"/>
               </a:defRPr>
             </a:pPr>
             <a:r>
-              <a:rPr sz="1800" b="1">
+              <a:rPr sz="1600" b="1">
                 <a:solidFill>
                   <a:srgbClr val="FF9800"/>
                 </a:solidFill>
               </a:rPr>
-              <a:t>■ External API</a:t>
-            </a:r>
-          </a:p>
-        </p:txBody>
-      </p:sp>
-      <p:sp>
-        <p:nvSpPr>
-          <p:cNvPr id="32" name="TextBox 31"/>
+              <a:t>● External API</a:t>
+            </a:r>
+          </a:p>
+        </p:txBody>
+      </p:sp>
+      <p:sp>
+        <p:nvSpPr>
+          <p:cNvPr id="33" name="TextBox 32"/>
           <p:cNvSpPr txBox="1"/>
           <p:nvPr/>
         </p:nvSpPr>
         <p:spPr>
           <a:xfrm>
-            <a:off x="9601200" y="5980176"/>
+            <a:off x="9601200" y="6227064"/>
             <a:ext cx="2286000" cy="201168"/>
           </a:xfrm>
           <a:prstGeom prst="rect">
@@ -4463,58 +4513,17 @@
           <a:lstStyle/>
           <a:p>
             <a:pPr>
-              <a:defRPr sz="1400">
+              <a:defRPr sz="1300">
                 <a:latin typeface="Calibri"/>
               </a:defRPr>
             </a:pPr>
             <a:r>
-              <a:rPr sz="1800" b="1">
+              <a:rPr sz="1600" b="1">
                 <a:solidFill>
                   <a:srgbClr val="BDBDBD"/>
                 </a:solidFill>
               </a:rPr>
-              <a:t>■ Input/Output</a:t>
-            </a:r>
-          </a:p>
-        </p:txBody>
-      </p:sp>
-      <p:sp>
-        <p:nvSpPr>
-          <p:cNvPr id="33" name="TextBox 32"/>
-          <p:cNvSpPr txBox="1"/>
-          <p:nvPr/>
-        </p:nvSpPr>
-        <p:spPr>
-          <a:xfrm>
-            <a:off x="9601200" y="6281928"/>
-            <a:ext cx="2286000" cy="548640"/>
-          </a:xfrm>
-          <a:prstGeom prst="rect">
-            <a:avLst/>
-          </a:prstGeom>
-          <a:noFill/>
-        </p:spPr>
-        <p:txBody>
-          <a:bodyPr wrap="none">
-            <a:spAutoFit/>
-          </a:bodyPr>
-          <a:lstStyle/>
-          <a:p>
-            <a:pPr>
-              <a:defRPr sz="1200">
-                <a:solidFill>
-                  <a:srgbClr val="212121"/>
-                </a:solidFill>
-                <a:latin typeface="Calibri"/>
-              </a:defRPr>
-            </a:pPr>
-            <a:r>
-              <a:t>─── Verified link</a:t>
-            </a:r>
-          </a:p>
-          <a:p>
-            <a:r>
-              <a:t>- - - Optional path</a:t>
+              <a:t>● Input/Output</a:t>
             </a:r>
           </a:p>
         </p:txBody>

--- a/architecture_overview.pptx
+++ b/architecture_overview.pptx
@@ -105,6 +105,525 @@
     </a:lvl9pPr>
   </p:defaultTextStyle>
 </p:presentation>
+</file>
+
+<file path=ppt/notesMasters/notesMaster1.xml><?xml version="1.0" encoding="utf-8"?>
+<p:notesMaster xmlns:a="http://schemas.openxmlformats.org/drawingml/2006/main" xmlns:p="http://schemas.openxmlformats.org/presentationml/2006/main" xmlns:r="http://schemas.openxmlformats.org/officeDocument/2006/relationships">
+  <p:cSld>
+    <p:bg>
+      <p:bgRef idx="1001">
+        <a:schemeClr val="bg1"/>
+      </p:bgRef>
+    </p:bg>
+    <p:spTree>
+      <p:nvGrpSpPr>
+        <p:cNvPr id="1" name=""/>
+        <p:cNvGrpSpPr/>
+        <p:nvPr/>
+      </p:nvGrpSpPr>
+      <p:grpSpPr>
+        <a:xfrm>
+          <a:off x="0" y="0"/>
+          <a:ext cx="0" cy="0"/>
+          <a:chOff x="0" y="0"/>
+          <a:chExt cx="0" cy="0"/>
+        </a:xfrm>
+      </p:grpSpPr>
+      <p:sp>
+        <p:nvSpPr>
+          <p:cNvPr id="2" name="Header Placeholder 1"/>
+          <p:cNvSpPr>
+            <a:spLocks noGrp="1"/>
+          </p:cNvSpPr>
+          <p:nvPr>
+            <p:ph type="hdr" sz="quarter"/>
+          </p:nvPr>
+        </p:nvSpPr>
+        <p:spPr>
+          <a:xfrm>
+            <a:off x="0" y="0"/>
+            <a:ext cx="2971800" cy="457200"/>
+          </a:xfrm>
+          <a:prstGeom prst="rect">
+            <a:avLst/>
+          </a:prstGeom>
+        </p:spPr>
+        <p:txBody>
+          <a:bodyPr vert="horz" lIns="91440" tIns="45720" rIns="91440" bIns="45720" rtlCol="0"/>
+          <a:lstStyle>
+            <a:lvl1pPr algn="l">
+              <a:defRPr sz="1200"/>
+            </a:lvl1pPr>
+          </a:lstStyle>
+          <a:p>
+            <a:endParaRPr lang="en-US"/>
+          </a:p>
+        </p:txBody>
+      </p:sp>
+      <p:sp>
+        <p:nvSpPr>
+          <p:cNvPr id="3" name="Date Placeholder 2"/>
+          <p:cNvSpPr>
+            <a:spLocks noGrp="1"/>
+          </p:cNvSpPr>
+          <p:nvPr>
+            <p:ph type="dt" idx="1"/>
+          </p:nvPr>
+        </p:nvSpPr>
+        <p:spPr>
+          <a:xfrm>
+            <a:off x="3884613" y="0"/>
+            <a:ext cx="2971800" cy="457200"/>
+          </a:xfrm>
+          <a:prstGeom prst="rect">
+            <a:avLst/>
+          </a:prstGeom>
+        </p:spPr>
+        <p:txBody>
+          <a:bodyPr vert="horz" lIns="91440" tIns="45720" rIns="91440" bIns="45720" rtlCol="0"/>
+          <a:lstStyle>
+            <a:lvl1pPr algn="r">
+              <a:defRPr sz="1200"/>
+            </a:lvl1pPr>
+          </a:lstStyle>
+          <a:p>
+            <a:fld id="{0F89C1C7-3DCD-1040-A9CF-14679D8B5DDD}" type="datetimeFigureOut">
+              <a:rPr lang="en-US" smtClean="0"/>
+              <a:t>10/17/16</a:t>
+            </a:fld>
+            <a:endParaRPr lang="en-US"/>
+          </a:p>
+        </p:txBody>
+      </p:sp>
+      <p:sp>
+        <p:nvSpPr>
+          <p:cNvPr id="4" name="Slide Image Placeholder 3"/>
+          <p:cNvSpPr>
+            <a:spLocks noGrp="1" noRot="1" noChangeAspect="1"/>
+          </p:cNvSpPr>
+          <p:nvPr>
+            <p:ph type="sldImg" idx="2"/>
+          </p:nvPr>
+        </p:nvSpPr>
+        <p:spPr>
+          <a:xfrm>
+            <a:off x="1143000" y="685800"/>
+            <a:ext cx="4572000" cy="3429000"/>
+          </a:xfrm>
+          <a:prstGeom prst="rect">
+            <a:avLst/>
+          </a:prstGeom>
+          <a:noFill/>
+          <a:ln w="12700">
+            <a:solidFill>
+              <a:prstClr val="black"/>
+            </a:solidFill>
+          </a:ln>
+        </p:spPr>
+        <p:txBody>
+          <a:bodyPr vert="horz" lIns="91440" tIns="45720" rIns="91440" bIns="45720" rtlCol="0" anchor="ctr"/>
+          <a:lstStyle/>
+          <a:p>
+            <a:endParaRPr lang="en-US"/>
+          </a:p>
+        </p:txBody>
+      </p:sp>
+      <p:sp>
+        <p:nvSpPr>
+          <p:cNvPr id="5" name="Notes Placeholder 4"/>
+          <p:cNvSpPr>
+            <a:spLocks noGrp="1"/>
+          </p:cNvSpPr>
+          <p:nvPr>
+            <p:ph type="body" sz="quarter" idx="3"/>
+          </p:nvPr>
+        </p:nvSpPr>
+        <p:spPr>
+          <a:xfrm>
+            <a:off x="685800" y="4343400"/>
+            <a:ext cx="5486400" cy="4114800"/>
+          </a:xfrm>
+          <a:prstGeom prst="rect">
+            <a:avLst/>
+          </a:prstGeom>
+        </p:spPr>
+        <p:txBody>
+          <a:bodyPr vert="horz" lIns="91440" tIns="45720" rIns="91440" bIns="45720" rtlCol="0"/>
+          <a:lstStyle/>
+          <a:p>
+            <a:pPr lvl="0"/>
+            <a:r>
+              <a:rPr lang="en-US" smtClean="0"/>
+              <a:t>Click to edit Master text styles</a:t>
+            </a:r>
+          </a:p>
+          <a:p>
+            <a:pPr lvl="1"/>
+            <a:r>
+              <a:rPr lang="en-US" smtClean="0"/>
+              <a:t>Second level</a:t>
+            </a:r>
+          </a:p>
+          <a:p>
+            <a:pPr lvl="2"/>
+            <a:r>
+              <a:rPr lang="en-US" smtClean="0"/>
+              <a:t>Third level</a:t>
+            </a:r>
+          </a:p>
+          <a:p>
+            <a:pPr lvl="3"/>
+            <a:r>
+              <a:rPr lang="en-US" smtClean="0"/>
+              <a:t>Fourth level</a:t>
+            </a:r>
+          </a:p>
+          <a:p>
+            <a:pPr lvl="4"/>
+            <a:r>
+              <a:rPr lang="en-US" smtClean="0"/>
+              <a:t>Fifth level</a:t>
+            </a:r>
+            <a:endParaRPr lang="en-US"/>
+          </a:p>
+        </p:txBody>
+      </p:sp>
+      <p:sp>
+        <p:nvSpPr>
+          <p:cNvPr id="6" name="Footer Placeholder 5"/>
+          <p:cNvSpPr>
+            <a:spLocks noGrp="1"/>
+          </p:cNvSpPr>
+          <p:nvPr>
+            <p:ph type="ftr" sz="quarter" idx="4"/>
+          </p:nvPr>
+        </p:nvSpPr>
+        <p:spPr>
+          <a:xfrm>
+            <a:off x="0" y="8685213"/>
+            <a:ext cx="2971800" cy="457200"/>
+          </a:xfrm>
+          <a:prstGeom prst="rect">
+            <a:avLst/>
+          </a:prstGeom>
+        </p:spPr>
+        <p:txBody>
+          <a:bodyPr vert="horz" lIns="91440" tIns="45720" rIns="91440" bIns="45720" rtlCol="0" anchor="b"/>
+          <a:lstStyle>
+            <a:lvl1pPr algn="l">
+              <a:defRPr sz="1200"/>
+            </a:lvl1pPr>
+          </a:lstStyle>
+          <a:p>
+            <a:endParaRPr lang="en-US"/>
+          </a:p>
+        </p:txBody>
+      </p:sp>
+      <p:sp>
+        <p:nvSpPr>
+          <p:cNvPr id="7" name="Slide Number Placeholder 6"/>
+          <p:cNvSpPr>
+            <a:spLocks noGrp="1"/>
+          </p:cNvSpPr>
+          <p:nvPr>
+            <p:ph type="sldNum" sz="quarter" idx="5"/>
+          </p:nvPr>
+        </p:nvSpPr>
+        <p:spPr>
+          <a:xfrm>
+            <a:off x="3884613" y="8685213"/>
+            <a:ext cx="2971800" cy="457200"/>
+          </a:xfrm>
+          <a:prstGeom prst="rect">
+            <a:avLst/>
+          </a:prstGeom>
+        </p:spPr>
+        <p:txBody>
+          <a:bodyPr vert="horz" lIns="91440" tIns="45720" rIns="91440" bIns="45720" rtlCol="0" anchor="b"/>
+          <a:lstStyle>
+            <a:lvl1pPr algn="r">
+              <a:defRPr sz="1200"/>
+            </a:lvl1pPr>
+          </a:lstStyle>
+          <a:p>
+            <a:fld id="{BB5E49A5-4136-284D-997B-48E1D791AD67}" type="slidenum">
+              <a:rPr lang="en-US" smtClean="0"/>
+              <a:t>‹#›</a:t>
+            </a:fld>
+            <a:endParaRPr lang="en-US"/>
+          </a:p>
+        </p:txBody>
+      </p:sp>
+    </p:spTree>
+    <p:extLst>
+      <p:ext uri="{BB962C8B-B14F-4D97-AF65-F5344CB8AC3E}">
+        <p14:creationId xmlns:p14="http://schemas.microsoft.com/office/powerpoint/2010/main" val="2623252185"/>
+      </p:ext>
+    </p:extLst>
+  </p:cSld>
+  <p:clrMap bg1="lt1" tx1="dk1" bg2="lt2" tx2="dk2" accent1="accent1" accent2="accent2" accent3="accent3" accent4="accent4" accent5="accent5" accent6="accent6" hlink="hlink" folHlink="folHlink"/>
+  <p:notesStyle>
+    <a:lvl1pPr marL="0" algn="l" defTabSz="457200" rtl="0" eaLnBrk="1" latinLnBrk="0" hangingPunct="1">
+      <a:defRPr sz="1200" kern="1200">
+        <a:solidFill>
+          <a:schemeClr val="tx1"/>
+        </a:solidFill>
+        <a:latin typeface="+mn-lt"/>
+        <a:ea typeface="+mn-ea"/>
+        <a:cs typeface="+mn-cs"/>
+      </a:defRPr>
+    </a:lvl1pPr>
+    <a:lvl2pPr marL="457200" algn="l" defTabSz="457200" rtl="0" eaLnBrk="1" latinLnBrk="0" hangingPunct="1">
+      <a:defRPr sz="1200" kern="1200">
+        <a:solidFill>
+          <a:schemeClr val="tx1"/>
+        </a:solidFill>
+        <a:latin typeface="+mn-lt"/>
+        <a:ea typeface="+mn-ea"/>
+        <a:cs typeface="+mn-cs"/>
+      </a:defRPr>
+    </a:lvl2pPr>
+    <a:lvl3pPr marL="914400" algn="l" defTabSz="457200" rtl="0" eaLnBrk="1" latinLnBrk="0" hangingPunct="1">
+      <a:defRPr sz="1200" kern="1200">
+        <a:solidFill>
+          <a:schemeClr val="tx1"/>
+        </a:solidFill>
+        <a:latin typeface="+mn-lt"/>
+        <a:ea typeface="+mn-ea"/>
+        <a:cs typeface="+mn-cs"/>
+      </a:defRPr>
+    </a:lvl3pPr>
+    <a:lvl4pPr marL="1371600" algn="l" defTabSz="457200" rtl="0" eaLnBrk="1" latinLnBrk="0" hangingPunct="1">
+      <a:defRPr sz="1200" kern="1200">
+        <a:solidFill>
+          <a:schemeClr val="tx1"/>
+        </a:solidFill>
+        <a:latin typeface="+mn-lt"/>
+        <a:ea typeface="+mn-ea"/>
+        <a:cs typeface="+mn-cs"/>
+      </a:defRPr>
+    </a:lvl4pPr>
+    <a:lvl5pPr marL="1828800" algn="l" defTabSz="457200" rtl="0" eaLnBrk="1" latinLnBrk="0" hangingPunct="1">
+      <a:defRPr sz="1200" kern="1200">
+        <a:solidFill>
+          <a:schemeClr val="tx1"/>
+        </a:solidFill>
+        <a:latin typeface="+mn-lt"/>
+        <a:ea typeface="+mn-ea"/>
+        <a:cs typeface="+mn-cs"/>
+      </a:defRPr>
+    </a:lvl5pPr>
+    <a:lvl6pPr marL="2286000" algn="l" defTabSz="457200" rtl="0" eaLnBrk="1" latinLnBrk="0" hangingPunct="1">
+      <a:defRPr sz="1200" kern="1200">
+        <a:solidFill>
+          <a:schemeClr val="tx1"/>
+        </a:solidFill>
+        <a:latin typeface="+mn-lt"/>
+        <a:ea typeface="+mn-ea"/>
+        <a:cs typeface="+mn-cs"/>
+      </a:defRPr>
+    </a:lvl6pPr>
+    <a:lvl7pPr marL="2743200" algn="l" defTabSz="457200" rtl="0" eaLnBrk="1" latinLnBrk="0" hangingPunct="1">
+      <a:defRPr sz="1200" kern="1200">
+        <a:solidFill>
+          <a:schemeClr val="tx1"/>
+        </a:solidFill>
+        <a:latin typeface="+mn-lt"/>
+        <a:ea typeface="+mn-ea"/>
+        <a:cs typeface="+mn-cs"/>
+      </a:defRPr>
+    </a:lvl7pPr>
+    <a:lvl8pPr marL="3200400" algn="l" defTabSz="457200" rtl="0" eaLnBrk="1" latinLnBrk="0" hangingPunct="1">
+      <a:defRPr sz="1200" kern="1200">
+        <a:solidFill>
+          <a:schemeClr val="tx1"/>
+        </a:solidFill>
+        <a:latin typeface="+mn-lt"/>
+        <a:ea typeface="+mn-ea"/>
+        <a:cs typeface="+mn-cs"/>
+      </a:defRPr>
+    </a:lvl8pPr>
+    <a:lvl9pPr marL="3657600" algn="l" defTabSz="457200" rtl="0" eaLnBrk="1" latinLnBrk="0" hangingPunct="1">
+      <a:defRPr sz="1200" kern="1200">
+        <a:solidFill>
+          <a:schemeClr val="tx1"/>
+        </a:solidFill>
+        <a:latin typeface="+mn-lt"/>
+        <a:ea typeface="+mn-ea"/>
+        <a:cs typeface="+mn-cs"/>
+      </a:defRPr>
+    </a:lvl9pPr>
+  </p:notesStyle>
+</p:notesMaster>
+</file>
+
+<file path=ppt/notesSlides/notesSlide1.xml><?xml version="1.0" encoding="utf-8"?>
+<p:notes xmlns:a="http://schemas.openxmlformats.org/drawingml/2006/main" xmlns:p="http://schemas.openxmlformats.org/presentationml/2006/main" xmlns:r="http://schemas.openxmlformats.org/officeDocument/2006/relationships">
+  <p:cSld>
+    <p:spTree>
+      <p:nvGrpSpPr>
+        <p:cNvPr id="1" name=""/>
+        <p:cNvGrpSpPr/>
+        <p:nvPr/>
+      </p:nvGrpSpPr>
+      <p:grpSpPr>
+        <a:xfrm>
+          <a:off x="0" y="0"/>
+          <a:ext cx="0" cy="0"/>
+          <a:chOff x="0" y="0"/>
+          <a:chExt cx="0" cy="0"/>
+        </a:xfrm>
+      </p:grpSpPr>
+      <p:sp>
+        <p:nvSpPr>
+          <p:cNvPr id="2" name="Slide Image Placeholder 1"/>
+          <p:cNvSpPr>
+            <a:spLocks noGrp="1"/>
+          </p:cNvSpPr>
+          <p:nvPr>
+            <p:ph type="sldImg" idx="2"/>
+          </p:nvPr>
+        </p:nvSpPr>
+        <p:spPr/>
+      </p:sp>
+      <p:sp>
+        <p:nvSpPr>
+          <p:cNvPr id="3" name="Notes Placeholder 2"/>
+          <p:cNvSpPr>
+            <a:spLocks noGrp="1"/>
+          </p:cNvSpPr>
+          <p:nvPr>
+            <p:ph type="body" idx="3" sz="quarter"/>
+          </p:nvPr>
+        </p:nvSpPr>
+        <p:spPr/>
+        <p:txBody>
+          <a:bodyPr/>
+          <a:lstStyle/>
+          <a:p>
+            <a:r>
+              <a:t>ARCHITECTURE NOTES:</a:t>
+            </a:r>
+          </a:p>
+          <a:p/>
+          <a:p>
+            <a:r>
+              <a:t>CSV Data: Customer transaction data (customers.csv, competitor_data.csv) loaded into system.</a:t>
+            </a:r>
+          </a:p>
+          <a:p>
+            <a:r>
+              <a:t>OpenAI API: Used for intelligent question generation and code synthesis.</a:t>
+            </a:r>
+          </a:p>
+          <a:p>
+            <a:r>
+              <a:t>Streamlit UI: Interactive web interface for user interaction and visualization.</a:t>
+            </a:r>
+          </a:p>
+          <a:p>
+            <a:r>
+              <a:t>Kosmos Orchestrator: Main loop coordinating discovery cycles (main.py).</a:t>
+            </a:r>
+          </a:p>
+          <a:p>
+            <a:r>
+              <a:t>Data Analysis Agent: Generates and executes Python code for statistical analysis (scipy).</a:t>
+            </a:r>
+          </a:p>
+          <a:p>
+            <a:r>
+              <a:t>Literature Agent: Searches knowledge base for relevant research papers.</a:t>
+            </a:r>
+          </a:p>
+          <a:p>
+            <a:r>
+              <a:t>Statistical Engine: Performs t-tests, ANOVA, correlations, regressions.</a:t>
+            </a:r>
+          </a:p>
+          <a:p>
+            <a:r>
+              <a:t>World Model: Maintains state, discoveries, hypotheses across cycles.</a:t>
+            </a:r>
+          </a:p>
+          <a:p>
+            <a:r>
+              <a:t>Local Storage: Persists world model state as JSON.</a:t>
+            </a:r>
+          </a:p>
+          <a:p>
+            <a:r>
+              <a:t>Analysis Outputs: Generated Python scripts with analysis code.</a:t>
+            </a:r>
+          </a:p>
+          <a:p>
+            <a:r>
+              <a:t>Reports: Final discovery reports in text and PowerPoint formats.</a:t>
+            </a:r>
+          </a:p>
+          <a:p/>
+          <a:p>
+            <a:r>
+              <a:t>KEY FLOWS:</a:t>
+            </a:r>
+          </a:p>
+          <a:p>
+            <a:r>
+              <a:t>1. User defines research objective via Streamlit</a:t>
+            </a:r>
+          </a:p>
+          <a:p>
+            <a:r>
+              <a:t>2. Orchestrator generates research questions per cycle</a:t>
+            </a:r>
+          </a:p>
+          <a:p>
+            <a:r>
+              <a:t>3. Data Agent executes statistical analyses</a:t>
+            </a:r>
+          </a:p>
+          <a:p>
+            <a:r>
+              <a:t>4. World Model synthesizes discoveries</a:t>
+            </a:r>
+          </a:p>
+          <a:p>
+            <a:r>
+              <a:t>5. Final reports generated with all findings</a:t>
+            </a:r>
+          </a:p>
+          <a:p/>
+          <a:p>
+            <a:r>
+              <a:t>VERIFIED: All connections represent actual code paths in the repository.</a:t>
+            </a:r>
+          </a:p>
+          <a:p>
+            <a:r>
+              <a:t>INFERRED: Dotted lines would indicate uncertain flows (none present).</a:t>
+            </a:r>
+          </a:p>
+          <a:p/>
+        </p:txBody>
+      </p:sp>
+      <p:sp>
+        <p:nvSpPr>
+          <p:cNvPr id="4" name="Slide Number Placeholder 3"/>
+          <p:cNvSpPr>
+            <a:spLocks noGrp="1"/>
+          </p:cNvSpPr>
+          <p:nvPr>
+            <p:ph type="sldNum" idx="5" sz="quarter"/>
+          </p:nvPr>
+        </p:nvSpPr>
+        <p:spPr/>
+      </p:sp>
+    </p:spTree>
+  </p:cSld>
+  <p:clrMapOvr>
+    <a:masterClrMapping/>
+  </p:clrMapOvr>
+</p:notes>
 </file>
 
 <file path=ppt/slideLayouts/slideLayout1.xml><?xml version="1.0" encoding="utf-8"?>
@@ -3090,96 +3609,24 @@
       <p:grpSpPr/>
       <p:sp>
         <p:nvSpPr>
-          <p:cNvPr id="2" name="TextBox 1"/>
-          <p:cNvSpPr txBox="1"/>
+          <p:cNvPr id="12" name="Rectangle 11"/>
+          <p:cNvSpPr/>
           <p:nvPr/>
         </p:nvSpPr>
         <p:spPr>
           <a:xfrm>
-            <a:off x="457200" y="274320"/>
-            <a:ext cx="10972800" cy="457200"/>
+            <a:off x="8686800" y="731520"/>
+            <a:ext cx="2743200" cy="4754880"/>
           </a:xfrm>
           <a:prstGeom prst="rect">
             <a:avLst/>
           </a:prstGeom>
-          <a:noFill/>
-        </p:spPr>
-        <p:txBody>
-          <a:bodyPr wrap="none">
-            <a:spAutoFit/>
-          </a:bodyPr>
-          <a:lstStyle/>
-          <a:p>
-            <a:pPr algn="l">
-              <a:defRPr sz="3600" b="1">
-                <a:solidFill>
-                  <a:srgbClr val="1F3864"/>
-                </a:solidFill>
-                <a:latin typeface="Calibri"/>
-              </a:defRPr>
-            </a:pPr>
-            <a:r>
-              <a:t>Data to Discovery: System Architecture</a:t>
-            </a:r>
-          </a:p>
-        </p:txBody>
-      </p:sp>
-      <p:sp>
-        <p:nvSpPr>
-          <p:cNvPr id="3" name="TextBox 2"/>
-          <p:cNvSpPr txBox="1"/>
-          <p:nvPr/>
-        </p:nvSpPr>
-        <p:spPr>
-          <a:xfrm>
-            <a:off x="457200" y="731520"/>
-            <a:ext cx="10972800" cy="274320"/>
-          </a:xfrm>
-          <a:prstGeom prst="rect">
-            <a:avLst/>
-          </a:prstGeom>
-          <a:noFill/>
-        </p:spPr>
-        <p:txBody>
-          <a:bodyPr wrap="none">
-            <a:spAutoFit/>
-          </a:bodyPr>
-          <a:lstStyle/>
-          <a:p>
-            <a:pPr algn="l">
-              <a:defRPr sz="1600" i="1">
-                <a:solidFill>
-                  <a:srgbClr val="212121"/>
-                </a:solidFill>
-                <a:latin typeface="Calibri"/>
-              </a:defRPr>
-            </a:pPr>
-            <a:r>
-              <a:t>Autonomous discovery through statistical analysis, agent orchestration, and LLM synthesis</a:t>
-            </a:r>
-          </a:p>
-        </p:txBody>
-      </p:sp>
-      <p:sp>
-        <p:nvSpPr>
-          <p:cNvPr id="4" name="Can 3"/>
-          <p:cNvSpPr/>
-          <p:nvPr/>
-        </p:nvSpPr>
-        <p:spPr>
-          <a:xfrm>
-            <a:off x="365760" y="1097280"/>
-            <a:ext cx="1828800" cy="594360"/>
-          </a:xfrm>
-          <a:prstGeom prst="can">
-            <a:avLst/>
-          </a:prstGeom>
           <a:solidFill>
-            <a:srgbClr val="B0C4DE"/>
+            <a:srgbClr val="FAFAFA"/>
           </a:solidFill>
-          <a:ln w="25400">
+          <a:ln w="6350">
             <a:solidFill>
-              <a:srgbClr val="424242"/>
+              <a:srgbClr val="C0C0C0"/>
             </a:solidFill>
           </a:ln>
         </p:spPr>
@@ -3198,43 +3645,33 @@
           </a:fontRef>
         </p:style>
         <p:txBody>
-          <a:bodyPr rtlCol="0" anchor="ctr" wrap="square" lIns="101600" rIns="101600" tIns="101600" bIns="101600"/>
-          <a:lstStyle/>
-          <a:p>
-            <a:pPr algn="ctr">
-              <a:defRPr sz="1600" b="1">
-                <a:solidFill>
-                  <a:srgbClr val="212121"/>
-                </a:solidFill>
-                <a:latin typeface="Calibri"/>
-              </a:defRPr>
-            </a:pPr>
-            <a:r>
-              <a:t>CSV Data</a:t>
-            </a:r>
-          </a:p>
-        </p:txBody>
-      </p:sp>
-      <p:sp>
-        <p:nvSpPr>
-          <p:cNvPr id="5" name="Can 4"/>
+          <a:bodyPr rtlCol="0" anchor="ctr"/>
+          <a:lstStyle/>
+          <a:p>
+            <a:pPr algn="ctr"/>
+          </a:p>
+        </p:txBody>
+      </p:sp>
+      <p:sp>
+        <p:nvSpPr>
+          <p:cNvPr id="10" name="Rectangle 9"/>
           <p:cNvSpPr/>
           <p:nvPr/>
         </p:nvSpPr>
         <p:spPr>
           <a:xfrm>
-            <a:off x="365760" y="1965960"/>
-            <a:ext cx="1828800" cy="594360"/>
-          </a:xfrm>
-          <a:prstGeom prst="can">
+            <a:off x="6400800" y="731520"/>
+            <a:ext cx="1828800" cy="4754880"/>
+          </a:xfrm>
+          <a:prstGeom prst="rect">
             <a:avLst/>
           </a:prstGeom>
           <a:solidFill>
-            <a:srgbClr val="B0C4DE"/>
+            <a:srgbClr val="FAFAFA"/>
           </a:solidFill>
-          <a:ln w="25400">
+          <a:ln w="6350">
             <a:solidFill>
-              <a:srgbClr val="424242"/>
+              <a:srgbClr val="C0C0C0"/>
             </a:solidFill>
           </a:ln>
         </p:spPr>
@@ -3253,48 +3690,33 @@
           </a:fontRef>
         </p:style>
         <p:txBody>
-          <a:bodyPr rtlCol="0" anchor="ctr" wrap="square" lIns="101600" rIns="101600" tIns="101600" bIns="101600"/>
-          <a:lstStyle/>
-          <a:p>
-            <a:pPr algn="ctr">
-              <a:defRPr sz="1600" b="1">
-                <a:solidFill>
-                  <a:srgbClr val="212121"/>
-                </a:solidFill>
-                <a:latin typeface="Calibri"/>
-              </a:defRPr>
-            </a:pPr>
-            <a:r>
-              <a:t>Literature</a:t>
-            </a:r>
-          </a:p>
-          <a:p>
-            <a:r>
-              <a:t>Store</a:t>
-            </a:r>
-          </a:p>
-        </p:txBody>
-      </p:sp>
-      <p:sp>
-        <p:nvSpPr>
-          <p:cNvPr id="6" name="Parallelogram 5"/>
+          <a:bodyPr rtlCol="0" anchor="ctr"/>
+          <a:lstStyle/>
+          <a:p>
+            <a:pPr algn="ctr"/>
+          </a:p>
+        </p:txBody>
+      </p:sp>
+      <p:sp>
+        <p:nvSpPr>
+          <p:cNvPr id="8" name="Rectangle 7"/>
           <p:cNvSpPr/>
           <p:nvPr/>
         </p:nvSpPr>
         <p:spPr>
           <a:xfrm>
-            <a:off x="365760" y="2834640"/>
-            <a:ext cx="1828800" cy="594360"/>
-          </a:xfrm>
-          <a:prstGeom prst="parallelogram">
+            <a:off x="4114800" y="731520"/>
+            <a:ext cx="1828800" cy="4754880"/>
+          </a:xfrm>
+          <a:prstGeom prst="rect">
             <a:avLst/>
           </a:prstGeom>
           <a:solidFill>
-            <a:srgbClr val="BDBDBD"/>
+            <a:srgbClr val="FAFAFA"/>
           </a:solidFill>
-          <a:ln w="25400">
+          <a:ln w="6350">
             <a:solidFill>
-              <a:srgbClr val="424242"/>
+              <a:srgbClr val="C0C0C0"/>
             </a:solidFill>
           </a:ln>
         </p:spPr>
@@ -3313,43 +3735,33 @@
           </a:fontRef>
         </p:style>
         <p:txBody>
-          <a:bodyPr rtlCol="0" anchor="ctr" wrap="square" lIns="101600" rIns="101600" tIns="101600" bIns="101600"/>
-          <a:lstStyle/>
-          <a:p>
-            <a:pPr algn="ctr">
-              <a:defRPr sz="1600" b="1">
-                <a:solidFill>
-                  <a:srgbClr val="212121"/>
-                </a:solidFill>
-                <a:latin typeface="Calibri"/>
-              </a:defRPr>
-            </a:pPr>
-            <a:r>
-              <a:t>Config</a:t>
-            </a:r>
-          </a:p>
-        </p:txBody>
-      </p:sp>
-      <p:sp>
-        <p:nvSpPr>
-          <p:cNvPr id="7" name="Rounded Rectangle 6"/>
+          <a:bodyPr rtlCol="0" anchor="ctr"/>
+          <a:lstStyle/>
+          <a:p>
+            <a:pPr algn="ctr"/>
+          </a:p>
+        </p:txBody>
+      </p:sp>
+      <p:sp>
+        <p:nvSpPr>
+          <p:cNvPr id="6" name="Rectangle 5"/>
           <p:cNvSpPr/>
           <p:nvPr/>
         </p:nvSpPr>
         <p:spPr>
           <a:xfrm>
-            <a:off x="2331720" y="1097280"/>
-            <a:ext cx="1828800" cy="594360"/>
-          </a:xfrm>
-          <a:prstGeom prst="roundRect">
+            <a:off x="2286000" y="731520"/>
+            <a:ext cx="1371600" cy="4754880"/>
+          </a:xfrm>
+          <a:prstGeom prst="rect">
             <a:avLst/>
           </a:prstGeom>
           <a:solidFill>
-            <a:srgbClr val="90A4AE"/>
+            <a:srgbClr val="FAFAFA"/>
           </a:solidFill>
-          <a:ln w="25400">
+          <a:ln w="6350">
             <a:solidFill>
-              <a:srgbClr val="424242"/>
+              <a:srgbClr val="C0C0C0"/>
             </a:solidFill>
           </a:ln>
         </p:spPr>
@@ -3368,48 +3780,33 @@
           </a:fontRef>
         </p:style>
         <p:txBody>
-          <a:bodyPr rtlCol="0" anchor="ctr" wrap="square" lIns="101600" rIns="101600" tIns="101600" bIns="101600"/>
-          <a:lstStyle/>
-          <a:p>
-            <a:pPr algn="ctr">
-              <a:defRPr sz="1600" b="1">
-                <a:solidFill>
-                  <a:srgbClr val="212121"/>
-                </a:solidFill>
-                <a:latin typeface="Calibri"/>
-              </a:defRPr>
-            </a:pPr>
-            <a:r>
-              <a:t>Streamlit</a:t>
-            </a:r>
-          </a:p>
-          <a:p>
-            <a:r>
-              <a:t>UI</a:t>
-            </a:r>
-          </a:p>
-        </p:txBody>
-      </p:sp>
-      <p:sp>
-        <p:nvSpPr>
-          <p:cNvPr id="8" name="Rounded Rectangle 7"/>
+          <a:bodyPr rtlCol="0" anchor="ctr"/>
+          <a:lstStyle/>
+          <a:p>
+            <a:pPr algn="ctr"/>
+          </a:p>
+        </p:txBody>
+      </p:sp>
+      <p:sp>
+        <p:nvSpPr>
+          <p:cNvPr id="4" name="Rectangle 3"/>
           <p:cNvSpPr/>
           <p:nvPr/>
         </p:nvSpPr>
         <p:spPr>
           <a:xfrm>
-            <a:off x="2331720" y="2834640"/>
-            <a:ext cx="1828800" cy="594360"/>
-          </a:xfrm>
-          <a:prstGeom prst="roundRect">
+            <a:off x="457200" y="731520"/>
+            <a:ext cx="1645920" cy="4754880"/>
+          </a:xfrm>
+          <a:prstGeom prst="rect">
             <a:avLst/>
           </a:prstGeom>
           <a:solidFill>
-            <a:srgbClr val="90A4AE"/>
+            <a:srgbClr val="FAFAFA"/>
           </a:solidFill>
-          <a:ln w="25400">
+          <a:ln w="6350">
             <a:solidFill>
-              <a:srgbClr val="424242"/>
+              <a:srgbClr val="C0C0C0"/>
             </a:solidFill>
           </a:ln>
         </p:spPr>
@@ -3428,444 +3825,332 @@
           </a:fontRef>
         </p:style>
         <p:txBody>
-          <a:bodyPr rtlCol="0" anchor="ctr" wrap="square" lIns="101600" rIns="101600" tIns="101600" bIns="101600"/>
-          <a:lstStyle/>
-          <a:p>
-            <a:pPr algn="ctr">
-              <a:defRPr sz="1600" b="1">
+          <a:bodyPr rtlCol="0" anchor="ctr"/>
+          <a:lstStyle/>
+          <a:p>
+            <a:pPr algn="ctr"/>
+          </a:p>
+        </p:txBody>
+      </p:sp>
+      <p:sp>
+        <p:nvSpPr>
+          <p:cNvPr id="2" name="TextBox 1"/>
+          <p:cNvSpPr txBox="1"/>
+          <p:nvPr/>
+        </p:nvSpPr>
+        <p:spPr>
+          <a:xfrm>
+            <a:off x="457200" y="182880"/>
+            <a:ext cx="10972800" cy="457200"/>
+          </a:xfrm>
+          <a:prstGeom prst="rect">
+            <a:avLst/>
+          </a:prstGeom>
+          <a:noFill/>
+        </p:spPr>
+        <p:txBody>
+          <a:bodyPr wrap="none">
+            <a:spAutoFit/>
+          </a:bodyPr>
+          <a:lstStyle/>
+          <a:p>
+            <a:pPr algn="l">
+              <a:defRPr sz="3200" b="1">
                 <a:solidFill>
-                  <a:srgbClr val="212121"/>
+                  <a:srgbClr val="404040"/>
                 </a:solidFill>
                 <a:latin typeface="Calibri"/>
               </a:defRPr>
             </a:pPr>
             <a:r>
-              <a:t>Kosmos</a:t>
-            </a:r>
-          </a:p>
-          <a:p>
-            <a:r>
-              <a:t>Framework</a:t>
-            </a:r>
-          </a:p>
-        </p:txBody>
-      </p:sp>
-      <p:sp>
-        <p:nvSpPr>
-          <p:cNvPr id="9" name="Rounded Rectangle 8"/>
-          <p:cNvSpPr/>
+              <a:t>Agentic Insights: System Architecture</a:t>
+            </a:r>
+          </a:p>
+        </p:txBody>
+      </p:sp>
+      <p:sp>
+        <p:nvSpPr>
+          <p:cNvPr id="3" name="TextBox 2"/>
+          <p:cNvSpPr txBox="1"/>
           <p:nvPr/>
         </p:nvSpPr>
         <p:spPr>
           <a:xfrm>
-            <a:off x="4297680" y="1097280"/>
-            <a:ext cx="1828800" cy="594360"/>
-          </a:xfrm>
-          <a:prstGeom prst="roundRect">
+            <a:off x="457200" y="457200"/>
+            <a:ext cx="10972800" cy="228600"/>
+          </a:xfrm>
+          <a:prstGeom prst="rect">
             <a:avLst/>
           </a:prstGeom>
-          <a:solidFill>
-            <a:srgbClr val="90A4AE"/>
-          </a:solidFill>
-          <a:ln w="25400">
-            <a:solidFill>
-              <a:srgbClr val="424242"/>
-            </a:solidFill>
-          </a:ln>
-        </p:spPr>
-        <p:style>
-          <a:lnRef idx="1">
-            <a:schemeClr val="accent1"/>
-          </a:lnRef>
-          <a:fillRef idx="3">
-            <a:schemeClr val="accent1"/>
-          </a:fillRef>
-          <a:effectRef idx="2">
-            <a:schemeClr val="accent1"/>
-          </a:effectRef>
-          <a:fontRef idx="minor">
-            <a:schemeClr val="lt1"/>
-          </a:fontRef>
-        </p:style>
-        <p:txBody>
-          <a:bodyPr rtlCol="0" anchor="ctr" wrap="square" lIns="101600" rIns="101600" tIns="101600" bIns="101600"/>
-          <a:lstStyle/>
-          <a:p>
-            <a:pPr algn="ctr">
-              <a:defRPr sz="1600" b="1">
+          <a:noFill/>
+        </p:spPr>
+        <p:txBody>
+          <a:bodyPr wrap="none">
+            <a:spAutoFit/>
+          </a:bodyPr>
+          <a:lstStyle/>
+          <a:p>
+            <a:pPr>
+              <a:defRPr sz="1200" i="1">
                 <a:solidFill>
-                  <a:srgbClr val="212121"/>
+                  <a:srgbClr val="808080"/>
                 </a:solidFill>
                 <a:latin typeface="Calibri"/>
               </a:defRPr>
             </a:pPr>
             <a:r>
-              <a:t>Data</a:t>
-            </a:r>
-          </a:p>
-          <a:p>
-            <a:r>
-              <a:t>Analyst</a:t>
-            </a:r>
-          </a:p>
-        </p:txBody>
-      </p:sp>
-      <p:sp>
-        <p:nvSpPr>
-          <p:cNvPr id="10" name="Rounded Rectangle 9"/>
-          <p:cNvSpPr/>
+              <a:t>Autonomous data-driven discovery: question generation → analysis → synthesis → reporting</a:t>
+            </a:r>
+          </a:p>
+        </p:txBody>
+      </p:sp>
+      <p:sp>
+        <p:nvSpPr>
+          <p:cNvPr id="5" name="TextBox 4"/>
+          <p:cNvSpPr txBox="1"/>
           <p:nvPr/>
         </p:nvSpPr>
         <p:spPr>
           <a:xfrm>
-            <a:off x="4297680" y="1965960"/>
-            <a:ext cx="1828800" cy="594360"/>
-          </a:xfrm>
-          <a:prstGeom prst="roundRect">
+            <a:off x="457200" y="640080"/>
+            <a:ext cx="1645920" cy="274320"/>
+          </a:xfrm>
+          <a:prstGeom prst="rect">
             <a:avLst/>
           </a:prstGeom>
-          <a:solidFill>
-            <a:srgbClr val="90A4AE"/>
-          </a:solidFill>
-          <a:ln w="25400">
-            <a:solidFill>
-              <a:srgbClr val="424242"/>
-            </a:solidFill>
-          </a:ln>
-        </p:spPr>
-        <p:style>
-          <a:lnRef idx="1">
-            <a:schemeClr val="accent1"/>
-          </a:lnRef>
-          <a:fillRef idx="3">
-            <a:schemeClr val="accent1"/>
-          </a:fillRef>
-          <a:effectRef idx="2">
-            <a:schemeClr val="accent1"/>
-          </a:effectRef>
-          <a:fontRef idx="minor">
-            <a:schemeClr val="lt1"/>
-          </a:fontRef>
-        </p:style>
-        <p:txBody>
-          <a:bodyPr rtlCol="0" anchor="ctr" wrap="square" lIns="101600" rIns="101600" tIns="101600" bIns="101600"/>
+          <a:noFill/>
+        </p:spPr>
+        <p:txBody>
+          <a:bodyPr wrap="none">
+            <a:spAutoFit/>
+          </a:bodyPr>
           <a:lstStyle/>
           <a:p>
             <a:pPr algn="ctr">
-              <a:defRPr sz="1600" b="1">
+              <a:defRPr sz="900" b="1">
                 <a:solidFill>
-                  <a:srgbClr val="212121"/>
+                  <a:srgbClr val="808080"/>
                 </a:solidFill>
                 <a:latin typeface="Calibri"/>
               </a:defRPr>
             </a:pPr>
             <a:r>
-              <a:t>Literature</a:t>
-            </a:r>
-          </a:p>
-          <a:p>
-            <a:r>
-              <a:t>Agent</a:t>
-            </a:r>
-          </a:p>
-        </p:txBody>
-      </p:sp>
-      <p:sp>
-        <p:nvSpPr>
-          <p:cNvPr id="11" name="Rounded Rectangle 10"/>
-          <p:cNvSpPr/>
+              <a:t>Sources</a:t>
+            </a:r>
+          </a:p>
+        </p:txBody>
+      </p:sp>
+      <p:sp>
+        <p:nvSpPr>
+          <p:cNvPr id="7" name="TextBox 6"/>
+          <p:cNvSpPr txBox="1"/>
           <p:nvPr/>
         </p:nvSpPr>
         <p:spPr>
           <a:xfrm>
-            <a:off x="4297680" y="2834640"/>
-            <a:ext cx="1828800" cy="594360"/>
-          </a:xfrm>
-          <a:prstGeom prst="roundRect">
+            <a:off x="2286000" y="640080"/>
+            <a:ext cx="1371600" cy="274320"/>
+          </a:xfrm>
+          <a:prstGeom prst="rect">
             <a:avLst/>
           </a:prstGeom>
-          <a:solidFill>
-            <a:srgbClr val="90A4AE"/>
-          </a:solidFill>
-          <a:ln w="25400">
-            <a:solidFill>
-              <a:srgbClr val="424242"/>
-            </a:solidFill>
-          </a:ln>
-        </p:spPr>
-        <p:style>
-          <a:lnRef idx="1">
-            <a:schemeClr val="accent1"/>
-          </a:lnRef>
-          <a:fillRef idx="3">
-            <a:schemeClr val="accent1"/>
-          </a:fillRef>
-          <a:effectRef idx="2">
-            <a:schemeClr val="accent1"/>
-          </a:effectRef>
-          <a:fontRef idx="minor">
-            <a:schemeClr val="lt1"/>
-          </a:fontRef>
-        </p:style>
-        <p:txBody>
-          <a:bodyPr rtlCol="0" anchor="ctr" wrap="square" lIns="101600" rIns="101600" tIns="101600" bIns="101600"/>
+          <a:noFill/>
+        </p:spPr>
+        <p:txBody>
+          <a:bodyPr wrap="none">
+            <a:spAutoFit/>
+          </a:bodyPr>
           <a:lstStyle/>
           <a:p>
             <a:pPr algn="ctr">
-              <a:defRPr sz="1600" b="1">
+              <a:defRPr sz="900" b="1">
                 <a:solidFill>
-                  <a:srgbClr val="212121"/>
+                  <a:srgbClr val="808080"/>
                 </a:solidFill>
                 <a:latin typeface="Calibri"/>
               </a:defRPr>
             </a:pPr>
             <a:r>
-              <a:t>World</a:t>
-            </a:r>
-          </a:p>
-          <a:p>
-            <a:r>
-              <a:t>Model</a:t>
-            </a:r>
-          </a:p>
-        </p:txBody>
-      </p:sp>
-      <p:sp>
-        <p:nvSpPr>
-          <p:cNvPr id="12" name="Hexagon 11"/>
-          <p:cNvSpPr/>
+              <a:t>Orchestration</a:t>
+            </a:r>
+          </a:p>
+        </p:txBody>
+      </p:sp>
+      <p:sp>
+        <p:nvSpPr>
+          <p:cNvPr id="9" name="TextBox 8"/>
+          <p:cNvSpPr txBox="1"/>
           <p:nvPr/>
         </p:nvSpPr>
         <p:spPr>
           <a:xfrm>
-            <a:off x="6263640" y="1965960"/>
-            <a:ext cx="1828800" cy="594360"/>
-          </a:xfrm>
-          <a:prstGeom prst="hexagon">
+            <a:off x="4114800" y="640080"/>
+            <a:ext cx="1828800" cy="274320"/>
+          </a:xfrm>
+          <a:prstGeom prst="rect">
             <a:avLst/>
           </a:prstGeom>
-          <a:solidFill>
-            <a:srgbClr val="FF9800"/>
-          </a:solidFill>
-          <a:ln w="25400">
-            <a:solidFill>
-              <a:srgbClr val="424242"/>
-            </a:solidFill>
-          </a:ln>
-        </p:spPr>
-        <p:style>
-          <a:lnRef idx="1">
-            <a:schemeClr val="accent1"/>
-          </a:lnRef>
-          <a:fillRef idx="3">
-            <a:schemeClr val="accent1"/>
-          </a:fillRef>
-          <a:effectRef idx="2">
-            <a:schemeClr val="accent1"/>
-          </a:effectRef>
-          <a:fontRef idx="minor">
-            <a:schemeClr val="lt1"/>
-          </a:fontRef>
-        </p:style>
-        <p:txBody>
-          <a:bodyPr rtlCol="0" anchor="ctr" wrap="square" lIns="101600" rIns="101600" tIns="101600" bIns="101600"/>
+          <a:noFill/>
+        </p:spPr>
+        <p:txBody>
+          <a:bodyPr wrap="none">
+            <a:spAutoFit/>
+          </a:bodyPr>
           <a:lstStyle/>
           <a:p>
             <a:pPr algn="ctr">
-              <a:defRPr sz="1600" b="1">
+              <a:defRPr sz="900" b="1">
                 <a:solidFill>
-                  <a:srgbClr val="212121"/>
+                  <a:srgbClr val="808080"/>
                 </a:solidFill>
                 <a:latin typeface="Calibri"/>
               </a:defRPr>
             </a:pPr>
             <a:r>
-              <a:t>OpenAI</a:t>
-            </a:r>
-          </a:p>
-          <a:p>
-            <a:r>
-              <a:t>API</a:t>
-            </a:r>
-          </a:p>
-        </p:txBody>
-      </p:sp>
-      <p:sp>
-        <p:nvSpPr>
-          <p:cNvPr id="13" name="Can 12"/>
-          <p:cNvSpPr/>
+              <a:t>Processing</a:t>
+            </a:r>
+          </a:p>
+        </p:txBody>
+      </p:sp>
+      <p:sp>
+        <p:nvSpPr>
+          <p:cNvPr id="11" name="TextBox 10"/>
+          <p:cNvSpPr txBox="1"/>
           <p:nvPr/>
         </p:nvSpPr>
         <p:spPr>
           <a:xfrm>
-            <a:off x="8229600" y="2834640"/>
-            <a:ext cx="1828800" cy="594360"/>
-          </a:xfrm>
-          <a:prstGeom prst="can">
+            <a:off x="6400800" y="640080"/>
+            <a:ext cx="1828800" cy="274320"/>
+          </a:xfrm>
+          <a:prstGeom prst="rect">
             <a:avLst/>
           </a:prstGeom>
-          <a:solidFill>
-            <a:srgbClr val="B0C4DE"/>
-          </a:solidFill>
-          <a:ln w="25400">
-            <a:solidFill>
-              <a:srgbClr val="424242"/>
-            </a:solidFill>
-          </a:ln>
-        </p:spPr>
-        <p:style>
-          <a:lnRef idx="1">
-            <a:schemeClr val="accent1"/>
-          </a:lnRef>
-          <a:fillRef idx="3">
-            <a:schemeClr val="accent1"/>
-          </a:fillRef>
-          <a:effectRef idx="2">
-            <a:schemeClr val="accent1"/>
-          </a:effectRef>
-          <a:fontRef idx="minor">
-            <a:schemeClr val="lt1"/>
-          </a:fontRef>
-        </p:style>
-        <p:txBody>
-          <a:bodyPr rtlCol="0" anchor="ctr" wrap="square" lIns="101600" rIns="101600" tIns="101600" bIns="101600"/>
+          <a:noFill/>
+        </p:spPr>
+        <p:txBody>
+          <a:bodyPr wrap="none">
+            <a:spAutoFit/>
+          </a:bodyPr>
           <a:lstStyle/>
           <a:p>
             <a:pPr algn="ctr">
-              <a:defRPr sz="1600" b="1">
+              <a:defRPr sz="900" b="1">
                 <a:solidFill>
-                  <a:srgbClr val="212121"/>
+                  <a:srgbClr val="808080"/>
                 </a:solidFill>
                 <a:latin typeface="Calibri"/>
               </a:defRPr>
             </a:pPr>
             <a:r>
-              <a:t>World Model</a:t>
-            </a:r>
-          </a:p>
-          <a:p>
-            <a:r>
-              <a:t>JSON</a:t>
-            </a:r>
-          </a:p>
-        </p:txBody>
-      </p:sp>
-      <p:sp>
-        <p:nvSpPr>
-          <p:cNvPr id="14" name="Parallelogram 13"/>
-          <p:cNvSpPr/>
+              <a:t>State &amp; Storage</a:t>
+            </a:r>
+          </a:p>
+        </p:txBody>
+      </p:sp>
+      <p:sp>
+        <p:nvSpPr>
+          <p:cNvPr id="13" name="TextBox 12"/>
+          <p:cNvSpPr txBox="1"/>
           <p:nvPr/>
         </p:nvSpPr>
         <p:spPr>
           <a:xfrm>
-            <a:off x="10195560" y="1965960"/>
-            <a:ext cx="1828800" cy="594360"/>
-          </a:xfrm>
-          <a:prstGeom prst="parallelogram">
+            <a:off x="8686800" y="640080"/>
+            <a:ext cx="2743200" cy="274320"/>
+          </a:xfrm>
+          <a:prstGeom prst="rect">
             <a:avLst/>
           </a:prstGeom>
-          <a:solidFill>
-            <a:srgbClr val="BDBDBD"/>
-          </a:solidFill>
-          <a:ln w="25400">
-            <a:solidFill>
-              <a:srgbClr val="424242"/>
-            </a:solidFill>
-          </a:ln>
-        </p:spPr>
-        <p:style>
-          <a:lnRef idx="1">
-            <a:schemeClr val="accent1"/>
-          </a:lnRef>
-          <a:fillRef idx="3">
-            <a:schemeClr val="accent1"/>
-          </a:fillRef>
-          <a:effectRef idx="2">
-            <a:schemeClr val="accent1"/>
-          </a:effectRef>
-          <a:fontRef idx="minor">
-            <a:schemeClr val="lt1"/>
-          </a:fontRef>
-        </p:style>
-        <p:txBody>
-          <a:bodyPr rtlCol="0" anchor="ctr" wrap="square" lIns="101600" rIns="101600" tIns="101600" bIns="101600"/>
+          <a:noFill/>
+        </p:spPr>
+        <p:txBody>
+          <a:bodyPr wrap="none">
+            <a:spAutoFit/>
+          </a:bodyPr>
           <a:lstStyle/>
           <a:p>
             <a:pPr algn="ctr">
-              <a:defRPr sz="1600" b="1">
+              <a:defRPr sz="900" b="1">
                 <a:solidFill>
-                  <a:srgbClr val="212121"/>
+                  <a:srgbClr val="808080"/>
                 </a:solidFill>
                 <a:latin typeface="Calibri"/>
               </a:defRPr>
             </a:pPr>
             <a:r>
-              <a:t>Enhanced</a:t>
-            </a:r>
-          </a:p>
-          <a:p>
-            <a:r>
-              <a:t>Report</a:t>
-            </a:r>
-          </a:p>
-        </p:txBody>
-      </p:sp>
-      <p:sp>
-        <p:nvSpPr>
-          <p:cNvPr id="15" name="Parallelogram 14"/>
-          <p:cNvSpPr/>
+              <a:t>Outputs</a:t>
+            </a:r>
+          </a:p>
+        </p:txBody>
+      </p:sp>
+      <p:cxnSp>
+        <p:nvCxnSpPr>
+          <p:cNvPr id="14" name="Connector 13"/>
+          <p:cNvCxnSpPr/>
           <p:nvPr/>
-        </p:nvSpPr>
-        <p:spPr>
-          <a:xfrm>
-            <a:off x="10195560" y="2834640"/>
-            <a:ext cx="1828800" cy="594360"/>
-          </a:xfrm>
-          <a:prstGeom prst="parallelogram">
+        </p:nvCxnSpPr>
+        <p:spPr>
+          <a:xfrm flipV="1">
+            <a:off x="1325880" y="2377440"/>
+            <a:ext cx="4023360" cy="274320"/>
+          </a:xfrm>
+          <a:prstGeom prst="line">
             <a:avLst/>
           </a:prstGeom>
-          <a:solidFill>
-            <a:srgbClr val="BDBDBD"/>
-          </a:solidFill>
-          <a:ln w="25400">
+          <a:ln w="19050">
             <a:solidFill>
-              <a:srgbClr val="424242"/>
+              <a:srgbClr val="808080"/>
             </a:solidFill>
           </a:ln>
         </p:spPr>
         <p:style>
-          <a:lnRef idx="1">
+          <a:lnRef idx="2">
             <a:schemeClr val="accent1"/>
           </a:lnRef>
-          <a:fillRef idx="3">
+          <a:fillRef idx="0">
             <a:schemeClr val="accent1"/>
           </a:fillRef>
-          <a:effectRef idx="2">
+          <a:effectRef idx="1">
             <a:schemeClr val="accent1"/>
           </a:effectRef>
           <a:fontRef idx="minor">
-            <a:schemeClr val="lt1"/>
+            <a:schemeClr val="tx1"/>
           </a:fontRef>
         </p:style>
-        <p:txBody>
-          <a:bodyPr rtlCol="0" anchor="ctr" wrap="square" lIns="101600" rIns="101600" tIns="101600" bIns="101600"/>
+      </p:cxnSp>
+      <p:sp>
+        <p:nvSpPr>
+          <p:cNvPr id="15" name="TextBox 14"/>
+          <p:cNvSpPr txBox="1"/>
+          <p:nvPr/>
+        </p:nvSpPr>
+        <p:spPr>
+          <a:xfrm>
+            <a:off x="2880360" y="2377440"/>
+            <a:ext cx="914400" cy="228600"/>
+          </a:xfrm>
+          <a:prstGeom prst="rect">
+            <a:avLst/>
+          </a:prstGeom>
+          <a:noFill/>
+        </p:spPr>
+        <p:txBody>
+          <a:bodyPr wrap="none">
+            <a:spAutoFit/>
+          </a:bodyPr>
           <a:lstStyle/>
           <a:p>
             <a:pPr algn="ctr">
-              <a:defRPr sz="1600" b="1">
+              <a:defRPr sz="800">
                 <a:solidFill>
-                  <a:srgbClr val="212121"/>
+                  <a:srgbClr val="808080"/>
                 </a:solidFill>
                 <a:latin typeface="Calibri"/>
               </a:defRPr>
             </a:pPr>
             <a:r>
-              <a:t>Analysis</a:t>
-            </a:r>
-          </a:p>
-          <a:p>
-            <a:r>
-              <a:t>Code</a:t>
+              <a:t>Batch CSV</a:t>
             </a:r>
           </a:p>
         </p:txBody>
@@ -3878,15 +4163,15 @@
         </p:nvCxnSpPr>
         <p:spPr>
           <a:xfrm>
-            <a:off x="1280160.0" y="1394460.0"/>
-            <a:ext cx="1965960.0" cy="0.0"/>
+            <a:off x="3337560" y="1463040"/>
+            <a:ext cx="0" cy="1645920"/>
           </a:xfrm>
           <a:prstGeom prst="line">
             <a:avLst/>
           </a:prstGeom>
-          <a:ln w="25400">
+          <a:ln w="12700">
             <a:solidFill>
-              <a:srgbClr val="424242"/>
+              <a:srgbClr val="808080"/>
             </a:solidFill>
           </a:ln>
         </p:spPr>
@@ -3905,23 +4190,59 @@
           </a:fontRef>
         </p:style>
       </p:cxnSp>
+      <p:sp>
+        <p:nvSpPr>
+          <p:cNvPr id="17" name="TextBox 16"/>
+          <p:cNvSpPr txBox="1"/>
+          <p:nvPr/>
+        </p:nvSpPr>
+        <p:spPr>
+          <a:xfrm>
+            <a:off x="2880360" y="2148840"/>
+            <a:ext cx="914400" cy="228600"/>
+          </a:xfrm>
+          <a:prstGeom prst="rect">
+            <a:avLst/>
+          </a:prstGeom>
+          <a:noFill/>
+        </p:spPr>
+        <p:txBody>
+          <a:bodyPr wrap="none">
+            <a:spAutoFit/>
+          </a:bodyPr>
+          <a:lstStyle/>
+          <a:p>
+            <a:pPr algn="ctr">
+              <a:defRPr sz="800">
+                <a:solidFill>
+                  <a:srgbClr val="808080"/>
+                </a:solidFill>
+                <a:latin typeface="Calibri"/>
+              </a:defRPr>
+            </a:pPr>
+            <a:r>
+              <a:t>User requests</a:t>
+            </a:r>
+          </a:p>
+        </p:txBody>
+      </p:sp>
       <p:cxnSp>
         <p:nvCxnSpPr>
-          <p:cNvPr id="17" name="Connector 16"/>
+          <p:cNvPr id="18" name="Connector 17"/>
           <p:cNvCxnSpPr/>
           <p:nvPr/>
         </p:nvCxnSpPr>
         <p:spPr>
           <a:xfrm flipV="1">
-            <a:off x="1280160.0" y="1394460.0"/>
-            <a:ext cx="1965960.0" cy="1737360.0"/>
+            <a:off x="3337560" y="2377440"/>
+            <a:ext cx="2011680" cy="731520"/>
           </a:xfrm>
           <a:prstGeom prst="line">
             <a:avLst/>
           </a:prstGeom>
-          <a:ln w="25400">
+          <a:ln w="19050">
             <a:solidFill>
-              <a:srgbClr val="424242"/>
+              <a:srgbClr val="808080"/>
             </a:solidFill>
           </a:ln>
         </p:spPr>
@@ -3940,23 +4261,59 @@
           </a:fontRef>
         </p:style>
       </p:cxnSp>
+      <p:sp>
+        <p:nvSpPr>
+          <p:cNvPr id="19" name="TextBox 18"/>
+          <p:cNvSpPr txBox="1"/>
+          <p:nvPr/>
+        </p:nvSpPr>
+        <p:spPr>
+          <a:xfrm>
+            <a:off x="3886200" y="2606040"/>
+            <a:ext cx="914400" cy="228600"/>
+          </a:xfrm>
+          <a:prstGeom prst="rect">
+            <a:avLst/>
+          </a:prstGeom>
+          <a:noFill/>
+        </p:spPr>
+        <p:txBody>
+          <a:bodyPr wrap="none">
+            <a:spAutoFit/>
+          </a:bodyPr>
+          <a:lstStyle/>
+          <a:p>
+            <a:pPr algn="ctr">
+              <a:defRPr sz="800">
+                <a:solidFill>
+                  <a:srgbClr val="808080"/>
+                </a:solidFill>
+                <a:latin typeface="Calibri"/>
+              </a:defRPr>
+            </a:pPr>
+            <a:r>
+              <a:t>Questions</a:t>
+            </a:r>
+          </a:p>
+        </p:txBody>
+      </p:sp>
       <p:cxnSp>
         <p:nvCxnSpPr>
-          <p:cNvPr id="18" name="Connector 17"/>
+          <p:cNvPr id="20" name="Connector 19"/>
           <p:cNvCxnSpPr/>
           <p:nvPr/>
         </p:nvCxnSpPr>
         <p:spPr>
           <a:xfrm>
-            <a:off x="3246120.0" y="1394460.0"/>
-            <a:ext cx="1965960.0" cy="0.0"/>
+            <a:off x="3337560" y="3108960"/>
+            <a:ext cx="2011680" cy="731520"/>
           </a:xfrm>
           <a:prstGeom prst="line">
             <a:avLst/>
           </a:prstGeom>
-          <a:ln w="25400">
+          <a:ln w="12700">
             <a:solidFill>
-              <a:srgbClr val="424242"/>
+              <a:srgbClr val="808080"/>
             </a:solidFill>
           </a:ln>
         </p:spPr>
@@ -3975,23 +4332,59 @@
           </a:fontRef>
         </p:style>
       </p:cxnSp>
+      <p:sp>
+        <p:nvSpPr>
+          <p:cNvPr id="21" name="TextBox 20"/>
+          <p:cNvSpPr txBox="1"/>
+          <p:nvPr/>
+        </p:nvSpPr>
+        <p:spPr>
+          <a:xfrm>
+            <a:off x="3886200" y="3337560"/>
+            <a:ext cx="914400" cy="228600"/>
+          </a:xfrm>
+          <a:prstGeom prst="rect">
+            <a:avLst/>
+          </a:prstGeom>
+          <a:noFill/>
+        </p:spPr>
+        <p:txBody>
+          <a:bodyPr wrap="none">
+            <a:spAutoFit/>
+          </a:bodyPr>
+          <a:lstStyle/>
+          <a:p>
+            <a:pPr algn="ctr">
+              <a:defRPr sz="800">
+                <a:solidFill>
+                  <a:srgbClr val="808080"/>
+                </a:solidFill>
+                <a:latin typeface="Calibri"/>
+              </a:defRPr>
+            </a:pPr>
+            <a:r>
+              <a:t>Queries</a:t>
+            </a:r>
+          </a:p>
+        </p:txBody>
+      </p:sp>
       <p:cxnSp>
         <p:nvCxnSpPr>
-          <p:cNvPr id="19" name="Connector 18"/>
+          <p:cNvPr id="22" name="Connector 21"/>
           <p:cNvCxnSpPr/>
           <p:nvPr/>
         </p:nvCxnSpPr>
         <p:spPr>
-          <a:xfrm>
-            <a:off x="3246120.0" y="1394460.0"/>
-            <a:ext cx="1965960.0" cy="1737360.0"/>
+          <a:xfrm flipH="1">
+            <a:off x="1325880" y="2377440"/>
+            <a:ext cx="4023360" cy="2560320"/>
           </a:xfrm>
           <a:prstGeom prst="line">
             <a:avLst/>
           </a:prstGeom>
-          <a:ln w="25400">
+          <a:ln w="19050">
             <a:solidFill>
-              <a:srgbClr val="424242"/>
+              <a:srgbClr val="808080"/>
             </a:solidFill>
           </a:ln>
         </p:spPr>
@@ -4010,23 +4403,59 @@
           </a:fontRef>
         </p:style>
       </p:cxnSp>
+      <p:sp>
+        <p:nvSpPr>
+          <p:cNvPr id="23" name="TextBox 22"/>
+          <p:cNvSpPr txBox="1"/>
+          <p:nvPr/>
+        </p:nvSpPr>
+        <p:spPr>
+          <a:xfrm>
+            <a:off x="2880360" y="3520440"/>
+            <a:ext cx="914400" cy="228600"/>
+          </a:xfrm>
+          <a:prstGeom prst="rect">
+            <a:avLst/>
+          </a:prstGeom>
+          <a:noFill/>
+        </p:spPr>
+        <p:txBody>
+          <a:bodyPr wrap="none">
+            <a:spAutoFit/>
+          </a:bodyPr>
+          <a:lstStyle/>
+          <a:p>
+            <a:pPr algn="ctr">
+              <a:defRPr sz="800">
+                <a:solidFill>
+                  <a:srgbClr val="808080"/>
+                </a:solidFill>
+                <a:latin typeface="Calibri"/>
+              </a:defRPr>
+            </a:pPr>
+            <a:r>
+              <a:t>Code gen</a:t>
+            </a:r>
+          </a:p>
+        </p:txBody>
+      </p:sp>
       <p:cxnSp>
         <p:nvCxnSpPr>
-          <p:cNvPr id="20" name="Connector 19"/>
+          <p:cNvPr id="24" name="Connector 23"/>
           <p:cNvCxnSpPr/>
           <p:nvPr/>
         </p:nvCxnSpPr>
         <p:spPr>
-          <a:xfrm>
-            <a:off x="5212080.0" y="1394460.0"/>
-            <a:ext cx="1965960.0" cy="868680.0"/>
+          <a:xfrm flipH="1">
+            <a:off x="1325880" y="3840480"/>
+            <a:ext cx="4023360" cy="1097280"/>
           </a:xfrm>
           <a:prstGeom prst="line">
             <a:avLst/>
           </a:prstGeom>
-          <a:ln w="25400">
+          <a:ln w="12700">
             <a:solidFill>
-              <a:srgbClr val="424242"/>
+              <a:srgbClr val="808080"/>
             </a:solidFill>
           </a:ln>
         </p:spPr>
@@ -4045,23 +4474,59 @@
           </a:fontRef>
         </p:style>
       </p:cxnSp>
+      <p:sp>
+        <p:nvSpPr>
+          <p:cNvPr id="25" name="TextBox 24"/>
+          <p:cNvSpPr txBox="1"/>
+          <p:nvPr/>
+        </p:nvSpPr>
+        <p:spPr>
+          <a:xfrm>
+            <a:off x="2880360" y="4251960"/>
+            <a:ext cx="914400" cy="228600"/>
+          </a:xfrm>
+          <a:prstGeom prst="rect">
+            <a:avLst/>
+          </a:prstGeom>
+          <a:noFill/>
+        </p:spPr>
+        <p:txBody>
+          <a:bodyPr wrap="none">
+            <a:spAutoFit/>
+          </a:bodyPr>
+          <a:lstStyle/>
+          <a:p>
+            <a:pPr algn="ctr">
+              <a:defRPr sz="800">
+                <a:solidFill>
+                  <a:srgbClr val="808080"/>
+                </a:solidFill>
+                <a:latin typeface="Calibri"/>
+              </a:defRPr>
+            </a:pPr>
+            <a:r>
+              <a:t>Search</a:t>
+            </a:r>
+          </a:p>
+        </p:txBody>
+      </p:sp>
       <p:cxnSp>
         <p:nvCxnSpPr>
-          <p:cNvPr id="21" name="Connector 20"/>
+          <p:cNvPr id="26" name="Connector 25"/>
           <p:cNvCxnSpPr/>
           <p:nvPr/>
         </p:nvCxnSpPr>
         <p:spPr>
           <a:xfrm>
-            <a:off x="5212080.0" y="1394460.0"/>
-            <a:ext cx="0.0" cy="1737360.0"/>
+            <a:off x="5349240" y="2377440"/>
+            <a:ext cx="2011680" cy="0"/>
           </a:xfrm>
           <a:prstGeom prst="line">
             <a:avLst/>
           </a:prstGeom>
-          <a:ln w="25400">
+          <a:ln w="31750">
             <a:solidFill>
-              <a:srgbClr val="424242"/>
+              <a:srgbClr val="808080"/>
             </a:solidFill>
           </a:ln>
         </p:spPr>
@@ -4080,23 +4545,59 @@
           </a:fontRef>
         </p:style>
       </p:cxnSp>
+      <p:sp>
+        <p:nvSpPr>
+          <p:cNvPr id="27" name="TextBox 26"/>
+          <p:cNvSpPr txBox="1"/>
+          <p:nvPr/>
+        </p:nvSpPr>
+        <p:spPr>
+          <a:xfrm>
+            <a:off x="5897880" y="2240280"/>
+            <a:ext cx="914400" cy="228600"/>
+          </a:xfrm>
+          <a:prstGeom prst="rect">
+            <a:avLst/>
+          </a:prstGeom>
+          <a:noFill/>
+        </p:spPr>
+        <p:txBody>
+          <a:bodyPr wrap="none">
+            <a:spAutoFit/>
+          </a:bodyPr>
+          <a:lstStyle/>
+          <a:p>
+            <a:pPr algn="ctr">
+              <a:defRPr sz="800">
+                <a:solidFill>
+                  <a:srgbClr val="808080"/>
+                </a:solidFill>
+                <a:latin typeface="Calibri"/>
+              </a:defRPr>
+            </a:pPr>
+            <a:r>
+              <a:t>Stats tests</a:t>
+            </a:r>
+          </a:p>
+        </p:txBody>
+      </p:sp>
       <p:cxnSp>
         <p:nvCxnSpPr>
-          <p:cNvPr id="22" name="Connector 21"/>
+          <p:cNvPr id="28" name="Connector 27"/>
           <p:cNvCxnSpPr/>
           <p:nvPr/>
         </p:nvCxnSpPr>
         <p:spPr>
           <a:xfrm>
-            <a:off x="5212080.0" y="2263140.0"/>
-            <a:ext cx="1965960.0" cy="0.0"/>
+            <a:off x="7360920" y="2377440"/>
+            <a:ext cx="0" cy="1828800"/>
           </a:xfrm>
           <a:prstGeom prst="line">
             <a:avLst/>
           </a:prstGeom>
-          <a:ln w="25400">
+          <a:ln w="19050">
             <a:solidFill>
-              <a:srgbClr val="424242"/>
+              <a:srgbClr val="808080"/>
             </a:solidFill>
           </a:ln>
         </p:spPr>
@@ -4115,23 +4616,59 @@
           </a:fontRef>
         </p:style>
       </p:cxnSp>
+      <p:sp>
+        <p:nvSpPr>
+          <p:cNvPr id="29" name="TextBox 28"/>
+          <p:cNvSpPr txBox="1"/>
+          <p:nvPr/>
+        </p:nvSpPr>
+        <p:spPr>
+          <a:xfrm>
+            <a:off x="6903720" y="3154680"/>
+            <a:ext cx="914400" cy="228600"/>
+          </a:xfrm>
+          <a:prstGeom prst="rect">
+            <a:avLst/>
+          </a:prstGeom>
+          <a:noFill/>
+        </p:spPr>
+        <p:txBody>
+          <a:bodyPr wrap="none">
+            <a:spAutoFit/>
+          </a:bodyPr>
+          <a:lstStyle/>
+          <a:p>
+            <a:pPr algn="ctr">
+              <a:defRPr sz="800">
+                <a:solidFill>
+                  <a:srgbClr val="808080"/>
+                </a:solidFill>
+                <a:latin typeface="Calibri"/>
+              </a:defRPr>
+            </a:pPr>
+            <a:r>
+              <a:t>Results JSON</a:t>
+            </a:r>
+          </a:p>
+        </p:txBody>
+      </p:sp>
       <p:cxnSp>
         <p:nvCxnSpPr>
-          <p:cNvPr id="23" name="Connector 22"/>
+          <p:cNvPr id="30" name="Connector 29"/>
           <p:cNvCxnSpPr/>
           <p:nvPr/>
         </p:nvCxnSpPr>
         <p:spPr>
           <a:xfrm>
-            <a:off x="5212080.0" y="2263140.0"/>
-            <a:ext cx="0.0" cy="868680.0"/>
+            <a:off x="5349240" y="3840480"/>
+            <a:ext cx="2011680" cy="365760"/>
           </a:xfrm>
           <a:prstGeom prst="line">
             <a:avLst/>
           </a:prstGeom>
-          <a:ln w="25400">
+          <a:ln w="12700">
             <a:solidFill>
-              <a:srgbClr val="424242"/>
+              <a:srgbClr val="808080"/>
             </a:solidFill>
           </a:ln>
         </p:spPr>
@@ -4150,23 +4687,59 @@
           </a:fontRef>
         </p:style>
       </p:cxnSp>
+      <p:sp>
+        <p:nvSpPr>
+          <p:cNvPr id="31" name="TextBox 30"/>
+          <p:cNvSpPr txBox="1"/>
+          <p:nvPr/>
+        </p:nvSpPr>
+        <p:spPr>
+          <a:xfrm>
+            <a:off x="5897880" y="3886200"/>
+            <a:ext cx="914400" cy="228600"/>
+          </a:xfrm>
+          <a:prstGeom prst="rect">
+            <a:avLst/>
+          </a:prstGeom>
+          <a:noFill/>
+        </p:spPr>
+        <p:txBody>
+          <a:bodyPr wrap="none">
+            <a:spAutoFit/>
+          </a:bodyPr>
+          <a:lstStyle/>
+          <a:p>
+            <a:pPr algn="ctr">
+              <a:defRPr sz="800">
+                <a:solidFill>
+                  <a:srgbClr val="808080"/>
+                </a:solidFill>
+                <a:latin typeface="Calibri"/>
+              </a:defRPr>
+            </a:pPr>
+            <a:r>
+              <a:t>Findings</a:t>
+            </a:r>
+          </a:p>
+        </p:txBody>
+      </p:sp>
       <p:cxnSp>
         <p:nvCxnSpPr>
-          <p:cNvPr id="24" name="Connector 23"/>
+          <p:cNvPr id="32" name="Connector 31"/>
           <p:cNvCxnSpPr/>
           <p:nvPr/>
         </p:nvCxnSpPr>
         <p:spPr>
-          <a:xfrm>
-            <a:off x="5212080.0" y="3131820.0"/>
-            <a:ext cx="3931920.0" cy="0.0"/>
+          <a:xfrm flipV="1">
+            <a:off x="7360920" y="3108960"/>
+            <a:ext cx="2011680" cy="1097280"/>
           </a:xfrm>
           <a:prstGeom prst="line">
             <a:avLst/>
           </a:prstGeom>
-          <a:ln w="25400">
+          <a:ln w="19050">
             <a:solidFill>
-              <a:srgbClr val="424242"/>
+              <a:srgbClr val="808080"/>
             </a:solidFill>
           </a:ln>
         </p:spPr>
@@ -4185,23 +4758,59 @@
           </a:fontRef>
         </p:style>
       </p:cxnSp>
+      <p:sp>
+        <p:nvSpPr>
+          <p:cNvPr id="33" name="TextBox 32"/>
+          <p:cNvSpPr txBox="1"/>
+          <p:nvPr/>
+        </p:nvSpPr>
+        <p:spPr>
+          <a:xfrm>
+            <a:off x="7909560" y="3520440"/>
+            <a:ext cx="914400" cy="228600"/>
+          </a:xfrm>
+          <a:prstGeom prst="rect">
+            <a:avLst/>
+          </a:prstGeom>
+          <a:noFill/>
+        </p:spPr>
+        <p:txBody>
+          <a:bodyPr wrap="none">
+            <a:spAutoFit/>
+          </a:bodyPr>
+          <a:lstStyle/>
+          <a:p>
+            <a:pPr algn="ctr">
+              <a:defRPr sz="800">
+                <a:solidFill>
+                  <a:srgbClr val="808080"/>
+                </a:solidFill>
+                <a:latin typeface="Calibri"/>
+              </a:defRPr>
+            </a:pPr>
+            <a:r>
+              <a:t>State save</a:t>
+            </a:r>
+          </a:p>
+        </p:txBody>
+      </p:sp>
       <p:cxnSp>
         <p:nvCxnSpPr>
-          <p:cNvPr id="25" name="Connector 24"/>
+          <p:cNvPr id="34" name="Connector 33"/>
           <p:cNvCxnSpPr/>
           <p:nvPr/>
         </p:nvCxnSpPr>
         <p:spPr>
-          <a:xfrm flipV="1">
-            <a:off x="5212080.0" y="2263140.0"/>
-            <a:ext cx="5897880.0" cy="868680.0"/>
+          <a:xfrm>
+            <a:off x="5349240" y="2377440"/>
+            <a:ext cx="4023360" cy="2743200"/>
           </a:xfrm>
           <a:prstGeom prst="line">
             <a:avLst/>
           </a:prstGeom>
-          <a:ln w="25400">
+          <a:ln w="12700">
             <a:solidFill>
-              <a:srgbClr val="424242"/>
+              <a:srgbClr val="808080"/>
             </a:solidFill>
           </a:ln>
         </p:spPr>
@@ -4220,23 +4829,59 @@
           </a:fontRef>
         </p:style>
       </p:cxnSp>
+      <p:sp>
+        <p:nvSpPr>
+          <p:cNvPr id="35" name="TextBox 34"/>
+          <p:cNvSpPr txBox="1"/>
+          <p:nvPr/>
+        </p:nvSpPr>
+        <p:spPr>
+          <a:xfrm>
+            <a:off x="6903720" y="3611880"/>
+            <a:ext cx="914400" cy="228600"/>
+          </a:xfrm>
+          <a:prstGeom prst="rect">
+            <a:avLst/>
+          </a:prstGeom>
+          <a:noFill/>
+        </p:spPr>
+        <p:txBody>
+          <a:bodyPr wrap="none">
+            <a:spAutoFit/>
+          </a:bodyPr>
+          <a:lstStyle/>
+          <a:p>
+            <a:pPr algn="ctr">
+              <a:defRPr sz="800">
+                <a:solidFill>
+                  <a:srgbClr val="808080"/>
+                </a:solidFill>
+                <a:latin typeface="Calibri"/>
+              </a:defRPr>
+            </a:pPr>
+            <a:r>
+              <a:t>Code artifacts</a:t>
+            </a:r>
+          </a:p>
+        </p:txBody>
+      </p:sp>
       <p:cxnSp>
         <p:nvCxnSpPr>
-          <p:cNvPr id="26" name="Connector 25"/>
+          <p:cNvPr id="36" name="Connector 35"/>
           <p:cNvCxnSpPr/>
           <p:nvPr/>
         </p:nvCxnSpPr>
         <p:spPr>
-          <a:xfrm>
-            <a:off x="5212080.0" y="1394460.0"/>
-            <a:ext cx="5897880.0" cy="1737360.0"/>
+          <a:xfrm flipV="1">
+            <a:off x="7360920" y="4023360"/>
+            <a:ext cx="3749040" cy="182880"/>
           </a:xfrm>
           <a:prstGeom prst="line">
             <a:avLst/>
           </a:prstGeom>
-          <a:ln w="25400">
+          <a:ln w="19050">
             <a:solidFill>
-              <a:srgbClr val="424242"/>
+              <a:srgbClr val="808080"/>
             </a:solidFill>
           </a:ln>
         </p:spPr>
@@ -4255,51 +4900,16 @@
           </a:fontRef>
         </p:style>
       </p:cxnSp>
-      <p:cxnSp>
-        <p:nvCxnSpPr>
-          <p:cNvPr id="27" name="Connector 26"/>
-          <p:cNvCxnSpPr/>
-          <p:nvPr/>
-        </p:nvCxnSpPr>
-        <p:spPr>
-          <a:xfrm>
-            <a:off x="1280160.0" y="2263140.0"/>
-            <a:ext cx="3931920.0" cy="0.0"/>
-          </a:xfrm>
-          <a:prstGeom prst="line">
-            <a:avLst/>
-          </a:prstGeom>
-          <a:ln w="25400">
-            <a:solidFill>
-              <a:srgbClr val="424242"/>
-            </a:solidFill>
-          </a:ln>
-        </p:spPr>
-        <p:style>
-          <a:lnRef idx="2">
-            <a:schemeClr val="accent1"/>
-          </a:lnRef>
-          <a:fillRef idx="0">
-            <a:schemeClr val="accent1"/>
-          </a:fillRef>
-          <a:effectRef idx="1">
-            <a:schemeClr val="accent1"/>
-          </a:effectRef>
-          <a:fontRef idx="minor">
-            <a:schemeClr val="tx1"/>
-          </a:fontRef>
-        </p:style>
-      </p:cxnSp>
-      <p:sp>
-        <p:nvSpPr>
-          <p:cNvPr id="28" name="TextBox 27"/>
+      <p:sp>
+        <p:nvSpPr>
+          <p:cNvPr id="37" name="TextBox 36"/>
           <p:cNvSpPr txBox="1"/>
           <p:nvPr/>
         </p:nvSpPr>
         <p:spPr>
           <a:xfrm>
-            <a:off x="9601200" y="5029200"/>
-            <a:ext cx="2286000" cy="228600"/>
+            <a:off x="8778240" y="3977640"/>
+            <a:ext cx="914400" cy="228600"/>
           </a:xfrm>
           <a:prstGeom prst="rect">
             <a:avLst/>
@@ -4312,30 +4922,823 @@
           </a:bodyPr>
           <a:lstStyle/>
           <a:p>
-            <a:pPr>
-              <a:defRPr sz="1600" b="1">
+            <a:pPr algn="ctr">
+              <a:defRPr sz="800">
                 <a:solidFill>
-                  <a:srgbClr val="212121"/>
+                  <a:srgbClr val="808080"/>
                 </a:solidFill>
                 <a:latin typeface="Calibri"/>
               </a:defRPr>
             </a:pPr>
             <a:r>
-              <a:t>Legend</a:t>
-            </a:r>
-          </a:p>
-        </p:txBody>
-      </p:sp>
-      <p:sp>
-        <p:nvSpPr>
-          <p:cNvPr id="29" name="TextBox 28"/>
+              <a:t>Final reports</a:t>
+            </a:r>
+          </a:p>
+        </p:txBody>
+      </p:sp>
+      <p:sp>
+        <p:nvSpPr>
+          <p:cNvPr id="38" name="Can 37"/>
+          <p:cNvSpPr/>
+          <p:nvPr/>
+        </p:nvSpPr>
+        <p:spPr>
+          <a:xfrm>
+            <a:off x="731520" y="2286000"/>
+            <a:ext cx="1188720" cy="731520"/>
+          </a:xfrm>
+          <a:prstGeom prst="can">
+            <a:avLst/>
+          </a:prstGeom>
+          <a:solidFill>
+            <a:srgbClr val="FFFFFF"/>
+          </a:solidFill>
+          <a:ln w="25400">
+            <a:solidFill>
+              <a:srgbClr val="0070C0"/>
+            </a:solidFill>
+          </a:ln>
+        </p:spPr>
+        <p:style>
+          <a:lnRef idx="1">
+            <a:schemeClr val="accent1"/>
+          </a:lnRef>
+          <a:fillRef idx="3">
+            <a:schemeClr val="accent1"/>
+          </a:fillRef>
+          <a:effectRef idx="2">
+            <a:schemeClr val="accent1"/>
+          </a:effectRef>
+          <a:fontRef idx="minor">
+            <a:schemeClr val="lt1"/>
+          </a:fontRef>
+        </p:style>
+        <p:txBody>
+          <a:bodyPr rtlCol="0" anchor="ctr" wrap="square" bIns="63500" tIns="63500"/>
+          <a:lstStyle/>
+          <a:p>
+            <a:pPr algn="ctr">
+              <a:defRPr sz="1000" b="0">
+                <a:solidFill>
+                  <a:srgbClr val="404040"/>
+                </a:solidFill>
+                <a:latin typeface="Calibri"/>
+              </a:defRPr>
+            </a:pPr>
+            <a:r>
+              <a:t>CSV Data</a:t>
+            </a:r>
+          </a:p>
+          <a:p>
+            <a:pPr algn="ctr">
+              <a:defRPr sz="1000" b="0">
+                <a:solidFill>
+                  <a:srgbClr val="404040"/>
+                </a:solidFill>
+                <a:latin typeface="Calibri"/>
+              </a:defRPr>
+            </a:pPr>
+            <a:r>
+              <a:t>(customers,</a:t>
+            </a:r>
+          </a:p>
+          <a:p>
+            <a:pPr algn="ctr">
+              <a:defRPr sz="1000" b="0">
+                <a:solidFill>
+                  <a:srgbClr val="404040"/>
+                </a:solidFill>
+                <a:latin typeface="Calibri"/>
+              </a:defRPr>
+            </a:pPr>
+            <a:r>
+              <a:t>competitors)</a:t>
+            </a:r>
+          </a:p>
+        </p:txBody>
+      </p:sp>
+      <p:sp>
+        <p:nvSpPr>
+          <p:cNvPr id="39" name="Hexagon 38"/>
+          <p:cNvSpPr/>
+          <p:nvPr/>
+        </p:nvSpPr>
+        <p:spPr>
+          <a:xfrm>
+            <a:off x="731520" y="4572000"/>
+            <a:ext cx="1188720" cy="731520"/>
+          </a:xfrm>
+          <a:prstGeom prst="hexagon">
+            <a:avLst/>
+          </a:prstGeom>
+          <a:solidFill>
+            <a:srgbClr val="C0C0C0"/>
+          </a:solidFill>
+          <a:ln w="19050">
+            <a:solidFill>
+              <a:srgbClr val="808080"/>
+            </a:solidFill>
+          </a:ln>
+        </p:spPr>
+        <p:style>
+          <a:lnRef idx="1">
+            <a:schemeClr val="accent1"/>
+          </a:lnRef>
+          <a:fillRef idx="3">
+            <a:schemeClr val="accent1"/>
+          </a:fillRef>
+          <a:effectRef idx="2">
+            <a:schemeClr val="accent1"/>
+          </a:effectRef>
+          <a:fontRef idx="minor">
+            <a:schemeClr val="lt1"/>
+          </a:fontRef>
+        </p:style>
+        <p:txBody>
+          <a:bodyPr rtlCol="0" anchor="ctr" wrap="square" bIns="63500" tIns="63500"/>
+          <a:lstStyle/>
+          <a:p>
+            <a:pPr algn="ctr">
+              <a:defRPr sz="1000" b="0">
+                <a:solidFill>
+                  <a:srgbClr val="404040"/>
+                </a:solidFill>
+                <a:latin typeface="Calibri"/>
+              </a:defRPr>
+            </a:pPr>
+            <a:r>
+              <a:t>OpenAI API</a:t>
+            </a:r>
+          </a:p>
+          <a:p>
+            <a:pPr algn="ctr">
+              <a:defRPr sz="1000" b="0">
+                <a:solidFill>
+                  <a:srgbClr val="404040"/>
+                </a:solidFill>
+                <a:latin typeface="Calibri"/>
+              </a:defRPr>
+            </a:pPr>
+            <a:r>
+              <a:t>(GPT-3.5/4)</a:t>
+            </a:r>
+          </a:p>
+        </p:txBody>
+      </p:sp>
+      <p:sp>
+        <p:nvSpPr>
+          <p:cNvPr id="40" name="Rectangle 39"/>
+          <p:cNvSpPr/>
+          <p:nvPr/>
+        </p:nvSpPr>
+        <p:spPr>
+          <a:xfrm>
+            <a:off x="2743200" y="1097280"/>
+            <a:ext cx="1188720" cy="731520"/>
+          </a:xfrm>
+          <a:prstGeom prst="rect">
+            <a:avLst/>
+          </a:prstGeom>
+          <a:solidFill>
+            <a:srgbClr val="FFFFFF"/>
+          </a:solidFill>
+          <a:ln w="25400">
+            <a:solidFill>
+              <a:srgbClr val="0070C0"/>
+            </a:solidFill>
+          </a:ln>
+        </p:spPr>
+        <p:style>
+          <a:lnRef idx="1">
+            <a:schemeClr val="accent1"/>
+          </a:lnRef>
+          <a:fillRef idx="3">
+            <a:schemeClr val="accent1"/>
+          </a:fillRef>
+          <a:effectRef idx="2">
+            <a:schemeClr val="accent1"/>
+          </a:effectRef>
+          <a:fontRef idx="minor">
+            <a:schemeClr val="lt1"/>
+          </a:fontRef>
+        </p:style>
+        <p:txBody>
+          <a:bodyPr rtlCol="0" anchor="ctr" wrap="square" bIns="63500" tIns="63500"/>
+          <a:lstStyle/>
+          <a:p>
+            <a:pPr algn="ctr">
+              <a:defRPr sz="1000" b="1">
+                <a:solidFill>
+                  <a:srgbClr val="404040"/>
+                </a:solidFill>
+                <a:latin typeface="Calibri"/>
+              </a:defRPr>
+            </a:pPr>
+            <a:r>
+              <a:t>Streamlit UI</a:t>
+            </a:r>
+          </a:p>
+        </p:txBody>
+      </p:sp>
+      <p:sp>
+        <p:nvSpPr>
+          <p:cNvPr id="41" name="Rectangle 40"/>
+          <p:cNvSpPr/>
+          <p:nvPr/>
+        </p:nvSpPr>
+        <p:spPr>
+          <a:xfrm>
+            <a:off x="2743200" y="2743200"/>
+            <a:ext cx="1188720" cy="731520"/>
+          </a:xfrm>
+          <a:prstGeom prst="rect">
+            <a:avLst/>
+          </a:prstGeom>
+          <a:solidFill>
+            <a:srgbClr val="FFFFFF"/>
+          </a:solidFill>
+          <a:ln w="25400">
+            <a:solidFill>
+              <a:srgbClr val="0070C0"/>
+            </a:solidFill>
+          </a:ln>
+        </p:spPr>
+        <p:style>
+          <a:lnRef idx="1">
+            <a:schemeClr val="accent1"/>
+          </a:lnRef>
+          <a:fillRef idx="3">
+            <a:schemeClr val="accent1"/>
+          </a:fillRef>
+          <a:effectRef idx="2">
+            <a:schemeClr val="accent1"/>
+          </a:effectRef>
+          <a:fontRef idx="minor">
+            <a:schemeClr val="lt1"/>
+          </a:fontRef>
+        </p:style>
+        <p:txBody>
+          <a:bodyPr rtlCol="0" anchor="ctr" wrap="square" bIns="63500" tIns="63500"/>
+          <a:lstStyle/>
+          <a:p>
+            <a:pPr algn="ctr">
+              <a:defRPr sz="1000" b="1">
+                <a:solidFill>
+                  <a:srgbClr val="404040"/>
+                </a:solidFill>
+                <a:latin typeface="Calibri"/>
+              </a:defRPr>
+            </a:pPr>
+            <a:r>
+              <a:t>Kosmos</a:t>
+            </a:r>
+          </a:p>
+          <a:p>
+            <a:pPr algn="ctr">
+              <a:defRPr sz="1000" b="1">
+                <a:solidFill>
+                  <a:srgbClr val="404040"/>
+                </a:solidFill>
+                <a:latin typeface="Calibri"/>
+              </a:defRPr>
+            </a:pPr>
+            <a:r>
+              <a:t>Orchestrator</a:t>
+            </a:r>
+          </a:p>
+        </p:txBody>
+      </p:sp>
+      <p:sp>
+        <p:nvSpPr>
+          <p:cNvPr id="42" name="Rectangle 41"/>
+          <p:cNvSpPr/>
+          <p:nvPr/>
+        </p:nvSpPr>
+        <p:spPr>
+          <a:xfrm>
+            <a:off x="4754880" y="2011680"/>
+            <a:ext cx="1188720" cy="731520"/>
+          </a:xfrm>
+          <a:prstGeom prst="rect">
+            <a:avLst/>
+          </a:prstGeom>
+          <a:solidFill>
+            <a:srgbClr val="FFFFFF"/>
+          </a:solidFill>
+          <a:ln w="25400">
+            <a:solidFill>
+              <a:srgbClr val="0070C0"/>
+            </a:solidFill>
+          </a:ln>
+        </p:spPr>
+        <p:style>
+          <a:lnRef idx="1">
+            <a:schemeClr val="accent1"/>
+          </a:lnRef>
+          <a:fillRef idx="3">
+            <a:schemeClr val="accent1"/>
+          </a:fillRef>
+          <a:effectRef idx="2">
+            <a:schemeClr val="accent1"/>
+          </a:effectRef>
+          <a:fontRef idx="minor">
+            <a:schemeClr val="lt1"/>
+          </a:fontRef>
+        </p:style>
+        <p:txBody>
+          <a:bodyPr rtlCol="0" anchor="ctr" wrap="square" bIns="63500" tIns="63500"/>
+          <a:lstStyle/>
+          <a:p>
+            <a:pPr algn="ctr">
+              <a:defRPr sz="1000" b="1">
+                <a:solidFill>
+                  <a:srgbClr val="404040"/>
+                </a:solidFill>
+                <a:latin typeface="Calibri"/>
+              </a:defRPr>
+            </a:pPr>
+            <a:r>
+              <a:t>Data Analysis</a:t>
+            </a:r>
+          </a:p>
+          <a:p>
+            <a:pPr algn="ctr">
+              <a:defRPr sz="1000" b="1">
+                <a:solidFill>
+                  <a:srgbClr val="404040"/>
+                </a:solidFill>
+                <a:latin typeface="Calibri"/>
+              </a:defRPr>
+            </a:pPr>
+            <a:r>
+              <a:t>Agent</a:t>
+            </a:r>
+          </a:p>
+        </p:txBody>
+      </p:sp>
+      <p:sp>
+        <p:nvSpPr>
+          <p:cNvPr id="43" name="Rectangle 42"/>
+          <p:cNvSpPr/>
+          <p:nvPr/>
+        </p:nvSpPr>
+        <p:spPr>
+          <a:xfrm>
+            <a:off x="4754880" y="3474720"/>
+            <a:ext cx="1188720" cy="731520"/>
+          </a:xfrm>
+          <a:prstGeom prst="rect">
+            <a:avLst/>
+          </a:prstGeom>
+          <a:solidFill>
+            <a:srgbClr val="FFFFFF"/>
+          </a:solidFill>
+          <a:ln w="25400">
+            <a:solidFill>
+              <a:srgbClr val="0070C0"/>
+            </a:solidFill>
+          </a:ln>
+        </p:spPr>
+        <p:style>
+          <a:lnRef idx="1">
+            <a:schemeClr val="accent1"/>
+          </a:lnRef>
+          <a:fillRef idx="3">
+            <a:schemeClr val="accent1"/>
+          </a:fillRef>
+          <a:effectRef idx="2">
+            <a:schemeClr val="accent1"/>
+          </a:effectRef>
+          <a:fontRef idx="minor">
+            <a:schemeClr val="lt1"/>
+          </a:fontRef>
+        </p:style>
+        <p:txBody>
+          <a:bodyPr rtlCol="0" anchor="ctr" wrap="square" bIns="63500" tIns="63500"/>
+          <a:lstStyle/>
+          <a:p>
+            <a:pPr algn="ctr">
+              <a:defRPr sz="1000" b="1">
+                <a:solidFill>
+                  <a:srgbClr val="404040"/>
+                </a:solidFill>
+                <a:latin typeface="Calibri"/>
+              </a:defRPr>
+            </a:pPr>
+            <a:r>
+              <a:t>Literature</a:t>
+            </a:r>
+          </a:p>
+          <a:p>
+            <a:pPr algn="ctr">
+              <a:defRPr sz="1000" b="1">
+                <a:solidFill>
+                  <a:srgbClr val="404040"/>
+                </a:solidFill>
+                <a:latin typeface="Calibri"/>
+              </a:defRPr>
+            </a:pPr>
+            <a:r>
+              <a:t>Agent</a:t>
+            </a:r>
+          </a:p>
+        </p:txBody>
+      </p:sp>
+      <p:sp>
+        <p:nvSpPr>
+          <p:cNvPr id="44" name="Rectangle 43"/>
+          <p:cNvSpPr/>
+          <p:nvPr/>
+        </p:nvSpPr>
+        <p:spPr>
+          <a:xfrm>
+            <a:off x="6766560" y="2011680"/>
+            <a:ext cx="1188720" cy="731520"/>
+          </a:xfrm>
+          <a:prstGeom prst="rect">
+            <a:avLst/>
+          </a:prstGeom>
+          <a:solidFill>
+            <a:srgbClr val="FFFFFF"/>
+          </a:solidFill>
+          <a:ln w="25400">
+            <a:solidFill>
+              <a:srgbClr val="0070C0"/>
+            </a:solidFill>
+          </a:ln>
+        </p:spPr>
+        <p:style>
+          <a:lnRef idx="1">
+            <a:schemeClr val="accent1"/>
+          </a:lnRef>
+          <a:fillRef idx="3">
+            <a:schemeClr val="accent1"/>
+          </a:fillRef>
+          <a:effectRef idx="2">
+            <a:schemeClr val="accent1"/>
+          </a:effectRef>
+          <a:fontRef idx="minor">
+            <a:schemeClr val="lt1"/>
+          </a:fontRef>
+        </p:style>
+        <p:txBody>
+          <a:bodyPr rtlCol="0" anchor="ctr" wrap="square" bIns="63500" tIns="63500"/>
+          <a:lstStyle/>
+          <a:p>
+            <a:pPr algn="ctr">
+              <a:defRPr sz="1000" b="1">
+                <a:solidFill>
+                  <a:srgbClr val="404040"/>
+                </a:solidFill>
+                <a:latin typeface="Calibri"/>
+              </a:defRPr>
+            </a:pPr>
+            <a:r>
+              <a:t>Statistical</a:t>
+            </a:r>
+          </a:p>
+          <a:p>
+            <a:pPr algn="ctr">
+              <a:defRPr sz="1000" b="1">
+                <a:solidFill>
+                  <a:srgbClr val="404040"/>
+                </a:solidFill>
+                <a:latin typeface="Calibri"/>
+              </a:defRPr>
+            </a:pPr>
+            <a:r>
+              <a:t>Engine (scipy)</a:t>
+            </a:r>
+          </a:p>
+        </p:txBody>
+      </p:sp>
+      <p:sp>
+        <p:nvSpPr>
+          <p:cNvPr id="45" name="Rectangle 44"/>
+          <p:cNvSpPr/>
+          <p:nvPr/>
+        </p:nvSpPr>
+        <p:spPr>
+          <a:xfrm>
+            <a:off x="6766560" y="3840480"/>
+            <a:ext cx="1188720" cy="731520"/>
+          </a:xfrm>
+          <a:prstGeom prst="rect">
+            <a:avLst/>
+          </a:prstGeom>
+          <a:solidFill>
+            <a:srgbClr val="FFFFFF"/>
+          </a:solidFill>
+          <a:ln w="25400">
+            <a:solidFill>
+              <a:srgbClr val="0070C0"/>
+            </a:solidFill>
+          </a:ln>
+        </p:spPr>
+        <p:style>
+          <a:lnRef idx="1">
+            <a:schemeClr val="accent1"/>
+          </a:lnRef>
+          <a:fillRef idx="3">
+            <a:schemeClr val="accent1"/>
+          </a:fillRef>
+          <a:effectRef idx="2">
+            <a:schemeClr val="accent1"/>
+          </a:effectRef>
+          <a:fontRef idx="minor">
+            <a:schemeClr val="lt1"/>
+          </a:fontRef>
+        </p:style>
+        <p:txBody>
+          <a:bodyPr rtlCol="0" anchor="ctr" wrap="square" bIns="63500" tIns="63500"/>
+          <a:lstStyle/>
+          <a:p>
+            <a:pPr algn="ctr">
+              <a:defRPr sz="1000" b="1">
+                <a:solidFill>
+                  <a:srgbClr val="404040"/>
+                </a:solidFill>
+                <a:latin typeface="Calibri"/>
+              </a:defRPr>
+            </a:pPr>
+            <a:r>
+              <a:t>World Model</a:t>
+            </a:r>
+          </a:p>
+          <a:p>
+            <a:pPr algn="ctr">
+              <a:defRPr sz="1000" b="1">
+                <a:solidFill>
+                  <a:srgbClr val="404040"/>
+                </a:solidFill>
+                <a:latin typeface="Calibri"/>
+              </a:defRPr>
+            </a:pPr>
+            <a:r>
+              <a:t>(State Mgmt)</a:t>
+            </a:r>
+          </a:p>
+        </p:txBody>
+      </p:sp>
+      <p:sp>
+        <p:nvSpPr>
+          <p:cNvPr id="46" name="Can 45"/>
+          <p:cNvSpPr/>
+          <p:nvPr/>
+        </p:nvSpPr>
+        <p:spPr>
+          <a:xfrm>
+            <a:off x="8778240" y="2743200"/>
+            <a:ext cx="1188720" cy="731520"/>
+          </a:xfrm>
+          <a:prstGeom prst="can">
+            <a:avLst/>
+          </a:prstGeom>
+          <a:solidFill>
+            <a:srgbClr val="FFFFFF"/>
+          </a:solidFill>
+          <a:ln w="25400">
+            <a:solidFill>
+              <a:srgbClr val="0070C0"/>
+            </a:solidFill>
+          </a:ln>
+        </p:spPr>
+        <p:style>
+          <a:lnRef idx="1">
+            <a:schemeClr val="accent1"/>
+          </a:lnRef>
+          <a:fillRef idx="3">
+            <a:schemeClr val="accent1"/>
+          </a:fillRef>
+          <a:effectRef idx="2">
+            <a:schemeClr val="accent1"/>
+          </a:effectRef>
+          <a:fontRef idx="minor">
+            <a:schemeClr val="lt1"/>
+          </a:fontRef>
+        </p:style>
+        <p:txBody>
+          <a:bodyPr rtlCol="0" anchor="ctr" wrap="square" bIns="63500" tIns="63500"/>
+          <a:lstStyle/>
+          <a:p>
+            <a:pPr algn="ctr">
+              <a:defRPr sz="1000" b="0">
+                <a:solidFill>
+                  <a:srgbClr val="404040"/>
+                </a:solidFill>
+                <a:latin typeface="Calibri"/>
+              </a:defRPr>
+            </a:pPr>
+            <a:r>
+              <a:t>Local Storage</a:t>
+            </a:r>
+          </a:p>
+          <a:p>
+            <a:pPr algn="ctr">
+              <a:defRPr sz="1000" b="0">
+                <a:solidFill>
+                  <a:srgbClr val="404040"/>
+                </a:solidFill>
+                <a:latin typeface="Calibri"/>
+              </a:defRPr>
+            </a:pPr>
+            <a:r>
+              <a:t>(JSON/CSV)</a:t>
+            </a:r>
+          </a:p>
+        </p:txBody>
+      </p:sp>
+      <p:sp>
+        <p:nvSpPr>
+          <p:cNvPr id="47" name="Parallelogram 46"/>
+          <p:cNvSpPr/>
+          <p:nvPr/>
+        </p:nvSpPr>
+        <p:spPr>
+          <a:xfrm>
+            <a:off x="8778240" y="4754880"/>
+            <a:ext cx="1188720" cy="731520"/>
+          </a:xfrm>
+          <a:prstGeom prst="parallelogram">
+            <a:avLst/>
+          </a:prstGeom>
+          <a:solidFill>
+            <a:srgbClr val="FFFFFF"/>
+          </a:solidFill>
+          <a:ln w="19050">
+            <a:solidFill>
+              <a:srgbClr val="808080"/>
+            </a:solidFill>
+          </a:ln>
+        </p:spPr>
+        <p:style>
+          <a:lnRef idx="1">
+            <a:schemeClr val="accent1"/>
+          </a:lnRef>
+          <a:fillRef idx="3">
+            <a:schemeClr val="accent1"/>
+          </a:fillRef>
+          <a:effectRef idx="2">
+            <a:schemeClr val="accent1"/>
+          </a:effectRef>
+          <a:fontRef idx="minor">
+            <a:schemeClr val="lt1"/>
+          </a:fontRef>
+        </p:style>
+        <p:txBody>
+          <a:bodyPr rtlCol="0" anchor="ctr" wrap="square" bIns="63500" tIns="63500"/>
+          <a:lstStyle/>
+          <a:p>
+            <a:pPr algn="ctr">
+              <a:defRPr sz="1000" b="0">
+                <a:solidFill>
+                  <a:srgbClr val="404040"/>
+                </a:solidFill>
+                <a:latin typeface="Calibri"/>
+              </a:defRPr>
+            </a:pPr>
+            <a:r>
+              <a:t>Analysis</a:t>
+            </a:r>
+          </a:p>
+          <a:p>
+            <a:pPr algn="ctr">
+              <a:defRPr sz="1000" b="0">
+                <a:solidFill>
+                  <a:srgbClr val="404040"/>
+                </a:solidFill>
+                <a:latin typeface="Calibri"/>
+              </a:defRPr>
+            </a:pPr>
+            <a:r>
+              <a:t>Outputs (.py)</a:t>
+            </a:r>
+          </a:p>
+        </p:txBody>
+      </p:sp>
+      <p:sp>
+        <p:nvSpPr>
+          <p:cNvPr id="48" name="Parallelogram 47"/>
+          <p:cNvSpPr/>
+          <p:nvPr/>
+        </p:nvSpPr>
+        <p:spPr>
+          <a:xfrm>
+            <a:off x="10515600" y="3657600"/>
+            <a:ext cx="1188720" cy="731520"/>
+          </a:xfrm>
+          <a:prstGeom prst="parallelogram">
+            <a:avLst/>
+          </a:prstGeom>
+          <a:solidFill>
+            <a:srgbClr val="FFFFFF"/>
+          </a:solidFill>
+          <a:ln w="19050">
+            <a:solidFill>
+              <a:srgbClr val="808080"/>
+            </a:solidFill>
+          </a:ln>
+        </p:spPr>
+        <p:style>
+          <a:lnRef idx="1">
+            <a:schemeClr val="accent1"/>
+          </a:lnRef>
+          <a:fillRef idx="3">
+            <a:schemeClr val="accent1"/>
+          </a:fillRef>
+          <a:effectRef idx="2">
+            <a:schemeClr val="accent1"/>
+          </a:effectRef>
+          <a:fontRef idx="minor">
+            <a:schemeClr val="lt1"/>
+          </a:fontRef>
+        </p:style>
+        <p:txBody>
+          <a:bodyPr rtlCol="0" anchor="ctr" wrap="square" bIns="63500" tIns="63500"/>
+          <a:lstStyle/>
+          <a:p>
+            <a:pPr algn="ctr">
+              <a:defRPr sz="1000" b="0">
+                <a:solidFill>
+                  <a:srgbClr val="404040"/>
+                </a:solidFill>
+                <a:latin typeface="Calibri"/>
+              </a:defRPr>
+            </a:pPr>
+            <a:r>
+              <a:t>Reports</a:t>
+            </a:r>
+          </a:p>
+          <a:p>
+            <a:pPr algn="ctr">
+              <a:defRPr sz="1000" b="0">
+                <a:solidFill>
+                  <a:srgbClr val="404040"/>
+                </a:solidFill>
+                <a:latin typeface="Calibri"/>
+              </a:defRPr>
+            </a:pPr>
+            <a:r>
+              <a:t>(.txt, .pptx)</a:t>
+            </a:r>
+          </a:p>
+        </p:txBody>
+      </p:sp>
+      <p:sp>
+        <p:nvSpPr>
+          <p:cNvPr id="49" name="Can 48"/>
+          <p:cNvSpPr/>
+          <p:nvPr/>
+        </p:nvSpPr>
+        <p:spPr>
+          <a:xfrm>
+            <a:off x="9144000" y="5669280"/>
+            <a:ext cx="228600" cy="182880"/>
+          </a:xfrm>
+          <a:prstGeom prst="can">
+            <a:avLst/>
+          </a:prstGeom>
+          <a:solidFill>
+            <a:srgbClr val="FFFFFF"/>
+          </a:solidFill>
+          <a:ln>
+            <a:solidFill>
+              <a:srgbClr val="808080"/>
+            </a:solidFill>
+          </a:ln>
+        </p:spPr>
+        <p:style>
+          <a:lnRef idx="1">
+            <a:schemeClr val="accent1"/>
+          </a:lnRef>
+          <a:fillRef idx="3">
+            <a:schemeClr val="accent1"/>
+          </a:fillRef>
+          <a:effectRef idx="2">
+            <a:schemeClr val="accent1"/>
+          </a:effectRef>
+          <a:fontRef idx="minor">
+            <a:schemeClr val="lt1"/>
+          </a:fontRef>
+        </p:style>
+        <p:txBody>
+          <a:bodyPr rtlCol="0" anchor="ctr"/>
+          <a:lstStyle/>
+          <a:p>
+            <a:pPr algn="ctr"/>
+          </a:p>
+        </p:txBody>
+      </p:sp>
+      <p:sp>
+        <p:nvSpPr>
+          <p:cNvPr id="50" name="TextBox 49"/>
           <p:cNvSpPr txBox="1"/>
           <p:nvPr/>
         </p:nvSpPr>
         <p:spPr>
           <a:xfrm>
-            <a:off x="9601200" y="5349240"/>
-            <a:ext cx="2286000" cy="201168"/>
+            <a:off x="9418320" y="5669280"/>
+            <a:ext cx="914400" cy="182880"/>
           </a:xfrm>
           <a:prstGeom prst="rect">
             <a:avLst/>
@@ -4349,31 +5752,74 @@
           <a:lstStyle/>
           <a:p>
             <a:pPr>
-              <a:defRPr sz="1400">
+              <a:defRPr sz="700">
+                <a:solidFill>
+                  <a:srgbClr val="404040"/>
+                </a:solidFill>
                 <a:latin typeface="Calibri"/>
               </a:defRPr>
             </a:pPr>
             <a:r>
-              <a:rPr sz="1800" b="1">
-                <a:solidFill>
-                  <a:srgbClr val="B0C4DE"/>
-                </a:solidFill>
-              </a:rPr>
-              <a:t>■ Datastore</a:t>
-            </a:r>
-          </a:p>
-        </p:txBody>
-      </p:sp>
-      <p:sp>
-        <p:nvSpPr>
-          <p:cNvPr id="30" name="TextBox 29"/>
+              <a:t>Datastore</a:t>
+            </a:r>
+          </a:p>
+        </p:txBody>
+      </p:sp>
+      <p:sp>
+        <p:nvSpPr>
+          <p:cNvPr id="51" name="Rectangle 50"/>
+          <p:cNvSpPr/>
+          <p:nvPr/>
+        </p:nvSpPr>
+        <p:spPr>
+          <a:xfrm>
+            <a:off x="10515600" y="5669280"/>
+            <a:ext cx="228600" cy="182880"/>
+          </a:xfrm>
+          <a:prstGeom prst="rect">
+            <a:avLst/>
+          </a:prstGeom>
+          <a:solidFill>
+            <a:srgbClr val="FFFFFF"/>
+          </a:solidFill>
+          <a:ln>
+            <a:solidFill>
+              <a:srgbClr val="808080"/>
+            </a:solidFill>
+          </a:ln>
+        </p:spPr>
+        <p:style>
+          <a:lnRef idx="1">
+            <a:schemeClr val="accent1"/>
+          </a:lnRef>
+          <a:fillRef idx="3">
+            <a:schemeClr val="accent1"/>
+          </a:fillRef>
+          <a:effectRef idx="2">
+            <a:schemeClr val="accent1"/>
+          </a:effectRef>
+          <a:fontRef idx="minor">
+            <a:schemeClr val="lt1"/>
+          </a:fontRef>
+        </p:style>
+        <p:txBody>
+          <a:bodyPr rtlCol="0" anchor="ctr"/>
+          <a:lstStyle/>
+          <a:p>
+            <a:pPr algn="ctr"/>
+          </a:p>
+        </p:txBody>
+      </p:sp>
+      <p:sp>
+        <p:nvSpPr>
+          <p:cNvPr id="52" name="TextBox 51"/>
           <p:cNvSpPr txBox="1"/>
           <p:nvPr/>
         </p:nvSpPr>
         <p:spPr>
           <a:xfrm>
-            <a:off x="9601200" y="5559552"/>
-            <a:ext cx="2286000" cy="201168"/>
+            <a:off x="10789920" y="5669280"/>
+            <a:ext cx="914400" cy="182880"/>
           </a:xfrm>
           <a:prstGeom prst="rect">
             <a:avLst/>
@@ -4387,31 +5833,74 @@
           <a:lstStyle/>
           <a:p>
             <a:pPr>
-              <a:defRPr sz="1400">
+              <a:defRPr sz="700">
+                <a:solidFill>
+                  <a:srgbClr val="404040"/>
+                </a:solidFill>
                 <a:latin typeface="Calibri"/>
               </a:defRPr>
             </a:pPr>
             <a:r>
-              <a:rPr sz="1800" b="1">
-                <a:solidFill>
-                  <a:srgbClr val="90A4AE"/>
-                </a:solidFill>
-              </a:rPr>
-              <a:t>■ Service/Module</a:t>
-            </a:r>
-          </a:p>
-        </p:txBody>
-      </p:sp>
-      <p:sp>
-        <p:nvSpPr>
-          <p:cNvPr id="31" name="TextBox 30"/>
+              <a:t>Service/Module</a:t>
+            </a:r>
+          </a:p>
+        </p:txBody>
+      </p:sp>
+      <p:sp>
+        <p:nvSpPr>
+          <p:cNvPr id="53" name="Hexagon 52"/>
+          <p:cNvSpPr/>
+          <p:nvPr/>
+        </p:nvSpPr>
+        <p:spPr>
+          <a:xfrm>
+            <a:off x="9144000" y="5989320"/>
+            <a:ext cx="228600" cy="182880"/>
+          </a:xfrm>
+          <a:prstGeom prst="hexagon">
+            <a:avLst/>
+          </a:prstGeom>
+          <a:solidFill>
+            <a:srgbClr val="FFFFFF"/>
+          </a:solidFill>
+          <a:ln>
+            <a:solidFill>
+              <a:srgbClr val="808080"/>
+            </a:solidFill>
+          </a:ln>
+        </p:spPr>
+        <p:style>
+          <a:lnRef idx="1">
+            <a:schemeClr val="accent1"/>
+          </a:lnRef>
+          <a:fillRef idx="3">
+            <a:schemeClr val="accent1"/>
+          </a:fillRef>
+          <a:effectRef idx="2">
+            <a:schemeClr val="accent1"/>
+          </a:effectRef>
+          <a:fontRef idx="minor">
+            <a:schemeClr val="lt1"/>
+          </a:fontRef>
+        </p:style>
+        <p:txBody>
+          <a:bodyPr rtlCol="0" anchor="ctr"/>
+          <a:lstStyle/>
+          <a:p>
+            <a:pPr algn="ctr"/>
+          </a:p>
+        </p:txBody>
+      </p:sp>
+      <p:sp>
+        <p:nvSpPr>
+          <p:cNvPr id="54" name="TextBox 53"/>
           <p:cNvSpPr txBox="1"/>
           <p:nvPr/>
         </p:nvSpPr>
         <p:spPr>
           <a:xfrm>
-            <a:off x="9601200" y="5769864"/>
-            <a:ext cx="2286000" cy="201168"/>
+            <a:off x="9418320" y="5989320"/>
+            <a:ext cx="914400" cy="182880"/>
           </a:xfrm>
           <a:prstGeom prst="rect">
             <a:avLst/>
@@ -4425,31 +5914,74 @@
           <a:lstStyle/>
           <a:p>
             <a:pPr>
-              <a:defRPr sz="1400">
+              <a:defRPr sz="700">
+                <a:solidFill>
+                  <a:srgbClr val="404040"/>
+                </a:solidFill>
                 <a:latin typeface="Calibri"/>
               </a:defRPr>
             </a:pPr>
             <a:r>
-              <a:rPr sz="1800" b="1">
-                <a:solidFill>
-                  <a:srgbClr val="FF9800"/>
-                </a:solidFill>
-              </a:rPr>
-              <a:t>■ External API</a:t>
-            </a:r>
-          </a:p>
-        </p:txBody>
-      </p:sp>
-      <p:sp>
-        <p:nvSpPr>
-          <p:cNvPr id="32" name="TextBox 31"/>
+              <a:t>External System</a:t>
+            </a:r>
+          </a:p>
+        </p:txBody>
+      </p:sp>
+      <p:sp>
+        <p:nvSpPr>
+          <p:cNvPr id="55" name="Parallelogram 54"/>
+          <p:cNvSpPr/>
+          <p:nvPr/>
+        </p:nvSpPr>
+        <p:spPr>
+          <a:xfrm>
+            <a:off x="10515600" y="5989320"/>
+            <a:ext cx="228600" cy="182880"/>
+          </a:xfrm>
+          <a:prstGeom prst="parallelogram">
+            <a:avLst/>
+          </a:prstGeom>
+          <a:solidFill>
+            <a:srgbClr val="FFFFFF"/>
+          </a:solidFill>
+          <a:ln>
+            <a:solidFill>
+              <a:srgbClr val="808080"/>
+            </a:solidFill>
+          </a:ln>
+        </p:spPr>
+        <p:style>
+          <a:lnRef idx="1">
+            <a:schemeClr val="accent1"/>
+          </a:lnRef>
+          <a:fillRef idx="3">
+            <a:schemeClr val="accent1"/>
+          </a:fillRef>
+          <a:effectRef idx="2">
+            <a:schemeClr val="accent1"/>
+          </a:effectRef>
+          <a:fontRef idx="minor">
+            <a:schemeClr val="lt1"/>
+          </a:fontRef>
+        </p:style>
+        <p:txBody>
+          <a:bodyPr rtlCol="0" anchor="ctr"/>
+          <a:lstStyle/>
+          <a:p>
+            <a:pPr algn="ctr"/>
+          </a:p>
+        </p:txBody>
+      </p:sp>
+      <p:sp>
+        <p:nvSpPr>
+          <p:cNvPr id="56" name="TextBox 55"/>
           <p:cNvSpPr txBox="1"/>
           <p:nvPr/>
         </p:nvSpPr>
         <p:spPr>
           <a:xfrm>
-            <a:off x="9601200" y="5980176"/>
-            <a:ext cx="2286000" cy="201168"/>
+            <a:off x="10789920" y="5989320"/>
+            <a:ext cx="914400" cy="182880"/>
           </a:xfrm>
           <a:prstGeom prst="rect">
             <a:avLst/>
@@ -4463,58 +5995,15 @@
           <a:lstStyle/>
           <a:p>
             <a:pPr>
-              <a:defRPr sz="1400">
-                <a:latin typeface="Calibri"/>
-              </a:defRPr>
-            </a:pPr>
-            <a:r>
-              <a:rPr sz="1800" b="1">
+              <a:defRPr sz="700">
                 <a:solidFill>
-                  <a:srgbClr val="BDBDBD"/>
-                </a:solidFill>
-              </a:rPr>
-              <a:t>■ Input/Output</a:t>
-            </a:r>
-          </a:p>
-        </p:txBody>
-      </p:sp>
-      <p:sp>
-        <p:nvSpPr>
-          <p:cNvPr id="33" name="TextBox 32"/>
-          <p:cNvSpPr txBox="1"/>
-          <p:nvPr/>
-        </p:nvSpPr>
-        <p:spPr>
-          <a:xfrm>
-            <a:off x="9601200" y="6281928"/>
-            <a:ext cx="2286000" cy="548640"/>
-          </a:xfrm>
-          <a:prstGeom prst="rect">
-            <a:avLst/>
-          </a:prstGeom>
-          <a:noFill/>
-        </p:spPr>
-        <p:txBody>
-          <a:bodyPr wrap="none">
-            <a:spAutoFit/>
-          </a:bodyPr>
-          <a:lstStyle/>
-          <a:p>
-            <a:pPr>
-              <a:defRPr sz="1200">
-                <a:solidFill>
-                  <a:srgbClr val="212121"/>
+                  <a:srgbClr val="404040"/>
                 </a:solidFill>
                 <a:latin typeface="Calibri"/>
               </a:defRPr>
             </a:pPr>
             <a:r>
-              <a:t>─── Verified link</a:t>
-            </a:r>
-          </a:p>
-          <a:p>
-            <a:r>
-              <a:t>- - - Optional path</a:t>
+              <a:t>I/O Artifact</a:t>
             </a:r>
           </a:p>
         </p:txBody>
@@ -4845,4 +6334,324 @@
   </a:objectDefaults>
   <a:extraClrSchemeLst/>
 </a:theme>
+</file>
+
+<file path=ppt/theme/theme2.xml><?xml version="1.0" encoding="utf-8"?>
+<a:theme xmlns:a="http://schemas.openxmlformats.org/drawingml/2006/main" name="Office Theme">
+  <a:themeElements>
+    <a:clrScheme name="Office">
+      <a:dk1>
+        <a:sysClr val="windowText" lastClr="000000"/>
+      </a:dk1>
+      <a:lt1>
+        <a:sysClr val="window" lastClr="FFFFFF"/>
+      </a:lt1>
+      <a:dk2>
+        <a:srgbClr val="1F497D"/>
+      </a:dk2>
+      <a:lt2>
+        <a:srgbClr val="EEECE1"/>
+      </a:lt2>
+      <a:accent1>
+        <a:srgbClr val="4F81BD"/>
+      </a:accent1>
+      <a:accent2>
+        <a:srgbClr val="C0504D"/>
+      </a:accent2>
+      <a:accent3>
+        <a:srgbClr val="9BBB59"/>
+      </a:accent3>
+      <a:accent4>
+        <a:srgbClr val="8064A2"/>
+      </a:accent4>
+      <a:accent5>
+        <a:srgbClr val="4BACC6"/>
+      </a:accent5>
+      <a:accent6>
+        <a:srgbClr val="F79646"/>
+      </a:accent6>
+      <a:hlink>
+        <a:srgbClr val="0000FF"/>
+      </a:hlink>
+      <a:folHlink>
+        <a:srgbClr val="800080"/>
+      </a:folHlink>
+    </a:clrScheme>
+    <a:fontScheme name="Office">
+      <a:majorFont>
+        <a:latin typeface="Calibri"/>
+        <a:ea typeface=""/>
+        <a:cs typeface=""/>
+        <a:font script="Jpan" typeface="ＭＳ Ｐゴシック"/>
+        <a:font script="Hang" typeface="맑은 고딕"/>
+        <a:font script="Hans" typeface="宋体"/>
+        <a:font script="Hant" typeface="新細明體"/>
+        <a:font script="Arab" typeface="Times New Roman"/>
+        <a:font script="Hebr" typeface="Times New Roman"/>
+        <a:font script="Thai" typeface="Angsana New"/>
+        <a:font script="Ethi" typeface="Nyala"/>
+        <a:font script="Beng" typeface="Vrinda"/>
+        <a:font script="Gujr" typeface="Shruti"/>
+        <a:font script="Khmr" typeface="MoolBoran"/>
+        <a:font script="Knda" typeface="Tunga"/>
+        <a:font script="Guru" typeface="Raavi"/>
+        <a:font script="Cans" typeface="Euphemia"/>
+        <a:font script="Cher" typeface="Plantagenet Cherokee"/>
+        <a:font script="Yiii" typeface="Microsoft Yi Baiti"/>
+        <a:font script="Tibt" typeface="Microsoft Himalaya"/>
+        <a:font script="Thaa" typeface="MV Boli"/>
+        <a:font script="Deva" typeface="Mangal"/>
+        <a:font script="Telu" typeface="Gautami"/>
+        <a:font script="Taml" typeface="Latha"/>
+        <a:font script="Syrc" typeface="Estrangelo Edessa"/>
+        <a:font script="Orya" typeface="Kalinga"/>
+        <a:font script="Mlym" typeface="Kartika"/>
+        <a:font script="Laoo" typeface="DokChampa"/>
+        <a:font script="Sinh" typeface="Iskoola Pota"/>
+        <a:font script="Mong" typeface="Mongolian Baiti"/>
+        <a:font script="Viet" typeface="Times New Roman"/>
+        <a:font script="Uigh" typeface="Microsoft Uighur"/>
+        <a:font script="Geor" typeface="Sylfaen"/>
+      </a:majorFont>
+      <a:minorFont>
+        <a:latin typeface="Calibri"/>
+        <a:ea typeface=""/>
+        <a:cs typeface=""/>
+        <a:font script="Jpan" typeface="ＭＳ Ｐゴシック"/>
+        <a:font script="Hang" typeface="맑은 고딕"/>
+        <a:font script="Hans" typeface="宋体"/>
+        <a:font script="Hant" typeface="新細明體"/>
+        <a:font script="Arab" typeface="Arial"/>
+        <a:font script="Hebr" typeface="Arial"/>
+        <a:font script="Thai" typeface="Cordia New"/>
+        <a:font script="Ethi" typeface="Nyala"/>
+        <a:font script="Beng" typeface="Vrinda"/>
+        <a:font script="Gujr" typeface="Shruti"/>
+        <a:font script="Khmr" typeface="DaunPenh"/>
+        <a:font script="Knda" typeface="Tunga"/>
+        <a:font script="Guru" typeface="Raavi"/>
+        <a:font script="Cans" typeface="Euphemia"/>
+        <a:font script="Cher" typeface="Plantagenet Cherokee"/>
+        <a:font script="Yiii" typeface="Microsoft Yi Baiti"/>
+        <a:font script="Tibt" typeface="Microsoft Himalaya"/>
+        <a:font script="Thaa" typeface="MV Boli"/>
+        <a:font script="Deva" typeface="Mangal"/>
+        <a:font script="Telu" typeface="Gautami"/>
+        <a:font script="Taml" typeface="Latha"/>
+        <a:font script="Syrc" typeface="Estrangelo Edessa"/>
+        <a:font script="Orya" typeface="Kalinga"/>
+        <a:font script="Mlym" typeface="Kartika"/>
+        <a:font script="Laoo" typeface="DokChampa"/>
+        <a:font script="Sinh" typeface="Iskoola Pota"/>
+        <a:font script="Mong" typeface="Mongolian Baiti"/>
+        <a:font script="Viet" typeface="Arial"/>
+        <a:font script="Uigh" typeface="Microsoft Uighur"/>
+        <a:font script="Geor" typeface="Sylfaen"/>
+      </a:minorFont>
+    </a:fontScheme>
+    <a:fmtScheme name="Office">
+      <a:fillStyleLst>
+        <a:solidFill>
+          <a:schemeClr val="phClr"/>
+        </a:solidFill>
+        <a:gradFill rotWithShape="1">
+          <a:gsLst>
+            <a:gs pos="0">
+              <a:schemeClr val="phClr">
+                <a:tint val="50000"/>
+                <a:satMod val="300000"/>
+              </a:schemeClr>
+            </a:gs>
+            <a:gs pos="35000">
+              <a:schemeClr val="phClr">
+                <a:tint val="37000"/>
+                <a:satMod val="300000"/>
+              </a:schemeClr>
+            </a:gs>
+            <a:gs pos="100000">
+              <a:schemeClr val="phClr">
+                <a:tint val="15000"/>
+                <a:satMod val="350000"/>
+              </a:schemeClr>
+            </a:gs>
+          </a:gsLst>
+          <a:lin ang="16200000" scaled="1"/>
+        </a:gradFill>
+        <a:gradFill rotWithShape="1">
+          <a:gsLst>
+            <a:gs pos="0">
+              <a:schemeClr val="phClr">
+                <a:tint val="100000"/>
+                <a:shade val="100000"/>
+                <a:satMod val="130000"/>
+              </a:schemeClr>
+            </a:gs>
+            <a:gs pos="100000">
+              <a:schemeClr val="phClr">
+                <a:tint val="50000"/>
+                <a:shade val="100000"/>
+                <a:satMod val="350000"/>
+              </a:schemeClr>
+            </a:gs>
+          </a:gsLst>
+          <a:lin ang="16200000" scaled="0"/>
+        </a:gradFill>
+      </a:fillStyleLst>
+      <a:lnStyleLst>
+        <a:ln w="9525" cap="flat" cmpd="sng" algn="ctr">
+          <a:solidFill>
+            <a:schemeClr val="phClr">
+              <a:shade val="95000"/>
+              <a:satMod val="105000"/>
+            </a:schemeClr>
+          </a:solidFill>
+          <a:prstDash val="solid"/>
+        </a:ln>
+        <a:ln w="25400" cap="flat" cmpd="sng" algn="ctr">
+          <a:solidFill>
+            <a:schemeClr val="phClr"/>
+          </a:solidFill>
+          <a:prstDash val="solid"/>
+        </a:ln>
+        <a:ln w="38100" cap="flat" cmpd="sng" algn="ctr">
+          <a:solidFill>
+            <a:schemeClr val="phClr"/>
+          </a:solidFill>
+          <a:prstDash val="solid"/>
+        </a:ln>
+      </a:lnStyleLst>
+      <a:effectStyleLst>
+        <a:effectStyle>
+          <a:effectLst>
+            <a:outerShdw blurRad="40000" dist="20000" dir="5400000" rotWithShape="0">
+              <a:srgbClr val="000000">
+                <a:alpha val="38000"/>
+              </a:srgbClr>
+            </a:outerShdw>
+          </a:effectLst>
+        </a:effectStyle>
+        <a:effectStyle>
+          <a:effectLst>
+            <a:outerShdw blurRad="40000" dist="23000" dir="5400000" rotWithShape="0">
+              <a:srgbClr val="000000">
+                <a:alpha val="35000"/>
+              </a:srgbClr>
+            </a:outerShdw>
+          </a:effectLst>
+        </a:effectStyle>
+        <a:effectStyle>
+          <a:effectLst>
+            <a:outerShdw blurRad="40000" dist="23000" dir="5400000" rotWithShape="0">
+              <a:srgbClr val="000000">
+                <a:alpha val="35000"/>
+              </a:srgbClr>
+            </a:outerShdw>
+          </a:effectLst>
+          <a:scene3d>
+            <a:camera prst="orthographicFront">
+              <a:rot lat="0" lon="0" rev="0"/>
+            </a:camera>
+            <a:lightRig rig="threePt" dir="t">
+              <a:rot lat="0" lon="0" rev="1200000"/>
+            </a:lightRig>
+          </a:scene3d>
+          <a:sp3d>
+            <a:bevelT w="63500" h="25400"/>
+          </a:sp3d>
+        </a:effectStyle>
+      </a:effectStyleLst>
+      <a:bgFillStyleLst>
+        <a:solidFill>
+          <a:schemeClr val="phClr"/>
+        </a:solidFill>
+        <a:gradFill rotWithShape="1">
+          <a:gsLst>
+            <a:gs pos="0">
+              <a:schemeClr val="phClr">
+                <a:tint val="40000"/>
+                <a:satMod val="350000"/>
+              </a:schemeClr>
+            </a:gs>
+            <a:gs pos="40000">
+              <a:schemeClr val="phClr">
+                <a:tint val="45000"/>
+                <a:shade val="99000"/>
+                <a:satMod val="350000"/>
+              </a:schemeClr>
+            </a:gs>
+            <a:gs pos="100000">
+              <a:schemeClr val="phClr">
+                <a:shade val="20000"/>
+                <a:satMod val="255000"/>
+              </a:schemeClr>
+            </a:gs>
+          </a:gsLst>
+          <a:path path="circle">
+            <a:fillToRect l="50000" t="-80000" r="50000" b="180000"/>
+          </a:path>
+        </a:gradFill>
+        <a:gradFill rotWithShape="1">
+          <a:gsLst>
+            <a:gs pos="0">
+              <a:schemeClr val="phClr">
+                <a:tint val="80000"/>
+                <a:satMod val="300000"/>
+              </a:schemeClr>
+            </a:gs>
+            <a:gs pos="100000">
+              <a:schemeClr val="phClr">
+                <a:shade val="30000"/>
+                <a:satMod val="200000"/>
+              </a:schemeClr>
+            </a:gs>
+          </a:gsLst>
+          <a:path path="circle">
+            <a:fillToRect l="50000" t="50000" r="50000" b="50000"/>
+          </a:path>
+        </a:gradFill>
+      </a:bgFillStyleLst>
+    </a:fmtScheme>
+  </a:themeElements>
+  <a:objectDefaults>
+    <a:spDef>
+      <a:spPr/>
+      <a:bodyPr/>
+      <a:lstStyle/>
+      <a:style>
+        <a:lnRef idx="1">
+          <a:schemeClr val="accent1"/>
+        </a:lnRef>
+        <a:fillRef idx="3">
+          <a:schemeClr val="accent1"/>
+        </a:fillRef>
+        <a:effectRef idx="2">
+          <a:schemeClr val="accent1"/>
+        </a:effectRef>
+        <a:fontRef idx="minor">
+          <a:schemeClr val="lt1"/>
+        </a:fontRef>
+      </a:style>
+    </a:spDef>
+    <a:lnDef>
+      <a:spPr/>
+      <a:bodyPr/>
+      <a:lstStyle/>
+      <a:style>
+        <a:lnRef idx="2">
+          <a:schemeClr val="accent1"/>
+        </a:lnRef>
+        <a:fillRef idx="0">
+          <a:schemeClr val="accent1"/>
+        </a:fillRef>
+        <a:effectRef idx="1">
+          <a:schemeClr val="accent1"/>
+        </a:effectRef>
+        <a:fontRef idx="minor">
+          <a:schemeClr val="tx1"/>
+        </a:fontRef>
+      </a:style>
+    </a:lnDef>
+  </a:objectDefaults>
+  <a:extraClrSchemeLst/>
+</a:theme>
 </file>
--- a/architecture_overview.pptx
+++ b/architecture_overview.pptx
@@ -105,525 +105,6 @@
     </a:lvl9pPr>
   </p:defaultTextStyle>
 </p:presentation>
-</file>
-
-<file path=ppt/notesMasters/notesMaster1.xml><?xml version="1.0" encoding="utf-8"?>
-<p:notesMaster xmlns:a="http://schemas.openxmlformats.org/drawingml/2006/main" xmlns:p="http://schemas.openxmlformats.org/presentationml/2006/main" xmlns:r="http://schemas.openxmlformats.org/officeDocument/2006/relationships">
-  <p:cSld>
-    <p:bg>
-      <p:bgRef idx="1001">
-        <a:schemeClr val="bg1"/>
-      </p:bgRef>
-    </p:bg>
-    <p:spTree>
-      <p:nvGrpSpPr>
-        <p:cNvPr id="1" name=""/>
-        <p:cNvGrpSpPr/>
-        <p:nvPr/>
-      </p:nvGrpSpPr>
-      <p:grpSpPr>
-        <a:xfrm>
-          <a:off x="0" y="0"/>
-          <a:ext cx="0" cy="0"/>
-          <a:chOff x="0" y="0"/>
-          <a:chExt cx="0" cy="0"/>
-        </a:xfrm>
-      </p:grpSpPr>
-      <p:sp>
-        <p:nvSpPr>
-          <p:cNvPr id="2" name="Header Placeholder 1"/>
-          <p:cNvSpPr>
-            <a:spLocks noGrp="1"/>
-          </p:cNvSpPr>
-          <p:nvPr>
-            <p:ph type="hdr" sz="quarter"/>
-          </p:nvPr>
-        </p:nvSpPr>
-        <p:spPr>
-          <a:xfrm>
-            <a:off x="0" y="0"/>
-            <a:ext cx="2971800" cy="457200"/>
-          </a:xfrm>
-          <a:prstGeom prst="rect">
-            <a:avLst/>
-          </a:prstGeom>
-        </p:spPr>
-        <p:txBody>
-          <a:bodyPr vert="horz" lIns="91440" tIns="45720" rIns="91440" bIns="45720" rtlCol="0"/>
-          <a:lstStyle>
-            <a:lvl1pPr algn="l">
-              <a:defRPr sz="1200"/>
-            </a:lvl1pPr>
-          </a:lstStyle>
-          <a:p>
-            <a:endParaRPr lang="en-US"/>
-          </a:p>
-        </p:txBody>
-      </p:sp>
-      <p:sp>
-        <p:nvSpPr>
-          <p:cNvPr id="3" name="Date Placeholder 2"/>
-          <p:cNvSpPr>
-            <a:spLocks noGrp="1"/>
-          </p:cNvSpPr>
-          <p:nvPr>
-            <p:ph type="dt" idx="1"/>
-          </p:nvPr>
-        </p:nvSpPr>
-        <p:spPr>
-          <a:xfrm>
-            <a:off x="3884613" y="0"/>
-            <a:ext cx="2971800" cy="457200"/>
-          </a:xfrm>
-          <a:prstGeom prst="rect">
-            <a:avLst/>
-          </a:prstGeom>
-        </p:spPr>
-        <p:txBody>
-          <a:bodyPr vert="horz" lIns="91440" tIns="45720" rIns="91440" bIns="45720" rtlCol="0"/>
-          <a:lstStyle>
-            <a:lvl1pPr algn="r">
-              <a:defRPr sz="1200"/>
-            </a:lvl1pPr>
-          </a:lstStyle>
-          <a:p>
-            <a:fld id="{0F89C1C7-3DCD-1040-A9CF-14679D8B5DDD}" type="datetimeFigureOut">
-              <a:rPr lang="en-US" smtClean="0"/>
-              <a:t>10/17/16</a:t>
-            </a:fld>
-            <a:endParaRPr lang="en-US"/>
-          </a:p>
-        </p:txBody>
-      </p:sp>
-      <p:sp>
-        <p:nvSpPr>
-          <p:cNvPr id="4" name="Slide Image Placeholder 3"/>
-          <p:cNvSpPr>
-            <a:spLocks noGrp="1" noRot="1" noChangeAspect="1"/>
-          </p:cNvSpPr>
-          <p:nvPr>
-            <p:ph type="sldImg" idx="2"/>
-          </p:nvPr>
-        </p:nvSpPr>
-        <p:spPr>
-          <a:xfrm>
-            <a:off x="1143000" y="685800"/>
-            <a:ext cx="4572000" cy="3429000"/>
-          </a:xfrm>
-          <a:prstGeom prst="rect">
-            <a:avLst/>
-          </a:prstGeom>
-          <a:noFill/>
-          <a:ln w="12700">
-            <a:solidFill>
-              <a:prstClr val="black"/>
-            </a:solidFill>
-          </a:ln>
-        </p:spPr>
-        <p:txBody>
-          <a:bodyPr vert="horz" lIns="91440" tIns="45720" rIns="91440" bIns="45720" rtlCol="0" anchor="ctr"/>
-          <a:lstStyle/>
-          <a:p>
-            <a:endParaRPr lang="en-US"/>
-          </a:p>
-        </p:txBody>
-      </p:sp>
-      <p:sp>
-        <p:nvSpPr>
-          <p:cNvPr id="5" name="Notes Placeholder 4"/>
-          <p:cNvSpPr>
-            <a:spLocks noGrp="1"/>
-          </p:cNvSpPr>
-          <p:nvPr>
-            <p:ph type="body" sz="quarter" idx="3"/>
-          </p:nvPr>
-        </p:nvSpPr>
-        <p:spPr>
-          <a:xfrm>
-            <a:off x="685800" y="4343400"/>
-            <a:ext cx="5486400" cy="4114800"/>
-          </a:xfrm>
-          <a:prstGeom prst="rect">
-            <a:avLst/>
-          </a:prstGeom>
-        </p:spPr>
-        <p:txBody>
-          <a:bodyPr vert="horz" lIns="91440" tIns="45720" rIns="91440" bIns="45720" rtlCol="0"/>
-          <a:lstStyle/>
-          <a:p>
-            <a:pPr lvl="0"/>
-            <a:r>
-              <a:rPr lang="en-US" smtClean="0"/>
-              <a:t>Click to edit Master text styles</a:t>
-            </a:r>
-          </a:p>
-          <a:p>
-            <a:pPr lvl="1"/>
-            <a:r>
-              <a:rPr lang="en-US" smtClean="0"/>
-              <a:t>Second level</a:t>
-            </a:r>
-          </a:p>
-          <a:p>
-            <a:pPr lvl="2"/>
-            <a:r>
-              <a:rPr lang="en-US" smtClean="0"/>
-              <a:t>Third level</a:t>
-            </a:r>
-          </a:p>
-          <a:p>
-            <a:pPr lvl="3"/>
-            <a:r>
-              <a:rPr lang="en-US" smtClean="0"/>
-              <a:t>Fourth level</a:t>
-            </a:r>
-          </a:p>
-          <a:p>
-            <a:pPr lvl="4"/>
-            <a:r>
-              <a:rPr lang="en-US" smtClean="0"/>
-              <a:t>Fifth level</a:t>
-            </a:r>
-            <a:endParaRPr lang="en-US"/>
-          </a:p>
-        </p:txBody>
-      </p:sp>
-      <p:sp>
-        <p:nvSpPr>
-          <p:cNvPr id="6" name="Footer Placeholder 5"/>
-          <p:cNvSpPr>
-            <a:spLocks noGrp="1"/>
-          </p:cNvSpPr>
-          <p:nvPr>
-            <p:ph type="ftr" sz="quarter" idx="4"/>
-          </p:nvPr>
-        </p:nvSpPr>
-        <p:spPr>
-          <a:xfrm>
-            <a:off x="0" y="8685213"/>
-            <a:ext cx="2971800" cy="457200"/>
-          </a:xfrm>
-          <a:prstGeom prst="rect">
-            <a:avLst/>
-          </a:prstGeom>
-        </p:spPr>
-        <p:txBody>
-          <a:bodyPr vert="horz" lIns="91440" tIns="45720" rIns="91440" bIns="45720" rtlCol="0" anchor="b"/>
-          <a:lstStyle>
-            <a:lvl1pPr algn="l">
-              <a:defRPr sz="1200"/>
-            </a:lvl1pPr>
-          </a:lstStyle>
-          <a:p>
-            <a:endParaRPr lang="en-US"/>
-          </a:p>
-        </p:txBody>
-      </p:sp>
-      <p:sp>
-        <p:nvSpPr>
-          <p:cNvPr id="7" name="Slide Number Placeholder 6"/>
-          <p:cNvSpPr>
-            <a:spLocks noGrp="1"/>
-          </p:cNvSpPr>
-          <p:nvPr>
-            <p:ph type="sldNum" sz="quarter" idx="5"/>
-          </p:nvPr>
-        </p:nvSpPr>
-        <p:spPr>
-          <a:xfrm>
-            <a:off x="3884613" y="8685213"/>
-            <a:ext cx="2971800" cy="457200"/>
-          </a:xfrm>
-          <a:prstGeom prst="rect">
-            <a:avLst/>
-          </a:prstGeom>
-        </p:spPr>
-        <p:txBody>
-          <a:bodyPr vert="horz" lIns="91440" tIns="45720" rIns="91440" bIns="45720" rtlCol="0" anchor="b"/>
-          <a:lstStyle>
-            <a:lvl1pPr algn="r">
-              <a:defRPr sz="1200"/>
-            </a:lvl1pPr>
-          </a:lstStyle>
-          <a:p>
-            <a:fld id="{BB5E49A5-4136-284D-997B-48E1D791AD67}" type="slidenum">
-              <a:rPr lang="en-US" smtClean="0"/>
-              <a:t>‹#›</a:t>
-            </a:fld>
-            <a:endParaRPr lang="en-US"/>
-          </a:p>
-        </p:txBody>
-      </p:sp>
-    </p:spTree>
-    <p:extLst>
-      <p:ext uri="{BB962C8B-B14F-4D97-AF65-F5344CB8AC3E}">
-        <p14:creationId xmlns:p14="http://schemas.microsoft.com/office/powerpoint/2010/main" val="2623252185"/>
-      </p:ext>
-    </p:extLst>
-  </p:cSld>
-  <p:clrMap bg1="lt1" tx1="dk1" bg2="lt2" tx2="dk2" accent1="accent1" accent2="accent2" accent3="accent3" accent4="accent4" accent5="accent5" accent6="accent6" hlink="hlink" folHlink="folHlink"/>
-  <p:notesStyle>
-    <a:lvl1pPr marL="0" algn="l" defTabSz="457200" rtl="0" eaLnBrk="1" latinLnBrk="0" hangingPunct="1">
-      <a:defRPr sz="1200" kern="1200">
-        <a:solidFill>
-          <a:schemeClr val="tx1"/>
-        </a:solidFill>
-        <a:latin typeface="+mn-lt"/>
-        <a:ea typeface="+mn-ea"/>
-        <a:cs typeface="+mn-cs"/>
-      </a:defRPr>
-    </a:lvl1pPr>
-    <a:lvl2pPr marL="457200" algn="l" defTabSz="457200" rtl="0" eaLnBrk="1" latinLnBrk="0" hangingPunct="1">
-      <a:defRPr sz="1200" kern="1200">
-        <a:solidFill>
-          <a:schemeClr val="tx1"/>
-        </a:solidFill>
-        <a:latin typeface="+mn-lt"/>
-        <a:ea typeface="+mn-ea"/>
-        <a:cs typeface="+mn-cs"/>
-      </a:defRPr>
-    </a:lvl2pPr>
-    <a:lvl3pPr marL="914400" algn="l" defTabSz="457200" rtl="0" eaLnBrk="1" latinLnBrk="0" hangingPunct="1">
-      <a:defRPr sz="1200" kern="1200">
-        <a:solidFill>
-          <a:schemeClr val="tx1"/>
-        </a:solidFill>
-        <a:latin typeface="+mn-lt"/>
-        <a:ea typeface="+mn-ea"/>
-        <a:cs typeface="+mn-cs"/>
-      </a:defRPr>
-    </a:lvl3pPr>
-    <a:lvl4pPr marL="1371600" algn="l" defTabSz="457200" rtl="0" eaLnBrk="1" latinLnBrk="0" hangingPunct="1">
-      <a:defRPr sz="1200" kern="1200">
-        <a:solidFill>
-          <a:schemeClr val="tx1"/>
-        </a:solidFill>
-        <a:latin typeface="+mn-lt"/>
-        <a:ea typeface="+mn-ea"/>
-        <a:cs typeface="+mn-cs"/>
-      </a:defRPr>
-    </a:lvl4pPr>
-    <a:lvl5pPr marL="1828800" algn="l" defTabSz="457200" rtl="0" eaLnBrk="1" latinLnBrk="0" hangingPunct="1">
-      <a:defRPr sz="1200" kern="1200">
-        <a:solidFill>
-          <a:schemeClr val="tx1"/>
-        </a:solidFill>
-        <a:latin typeface="+mn-lt"/>
-        <a:ea typeface="+mn-ea"/>
-        <a:cs typeface="+mn-cs"/>
-      </a:defRPr>
-    </a:lvl5pPr>
-    <a:lvl6pPr marL="2286000" algn="l" defTabSz="457200" rtl="0" eaLnBrk="1" latinLnBrk="0" hangingPunct="1">
-      <a:defRPr sz="1200" kern="1200">
-        <a:solidFill>
-          <a:schemeClr val="tx1"/>
-        </a:solidFill>
-        <a:latin typeface="+mn-lt"/>
-        <a:ea typeface="+mn-ea"/>
-        <a:cs typeface="+mn-cs"/>
-      </a:defRPr>
-    </a:lvl6pPr>
-    <a:lvl7pPr marL="2743200" algn="l" defTabSz="457200" rtl="0" eaLnBrk="1" latinLnBrk="0" hangingPunct="1">
-      <a:defRPr sz="1200" kern="1200">
-        <a:solidFill>
-          <a:schemeClr val="tx1"/>
-        </a:solidFill>
-        <a:latin typeface="+mn-lt"/>
-        <a:ea typeface="+mn-ea"/>
-        <a:cs typeface="+mn-cs"/>
-      </a:defRPr>
-    </a:lvl7pPr>
-    <a:lvl8pPr marL="3200400" algn="l" defTabSz="457200" rtl="0" eaLnBrk="1" latinLnBrk="0" hangingPunct="1">
-      <a:defRPr sz="1200" kern="1200">
-        <a:solidFill>
-          <a:schemeClr val="tx1"/>
-        </a:solidFill>
-        <a:latin typeface="+mn-lt"/>
-        <a:ea typeface="+mn-ea"/>
-        <a:cs typeface="+mn-cs"/>
-      </a:defRPr>
-    </a:lvl8pPr>
-    <a:lvl9pPr marL="3657600" algn="l" defTabSz="457200" rtl="0" eaLnBrk="1" latinLnBrk="0" hangingPunct="1">
-      <a:defRPr sz="1200" kern="1200">
-        <a:solidFill>
-          <a:schemeClr val="tx1"/>
-        </a:solidFill>
-        <a:latin typeface="+mn-lt"/>
-        <a:ea typeface="+mn-ea"/>
-        <a:cs typeface="+mn-cs"/>
-      </a:defRPr>
-    </a:lvl9pPr>
-  </p:notesStyle>
-</p:notesMaster>
-</file>
-
-<file path=ppt/notesSlides/notesSlide1.xml><?xml version="1.0" encoding="utf-8"?>
-<p:notes xmlns:a="http://schemas.openxmlformats.org/drawingml/2006/main" xmlns:p="http://schemas.openxmlformats.org/presentationml/2006/main" xmlns:r="http://schemas.openxmlformats.org/officeDocument/2006/relationships">
-  <p:cSld>
-    <p:spTree>
-      <p:nvGrpSpPr>
-        <p:cNvPr id="1" name=""/>
-        <p:cNvGrpSpPr/>
-        <p:nvPr/>
-      </p:nvGrpSpPr>
-      <p:grpSpPr>
-        <a:xfrm>
-          <a:off x="0" y="0"/>
-          <a:ext cx="0" cy="0"/>
-          <a:chOff x="0" y="0"/>
-          <a:chExt cx="0" cy="0"/>
-        </a:xfrm>
-      </p:grpSpPr>
-      <p:sp>
-        <p:nvSpPr>
-          <p:cNvPr id="2" name="Slide Image Placeholder 1"/>
-          <p:cNvSpPr>
-            <a:spLocks noGrp="1"/>
-          </p:cNvSpPr>
-          <p:nvPr>
-            <p:ph type="sldImg" idx="2"/>
-          </p:nvPr>
-        </p:nvSpPr>
-        <p:spPr/>
-      </p:sp>
-      <p:sp>
-        <p:nvSpPr>
-          <p:cNvPr id="3" name="Notes Placeholder 2"/>
-          <p:cNvSpPr>
-            <a:spLocks noGrp="1"/>
-          </p:cNvSpPr>
-          <p:nvPr>
-            <p:ph type="body" idx="3" sz="quarter"/>
-          </p:nvPr>
-        </p:nvSpPr>
-        <p:spPr/>
-        <p:txBody>
-          <a:bodyPr/>
-          <a:lstStyle/>
-          <a:p>
-            <a:r>
-              <a:t>ARCHITECTURE NOTES:</a:t>
-            </a:r>
-          </a:p>
-          <a:p/>
-          <a:p>
-            <a:r>
-              <a:t>CSV Data: Customer transaction data (customers.csv, competitor_data.csv) loaded into system.</a:t>
-            </a:r>
-          </a:p>
-          <a:p>
-            <a:r>
-              <a:t>OpenAI API: Used for intelligent question generation and code synthesis.</a:t>
-            </a:r>
-          </a:p>
-          <a:p>
-            <a:r>
-              <a:t>Streamlit UI: Interactive web interface for user interaction and visualization.</a:t>
-            </a:r>
-          </a:p>
-          <a:p>
-            <a:r>
-              <a:t>Kosmos Orchestrator: Main loop coordinating discovery cycles (main.py).</a:t>
-            </a:r>
-          </a:p>
-          <a:p>
-            <a:r>
-              <a:t>Data Analysis Agent: Generates and executes Python code for statistical analysis (scipy).</a:t>
-            </a:r>
-          </a:p>
-          <a:p>
-            <a:r>
-              <a:t>Literature Agent: Searches knowledge base for relevant research papers.</a:t>
-            </a:r>
-          </a:p>
-          <a:p>
-            <a:r>
-              <a:t>Statistical Engine: Performs t-tests, ANOVA, correlations, regressions.</a:t>
-            </a:r>
-          </a:p>
-          <a:p>
-            <a:r>
-              <a:t>World Model: Maintains state, discoveries, hypotheses across cycles.</a:t>
-            </a:r>
-          </a:p>
-          <a:p>
-            <a:r>
-              <a:t>Local Storage: Persists world model state as JSON.</a:t>
-            </a:r>
-          </a:p>
-          <a:p>
-            <a:r>
-              <a:t>Analysis Outputs: Generated Python scripts with analysis code.</a:t>
-            </a:r>
-          </a:p>
-          <a:p>
-            <a:r>
-              <a:t>Reports: Final discovery reports in text and PowerPoint formats.</a:t>
-            </a:r>
-          </a:p>
-          <a:p/>
-          <a:p>
-            <a:r>
-              <a:t>KEY FLOWS:</a:t>
-            </a:r>
-          </a:p>
-          <a:p>
-            <a:r>
-              <a:t>1. User defines research objective via Streamlit</a:t>
-            </a:r>
-          </a:p>
-          <a:p>
-            <a:r>
-              <a:t>2. Orchestrator generates research questions per cycle</a:t>
-            </a:r>
-          </a:p>
-          <a:p>
-            <a:r>
-              <a:t>3. Data Agent executes statistical analyses</a:t>
-            </a:r>
-          </a:p>
-          <a:p>
-            <a:r>
-              <a:t>4. World Model synthesizes discoveries</a:t>
-            </a:r>
-          </a:p>
-          <a:p>
-            <a:r>
-              <a:t>5. Final reports generated with all findings</a:t>
-            </a:r>
-          </a:p>
-          <a:p/>
-          <a:p>
-            <a:r>
-              <a:t>VERIFIED: All connections represent actual code paths in the repository.</a:t>
-            </a:r>
-          </a:p>
-          <a:p>
-            <a:r>
-              <a:t>INFERRED: Dotted lines would indicate uncertain flows (none present).</a:t>
-            </a:r>
-          </a:p>
-          <a:p/>
-        </p:txBody>
-      </p:sp>
-      <p:sp>
-        <p:nvSpPr>
-          <p:cNvPr id="4" name="Slide Number Placeholder 3"/>
-          <p:cNvSpPr>
-            <a:spLocks noGrp="1"/>
-          </p:cNvSpPr>
-          <p:nvPr>
-            <p:ph type="sldNum" idx="5" sz="quarter"/>
-          </p:nvPr>
-        </p:nvSpPr>
-        <p:spPr/>
-      </p:sp>
-    </p:spTree>
-  </p:cSld>
-  <p:clrMapOvr>
-    <a:masterClrMapping/>
-  </p:clrMapOvr>
-</p:notes>
 </file>
 
 <file path=ppt/slideLayouts/slideLayout1.xml><?xml version="1.0" encoding="utf-8"?>
@@ -3609,20 +3090,92 @@
       <p:grpSpPr/>
       <p:sp>
         <p:nvSpPr>
-          <p:cNvPr id="12" name="Rectangle 11"/>
+          <p:cNvPr id="2" name="TextBox 1"/>
+          <p:cNvSpPr txBox="1"/>
+          <p:nvPr/>
+        </p:nvSpPr>
+        <p:spPr>
+          <a:xfrm>
+            <a:off x="457200" y="274320"/>
+            <a:ext cx="11247120" cy="548640"/>
+          </a:xfrm>
+          <a:prstGeom prst="rect">
+            <a:avLst/>
+          </a:prstGeom>
+          <a:noFill/>
+        </p:spPr>
+        <p:txBody>
+          <a:bodyPr wrap="none">
+            <a:spAutoFit/>
+          </a:bodyPr>
+          <a:lstStyle/>
+          <a:p>
+            <a:pPr algn="ctr">
+              <a:defRPr sz="3600" b="1">
+                <a:solidFill>
+                  <a:srgbClr val="404040"/>
+                </a:solidFill>
+                <a:latin typeface="Calibri"/>
+              </a:defRPr>
+            </a:pPr>
+            <a:r>
+              <a:t>Agentic Insights: System Architecture</a:t>
+            </a:r>
+          </a:p>
+        </p:txBody>
+      </p:sp>
+      <p:sp>
+        <p:nvSpPr>
+          <p:cNvPr id="3" name="TextBox 2"/>
+          <p:cNvSpPr txBox="1"/>
+          <p:nvPr/>
+        </p:nvSpPr>
+        <p:spPr>
+          <a:xfrm>
+            <a:off x="457200" y="822960"/>
+            <a:ext cx="11247120" cy="274320"/>
+          </a:xfrm>
+          <a:prstGeom prst="rect">
+            <a:avLst/>
+          </a:prstGeom>
+          <a:noFill/>
+        </p:spPr>
+        <p:txBody>
+          <a:bodyPr wrap="none">
+            <a:spAutoFit/>
+          </a:bodyPr>
+          <a:lstStyle/>
+          <a:p>
+            <a:pPr algn="ctr">
+              <a:defRPr sz="1600">
+                <a:solidFill>
+                  <a:srgbClr val="808080"/>
+                </a:solidFill>
+                <a:latin typeface="Calibri"/>
+              </a:defRPr>
+            </a:pPr>
+            <a:r>
+              <a:t>AI-powered autonomous discovery with statistical rigor and LLM synthesis</a:t>
+            </a:r>
+          </a:p>
+        </p:txBody>
+      </p:sp>
+      <p:sp>
+        <p:nvSpPr>
+          <p:cNvPr id="4" name="Rectangle 3"/>
           <p:cNvSpPr/>
           <p:nvPr/>
         </p:nvSpPr>
         <p:spPr>
           <a:xfrm>
-            <a:off x="8686800" y="731520"/>
-            <a:ext cx="2743200" cy="4754880"/>
+            <a:off x="731520" y="1371600"/>
+            <a:ext cx="2286000" cy="4389120"/>
           </a:xfrm>
           <a:prstGeom prst="rect">
             <a:avLst/>
           </a:prstGeom>
           <a:solidFill>
-            <a:srgbClr val="FAFAFA"/>
+            <a:srgbClr val="F5F5F5"/>
           </a:solidFill>
           <a:ln w="6350">
             <a:solidFill>
@@ -3654,20 +3207,56 @@
       </p:sp>
       <p:sp>
         <p:nvSpPr>
-          <p:cNvPr id="10" name="Rectangle 9"/>
+          <p:cNvPr id="5" name="TextBox 4"/>
+          <p:cNvSpPr txBox="1"/>
+          <p:nvPr/>
+        </p:nvSpPr>
+        <p:spPr>
+          <a:xfrm>
+            <a:off x="731520" y="1188720"/>
+            <a:ext cx="2286000" cy="228600"/>
+          </a:xfrm>
+          <a:prstGeom prst="rect">
+            <a:avLst/>
+          </a:prstGeom>
+          <a:noFill/>
+        </p:spPr>
+        <p:txBody>
+          <a:bodyPr wrap="none">
+            <a:spAutoFit/>
+          </a:bodyPr>
+          <a:lstStyle/>
+          <a:p>
+            <a:pPr algn="ctr">
+              <a:defRPr sz="1200" b="1">
+                <a:solidFill>
+                  <a:srgbClr val="808080"/>
+                </a:solidFill>
+                <a:latin typeface="Calibri"/>
+              </a:defRPr>
+            </a:pPr>
+            <a:r>
+              <a:t>Sources</a:t>
+            </a:r>
+          </a:p>
+        </p:txBody>
+      </p:sp>
+      <p:sp>
+        <p:nvSpPr>
+          <p:cNvPr id="6" name="Rectangle 5"/>
           <p:cNvSpPr/>
           <p:nvPr/>
         </p:nvSpPr>
         <p:spPr>
           <a:xfrm>
-            <a:off x="6400800" y="731520"/>
-            <a:ext cx="1828800" cy="4754880"/>
+            <a:off x="3200400" y="1371600"/>
+            <a:ext cx="3200400" cy="4389120"/>
           </a:xfrm>
           <a:prstGeom prst="rect">
             <a:avLst/>
           </a:prstGeom>
           <a:solidFill>
-            <a:srgbClr val="FAFAFA"/>
+            <a:srgbClr val="F5F5F5"/>
           </a:solidFill>
           <a:ln w="6350">
             <a:solidFill>
@@ -3699,20 +3288,56 @@
       </p:sp>
       <p:sp>
         <p:nvSpPr>
+          <p:cNvPr id="7" name="TextBox 6"/>
+          <p:cNvSpPr txBox="1"/>
+          <p:nvPr/>
+        </p:nvSpPr>
+        <p:spPr>
+          <a:xfrm>
+            <a:off x="3200400" y="1188720"/>
+            <a:ext cx="3200400" cy="228600"/>
+          </a:xfrm>
+          <a:prstGeom prst="rect">
+            <a:avLst/>
+          </a:prstGeom>
+          <a:noFill/>
+        </p:spPr>
+        <p:txBody>
+          <a:bodyPr wrap="none">
+            <a:spAutoFit/>
+          </a:bodyPr>
+          <a:lstStyle/>
+          <a:p>
+            <a:pPr algn="ctr">
+              <a:defRPr sz="1200" b="1">
+                <a:solidFill>
+                  <a:srgbClr val="808080"/>
+                </a:solidFill>
+                <a:latin typeface="Calibri"/>
+              </a:defRPr>
+            </a:pPr>
+            <a:r>
+              <a:t>Processing</a:t>
+            </a:r>
+          </a:p>
+        </p:txBody>
+      </p:sp>
+      <p:sp>
+        <p:nvSpPr>
           <p:cNvPr id="8" name="Rectangle 7"/>
           <p:cNvSpPr/>
           <p:nvPr/>
         </p:nvSpPr>
         <p:spPr>
           <a:xfrm>
-            <a:off x="4114800" y="731520"/>
-            <a:ext cx="1828800" cy="4754880"/>
+            <a:off x="6583680" y="1371600"/>
+            <a:ext cx="2560320" cy="4389120"/>
           </a:xfrm>
           <a:prstGeom prst="rect">
             <a:avLst/>
           </a:prstGeom>
           <a:solidFill>
-            <a:srgbClr val="FAFAFA"/>
+            <a:srgbClr val="F5F5F5"/>
           </a:solidFill>
           <a:ln w="6350">
             <a:solidFill>
@@ -3744,20 +3369,56 @@
       </p:sp>
       <p:sp>
         <p:nvSpPr>
-          <p:cNvPr id="6" name="Rectangle 5"/>
+          <p:cNvPr id="9" name="TextBox 8"/>
+          <p:cNvSpPr txBox="1"/>
+          <p:nvPr/>
+        </p:nvSpPr>
+        <p:spPr>
+          <a:xfrm>
+            <a:off x="6583680" y="1188720"/>
+            <a:ext cx="2560320" cy="228600"/>
+          </a:xfrm>
+          <a:prstGeom prst="rect">
+            <a:avLst/>
+          </a:prstGeom>
+          <a:noFill/>
+        </p:spPr>
+        <p:txBody>
+          <a:bodyPr wrap="none">
+            <a:spAutoFit/>
+          </a:bodyPr>
+          <a:lstStyle/>
+          <a:p>
+            <a:pPr algn="ctr">
+              <a:defRPr sz="1200" b="1">
+                <a:solidFill>
+                  <a:srgbClr val="808080"/>
+                </a:solidFill>
+                <a:latin typeface="Calibri"/>
+              </a:defRPr>
+            </a:pPr>
+            <a:r>
+              <a:t>Storage</a:t>
+            </a:r>
+          </a:p>
+        </p:txBody>
+      </p:sp>
+      <p:sp>
+        <p:nvSpPr>
+          <p:cNvPr id="10" name="Rectangle 9"/>
           <p:cNvSpPr/>
           <p:nvPr/>
         </p:nvSpPr>
         <p:spPr>
           <a:xfrm>
-            <a:off x="2286000" y="731520"/>
-            <a:ext cx="1371600" cy="4754880"/>
+            <a:off x="9326880" y="1371600"/>
+            <a:ext cx="2286000" cy="4389120"/>
           </a:xfrm>
           <a:prstGeom prst="rect">
             <a:avLst/>
           </a:prstGeom>
           <a:solidFill>
-            <a:srgbClr val="FAFAFA"/>
+            <a:srgbClr val="F5F5F5"/>
           </a:solidFill>
           <a:ln w="6350">
             <a:solidFill>
@@ -3789,59 +3450,14 @@
       </p:sp>
       <p:sp>
         <p:nvSpPr>
-          <p:cNvPr id="4" name="Rectangle 3"/>
-          <p:cNvSpPr/>
-          <p:nvPr/>
-        </p:nvSpPr>
-        <p:spPr>
-          <a:xfrm>
-            <a:off x="457200" y="731520"/>
-            <a:ext cx="1645920" cy="4754880"/>
-          </a:xfrm>
-          <a:prstGeom prst="rect">
-            <a:avLst/>
-          </a:prstGeom>
-          <a:solidFill>
-            <a:srgbClr val="FAFAFA"/>
-          </a:solidFill>
-          <a:ln w="6350">
-            <a:solidFill>
-              <a:srgbClr val="C0C0C0"/>
-            </a:solidFill>
-          </a:ln>
-        </p:spPr>
-        <p:style>
-          <a:lnRef idx="1">
-            <a:schemeClr val="accent1"/>
-          </a:lnRef>
-          <a:fillRef idx="3">
-            <a:schemeClr val="accent1"/>
-          </a:fillRef>
-          <a:effectRef idx="2">
-            <a:schemeClr val="accent1"/>
-          </a:effectRef>
-          <a:fontRef idx="minor">
-            <a:schemeClr val="lt1"/>
-          </a:fontRef>
-        </p:style>
-        <p:txBody>
-          <a:bodyPr rtlCol="0" anchor="ctr"/>
-          <a:lstStyle/>
-          <a:p>
-            <a:pPr algn="ctr"/>
-          </a:p>
-        </p:txBody>
-      </p:sp>
-      <p:sp>
-        <p:nvSpPr>
-          <p:cNvPr id="2" name="TextBox 1"/>
+          <p:cNvPr id="11" name="TextBox 10"/>
           <p:cNvSpPr txBox="1"/>
           <p:nvPr/>
         </p:nvSpPr>
         <p:spPr>
           <a:xfrm>
-            <a:off x="457200" y="182880"/>
-            <a:ext cx="10972800" cy="457200"/>
+            <a:off x="9326880" y="1188720"/>
+            <a:ext cx="2286000" cy="228600"/>
           </a:xfrm>
           <a:prstGeom prst="rect">
             <a:avLst/>
@@ -3854,44 +3470,8 @@
           </a:bodyPr>
           <a:lstStyle/>
           <a:p>
-            <a:pPr algn="l">
-              <a:defRPr sz="3200" b="1">
-                <a:solidFill>
-                  <a:srgbClr val="404040"/>
-                </a:solidFill>
-                <a:latin typeface="Calibri"/>
-              </a:defRPr>
-            </a:pPr>
-            <a:r>
-              <a:t>Agentic Insights: System Architecture</a:t>
-            </a:r>
-          </a:p>
-        </p:txBody>
-      </p:sp>
-      <p:sp>
-        <p:nvSpPr>
-          <p:cNvPr id="3" name="TextBox 2"/>
-          <p:cNvSpPr txBox="1"/>
-          <p:nvPr/>
-        </p:nvSpPr>
-        <p:spPr>
-          <a:xfrm>
-            <a:off x="457200" y="457200"/>
-            <a:ext cx="10972800" cy="228600"/>
-          </a:xfrm>
-          <a:prstGeom prst="rect">
-            <a:avLst/>
-          </a:prstGeom>
-          <a:noFill/>
-        </p:spPr>
-        <p:txBody>
-          <a:bodyPr wrap="none">
-            <a:spAutoFit/>
-          </a:bodyPr>
-          <a:lstStyle/>
-          <a:p>
-            <a:pPr>
-              <a:defRPr sz="1200" i="1">
+            <a:pPr algn="ctr">
+              <a:defRPr sz="1200" b="1">
                 <a:solidFill>
                   <a:srgbClr val="808080"/>
                 </a:solidFill>
@@ -3899,1053 +3479,21 @@
               </a:defRPr>
             </a:pPr>
             <a:r>
-              <a:t>Autonomous data-driven discovery: question generation → analysis → synthesis → reporting</a:t>
-            </a:r>
-          </a:p>
-        </p:txBody>
-      </p:sp>
-      <p:sp>
-        <p:nvSpPr>
-          <p:cNvPr id="5" name="TextBox 4"/>
-          <p:cNvSpPr txBox="1"/>
-          <p:nvPr/>
-        </p:nvSpPr>
-        <p:spPr>
-          <a:xfrm>
-            <a:off x="457200" y="640080"/>
-            <a:ext cx="1645920" cy="274320"/>
-          </a:xfrm>
-          <a:prstGeom prst="rect">
-            <a:avLst/>
-          </a:prstGeom>
-          <a:noFill/>
-        </p:spPr>
-        <p:txBody>
-          <a:bodyPr wrap="none">
-            <a:spAutoFit/>
-          </a:bodyPr>
-          <a:lstStyle/>
-          <a:p>
-            <a:pPr algn="ctr">
-              <a:defRPr sz="900" b="1">
-                <a:solidFill>
-                  <a:srgbClr val="808080"/>
-                </a:solidFill>
-                <a:latin typeface="Calibri"/>
-              </a:defRPr>
-            </a:pPr>
-            <a:r>
-              <a:t>Sources</a:t>
-            </a:r>
-          </a:p>
-        </p:txBody>
-      </p:sp>
-      <p:sp>
-        <p:nvSpPr>
-          <p:cNvPr id="7" name="TextBox 6"/>
-          <p:cNvSpPr txBox="1"/>
-          <p:nvPr/>
-        </p:nvSpPr>
-        <p:spPr>
-          <a:xfrm>
-            <a:off x="2286000" y="640080"/>
-            <a:ext cx="1371600" cy="274320"/>
-          </a:xfrm>
-          <a:prstGeom prst="rect">
-            <a:avLst/>
-          </a:prstGeom>
-          <a:noFill/>
-        </p:spPr>
-        <p:txBody>
-          <a:bodyPr wrap="none">
-            <a:spAutoFit/>
-          </a:bodyPr>
-          <a:lstStyle/>
-          <a:p>
-            <a:pPr algn="ctr">
-              <a:defRPr sz="900" b="1">
-                <a:solidFill>
-                  <a:srgbClr val="808080"/>
-                </a:solidFill>
-                <a:latin typeface="Calibri"/>
-              </a:defRPr>
-            </a:pPr>
-            <a:r>
-              <a:t>Orchestration</a:t>
-            </a:r>
-          </a:p>
-        </p:txBody>
-      </p:sp>
-      <p:sp>
-        <p:nvSpPr>
-          <p:cNvPr id="9" name="TextBox 8"/>
-          <p:cNvSpPr txBox="1"/>
-          <p:nvPr/>
-        </p:nvSpPr>
-        <p:spPr>
-          <a:xfrm>
-            <a:off x="4114800" y="640080"/>
-            <a:ext cx="1828800" cy="274320"/>
-          </a:xfrm>
-          <a:prstGeom prst="rect">
-            <a:avLst/>
-          </a:prstGeom>
-          <a:noFill/>
-        </p:spPr>
-        <p:txBody>
-          <a:bodyPr wrap="none">
-            <a:spAutoFit/>
-          </a:bodyPr>
-          <a:lstStyle/>
-          <a:p>
-            <a:pPr algn="ctr">
-              <a:defRPr sz="900" b="1">
-                <a:solidFill>
-                  <a:srgbClr val="808080"/>
-                </a:solidFill>
-                <a:latin typeface="Calibri"/>
-              </a:defRPr>
-            </a:pPr>
-            <a:r>
-              <a:t>Processing</a:t>
-            </a:r>
-          </a:p>
-        </p:txBody>
-      </p:sp>
-      <p:sp>
-        <p:nvSpPr>
-          <p:cNvPr id="11" name="TextBox 10"/>
-          <p:cNvSpPr txBox="1"/>
-          <p:nvPr/>
-        </p:nvSpPr>
-        <p:spPr>
-          <a:xfrm>
-            <a:off x="6400800" y="640080"/>
-            <a:ext cx="1828800" cy="274320"/>
-          </a:xfrm>
-          <a:prstGeom prst="rect">
-            <a:avLst/>
-          </a:prstGeom>
-          <a:noFill/>
-        </p:spPr>
-        <p:txBody>
-          <a:bodyPr wrap="none">
-            <a:spAutoFit/>
-          </a:bodyPr>
-          <a:lstStyle/>
-          <a:p>
-            <a:pPr algn="ctr">
-              <a:defRPr sz="900" b="1">
-                <a:solidFill>
-                  <a:srgbClr val="808080"/>
-                </a:solidFill>
-                <a:latin typeface="Calibri"/>
-              </a:defRPr>
-            </a:pPr>
-            <a:r>
-              <a:t>State &amp; Storage</a:t>
-            </a:r>
-          </a:p>
-        </p:txBody>
-      </p:sp>
-      <p:sp>
-        <p:nvSpPr>
-          <p:cNvPr id="13" name="TextBox 12"/>
-          <p:cNvSpPr txBox="1"/>
-          <p:nvPr/>
-        </p:nvSpPr>
-        <p:spPr>
-          <a:xfrm>
-            <a:off x="8686800" y="640080"/>
-            <a:ext cx="2743200" cy="274320"/>
-          </a:xfrm>
-          <a:prstGeom prst="rect">
-            <a:avLst/>
-          </a:prstGeom>
-          <a:noFill/>
-        </p:spPr>
-        <p:txBody>
-          <a:bodyPr wrap="none">
-            <a:spAutoFit/>
-          </a:bodyPr>
-          <a:lstStyle/>
-          <a:p>
-            <a:pPr algn="ctr">
-              <a:defRPr sz="900" b="1">
-                <a:solidFill>
-                  <a:srgbClr val="808080"/>
-                </a:solidFill>
-                <a:latin typeface="Calibri"/>
-              </a:defRPr>
-            </a:pPr>
-            <a:r>
               <a:t>Outputs</a:t>
             </a:r>
           </a:p>
         </p:txBody>
       </p:sp>
-      <p:cxnSp>
-        <p:nvCxnSpPr>
-          <p:cNvPr id="14" name="Connector 13"/>
-          <p:cNvCxnSpPr/>
-          <p:nvPr/>
-        </p:nvCxnSpPr>
-        <p:spPr>
-          <a:xfrm flipV="1">
-            <a:off x="1325880" y="2377440"/>
-            <a:ext cx="4023360" cy="274320"/>
-          </a:xfrm>
-          <a:prstGeom prst="line">
-            <a:avLst/>
-          </a:prstGeom>
-          <a:ln w="19050">
-            <a:solidFill>
-              <a:srgbClr val="808080"/>
-            </a:solidFill>
-          </a:ln>
-        </p:spPr>
-        <p:style>
-          <a:lnRef idx="2">
-            <a:schemeClr val="accent1"/>
-          </a:lnRef>
-          <a:fillRef idx="0">
-            <a:schemeClr val="accent1"/>
-          </a:fillRef>
-          <a:effectRef idx="1">
-            <a:schemeClr val="accent1"/>
-          </a:effectRef>
-          <a:fontRef idx="minor">
-            <a:schemeClr val="tx1"/>
-          </a:fontRef>
-        </p:style>
-      </p:cxnSp>
-      <p:sp>
-        <p:nvSpPr>
-          <p:cNvPr id="15" name="TextBox 14"/>
-          <p:cNvSpPr txBox="1"/>
-          <p:nvPr/>
-        </p:nvSpPr>
-        <p:spPr>
-          <a:xfrm>
-            <a:off x="2880360" y="2377440"/>
-            <a:ext cx="914400" cy="228600"/>
-          </a:xfrm>
-          <a:prstGeom prst="rect">
-            <a:avLst/>
-          </a:prstGeom>
-          <a:noFill/>
-        </p:spPr>
-        <p:txBody>
-          <a:bodyPr wrap="none">
-            <a:spAutoFit/>
-          </a:bodyPr>
-          <a:lstStyle/>
-          <a:p>
-            <a:pPr algn="ctr">
-              <a:defRPr sz="800">
-                <a:solidFill>
-                  <a:srgbClr val="808080"/>
-                </a:solidFill>
-                <a:latin typeface="Calibri"/>
-              </a:defRPr>
-            </a:pPr>
-            <a:r>
-              <a:t>Batch CSV</a:t>
-            </a:r>
-          </a:p>
-        </p:txBody>
-      </p:sp>
-      <p:cxnSp>
-        <p:nvCxnSpPr>
-          <p:cNvPr id="16" name="Connector 15"/>
-          <p:cNvCxnSpPr/>
-          <p:nvPr/>
-        </p:nvCxnSpPr>
-        <p:spPr>
-          <a:xfrm>
-            <a:off x="3337560" y="1463040"/>
-            <a:ext cx="0" cy="1645920"/>
-          </a:xfrm>
-          <a:prstGeom prst="line">
-            <a:avLst/>
-          </a:prstGeom>
-          <a:ln w="12700">
-            <a:solidFill>
-              <a:srgbClr val="808080"/>
-            </a:solidFill>
-          </a:ln>
-        </p:spPr>
-        <p:style>
-          <a:lnRef idx="2">
-            <a:schemeClr val="accent1"/>
-          </a:lnRef>
-          <a:fillRef idx="0">
-            <a:schemeClr val="accent1"/>
-          </a:fillRef>
-          <a:effectRef idx="1">
-            <a:schemeClr val="accent1"/>
-          </a:effectRef>
-          <a:fontRef idx="minor">
-            <a:schemeClr val="tx1"/>
-          </a:fontRef>
-        </p:style>
-      </p:cxnSp>
-      <p:sp>
-        <p:nvSpPr>
-          <p:cNvPr id="17" name="TextBox 16"/>
-          <p:cNvSpPr txBox="1"/>
-          <p:nvPr/>
-        </p:nvSpPr>
-        <p:spPr>
-          <a:xfrm>
-            <a:off x="2880360" y="2148840"/>
-            <a:ext cx="914400" cy="228600"/>
-          </a:xfrm>
-          <a:prstGeom prst="rect">
-            <a:avLst/>
-          </a:prstGeom>
-          <a:noFill/>
-        </p:spPr>
-        <p:txBody>
-          <a:bodyPr wrap="none">
-            <a:spAutoFit/>
-          </a:bodyPr>
-          <a:lstStyle/>
-          <a:p>
-            <a:pPr algn="ctr">
-              <a:defRPr sz="800">
-                <a:solidFill>
-                  <a:srgbClr val="808080"/>
-                </a:solidFill>
-                <a:latin typeface="Calibri"/>
-              </a:defRPr>
-            </a:pPr>
-            <a:r>
-              <a:t>User requests</a:t>
-            </a:r>
-          </a:p>
-        </p:txBody>
-      </p:sp>
-      <p:cxnSp>
-        <p:nvCxnSpPr>
-          <p:cNvPr id="18" name="Connector 17"/>
-          <p:cNvCxnSpPr/>
-          <p:nvPr/>
-        </p:nvCxnSpPr>
-        <p:spPr>
-          <a:xfrm flipV="1">
-            <a:off x="3337560" y="2377440"/>
-            <a:ext cx="2011680" cy="731520"/>
-          </a:xfrm>
-          <a:prstGeom prst="line">
-            <a:avLst/>
-          </a:prstGeom>
-          <a:ln w="19050">
-            <a:solidFill>
-              <a:srgbClr val="808080"/>
-            </a:solidFill>
-          </a:ln>
-        </p:spPr>
-        <p:style>
-          <a:lnRef idx="2">
-            <a:schemeClr val="accent1"/>
-          </a:lnRef>
-          <a:fillRef idx="0">
-            <a:schemeClr val="accent1"/>
-          </a:fillRef>
-          <a:effectRef idx="1">
-            <a:schemeClr val="accent1"/>
-          </a:effectRef>
-          <a:fontRef idx="minor">
-            <a:schemeClr val="tx1"/>
-          </a:fontRef>
-        </p:style>
-      </p:cxnSp>
-      <p:sp>
-        <p:nvSpPr>
-          <p:cNvPr id="19" name="TextBox 18"/>
-          <p:cNvSpPr txBox="1"/>
-          <p:nvPr/>
-        </p:nvSpPr>
-        <p:spPr>
-          <a:xfrm>
-            <a:off x="3886200" y="2606040"/>
-            <a:ext cx="914400" cy="228600"/>
-          </a:xfrm>
-          <a:prstGeom prst="rect">
-            <a:avLst/>
-          </a:prstGeom>
-          <a:noFill/>
-        </p:spPr>
-        <p:txBody>
-          <a:bodyPr wrap="none">
-            <a:spAutoFit/>
-          </a:bodyPr>
-          <a:lstStyle/>
-          <a:p>
-            <a:pPr algn="ctr">
-              <a:defRPr sz="800">
-                <a:solidFill>
-                  <a:srgbClr val="808080"/>
-                </a:solidFill>
-                <a:latin typeface="Calibri"/>
-              </a:defRPr>
-            </a:pPr>
-            <a:r>
-              <a:t>Questions</a:t>
-            </a:r>
-          </a:p>
-        </p:txBody>
-      </p:sp>
-      <p:cxnSp>
-        <p:nvCxnSpPr>
-          <p:cNvPr id="20" name="Connector 19"/>
-          <p:cNvCxnSpPr/>
-          <p:nvPr/>
-        </p:nvCxnSpPr>
-        <p:spPr>
-          <a:xfrm>
-            <a:off x="3337560" y="3108960"/>
-            <a:ext cx="2011680" cy="731520"/>
-          </a:xfrm>
-          <a:prstGeom prst="line">
-            <a:avLst/>
-          </a:prstGeom>
-          <a:ln w="12700">
-            <a:solidFill>
-              <a:srgbClr val="808080"/>
-            </a:solidFill>
-          </a:ln>
-        </p:spPr>
-        <p:style>
-          <a:lnRef idx="2">
-            <a:schemeClr val="accent1"/>
-          </a:lnRef>
-          <a:fillRef idx="0">
-            <a:schemeClr val="accent1"/>
-          </a:fillRef>
-          <a:effectRef idx="1">
-            <a:schemeClr val="accent1"/>
-          </a:effectRef>
-          <a:fontRef idx="minor">
-            <a:schemeClr val="tx1"/>
-          </a:fontRef>
-        </p:style>
-      </p:cxnSp>
-      <p:sp>
-        <p:nvSpPr>
-          <p:cNvPr id="21" name="TextBox 20"/>
-          <p:cNvSpPr txBox="1"/>
-          <p:nvPr/>
-        </p:nvSpPr>
-        <p:spPr>
-          <a:xfrm>
-            <a:off x="3886200" y="3337560"/>
-            <a:ext cx="914400" cy="228600"/>
-          </a:xfrm>
-          <a:prstGeom prst="rect">
-            <a:avLst/>
-          </a:prstGeom>
-          <a:noFill/>
-        </p:spPr>
-        <p:txBody>
-          <a:bodyPr wrap="none">
-            <a:spAutoFit/>
-          </a:bodyPr>
-          <a:lstStyle/>
-          <a:p>
-            <a:pPr algn="ctr">
-              <a:defRPr sz="800">
-                <a:solidFill>
-                  <a:srgbClr val="808080"/>
-                </a:solidFill>
-                <a:latin typeface="Calibri"/>
-              </a:defRPr>
-            </a:pPr>
-            <a:r>
-              <a:t>Queries</a:t>
-            </a:r>
-          </a:p>
-        </p:txBody>
-      </p:sp>
-      <p:cxnSp>
-        <p:nvCxnSpPr>
-          <p:cNvPr id="22" name="Connector 21"/>
-          <p:cNvCxnSpPr/>
-          <p:nvPr/>
-        </p:nvCxnSpPr>
-        <p:spPr>
-          <a:xfrm flipH="1">
-            <a:off x="1325880" y="2377440"/>
-            <a:ext cx="4023360" cy="2560320"/>
-          </a:xfrm>
-          <a:prstGeom prst="line">
-            <a:avLst/>
-          </a:prstGeom>
-          <a:ln w="19050">
-            <a:solidFill>
-              <a:srgbClr val="808080"/>
-            </a:solidFill>
-          </a:ln>
-        </p:spPr>
-        <p:style>
-          <a:lnRef idx="2">
-            <a:schemeClr val="accent1"/>
-          </a:lnRef>
-          <a:fillRef idx="0">
-            <a:schemeClr val="accent1"/>
-          </a:fillRef>
-          <a:effectRef idx="1">
-            <a:schemeClr val="accent1"/>
-          </a:effectRef>
-          <a:fontRef idx="minor">
-            <a:schemeClr val="tx1"/>
-          </a:fontRef>
-        </p:style>
-      </p:cxnSp>
-      <p:sp>
-        <p:nvSpPr>
-          <p:cNvPr id="23" name="TextBox 22"/>
-          <p:cNvSpPr txBox="1"/>
-          <p:nvPr/>
-        </p:nvSpPr>
-        <p:spPr>
-          <a:xfrm>
-            <a:off x="2880360" y="3520440"/>
-            <a:ext cx="914400" cy="228600"/>
-          </a:xfrm>
-          <a:prstGeom prst="rect">
-            <a:avLst/>
-          </a:prstGeom>
-          <a:noFill/>
-        </p:spPr>
-        <p:txBody>
-          <a:bodyPr wrap="none">
-            <a:spAutoFit/>
-          </a:bodyPr>
-          <a:lstStyle/>
-          <a:p>
-            <a:pPr algn="ctr">
-              <a:defRPr sz="800">
-                <a:solidFill>
-                  <a:srgbClr val="808080"/>
-                </a:solidFill>
-                <a:latin typeface="Calibri"/>
-              </a:defRPr>
-            </a:pPr>
-            <a:r>
-              <a:t>Code gen</a:t>
-            </a:r>
-          </a:p>
-        </p:txBody>
-      </p:sp>
-      <p:cxnSp>
-        <p:nvCxnSpPr>
-          <p:cNvPr id="24" name="Connector 23"/>
-          <p:cNvCxnSpPr/>
-          <p:nvPr/>
-        </p:nvCxnSpPr>
-        <p:spPr>
-          <a:xfrm flipH="1">
-            <a:off x="1325880" y="3840480"/>
-            <a:ext cx="4023360" cy="1097280"/>
-          </a:xfrm>
-          <a:prstGeom prst="line">
-            <a:avLst/>
-          </a:prstGeom>
-          <a:ln w="12700">
-            <a:solidFill>
-              <a:srgbClr val="808080"/>
-            </a:solidFill>
-          </a:ln>
-        </p:spPr>
-        <p:style>
-          <a:lnRef idx="2">
-            <a:schemeClr val="accent1"/>
-          </a:lnRef>
-          <a:fillRef idx="0">
-            <a:schemeClr val="accent1"/>
-          </a:fillRef>
-          <a:effectRef idx="1">
-            <a:schemeClr val="accent1"/>
-          </a:effectRef>
-          <a:fontRef idx="minor">
-            <a:schemeClr val="tx1"/>
-          </a:fontRef>
-        </p:style>
-      </p:cxnSp>
-      <p:sp>
-        <p:nvSpPr>
-          <p:cNvPr id="25" name="TextBox 24"/>
-          <p:cNvSpPr txBox="1"/>
-          <p:nvPr/>
-        </p:nvSpPr>
-        <p:spPr>
-          <a:xfrm>
-            <a:off x="2880360" y="4251960"/>
-            <a:ext cx="914400" cy="228600"/>
-          </a:xfrm>
-          <a:prstGeom prst="rect">
-            <a:avLst/>
-          </a:prstGeom>
-          <a:noFill/>
-        </p:spPr>
-        <p:txBody>
-          <a:bodyPr wrap="none">
-            <a:spAutoFit/>
-          </a:bodyPr>
-          <a:lstStyle/>
-          <a:p>
-            <a:pPr algn="ctr">
-              <a:defRPr sz="800">
-                <a:solidFill>
-                  <a:srgbClr val="808080"/>
-                </a:solidFill>
-                <a:latin typeface="Calibri"/>
-              </a:defRPr>
-            </a:pPr>
-            <a:r>
-              <a:t>Search</a:t>
-            </a:r>
-          </a:p>
-        </p:txBody>
-      </p:sp>
-      <p:cxnSp>
-        <p:nvCxnSpPr>
-          <p:cNvPr id="26" name="Connector 25"/>
-          <p:cNvCxnSpPr/>
-          <p:nvPr/>
-        </p:nvCxnSpPr>
-        <p:spPr>
-          <a:xfrm>
-            <a:off x="5349240" y="2377440"/>
-            <a:ext cx="2011680" cy="0"/>
-          </a:xfrm>
-          <a:prstGeom prst="line">
-            <a:avLst/>
-          </a:prstGeom>
-          <a:ln w="31750">
-            <a:solidFill>
-              <a:srgbClr val="808080"/>
-            </a:solidFill>
-          </a:ln>
-        </p:spPr>
-        <p:style>
-          <a:lnRef idx="2">
-            <a:schemeClr val="accent1"/>
-          </a:lnRef>
-          <a:fillRef idx="0">
-            <a:schemeClr val="accent1"/>
-          </a:fillRef>
-          <a:effectRef idx="1">
-            <a:schemeClr val="accent1"/>
-          </a:effectRef>
-          <a:fontRef idx="minor">
-            <a:schemeClr val="tx1"/>
-          </a:fontRef>
-        </p:style>
-      </p:cxnSp>
-      <p:sp>
-        <p:nvSpPr>
-          <p:cNvPr id="27" name="TextBox 26"/>
-          <p:cNvSpPr txBox="1"/>
-          <p:nvPr/>
-        </p:nvSpPr>
-        <p:spPr>
-          <a:xfrm>
-            <a:off x="5897880" y="2240280"/>
-            <a:ext cx="914400" cy="228600"/>
-          </a:xfrm>
-          <a:prstGeom prst="rect">
-            <a:avLst/>
-          </a:prstGeom>
-          <a:noFill/>
-        </p:spPr>
-        <p:txBody>
-          <a:bodyPr wrap="none">
-            <a:spAutoFit/>
-          </a:bodyPr>
-          <a:lstStyle/>
-          <a:p>
-            <a:pPr algn="ctr">
-              <a:defRPr sz="800">
-                <a:solidFill>
-                  <a:srgbClr val="808080"/>
-                </a:solidFill>
-                <a:latin typeface="Calibri"/>
-              </a:defRPr>
-            </a:pPr>
-            <a:r>
-              <a:t>Stats tests</a:t>
-            </a:r>
-          </a:p>
-        </p:txBody>
-      </p:sp>
-      <p:cxnSp>
-        <p:nvCxnSpPr>
-          <p:cNvPr id="28" name="Connector 27"/>
-          <p:cNvCxnSpPr/>
-          <p:nvPr/>
-        </p:nvCxnSpPr>
-        <p:spPr>
-          <a:xfrm>
-            <a:off x="7360920" y="2377440"/>
-            <a:ext cx="0" cy="1828800"/>
-          </a:xfrm>
-          <a:prstGeom prst="line">
-            <a:avLst/>
-          </a:prstGeom>
-          <a:ln w="19050">
-            <a:solidFill>
-              <a:srgbClr val="808080"/>
-            </a:solidFill>
-          </a:ln>
-        </p:spPr>
-        <p:style>
-          <a:lnRef idx="2">
-            <a:schemeClr val="accent1"/>
-          </a:lnRef>
-          <a:fillRef idx="0">
-            <a:schemeClr val="accent1"/>
-          </a:fillRef>
-          <a:effectRef idx="1">
-            <a:schemeClr val="accent1"/>
-          </a:effectRef>
-          <a:fontRef idx="minor">
-            <a:schemeClr val="tx1"/>
-          </a:fontRef>
-        </p:style>
-      </p:cxnSp>
-      <p:sp>
-        <p:nvSpPr>
-          <p:cNvPr id="29" name="TextBox 28"/>
-          <p:cNvSpPr txBox="1"/>
-          <p:nvPr/>
-        </p:nvSpPr>
-        <p:spPr>
-          <a:xfrm>
-            <a:off x="6903720" y="3154680"/>
-            <a:ext cx="914400" cy="228600"/>
-          </a:xfrm>
-          <a:prstGeom prst="rect">
-            <a:avLst/>
-          </a:prstGeom>
-          <a:noFill/>
-        </p:spPr>
-        <p:txBody>
-          <a:bodyPr wrap="none">
-            <a:spAutoFit/>
-          </a:bodyPr>
-          <a:lstStyle/>
-          <a:p>
-            <a:pPr algn="ctr">
-              <a:defRPr sz="800">
-                <a:solidFill>
-                  <a:srgbClr val="808080"/>
-                </a:solidFill>
-                <a:latin typeface="Calibri"/>
-              </a:defRPr>
-            </a:pPr>
-            <a:r>
-              <a:t>Results JSON</a:t>
-            </a:r>
-          </a:p>
-        </p:txBody>
-      </p:sp>
-      <p:cxnSp>
-        <p:nvCxnSpPr>
-          <p:cNvPr id="30" name="Connector 29"/>
-          <p:cNvCxnSpPr/>
-          <p:nvPr/>
-        </p:nvCxnSpPr>
-        <p:spPr>
-          <a:xfrm>
-            <a:off x="5349240" y="3840480"/>
-            <a:ext cx="2011680" cy="365760"/>
-          </a:xfrm>
-          <a:prstGeom prst="line">
-            <a:avLst/>
-          </a:prstGeom>
-          <a:ln w="12700">
-            <a:solidFill>
-              <a:srgbClr val="808080"/>
-            </a:solidFill>
-          </a:ln>
-        </p:spPr>
-        <p:style>
-          <a:lnRef idx="2">
-            <a:schemeClr val="accent1"/>
-          </a:lnRef>
-          <a:fillRef idx="0">
-            <a:schemeClr val="accent1"/>
-          </a:fillRef>
-          <a:effectRef idx="1">
-            <a:schemeClr val="accent1"/>
-          </a:effectRef>
-          <a:fontRef idx="minor">
-            <a:schemeClr val="tx1"/>
-          </a:fontRef>
-        </p:style>
-      </p:cxnSp>
-      <p:sp>
-        <p:nvSpPr>
-          <p:cNvPr id="31" name="TextBox 30"/>
-          <p:cNvSpPr txBox="1"/>
-          <p:nvPr/>
-        </p:nvSpPr>
-        <p:spPr>
-          <a:xfrm>
-            <a:off x="5897880" y="3886200"/>
-            <a:ext cx="914400" cy="228600"/>
-          </a:xfrm>
-          <a:prstGeom prst="rect">
-            <a:avLst/>
-          </a:prstGeom>
-          <a:noFill/>
-        </p:spPr>
-        <p:txBody>
-          <a:bodyPr wrap="none">
-            <a:spAutoFit/>
-          </a:bodyPr>
-          <a:lstStyle/>
-          <a:p>
-            <a:pPr algn="ctr">
-              <a:defRPr sz="800">
-                <a:solidFill>
-                  <a:srgbClr val="808080"/>
-                </a:solidFill>
-                <a:latin typeface="Calibri"/>
-              </a:defRPr>
-            </a:pPr>
-            <a:r>
-              <a:t>Findings</a:t>
-            </a:r>
-          </a:p>
-        </p:txBody>
-      </p:sp>
-      <p:cxnSp>
-        <p:nvCxnSpPr>
-          <p:cNvPr id="32" name="Connector 31"/>
-          <p:cNvCxnSpPr/>
-          <p:nvPr/>
-        </p:nvCxnSpPr>
-        <p:spPr>
-          <a:xfrm flipV="1">
-            <a:off x="7360920" y="3108960"/>
-            <a:ext cx="2011680" cy="1097280"/>
-          </a:xfrm>
-          <a:prstGeom prst="line">
-            <a:avLst/>
-          </a:prstGeom>
-          <a:ln w="19050">
-            <a:solidFill>
-              <a:srgbClr val="808080"/>
-            </a:solidFill>
-          </a:ln>
-        </p:spPr>
-        <p:style>
-          <a:lnRef idx="2">
-            <a:schemeClr val="accent1"/>
-          </a:lnRef>
-          <a:fillRef idx="0">
-            <a:schemeClr val="accent1"/>
-          </a:fillRef>
-          <a:effectRef idx="1">
-            <a:schemeClr val="accent1"/>
-          </a:effectRef>
-          <a:fontRef idx="minor">
-            <a:schemeClr val="tx1"/>
-          </a:fontRef>
-        </p:style>
-      </p:cxnSp>
-      <p:sp>
-        <p:nvSpPr>
-          <p:cNvPr id="33" name="TextBox 32"/>
-          <p:cNvSpPr txBox="1"/>
-          <p:nvPr/>
-        </p:nvSpPr>
-        <p:spPr>
-          <a:xfrm>
-            <a:off x="7909560" y="3520440"/>
-            <a:ext cx="914400" cy="228600"/>
-          </a:xfrm>
-          <a:prstGeom prst="rect">
-            <a:avLst/>
-          </a:prstGeom>
-          <a:noFill/>
-        </p:spPr>
-        <p:txBody>
-          <a:bodyPr wrap="none">
-            <a:spAutoFit/>
-          </a:bodyPr>
-          <a:lstStyle/>
-          <a:p>
-            <a:pPr algn="ctr">
-              <a:defRPr sz="800">
-                <a:solidFill>
-                  <a:srgbClr val="808080"/>
-                </a:solidFill>
-                <a:latin typeface="Calibri"/>
-              </a:defRPr>
-            </a:pPr>
-            <a:r>
-              <a:t>State save</a:t>
-            </a:r>
-          </a:p>
-        </p:txBody>
-      </p:sp>
-      <p:cxnSp>
-        <p:nvCxnSpPr>
-          <p:cNvPr id="34" name="Connector 33"/>
-          <p:cNvCxnSpPr/>
-          <p:nvPr/>
-        </p:nvCxnSpPr>
-        <p:spPr>
-          <a:xfrm>
-            <a:off x="5349240" y="2377440"/>
-            <a:ext cx="4023360" cy="2743200"/>
-          </a:xfrm>
-          <a:prstGeom prst="line">
-            <a:avLst/>
-          </a:prstGeom>
-          <a:ln w="12700">
-            <a:solidFill>
-              <a:srgbClr val="808080"/>
-            </a:solidFill>
-          </a:ln>
-        </p:spPr>
-        <p:style>
-          <a:lnRef idx="2">
-            <a:schemeClr val="accent1"/>
-          </a:lnRef>
-          <a:fillRef idx="0">
-            <a:schemeClr val="accent1"/>
-          </a:fillRef>
-          <a:effectRef idx="1">
-            <a:schemeClr val="accent1"/>
-          </a:effectRef>
-          <a:fontRef idx="minor">
-            <a:schemeClr val="tx1"/>
-          </a:fontRef>
-        </p:style>
-      </p:cxnSp>
-      <p:sp>
-        <p:nvSpPr>
-          <p:cNvPr id="35" name="TextBox 34"/>
-          <p:cNvSpPr txBox="1"/>
-          <p:nvPr/>
-        </p:nvSpPr>
-        <p:spPr>
-          <a:xfrm>
-            <a:off x="6903720" y="3611880"/>
-            <a:ext cx="914400" cy="228600"/>
-          </a:xfrm>
-          <a:prstGeom prst="rect">
-            <a:avLst/>
-          </a:prstGeom>
-          <a:noFill/>
-        </p:spPr>
-        <p:txBody>
-          <a:bodyPr wrap="none">
-            <a:spAutoFit/>
-          </a:bodyPr>
-          <a:lstStyle/>
-          <a:p>
-            <a:pPr algn="ctr">
-              <a:defRPr sz="800">
-                <a:solidFill>
-                  <a:srgbClr val="808080"/>
-                </a:solidFill>
-                <a:latin typeface="Calibri"/>
-              </a:defRPr>
-            </a:pPr>
-            <a:r>
-              <a:t>Code artifacts</a:t>
-            </a:r>
-          </a:p>
-        </p:txBody>
-      </p:sp>
-      <p:cxnSp>
-        <p:nvCxnSpPr>
-          <p:cNvPr id="36" name="Connector 35"/>
-          <p:cNvCxnSpPr/>
-          <p:nvPr/>
-        </p:nvCxnSpPr>
-        <p:spPr>
-          <a:xfrm flipV="1">
-            <a:off x="7360920" y="4023360"/>
-            <a:ext cx="3749040" cy="182880"/>
-          </a:xfrm>
-          <a:prstGeom prst="line">
-            <a:avLst/>
-          </a:prstGeom>
-          <a:ln w="19050">
-            <a:solidFill>
-              <a:srgbClr val="808080"/>
-            </a:solidFill>
-          </a:ln>
-        </p:spPr>
-        <p:style>
-          <a:lnRef idx="2">
-            <a:schemeClr val="accent1"/>
-          </a:lnRef>
-          <a:fillRef idx="0">
-            <a:schemeClr val="accent1"/>
-          </a:fillRef>
-          <a:effectRef idx="1">
-            <a:schemeClr val="accent1"/>
-          </a:effectRef>
-          <a:fontRef idx="minor">
-            <a:schemeClr val="tx1"/>
-          </a:fontRef>
-        </p:style>
-      </p:cxnSp>
-      <p:sp>
-        <p:nvSpPr>
-          <p:cNvPr id="37" name="TextBox 36"/>
-          <p:cNvSpPr txBox="1"/>
-          <p:nvPr/>
-        </p:nvSpPr>
-        <p:spPr>
-          <a:xfrm>
-            <a:off x="8778240" y="3977640"/>
-            <a:ext cx="914400" cy="228600"/>
-          </a:xfrm>
-          <a:prstGeom prst="rect">
-            <a:avLst/>
-          </a:prstGeom>
-          <a:noFill/>
-        </p:spPr>
-        <p:txBody>
-          <a:bodyPr wrap="none">
-            <a:spAutoFit/>
-          </a:bodyPr>
-          <a:lstStyle/>
-          <a:p>
-            <a:pPr algn="ctr">
-              <a:defRPr sz="800">
-                <a:solidFill>
-                  <a:srgbClr val="808080"/>
-                </a:solidFill>
-                <a:latin typeface="Calibri"/>
-              </a:defRPr>
-            </a:pPr>
-            <a:r>
-              <a:t>Final reports</a:t>
-            </a:r>
-          </a:p>
-        </p:txBody>
-      </p:sp>
-      <p:sp>
-        <p:nvSpPr>
-          <p:cNvPr id="38" name="Can 37"/>
+      <p:sp>
+        <p:nvSpPr>
+          <p:cNvPr id="12" name="Can 11"/>
           <p:cNvSpPr/>
           <p:nvPr/>
         </p:nvSpPr>
         <p:spPr>
           <a:xfrm>
-            <a:off x="731520" y="2286000"/>
-            <a:ext cx="1188720" cy="731520"/>
+            <a:off x="1508760" y="2103120"/>
+            <a:ext cx="731520" cy="731520"/>
           </a:xfrm>
           <a:prstGeom prst="can">
             <a:avLst/>
@@ -4974,11 +3522,11 @@
           </a:fontRef>
         </p:style>
         <p:txBody>
-          <a:bodyPr rtlCol="0" anchor="ctr" wrap="square" bIns="63500" tIns="63500"/>
+          <a:bodyPr rtlCol="0" anchor="ctr" wrap="square"/>
           <a:lstStyle/>
           <a:p>
             <a:pPr algn="ctr">
-              <a:defRPr sz="1000" b="0">
+              <a:defRPr sz="1100">
                 <a:solidFill>
                   <a:srgbClr val="404040"/>
                 </a:solidFill>
@@ -4986,12 +3534,59 @@
               </a:defRPr>
             </a:pPr>
             <a:r>
-              <a:t>CSV Data</a:t>
-            </a:r>
-          </a:p>
+              <a:t>Customer</a:t>
+            </a:r>
+          </a:p>
+          <a:p>
+            <a:r>
+              <a:t>Data CSV</a:t>
+            </a:r>
+          </a:p>
+        </p:txBody>
+      </p:sp>
+      <p:sp>
+        <p:nvSpPr>
+          <p:cNvPr id="13" name="Can 12"/>
+          <p:cNvSpPr/>
+          <p:nvPr/>
+        </p:nvSpPr>
+        <p:spPr>
+          <a:xfrm>
+            <a:off x="1508760" y="3200400"/>
+            <a:ext cx="731520" cy="731520"/>
+          </a:xfrm>
+          <a:prstGeom prst="can">
+            <a:avLst/>
+          </a:prstGeom>
+          <a:solidFill>
+            <a:srgbClr val="FFFFFF"/>
+          </a:solidFill>
+          <a:ln w="25400">
+            <a:solidFill>
+              <a:srgbClr val="0070C0"/>
+            </a:solidFill>
+          </a:ln>
+        </p:spPr>
+        <p:style>
+          <a:lnRef idx="1">
+            <a:schemeClr val="accent1"/>
+          </a:lnRef>
+          <a:fillRef idx="3">
+            <a:schemeClr val="accent1"/>
+          </a:fillRef>
+          <a:effectRef idx="2">
+            <a:schemeClr val="accent1"/>
+          </a:effectRef>
+          <a:fontRef idx="minor">
+            <a:schemeClr val="lt1"/>
+          </a:fontRef>
+        </p:style>
+        <p:txBody>
+          <a:bodyPr rtlCol="0" anchor="ctr" wrap="square"/>
+          <a:lstStyle/>
           <a:p>
             <a:pPr algn="ctr">
-              <a:defRPr sz="1000" b="0">
+              <a:defRPr sz="1100">
                 <a:solidFill>
                   <a:srgbClr val="404040"/>
                 </a:solidFill>
@@ -4999,12 +3594,59 @@
               </a:defRPr>
             </a:pPr>
             <a:r>
-              <a:t>(customers,</a:t>
-            </a:r>
-          </a:p>
+              <a:t>Literature</a:t>
+            </a:r>
+          </a:p>
+          <a:p>
+            <a:r>
+              <a:t>Index</a:t>
+            </a:r>
+          </a:p>
+        </p:txBody>
+      </p:sp>
+      <p:sp>
+        <p:nvSpPr>
+          <p:cNvPr id="14" name="Hexagon 13"/>
+          <p:cNvSpPr/>
+          <p:nvPr/>
+        </p:nvSpPr>
+        <p:spPr>
+          <a:xfrm>
+            <a:off x="1508760" y="4297679"/>
+            <a:ext cx="731520" cy="731520"/>
+          </a:xfrm>
+          <a:prstGeom prst="hexagon">
+            <a:avLst/>
+          </a:prstGeom>
+          <a:solidFill>
+            <a:srgbClr val="FFFACD"/>
+          </a:solidFill>
+          <a:ln w="25400">
+            <a:solidFill>
+              <a:srgbClr val="0070C0"/>
+            </a:solidFill>
+          </a:ln>
+        </p:spPr>
+        <p:style>
+          <a:lnRef idx="1">
+            <a:schemeClr val="accent1"/>
+          </a:lnRef>
+          <a:fillRef idx="3">
+            <a:schemeClr val="accent1"/>
+          </a:fillRef>
+          <a:effectRef idx="2">
+            <a:schemeClr val="accent1"/>
+          </a:effectRef>
+          <a:fontRef idx="minor">
+            <a:schemeClr val="lt1"/>
+          </a:fontRef>
+        </p:style>
+        <p:txBody>
+          <a:bodyPr rtlCol="0" anchor="ctr" wrap="square"/>
+          <a:lstStyle/>
           <a:p>
             <a:pPr algn="ctr">
-              <a:defRPr sz="1000" b="0">
+              <a:defRPr sz="1100">
                 <a:solidFill>
                   <a:srgbClr val="404040"/>
                 </a:solidFill>
@@ -5012,89 +3654,26 @@
               </a:defRPr>
             </a:pPr>
             <a:r>
-              <a:t>competitors)</a:t>
-            </a:r>
-          </a:p>
-        </p:txBody>
-      </p:sp>
-      <p:sp>
-        <p:nvSpPr>
-          <p:cNvPr id="39" name="Hexagon 38"/>
+              <a:t>OpenAI</a:t>
+            </a:r>
+          </a:p>
+          <a:p>
+            <a:r>
+              <a:t>API</a:t>
+            </a:r>
+          </a:p>
+        </p:txBody>
+      </p:sp>
+      <p:sp>
+        <p:nvSpPr>
+          <p:cNvPr id="15" name="Rectangle 14"/>
           <p:cNvSpPr/>
           <p:nvPr/>
         </p:nvSpPr>
         <p:spPr>
           <a:xfrm>
-            <a:off x="731520" y="4572000"/>
-            <a:ext cx="1188720" cy="731520"/>
-          </a:xfrm>
-          <a:prstGeom prst="hexagon">
-            <a:avLst/>
-          </a:prstGeom>
-          <a:solidFill>
-            <a:srgbClr val="C0C0C0"/>
-          </a:solidFill>
-          <a:ln w="19050">
-            <a:solidFill>
-              <a:srgbClr val="808080"/>
-            </a:solidFill>
-          </a:ln>
-        </p:spPr>
-        <p:style>
-          <a:lnRef idx="1">
-            <a:schemeClr val="accent1"/>
-          </a:lnRef>
-          <a:fillRef idx="3">
-            <a:schemeClr val="accent1"/>
-          </a:fillRef>
-          <a:effectRef idx="2">
-            <a:schemeClr val="accent1"/>
-          </a:effectRef>
-          <a:fontRef idx="minor">
-            <a:schemeClr val="lt1"/>
-          </a:fontRef>
-        </p:style>
-        <p:txBody>
-          <a:bodyPr rtlCol="0" anchor="ctr" wrap="square" bIns="63500" tIns="63500"/>
-          <a:lstStyle/>
-          <a:p>
-            <a:pPr algn="ctr">
-              <a:defRPr sz="1000" b="0">
-                <a:solidFill>
-                  <a:srgbClr val="404040"/>
-                </a:solidFill>
-                <a:latin typeface="Calibri"/>
-              </a:defRPr>
-            </a:pPr>
-            <a:r>
-              <a:t>OpenAI API</a:t>
-            </a:r>
-          </a:p>
-          <a:p>
-            <a:pPr algn="ctr">
-              <a:defRPr sz="1000" b="0">
-                <a:solidFill>
-                  <a:srgbClr val="404040"/>
-                </a:solidFill>
-                <a:latin typeface="Calibri"/>
-              </a:defRPr>
-            </a:pPr>
-            <a:r>
-              <a:t>(GPT-3.5/4)</a:t>
-            </a:r>
-          </a:p>
-        </p:txBody>
-      </p:sp>
-      <p:sp>
-        <p:nvSpPr>
-          <p:cNvPr id="40" name="Rectangle 39"/>
-          <p:cNvSpPr/>
-          <p:nvPr/>
-        </p:nvSpPr>
-        <p:spPr>
-          <a:xfrm>
-            <a:off x="2743200" y="1097280"/>
-            <a:ext cx="1188720" cy="731520"/>
+            <a:off x="4434840" y="1883664"/>
+            <a:ext cx="731520" cy="731520"/>
           </a:xfrm>
           <a:prstGeom prst="rect">
             <a:avLst/>
@@ -5123,11 +3702,11 @@
           </a:fontRef>
         </p:style>
         <p:txBody>
-          <a:bodyPr rtlCol="0" anchor="ctr" wrap="square" bIns="63500" tIns="63500"/>
+          <a:bodyPr rtlCol="0" anchor="ctr" wrap="square"/>
           <a:lstStyle/>
           <a:p>
             <a:pPr algn="ctr">
-              <a:defRPr sz="1000" b="1">
+              <a:defRPr sz="1100">
                 <a:solidFill>
                   <a:srgbClr val="404040"/>
                 </a:solidFill>
@@ -5135,21 +3714,26 @@
               </a:defRPr>
             </a:pPr>
             <a:r>
-              <a:t>Streamlit UI</a:t>
-            </a:r>
-          </a:p>
-        </p:txBody>
-      </p:sp>
-      <p:sp>
-        <p:nvSpPr>
-          <p:cNvPr id="41" name="Rectangle 40"/>
+              <a:t>Streamlit</a:t>
+            </a:r>
+          </a:p>
+          <a:p>
+            <a:r>
+              <a:t>UI</a:t>
+            </a:r>
+          </a:p>
+        </p:txBody>
+      </p:sp>
+      <p:sp>
+        <p:nvSpPr>
+          <p:cNvPr id="16" name="Rectangle 15"/>
           <p:cNvSpPr/>
           <p:nvPr/>
         </p:nvSpPr>
         <p:spPr>
           <a:xfrm>
-            <a:off x="2743200" y="2743200"/>
-            <a:ext cx="1188720" cy="731520"/>
+            <a:off x="4434840" y="2761488"/>
+            <a:ext cx="731520" cy="731520"/>
           </a:xfrm>
           <a:prstGeom prst="rect">
             <a:avLst/>
@@ -5178,11 +3762,11 @@
           </a:fontRef>
         </p:style>
         <p:txBody>
-          <a:bodyPr rtlCol="0" anchor="ctr" wrap="square" bIns="63500" tIns="63500"/>
+          <a:bodyPr rtlCol="0" anchor="ctr" wrap="square"/>
           <a:lstStyle/>
           <a:p>
             <a:pPr algn="ctr">
-              <a:defRPr sz="1000" b="1">
+              <a:defRPr sz="1100">
                 <a:solidFill>
                   <a:srgbClr val="404040"/>
                 </a:solidFill>
@@ -5190,34 +3774,26 @@
               </a:defRPr>
             </a:pPr>
             <a:r>
-              <a:t>Kosmos</a:t>
-            </a:r>
-          </a:p>
-          <a:p>
-            <a:pPr algn="ctr">
-              <a:defRPr sz="1000" b="1">
-                <a:solidFill>
-                  <a:srgbClr val="404040"/>
-                </a:solidFill>
-                <a:latin typeface="Calibri"/>
-              </a:defRPr>
-            </a:pPr>
-            <a:r>
-              <a:t>Orchestrator</a:t>
-            </a:r>
-          </a:p>
-        </p:txBody>
-      </p:sp>
-      <p:sp>
-        <p:nvSpPr>
-          <p:cNvPr id="42" name="Rectangle 41"/>
+              <a:t>Data</a:t>
+            </a:r>
+          </a:p>
+          <a:p>
+            <a:r>
+              <a:t>Analyst</a:t>
+            </a:r>
+          </a:p>
+        </p:txBody>
+      </p:sp>
+      <p:sp>
+        <p:nvSpPr>
+          <p:cNvPr id="17" name="Rectangle 16"/>
           <p:cNvSpPr/>
           <p:nvPr/>
         </p:nvSpPr>
         <p:spPr>
           <a:xfrm>
-            <a:off x="4754880" y="2011680"/>
-            <a:ext cx="1188720" cy="731520"/>
+            <a:off x="4434840" y="3639312"/>
+            <a:ext cx="731520" cy="731520"/>
           </a:xfrm>
           <a:prstGeom prst="rect">
             <a:avLst/>
@@ -5246,11 +3822,11 @@
           </a:fontRef>
         </p:style>
         <p:txBody>
-          <a:bodyPr rtlCol="0" anchor="ctr" wrap="square" bIns="63500" tIns="63500"/>
+          <a:bodyPr rtlCol="0" anchor="ctr" wrap="square"/>
           <a:lstStyle/>
           <a:p>
             <a:pPr algn="ctr">
-              <a:defRPr sz="1000" b="1">
+              <a:defRPr sz="1100">
                 <a:solidFill>
                   <a:srgbClr val="404040"/>
                 </a:solidFill>
@@ -5258,34 +3834,26 @@
               </a:defRPr>
             </a:pPr>
             <a:r>
-              <a:t>Data Analysis</a:t>
-            </a:r>
-          </a:p>
-          <a:p>
-            <a:pPr algn="ctr">
-              <a:defRPr sz="1000" b="1">
-                <a:solidFill>
-                  <a:srgbClr val="404040"/>
-                </a:solidFill>
-                <a:latin typeface="Calibri"/>
-              </a:defRPr>
-            </a:pPr>
-            <a:r>
-              <a:t>Agent</a:t>
-            </a:r>
-          </a:p>
-        </p:txBody>
-      </p:sp>
-      <p:sp>
-        <p:nvSpPr>
-          <p:cNvPr id="43" name="Rectangle 42"/>
+              <a:t>Literature</a:t>
+            </a:r>
+          </a:p>
+          <a:p>
+            <a:r>
+              <a:t>Searcher</a:t>
+            </a:r>
+          </a:p>
+        </p:txBody>
+      </p:sp>
+      <p:sp>
+        <p:nvSpPr>
+          <p:cNvPr id="18" name="Rectangle 17"/>
           <p:cNvSpPr/>
           <p:nvPr/>
         </p:nvSpPr>
         <p:spPr>
           <a:xfrm>
-            <a:off x="4754880" y="3474720"/>
-            <a:ext cx="1188720" cy="731520"/>
+            <a:off x="4434840" y="4517136"/>
+            <a:ext cx="731520" cy="731520"/>
           </a:xfrm>
           <a:prstGeom prst="rect">
             <a:avLst/>
@@ -5314,11 +3882,11 @@
           </a:fontRef>
         </p:style>
         <p:txBody>
-          <a:bodyPr rtlCol="0" anchor="ctr" wrap="square" bIns="63500" tIns="63500"/>
+          <a:bodyPr rtlCol="0" anchor="ctr" wrap="square"/>
           <a:lstStyle/>
           <a:p>
             <a:pPr algn="ctr">
-              <a:defRPr sz="1000" b="1">
+              <a:defRPr sz="1100">
                 <a:solidFill>
                   <a:srgbClr val="404040"/>
                 </a:solidFill>
@@ -5326,34 +3894,26 @@
               </a:defRPr>
             </a:pPr>
             <a:r>
-              <a:t>Literature</a:t>
-            </a:r>
-          </a:p>
-          <a:p>
-            <a:pPr algn="ctr">
-              <a:defRPr sz="1000" b="1">
-                <a:solidFill>
-                  <a:srgbClr val="404040"/>
-                </a:solidFill>
-                <a:latin typeface="Calibri"/>
-              </a:defRPr>
-            </a:pPr>
-            <a:r>
-              <a:t>Agent</a:t>
-            </a:r>
-          </a:p>
-        </p:txBody>
-      </p:sp>
-      <p:sp>
-        <p:nvSpPr>
-          <p:cNvPr id="44" name="Rectangle 43"/>
+              <a:t>Statistical</a:t>
+            </a:r>
+          </a:p>
+          <a:p>
+            <a:r>
+              <a:t>Analysis</a:t>
+            </a:r>
+          </a:p>
+        </p:txBody>
+      </p:sp>
+      <p:sp>
+        <p:nvSpPr>
+          <p:cNvPr id="19" name="Rectangle 18"/>
           <p:cNvSpPr/>
           <p:nvPr/>
         </p:nvSpPr>
         <p:spPr>
           <a:xfrm>
-            <a:off x="6766560" y="2011680"/>
-            <a:ext cx="1188720" cy="731520"/>
+            <a:off x="7498079" y="2468879"/>
+            <a:ext cx="731520" cy="731520"/>
           </a:xfrm>
           <a:prstGeom prst="rect">
             <a:avLst/>
@@ -5382,11 +3942,11 @@
           </a:fontRef>
         </p:style>
         <p:txBody>
-          <a:bodyPr rtlCol="0" anchor="ctr" wrap="square" bIns="63500" tIns="63500"/>
+          <a:bodyPr rtlCol="0" anchor="ctr" wrap="square"/>
           <a:lstStyle/>
           <a:p>
             <a:pPr algn="ctr">
-              <a:defRPr sz="1000" b="1">
+              <a:defRPr sz="1100">
                 <a:solidFill>
                   <a:srgbClr val="404040"/>
                 </a:solidFill>
@@ -5394,102 +3954,26 @@
               </a:defRPr>
             </a:pPr>
             <a:r>
-              <a:t>Statistical</a:t>
-            </a:r>
-          </a:p>
-          <a:p>
-            <a:pPr algn="ctr">
-              <a:defRPr sz="1000" b="1">
-                <a:solidFill>
-                  <a:srgbClr val="404040"/>
-                </a:solidFill>
-                <a:latin typeface="Calibri"/>
-              </a:defRPr>
-            </a:pPr>
-            <a:r>
-              <a:t>Engine (scipy)</a:t>
-            </a:r>
-          </a:p>
-        </p:txBody>
-      </p:sp>
-      <p:sp>
-        <p:nvSpPr>
-          <p:cNvPr id="45" name="Rectangle 44"/>
+              <a:t>World</a:t>
+            </a:r>
+          </a:p>
+          <a:p>
+            <a:r>
+              <a:t>Model</a:t>
+            </a:r>
+          </a:p>
+        </p:txBody>
+      </p:sp>
+      <p:sp>
+        <p:nvSpPr>
+          <p:cNvPr id="20" name="Can 19"/>
           <p:cNvSpPr/>
           <p:nvPr/>
         </p:nvSpPr>
         <p:spPr>
           <a:xfrm>
-            <a:off x="6766560" y="3840480"/>
-            <a:ext cx="1188720" cy="731520"/>
-          </a:xfrm>
-          <a:prstGeom prst="rect">
-            <a:avLst/>
-          </a:prstGeom>
-          <a:solidFill>
-            <a:srgbClr val="FFFFFF"/>
-          </a:solidFill>
-          <a:ln w="25400">
-            <a:solidFill>
-              <a:srgbClr val="0070C0"/>
-            </a:solidFill>
-          </a:ln>
-        </p:spPr>
-        <p:style>
-          <a:lnRef idx="1">
-            <a:schemeClr val="accent1"/>
-          </a:lnRef>
-          <a:fillRef idx="3">
-            <a:schemeClr val="accent1"/>
-          </a:fillRef>
-          <a:effectRef idx="2">
-            <a:schemeClr val="accent1"/>
-          </a:effectRef>
-          <a:fontRef idx="minor">
-            <a:schemeClr val="lt1"/>
-          </a:fontRef>
-        </p:style>
-        <p:txBody>
-          <a:bodyPr rtlCol="0" anchor="ctr" wrap="square" bIns="63500" tIns="63500"/>
-          <a:lstStyle/>
-          <a:p>
-            <a:pPr algn="ctr">
-              <a:defRPr sz="1000" b="1">
-                <a:solidFill>
-                  <a:srgbClr val="404040"/>
-                </a:solidFill>
-                <a:latin typeface="Calibri"/>
-              </a:defRPr>
-            </a:pPr>
-            <a:r>
-              <a:t>World Model</a:t>
-            </a:r>
-          </a:p>
-          <a:p>
-            <a:pPr algn="ctr">
-              <a:defRPr sz="1000" b="1">
-                <a:solidFill>
-                  <a:srgbClr val="404040"/>
-                </a:solidFill>
-                <a:latin typeface="Calibri"/>
-              </a:defRPr>
-            </a:pPr>
-            <a:r>
-              <a:t>(State Mgmt)</a:t>
-            </a:r>
-          </a:p>
-        </p:txBody>
-      </p:sp>
-      <p:sp>
-        <p:nvSpPr>
-          <p:cNvPr id="46" name="Can 45"/>
-          <p:cNvSpPr/>
-          <p:nvPr/>
-        </p:nvSpPr>
-        <p:spPr>
-          <a:xfrm>
-            <a:off x="8778240" y="2743200"/>
-            <a:ext cx="1188720" cy="731520"/>
+            <a:off x="7498079" y="3931919"/>
+            <a:ext cx="731520" cy="731520"/>
           </a:xfrm>
           <a:prstGeom prst="can">
             <a:avLst/>
@@ -5518,11 +4002,11 @@
           </a:fontRef>
         </p:style>
         <p:txBody>
-          <a:bodyPr rtlCol="0" anchor="ctr" wrap="square" bIns="63500" tIns="63500"/>
+          <a:bodyPr rtlCol="0" anchor="ctr" wrap="square"/>
           <a:lstStyle/>
           <a:p>
             <a:pPr algn="ctr">
-              <a:defRPr sz="1000" b="0">
+              <a:defRPr sz="1100">
                 <a:solidFill>
                   <a:srgbClr val="404040"/>
                 </a:solidFill>
@@ -5530,12 +4014,59 @@
               </a:defRPr>
             </a:pPr>
             <a:r>
-              <a:t>Local Storage</a:t>
-            </a:r>
-          </a:p>
+              <a:t>Session</a:t>
+            </a:r>
+          </a:p>
+          <a:p>
+            <a:r>
+              <a:t>State</a:t>
+            </a:r>
+          </a:p>
+        </p:txBody>
+      </p:sp>
+      <p:sp>
+        <p:nvSpPr>
+          <p:cNvPr id="21" name="Parallelogram 20"/>
+          <p:cNvSpPr/>
+          <p:nvPr/>
+        </p:nvSpPr>
+        <p:spPr>
+          <a:xfrm>
+            <a:off x="10104119" y="2103120"/>
+            <a:ext cx="731520" cy="731520"/>
+          </a:xfrm>
+          <a:prstGeom prst="parallelogram">
+            <a:avLst/>
+          </a:prstGeom>
+          <a:solidFill>
+            <a:srgbClr val="E6F0FF"/>
+          </a:solidFill>
+          <a:ln w="25400">
+            <a:solidFill>
+              <a:srgbClr val="0070C0"/>
+            </a:solidFill>
+          </a:ln>
+        </p:spPr>
+        <p:style>
+          <a:lnRef idx="1">
+            <a:schemeClr val="accent1"/>
+          </a:lnRef>
+          <a:fillRef idx="3">
+            <a:schemeClr val="accent1"/>
+          </a:fillRef>
+          <a:effectRef idx="2">
+            <a:schemeClr val="accent1"/>
+          </a:effectRef>
+          <a:fontRef idx="minor">
+            <a:schemeClr val="lt1"/>
+          </a:fontRef>
+        </p:style>
+        <p:txBody>
+          <a:bodyPr rtlCol="0" anchor="ctr" wrap="square"/>
+          <a:lstStyle/>
           <a:p>
             <a:pPr algn="ctr">
-              <a:defRPr sz="1000" b="0">
+              <a:defRPr sz="1100">
                 <a:solidFill>
                   <a:srgbClr val="404040"/>
                 </a:solidFill>
@@ -5543,31 +4074,36 @@
               </a:defRPr>
             </a:pPr>
             <a:r>
-              <a:t>(JSON/CSV)</a:t>
-            </a:r>
-          </a:p>
-        </p:txBody>
-      </p:sp>
-      <p:sp>
-        <p:nvSpPr>
-          <p:cNvPr id="47" name="Parallelogram 46"/>
+              <a:t>Enhanced</a:t>
+            </a:r>
+          </a:p>
+          <a:p>
+            <a:r>
+              <a:t>Report</a:t>
+            </a:r>
+          </a:p>
+        </p:txBody>
+      </p:sp>
+      <p:sp>
+        <p:nvSpPr>
+          <p:cNvPr id="22" name="Parallelogram 21"/>
           <p:cNvSpPr/>
           <p:nvPr/>
         </p:nvSpPr>
         <p:spPr>
           <a:xfrm>
-            <a:off x="8778240" y="4754880"/>
-            <a:ext cx="1188720" cy="731520"/>
+            <a:off x="10104119" y="3200400"/>
+            <a:ext cx="731520" cy="731520"/>
           </a:xfrm>
           <a:prstGeom prst="parallelogram">
             <a:avLst/>
           </a:prstGeom>
           <a:solidFill>
-            <a:srgbClr val="FFFFFF"/>
+            <a:srgbClr val="E6F0FF"/>
           </a:solidFill>
-          <a:ln w="19050">
+          <a:ln w="25400">
             <a:solidFill>
-              <a:srgbClr val="808080"/>
+              <a:srgbClr val="0070C0"/>
             </a:solidFill>
           </a:ln>
         </p:spPr>
@@ -5586,11 +4122,11 @@
           </a:fontRef>
         </p:style>
         <p:txBody>
-          <a:bodyPr rtlCol="0" anchor="ctr" wrap="square" bIns="63500" tIns="63500"/>
+          <a:bodyPr rtlCol="0" anchor="ctr" wrap="square"/>
           <a:lstStyle/>
           <a:p>
             <a:pPr algn="ctr">
-              <a:defRPr sz="1000" b="0">
+              <a:defRPr sz="1100">
                 <a:solidFill>
                   <a:srgbClr val="404040"/>
                 </a:solidFill>
@@ -5598,12 +4134,59 @@
               </a:defRPr>
             </a:pPr>
             <a:r>
-              <a:t>Analysis</a:t>
-            </a:r>
-          </a:p>
+              <a:t>Generated</a:t>
+            </a:r>
+          </a:p>
+          <a:p>
+            <a:r>
+              <a:t>Code</a:t>
+            </a:r>
+          </a:p>
+        </p:txBody>
+      </p:sp>
+      <p:sp>
+        <p:nvSpPr>
+          <p:cNvPr id="23" name="Parallelogram 22"/>
+          <p:cNvSpPr/>
+          <p:nvPr/>
+        </p:nvSpPr>
+        <p:spPr>
+          <a:xfrm>
+            <a:off x="10104119" y="4297679"/>
+            <a:ext cx="731520" cy="731520"/>
+          </a:xfrm>
+          <a:prstGeom prst="parallelogram">
+            <a:avLst/>
+          </a:prstGeom>
+          <a:solidFill>
+            <a:srgbClr val="E6F0FF"/>
+          </a:solidFill>
+          <a:ln w="25400">
+            <a:solidFill>
+              <a:srgbClr val="0070C0"/>
+            </a:solidFill>
+          </a:ln>
+        </p:spPr>
+        <p:style>
+          <a:lnRef idx="1">
+            <a:schemeClr val="accent1"/>
+          </a:lnRef>
+          <a:fillRef idx="3">
+            <a:schemeClr val="accent1"/>
+          </a:fillRef>
+          <a:effectRef idx="2">
+            <a:schemeClr val="accent1"/>
+          </a:effectRef>
+          <a:fontRef idx="minor">
+            <a:schemeClr val="lt1"/>
+          </a:fontRef>
+        </p:style>
+        <p:txBody>
+          <a:bodyPr rtlCol="0" anchor="ctr" wrap="square"/>
+          <a:lstStyle/>
           <a:p>
             <a:pPr algn="ctr">
-              <a:defRPr sz="1000" b="0">
+              <a:defRPr sz="1100">
                 <a:solidFill>
                   <a:srgbClr val="404040"/>
                 </a:solidFill>
@@ -5611,31 +4194,530 @@
               </a:defRPr>
             </a:pPr>
             <a:r>
-              <a:t>Outputs (.py)</a:t>
-            </a:r>
-          </a:p>
-        </p:txBody>
-      </p:sp>
-      <p:sp>
-        <p:nvSpPr>
-          <p:cNvPr id="48" name="Parallelogram 47"/>
+              <a:t>Interactive</a:t>
+            </a:r>
+          </a:p>
+          <a:p>
+            <a:r>
+              <a:t>Dashboard</a:t>
+            </a:r>
+          </a:p>
+        </p:txBody>
+      </p:sp>
+      <p:cxnSp>
+        <p:nvCxnSpPr>
+          <p:cNvPr id="24" name="Connector 23"/>
+          <p:cNvCxnSpPr/>
+          <p:nvPr/>
+        </p:nvCxnSpPr>
+        <p:spPr>
+          <a:xfrm flipV="1">
+            <a:off x="1874519" y="2249424"/>
+            <a:ext cx="2926081" cy="219456"/>
+          </a:xfrm>
+          <a:prstGeom prst="line">
+            <a:avLst/>
+          </a:prstGeom>
+          <a:ln w="25400">
+            <a:solidFill>
+              <a:srgbClr val="404040"/>
+            </a:solidFill>
+          </a:ln>
+        </p:spPr>
+        <p:style>
+          <a:lnRef idx="2">
+            <a:schemeClr val="accent1"/>
+          </a:lnRef>
+          <a:fillRef idx="0">
+            <a:schemeClr val="accent1"/>
+          </a:fillRef>
+          <a:effectRef idx="1">
+            <a:schemeClr val="accent1"/>
+          </a:effectRef>
+          <a:fontRef idx="minor">
+            <a:schemeClr val="tx1"/>
+          </a:fontRef>
+        </p:style>
+      </p:cxnSp>
+      <p:cxnSp>
+        <p:nvCxnSpPr>
+          <p:cNvPr id="25" name="Connector 24"/>
+          <p:cNvCxnSpPr/>
+          <p:nvPr/>
+        </p:nvCxnSpPr>
+        <p:spPr>
+          <a:xfrm>
+            <a:off x="1874519" y="3566160"/>
+            <a:ext cx="2926081" cy="438912"/>
+          </a:xfrm>
+          <a:prstGeom prst="line">
+            <a:avLst/>
+          </a:prstGeom>
+          <a:ln w="19050">
+            <a:solidFill>
+              <a:srgbClr val="404040"/>
+            </a:solidFill>
+          </a:ln>
+        </p:spPr>
+        <p:style>
+          <a:lnRef idx="2">
+            <a:schemeClr val="accent1"/>
+          </a:lnRef>
+          <a:fillRef idx="0">
+            <a:schemeClr val="accent1"/>
+          </a:fillRef>
+          <a:effectRef idx="1">
+            <a:schemeClr val="accent1"/>
+          </a:effectRef>
+          <a:fontRef idx="minor">
+            <a:schemeClr val="tx1"/>
+          </a:fontRef>
+        </p:style>
+      </p:cxnSp>
+      <p:cxnSp>
+        <p:nvCxnSpPr>
+          <p:cNvPr id="26" name="Connector 25"/>
+          <p:cNvCxnSpPr/>
+          <p:nvPr/>
+        </p:nvCxnSpPr>
+        <p:spPr>
+          <a:xfrm>
+            <a:off x="4800600" y="2249424"/>
+            <a:ext cx="0" cy="877824"/>
+          </a:xfrm>
+          <a:prstGeom prst="line">
+            <a:avLst/>
+          </a:prstGeom>
+          <a:ln w="25400">
+            <a:solidFill>
+              <a:srgbClr val="404040"/>
+            </a:solidFill>
+          </a:ln>
+        </p:spPr>
+        <p:style>
+          <a:lnRef idx="2">
+            <a:schemeClr val="accent1"/>
+          </a:lnRef>
+          <a:fillRef idx="0">
+            <a:schemeClr val="accent1"/>
+          </a:fillRef>
+          <a:effectRef idx="1">
+            <a:schemeClr val="accent1"/>
+          </a:effectRef>
+          <a:fontRef idx="minor">
+            <a:schemeClr val="tx1"/>
+          </a:fontRef>
+        </p:style>
+      </p:cxnSp>
+      <p:cxnSp>
+        <p:nvCxnSpPr>
+          <p:cNvPr id="27" name="Connector 26"/>
+          <p:cNvCxnSpPr/>
+          <p:nvPr/>
+        </p:nvCxnSpPr>
+        <p:spPr>
+          <a:xfrm>
+            <a:off x="4800600" y="2249424"/>
+            <a:ext cx="0" cy="1755648"/>
+          </a:xfrm>
+          <a:prstGeom prst="line">
+            <a:avLst/>
+          </a:prstGeom>
+          <a:ln w="12700">
+            <a:solidFill>
+              <a:srgbClr val="808080"/>
+            </a:solidFill>
+            <a:prstDash val="sysDot"/>
+          </a:ln>
+        </p:spPr>
+        <p:style>
+          <a:lnRef idx="2">
+            <a:schemeClr val="accent1"/>
+          </a:lnRef>
+          <a:fillRef idx="0">
+            <a:schemeClr val="accent1"/>
+          </a:fillRef>
+          <a:effectRef idx="1">
+            <a:schemeClr val="accent1"/>
+          </a:effectRef>
+          <a:fontRef idx="minor">
+            <a:schemeClr val="tx1"/>
+          </a:fontRef>
+        </p:style>
+      </p:cxnSp>
+      <p:cxnSp>
+        <p:nvCxnSpPr>
+          <p:cNvPr id="28" name="Connector 27"/>
+          <p:cNvCxnSpPr/>
+          <p:nvPr/>
+        </p:nvCxnSpPr>
+        <p:spPr>
+          <a:xfrm flipH="1">
+            <a:off x="1874519" y="3127248"/>
+            <a:ext cx="2926081" cy="1536192"/>
+          </a:xfrm>
+          <a:prstGeom prst="line">
+            <a:avLst/>
+          </a:prstGeom>
+          <a:ln w="19050">
+            <a:solidFill>
+              <a:srgbClr val="808080"/>
+            </a:solidFill>
+            <a:prstDash val="sysDot"/>
+          </a:ln>
+        </p:spPr>
+        <p:style>
+          <a:lnRef idx="2">
+            <a:schemeClr val="accent1"/>
+          </a:lnRef>
+          <a:fillRef idx="0">
+            <a:schemeClr val="accent1"/>
+          </a:fillRef>
+          <a:effectRef idx="1">
+            <a:schemeClr val="accent1"/>
+          </a:effectRef>
+          <a:fontRef idx="minor">
+            <a:schemeClr val="tx1"/>
+          </a:fontRef>
+        </p:style>
+      </p:cxnSp>
+      <p:cxnSp>
+        <p:nvCxnSpPr>
+          <p:cNvPr id="29" name="Connector 28"/>
+          <p:cNvCxnSpPr/>
+          <p:nvPr/>
+        </p:nvCxnSpPr>
+        <p:spPr>
+          <a:xfrm flipH="1">
+            <a:off x="1874519" y="4005072"/>
+            <a:ext cx="2926081" cy="658368"/>
+          </a:xfrm>
+          <a:prstGeom prst="line">
+            <a:avLst/>
+          </a:prstGeom>
+          <a:ln w="19050">
+            <a:solidFill>
+              <a:srgbClr val="808080"/>
+            </a:solidFill>
+            <a:prstDash val="sysDot"/>
+          </a:ln>
+        </p:spPr>
+        <p:style>
+          <a:lnRef idx="2">
+            <a:schemeClr val="accent1"/>
+          </a:lnRef>
+          <a:fillRef idx="0">
+            <a:schemeClr val="accent1"/>
+          </a:fillRef>
+          <a:effectRef idx="1">
+            <a:schemeClr val="accent1"/>
+          </a:effectRef>
+          <a:fontRef idx="minor">
+            <a:schemeClr val="tx1"/>
+          </a:fontRef>
+        </p:style>
+      </p:cxnSp>
+      <p:cxnSp>
+        <p:nvCxnSpPr>
+          <p:cNvPr id="30" name="Connector 29"/>
+          <p:cNvCxnSpPr/>
+          <p:nvPr/>
+        </p:nvCxnSpPr>
+        <p:spPr>
+          <a:xfrm flipH="1">
+            <a:off x="1874519" y="2249424"/>
+            <a:ext cx="2926081" cy="2414016"/>
+          </a:xfrm>
+          <a:prstGeom prst="line">
+            <a:avLst/>
+          </a:prstGeom>
+          <a:ln w="12700">
+            <a:solidFill>
+              <a:srgbClr val="808080"/>
+            </a:solidFill>
+            <a:prstDash val="sysDot"/>
+          </a:ln>
+        </p:spPr>
+        <p:style>
+          <a:lnRef idx="2">
+            <a:schemeClr val="accent1"/>
+          </a:lnRef>
+          <a:fillRef idx="0">
+            <a:schemeClr val="accent1"/>
+          </a:fillRef>
+          <a:effectRef idx="1">
+            <a:schemeClr val="accent1"/>
+          </a:effectRef>
+          <a:fontRef idx="minor">
+            <a:schemeClr val="tx1"/>
+          </a:fontRef>
+        </p:style>
+      </p:cxnSp>
+      <p:cxnSp>
+        <p:nvCxnSpPr>
+          <p:cNvPr id="31" name="Connector 30"/>
+          <p:cNvCxnSpPr/>
+          <p:nvPr/>
+        </p:nvCxnSpPr>
+        <p:spPr>
+          <a:xfrm>
+            <a:off x="4800600" y="3127248"/>
+            <a:ext cx="0" cy="1755648"/>
+          </a:xfrm>
+          <a:prstGeom prst="line">
+            <a:avLst/>
+          </a:prstGeom>
+          <a:ln w="25400">
+            <a:solidFill>
+              <a:srgbClr val="404040"/>
+            </a:solidFill>
+          </a:ln>
+        </p:spPr>
+        <p:style>
+          <a:lnRef idx="2">
+            <a:schemeClr val="accent1"/>
+          </a:lnRef>
+          <a:fillRef idx="0">
+            <a:schemeClr val="accent1"/>
+          </a:fillRef>
+          <a:effectRef idx="1">
+            <a:schemeClr val="accent1"/>
+          </a:effectRef>
+          <a:fontRef idx="minor">
+            <a:schemeClr val="tx1"/>
+          </a:fontRef>
+        </p:style>
+      </p:cxnSp>
+      <p:cxnSp>
+        <p:nvCxnSpPr>
+          <p:cNvPr id="32" name="Connector 31"/>
+          <p:cNvCxnSpPr/>
+          <p:nvPr/>
+        </p:nvCxnSpPr>
+        <p:spPr>
+          <a:xfrm flipV="1">
+            <a:off x="4800600" y="2834639"/>
+            <a:ext cx="3063240" cy="2048257"/>
+          </a:xfrm>
+          <a:prstGeom prst="line">
+            <a:avLst/>
+          </a:prstGeom>
+          <a:ln w="25400">
+            <a:solidFill>
+              <a:srgbClr val="404040"/>
+            </a:solidFill>
+          </a:ln>
+        </p:spPr>
+        <p:style>
+          <a:lnRef idx="2">
+            <a:schemeClr val="accent1"/>
+          </a:lnRef>
+          <a:fillRef idx="0">
+            <a:schemeClr val="accent1"/>
+          </a:fillRef>
+          <a:effectRef idx="1">
+            <a:schemeClr val="accent1"/>
+          </a:effectRef>
+          <a:fontRef idx="minor">
+            <a:schemeClr val="tx1"/>
+          </a:fontRef>
+        </p:style>
+      </p:cxnSp>
+      <p:cxnSp>
+        <p:nvCxnSpPr>
+          <p:cNvPr id="33" name="Connector 32"/>
+          <p:cNvCxnSpPr/>
+          <p:nvPr/>
+        </p:nvCxnSpPr>
+        <p:spPr>
+          <a:xfrm>
+            <a:off x="7863840" y="2834639"/>
+            <a:ext cx="0" cy="1463040"/>
+          </a:xfrm>
+          <a:prstGeom prst="line">
+            <a:avLst/>
+          </a:prstGeom>
+          <a:ln w="19050">
+            <a:solidFill>
+              <a:srgbClr val="404040"/>
+            </a:solidFill>
+          </a:ln>
+        </p:spPr>
+        <p:style>
+          <a:lnRef idx="2">
+            <a:schemeClr val="accent1"/>
+          </a:lnRef>
+          <a:fillRef idx="0">
+            <a:schemeClr val="accent1"/>
+          </a:fillRef>
+          <a:effectRef idx="1">
+            <a:schemeClr val="accent1"/>
+          </a:effectRef>
+          <a:fontRef idx="minor">
+            <a:schemeClr val="tx1"/>
+          </a:fontRef>
+        </p:style>
+      </p:cxnSp>
+      <p:cxnSp>
+        <p:nvCxnSpPr>
+          <p:cNvPr id="34" name="Connector 33"/>
+          <p:cNvCxnSpPr/>
+          <p:nvPr/>
+        </p:nvCxnSpPr>
+        <p:spPr>
+          <a:xfrm flipV="1">
+            <a:off x="7863840" y="2468880"/>
+            <a:ext cx="2606040" cy="365759"/>
+          </a:xfrm>
+          <a:prstGeom prst="line">
+            <a:avLst/>
+          </a:prstGeom>
+          <a:ln w="19050">
+            <a:solidFill>
+              <a:srgbClr val="404040"/>
+            </a:solidFill>
+          </a:ln>
+        </p:spPr>
+        <p:style>
+          <a:lnRef idx="2">
+            <a:schemeClr val="accent1"/>
+          </a:lnRef>
+          <a:fillRef idx="0">
+            <a:schemeClr val="accent1"/>
+          </a:fillRef>
+          <a:effectRef idx="1">
+            <a:schemeClr val="accent1"/>
+          </a:effectRef>
+          <a:fontRef idx="minor">
+            <a:schemeClr val="tx1"/>
+          </a:fontRef>
+        </p:style>
+      </p:cxnSp>
+      <p:cxnSp>
+        <p:nvCxnSpPr>
+          <p:cNvPr id="35" name="Connector 34"/>
+          <p:cNvCxnSpPr/>
+          <p:nvPr/>
+        </p:nvCxnSpPr>
+        <p:spPr>
+          <a:xfrm>
+            <a:off x="4800600" y="3127248"/>
+            <a:ext cx="5669280" cy="438912"/>
+          </a:xfrm>
+          <a:prstGeom prst="line">
+            <a:avLst/>
+          </a:prstGeom>
+          <a:ln w="19050">
+            <a:solidFill>
+              <a:srgbClr val="404040"/>
+            </a:solidFill>
+          </a:ln>
+        </p:spPr>
+        <p:style>
+          <a:lnRef idx="2">
+            <a:schemeClr val="accent1"/>
+          </a:lnRef>
+          <a:fillRef idx="0">
+            <a:schemeClr val="accent1"/>
+          </a:fillRef>
+          <a:effectRef idx="1">
+            <a:schemeClr val="accent1"/>
+          </a:effectRef>
+          <a:fontRef idx="minor">
+            <a:schemeClr val="tx1"/>
+          </a:fontRef>
+        </p:style>
+      </p:cxnSp>
+      <p:cxnSp>
+        <p:nvCxnSpPr>
+          <p:cNvPr id="36" name="Connector 35"/>
+          <p:cNvCxnSpPr/>
+          <p:nvPr/>
+        </p:nvCxnSpPr>
+        <p:spPr>
+          <a:xfrm>
+            <a:off x="7863840" y="4297679"/>
+            <a:ext cx="2606040" cy="365761"/>
+          </a:xfrm>
+          <a:prstGeom prst="line">
+            <a:avLst/>
+          </a:prstGeom>
+          <a:ln w="25400">
+            <a:solidFill>
+              <a:srgbClr val="404040"/>
+            </a:solidFill>
+          </a:ln>
+        </p:spPr>
+        <p:style>
+          <a:lnRef idx="2">
+            <a:schemeClr val="accent1"/>
+          </a:lnRef>
+          <a:fillRef idx="0">
+            <a:schemeClr val="accent1"/>
+          </a:fillRef>
+          <a:effectRef idx="1">
+            <a:schemeClr val="accent1"/>
+          </a:effectRef>
+          <a:fontRef idx="minor">
+            <a:schemeClr val="tx1"/>
+          </a:fontRef>
+        </p:style>
+      </p:cxnSp>
+      <p:cxnSp>
+        <p:nvCxnSpPr>
+          <p:cNvPr id="37" name="Connector 36"/>
+          <p:cNvCxnSpPr/>
+          <p:nvPr/>
+        </p:nvCxnSpPr>
+        <p:spPr>
+          <a:xfrm>
+            <a:off x="7863840" y="2834639"/>
+            <a:ext cx="2606040" cy="1828801"/>
+          </a:xfrm>
+          <a:prstGeom prst="line">
+            <a:avLst/>
+          </a:prstGeom>
+          <a:ln w="19050">
+            <a:solidFill>
+              <a:srgbClr val="404040"/>
+            </a:solidFill>
+          </a:ln>
+        </p:spPr>
+        <p:style>
+          <a:lnRef idx="2">
+            <a:schemeClr val="accent1"/>
+          </a:lnRef>
+          <a:fillRef idx="0">
+            <a:schemeClr val="accent1"/>
+          </a:fillRef>
+          <a:effectRef idx="1">
+            <a:schemeClr val="accent1"/>
+          </a:effectRef>
+          <a:fontRef idx="minor">
+            <a:schemeClr val="tx1"/>
+          </a:fontRef>
+        </p:style>
+      </p:cxnSp>
+      <p:sp>
+        <p:nvSpPr>
+          <p:cNvPr id="38" name="Rounded Rectangle 37"/>
           <p:cNvSpPr/>
           <p:nvPr/>
         </p:nvSpPr>
         <p:spPr>
           <a:xfrm>
-            <a:off x="10515600" y="3657600"/>
-            <a:ext cx="1188720" cy="731520"/>
-          </a:xfrm>
-          <a:prstGeom prst="parallelogram">
+            <a:off x="9601200" y="5943600"/>
+            <a:ext cx="2103120" cy="640080"/>
+          </a:xfrm>
+          <a:prstGeom prst="roundRect">
             <a:avLst/>
           </a:prstGeom>
           <a:solidFill>
             <a:srgbClr val="FFFFFF"/>
           </a:solidFill>
-          <a:ln w="19050">
+          <a:ln w="6350">
             <a:solidFill>
-              <a:srgbClr val="808080"/>
+              <a:srgbClr val="C0C0C0"/>
             </a:solidFill>
           </a:ln>
         </p:spPr>
@@ -5654,11 +4736,37 @@
           </a:fontRef>
         </p:style>
         <p:txBody>
-          <a:bodyPr rtlCol="0" anchor="ctr" wrap="square" bIns="63500" tIns="63500"/>
-          <a:lstStyle/>
-          <a:p>
-            <a:pPr algn="ctr">
-              <a:defRPr sz="1000" b="0">
+          <a:bodyPr rtlCol="0" anchor="ctr"/>
+          <a:lstStyle/>
+          <a:p>
+            <a:pPr algn="ctr"/>
+          </a:p>
+        </p:txBody>
+      </p:sp>
+      <p:sp>
+        <p:nvSpPr>
+          <p:cNvPr id="39" name="TextBox 38"/>
+          <p:cNvSpPr txBox="1"/>
+          <p:nvPr/>
+        </p:nvSpPr>
+        <p:spPr>
+          <a:xfrm>
+            <a:off x="9692640" y="5989320"/>
+            <a:ext cx="1920240" cy="548640"/>
+          </a:xfrm>
+          <a:prstGeom prst="rect">
+            <a:avLst/>
+          </a:prstGeom>
+          <a:noFill/>
+        </p:spPr>
+        <p:txBody>
+          <a:bodyPr wrap="none">
+            <a:spAutoFit/>
+          </a:bodyPr>
+          <a:lstStyle/>
+          <a:p>
+            <a:pPr>
+              <a:defRPr sz="900">
                 <a:solidFill>
                   <a:srgbClr val="404040"/>
                 </a:solidFill>
@@ -5666,12 +4774,12 @@
               </a:defRPr>
             </a:pPr>
             <a:r>
-              <a:t>Reports</a:t>
-            </a:r>
-          </a:p>
-          <a:p>
-            <a:pPr algn="ctr">
-              <a:defRPr sz="1000" b="0">
+              <a:t>Legend</a:t>
+            </a:r>
+          </a:p>
+          <a:p>
+            <a:pPr>
+              <a:defRPr sz="900">
                 <a:solidFill>
                   <a:srgbClr val="404040"/>
                 </a:solidFill>
@@ -5679,80 +4787,12 @@
               </a:defRPr>
             </a:pPr>
             <a:r>
-              <a:t>(.txt, .pptx)</a:t>
-            </a:r>
-          </a:p>
-        </p:txBody>
-      </p:sp>
-      <p:sp>
-        <p:nvSpPr>
-          <p:cNvPr id="49" name="Can 48"/>
-          <p:cNvSpPr/>
-          <p:nvPr/>
-        </p:nvSpPr>
-        <p:spPr>
-          <a:xfrm>
-            <a:off x="9144000" y="5669280"/>
-            <a:ext cx="228600" cy="182880"/>
-          </a:xfrm>
-          <a:prstGeom prst="can">
-            <a:avLst/>
-          </a:prstGeom>
-          <a:solidFill>
-            <a:srgbClr val="FFFFFF"/>
-          </a:solidFill>
-          <a:ln>
-            <a:solidFill>
-              <a:srgbClr val="808080"/>
-            </a:solidFill>
-          </a:ln>
-        </p:spPr>
-        <p:style>
-          <a:lnRef idx="1">
-            <a:schemeClr val="accent1"/>
-          </a:lnRef>
-          <a:fillRef idx="3">
-            <a:schemeClr val="accent1"/>
-          </a:fillRef>
-          <a:effectRef idx="2">
-            <a:schemeClr val="accent1"/>
-          </a:effectRef>
-          <a:fontRef idx="minor">
-            <a:schemeClr val="lt1"/>
-          </a:fontRef>
-        </p:style>
-        <p:txBody>
-          <a:bodyPr rtlCol="0" anchor="ctr"/>
-          <a:lstStyle/>
-          <a:p>
-            <a:pPr algn="ctr"/>
-          </a:p>
-        </p:txBody>
-      </p:sp>
-      <p:sp>
-        <p:nvSpPr>
-          <p:cNvPr id="50" name="TextBox 49"/>
-          <p:cNvSpPr txBox="1"/>
-          <p:nvPr/>
-        </p:nvSpPr>
-        <p:spPr>
-          <a:xfrm>
-            <a:off x="9418320" y="5669280"/>
-            <a:ext cx="914400" cy="182880"/>
-          </a:xfrm>
-          <a:prstGeom prst="rect">
-            <a:avLst/>
-          </a:prstGeom>
-          <a:noFill/>
-        </p:spPr>
-        <p:txBody>
-          <a:bodyPr wrap="none">
-            <a:spAutoFit/>
-          </a:bodyPr>
-          <a:lstStyle/>
+              <a:t>━━ Verified  ┄┄ Inferred</a:t>
+            </a:r>
+          </a:p>
           <a:p>
             <a:pPr>
-              <a:defRPr sz="700">
+              <a:defRPr sz="900">
                 <a:solidFill>
                   <a:srgbClr val="404040"/>
                 </a:solidFill>
@@ -5760,250 +4800,7 @@
               </a:defRPr>
             </a:pPr>
             <a:r>
-              <a:t>Datastore</a:t>
-            </a:r>
-          </a:p>
-        </p:txBody>
-      </p:sp>
-      <p:sp>
-        <p:nvSpPr>
-          <p:cNvPr id="51" name="Rectangle 50"/>
-          <p:cNvSpPr/>
-          <p:nvPr/>
-        </p:nvSpPr>
-        <p:spPr>
-          <a:xfrm>
-            <a:off x="10515600" y="5669280"/>
-            <a:ext cx="228600" cy="182880"/>
-          </a:xfrm>
-          <a:prstGeom prst="rect">
-            <a:avLst/>
-          </a:prstGeom>
-          <a:solidFill>
-            <a:srgbClr val="FFFFFF"/>
-          </a:solidFill>
-          <a:ln>
-            <a:solidFill>
-              <a:srgbClr val="808080"/>
-            </a:solidFill>
-          </a:ln>
-        </p:spPr>
-        <p:style>
-          <a:lnRef idx="1">
-            <a:schemeClr val="accent1"/>
-          </a:lnRef>
-          <a:fillRef idx="3">
-            <a:schemeClr val="accent1"/>
-          </a:fillRef>
-          <a:effectRef idx="2">
-            <a:schemeClr val="accent1"/>
-          </a:effectRef>
-          <a:fontRef idx="minor">
-            <a:schemeClr val="lt1"/>
-          </a:fontRef>
-        </p:style>
-        <p:txBody>
-          <a:bodyPr rtlCol="0" anchor="ctr"/>
-          <a:lstStyle/>
-          <a:p>
-            <a:pPr algn="ctr"/>
-          </a:p>
-        </p:txBody>
-      </p:sp>
-      <p:sp>
-        <p:nvSpPr>
-          <p:cNvPr id="52" name="TextBox 51"/>
-          <p:cNvSpPr txBox="1"/>
-          <p:nvPr/>
-        </p:nvSpPr>
-        <p:spPr>
-          <a:xfrm>
-            <a:off x="10789920" y="5669280"/>
-            <a:ext cx="914400" cy="182880"/>
-          </a:xfrm>
-          <a:prstGeom prst="rect">
-            <a:avLst/>
-          </a:prstGeom>
-          <a:noFill/>
-        </p:spPr>
-        <p:txBody>
-          <a:bodyPr wrap="none">
-            <a:spAutoFit/>
-          </a:bodyPr>
-          <a:lstStyle/>
-          <a:p>
-            <a:pPr>
-              <a:defRPr sz="700">
-                <a:solidFill>
-                  <a:srgbClr val="404040"/>
-                </a:solidFill>
-                <a:latin typeface="Calibri"/>
-              </a:defRPr>
-            </a:pPr>
-            <a:r>
-              <a:t>Service/Module</a:t>
-            </a:r>
-          </a:p>
-        </p:txBody>
-      </p:sp>
-      <p:sp>
-        <p:nvSpPr>
-          <p:cNvPr id="53" name="Hexagon 52"/>
-          <p:cNvSpPr/>
-          <p:nvPr/>
-        </p:nvSpPr>
-        <p:spPr>
-          <a:xfrm>
-            <a:off x="9144000" y="5989320"/>
-            <a:ext cx="228600" cy="182880"/>
-          </a:xfrm>
-          <a:prstGeom prst="hexagon">
-            <a:avLst/>
-          </a:prstGeom>
-          <a:solidFill>
-            <a:srgbClr val="FFFFFF"/>
-          </a:solidFill>
-          <a:ln>
-            <a:solidFill>
-              <a:srgbClr val="808080"/>
-            </a:solidFill>
-          </a:ln>
-        </p:spPr>
-        <p:style>
-          <a:lnRef idx="1">
-            <a:schemeClr val="accent1"/>
-          </a:lnRef>
-          <a:fillRef idx="3">
-            <a:schemeClr val="accent1"/>
-          </a:fillRef>
-          <a:effectRef idx="2">
-            <a:schemeClr val="accent1"/>
-          </a:effectRef>
-          <a:fontRef idx="minor">
-            <a:schemeClr val="lt1"/>
-          </a:fontRef>
-        </p:style>
-        <p:txBody>
-          <a:bodyPr rtlCol="0" anchor="ctr"/>
-          <a:lstStyle/>
-          <a:p>
-            <a:pPr algn="ctr"/>
-          </a:p>
-        </p:txBody>
-      </p:sp>
-      <p:sp>
-        <p:nvSpPr>
-          <p:cNvPr id="54" name="TextBox 53"/>
-          <p:cNvSpPr txBox="1"/>
-          <p:nvPr/>
-        </p:nvSpPr>
-        <p:spPr>
-          <a:xfrm>
-            <a:off x="9418320" y="5989320"/>
-            <a:ext cx="914400" cy="182880"/>
-          </a:xfrm>
-          <a:prstGeom prst="rect">
-            <a:avLst/>
-          </a:prstGeom>
-          <a:noFill/>
-        </p:spPr>
-        <p:txBody>
-          <a:bodyPr wrap="none">
-            <a:spAutoFit/>
-          </a:bodyPr>
-          <a:lstStyle/>
-          <a:p>
-            <a:pPr>
-              <a:defRPr sz="700">
-                <a:solidFill>
-                  <a:srgbClr val="404040"/>
-                </a:solidFill>
-                <a:latin typeface="Calibri"/>
-              </a:defRPr>
-            </a:pPr>
-            <a:r>
-              <a:t>External System</a:t>
-            </a:r>
-          </a:p>
-        </p:txBody>
-      </p:sp>
-      <p:sp>
-        <p:nvSpPr>
-          <p:cNvPr id="55" name="Parallelogram 54"/>
-          <p:cNvSpPr/>
-          <p:nvPr/>
-        </p:nvSpPr>
-        <p:spPr>
-          <a:xfrm>
-            <a:off x="10515600" y="5989320"/>
-            <a:ext cx="228600" cy="182880"/>
-          </a:xfrm>
-          <a:prstGeom prst="parallelogram">
-            <a:avLst/>
-          </a:prstGeom>
-          <a:solidFill>
-            <a:srgbClr val="FFFFFF"/>
-          </a:solidFill>
-          <a:ln>
-            <a:solidFill>
-              <a:srgbClr val="808080"/>
-            </a:solidFill>
-          </a:ln>
-        </p:spPr>
-        <p:style>
-          <a:lnRef idx="1">
-            <a:schemeClr val="accent1"/>
-          </a:lnRef>
-          <a:fillRef idx="3">
-            <a:schemeClr val="accent1"/>
-          </a:fillRef>
-          <a:effectRef idx="2">
-            <a:schemeClr val="accent1"/>
-          </a:effectRef>
-          <a:fontRef idx="minor">
-            <a:schemeClr val="lt1"/>
-          </a:fontRef>
-        </p:style>
-        <p:txBody>
-          <a:bodyPr rtlCol="0" anchor="ctr"/>
-          <a:lstStyle/>
-          <a:p>
-            <a:pPr algn="ctr"/>
-          </a:p>
-        </p:txBody>
-      </p:sp>
-      <p:sp>
-        <p:nvSpPr>
-          <p:cNvPr id="56" name="TextBox 55"/>
-          <p:cNvSpPr txBox="1"/>
-          <p:nvPr/>
-        </p:nvSpPr>
-        <p:spPr>
-          <a:xfrm>
-            <a:off x="10789920" y="5989320"/>
-            <a:ext cx="914400" cy="182880"/>
-          </a:xfrm>
-          <a:prstGeom prst="rect">
-            <a:avLst/>
-          </a:prstGeom>
-          <a:noFill/>
-        </p:spPr>
-        <p:txBody>
-          <a:bodyPr wrap="none">
-            <a:spAutoFit/>
-          </a:bodyPr>
-          <a:lstStyle/>
-          <a:p>
-            <a:pPr>
-              <a:defRPr sz="700">
-                <a:solidFill>
-                  <a:srgbClr val="404040"/>
-                </a:solidFill>
-                <a:latin typeface="Calibri"/>
-              </a:defRPr>
-            </a:pPr>
-            <a:r>
-              <a:t>I/O Artifact</a:t>
+              <a:t>▭ Module  ⬢ External  ▱ Output</a:t>
             </a:r>
           </a:p>
         </p:txBody>
@@ -6334,324 +5131,4 @@
   </a:objectDefaults>
   <a:extraClrSchemeLst/>
 </a:theme>
-</file>
-
-<file path=ppt/theme/theme2.xml><?xml version="1.0" encoding="utf-8"?>
-<a:theme xmlns:a="http://schemas.openxmlformats.org/drawingml/2006/main" name="Office Theme">
-  <a:themeElements>
-    <a:clrScheme name="Office">
-      <a:dk1>
-        <a:sysClr val="windowText" lastClr="000000"/>
-      </a:dk1>
-      <a:lt1>
-        <a:sysClr val="window" lastClr="FFFFFF"/>
-      </a:lt1>
-      <a:dk2>
-        <a:srgbClr val="1F497D"/>
-      </a:dk2>
-      <a:lt2>
-        <a:srgbClr val="EEECE1"/>
-      </a:lt2>
-      <a:accent1>
-        <a:srgbClr val="4F81BD"/>
-      </a:accent1>
-      <a:accent2>
-        <a:srgbClr val="C0504D"/>
-      </a:accent2>
-      <a:accent3>
-        <a:srgbClr val="9BBB59"/>
-      </a:accent3>
-      <a:accent4>
-        <a:srgbClr val="8064A2"/>
-      </a:accent4>
-      <a:accent5>
-        <a:srgbClr val="4BACC6"/>
-      </a:accent5>
-      <a:accent6>
-        <a:srgbClr val="F79646"/>
-      </a:accent6>
-      <a:hlink>
-        <a:srgbClr val="0000FF"/>
-      </a:hlink>
-      <a:folHlink>
-        <a:srgbClr val="800080"/>
-      </a:folHlink>
-    </a:clrScheme>
-    <a:fontScheme name="Office">
-      <a:majorFont>
-        <a:latin typeface="Calibri"/>
-        <a:ea typeface=""/>
-        <a:cs typeface=""/>
-        <a:font script="Jpan" typeface="ＭＳ Ｐゴシック"/>
-        <a:font script="Hang" typeface="맑은 고딕"/>
-        <a:font script="Hans" typeface="宋体"/>
-        <a:font script="Hant" typeface="新細明體"/>
-        <a:font script="Arab" typeface="Times New Roman"/>
-        <a:font script="Hebr" typeface="Times New Roman"/>
-        <a:font script="Thai" typeface="Angsana New"/>
-        <a:font script="Ethi" typeface="Nyala"/>
-        <a:font script="Beng" typeface="Vrinda"/>
-        <a:font script="Gujr" typeface="Shruti"/>
-        <a:font script="Khmr" typeface="MoolBoran"/>
-        <a:font script="Knda" typeface="Tunga"/>
-        <a:font script="Guru" typeface="Raavi"/>
-        <a:font script="Cans" typeface="Euphemia"/>
-        <a:font script="Cher" typeface="Plantagenet Cherokee"/>
-        <a:font script="Yiii" typeface="Microsoft Yi Baiti"/>
-        <a:font script="Tibt" typeface="Microsoft Himalaya"/>
-        <a:font script="Thaa" typeface="MV Boli"/>
-        <a:font script="Deva" typeface="Mangal"/>
-        <a:font script="Telu" typeface="Gautami"/>
-        <a:font script="Taml" typeface="Latha"/>
-        <a:font script="Syrc" typeface="Estrangelo Edessa"/>
-        <a:font script="Orya" typeface="Kalinga"/>
-        <a:font script="Mlym" typeface="Kartika"/>
-        <a:font script="Laoo" typeface="DokChampa"/>
-        <a:font script="Sinh" typeface="Iskoola Pota"/>
-        <a:font script="Mong" typeface="Mongolian Baiti"/>
-        <a:font script="Viet" typeface="Times New Roman"/>
-        <a:font script="Uigh" typeface="Microsoft Uighur"/>
-        <a:font script="Geor" typeface="Sylfaen"/>
-      </a:majorFont>
-      <a:minorFont>
-        <a:latin typeface="Calibri"/>
-        <a:ea typeface=""/>
-        <a:cs typeface=""/>
-        <a:font script="Jpan" typeface="ＭＳ Ｐゴシック"/>
-        <a:font script="Hang" typeface="맑은 고딕"/>
-        <a:font script="Hans" typeface="宋体"/>
-        <a:font script="Hant" typeface="新細明體"/>
-        <a:font script="Arab" typeface="Arial"/>
-        <a:font script="Hebr" typeface="Arial"/>
-        <a:font script="Thai" typeface="Cordia New"/>
-        <a:font script="Ethi" typeface="Nyala"/>
-        <a:font script="Beng" typeface="Vrinda"/>
-        <a:font script="Gujr" typeface="Shruti"/>
-        <a:font script="Khmr" typeface="DaunPenh"/>
-        <a:font script="Knda" typeface="Tunga"/>
-        <a:font script="Guru" typeface="Raavi"/>
-        <a:font script="Cans" typeface="Euphemia"/>
-        <a:font script="Cher" typeface="Plantagenet Cherokee"/>
-        <a:font script="Yiii" typeface="Microsoft Yi Baiti"/>
-        <a:font script="Tibt" typeface="Microsoft Himalaya"/>
-        <a:font script="Thaa" typeface="MV Boli"/>
-        <a:font script="Deva" typeface="Mangal"/>
-        <a:font script="Telu" typeface="Gautami"/>
-        <a:font script="Taml" typeface="Latha"/>
-        <a:font script="Syrc" typeface="Estrangelo Edessa"/>
-        <a:font script="Orya" typeface="Kalinga"/>
-        <a:font script="Mlym" typeface="Kartika"/>
-        <a:font script="Laoo" typeface="DokChampa"/>
-        <a:font script="Sinh" typeface="Iskoola Pota"/>
-        <a:font script="Mong" typeface="Mongolian Baiti"/>
-        <a:font script="Viet" typeface="Arial"/>
-        <a:font script="Uigh" typeface="Microsoft Uighur"/>
-        <a:font script="Geor" typeface="Sylfaen"/>
-      </a:minorFont>
-    </a:fontScheme>
-    <a:fmtScheme name="Office">
-      <a:fillStyleLst>
-        <a:solidFill>
-          <a:schemeClr val="phClr"/>
-        </a:solidFill>
-        <a:gradFill rotWithShape="1">
-          <a:gsLst>
-            <a:gs pos="0">
-              <a:schemeClr val="phClr">
-                <a:tint val="50000"/>
-                <a:satMod val="300000"/>
-              </a:schemeClr>
-            </a:gs>
-            <a:gs pos="35000">
-              <a:schemeClr val="phClr">
-                <a:tint val="37000"/>
-                <a:satMod val="300000"/>
-              </a:schemeClr>
-            </a:gs>
-            <a:gs pos="100000">
-              <a:schemeClr val="phClr">
-                <a:tint val="15000"/>
-                <a:satMod val="350000"/>
-              </a:schemeClr>
-            </a:gs>
-          </a:gsLst>
-          <a:lin ang="16200000" scaled="1"/>
-        </a:gradFill>
-        <a:gradFill rotWithShape="1">
-          <a:gsLst>
-            <a:gs pos="0">
-              <a:schemeClr val="phClr">
-                <a:tint val="100000"/>
-                <a:shade val="100000"/>
-                <a:satMod val="130000"/>
-              </a:schemeClr>
-            </a:gs>
-            <a:gs pos="100000">
-              <a:schemeClr val="phClr">
-                <a:tint val="50000"/>
-                <a:shade val="100000"/>
-                <a:satMod val="350000"/>
-              </a:schemeClr>
-            </a:gs>
-          </a:gsLst>
-          <a:lin ang="16200000" scaled="0"/>
-        </a:gradFill>
-      </a:fillStyleLst>
-      <a:lnStyleLst>
-        <a:ln w="9525" cap="flat" cmpd="sng" algn="ctr">
-          <a:solidFill>
-            <a:schemeClr val="phClr">
-              <a:shade val="95000"/>
-              <a:satMod val="105000"/>
-            </a:schemeClr>
-          </a:solidFill>
-          <a:prstDash val="solid"/>
-        </a:ln>
-        <a:ln w="25400" cap="flat" cmpd="sng" algn="ctr">
-          <a:solidFill>
-            <a:schemeClr val="phClr"/>
-          </a:solidFill>
-          <a:prstDash val="solid"/>
-        </a:ln>
-        <a:ln w="38100" cap="flat" cmpd="sng" algn="ctr">
-          <a:solidFill>
-            <a:schemeClr val="phClr"/>
-          </a:solidFill>
-          <a:prstDash val="solid"/>
-        </a:ln>
-      </a:lnStyleLst>
-      <a:effectStyleLst>
-        <a:effectStyle>
-          <a:effectLst>
-            <a:outerShdw blurRad="40000" dist="20000" dir="5400000" rotWithShape="0">
-              <a:srgbClr val="000000">
-                <a:alpha val="38000"/>
-              </a:srgbClr>
-            </a:outerShdw>
-          </a:effectLst>
-        </a:effectStyle>
-        <a:effectStyle>
-          <a:effectLst>
-            <a:outerShdw blurRad="40000" dist="23000" dir="5400000" rotWithShape="0">
-              <a:srgbClr val="000000">
-                <a:alpha val="35000"/>
-              </a:srgbClr>
-            </a:outerShdw>
-          </a:effectLst>
-        </a:effectStyle>
-        <a:effectStyle>
-          <a:effectLst>
-            <a:outerShdw blurRad="40000" dist="23000" dir="5400000" rotWithShape="0">
-              <a:srgbClr val="000000">
-                <a:alpha val="35000"/>
-              </a:srgbClr>
-            </a:outerShdw>
-          </a:effectLst>
-          <a:scene3d>
-            <a:camera prst="orthographicFront">
-              <a:rot lat="0" lon="0" rev="0"/>
-            </a:camera>
-            <a:lightRig rig="threePt" dir="t">
-              <a:rot lat="0" lon="0" rev="1200000"/>
-            </a:lightRig>
-          </a:scene3d>
-          <a:sp3d>
-            <a:bevelT w="63500" h="25400"/>
-          </a:sp3d>
-        </a:effectStyle>
-      </a:effectStyleLst>
-      <a:bgFillStyleLst>
-        <a:solidFill>
-          <a:schemeClr val="phClr"/>
-        </a:solidFill>
-        <a:gradFill rotWithShape="1">
-          <a:gsLst>
-            <a:gs pos="0">
-              <a:schemeClr val="phClr">
-                <a:tint val="40000"/>
-                <a:satMod val="350000"/>
-              </a:schemeClr>
-            </a:gs>
-            <a:gs pos="40000">
-              <a:schemeClr val="phClr">
-                <a:tint val="45000"/>
-                <a:shade val="99000"/>
-                <a:satMod val="350000"/>
-              </a:schemeClr>
-            </a:gs>
-            <a:gs pos="100000">
-              <a:schemeClr val="phClr">
-                <a:shade val="20000"/>
-                <a:satMod val="255000"/>
-              </a:schemeClr>
-            </a:gs>
-          </a:gsLst>
-          <a:path path="circle">
-            <a:fillToRect l="50000" t="-80000" r="50000" b="180000"/>
-          </a:path>
-        </a:gradFill>
-        <a:gradFill rotWithShape="1">
-          <a:gsLst>
-            <a:gs pos="0">
-              <a:schemeClr val="phClr">
-                <a:tint val="80000"/>
-                <a:satMod val="300000"/>
-              </a:schemeClr>
-            </a:gs>
-            <a:gs pos="100000">
-              <a:schemeClr val="phClr">
-                <a:shade val="30000"/>
-                <a:satMod val="200000"/>
-              </a:schemeClr>
-            </a:gs>
-          </a:gsLst>
-          <a:path path="circle">
-            <a:fillToRect l="50000" t="50000" r="50000" b="50000"/>
-          </a:path>
-        </a:gradFill>
-      </a:bgFillStyleLst>
-    </a:fmtScheme>
-  </a:themeElements>
-  <a:objectDefaults>
-    <a:spDef>
-      <a:spPr/>
-      <a:bodyPr/>
-      <a:lstStyle/>
-      <a:style>
-        <a:lnRef idx="1">
-          <a:schemeClr val="accent1"/>
-        </a:lnRef>
-        <a:fillRef idx="3">
-          <a:schemeClr val="accent1"/>
-        </a:fillRef>
-        <a:effectRef idx="2">
-          <a:schemeClr val="accent1"/>
-        </a:effectRef>
-        <a:fontRef idx="minor">
-          <a:schemeClr val="lt1"/>
-        </a:fontRef>
-      </a:style>
-    </a:spDef>
-    <a:lnDef>
-      <a:spPr/>
-      <a:bodyPr/>
-      <a:lstStyle/>
-      <a:style>
-        <a:lnRef idx="2">
-          <a:schemeClr val="accent1"/>
-        </a:lnRef>
-        <a:fillRef idx="0">
-          <a:schemeClr val="accent1"/>
-        </a:fillRef>
-        <a:effectRef idx="1">
-          <a:schemeClr val="accent1"/>
-        </a:effectRef>
-        <a:fontRef idx="minor">
-          <a:schemeClr val="tx1"/>
-        </a:fontRef>
-      </a:style>
-    </a:lnDef>
-  </a:objectDefaults>
-  <a:extraClrSchemeLst/>
-</a:theme>
 </file>
--- a/architecture_overview.pptx
+++ b/architecture_overview.pptx
@@ -3097,7 +3097,7 @@
         <p:spPr>
           <a:xfrm>
             <a:off x="457200" y="274320"/>
-            <a:ext cx="11247120" cy="548640"/>
+            <a:ext cx="10972800" cy="548640"/>
           </a:xfrm>
           <a:prstGeom prst="rect">
             <a:avLst/>
@@ -3110,16 +3110,15 @@
           </a:bodyPr>
           <a:lstStyle/>
           <a:p>
-            <a:pPr algn="ctr">
-              <a:defRPr sz="3600" b="1">
-                <a:solidFill>
-                  <a:srgbClr val="404040"/>
-                </a:solidFill>
-                <a:latin typeface="Calibri"/>
-              </a:defRPr>
-            </a:pPr>
-            <a:r>
-              <a:t>Agentic Insights: System Architecture</a:t>
+            <a:pPr>
+              <a:defRPr sz="2400" b="1">
+                <a:solidFill>
+                  <a:srgbClr val="002060"/>
+                </a:solidFill>
+              </a:defRPr>
+            </a:pPr>
+            <a:r>
+              <a:t>Kosmos AI Scientist: Autonomous Data-Driven Discovery Platform</a:t>
             </a:r>
           </a:p>
         </p:txBody>
@@ -3132,8 +3131,8 @@
         </p:nvSpPr>
         <p:spPr>
           <a:xfrm>
-            <a:off x="457200" y="822960"/>
-            <a:ext cx="11247120" cy="274320"/>
+            <a:off x="457200" y="777240"/>
+            <a:ext cx="10972800" cy="365760"/>
           </a:xfrm>
           <a:prstGeom prst="rect">
             <a:avLst/>
@@ -3146,16 +3145,15 @@
           </a:bodyPr>
           <a:lstStyle/>
           <a:p>
-            <a:pPr algn="ctr">
-              <a:defRPr sz="1600">
-                <a:solidFill>
-                  <a:srgbClr val="808080"/>
-                </a:solidFill>
-                <a:latin typeface="Calibri"/>
-              </a:defRPr>
-            </a:pPr>
-            <a:r>
-              <a:t>AI-powered autonomous discovery with statistical rigor and LLM synthesis</a:t>
+            <a:pPr>
+              <a:defRPr sz="1200">
+                <a:solidFill>
+                  <a:srgbClr val="404040"/>
+                </a:solidFill>
+              </a:defRPr>
+            </a:pPr>
+            <a:r>
+              <a:t>Transforms customer data into statistically-validated business insights through automated discovery cycles</a:t>
             </a:r>
           </a:p>
         </p:txBody>
@@ -3168,8 +3166,8 @@
         </p:nvSpPr>
         <p:spPr>
           <a:xfrm>
-            <a:off x="731520" y="1371600"/>
-            <a:ext cx="2286000" cy="4389120"/>
+            <a:off x="365760" y="1188720"/>
+            <a:ext cx="1737360" cy="4389120"/>
           </a:xfrm>
           <a:prstGeom prst="rect">
             <a:avLst/>
@@ -3177,9 +3175,9 @@
           <a:solidFill>
             <a:srgbClr val="F5F5F5"/>
           </a:solidFill>
-          <a:ln w="6350">
+          <a:ln w="12700">
             <a:solidFill>
-              <a:srgbClr val="C0C0C0"/>
+              <a:srgbClr val="D9D9D9"/>
             </a:solidFill>
           </a:ln>
         </p:spPr>
@@ -3213,8 +3211,8 @@
         </p:nvSpPr>
         <p:spPr>
           <a:xfrm>
-            <a:off x="731520" y="1188720"/>
-            <a:ext cx="2286000" cy="228600"/>
+            <a:off x="457200" y="1234440"/>
+            <a:ext cx="1554480" cy="228600"/>
           </a:xfrm>
           <a:prstGeom prst="rect">
             <a:avLst/>
@@ -3227,16 +3225,15 @@
           </a:bodyPr>
           <a:lstStyle/>
           <a:p>
-            <a:pPr algn="ctr">
-              <a:defRPr sz="1200" b="1">
-                <a:solidFill>
-                  <a:srgbClr val="808080"/>
-                </a:solidFill>
-                <a:latin typeface="Calibri"/>
-              </a:defRPr>
-            </a:pPr>
-            <a:r>
-              <a:t>Sources</a:t>
+            <a:pPr>
+              <a:defRPr sz="800" b="1">
+                <a:solidFill>
+                  <a:srgbClr val="002060"/>
+                </a:solidFill>
+              </a:defRPr>
+            </a:pPr>
+            <a:r>
+              <a:t>DATA SOURCES</a:t>
             </a:r>
           </a:p>
         </p:txBody>
@@ -3249,8 +3246,8 @@
         </p:nvSpPr>
         <p:spPr>
           <a:xfrm>
-            <a:off x="3200400" y="1371600"/>
-            <a:ext cx="3200400" cy="4389120"/>
+            <a:off x="2194560" y="1188720"/>
+            <a:ext cx="1828800" cy="4389120"/>
           </a:xfrm>
           <a:prstGeom prst="rect">
             <a:avLst/>
@@ -3258,9 +3255,9 @@
           <a:solidFill>
             <a:srgbClr val="F5F5F5"/>
           </a:solidFill>
-          <a:ln w="6350">
+          <a:ln w="12700">
             <a:solidFill>
-              <a:srgbClr val="C0C0C0"/>
+              <a:srgbClr val="D9D9D9"/>
             </a:solidFill>
           </a:ln>
         </p:spPr>
@@ -3294,8 +3291,8 @@
         </p:nvSpPr>
         <p:spPr>
           <a:xfrm>
-            <a:off x="3200400" y="1188720"/>
-            <a:ext cx="3200400" cy="228600"/>
+            <a:off x="2286000" y="1234440"/>
+            <a:ext cx="1645920" cy="228600"/>
           </a:xfrm>
           <a:prstGeom prst="rect">
             <a:avLst/>
@@ -3308,16 +3305,15 @@
           </a:bodyPr>
           <a:lstStyle/>
           <a:p>
-            <a:pPr algn="ctr">
-              <a:defRPr sz="1200" b="1">
-                <a:solidFill>
-                  <a:srgbClr val="808080"/>
-                </a:solidFill>
-                <a:latin typeface="Calibri"/>
-              </a:defRPr>
-            </a:pPr>
-            <a:r>
-              <a:t>Processing</a:t>
+            <a:pPr>
+              <a:defRPr sz="800" b="1">
+                <a:solidFill>
+                  <a:srgbClr val="002060"/>
+                </a:solidFill>
+              </a:defRPr>
+            </a:pPr>
+            <a:r>
+              <a:t>INGESTION</a:t>
             </a:r>
           </a:p>
         </p:txBody>
@@ -3330,8 +3326,8 @@
         </p:nvSpPr>
         <p:spPr>
           <a:xfrm>
-            <a:off x="6583680" y="1371600"/>
-            <a:ext cx="2560320" cy="4389120"/>
+            <a:off x="4206240" y="1188720"/>
+            <a:ext cx="3291840" cy="4389120"/>
           </a:xfrm>
           <a:prstGeom prst="rect">
             <a:avLst/>
@@ -3339,9 +3335,9 @@
           <a:solidFill>
             <a:srgbClr val="F5F5F5"/>
           </a:solidFill>
-          <a:ln w="6350">
+          <a:ln w="12700">
             <a:solidFill>
-              <a:srgbClr val="C0C0C0"/>
+              <a:srgbClr val="D9D9D9"/>
             </a:solidFill>
           </a:ln>
         </p:spPr>
@@ -3375,8 +3371,8 @@
         </p:nvSpPr>
         <p:spPr>
           <a:xfrm>
-            <a:off x="6583680" y="1188720"/>
-            <a:ext cx="2560320" cy="228600"/>
+            <a:off x="4297679" y="1234440"/>
+            <a:ext cx="3108960" cy="228600"/>
           </a:xfrm>
           <a:prstGeom prst="rect">
             <a:avLst/>
@@ -3389,16 +3385,15 @@
           </a:bodyPr>
           <a:lstStyle/>
           <a:p>
-            <a:pPr algn="ctr">
-              <a:defRPr sz="1200" b="1">
-                <a:solidFill>
-                  <a:srgbClr val="808080"/>
-                </a:solidFill>
-                <a:latin typeface="Calibri"/>
-              </a:defRPr>
-            </a:pPr>
-            <a:r>
-              <a:t>Storage</a:t>
+            <a:pPr>
+              <a:defRPr sz="800" b="1">
+                <a:solidFill>
+                  <a:srgbClr val="002060"/>
+                </a:solidFill>
+              </a:defRPr>
+            </a:pPr>
+            <a:r>
+              <a:t>CORE PROCESSING</a:t>
             </a:r>
           </a:p>
         </p:txBody>
@@ -3411,8 +3406,8 @@
         </p:nvSpPr>
         <p:spPr>
           <a:xfrm>
-            <a:off x="9326880" y="1371600"/>
-            <a:ext cx="2286000" cy="4389120"/>
+            <a:off x="7589520" y="1188720"/>
+            <a:ext cx="2011680" cy="4389120"/>
           </a:xfrm>
           <a:prstGeom prst="rect">
             <a:avLst/>
@@ -3420,9 +3415,9 @@
           <a:solidFill>
             <a:srgbClr val="F5F5F5"/>
           </a:solidFill>
-          <a:ln w="6350">
+          <a:ln w="12700">
             <a:solidFill>
-              <a:srgbClr val="C0C0C0"/>
+              <a:srgbClr val="D9D9D9"/>
             </a:solidFill>
           </a:ln>
         </p:spPr>
@@ -3456,8 +3451,8 @@
         </p:nvSpPr>
         <p:spPr>
           <a:xfrm>
-            <a:off x="9326880" y="1188720"/>
-            <a:ext cx="2286000" cy="228600"/>
+            <a:off x="7680960" y="1234440"/>
+            <a:ext cx="1828800" cy="228600"/>
           </a:xfrm>
           <a:prstGeom prst="rect">
             <a:avLst/>
@@ -3470,40 +3465,39 @@
           </a:bodyPr>
           <a:lstStyle/>
           <a:p>
-            <a:pPr algn="ctr">
-              <a:defRPr sz="1200" b="1">
-                <a:solidFill>
-                  <a:srgbClr val="808080"/>
-                </a:solidFill>
-                <a:latin typeface="Calibri"/>
-              </a:defRPr>
-            </a:pPr>
-            <a:r>
-              <a:t>Outputs</a:t>
-            </a:r>
-          </a:p>
-        </p:txBody>
-      </p:sp>
-      <p:sp>
-        <p:nvSpPr>
-          <p:cNvPr id="12" name="Can 11"/>
+            <a:pPr>
+              <a:defRPr sz="800" b="1">
+                <a:solidFill>
+                  <a:srgbClr val="002060"/>
+                </a:solidFill>
+              </a:defRPr>
+            </a:pPr>
+            <a:r>
+              <a:t>STORAGE</a:t>
+            </a:r>
+          </a:p>
+        </p:txBody>
+      </p:sp>
+      <p:sp>
+        <p:nvSpPr>
+          <p:cNvPr id="12" name="Rectangle 11"/>
           <p:cNvSpPr/>
           <p:nvPr/>
         </p:nvSpPr>
         <p:spPr>
           <a:xfrm>
-            <a:off x="1508760" y="2103120"/>
-            <a:ext cx="731520" cy="731520"/>
-          </a:xfrm>
-          <a:prstGeom prst="can">
+            <a:off x="9692640" y="1188720"/>
+            <a:ext cx="2011680" cy="4389120"/>
+          </a:xfrm>
+          <a:prstGeom prst="rect">
             <a:avLst/>
           </a:prstGeom>
           <a:solidFill>
-            <a:srgbClr val="FFFFFF"/>
+            <a:srgbClr val="F5F5F5"/>
           </a:solidFill>
-          <a:ln w="25400">
+          <a:ln w="12700">
             <a:solidFill>
-              <a:srgbClr val="0070C0"/>
+              <a:srgbClr val="D9D9D9"/>
             </a:solidFill>
           </a:ln>
         </p:spPr>
@@ -3522,48 +3516,68 @@
           </a:fontRef>
         </p:style>
         <p:txBody>
-          <a:bodyPr rtlCol="0" anchor="ctr" wrap="square"/>
-          <a:lstStyle/>
-          <a:p>
-            <a:pPr algn="ctr">
-              <a:defRPr sz="1100">
-                <a:solidFill>
-                  <a:srgbClr val="404040"/>
-                </a:solidFill>
-                <a:latin typeface="Calibri"/>
-              </a:defRPr>
-            </a:pPr>
-            <a:r>
-              <a:t>Customer</a:t>
-            </a:r>
-          </a:p>
-          <a:p>
-            <a:r>
-              <a:t>Data CSV</a:t>
-            </a:r>
-          </a:p>
-        </p:txBody>
-      </p:sp>
-      <p:sp>
-        <p:nvSpPr>
-          <p:cNvPr id="13" name="Can 12"/>
+          <a:bodyPr rtlCol="0" anchor="ctr"/>
+          <a:lstStyle/>
+          <a:p>
+            <a:pPr algn="ctr"/>
+          </a:p>
+        </p:txBody>
+      </p:sp>
+      <p:sp>
+        <p:nvSpPr>
+          <p:cNvPr id="13" name="TextBox 12"/>
+          <p:cNvSpPr txBox="1"/>
+          <p:nvPr/>
+        </p:nvSpPr>
+        <p:spPr>
+          <a:xfrm>
+            <a:off x="9784080" y="1234440"/>
+            <a:ext cx="1828800" cy="228600"/>
+          </a:xfrm>
+          <a:prstGeom prst="rect">
+            <a:avLst/>
+          </a:prstGeom>
+          <a:noFill/>
+        </p:spPr>
+        <p:txBody>
+          <a:bodyPr wrap="none">
+            <a:spAutoFit/>
+          </a:bodyPr>
+          <a:lstStyle/>
+          <a:p>
+            <a:pPr>
+              <a:defRPr sz="800" b="1">
+                <a:solidFill>
+                  <a:srgbClr val="002060"/>
+                </a:solidFill>
+              </a:defRPr>
+            </a:pPr>
+            <a:r>
+              <a:t>OUTPUTS</a:t>
+            </a:r>
+          </a:p>
+        </p:txBody>
+      </p:sp>
+      <p:sp>
+        <p:nvSpPr>
+          <p:cNvPr id="14" name="Data 13"/>
           <p:cNvSpPr/>
           <p:nvPr/>
         </p:nvSpPr>
         <p:spPr>
           <a:xfrm>
-            <a:off x="1508760" y="3200400"/>
-            <a:ext cx="731520" cy="731520"/>
-          </a:xfrm>
-          <a:prstGeom prst="can">
+            <a:off x="457200" y="1645920"/>
+            <a:ext cx="1554480" cy="640080"/>
+          </a:xfrm>
+          <a:prstGeom prst="flowChartInputOutput">
             <a:avLst/>
           </a:prstGeom>
           <a:solidFill>
-            <a:srgbClr val="FFFFFF"/>
+            <a:srgbClr val="E6F0FF"/>
           </a:solidFill>
-          <a:ln w="25400">
+          <a:ln w="19050">
             <a:solidFill>
-              <a:srgbClr val="0070C0"/>
+              <a:srgbClr val="404040"/>
             </a:solidFill>
           </a:ln>
         </p:spPr>
@@ -3586,44 +3600,62 @@
           <a:lstStyle/>
           <a:p>
             <a:pPr algn="ctr">
-              <a:defRPr sz="1100">
+              <a:defRPr sz="900" b="1">
                 <a:solidFill>
                   <a:srgbClr val="404040"/>
                 </a:solidFill>
-                <a:latin typeface="Calibri"/>
-              </a:defRPr>
-            </a:pPr>
-            <a:r>
-              <a:t>Literature</a:t>
-            </a:r>
-          </a:p>
-          <a:p>
-            <a:r>
-              <a:t>Index</a:t>
-            </a:r>
-          </a:p>
-        </p:txBody>
-      </p:sp>
-      <p:sp>
-        <p:nvSpPr>
-          <p:cNvPr id="14" name="Hexagon 13"/>
+              </a:defRPr>
+            </a:pPr>
+            <a:r>
+              <a:t>CSV Files</a:t>
+            </a:r>
+          </a:p>
+          <a:p>
+            <a:pPr algn="ctr">
+              <a:defRPr sz="900" b="1">
+                <a:solidFill>
+                  <a:srgbClr val="404040"/>
+                </a:solidFill>
+              </a:defRPr>
+            </a:pPr>
+            <a:r>
+              <a:t>customers.csv</a:t>
+            </a:r>
+          </a:p>
+          <a:p>
+            <a:pPr algn="ctr">
+              <a:defRPr sz="900" b="1">
+                <a:solidFill>
+                  <a:srgbClr val="404040"/>
+                </a:solidFill>
+              </a:defRPr>
+            </a:pPr>
+            <a:r>
+              <a:t>competitor_data.csv</a:t>
+            </a:r>
+          </a:p>
+        </p:txBody>
+      </p:sp>
+      <p:sp>
+        <p:nvSpPr>
+          <p:cNvPr id="15" name="Data 14"/>
           <p:cNvSpPr/>
           <p:nvPr/>
         </p:nvSpPr>
         <p:spPr>
           <a:xfrm>
-            <a:off x="1508760" y="4297679"/>
-            <a:ext cx="731520" cy="731520"/>
-          </a:xfrm>
-          <a:prstGeom prst="hexagon">
+            <a:off x="457200" y="2743200"/>
+            <a:ext cx="1554480" cy="640080"/>
+          </a:xfrm>
+          <a:prstGeom prst="flowChartInputOutput">
             <a:avLst/>
           </a:prstGeom>
           <a:solidFill>
-            <a:srgbClr val="FFFACD"/>
+            <a:srgbClr val="E6F0FF"/>
           </a:solidFill>
-          <a:ln w="25400">
+          <a:ln w="19050">
             <a:solidFill>
-              <a:srgbClr val="0070C0"/>
+              <a:srgbClr val="404040"/>
             </a:solidFill>
           </a:ln>
         </p:spPr>
@@ -3646,44 +3678,62 @@
           <a:lstStyle/>
           <a:p>
             <a:pPr algn="ctr">
-              <a:defRPr sz="1100">
+              <a:defRPr sz="900" b="1">
                 <a:solidFill>
                   <a:srgbClr val="404040"/>
                 </a:solidFill>
-                <a:latin typeface="Calibri"/>
-              </a:defRPr>
-            </a:pPr>
-            <a:r>
-              <a:t>OpenAI</a:t>
-            </a:r>
-          </a:p>
-          <a:p>
-            <a:r>
-              <a:t>API</a:t>
-            </a:r>
-          </a:p>
-        </p:txBody>
-      </p:sp>
-      <p:sp>
-        <p:nvSpPr>
-          <p:cNvPr id="15" name="Rectangle 14"/>
+              </a:defRPr>
+            </a:pPr>
+            <a:r>
+              <a:t>Literature KB</a:t>
+            </a:r>
+          </a:p>
+          <a:p>
+            <a:pPr algn="ctr">
+              <a:defRPr sz="900" b="1">
+                <a:solidFill>
+                  <a:srgbClr val="404040"/>
+                </a:solidFill>
+              </a:defRPr>
+            </a:pPr>
+            <a:r>
+              <a:t>knowledge/</a:t>
+            </a:r>
+          </a:p>
+          <a:p>
+            <a:pPr algn="ctr">
+              <a:defRPr sz="900" b="1">
+                <a:solidFill>
+                  <a:srgbClr val="404040"/>
+                </a:solidFill>
+              </a:defRPr>
+            </a:pPr>
+            <a:r>
+              <a:t>literature/</a:t>
+            </a:r>
+          </a:p>
+        </p:txBody>
+      </p:sp>
+      <p:sp>
+        <p:nvSpPr>
+          <p:cNvPr id="16" name="Hexagon 15"/>
           <p:cNvSpPr/>
           <p:nvPr/>
         </p:nvSpPr>
         <p:spPr>
           <a:xfrm>
-            <a:off x="4434840" y="1883664"/>
-            <a:ext cx="731520" cy="731520"/>
-          </a:xfrm>
-          <a:prstGeom prst="rect">
+            <a:off x="457200" y="3840480"/>
+            <a:ext cx="1554480" cy="640080"/>
+          </a:xfrm>
+          <a:prstGeom prst="hexagon">
             <a:avLst/>
           </a:prstGeom>
           <a:solidFill>
-            <a:srgbClr val="FFFFFF"/>
+            <a:srgbClr val="FFF5E6"/>
           </a:solidFill>
-          <a:ln w="25400">
+          <a:ln w="19050">
             <a:solidFill>
-              <a:srgbClr val="0070C0"/>
+              <a:srgbClr val="404040"/>
             </a:solidFill>
           </a:ln>
         </p:spPr>
@@ -3706,44 +3756,62 @@
           <a:lstStyle/>
           <a:p>
             <a:pPr algn="ctr">
-              <a:defRPr sz="1100">
+              <a:defRPr sz="900" b="1">
                 <a:solidFill>
                   <a:srgbClr val="404040"/>
                 </a:solidFill>
-                <a:latin typeface="Calibri"/>
-              </a:defRPr>
-            </a:pPr>
-            <a:r>
-              <a:t>Streamlit</a:t>
-            </a:r>
-          </a:p>
-          <a:p>
-            <a:r>
-              <a:t>UI</a:t>
-            </a:r>
-          </a:p>
-        </p:txBody>
-      </p:sp>
-      <p:sp>
-        <p:nvSpPr>
-          <p:cNvPr id="16" name="Rectangle 15"/>
+              </a:defRPr>
+            </a:pPr>
+            <a:r>
+              <a:t>OpenAI API</a:t>
+            </a:r>
+          </a:p>
+          <a:p>
+            <a:pPr algn="ctr">
+              <a:defRPr sz="900" b="1">
+                <a:solidFill>
+                  <a:srgbClr val="404040"/>
+                </a:solidFill>
+              </a:defRPr>
+            </a:pPr>
+            <a:r>
+              <a:t>GPT-3.5/4</a:t>
+            </a:r>
+          </a:p>
+          <a:p>
+            <a:pPr algn="ctr">
+              <a:defRPr sz="900" b="1">
+                <a:solidFill>
+                  <a:srgbClr val="404040"/>
+                </a:solidFill>
+              </a:defRPr>
+            </a:pPr>
+            <a:r>
+              <a:t>(Optional)</a:t>
+            </a:r>
+          </a:p>
+        </p:txBody>
+      </p:sp>
+      <p:sp>
+        <p:nvSpPr>
+          <p:cNvPr id="17" name="Rounded Rectangle 16"/>
           <p:cNvSpPr/>
           <p:nvPr/>
         </p:nvSpPr>
         <p:spPr>
           <a:xfrm>
-            <a:off x="4434840" y="2761488"/>
-            <a:ext cx="731520" cy="731520"/>
-          </a:xfrm>
-          <a:prstGeom prst="rect">
+            <a:off x="2286000" y="1645920"/>
+            <a:ext cx="1554480" cy="1097280"/>
+          </a:xfrm>
+          <a:prstGeom prst="roundRect">
             <a:avLst/>
           </a:prstGeom>
           <a:solidFill>
-            <a:srgbClr val="FFFFFF"/>
+            <a:srgbClr val="DCE6F0"/>
           </a:solidFill>
-          <a:ln w="25400">
+          <a:ln w="19050">
             <a:solidFill>
-              <a:srgbClr val="0070C0"/>
+              <a:srgbClr val="404040"/>
             </a:solidFill>
           </a:ln>
         </p:spPr>
@@ -3766,44 +3834,83 @@
           <a:lstStyle/>
           <a:p>
             <a:pPr algn="ctr">
-              <a:defRPr sz="1100">
+              <a:defRPr sz="900" b="1">
                 <a:solidFill>
                   <a:srgbClr val="404040"/>
                 </a:solidFill>
-                <a:latin typeface="Calibri"/>
-              </a:defRPr>
-            </a:pPr>
-            <a:r>
-              <a:t>Data</a:t>
-            </a:r>
-          </a:p>
-          <a:p>
-            <a:r>
-              <a:t>Analyst</a:t>
-            </a:r>
-          </a:p>
-        </p:txBody>
-      </p:sp>
-      <p:sp>
-        <p:nvSpPr>
-          <p:cNvPr id="17" name="Rectangle 16"/>
+              </a:defRPr>
+            </a:pPr>
+            <a:r>
+              <a:t>Data Ingestion</a:t>
+            </a:r>
+          </a:p>
+          <a:p>
+            <a:pPr algn="ctr">
+              <a:defRPr sz="900" b="1">
+                <a:solidFill>
+                  <a:srgbClr val="404040"/>
+                </a:solidFill>
+              </a:defRPr>
+            </a:pPr>
+            <a:r>
+              <a:t>&amp; Preprocessing</a:t>
+            </a:r>
+          </a:p>
+          <a:p>
+            <a:pPr algn="ctr">
+              <a:defRPr sz="900" b="1">
+                <a:solidFill>
+                  <a:srgbClr val="404040"/>
+                </a:solidFill>
+              </a:defRPr>
+            </a:pPr>
+          </a:p>
+          <a:p>
+            <a:pPr algn="ctr">
+              <a:defRPr sz="900" b="1">
+                <a:solidFill>
+                  <a:srgbClr val="404040"/>
+                </a:solidFill>
+              </a:defRPr>
+            </a:pPr>
+            <a:r>
+              <a:t>Merge + Clean</a:t>
+            </a:r>
+          </a:p>
+          <a:p>
+            <a:pPr algn="ctr">
+              <a:defRPr sz="900" b="1">
+                <a:solidFill>
+                  <a:srgbClr val="404040"/>
+                </a:solidFill>
+              </a:defRPr>
+            </a:pPr>
+            <a:r>
+              <a:t>Impute + Engineer</a:t>
+            </a:r>
+          </a:p>
+        </p:txBody>
+      </p:sp>
+      <p:sp>
+        <p:nvSpPr>
+          <p:cNvPr id="18" name="Rounded Rectangle 17"/>
           <p:cNvSpPr/>
           <p:nvPr/>
         </p:nvSpPr>
         <p:spPr>
           <a:xfrm>
-            <a:off x="4434840" y="3639312"/>
-            <a:ext cx="731520" cy="731520"/>
-          </a:xfrm>
-          <a:prstGeom prst="rect">
+            <a:off x="4389120" y="1463040"/>
+            <a:ext cx="1371600" cy="822960"/>
+          </a:xfrm>
+          <a:prstGeom prst="roundRect">
             <a:avLst/>
           </a:prstGeom>
           <a:solidFill>
-            <a:srgbClr val="FFFFFF"/>
+            <a:srgbClr val="007BFF"/>
           </a:solidFill>
-          <a:ln w="25400">
+          <a:ln w="19050">
             <a:solidFill>
-              <a:srgbClr val="0070C0"/>
+              <a:srgbClr val="007BFF"/>
             </a:solidFill>
           </a:ln>
         </p:spPr>
@@ -3826,44 +3933,83 @@
           <a:lstStyle/>
           <a:p>
             <a:pPr algn="ctr">
-              <a:defRPr sz="1100">
-                <a:solidFill>
-                  <a:srgbClr val="404040"/>
-                </a:solidFill>
-                <a:latin typeface="Calibri"/>
-              </a:defRPr>
-            </a:pPr>
-            <a:r>
-              <a:t>Literature</a:t>
-            </a:r>
-          </a:p>
-          <a:p>
-            <a:r>
-              <a:t>Searcher</a:t>
-            </a:r>
-          </a:p>
-        </p:txBody>
-      </p:sp>
-      <p:sp>
-        <p:nvSpPr>
-          <p:cNvPr id="18" name="Rectangle 17"/>
+              <a:defRPr sz="900" b="1">
+                <a:solidFill>
+                  <a:srgbClr val="FFFFFF"/>
+                </a:solidFill>
+              </a:defRPr>
+            </a:pPr>
+            <a:r>
+              <a:t>Discovery Cycle</a:t>
+            </a:r>
+          </a:p>
+          <a:p>
+            <a:pPr algn="ctr">
+              <a:defRPr sz="900" b="1">
+                <a:solidFill>
+                  <a:srgbClr val="FFFFFF"/>
+                </a:solidFill>
+              </a:defRPr>
+            </a:pPr>
+            <a:r>
+              <a:t>Engine</a:t>
+            </a:r>
+          </a:p>
+          <a:p>
+            <a:pPr algn="ctr">
+              <a:defRPr sz="900" b="1">
+                <a:solidFill>
+                  <a:srgbClr val="FFFFFF"/>
+                </a:solidFill>
+              </a:defRPr>
+            </a:pPr>
+          </a:p>
+          <a:p>
+            <a:pPr algn="ctr">
+              <a:defRPr sz="900" b="1">
+                <a:solidFill>
+                  <a:srgbClr val="FFFFFF"/>
+                </a:solidFill>
+              </a:defRPr>
+            </a:pPr>
+            <a:r>
+              <a:t>Orchestrates</a:t>
+            </a:r>
+          </a:p>
+          <a:p>
+            <a:pPr algn="ctr">
+              <a:defRPr sz="900" b="1">
+                <a:solidFill>
+                  <a:srgbClr val="FFFFFF"/>
+                </a:solidFill>
+              </a:defRPr>
+            </a:pPr>
+            <a:r>
+              <a:t>Q-&gt;A-&gt;S</a:t>
+            </a:r>
+          </a:p>
+        </p:txBody>
+      </p:sp>
+      <p:sp>
+        <p:nvSpPr>
+          <p:cNvPr id="19" name="Rounded Rectangle 18"/>
           <p:cNvSpPr/>
           <p:nvPr/>
         </p:nvSpPr>
         <p:spPr>
           <a:xfrm>
-            <a:off x="4434840" y="4517136"/>
-            <a:ext cx="731520" cy="731520"/>
-          </a:xfrm>
-          <a:prstGeom prst="rect">
+            <a:off x="6217920" y="1463040"/>
+            <a:ext cx="1371600" cy="822960"/>
+          </a:xfrm>
+          <a:prstGeom prst="roundRect">
             <a:avLst/>
           </a:prstGeom>
           <a:solidFill>
-            <a:srgbClr val="FFFFFF"/>
+            <a:srgbClr val="DCE6F0"/>
           </a:solidFill>
-          <a:ln w="25400">
+          <a:ln w="19050">
             <a:solidFill>
-              <a:srgbClr val="0070C0"/>
+              <a:srgbClr val="404040"/>
             </a:solidFill>
           </a:ln>
         </p:spPr>
@@ -3886,11 +4032,10 @@
           <a:lstStyle/>
           <a:p>
             <a:pPr algn="ctr">
-              <a:defRPr sz="1100">
+              <a:defRPr sz="900" b="1">
                 <a:solidFill>
                   <a:srgbClr val="404040"/>
                 </a:solidFill>
-                <a:latin typeface="Calibri"/>
               </a:defRPr>
             </a:pPr>
             <a:r>
@@ -3898,32 +4043,60 @@
             </a:r>
           </a:p>
           <a:p>
+            <a:pPr algn="ctr">
+              <a:defRPr sz="900" b="1">
+                <a:solidFill>
+                  <a:srgbClr val="404040"/>
+                </a:solidFill>
+              </a:defRPr>
+            </a:pPr>
             <a:r>
               <a:t>Analysis</a:t>
             </a:r>
           </a:p>
-        </p:txBody>
-      </p:sp>
-      <p:sp>
-        <p:nvSpPr>
-          <p:cNvPr id="19" name="Rectangle 18"/>
+          <a:p>
+            <a:pPr algn="ctr">
+              <a:defRPr sz="900" b="1">
+                <a:solidFill>
+                  <a:srgbClr val="404040"/>
+                </a:solidFill>
+              </a:defRPr>
+            </a:pPr>
+          </a:p>
+          <a:p>
+            <a:pPr algn="ctr">
+              <a:defRPr sz="900" b="1">
+                <a:solidFill>
+                  <a:srgbClr val="404040"/>
+                </a:solidFill>
+              </a:defRPr>
+            </a:pPr>
+            <a:r>
+              <a:t>scipy + numpy</a:t>
+            </a:r>
+          </a:p>
+        </p:txBody>
+      </p:sp>
+      <p:sp>
+        <p:nvSpPr>
+          <p:cNvPr id="20" name="Rounded Rectangle 19"/>
           <p:cNvSpPr/>
           <p:nvPr/>
         </p:nvSpPr>
         <p:spPr>
           <a:xfrm>
-            <a:off x="7498079" y="2468879"/>
-            <a:ext cx="731520" cy="731520"/>
-          </a:xfrm>
-          <a:prstGeom prst="rect">
+            <a:off x="4389120" y="2560320"/>
+            <a:ext cx="1371600" cy="731520"/>
+          </a:xfrm>
+          <a:prstGeom prst="roundRect">
             <a:avLst/>
           </a:prstGeom>
           <a:solidFill>
-            <a:srgbClr val="FFFFFF"/>
+            <a:srgbClr val="DCE6F0"/>
           </a:solidFill>
-          <a:ln w="25400">
+          <a:ln w="19050">
             <a:solidFill>
-              <a:srgbClr val="0070C0"/>
+              <a:srgbClr val="404040"/>
             </a:solidFill>
           </a:ln>
         </p:spPr>
@@ -3946,44 +4119,71 @@
           <a:lstStyle/>
           <a:p>
             <a:pPr algn="ctr">
-              <a:defRPr sz="1100">
+              <a:defRPr sz="900" b="1">
                 <a:solidFill>
                   <a:srgbClr val="404040"/>
                 </a:solidFill>
-                <a:latin typeface="Calibri"/>
-              </a:defRPr>
-            </a:pPr>
-            <a:r>
-              <a:t>World</a:t>
-            </a:r>
-          </a:p>
-          <a:p>
-            <a:r>
-              <a:t>Model</a:t>
-            </a:r>
-          </a:p>
-        </p:txBody>
-      </p:sp>
-      <p:sp>
-        <p:nvSpPr>
-          <p:cNvPr id="20" name="Can 19"/>
+              </a:defRPr>
+            </a:pPr>
+            <a:r>
+              <a:t>Literature</a:t>
+            </a:r>
+          </a:p>
+          <a:p>
+            <a:pPr algn="ctr">
+              <a:defRPr sz="900" b="1">
+                <a:solidFill>
+                  <a:srgbClr val="404040"/>
+                </a:solidFill>
+              </a:defRPr>
+            </a:pPr>
+            <a:r>
+              <a:t>Search Agent</a:t>
+            </a:r>
+          </a:p>
+          <a:p>
+            <a:pPr algn="ctr">
+              <a:defRPr sz="900" b="1">
+                <a:solidFill>
+                  <a:srgbClr val="404040"/>
+                </a:solidFill>
+              </a:defRPr>
+            </a:pPr>
+          </a:p>
+          <a:p>
+            <a:pPr algn="ctr">
+              <a:defRPr sz="900" b="1">
+                <a:solidFill>
+                  <a:srgbClr val="404040"/>
+                </a:solidFill>
+              </a:defRPr>
+            </a:pPr>
+            <a:r>
+              <a:t>LLM-powered</a:t>
+            </a:r>
+          </a:p>
+        </p:txBody>
+      </p:sp>
+      <p:sp>
+        <p:nvSpPr>
+          <p:cNvPr id="21" name="Rounded Rectangle 20"/>
           <p:cNvSpPr/>
           <p:nvPr/>
         </p:nvSpPr>
         <p:spPr>
           <a:xfrm>
-            <a:off x="7498079" y="3931919"/>
-            <a:ext cx="731520" cy="731520"/>
-          </a:xfrm>
-          <a:prstGeom prst="can">
+            <a:off x="6217920" y="2560320"/>
+            <a:ext cx="1371600" cy="731520"/>
+          </a:xfrm>
+          <a:prstGeom prst="roundRect">
             <a:avLst/>
           </a:prstGeom>
           <a:solidFill>
-            <a:srgbClr val="FFFFFF"/>
+            <a:srgbClr val="DCE6F0"/>
           </a:solidFill>
-          <a:ln w="25400">
+          <a:ln w="19050">
             <a:solidFill>
-              <a:srgbClr val="0070C0"/>
+              <a:srgbClr val="404040"/>
             </a:solidFill>
           </a:ln>
         </p:spPr>
@@ -4006,44 +4206,71 @@
           <a:lstStyle/>
           <a:p>
             <a:pPr algn="ctr">
-              <a:defRPr sz="1100">
+              <a:defRPr sz="900" b="1">
                 <a:solidFill>
                   <a:srgbClr val="404040"/>
                 </a:solidFill>
-                <a:latin typeface="Calibri"/>
-              </a:defRPr>
-            </a:pPr>
-            <a:r>
-              <a:t>Session</a:t>
-            </a:r>
-          </a:p>
-          <a:p>
-            <a:r>
-              <a:t>State</a:t>
-            </a:r>
-          </a:p>
-        </p:txBody>
-      </p:sp>
-      <p:sp>
-        <p:nvSpPr>
-          <p:cNvPr id="21" name="Parallelogram 20"/>
+              </a:defRPr>
+            </a:pPr>
+            <a:r>
+              <a:t>Discovery</a:t>
+            </a:r>
+          </a:p>
+          <a:p>
+            <a:pPr algn="ctr">
+              <a:defRPr sz="900" b="1">
+                <a:solidFill>
+                  <a:srgbClr val="404040"/>
+                </a:solidFill>
+              </a:defRPr>
+            </a:pPr>
+            <a:r>
+              <a:t>Synthesis</a:t>
+            </a:r>
+          </a:p>
+          <a:p>
+            <a:pPr algn="ctr">
+              <a:defRPr sz="900" b="1">
+                <a:solidFill>
+                  <a:srgbClr val="404040"/>
+                </a:solidFill>
+              </a:defRPr>
+            </a:pPr>
+          </a:p>
+          <a:p>
+            <a:pPr algn="ctr">
+              <a:defRPr sz="900" b="1">
+                <a:solidFill>
+                  <a:srgbClr val="404040"/>
+                </a:solidFill>
+              </a:defRPr>
+            </a:pPr>
+            <a:r>
+              <a:t>LLM insights</a:t>
+            </a:r>
+          </a:p>
+        </p:txBody>
+      </p:sp>
+      <p:sp>
+        <p:nvSpPr>
+          <p:cNvPr id="22" name="Rounded Rectangle 21"/>
           <p:cNvSpPr/>
           <p:nvPr/>
         </p:nvSpPr>
         <p:spPr>
           <a:xfrm>
-            <a:off x="10104119" y="2103120"/>
-            <a:ext cx="731520" cy="731520"/>
-          </a:xfrm>
-          <a:prstGeom prst="parallelogram">
+            <a:off x="5303520" y="3566160"/>
+            <a:ext cx="1371600" cy="731520"/>
+          </a:xfrm>
+          <a:prstGeom prst="roundRect">
             <a:avLst/>
           </a:prstGeom>
           <a:solidFill>
-            <a:srgbClr val="E6F0FF"/>
+            <a:srgbClr val="DCE6F0"/>
           </a:solidFill>
-          <a:ln w="25400">
+          <a:ln w="19050">
             <a:solidFill>
-              <a:srgbClr val="0070C0"/>
+              <a:srgbClr val="404040"/>
             </a:solidFill>
           </a:ln>
         </p:spPr>
@@ -4066,44 +4293,71 @@
           <a:lstStyle/>
           <a:p>
             <a:pPr algn="ctr">
-              <a:defRPr sz="1100">
+              <a:defRPr sz="900" b="1">
                 <a:solidFill>
                   <a:srgbClr val="404040"/>
                 </a:solidFill>
-                <a:latin typeface="Calibri"/>
-              </a:defRPr>
-            </a:pPr>
-            <a:r>
-              <a:t>Enhanced</a:t>
-            </a:r>
-          </a:p>
-          <a:p>
+              </a:defRPr>
+            </a:pPr>
             <a:r>
               <a:t>Report</a:t>
             </a:r>
           </a:p>
-        </p:txBody>
-      </p:sp>
-      <p:sp>
-        <p:nvSpPr>
-          <p:cNvPr id="22" name="Parallelogram 21"/>
+          <a:p>
+            <a:pPr algn="ctr">
+              <a:defRPr sz="900" b="1">
+                <a:solidFill>
+                  <a:srgbClr val="404040"/>
+                </a:solidFill>
+              </a:defRPr>
+            </a:pPr>
+            <a:r>
+              <a:t>Generator</a:t>
+            </a:r>
+          </a:p>
+          <a:p>
+            <a:pPr algn="ctr">
+              <a:defRPr sz="900" b="1">
+                <a:solidFill>
+                  <a:srgbClr val="404040"/>
+                </a:solidFill>
+              </a:defRPr>
+            </a:pPr>
+          </a:p>
+          <a:p>
+            <a:pPr algn="ctr">
+              <a:defRPr sz="900" b="1">
+                <a:solidFill>
+                  <a:srgbClr val="404040"/>
+                </a:solidFill>
+              </a:defRPr>
+            </a:pPr>
+            <a:r>
+              <a:t>Extract stats</a:t>
+            </a:r>
+          </a:p>
+        </p:txBody>
+      </p:sp>
+      <p:sp>
+        <p:nvSpPr>
+          <p:cNvPr id="23" name="Data 22"/>
           <p:cNvSpPr/>
           <p:nvPr/>
         </p:nvSpPr>
         <p:spPr>
           <a:xfrm>
-            <a:off x="10104119" y="3200400"/>
-            <a:ext cx="731520" cy="731520"/>
-          </a:xfrm>
-          <a:prstGeom prst="parallelogram">
+            <a:off x="7772400" y="1828800"/>
+            <a:ext cx="1645920" cy="1371600"/>
+          </a:xfrm>
+          <a:prstGeom prst="flowChartInputOutput">
             <a:avLst/>
           </a:prstGeom>
           <a:solidFill>
-            <a:srgbClr val="E6F0FF"/>
+            <a:srgbClr val="FFFADC"/>
           </a:solidFill>
-          <a:ln w="25400">
+          <a:ln w="19050">
             <a:solidFill>
-              <a:srgbClr val="0070C0"/>
+              <a:srgbClr val="404040"/>
             </a:solidFill>
           </a:ln>
         </p:spPr>
@@ -4126,44 +4380,95 @@
           <a:lstStyle/>
           <a:p>
             <a:pPr algn="ctr">
-              <a:defRPr sz="1100">
+              <a:defRPr sz="900" b="1">
                 <a:solidFill>
                   <a:srgbClr val="404040"/>
                 </a:solidFill>
-                <a:latin typeface="Calibri"/>
-              </a:defRPr>
-            </a:pPr>
-            <a:r>
-              <a:t>Generated</a:t>
-            </a:r>
-          </a:p>
-          <a:p>
-            <a:r>
-              <a:t>Code</a:t>
-            </a:r>
-          </a:p>
-        </p:txBody>
-      </p:sp>
-      <p:sp>
-        <p:nvSpPr>
-          <p:cNvPr id="23" name="Parallelogram 22"/>
+              </a:defRPr>
+            </a:pPr>
+            <a:r>
+              <a:t>World Model</a:t>
+            </a:r>
+          </a:p>
+          <a:p>
+            <a:pPr algn="ctr">
+              <a:defRPr sz="900" b="1">
+                <a:solidFill>
+                  <a:srgbClr val="404040"/>
+                </a:solidFill>
+              </a:defRPr>
+            </a:pPr>
+            <a:r>
+              <a:t>(Knowledge State)</a:t>
+            </a:r>
+          </a:p>
+          <a:p>
+            <a:pPr algn="ctr">
+              <a:defRPr sz="900" b="1">
+                <a:solidFill>
+                  <a:srgbClr val="404040"/>
+                </a:solidFill>
+              </a:defRPr>
+            </a:pPr>
+          </a:p>
+          <a:p>
+            <a:pPr algn="ctr">
+              <a:defRPr sz="900" b="1">
+                <a:solidFill>
+                  <a:srgbClr val="404040"/>
+                </a:solidFill>
+              </a:defRPr>
+            </a:pPr>
+            <a:r>
+              <a:t>Discoveries</a:t>
+            </a:r>
+          </a:p>
+          <a:p>
+            <a:pPr algn="ctr">
+              <a:defRPr sz="900" b="1">
+                <a:solidFill>
+                  <a:srgbClr val="404040"/>
+                </a:solidFill>
+              </a:defRPr>
+            </a:pPr>
+            <a:r>
+              <a:t>Trajectories</a:t>
+            </a:r>
+          </a:p>
+          <a:p>
+            <a:pPr algn="ctr">
+              <a:defRPr sz="900" b="1">
+                <a:solidFill>
+                  <a:srgbClr val="404040"/>
+                </a:solidFill>
+              </a:defRPr>
+            </a:pPr>
+            <a:r>
+              <a:t>Hypotheses</a:t>
+            </a:r>
+          </a:p>
+        </p:txBody>
+      </p:sp>
+      <p:sp>
+        <p:nvSpPr>
+          <p:cNvPr id="24" name="Parallelogram 23"/>
           <p:cNvSpPr/>
           <p:nvPr/>
         </p:nvSpPr>
         <p:spPr>
           <a:xfrm>
-            <a:off x="10104119" y="4297679"/>
-            <a:ext cx="731520" cy="731520"/>
+            <a:off x="9875520" y="1463040"/>
+            <a:ext cx="1645920" cy="731520"/>
           </a:xfrm>
           <a:prstGeom prst="parallelogram">
             <a:avLst/>
           </a:prstGeom>
           <a:solidFill>
-            <a:srgbClr val="E6F0FF"/>
+            <a:srgbClr val="00B050"/>
           </a:solidFill>
-          <a:ln w="25400">
+          <a:ln w="19050">
             <a:solidFill>
-              <a:srgbClr val="0070C0"/>
+              <a:srgbClr val="00B050"/>
             </a:solidFill>
           </a:ln>
         </p:spPr>
@@ -4186,41 +4491,662 @@
           <a:lstStyle/>
           <a:p>
             <a:pPr algn="ctr">
-              <a:defRPr sz="1100">
-                <a:solidFill>
-                  <a:srgbClr val="404040"/>
-                </a:solidFill>
-                <a:latin typeface="Calibri"/>
+              <a:defRPr sz="900" b="1">
+                <a:solidFill>
+                  <a:srgbClr val="FFFFFF"/>
+                </a:solidFill>
+              </a:defRPr>
+            </a:pPr>
+            <a:r>
+              <a:t>Streamlit</a:t>
+            </a:r>
+          </a:p>
+          <a:p>
+            <a:pPr algn="ctr">
+              <a:defRPr sz="900" b="1">
+                <a:solidFill>
+                  <a:srgbClr val="FFFFFF"/>
+                </a:solidFill>
+              </a:defRPr>
+            </a:pPr>
+            <a:r>
+              <a:t>Web UI</a:t>
+            </a:r>
+          </a:p>
+          <a:p>
+            <a:pPr algn="ctr">
+              <a:defRPr sz="900" b="1">
+                <a:solidFill>
+                  <a:srgbClr val="FFFFFF"/>
+                </a:solidFill>
+              </a:defRPr>
+            </a:pPr>
+          </a:p>
+          <a:p>
+            <a:pPr algn="ctr">
+              <a:defRPr sz="900" b="1">
+                <a:solidFill>
+                  <a:srgbClr val="FFFFFF"/>
+                </a:solidFill>
               </a:defRPr>
             </a:pPr>
             <a:r>
               <a:t>Interactive</a:t>
             </a:r>
           </a:p>
-          <a:p>
-            <a:r>
-              <a:t>Dashboard</a:t>
+        </p:txBody>
+      </p:sp>
+      <p:sp>
+        <p:nvSpPr>
+          <p:cNvPr id="25" name="Parallelogram 24"/>
+          <p:cNvSpPr/>
+          <p:nvPr/>
+        </p:nvSpPr>
+        <p:spPr>
+          <a:xfrm>
+            <a:off x="9875520" y="2468880"/>
+            <a:ext cx="1645920" cy="731520"/>
+          </a:xfrm>
+          <a:prstGeom prst="parallelogram">
+            <a:avLst/>
+          </a:prstGeom>
+          <a:solidFill>
+            <a:srgbClr val="00B050"/>
+          </a:solidFill>
+          <a:ln w="19050">
+            <a:solidFill>
+              <a:srgbClr val="00B050"/>
+            </a:solidFill>
+          </a:ln>
+        </p:spPr>
+        <p:style>
+          <a:lnRef idx="1">
+            <a:schemeClr val="accent1"/>
+          </a:lnRef>
+          <a:fillRef idx="3">
+            <a:schemeClr val="accent1"/>
+          </a:fillRef>
+          <a:effectRef idx="2">
+            <a:schemeClr val="accent1"/>
+          </a:effectRef>
+          <a:fontRef idx="minor">
+            <a:schemeClr val="lt1"/>
+          </a:fontRef>
+        </p:style>
+        <p:txBody>
+          <a:bodyPr rtlCol="0" anchor="ctr" wrap="square"/>
+          <a:lstStyle/>
+          <a:p>
+            <a:pPr algn="ctr">
+              <a:defRPr sz="900" b="1">
+                <a:solidFill>
+                  <a:srgbClr val="FFFFFF"/>
+                </a:solidFill>
+              </a:defRPr>
+            </a:pPr>
+            <a:r>
+              <a:t>Discovery</a:t>
+            </a:r>
+          </a:p>
+          <a:p>
+            <a:pPr algn="ctr">
+              <a:defRPr sz="900" b="1">
+                <a:solidFill>
+                  <a:srgbClr val="FFFFFF"/>
+                </a:solidFill>
+              </a:defRPr>
+            </a:pPr>
+            <a:r>
+              <a:t>Reports</a:t>
+            </a:r>
+          </a:p>
+          <a:p>
+            <a:pPr algn="ctr">
+              <a:defRPr sz="900" b="1">
+                <a:solidFill>
+                  <a:srgbClr val="FFFFFF"/>
+                </a:solidFill>
+              </a:defRPr>
+            </a:pPr>
+          </a:p>
+          <a:p>
+            <a:pPr algn="ctr">
+              <a:defRPr sz="900" b="1">
+                <a:solidFill>
+                  <a:srgbClr val="FFFFFF"/>
+                </a:solidFill>
+              </a:defRPr>
+            </a:pPr>
+            <a:r>
+              <a:t>.txt files</a:t>
+            </a:r>
+          </a:p>
+        </p:txBody>
+      </p:sp>
+      <p:sp>
+        <p:nvSpPr>
+          <p:cNvPr id="26" name="Parallelogram 25"/>
+          <p:cNvSpPr/>
+          <p:nvPr/>
+        </p:nvSpPr>
+        <p:spPr>
+          <a:xfrm>
+            <a:off x="9875520" y="3474720"/>
+            <a:ext cx="1645920" cy="731520"/>
+          </a:xfrm>
+          <a:prstGeom prst="parallelogram">
+            <a:avLst/>
+          </a:prstGeom>
+          <a:solidFill>
+            <a:srgbClr val="00B050"/>
+          </a:solidFill>
+          <a:ln w="19050">
+            <a:solidFill>
+              <a:srgbClr val="00B050"/>
+            </a:solidFill>
+          </a:ln>
+        </p:spPr>
+        <p:style>
+          <a:lnRef idx="1">
+            <a:schemeClr val="accent1"/>
+          </a:lnRef>
+          <a:fillRef idx="3">
+            <a:schemeClr val="accent1"/>
+          </a:fillRef>
+          <a:effectRef idx="2">
+            <a:schemeClr val="accent1"/>
+          </a:effectRef>
+          <a:fontRef idx="minor">
+            <a:schemeClr val="lt1"/>
+          </a:fontRef>
+        </p:style>
+        <p:txBody>
+          <a:bodyPr rtlCol="0" anchor="ctr" wrap="square"/>
+          <a:lstStyle/>
+          <a:p>
+            <a:pPr algn="ctr">
+              <a:defRPr sz="900" b="1">
+                <a:solidFill>
+                  <a:srgbClr val="FFFFFF"/>
+                </a:solidFill>
+              </a:defRPr>
+            </a:pPr>
+            <a:r>
+              <a:t>World Model</a:t>
+            </a:r>
+          </a:p>
+          <a:p>
+            <a:pPr algn="ctr">
+              <a:defRPr sz="900" b="1">
+                <a:solidFill>
+                  <a:srgbClr val="FFFFFF"/>
+                </a:solidFill>
+              </a:defRPr>
+            </a:pPr>
+            <a:r>
+              <a:t>JSON</a:t>
+            </a:r>
+          </a:p>
+          <a:p>
+            <a:pPr algn="ctr">
+              <a:defRPr sz="900" b="1">
+                <a:solidFill>
+                  <a:srgbClr val="FFFFFF"/>
+                </a:solidFill>
+              </a:defRPr>
+            </a:pPr>
+          </a:p>
+          <a:p>
+            <a:pPr algn="ctr">
+              <a:defRPr sz="900" b="1">
+                <a:solidFill>
+                  <a:srgbClr val="FFFFFF"/>
+                </a:solidFill>
+              </a:defRPr>
+            </a:pPr>
+            <a:r>
+              <a:t>Persistent</a:t>
             </a:r>
           </a:p>
         </p:txBody>
       </p:sp>
       <p:cxnSp>
         <p:nvCxnSpPr>
-          <p:cNvPr id="24" name="Connector 23"/>
+          <p:cNvPr id="27" name="Connector 26"/>
           <p:cNvCxnSpPr/>
           <p:nvPr/>
         </p:nvCxnSpPr>
         <p:spPr>
-          <a:xfrm flipV="1">
-            <a:off x="1874519" y="2249424"/>
-            <a:ext cx="2926081" cy="219456"/>
+          <a:xfrm>
+            <a:off x="2011680" y="1965960"/>
+            <a:ext cx="274320" cy="228600"/>
           </a:xfrm>
           <a:prstGeom prst="line">
             <a:avLst/>
           </a:prstGeom>
           <a:ln w="25400">
             <a:solidFill>
-              <a:srgbClr val="404040"/>
+              <a:srgbClr val="808080"/>
+            </a:solidFill>
+          </a:ln>
+        </p:spPr>
+        <p:style>
+          <a:lnRef idx="2">
+            <a:schemeClr val="accent1"/>
+          </a:lnRef>
+          <a:fillRef idx="0">
+            <a:schemeClr val="accent1"/>
+          </a:fillRef>
+          <a:effectRef idx="1">
+            <a:schemeClr val="accent1"/>
+          </a:effectRef>
+          <a:fontRef idx="minor">
+            <a:schemeClr val="tx1"/>
+          </a:fontRef>
+        </p:style>
+      </p:cxnSp>
+      <p:sp>
+        <p:nvSpPr>
+          <p:cNvPr id="28" name="TextBox 27"/>
+          <p:cNvSpPr txBox="1"/>
+          <p:nvPr/>
+        </p:nvSpPr>
+        <p:spPr>
+          <a:xfrm>
+            <a:off x="1691640" y="1805939"/>
+            <a:ext cx="914400" cy="274320"/>
+          </a:xfrm>
+          <a:prstGeom prst="rect">
+            <a:avLst/>
+          </a:prstGeom>
+          <a:noFill/>
+        </p:spPr>
+        <p:txBody>
+          <a:bodyPr wrap="none">
+            <a:spAutoFit/>
+          </a:bodyPr>
+          <a:lstStyle/>
+          <a:p>
+            <a:pPr algn="ctr">
+              <a:defRPr sz="700">
+                <a:solidFill>
+                  <a:srgbClr val="007BFF"/>
+                </a:solidFill>
+              </a:defRPr>
+            </a:pPr>
+            <a:r>
+              <a:t>CSV</a:t>
+            </a:r>
+          </a:p>
+        </p:txBody>
+      </p:sp>
+      <p:cxnSp>
+        <p:nvCxnSpPr>
+          <p:cNvPr id="29" name="Connector 28"/>
+          <p:cNvCxnSpPr/>
+          <p:nvPr/>
+        </p:nvCxnSpPr>
+        <p:spPr>
+          <a:xfrm flipV="1">
+            <a:off x="3840480" y="1874519"/>
+            <a:ext cx="548640" cy="320041"/>
+          </a:xfrm>
+          <a:prstGeom prst="line">
+            <a:avLst/>
+          </a:prstGeom>
+          <a:ln w="25400">
+            <a:solidFill>
+              <a:srgbClr val="808080"/>
+            </a:solidFill>
+          </a:ln>
+        </p:spPr>
+        <p:style>
+          <a:lnRef idx="2">
+            <a:schemeClr val="accent1"/>
+          </a:lnRef>
+          <a:fillRef idx="0">
+            <a:schemeClr val="accent1"/>
+          </a:fillRef>
+          <a:effectRef idx="1">
+            <a:schemeClr val="accent1"/>
+          </a:effectRef>
+          <a:fontRef idx="minor">
+            <a:schemeClr val="tx1"/>
+          </a:fontRef>
+        </p:style>
+      </p:cxnSp>
+      <p:sp>
+        <p:nvSpPr>
+          <p:cNvPr id="30" name="TextBox 29"/>
+          <p:cNvSpPr txBox="1"/>
+          <p:nvPr/>
+        </p:nvSpPr>
+        <p:spPr>
+          <a:xfrm>
+            <a:off x="3657600" y="1760219"/>
+            <a:ext cx="914400" cy="274320"/>
+          </a:xfrm>
+          <a:prstGeom prst="rect">
+            <a:avLst/>
+          </a:prstGeom>
+          <a:noFill/>
+        </p:spPr>
+        <p:txBody>
+          <a:bodyPr wrap="none">
+            <a:spAutoFit/>
+          </a:bodyPr>
+          <a:lstStyle/>
+          <a:p>
+            <a:pPr algn="ctr">
+              <a:defRPr sz="700">
+                <a:solidFill>
+                  <a:srgbClr val="007BFF"/>
+                </a:solidFill>
+              </a:defRPr>
+            </a:pPr>
+            <a:r>
+              <a:t>DataFrame</a:t>
+            </a:r>
+          </a:p>
+        </p:txBody>
+      </p:sp>
+      <p:cxnSp>
+        <p:nvCxnSpPr>
+          <p:cNvPr id="31" name="Connector 30"/>
+          <p:cNvCxnSpPr/>
+          <p:nvPr/>
+        </p:nvCxnSpPr>
+        <p:spPr>
+          <a:xfrm>
+            <a:off x="5760720" y="1691640"/>
+            <a:ext cx="457200" cy="0"/>
+          </a:xfrm>
+          <a:prstGeom prst="line">
+            <a:avLst/>
+          </a:prstGeom>
+          <a:ln w="25400">
+            <a:solidFill>
+              <a:srgbClr val="808080"/>
+            </a:solidFill>
+          </a:ln>
+        </p:spPr>
+        <p:style>
+          <a:lnRef idx="2">
+            <a:schemeClr val="accent1"/>
+          </a:lnRef>
+          <a:fillRef idx="0">
+            <a:schemeClr val="accent1"/>
+          </a:fillRef>
+          <a:effectRef idx="1">
+            <a:schemeClr val="accent1"/>
+          </a:effectRef>
+          <a:fontRef idx="minor">
+            <a:schemeClr val="tx1"/>
+          </a:fontRef>
+        </p:style>
+      </p:cxnSp>
+      <p:sp>
+        <p:nvSpPr>
+          <p:cNvPr id="32" name="TextBox 31"/>
+          <p:cNvSpPr txBox="1"/>
+          <p:nvPr/>
+        </p:nvSpPr>
+        <p:spPr>
+          <a:xfrm>
+            <a:off x="5532120" y="1417320"/>
+            <a:ext cx="914400" cy="274320"/>
+          </a:xfrm>
+          <a:prstGeom prst="rect">
+            <a:avLst/>
+          </a:prstGeom>
+          <a:noFill/>
+        </p:spPr>
+        <p:txBody>
+          <a:bodyPr wrap="none">
+            <a:spAutoFit/>
+          </a:bodyPr>
+          <a:lstStyle/>
+          <a:p>
+            <a:pPr algn="ctr">
+              <a:defRPr sz="700">
+                <a:solidFill>
+                  <a:srgbClr val="007BFF"/>
+                </a:solidFill>
+              </a:defRPr>
+            </a:pPr>
+            <a:r>
+              <a:t>Q</a:t>
+            </a:r>
+          </a:p>
+        </p:txBody>
+      </p:sp>
+      <p:cxnSp>
+        <p:nvCxnSpPr>
+          <p:cNvPr id="33" name="Connector 32"/>
+          <p:cNvCxnSpPr/>
+          <p:nvPr/>
+        </p:nvCxnSpPr>
+        <p:spPr>
+          <a:xfrm flipH="1">
+            <a:off x="5760720" y="2057400"/>
+            <a:ext cx="457200" cy="0"/>
+          </a:xfrm>
+          <a:prstGeom prst="line">
+            <a:avLst/>
+          </a:prstGeom>
+          <a:ln w="25400">
+            <a:solidFill>
+              <a:srgbClr val="808080"/>
+            </a:solidFill>
+          </a:ln>
+        </p:spPr>
+        <p:style>
+          <a:lnRef idx="2">
+            <a:schemeClr val="accent1"/>
+          </a:lnRef>
+          <a:fillRef idx="0">
+            <a:schemeClr val="accent1"/>
+          </a:fillRef>
+          <a:effectRef idx="1">
+            <a:schemeClr val="accent1"/>
+          </a:effectRef>
+          <a:fontRef idx="minor">
+            <a:schemeClr val="tx1"/>
+          </a:fontRef>
+        </p:style>
+      </p:cxnSp>
+      <p:sp>
+        <p:nvSpPr>
+          <p:cNvPr id="34" name="TextBox 33"/>
+          <p:cNvSpPr txBox="1"/>
+          <p:nvPr/>
+        </p:nvSpPr>
+        <p:spPr>
+          <a:xfrm>
+            <a:off x="5532120" y="1783080"/>
+            <a:ext cx="914400" cy="274320"/>
+          </a:xfrm>
+          <a:prstGeom prst="rect">
+            <a:avLst/>
+          </a:prstGeom>
+          <a:noFill/>
+        </p:spPr>
+        <p:txBody>
+          <a:bodyPr wrap="none">
+            <a:spAutoFit/>
+          </a:bodyPr>
+          <a:lstStyle/>
+          <a:p>
+            <a:pPr algn="ctr">
+              <a:defRPr sz="700">
+                <a:solidFill>
+                  <a:srgbClr val="007BFF"/>
+                </a:solidFill>
+              </a:defRPr>
+            </a:pPr>
+            <a:r>
+              <a:t>Stats</a:t>
+            </a:r>
+          </a:p>
+        </p:txBody>
+      </p:sp>
+      <p:cxnSp>
+        <p:nvCxnSpPr>
+          <p:cNvPr id="35" name="Connector 34"/>
+          <p:cNvCxnSpPr/>
+          <p:nvPr/>
+        </p:nvCxnSpPr>
+        <p:spPr>
+          <a:xfrm>
+            <a:off x="5074920" y="2286000"/>
+            <a:ext cx="0" cy="274320"/>
+          </a:xfrm>
+          <a:prstGeom prst="line">
+            <a:avLst/>
+          </a:prstGeom>
+          <a:ln w="25400">
+            <a:solidFill>
+              <a:srgbClr val="808080"/>
+            </a:solidFill>
+          </a:ln>
+        </p:spPr>
+        <p:style>
+          <a:lnRef idx="2">
+            <a:schemeClr val="accent1"/>
+          </a:lnRef>
+          <a:fillRef idx="0">
+            <a:schemeClr val="accent1"/>
+          </a:fillRef>
+          <a:effectRef idx="1">
+            <a:schemeClr val="accent1"/>
+          </a:effectRef>
+          <a:fontRef idx="minor">
+            <a:schemeClr val="tx1"/>
+          </a:fontRef>
+        </p:style>
+      </p:cxnSp>
+      <p:sp>
+        <p:nvSpPr>
+          <p:cNvPr id="36" name="TextBox 35"/>
+          <p:cNvSpPr txBox="1"/>
+          <p:nvPr/>
+        </p:nvSpPr>
+        <p:spPr>
+          <a:xfrm>
+            <a:off x="4617720" y="2148840"/>
+            <a:ext cx="914400" cy="274320"/>
+          </a:xfrm>
+          <a:prstGeom prst="rect">
+            <a:avLst/>
+          </a:prstGeom>
+          <a:noFill/>
+        </p:spPr>
+        <p:txBody>
+          <a:bodyPr wrap="none">
+            <a:spAutoFit/>
+          </a:bodyPr>
+          <a:lstStyle/>
+          <a:p>
+            <a:pPr algn="ctr">
+              <a:defRPr sz="700">
+                <a:solidFill>
+                  <a:srgbClr val="007BFF"/>
+                </a:solidFill>
+              </a:defRPr>
+            </a:pPr>
+            <a:r>
+              <a:t>Query</a:t>
+            </a:r>
+          </a:p>
+        </p:txBody>
+      </p:sp>
+      <p:cxnSp>
+        <p:nvCxnSpPr>
+          <p:cNvPr id="37" name="Connector 36"/>
+          <p:cNvCxnSpPr/>
+          <p:nvPr/>
+        </p:nvCxnSpPr>
+        <p:spPr>
+          <a:xfrm flipV="1">
+            <a:off x="5486400" y="2286000"/>
+            <a:ext cx="0" cy="274320"/>
+          </a:xfrm>
+          <a:prstGeom prst="line">
+            <a:avLst/>
+          </a:prstGeom>
+          <a:ln w="25400">
+            <a:solidFill>
+              <a:srgbClr val="808080"/>
+            </a:solidFill>
+          </a:ln>
+        </p:spPr>
+        <p:style>
+          <a:lnRef idx="2">
+            <a:schemeClr val="accent1"/>
+          </a:lnRef>
+          <a:fillRef idx="0">
+            <a:schemeClr val="accent1"/>
+          </a:fillRef>
+          <a:effectRef idx="1">
+            <a:schemeClr val="accent1"/>
+          </a:effectRef>
+          <a:fontRef idx="minor">
+            <a:schemeClr val="tx1"/>
+          </a:fontRef>
+        </p:style>
+      </p:cxnSp>
+      <p:sp>
+        <p:nvSpPr>
+          <p:cNvPr id="38" name="TextBox 37"/>
+          <p:cNvSpPr txBox="1"/>
+          <p:nvPr/>
+        </p:nvSpPr>
+        <p:spPr>
+          <a:xfrm>
+            <a:off x="5029200" y="2148840"/>
+            <a:ext cx="914400" cy="274320"/>
+          </a:xfrm>
+          <a:prstGeom prst="rect">
+            <a:avLst/>
+          </a:prstGeom>
+          <a:noFill/>
+        </p:spPr>
+        <p:txBody>
+          <a:bodyPr wrap="none">
+            <a:spAutoFit/>
+          </a:bodyPr>
+          <a:lstStyle/>
+          <a:p>
+            <a:pPr algn="ctr">
+              <a:defRPr sz="700">
+                <a:solidFill>
+                  <a:srgbClr val="007BFF"/>
+                </a:solidFill>
+              </a:defRPr>
+            </a:pPr>
+            <a:r>
+              <a:t>Results</a:t>
+            </a:r>
+          </a:p>
+        </p:txBody>
+      </p:sp>
+      <p:cxnSp>
+        <p:nvCxnSpPr>
+          <p:cNvPr id="39" name="Connector 38"/>
+          <p:cNvCxnSpPr/>
+          <p:nvPr/>
+        </p:nvCxnSpPr>
+        <p:spPr>
+          <a:xfrm>
+            <a:off x="5760720" y="2743200"/>
+            <a:ext cx="457200" cy="0"/>
+          </a:xfrm>
+          <a:prstGeom prst="line">
+            <a:avLst/>
+          </a:prstGeom>
+          <a:ln w="25400">
+            <a:solidFill>
+              <a:srgbClr val="808080"/>
             </a:solidFill>
           </a:ln>
         </p:spPr>
@@ -4241,21 +5167,232 @@
       </p:cxnSp>
       <p:cxnSp>
         <p:nvCxnSpPr>
-          <p:cNvPr id="25" name="Connector 24"/>
+          <p:cNvPr id="40" name="Connector 39"/>
           <p:cNvCxnSpPr/>
           <p:nvPr/>
         </p:nvCxnSpPr>
         <p:spPr>
-          <a:xfrm>
-            <a:off x="1874519" y="3566160"/>
-            <a:ext cx="2926081" cy="438912"/>
+          <a:xfrm flipV="1">
+            <a:off x="2011680" y="2286000"/>
+            <a:ext cx="2834640" cy="1920240"/>
           </a:xfrm>
           <a:prstGeom prst="line">
             <a:avLst/>
           </a:prstGeom>
-          <a:ln w="19050">
+          <a:ln w="25400">
             <a:solidFill>
-              <a:srgbClr val="404040"/>
+              <a:srgbClr val="808080"/>
+            </a:solidFill>
+            <a:prstDash val="sysDash"/>
+          </a:ln>
+        </p:spPr>
+        <p:style>
+          <a:lnRef idx="2">
+            <a:schemeClr val="accent1"/>
+          </a:lnRef>
+          <a:fillRef idx="0">
+            <a:schemeClr val="accent1"/>
+          </a:fillRef>
+          <a:effectRef idx="1">
+            <a:schemeClr val="accent1"/>
+          </a:effectRef>
+          <a:fontRef idx="minor">
+            <a:schemeClr val="tx1"/>
+          </a:fontRef>
+        </p:style>
+      </p:cxnSp>
+      <p:sp>
+        <p:nvSpPr>
+          <p:cNvPr id="41" name="TextBox 40"/>
+          <p:cNvSpPr txBox="1"/>
+          <p:nvPr/>
+        </p:nvSpPr>
+        <p:spPr>
+          <a:xfrm>
+            <a:off x="2971800" y="2971800"/>
+            <a:ext cx="914400" cy="274320"/>
+          </a:xfrm>
+          <a:prstGeom prst="rect">
+            <a:avLst/>
+          </a:prstGeom>
+          <a:noFill/>
+        </p:spPr>
+        <p:txBody>
+          <a:bodyPr wrap="none">
+            <a:spAutoFit/>
+          </a:bodyPr>
+          <a:lstStyle/>
+          <a:p>
+            <a:pPr algn="ctr">
+              <a:defRPr sz="700">
+                <a:solidFill>
+                  <a:srgbClr val="007BFF"/>
+                </a:solidFill>
+              </a:defRPr>
+            </a:pPr>
+            <a:r>
+              <a:t>LLM</a:t>
+            </a:r>
+          </a:p>
+        </p:txBody>
+      </p:sp>
+      <p:cxnSp>
+        <p:nvCxnSpPr>
+          <p:cNvPr id="42" name="Connector 41"/>
+          <p:cNvCxnSpPr/>
+          <p:nvPr/>
+        </p:nvCxnSpPr>
+        <p:spPr>
+          <a:xfrm flipV="1">
+            <a:off x="2011680" y="2926080"/>
+            <a:ext cx="2377440" cy="137160"/>
+          </a:xfrm>
+          <a:prstGeom prst="line">
+            <a:avLst/>
+          </a:prstGeom>
+          <a:ln w="25400">
+            <a:solidFill>
+              <a:srgbClr val="808080"/>
+            </a:solidFill>
+          </a:ln>
+        </p:spPr>
+        <p:style>
+          <a:lnRef idx="2">
+            <a:schemeClr val="accent1"/>
+          </a:lnRef>
+          <a:fillRef idx="0">
+            <a:schemeClr val="accent1"/>
+          </a:fillRef>
+          <a:effectRef idx="1">
+            <a:schemeClr val="accent1"/>
+          </a:effectRef>
+          <a:fontRef idx="minor">
+            <a:schemeClr val="tx1"/>
+          </a:fontRef>
+        </p:style>
+      </p:cxnSp>
+      <p:sp>
+        <p:nvSpPr>
+          <p:cNvPr id="43" name="TextBox 42"/>
+          <p:cNvSpPr txBox="1"/>
+          <p:nvPr/>
+        </p:nvSpPr>
+        <p:spPr>
+          <a:xfrm>
+            <a:off x="2743200" y="2720340"/>
+            <a:ext cx="914400" cy="274320"/>
+          </a:xfrm>
+          <a:prstGeom prst="rect">
+            <a:avLst/>
+          </a:prstGeom>
+          <a:noFill/>
+        </p:spPr>
+        <p:txBody>
+          <a:bodyPr wrap="none">
+            <a:spAutoFit/>
+          </a:bodyPr>
+          <a:lstStyle/>
+          <a:p>
+            <a:pPr algn="ctr">
+              <a:defRPr sz="700">
+                <a:solidFill>
+                  <a:srgbClr val="007BFF"/>
+                </a:solidFill>
+              </a:defRPr>
+            </a:pPr>
+            <a:r>
+              <a:t>Texts</a:t>
+            </a:r>
+          </a:p>
+        </p:txBody>
+      </p:sp>
+      <p:cxnSp>
+        <p:nvCxnSpPr>
+          <p:cNvPr id="44" name="Connector 43"/>
+          <p:cNvCxnSpPr/>
+          <p:nvPr/>
+        </p:nvCxnSpPr>
+        <p:spPr>
+          <a:xfrm>
+            <a:off x="5760720" y="1874519"/>
+            <a:ext cx="2011680" cy="640081"/>
+          </a:xfrm>
+          <a:prstGeom prst="line">
+            <a:avLst/>
+          </a:prstGeom>
+          <a:ln w="25400">
+            <a:solidFill>
+              <a:srgbClr val="808080"/>
+            </a:solidFill>
+          </a:ln>
+        </p:spPr>
+        <p:style>
+          <a:lnRef idx="2">
+            <a:schemeClr val="accent1"/>
+          </a:lnRef>
+          <a:fillRef idx="0">
+            <a:schemeClr val="accent1"/>
+          </a:fillRef>
+          <a:effectRef idx="1">
+            <a:schemeClr val="accent1"/>
+          </a:effectRef>
+          <a:fontRef idx="minor">
+            <a:schemeClr val="tx1"/>
+          </a:fontRef>
+        </p:style>
+      </p:cxnSp>
+      <p:sp>
+        <p:nvSpPr>
+          <p:cNvPr id="45" name="TextBox 44"/>
+          <p:cNvSpPr txBox="1"/>
+          <p:nvPr/>
+        </p:nvSpPr>
+        <p:spPr>
+          <a:xfrm>
+            <a:off x="6309360" y="1920240"/>
+            <a:ext cx="914400" cy="274320"/>
+          </a:xfrm>
+          <a:prstGeom prst="rect">
+            <a:avLst/>
+          </a:prstGeom>
+          <a:noFill/>
+        </p:spPr>
+        <p:txBody>
+          <a:bodyPr wrap="none">
+            <a:spAutoFit/>
+          </a:bodyPr>
+          <a:lstStyle/>
+          <a:p>
+            <a:pPr algn="ctr">
+              <a:defRPr sz="700">
+                <a:solidFill>
+                  <a:srgbClr val="007BFF"/>
+                </a:solidFill>
+              </a:defRPr>
+            </a:pPr>
+            <a:r>
+              <a:t>Disc</a:t>
+            </a:r>
+          </a:p>
+        </p:txBody>
+      </p:sp>
+      <p:cxnSp>
+        <p:nvCxnSpPr>
+          <p:cNvPr id="46" name="Connector 45"/>
+          <p:cNvCxnSpPr/>
+          <p:nvPr/>
+        </p:nvCxnSpPr>
+        <p:spPr>
+          <a:xfrm flipV="1">
+            <a:off x="7589520" y="2514600"/>
+            <a:ext cx="182880" cy="411480"/>
+          </a:xfrm>
+          <a:prstGeom prst="line">
+            <a:avLst/>
+          </a:prstGeom>
+          <a:ln w="25400">
+            <a:solidFill>
+              <a:srgbClr val="808080"/>
             </a:solidFill>
           </a:ln>
         </p:spPr>
@@ -4276,21 +5413,21 @@
       </p:cxnSp>
       <p:cxnSp>
         <p:nvCxnSpPr>
-          <p:cNvPr id="26" name="Connector 25"/>
+          <p:cNvPr id="47" name="Connector 46"/>
           <p:cNvCxnSpPr/>
           <p:nvPr/>
         </p:nvCxnSpPr>
         <p:spPr>
-          <a:xfrm>
-            <a:off x="4800600" y="2249424"/>
-            <a:ext cx="0" cy="877824"/>
+          <a:xfrm flipH="1">
+            <a:off x="6675120" y="3200400"/>
+            <a:ext cx="1097280" cy="731520"/>
           </a:xfrm>
           <a:prstGeom prst="line">
             <a:avLst/>
           </a:prstGeom>
           <a:ln w="25400">
             <a:solidFill>
-              <a:srgbClr val="404040"/>
+              <a:srgbClr val="808080"/>
             </a:solidFill>
           </a:ln>
         </p:spPr>
@@ -4309,25 +5446,59 @@
           </a:fontRef>
         </p:style>
       </p:cxnSp>
+      <p:sp>
+        <p:nvSpPr>
+          <p:cNvPr id="48" name="TextBox 47"/>
+          <p:cNvSpPr txBox="1"/>
+          <p:nvPr/>
+        </p:nvSpPr>
+        <p:spPr>
+          <a:xfrm>
+            <a:off x="6766560" y="3291840"/>
+            <a:ext cx="914400" cy="274320"/>
+          </a:xfrm>
+          <a:prstGeom prst="rect">
+            <a:avLst/>
+          </a:prstGeom>
+          <a:noFill/>
+        </p:spPr>
+        <p:txBody>
+          <a:bodyPr wrap="none">
+            <a:spAutoFit/>
+          </a:bodyPr>
+          <a:lstStyle/>
+          <a:p>
+            <a:pPr algn="ctr">
+              <a:defRPr sz="700">
+                <a:solidFill>
+                  <a:srgbClr val="007BFF"/>
+                </a:solidFill>
+              </a:defRPr>
+            </a:pPr>
+            <a:r>
+              <a:t>Data</a:t>
+            </a:r>
+          </a:p>
+        </p:txBody>
+      </p:sp>
       <p:cxnSp>
         <p:nvCxnSpPr>
-          <p:cNvPr id="27" name="Connector 26"/>
+          <p:cNvPr id="49" name="Connector 48"/>
           <p:cNvCxnSpPr/>
           <p:nvPr/>
         </p:nvCxnSpPr>
         <p:spPr>
-          <a:xfrm>
-            <a:off x="4800600" y="2249424"/>
-            <a:ext cx="0" cy="1755648"/>
+          <a:xfrm flipV="1">
+            <a:off x="6675120" y="2834640"/>
+            <a:ext cx="3200400" cy="1097280"/>
           </a:xfrm>
           <a:prstGeom prst="line">
             <a:avLst/>
           </a:prstGeom>
-          <a:ln w="12700">
+          <a:ln w="25400">
             <a:solidFill>
               <a:srgbClr val="808080"/>
             </a:solidFill>
-            <a:prstDash val="sysDot"/>
           </a:ln>
         </p:spPr>
         <p:style>
@@ -4345,25 +5516,59 @@
           </a:fontRef>
         </p:style>
       </p:cxnSp>
+      <p:sp>
+        <p:nvSpPr>
+          <p:cNvPr id="50" name="TextBox 49"/>
+          <p:cNvSpPr txBox="1"/>
+          <p:nvPr/>
+        </p:nvSpPr>
+        <p:spPr>
+          <a:xfrm>
+            <a:off x="7818120" y="3108960"/>
+            <a:ext cx="914400" cy="274320"/>
+          </a:xfrm>
+          <a:prstGeom prst="rect">
+            <a:avLst/>
+          </a:prstGeom>
+          <a:noFill/>
+        </p:spPr>
+        <p:txBody>
+          <a:bodyPr wrap="none">
+            <a:spAutoFit/>
+          </a:bodyPr>
+          <a:lstStyle/>
+          <a:p>
+            <a:pPr algn="ctr">
+              <a:defRPr sz="700">
+                <a:solidFill>
+                  <a:srgbClr val="007BFF"/>
+                </a:solidFill>
+              </a:defRPr>
+            </a:pPr>
+            <a:r>
+              <a:t>Format</a:t>
+            </a:r>
+          </a:p>
+        </p:txBody>
+      </p:sp>
       <p:cxnSp>
         <p:nvCxnSpPr>
-          <p:cNvPr id="28" name="Connector 27"/>
+          <p:cNvPr id="51" name="Connector 50"/>
           <p:cNvCxnSpPr/>
           <p:nvPr/>
         </p:nvCxnSpPr>
         <p:spPr>
-          <a:xfrm flipH="1">
-            <a:off x="1874519" y="3127248"/>
-            <a:ext cx="2926081" cy="1536192"/>
+          <a:xfrm>
+            <a:off x="9418320" y="2971800"/>
+            <a:ext cx="457200" cy="868680"/>
           </a:xfrm>
           <a:prstGeom prst="line">
             <a:avLst/>
           </a:prstGeom>
-          <a:ln w="19050">
+          <a:ln w="25400">
             <a:solidFill>
               <a:srgbClr val="808080"/>
             </a:solidFill>
-            <a:prstDash val="sysDot"/>
           </a:ln>
         </p:spPr>
         <p:style>
@@ -4381,25 +5586,59 @@
           </a:fontRef>
         </p:style>
       </p:cxnSp>
+      <p:sp>
+        <p:nvSpPr>
+          <p:cNvPr id="52" name="TextBox 51"/>
+          <p:cNvSpPr txBox="1"/>
+          <p:nvPr/>
+        </p:nvSpPr>
+        <p:spPr>
+          <a:xfrm>
+            <a:off x="9189720" y="3131820"/>
+            <a:ext cx="914400" cy="274320"/>
+          </a:xfrm>
+          <a:prstGeom prst="rect">
+            <a:avLst/>
+          </a:prstGeom>
+          <a:noFill/>
+        </p:spPr>
+        <p:txBody>
+          <a:bodyPr wrap="none">
+            <a:spAutoFit/>
+          </a:bodyPr>
+          <a:lstStyle/>
+          <a:p>
+            <a:pPr algn="ctr">
+              <a:defRPr sz="700">
+                <a:solidFill>
+                  <a:srgbClr val="007BFF"/>
+                </a:solidFill>
+              </a:defRPr>
+            </a:pPr>
+            <a:r>
+              <a:t>JSON</a:t>
+            </a:r>
+          </a:p>
+        </p:txBody>
+      </p:sp>
       <p:cxnSp>
         <p:nvCxnSpPr>
-          <p:cNvPr id="29" name="Connector 28"/>
+          <p:cNvPr id="53" name="Connector 52"/>
           <p:cNvCxnSpPr/>
           <p:nvPr/>
         </p:nvCxnSpPr>
         <p:spPr>
-          <a:xfrm flipH="1">
-            <a:off x="1874519" y="4005072"/>
-            <a:ext cx="2926081" cy="658368"/>
+          <a:xfrm flipV="1">
+            <a:off x="9418320" y="1828800"/>
+            <a:ext cx="457200" cy="228600"/>
           </a:xfrm>
           <a:prstGeom prst="line">
             <a:avLst/>
           </a:prstGeom>
-          <a:ln w="19050">
+          <a:ln w="25400">
             <a:solidFill>
               <a:srgbClr val="808080"/>
             </a:solidFill>
-            <a:prstDash val="sysDot"/>
           </a:ln>
         </p:spPr>
         <p:style>
@@ -4417,25 +5656,60 @@
           </a:fontRef>
         </p:style>
       </p:cxnSp>
+      <p:sp>
+        <p:nvSpPr>
+          <p:cNvPr id="54" name="TextBox 53"/>
+          <p:cNvSpPr txBox="1"/>
+          <p:nvPr/>
+        </p:nvSpPr>
+        <p:spPr>
+          <a:xfrm>
+            <a:off x="9189720" y="1668780"/>
+            <a:ext cx="914400" cy="274320"/>
+          </a:xfrm>
+          <a:prstGeom prst="rect">
+            <a:avLst/>
+          </a:prstGeom>
+          <a:noFill/>
+        </p:spPr>
+        <p:txBody>
+          <a:bodyPr wrap="none">
+            <a:spAutoFit/>
+          </a:bodyPr>
+          <a:lstStyle/>
+          <a:p>
+            <a:pPr algn="ctr">
+              <a:defRPr sz="700">
+                <a:solidFill>
+                  <a:srgbClr val="007BFF"/>
+                </a:solidFill>
+              </a:defRPr>
+            </a:pPr>
+            <a:r>
+              <a:t>State</a:t>
+            </a:r>
+          </a:p>
+        </p:txBody>
+      </p:sp>
       <p:cxnSp>
         <p:nvCxnSpPr>
-          <p:cNvPr id="30" name="Connector 29"/>
+          <p:cNvPr id="55" name="Connector 54"/>
           <p:cNvCxnSpPr/>
           <p:nvPr/>
         </p:nvCxnSpPr>
         <p:spPr>
-          <a:xfrm flipH="1">
-            <a:off x="1874519" y="2249424"/>
-            <a:ext cx="2926081" cy="2414016"/>
+          <a:xfrm flipH="1" flipV="1">
+            <a:off x="5074920" y="1280160"/>
+            <a:ext cx="4800600" cy="274320"/>
           </a:xfrm>
           <a:prstGeom prst="line">
             <a:avLst/>
           </a:prstGeom>
-          <a:ln w="12700">
+          <a:ln w="25400">
             <a:solidFill>
               <a:srgbClr val="808080"/>
             </a:solidFill>
-            <a:prstDash val="sysDot"/>
+            <a:prstDash val="sysDash"/>
           </a:ln>
         </p:spPr>
         <p:style>
@@ -4453,271 +5727,96 @@
           </a:fontRef>
         </p:style>
       </p:cxnSp>
-      <p:cxnSp>
-        <p:nvCxnSpPr>
-          <p:cNvPr id="31" name="Connector 30"/>
-          <p:cNvCxnSpPr/>
+      <p:sp>
+        <p:nvSpPr>
+          <p:cNvPr id="56" name="TextBox 55"/>
+          <p:cNvSpPr txBox="1"/>
           <p:nvPr/>
-        </p:nvCxnSpPr>
-        <p:spPr>
-          <a:xfrm>
-            <a:off x="4800600" y="3127248"/>
-            <a:ext cx="0" cy="1755648"/>
-          </a:xfrm>
-          <a:prstGeom prst="line">
-            <a:avLst/>
-          </a:prstGeom>
-          <a:ln w="25400">
+        </p:nvSpPr>
+        <p:spPr>
+          <a:xfrm>
+            <a:off x="7018020" y="1142999"/>
+            <a:ext cx="914400" cy="274320"/>
+          </a:xfrm>
+          <a:prstGeom prst="rect">
+            <a:avLst/>
+          </a:prstGeom>
+          <a:noFill/>
+        </p:spPr>
+        <p:txBody>
+          <a:bodyPr wrap="none">
+            <a:spAutoFit/>
+          </a:bodyPr>
+          <a:lstStyle/>
+          <a:p>
+            <a:pPr algn="ctr">
+              <a:defRPr sz="700">
+                <a:solidFill>
+                  <a:srgbClr val="007BFF"/>
+                </a:solidFill>
+              </a:defRPr>
+            </a:pPr>
+            <a:r>
+              <a:t>Config</a:t>
+            </a:r>
+          </a:p>
+        </p:txBody>
+      </p:sp>
+      <p:sp>
+        <p:nvSpPr>
+          <p:cNvPr id="57" name="TextBox 56"/>
+          <p:cNvSpPr txBox="1"/>
+          <p:nvPr/>
+        </p:nvSpPr>
+        <p:spPr>
+          <a:xfrm>
+            <a:off x="457200" y="5760720"/>
+            <a:ext cx="1828800" cy="228600"/>
+          </a:xfrm>
+          <a:prstGeom prst="rect">
+            <a:avLst/>
+          </a:prstGeom>
+          <a:noFill/>
+        </p:spPr>
+        <p:txBody>
+          <a:bodyPr wrap="none">
+            <a:spAutoFit/>
+          </a:bodyPr>
+          <a:lstStyle/>
+          <a:p>
+            <a:pPr>
+              <a:defRPr sz="900" b="1">
+                <a:solidFill>
+                  <a:srgbClr val="002060"/>
+                </a:solidFill>
+              </a:defRPr>
+            </a:pPr>
+            <a:r>
+              <a:t>LEGEND</a:t>
+            </a:r>
+          </a:p>
+        </p:txBody>
+      </p:sp>
+      <p:sp>
+        <p:nvSpPr>
+          <p:cNvPr id="58" name="Data 57"/>
+          <p:cNvSpPr/>
+          <p:nvPr/>
+        </p:nvSpPr>
+        <p:spPr>
+          <a:xfrm>
+            <a:off x="457200" y="6035040"/>
+            <a:ext cx="228600" cy="182880"/>
+          </a:xfrm>
+          <a:prstGeom prst="flowChartInputOutput">
+            <a:avLst/>
+          </a:prstGeom>
+          <a:solidFill>
+            <a:srgbClr val="E6F0FF"/>
+          </a:solidFill>
+          <a:ln w="12700">
             <a:solidFill>
               <a:srgbClr val="404040"/>
-            </a:solidFill>
-          </a:ln>
-        </p:spPr>
-        <p:style>
-          <a:lnRef idx="2">
-            <a:schemeClr val="accent1"/>
-          </a:lnRef>
-          <a:fillRef idx="0">
-            <a:schemeClr val="accent1"/>
-          </a:fillRef>
-          <a:effectRef idx="1">
-            <a:schemeClr val="accent1"/>
-          </a:effectRef>
-          <a:fontRef idx="minor">
-            <a:schemeClr val="tx1"/>
-          </a:fontRef>
-        </p:style>
-      </p:cxnSp>
-      <p:cxnSp>
-        <p:nvCxnSpPr>
-          <p:cNvPr id="32" name="Connector 31"/>
-          <p:cNvCxnSpPr/>
-          <p:nvPr/>
-        </p:nvCxnSpPr>
-        <p:spPr>
-          <a:xfrm flipV="1">
-            <a:off x="4800600" y="2834639"/>
-            <a:ext cx="3063240" cy="2048257"/>
-          </a:xfrm>
-          <a:prstGeom prst="line">
-            <a:avLst/>
-          </a:prstGeom>
-          <a:ln w="25400">
-            <a:solidFill>
-              <a:srgbClr val="404040"/>
-            </a:solidFill>
-          </a:ln>
-        </p:spPr>
-        <p:style>
-          <a:lnRef idx="2">
-            <a:schemeClr val="accent1"/>
-          </a:lnRef>
-          <a:fillRef idx="0">
-            <a:schemeClr val="accent1"/>
-          </a:fillRef>
-          <a:effectRef idx="1">
-            <a:schemeClr val="accent1"/>
-          </a:effectRef>
-          <a:fontRef idx="minor">
-            <a:schemeClr val="tx1"/>
-          </a:fontRef>
-        </p:style>
-      </p:cxnSp>
-      <p:cxnSp>
-        <p:nvCxnSpPr>
-          <p:cNvPr id="33" name="Connector 32"/>
-          <p:cNvCxnSpPr/>
-          <p:nvPr/>
-        </p:nvCxnSpPr>
-        <p:spPr>
-          <a:xfrm>
-            <a:off x="7863840" y="2834639"/>
-            <a:ext cx="0" cy="1463040"/>
-          </a:xfrm>
-          <a:prstGeom prst="line">
-            <a:avLst/>
-          </a:prstGeom>
-          <a:ln w="19050">
-            <a:solidFill>
-              <a:srgbClr val="404040"/>
-            </a:solidFill>
-          </a:ln>
-        </p:spPr>
-        <p:style>
-          <a:lnRef idx="2">
-            <a:schemeClr val="accent1"/>
-          </a:lnRef>
-          <a:fillRef idx="0">
-            <a:schemeClr val="accent1"/>
-          </a:fillRef>
-          <a:effectRef idx="1">
-            <a:schemeClr val="accent1"/>
-          </a:effectRef>
-          <a:fontRef idx="minor">
-            <a:schemeClr val="tx1"/>
-          </a:fontRef>
-        </p:style>
-      </p:cxnSp>
-      <p:cxnSp>
-        <p:nvCxnSpPr>
-          <p:cNvPr id="34" name="Connector 33"/>
-          <p:cNvCxnSpPr/>
-          <p:nvPr/>
-        </p:nvCxnSpPr>
-        <p:spPr>
-          <a:xfrm flipV="1">
-            <a:off x="7863840" y="2468880"/>
-            <a:ext cx="2606040" cy="365759"/>
-          </a:xfrm>
-          <a:prstGeom prst="line">
-            <a:avLst/>
-          </a:prstGeom>
-          <a:ln w="19050">
-            <a:solidFill>
-              <a:srgbClr val="404040"/>
-            </a:solidFill>
-          </a:ln>
-        </p:spPr>
-        <p:style>
-          <a:lnRef idx="2">
-            <a:schemeClr val="accent1"/>
-          </a:lnRef>
-          <a:fillRef idx="0">
-            <a:schemeClr val="accent1"/>
-          </a:fillRef>
-          <a:effectRef idx="1">
-            <a:schemeClr val="accent1"/>
-          </a:effectRef>
-          <a:fontRef idx="minor">
-            <a:schemeClr val="tx1"/>
-          </a:fontRef>
-        </p:style>
-      </p:cxnSp>
-      <p:cxnSp>
-        <p:nvCxnSpPr>
-          <p:cNvPr id="35" name="Connector 34"/>
-          <p:cNvCxnSpPr/>
-          <p:nvPr/>
-        </p:nvCxnSpPr>
-        <p:spPr>
-          <a:xfrm>
-            <a:off x="4800600" y="3127248"/>
-            <a:ext cx="5669280" cy="438912"/>
-          </a:xfrm>
-          <a:prstGeom prst="line">
-            <a:avLst/>
-          </a:prstGeom>
-          <a:ln w="19050">
-            <a:solidFill>
-              <a:srgbClr val="404040"/>
-            </a:solidFill>
-          </a:ln>
-        </p:spPr>
-        <p:style>
-          <a:lnRef idx="2">
-            <a:schemeClr val="accent1"/>
-          </a:lnRef>
-          <a:fillRef idx="0">
-            <a:schemeClr val="accent1"/>
-          </a:fillRef>
-          <a:effectRef idx="1">
-            <a:schemeClr val="accent1"/>
-          </a:effectRef>
-          <a:fontRef idx="minor">
-            <a:schemeClr val="tx1"/>
-          </a:fontRef>
-        </p:style>
-      </p:cxnSp>
-      <p:cxnSp>
-        <p:nvCxnSpPr>
-          <p:cNvPr id="36" name="Connector 35"/>
-          <p:cNvCxnSpPr/>
-          <p:nvPr/>
-        </p:nvCxnSpPr>
-        <p:spPr>
-          <a:xfrm>
-            <a:off x="7863840" y="4297679"/>
-            <a:ext cx="2606040" cy="365761"/>
-          </a:xfrm>
-          <a:prstGeom prst="line">
-            <a:avLst/>
-          </a:prstGeom>
-          <a:ln w="25400">
-            <a:solidFill>
-              <a:srgbClr val="404040"/>
-            </a:solidFill>
-          </a:ln>
-        </p:spPr>
-        <p:style>
-          <a:lnRef idx="2">
-            <a:schemeClr val="accent1"/>
-          </a:lnRef>
-          <a:fillRef idx="0">
-            <a:schemeClr val="accent1"/>
-          </a:fillRef>
-          <a:effectRef idx="1">
-            <a:schemeClr val="accent1"/>
-          </a:effectRef>
-          <a:fontRef idx="minor">
-            <a:schemeClr val="tx1"/>
-          </a:fontRef>
-        </p:style>
-      </p:cxnSp>
-      <p:cxnSp>
-        <p:nvCxnSpPr>
-          <p:cNvPr id="37" name="Connector 36"/>
-          <p:cNvCxnSpPr/>
-          <p:nvPr/>
-        </p:nvCxnSpPr>
-        <p:spPr>
-          <a:xfrm>
-            <a:off x="7863840" y="2834639"/>
-            <a:ext cx="2606040" cy="1828801"/>
-          </a:xfrm>
-          <a:prstGeom prst="line">
-            <a:avLst/>
-          </a:prstGeom>
-          <a:ln w="19050">
-            <a:solidFill>
-              <a:srgbClr val="404040"/>
-            </a:solidFill>
-          </a:ln>
-        </p:spPr>
-        <p:style>
-          <a:lnRef idx="2">
-            <a:schemeClr val="accent1"/>
-          </a:lnRef>
-          <a:fillRef idx="0">
-            <a:schemeClr val="accent1"/>
-          </a:fillRef>
-          <a:effectRef idx="1">
-            <a:schemeClr val="accent1"/>
-          </a:effectRef>
-          <a:fontRef idx="minor">
-            <a:schemeClr val="tx1"/>
-          </a:fontRef>
-        </p:style>
-      </p:cxnSp>
-      <p:sp>
-        <p:nvSpPr>
-          <p:cNvPr id="38" name="Rounded Rectangle 37"/>
-          <p:cNvSpPr/>
-          <p:nvPr/>
-        </p:nvSpPr>
-        <p:spPr>
-          <a:xfrm>
-            <a:off x="9601200" y="5943600"/>
-            <a:ext cx="2103120" cy="640080"/>
-          </a:xfrm>
-          <a:prstGeom prst="roundRect">
-            <a:avLst/>
-          </a:prstGeom>
-          <a:solidFill>
-            <a:srgbClr val="FFFFFF"/>
-          </a:solidFill>
-          <a:ln w="6350">
-            <a:solidFill>
-              <a:srgbClr val="C0C0C0"/>
             </a:solidFill>
           </a:ln>
         </p:spPr>
@@ -4745,14 +5844,289 @@
       </p:sp>
       <p:sp>
         <p:nvSpPr>
-          <p:cNvPr id="39" name="TextBox 38"/>
+          <p:cNvPr id="59" name="TextBox 58"/>
           <p:cNvSpPr txBox="1"/>
           <p:nvPr/>
         </p:nvSpPr>
         <p:spPr>
           <a:xfrm>
-            <a:off x="9692640" y="5989320"/>
-            <a:ext cx="1920240" cy="548640"/>
+            <a:off x="777240" y="6035040"/>
+            <a:ext cx="1371600" cy="182880"/>
+          </a:xfrm>
+          <a:prstGeom prst="rect">
+            <a:avLst/>
+          </a:prstGeom>
+          <a:noFill/>
+        </p:spPr>
+        <p:txBody>
+          <a:bodyPr wrap="none" anchor="ctr">
+            <a:spAutoFit/>
+          </a:bodyPr>
+          <a:lstStyle/>
+          <a:p>
+            <a:pPr>
+              <a:defRPr sz="700">
+                <a:solidFill>
+                  <a:srgbClr val="404040"/>
+                </a:solidFill>
+              </a:defRPr>
+            </a:pPr>
+            <a:r>
+              <a:t>Cylinder = Data Store</a:t>
+            </a:r>
+          </a:p>
+        </p:txBody>
+      </p:sp>
+      <p:sp>
+        <p:nvSpPr>
+          <p:cNvPr id="60" name="Rounded Rectangle 59"/>
+          <p:cNvSpPr/>
+          <p:nvPr/>
+        </p:nvSpPr>
+        <p:spPr>
+          <a:xfrm>
+            <a:off x="457200" y="6355079"/>
+            <a:ext cx="228600" cy="182880"/>
+          </a:xfrm>
+          <a:prstGeom prst="roundRect">
+            <a:avLst/>
+          </a:prstGeom>
+          <a:solidFill>
+            <a:srgbClr val="DCE6F0"/>
+          </a:solidFill>
+          <a:ln w="12700">
+            <a:solidFill>
+              <a:srgbClr val="404040"/>
+            </a:solidFill>
+          </a:ln>
+        </p:spPr>
+        <p:style>
+          <a:lnRef idx="1">
+            <a:schemeClr val="accent1"/>
+          </a:lnRef>
+          <a:fillRef idx="3">
+            <a:schemeClr val="accent1"/>
+          </a:fillRef>
+          <a:effectRef idx="2">
+            <a:schemeClr val="accent1"/>
+          </a:effectRef>
+          <a:fontRef idx="minor">
+            <a:schemeClr val="lt1"/>
+          </a:fontRef>
+        </p:style>
+        <p:txBody>
+          <a:bodyPr rtlCol="0" anchor="ctr"/>
+          <a:lstStyle/>
+          <a:p>
+            <a:pPr algn="ctr"/>
+          </a:p>
+        </p:txBody>
+      </p:sp>
+      <p:sp>
+        <p:nvSpPr>
+          <p:cNvPr id="61" name="TextBox 60"/>
+          <p:cNvSpPr txBox="1"/>
+          <p:nvPr/>
+        </p:nvSpPr>
+        <p:spPr>
+          <a:xfrm>
+            <a:off x="777240" y="6355079"/>
+            <a:ext cx="1371600" cy="182880"/>
+          </a:xfrm>
+          <a:prstGeom prst="rect">
+            <a:avLst/>
+          </a:prstGeom>
+          <a:noFill/>
+        </p:spPr>
+        <p:txBody>
+          <a:bodyPr wrap="none" anchor="ctr">
+            <a:spAutoFit/>
+          </a:bodyPr>
+          <a:lstStyle/>
+          <a:p>
+            <a:pPr>
+              <a:defRPr sz="700">
+                <a:solidFill>
+                  <a:srgbClr val="404040"/>
+                </a:solidFill>
+              </a:defRPr>
+            </a:pPr>
+            <a:r>
+              <a:t>Rectangle = Processing</a:t>
+            </a:r>
+          </a:p>
+        </p:txBody>
+      </p:sp>
+      <p:sp>
+        <p:nvSpPr>
+          <p:cNvPr id="62" name="Hexagon 61"/>
+          <p:cNvSpPr/>
+          <p:nvPr/>
+        </p:nvSpPr>
+        <p:spPr>
+          <a:xfrm>
+            <a:off x="457200" y="6675120"/>
+            <a:ext cx="228600" cy="182880"/>
+          </a:xfrm>
+          <a:prstGeom prst="hexagon">
+            <a:avLst/>
+          </a:prstGeom>
+          <a:solidFill>
+            <a:srgbClr val="FFF5E6"/>
+          </a:solidFill>
+          <a:ln w="12700">
+            <a:solidFill>
+              <a:srgbClr val="404040"/>
+            </a:solidFill>
+          </a:ln>
+        </p:spPr>
+        <p:style>
+          <a:lnRef idx="1">
+            <a:schemeClr val="accent1"/>
+          </a:lnRef>
+          <a:fillRef idx="3">
+            <a:schemeClr val="accent1"/>
+          </a:fillRef>
+          <a:effectRef idx="2">
+            <a:schemeClr val="accent1"/>
+          </a:effectRef>
+          <a:fontRef idx="minor">
+            <a:schemeClr val="lt1"/>
+          </a:fontRef>
+        </p:style>
+        <p:txBody>
+          <a:bodyPr rtlCol="0" anchor="ctr"/>
+          <a:lstStyle/>
+          <a:p>
+            <a:pPr algn="ctr"/>
+          </a:p>
+        </p:txBody>
+      </p:sp>
+      <p:sp>
+        <p:nvSpPr>
+          <p:cNvPr id="63" name="TextBox 62"/>
+          <p:cNvSpPr txBox="1"/>
+          <p:nvPr/>
+        </p:nvSpPr>
+        <p:spPr>
+          <a:xfrm>
+            <a:off x="777240" y="6675120"/>
+            <a:ext cx="1371600" cy="182880"/>
+          </a:xfrm>
+          <a:prstGeom prst="rect">
+            <a:avLst/>
+          </a:prstGeom>
+          <a:noFill/>
+        </p:spPr>
+        <p:txBody>
+          <a:bodyPr wrap="none" anchor="ctr">
+            <a:spAutoFit/>
+          </a:bodyPr>
+          <a:lstStyle/>
+          <a:p>
+            <a:pPr>
+              <a:defRPr sz="700">
+                <a:solidFill>
+                  <a:srgbClr val="404040"/>
+                </a:solidFill>
+              </a:defRPr>
+            </a:pPr>
+            <a:r>
+              <a:t>Hexagon = External API</a:t>
+            </a:r>
+          </a:p>
+        </p:txBody>
+      </p:sp>
+      <p:sp>
+        <p:nvSpPr>
+          <p:cNvPr id="64" name="Parallelogram 63"/>
+          <p:cNvSpPr/>
+          <p:nvPr/>
+        </p:nvSpPr>
+        <p:spPr>
+          <a:xfrm>
+            <a:off x="457200" y="6995159"/>
+            <a:ext cx="228600" cy="182880"/>
+          </a:xfrm>
+          <a:prstGeom prst="parallelogram">
+            <a:avLst/>
+          </a:prstGeom>
+          <a:solidFill>
+            <a:srgbClr val="00B050"/>
+          </a:solidFill>
+          <a:ln w="12700">
+            <a:solidFill>
+              <a:srgbClr val="404040"/>
+            </a:solidFill>
+          </a:ln>
+        </p:spPr>
+        <p:style>
+          <a:lnRef idx="1">
+            <a:schemeClr val="accent1"/>
+          </a:lnRef>
+          <a:fillRef idx="3">
+            <a:schemeClr val="accent1"/>
+          </a:fillRef>
+          <a:effectRef idx="2">
+            <a:schemeClr val="accent1"/>
+          </a:effectRef>
+          <a:fontRef idx="minor">
+            <a:schemeClr val="lt1"/>
+          </a:fontRef>
+        </p:style>
+        <p:txBody>
+          <a:bodyPr rtlCol="0" anchor="ctr"/>
+          <a:lstStyle/>
+          <a:p>
+            <a:pPr algn="ctr"/>
+          </a:p>
+        </p:txBody>
+      </p:sp>
+      <p:sp>
+        <p:nvSpPr>
+          <p:cNvPr id="65" name="TextBox 64"/>
+          <p:cNvSpPr txBox="1"/>
+          <p:nvPr/>
+        </p:nvSpPr>
+        <p:spPr>
+          <a:xfrm>
+            <a:off x="777240" y="6995159"/>
+            <a:ext cx="1371600" cy="182880"/>
+          </a:xfrm>
+          <a:prstGeom prst="rect">
+            <a:avLst/>
+          </a:prstGeom>
+          <a:noFill/>
+        </p:spPr>
+        <p:txBody>
+          <a:bodyPr wrap="none" anchor="ctr">
+            <a:spAutoFit/>
+          </a:bodyPr>
+          <a:lstStyle/>
+          <a:p>
+            <a:pPr>
+              <a:defRPr sz="700">
+                <a:solidFill>
+                  <a:srgbClr val="404040"/>
+                </a:solidFill>
+              </a:defRPr>
+            </a:pPr>
+            <a:r>
+              <a:t>Parallelogram = Output</a:t>
+            </a:r>
+          </a:p>
+        </p:txBody>
+      </p:sp>
+      <p:sp>
+        <p:nvSpPr>
+          <p:cNvPr id="66" name="TextBox 65"/>
+          <p:cNvSpPr txBox="1"/>
+          <p:nvPr/>
+        </p:nvSpPr>
+        <p:spPr>
+          <a:xfrm>
+            <a:off x="2743200" y="5760720"/>
+            <a:ext cx="3200400" cy="1371600"/>
           </a:xfrm>
           <a:prstGeom prst="rect">
             <a:avLst/>
@@ -4766,41 +6140,145 @@
           <a:lstStyle/>
           <a:p>
             <a:pPr>
-              <a:defRPr sz="900">
+              <a:defRPr sz="900" b="1">
+                <a:solidFill>
+                  <a:srgbClr val="002060"/>
+                </a:solidFill>
+              </a:defRPr>
+            </a:pPr>
+            <a:r>
+              <a:t>RUNTIME TRIGGERS</a:t>
+            </a:r>
+          </a:p>
+          <a:p>
+            <a:pPr>
+              <a:defRPr sz="700">
                 <a:solidFill>
                   <a:srgbClr val="404040"/>
                 </a:solidFill>
-                <a:latin typeface="Calibri"/>
-              </a:defRPr>
-            </a:pPr>
-            <a:r>
-              <a:t>Legend</a:t>
+              </a:defRPr>
+            </a:pPr>
+            <a:r>
+              <a:t>- User initiates via Streamlit UI</a:t>
             </a:r>
           </a:p>
           <a:p>
             <a:pPr>
-              <a:defRPr sz="900">
+              <a:defRPr sz="700">
                 <a:solidFill>
                   <a:srgbClr val="404040"/>
                 </a:solidFill>
-                <a:latin typeface="Calibri"/>
-              </a:defRPr>
-            </a:pPr>
-            <a:r>
-              <a:t>━━ Verified  ┄┄ Inferred</a:t>
+              </a:defRPr>
+            </a:pPr>
+            <a:r>
+              <a:t>- Cycles run sequentially (1-20)</a:t>
             </a:r>
           </a:p>
           <a:p>
             <a:pPr>
-              <a:defRPr sz="900">
+              <a:defRPr sz="700">
                 <a:solidFill>
                   <a:srgbClr val="404040"/>
                 </a:solidFill>
-                <a:latin typeface="Calibri"/>
-              </a:defRPr>
-            </a:pPr>
-            <a:r>
-              <a:t>▭ Module  ⬢ External  ▱ Output</a:t>
+              </a:defRPr>
+            </a:pPr>
+            <a:r>
+              <a:t>- Per-cycle: 3 questions</a:t>
+            </a:r>
+          </a:p>
+          <a:p>
+            <a:pPr>
+              <a:defRPr sz="700">
+                <a:solidFill>
+                  <a:srgbClr val="404040"/>
+                </a:solidFill>
+              </a:defRPr>
+            </a:pPr>
+            <a:r>
+              <a:t>- LLM calls: Optional</a:t>
+            </a:r>
+          </a:p>
+        </p:txBody>
+      </p:sp>
+      <p:sp>
+        <p:nvSpPr>
+          <p:cNvPr id="67" name="TextBox 66"/>
+          <p:cNvSpPr txBox="1"/>
+          <p:nvPr/>
+        </p:nvSpPr>
+        <p:spPr>
+          <a:xfrm>
+            <a:off x="6400800" y="5760720"/>
+            <a:ext cx="2743200" cy="1371600"/>
+          </a:xfrm>
+          <a:prstGeom prst="rect">
+            <a:avLst/>
+          </a:prstGeom>
+          <a:noFill/>
+        </p:spPr>
+        <p:txBody>
+          <a:bodyPr wrap="none">
+            <a:spAutoFit/>
+          </a:bodyPr>
+          <a:lstStyle/>
+          <a:p>
+            <a:pPr>
+              <a:defRPr sz="900" b="1">
+                <a:solidFill>
+                  <a:srgbClr val="002060"/>
+                </a:solidFill>
+              </a:defRPr>
+            </a:pPr>
+            <a:r>
+              <a:t>DEPLOYMENT</a:t>
+            </a:r>
+          </a:p>
+          <a:p>
+            <a:pPr>
+              <a:defRPr sz="700">
+                <a:solidFill>
+                  <a:srgbClr val="404040"/>
+                </a:solidFill>
+              </a:defRPr>
+            </a:pPr>
+            <a:r>
+              <a:t>- Local Python (streamlit run)</a:t>
+            </a:r>
+          </a:p>
+          <a:p>
+            <a:pPr>
+              <a:defRPr sz="700">
+                <a:solidFill>
+                  <a:srgbClr val="404040"/>
+                </a:solidFill>
+              </a:defRPr>
+            </a:pPr>
+            <a:r>
+              <a:t>- Deps: pandas, scipy, streamlit</a:t>
+            </a:r>
+          </a:p>
+          <a:p>
+            <a:pPr>
+              <a:defRPr sz="700">
+                <a:solidFill>
+                  <a:srgbClr val="404040"/>
+                </a:solidFill>
+              </a:defRPr>
+            </a:pPr>
+            <a:r>
+              <a:t>- Optional: OpenAI API key</a:t>
+            </a:r>
+          </a:p>
+          <a:p>
+            <a:pPr>
+              <a:defRPr sz="700">
+                <a:solidFill>
+                  <a:srgbClr val="404040"/>
+                </a:solidFill>
+              </a:defRPr>
+            </a:pPr>
+            <a:r>
+              <a:t>- Scale: Single-user, local</a:t>
             </a:r>
           </a:p>
         </p:txBody>

--- a/architecture_overview.pptx
+++ b/architecture_overview.pptx
@@ -6,8 +6,10 @@
   </p:sldMasterIdLst>
   <p:sldIdLst>
     <p:sldId id="256" r:id="rId7"/>
+    <p:sldId id="257" r:id="rId9"/>
+    <p:sldId id="258" r:id="rId10"/>
   </p:sldIdLst>
-  <p:sldSz cx="12191695" cy="6858000" type="screen4x3"/>
+  <p:sldSz cx="14630400" cy="8229600" type="screen4x3"/>
   <p:notesSz cx="6858000" cy="9144000"/>
   <p:defaultTextStyle>
     <a:defPPr>
@@ -105,6 +107,512 @@
     </a:lvl9pPr>
   </p:defaultTextStyle>
 </p:presentation>
+</file>
+
+<file path=ppt/notesMasters/notesMaster1.xml><?xml version="1.0" encoding="utf-8"?>
+<p:notesMaster xmlns:a="http://schemas.openxmlformats.org/drawingml/2006/main" xmlns:p="http://schemas.openxmlformats.org/presentationml/2006/main" xmlns:r="http://schemas.openxmlformats.org/officeDocument/2006/relationships">
+  <p:cSld>
+    <p:bg>
+      <p:bgRef idx="1001">
+        <a:schemeClr val="bg1"/>
+      </p:bgRef>
+    </p:bg>
+    <p:spTree>
+      <p:nvGrpSpPr>
+        <p:cNvPr id="1" name=""/>
+        <p:cNvGrpSpPr/>
+        <p:nvPr/>
+      </p:nvGrpSpPr>
+      <p:grpSpPr>
+        <a:xfrm>
+          <a:off x="0" y="0"/>
+          <a:ext cx="0" cy="0"/>
+          <a:chOff x="0" y="0"/>
+          <a:chExt cx="0" cy="0"/>
+        </a:xfrm>
+      </p:grpSpPr>
+      <p:sp>
+        <p:nvSpPr>
+          <p:cNvPr id="2" name="Header Placeholder 1"/>
+          <p:cNvSpPr>
+            <a:spLocks noGrp="1"/>
+          </p:cNvSpPr>
+          <p:nvPr>
+            <p:ph type="hdr" sz="quarter"/>
+          </p:nvPr>
+        </p:nvSpPr>
+        <p:spPr>
+          <a:xfrm>
+            <a:off x="0" y="0"/>
+            <a:ext cx="2971800" cy="457200"/>
+          </a:xfrm>
+          <a:prstGeom prst="rect">
+            <a:avLst/>
+          </a:prstGeom>
+        </p:spPr>
+        <p:txBody>
+          <a:bodyPr vert="horz" lIns="91440" tIns="45720" rIns="91440" bIns="45720" rtlCol="0"/>
+          <a:lstStyle>
+            <a:lvl1pPr algn="l">
+              <a:defRPr sz="1200"/>
+            </a:lvl1pPr>
+          </a:lstStyle>
+          <a:p>
+            <a:endParaRPr lang="en-US"/>
+          </a:p>
+        </p:txBody>
+      </p:sp>
+      <p:sp>
+        <p:nvSpPr>
+          <p:cNvPr id="3" name="Date Placeholder 2"/>
+          <p:cNvSpPr>
+            <a:spLocks noGrp="1"/>
+          </p:cNvSpPr>
+          <p:nvPr>
+            <p:ph type="dt" idx="1"/>
+          </p:nvPr>
+        </p:nvSpPr>
+        <p:spPr>
+          <a:xfrm>
+            <a:off x="3884613" y="0"/>
+            <a:ext cx="2971800" cy="457200"/>
+          </a:xfrm>
+          <a:prstGeom prst="rect">
+            <a:avLst/>
+          </a:prstGeom>
+        </p:spPr>
+        <p:txBody>
+          <a:bodyPr vert="horz" lIns="91440" tIns="45720" rIns="91440" bIns="45720" rtlCol="0"/>
+          <a:lstStyle>
+            <a:lvl1pPr algn="r">
+              <a:defRPr sz="1200"/>
+            </a:lvl1pPr>
+          </a:lstStyle>
+          <a:p>
+            <a:fld id="{0F89C1C7-3DCD-1040-A9CF-14679D8B5DDD}" type="datetimeFigureOut">
+              <a:rPr lang="en-US" smtClean="0"/>
+              <a:t>10/17/16</a:t>
+            </a:fld>
+            <a:endParaRPr lang="en-US"/>
+          </a:p>
+        </p:txBody>
+      </p:sp>
+      <p:sp>
+        <p:nvSpPr>
+          <p:cNvPr id="4" name="Slide Image Placeholder 3"/>
+          <p:cNvSpPr>
+            <a:spLocks noGrp="1" noRot="1" noChangeAspect="1"/>
+          </p:cNvSpPr>
+          <p:nvPr>
+            <p:ph type="sldImg" idx="2"/>
+          </p:nvPr>
+        </p:nvSpPr>
+        <p:spPr>
+          <a:xfrm>
+            <a:off x="1143000" y="685800"/>
+            <a:ext cx="4572000" cy="3429000"/>
+          </a:xfrm>
+          <a:prstGeom prst="rect">
+            <a:avLst/>
+          </a:prstGeom>
+          <a:noFill/>
+          <a:ln w="12700">
+            <a:solidFill>
+              <a:prstClr val="black"/>
+            </a:solidFill>
+          </a:ln>
+        </p:spPr>
+        <p:txBody>
+          <a:bodyPr vert="horz" lIns="91440" tIns="45720" rIns="91440" bIns="45720" rtlCol="0" anchor="ctr"/>
+          <a:lstStyle/>
+          <a:p>
+            <a:endParaRPr lang="en-US"/>
+          </a:p>
+        </p:txBody>
+      </p:sp>
+      <p:sp>
+        <p:nvSpPr>
+          <p:cNvPr id="5" name="Notes Placeholder 4"/>
+          <p:cNvSpPr>
+            <a:spLocks noGrp="1"/>
+          </p:cNvSpPr>
+          <p:nvPr>
+            <p:ph type="body" sz="quarter" idx="3"/>
+          </p:nvPr>
+        </p:nvSpPr>
+        <p:spPr>
+          <a:xfrm>
+            <a:off x="685800" y="4343400"/>
+            <a:ext cx="5486400" cy="4114800"/>
+          </a:xfrm>
+          <a:prstGeom prst="rect">
+            <a:avLst/>
+          </a:prstGeom>
+        </p:spPr>
+        <p:txBody>
+          <a:bodyPr vert="horz" lIns="91440" tIns="45720" rIns="91440" bIns="45720" rtlCol="0"/>
+          <a:lstStyle/>
+          <a:p>
+            <a:pPr lvl="0"/>
+            <a:r>
+              <a:rPr lang="en-US" smtClean="0"/>
+              <a:t>Click to edit Master text styles</a:t>
+            </a:r>
+          </a:p>
+          <a:p>
+            <a:pPr lvl="1"/>
+            <a:r>
+              <a:rPr lang="en-US" smtClean="0"/>
+              <a:t>Second level</a:t>
+            </a:r>
+          </a:p>
+          <a:p>
+            <a:pPr lvl="2"/>
+            <a:r>
+              <a:rPr lang="en-US" smtClean="0"/>
+              <a:t>Third level</a:t>
+            </a:r>
+          </a:p>
+          <a:p>
+            <a:pPr lvl="3"/>
+            <a:r>
+              <a:rPr lang="en-US" smtClean="0"/>
+              <a:t>Fourth level</a:t>
+            </a:r>
+          </a:p>
+          <a:p>
+            <a:pPr lvl="4"/>
+            <a:r>
+              <a:rPr lang="en-US" smtClean="0"/>
+              <a:t>Fifth level</a:t>
+            </a:r>
+            <a:endParaRPr lang="en-US"/>
+          </a:p>
+        </p:txBody>
+      </p:sp>
+      <p:sp>
+        <p:nvSpPr>
+          <p:cNvPr id="6" name="Footer Placeholder 5"/>
+          <p:cNvSpPr>
+            <a:spLocks noGrp="1"/>
+          </p:cNvSpPr>
+          <p:nvPr>
+            <p:ph type="ftr" sz="quarter" idx="4"/>
+          </p:nvPr>
+        </p:nvSpPr>
+        <p:spPr>
+          <a:xfrm>
+            <a:off x="0" y="8685213"/>
+            <a:ext cx="2971800" cy="457200"/>
+          </a:xfrm>
+          <a:prstGeom prst="rect">
+            <a:avLst/>
+          </a:prstGeom>
+        </p:spPr>
+        <p:txBody>
+          <a:bodyPr vert="horz" lIns="91440" tIns="45720" rIns="91440" bIns="45720" rtlCol="0" anchor="b"/>
+          <a:lstStyle>
+            <a:lvl1pPr algn="l">
+              <a:defRPr sz="1200"/>
+            </a:lvl1pPr>
+          </a:lstStyle>
+          <a:p>
+            <a:endParaRPr lang="en-US"/>
+          </a:p>
+        </p:txBody>
+      </p:sp>
+      <p:sp>
+        <p:nvSpPr>
+          <p:cNvPr id="7" name="Slide Number Placeholder 6"/>
+          <p:cNvSpPr>
+            <a:spLocks noGrp="1"/>
+          </p:cNvSpPr>
+          <p:nvPr>
+            <p:ph type="sldNum" sz="quarter" idx="5"/>
+          </p:nvPr>
+        </p:nvSpPr>
+        <p:spPr>
+          <a:xfrm>
+            <a:off x="3884613" y="8685213"/>
+            <a:ext cx="2971800" cy="457200"/>
+          </a:xfrm>
+          <a:prstGeom prst="rect">
+            <a:avLst/>
+          </a:prstGeom>
+        </p:spPr>
+        <p:txBody>
+          <a:bodyPr vert="horz" lIns="91440" tIns="45720" rIns="91440" bIns="45720" rtlCol="0" anchor="b"/>
+          <a:lstStyle>
+            <a:lvl1pPr algn="r">
+              <a:defRPr sz="1200"/>
+            </a:lvl1pPr>
+          </a:lstStyle>
+          <a:p>
+            <a:fld id="{BB5E49A5-4136-284D-997B-48E1D791AD67}" type="slidenum">
+              <a:rPr lang="en-US" smtClean="0"/>
+              <a:t>‹#›</a:t>
+            </a:fld>
+            <a:endParaRPr lang="en-US"/>
+          </a:p>
+        </p:txBody>
+      </p:sp>
+    </p:spTree>
+    <p:extLst>
+      <p:ext uri="{BB962C8B-B14F-4D97-AF65-F5344CB8AC3E}">
+        <p14:creationId xmlns:p14="http://schemas.microsoft.com/office/powerpoint/2010/main" val="2623252185"/>
+      </p:ext>
+    </p:extLst>
+  </p:cSld>
+  <p:clrMap bg1="lt1" tx1="dk1" bg2="lt2" tx2="dk2" accent1="accent1" accent2="accent2" accent3="accent3" accent4="accent4" accent5="accent5" accent6="accent6" hlink="hlink" folHlink="folHlink"/>
+  <p:notesStyle>
+    <a:lvl1pPr marL="0" algn="l" defTabSz="457200" rtl="0" eaLnBrk="1" latinLnBrk="0" hangingPunct="1">
+      <a:defRPr sz="1200" kern="1200">
+        <a:solidFill>
+          <a:schemeClr val="tx1"/>
+        </a:solidFill>
+        <a:latin typeface="+mn-lt"/>
+        <a:ea typeface="+mn-ea"/>
+        <a:cs typeface="+mn-cs"/>
+      </a:defRPr>
+    </a:lvl1pPr>
+    <a:lvl2pPr marL="457200" algn="l" defTabSz="457200" rtl="0" eaLnBrk="1" latinLnBrk="0" hangingPunct="1">
+      <a:defRPr sz="1200" kern="1200">
+        <a:solidFill>
+          <a:schemeClr val="tx1"/>
+        </a:solidFill>
+        <a:latin typeface="+mn-lt"/>
+        <a:ea typeface="+mn-ea"/>
+        <a:cs typeface="+mn-cs"/>
+      </a:defRPr>
+    </a:lvl2pPr>
+    <a:lvl3pPr marL="914400" algn="l" defTabSz="457200" rtl="0" eaLnBrk="1" latinLnBrk="0" hangingPunct="1">
+      <a:defRPr sz="1200" kern="1200">
+        <a:solidFill>
+          <a:schemeClr val="tx1"/>
+        </a:solidFill>
+        <a:latin typeface="+mn-lt"/>
+        <a:ea typeface="+mn-ea"/>
+        <a:cs typeface="+mn-cs"/>
+      </a:defRPr>
+    </a:lvl3pPr>
+    <a:lvl4pPr marL="1371600" algn="l" defTabSz="457200" rtl="0" eaLnBrk="1" latinLnBrk="0" hangingPunct="1">
+      <a:defRPr sz="1200" kern="1200">
+        <a:solidFill>
+          <a:schemeClr val="tx1"/>
+        </a:solidFill>
+        <a:latin typeface="+mn-lt"/>
+        <a:ea typeface="+mn-ea"/>
+        <a:cs typeface="+mn-cs"/>
+      </a:defRPr>
+    </a:lvl4pPr>
+    <a:lvl5pPr marL="1828800" algn="l" defTabSz="457200" rtl="0" eaLnBrk="1" latinLnBrk="0" hangingPunct="1">
+      <a:defRPr sz="1200" kern="1200">
+        <a:solidFill>
+          <a:schemeClr val="tx1"/>
+        </a:solidFill>
+        <a:latin typeface="+mn-lt"/>
+        <a:ea typeface="+mn-ea"/>
+        <a:cs typeface="+mn-cs"/>
+      </a:defRPr>
+    </a:lvl5pPr>
+    <a:lvl6pPr marL="2286000" algn="l" defTabSz="457200" rtl="0" eaLnBrk="1" latinLnBrk="0" hangingPunct="1">
+      <a:defRPr sz="1200" kern="1200">
+        <a:solidFill>
+          <a:schemeClr val="tx1"/>
+        </a:solidFill>
+        <a:latin typeface="+mn-lt"/>
+        <a:ea typeface="+mn-ea"/>
+        <a:cs typeface="+mn-cs"/>
+      </a:defRPr>
+    </a:lvl6pPr>
+    <a:lvl7pPr marL="2743200" algn="l" defTabSz="457200" rtl="0" eaLnBrk="1" latinLnBrk="0" hangingPunct="1">
+      <a:defRPr sz="1200" kern="1200">
+        <a:solidFill>
+          <a:schemeClr val="tx1"/>
+        </a:solidFill>
+        <a:latin typeface="+mn-lt"/>
+        <a:ea typeface="+mn-ea"/>
+        <a:cs typeface="+mn-cs"/>
+      </a:defRPr>
+    </a:lvl7pPr>
+    <a:lvl8pPr marL="3200400" algn="l" defTabSz="457200" rtl="0" eaLnBrk="1" latinLnBrk="0" hangingPunct="1">
+      <a:defRPr sz="1200" kern="1200">
+        <a:solidFill>
+          <a:schemeClr val="tx1"/>
+        </a:solidFill>
+        <a:latin typeface="+mn-lt"/>
+        <a:ea typeface="+mn-ea"/>
+        <a:cs typeface="+mn-cs"/>
+      </a:defRPr>
+    </a:lvl8pPr>
+    <a:lvl9pPr marL="3657600" algn="l" defTabSz="457200" rtl="0" eaLnBrk="1" latinLnBrk="0" hangingPunct="1">
+      <a:defRPr sz="1200" kern="1200">
+        <a:solidFill>
+          <a:schemeClr val="tx1"/>
+        </a:solidFill>
+        <a:latin typeface="+mn-lt"/>
+        <a:ea typeface="+mn-ea"/>
+        <a:cs typeface="+mn-cs"/>
+      </a:defRPr>
+    </a:lvl9pPr>
+  </p:notesStyle>
+</p:notesMaster>
+</file>
+
+<file path=ppt/notesSlides/notesSlide1.xml><?xml version="1.0" encoding="utf-8"?>
+<p:notes xmlns:a="http://schemas.openxmlformats.org/drawingml/2006/main" xmlns:p="http://schemas.openxmlformats.org/presentationml/2006/main" xmlns:r="http://schemas.openxmlformats.org/officeDocument/2006/relationships">
+  <p:cSld>
+    <p:spTree>
+      <p:nvGrpSpPr>
+        <p:cNvPr id="1" name=""/>
+        <p:cNvGrpSpPr/>
+        <p:nvPr/>
+      </p:nvGrpSpPr>
+      <p:grpSpPr>
+        <a:xfrm>
+          <a:off x="0" y="0"/>
+          <a:ext cx="0" cy="0"/>
+          <a:chOff x="0" y="0"/>
+          <a:chExt cx="0" cy="0"/>
+        </a:xfrm>
+      </p:grpSpPr>
+      <p:sp>
+        <p:nvSpPr>
+          <p:cNvPr id="2" name="Slide Image Placeholder 1"/>
+          <p:cNvSpPr>
+            <a:spLocks noGrp="1"/>
+          </p:cNvSpPr>
+          <p:nvPr>
+            <p:ph type="sldImg" idx="2"/>
+          </p:nvPr>
+        </p:nvSpPr>
+        <p:spPr/>
+      </p:sp>
+      <p:sp>
+        <p:nvSpPr>
+          <p:cNvPr id="3" name="Notes Placeholder 2"/>
+          <p:cNvSpPr>
+            <a:spLocks noGrp="1"/>
+          </p:cNvSpPr>
+          <p:nvPr>
+            <p:ph type="body" idx="3" sz="quarter"/>
+          </p:nvPr>
+        </p:nvSpPr>
+        <p:spPr/>
+        <p:txBody>
+          <a:bodyPr/>
+          <a:lstStyle/>
+          <a:p>
+            <a:r>
+              <a:t>Architecture Overview:</a:t>
+            </a:r>
+          </a:p>
+          <a:p/>
+          <a:p>
+            <a:r>
+              <a:t>SOURCES:</a:t>
+            </a:r>
+          </a:p>
+          <a:p>
+            <a:r>
+              <a:t>- CSV Data (data/customers.csv, data/competitor_data.csv): Customer transaction and competitor data</a:t>
+            </a:r>
+          </a:p>
+          <a:p>
+            <a:r>
+              <a:t>- User Input: Research objectives, API keys, and configuration via Streamlit UI</a:t>
+            </a:r>
+          </a:p>
+          <a:p>
+            <a:r>
+              <a:t>- Literature: Research papers stored in knowledge/literature/*.txt</a:t>
+            </a:r>
+          </a:p>
+          <a:p/>
+          <a:p>
+            <a:r>
+              <a:t>PROCESSING:</a:t>
+            </a:r>
+          </a:p>
+          <a:p>
+            <a:r>
+              <a:t>- Streamlit Orchestrator: Main application controller that manages discovery cycles</a:t>
+            </a:r>
+          </a:p>
+          <a:p>
+            <a:r>
+              <a:t>- Statistical Analysis: scipy/numpy-based statistical tests (correlations, t-tests, ANOVA, regression)</a:t>
+            </a:r>
+          </a:p>
+          <a:p>
+            <a:r>
+              <a:t>- LLM Gateway: OpenAI API integration for question generation and discovery synthesis</a:t>
+            </a:r>
+          </a:p>
+          <a:p>
+            <a:r>
+              <a:t>- World Model: Knowledge graph manager tracking discoveries, trajectories, and hypotheses</a:t>
+            </a:r>
+          </a:p>
+          <a:p/>
+          <a:p>
+            <a:r>
+              <a:t>STORAGE:</a:t>
+            </a:r>
+          </a:p>
+          <a:p>
+            <a:r>
+              <a:t>- World Model JSON: Persistent storage of discoveries and analysis trajectories</a:t>
+            </a:r>
+          </a:p>
+          <a:p>
+            <a:r>
+              <a:t>- Session State: Streamlit session state for runtime data preservation</a:t>
+            </a:r>
+          </a:p>
+          <a:p/>
+          <a:p>
+            <a:r>
+              <a:t>OUTPUTS:</a:t>
+            </a:r>
+          </a:p>
+          <a:p>
+            <a:r>
+              <a:t>- Dashboard: Interactive Streamlit web interface with real-time visualizations</a:t>
+            </a:r>
+          </a:p>
+          <a:p>
+            <a:r>
+              <a:t>- Reports: Auto-generated text reports with statistical evidence extraction</a:t>
+            </a:r>
+          </a:p>
+          <a:p/>
+          <a:p>
+            <a:r>
+              <a:t>Evidence: All components verified in source code (see component_index.csv)</a:t>
+            </a:r>
+          </a:p>
+          <a:p/>
+        </p:txBody>
+      </p:sp>
+      <p:sp>
+        <p:nvSpPr>
+          <p:cNvPr id="4" name="Slide Number Placeholder 3"/>
+          <p:cNvSpPr>
+            <a:spLocks noGrp="1"/>
+          </p:cNvSpPr>
+          <p:nvPr>
+            <p:ph type="sldNum" idx="5" sz="quarter"/>
+          </p:nvPr>
+        </p:nvSpPr>
+        <p:spPr/>
+      </p:sp>
+    </p:spTree>
+  </p:cSld>
+  <p:clrMapOvr>
+    <a:masterClrMapping/>
+  </p:clrMapOvr>
+</p:notes>
 </file>
 
 <file path=ppt/slideLayouts/slideLayout1.xml><?xml version="1.0" encoding="utf-8"?>
@@ -3097,7 +3605,7 @@
         <p:spPr>
           <a:xfrm>
             <a:off x="457200" y="274320"/>
-            <a:ext cx="10972800" cy="548640"/>
+            <a:ext cx="13716000" cy="548640"/>
           </a:xfrm>
           <a:prstGeom prst="rect">
             <a:avLst/>
@@ -3110,15 +3618,15 @@
           </a:bodyPr>
           <a:lstStyle/>
           <a:p>
-            <a:pPr>
-              <a:defRPr sz="2400" b="1">
-                <a:solidFill>
-                  <a:srgbClr val="002060"/>
+            <a:pPr algn="ctr">
+              <a:defRPr sz="3600" b="1">
+                <a:solidFill>
+                  <a:srgbClr val="2C3E50"/>
                 </a:solidFill>
               </a:defRPr>
             </a:pPr>
             <a:r>
-              <a:t>Kosmos AI Scientist: Autonomous Data-Driven Discovery Platform</a:t>
+              <a:t>Agentic Insights: System Architecture</a:t>
             </a:r>
           </a:p>
         </p:txBody>
@@ -3131,8 +3639,8 @@
         </p:nvSpPr>
         <p:spPr>
           <a:xfrm>
-            <a:off x="457200" y="777240"/>
-            <a:ext cx="10972800" cy="365760"/>
+            <a:off x="457200" y="822960"/>
+            <a:ext cx="13716000" cy="365760"/>
           </a:xfrm>
           <a:prstGeom prst="rect">
             <a:avLst/>
@@ -3145,74 +3653,71 @@
           </a:bodyPr>
           <a:lstStyle/>
           <a:p>
-            <a:pPr>
-              <a:defRPr sz="1200">
-                <a:solidFill>
-                  <a:srgbClr val="404040"/>
+            <a:pPr algn="ctr">
+              <a:defRPr sz="1600">
+                <a:solidFill>
+                  <a:srgbClr val="7F8C8D"/>
                 </a:solidFill>
               </a:defRPr>
             </a:pPr>
             <a:r>
-              <a:t>Transforms customer data into statistically-validated business insights through automated discovery cycles</a:t>
-            </a:r>
-          </a:p>
-        </p:txBody>
-      </p:sp>
-      <p:sp>
-        <p:nvSpPr>
-          <p:cNvPr id="4" name="Rectangle 3"/>
-          <p:cNvSpPr/>
+              <a:t>Autonomous AI discovery system with statistical rigor and LLM synthesis</a:t>
+            </a:r>
+          </a:p>
+        </p:txBody>
+      </p:sp>
+      <p:pic>
+        <p:nvPicPr>
+          <p:cNvPr id="4" name="Picture 3" descr="architecture_diagram.png"/>
+          <p:cNvPicPr>
+            <a:picLocks noChangeAspect="1"/>
+          </p:cNvPicPr>
           <p:nvPr/>
-        </p:nvSpPr>
+        </p:nvPicPr>
+        <p:blipFill>
+          <a:blip r:embed="rId2"/>
+          <a:stretch>
+            <a:fillRect/>
+          </a:stretch>
+        </p:blipFill>
         <p:spPr>
           <a:xfrm>
-            <a:off x="365760" y="1188720"/>
-            <a:ext cx="1737360" cy="4389120"/>
+            <a:off x="457200" y="1371600"/>
+            <a:ext cx="13716000" cy="7667938"/>
           </a:xfrm>
           <a:prstGeom prst="rect">
             <a:avLst/>
           </a:prstGeom>
-          <a:solidFill>
-            <a:srgbClr val="F5F5F5"/>
-          </a:solidFill>
-          <a:ln w="12700">
-            <a:solidFill>
-              <a:srgbClr val="D9D9D9"/>
-            </a:solidFill>
-          </a:ln>
         </p:spPr>
-        <p:style>
-          <a:lnRef idx="1">
-            <a:schemeClr val="accent1"/>
-          </a:lnRef>
-          <a:fillRef idx="3">
-            <a:schemeClr val="accent1"/>
-          </a:fillRef>
-          <a:effectRef idx="2">
-            <a:schemeClr val="accent1"/>
-          </a:effectRef>
-          <a:fontRef idx="minor">
-            <a:schemeClr val="lt1"/>
-          </a:fontRef>
-        </p:style>
-        <p:txBody>
-          <a:bodyPr rtlCol="0" anchor="ctr"/>
-          <a:lstStyle/>
-          <a:p>
-            <a:pPr algn="ctr"/>
-          </a:p>
-        </p:txBody>
-      </p:sp>
-      <p:sp>
-        <p:nvSpPr>
-          <p:cNvPr id="5" name="TextBox 4"/>
+      </p:pic>
+    </p:spTree>
+  </p:cSld>
+  <p:clrMapOvr>
+    <a:masterClrMapping/>
+  </p:clrMapOvr>
+</p:sld>
+</file>
+
+<file path=ppt/slides/slide2.xml><?xml version="1.0" encoding="utf-8"?>
+<p:sld xmlns:a="http://schemas.openxmlformats.org/drawingml/2006/main" xmlns:p="http://schemas.openxmlformats.org/presentationml/2006/main" xmlns:r="http://schemas.openxmlformats.org/officeDocument/2006/relationships">
+  <p:cSld>
+    <p:spTree>
+      <p:nvGrpSpPr>
+        <p:cNvPr id="1" name=""/>
+        <p:cNvGrpSpPr/>
+        <p:nvPr/>
+      </p:nvGrpSpPr>
+      <p:grpSpPr/>
+      <p:sp>
+        <p:nvSpPr>
+          <p:cNvPr id="2" name="TextBox 1"/>
           <p:cNvSpPr txBox="1"/>
           <p:nvPr/>
         </p:nvSpPr>
         <p:spPr>
           <a:xfrm>
-            <a:off x="457200" y="1234440"/>
-            <a:ext cx="1554480" cy="228600"/>
+            <a:off x="457200" y="274320"/>
+            <a:ext cx="13716000" cy="457200"/>
           </a:xfrm>
           <a:prstGeom prst="rect">
             <a:avLst/>
@@ -3226,73 +3731,28 @@
           <a:lstStyle/>
           <a:p>
             <a:pPr>
-              <a:defRPr sz="800" b="1">
-                <a:solidFill>
-                  <a:srgbClr val="002060"/>
+              <a:defRPr sz="2800" b="1">
+                <a:solidFill>
+                  <a:srgbClr val="2C3E50"/>
                 </a:solidFill>
               </a:defRPr>
             </a:pPr>
             <a:r>
-              <a:t>DATA SOURCES</a:t>
-            </a:r>
-          </a:p>
-        </p:txBody>
-      </p:sp>
-      <p:sp>
-        <p:nvSpPr>
-          <p:cNvPr id="6" name="Rectangle 5"/>
-          <p:cNvSpPr/>
+              <a:t>Appendix A: Component Details</a:t>
+            </a:r>
+          </a:p>
+        </p:txBody>
+      </p:sp>
+      <p:sp>
+        <p:nvSpPr>
+          <p:cNvPr id="3" name="TextBox 2"/>
+          <p:cNvSpPr txBox="1"/>
           <p:nvPr/>
         </p:nvSpPr>
         <p:spPr>
           <a:xfrm>
-            <a:off x="2194560" y="1188720"/>
-            <a:ext cx="1828800" cy="4389120"/>
-          </a:xfrm>
-          <a:prstGeom prst="rect">
-            <a:avLst/>
-          </a:prstGeom>
-          <a:solidFill>
-            <a:srgbClr val="F5F5F5"/>
-          </a:solidFill>
-          <a:ln w="12700">
-            <a:solidFill>
-              <a:srgbClr val="D9D9D9"/>
-            </a:solidFill>
-          </a:ln>
-        </p:spPr>
-        <p:style>
-          <a:lnRef idx="1">
-            <a:schemeClr val="accent1"/>
-          </a:lnRef>
-          <a:fillRef idx="3">
-            <a:schemeClr val="accent1"/>
-          </a:fillRef>
-          <a:effectRef idx="2">
-            <a:schemeClr val="accent1"/>
-          </a:effectRef>
-          <a:fontRef idx="minor">
-            <a:schemeClr val="lt1"/>
-          </a:fontRef>
-        </p:style>
-        <p:txBody>
-          <a:bodyPr rtlCol="0" anchor="ctr"/>
-          <a:lstStyle/>
-          <a:p>
-            <a:pPr algn="ctr"/>
-          </a:p>
-        </p:txBody>
-      </p:sp>
-      <p:sp>
-        <p:nvSpPr>
-          <p:cNvPr id="7" name="TextBox 6"/>
-          <p:cNvSpPr txBox="1"/>
-          <p:nvPr/>
-        </p:nvSpPr>
-        <p:spPr>
-          <a:xfrm>
-            <a:off x="2286000" y="1234440"/>
-            <a:ext cx="1645920" cy="228600"/>
+            <a:off x="457200" y="914400"/>
+            <a:ext cx="13716000" cy="274320"/>
           </a:xfrm>
           <a:prstGeom prst="rect">
             <a:avLst/>
@@ -3306,73 +3766,28 @@
           <a:lstStyle/>
           <a:p>
             <a:pPr>
-              <a:defRPr sz="800" b="1">
-                <a:solidFill>
-                  <a:srgbClr val="002060"/>
+              <a:defRPr sz="1400" b="1">
+                <a:solidFill>
+                  <a:srgbClr val="3498DB"/>
                 </a:solidFill>
               </a:defRPr>
             </a:pPr>
             <a:r>
-              <a:t>INGESTION</a:t>
-            </a:r>
-          </a:p>
-        </p:txBody>
-      </p:sp>
-      <p:sp>
-        <p:nvSpPr>
-          <p:cNvPr id="8" name="Rectangle 7"/>
-          <p:cNvSpPr/>
+              <a:t>Sources:</a:t>
+            </a:r>
+          </a:p>
+        </p:txBody>
+      </p:sp>
+      <p:sp>
+        <p:nvSpPr>
+          <p:cNvPr id="4" name="TextBox 3"/>
+          <p:cNvSpPr txBox="1"/>
           <p:nvPr/>
         </p:nvSpPr>
         <p:spPr>
           <a:xfrm>
-            <a:off x="4206240" y="1188720"/>
-            <a:ext cx="3291840" cy="4389120"/>
-          </a:xfrm>
-          <a:prstGeom prst="rect">
-            <a:avLst/>
-          </a:prstGeom>
-          <a:solidFill>
-            <a:srgbClr val="F5F5F5"/>
-          </a:solidFill>
-          <a:ln w="12700">
-            <a:solidFill>
-              <a:srgbClr val="D9D9D9"/>
-            </a:solidFill>
-          </a:ln>
-        </p:spPr>
-        <p:style>
-          <a:lnRef idx="1">
-            <a:schemeClr val="accent1"/>
-          </a:lnRef>
-          <a:fillRef idx="3">
-            <a:schemeClr val="accent1"/>
-          </a:fillRef>
-          <a:effectRef idx="2">
-            <a:schemeClr val="accent1"/>
-          </a:effectRef>
-          <a:fontRef idx="minor">
-            <a:schemeClr val="lt1"/>
-          </a:fontRef>
-        </p:style>
-        <p:txBody>
-          <a:bodyPr rtlCol="0" anchor="ctr"/>
-          <a:lstStyle/>
-          <a:p>
-            <a:pPr algn="ctr"/>
-          </a:p>
-        </p:txBody>
-      </p:sp>
-      <p:sp>
-        <p:nvSpPr>
-          <p:cNvPr id="9" name="TextBox 8"/>
-          <p:cNvSpPr txBox="1"/>
-          <p:nvPr/>
-        </p:nvSpPr>
-        <p:spPr>
-          <a:xfrm>
-            <a:off x="4297679" y="1234440"/>
-            <a:ext cx="3108960" cy="228600"/>
+            <a:off x="640080" y="1234440"/>
+            <a:ext cx="13258800" cy="365760"/>
           </a:xfrm>
           <a:prstGeom prst="rect">
             <a:avLst/>
@@ -3380,79 +3795,34 @@
           <a:noFill/>
         </p:spPr>
         <p:txBody>
-          <a:bodyPr wrap="none">
+          <a:bodyPr wrap="square">
             <a:spAutoFit/>
           </a:bodyPr>
           <a:lstStyle/>
           <a:p>
             <a:pPr>
-              <a:defRPr sz="800" b="1">
-                <a:solidFill>
-                  <a:srgbClr val="002060"/>
+              <a:defRPr sz="1000">
+                <a:solidFill>
+                  <a:srgbClr val="2C3E50"/>
                 </a:solidFill>
               </a:defRPr>
             </a:pPr>
             <a:r>
-              <a:t>CORE PROCESSING</a:t>
-            </a:r>
-          </a:p>
-        </p:txBody>
-      </p:sp>
-      <p:sp>
-        <p:nvSpPr>
-          <p:cNvPr id="10" name="Rectangle 9"/>
-          <p:cNvSpPr/>
+              <a:t>• Customer Data CSV: User uploaded data → Customer records (demographics/transactions)</a:t>
+            </a:r>
+          </a:p>
+        </p:txBody>
+      </p:sp>
+      <p:sp>
+        <p:nvSpPr>
+          <p:cNvPr id="5" name="TextBox 4"/>
+          <p:cNvSpPr txBox="1"/>
           <p:nvPr/>
         </p:nvSpPr>
         <p:spPr>
           <a:xfrm>
-            <a:off x="7589520" y="1188720"/>
-            <a:ext cx="2011680" cy="4389120"/>
-          </a:xfrm>
-          <a:prstGeom prst="rect">
-            <a:avLst/>
-          </a:prstGeom>
-          <a:solidFill>
-            <a:srgbClr val="F5F5F5"/>
-          </a:solidFill>
-          <a:ln w="12700">
-            <a:solidFill>
-              <a:srgbClr val="D9D9D9"/>
-            </a:solidFill>
-          </a:ln>
-        </p:spPr>
-        <p:style>
-          <a:lnRef idx="1">
-            <a:schemeClr val="accent1"/>
-          </a:lnRef>
-          <a:fillRef idx="3">
-            <a:schemeClr val="accent1"/>
-          </a:fillRef>
-          <a:effectRef idx="2">
-            <a:schemeClr val="accent1"/>
-          </a:effectRef>
-          <a:fontRef idx="minor">
-            <a:schemeClr val="lt1"/>
-          </a:fontRef>
-        </p:style>
-        <p:txBody>
-          <a:bodyPr rtlCol="0" anchor="ctr"/>
-          <a:lstStyle/>
-          <a:p>
-            <a:pPr algn="ctr"/>
-          </a:p>
-        </p:txBody>
-      </p:sp>
-      <p:sp>
-        <p:nvSpPr>
-          <p:cNvPr id="11" name="TextBox 10"/>
-          <p:cNvSpPr txBox="1"/>
-          <p:nvPr/>
-        </p:nvSpPr>
-        <p:spPr>
-          <a:xfrm>
-            <a:off x="7680960" y="1234440"/>
-            <a:ext cx="1828800" cy="228600"/>
+            <a:off x="640080" y="1645920"/>
+            <a:ext cx="13258800" cy="365760"/>
           </a:xfrm>
           <a:prstGeom prst="rect">
             <a:avLst/>
@@ -3460,79 +3830,34 @@
           <a:noFill/>
         </p:spPr>
         <p:txBody>
-          <a:bodyPr wrap="none">
+          <a:bodyPr wrap="square">
             <a:spAutoFit/>
           </a:bodyPr>
           <a:lstStyle/>
           <a:p>
             <a:pPr>
-              <a:defRPr sz="800" b="1">
-                <a:solidFill>
-                  <a:srgbClr val="002060"/>
+              <a:defRPr sz="1000">
+                <a:solidFill>
+                  <a:srgbClr val="2C3E50"/>
                 </a:solidFill>
               </a:defRPr>
             </a:pPr>
             <a:r>
-              <a:t>STORAGE</a:t>
-            </a:r>
-          </a:p>
-        </p:txBody>
-      </p:sp>
-      <p:sp>
-        <p:nvSpPr>
-          <p:cNvPr id="12" name="Rectangle 11"/>
-          <p:cNvSpPr/>
+              <a:t>• Competitor Data CSV: User uploaded data → Competitor interaction data</a:t>
+            </a:r>
+          </a:p>
+        </p:txBody>
+      </p:sp>
+      <p:sp>
+        <p:nvSpPr>
+          <p:cNvPr id="6" name="TextBox 5"/>
+          <p:cNvSpPr txBox="1"/>
           <p:nvPr/>
         </p:nvSpPr>
         <p:spPr>
           <a:xfrm>
-            <a:off x="9692640" y="1188720"/>
-            <a:ext cx="2011680" cy="4389120"/>
-          </a:xfrm>
-          <a:prstGeom prst="rect">
-            <a:avLst/>
-          </a:prstGeom>
-          <a:solidFill>
-            <a:srgbClr val="F5F5F5"/>
-          </a:solidFill>
-          <a:ln w="12700">
-            <a:solidFill>
-              <a:srgbClr val="D9D9D9"/>
-            </a:solidFill>
-          </a:ln>
-        </p:spPr>
-        <p:style>
-          <a:lnRef idx="1">
-            <a:schemeClr val="accent1"/>
-          </a:lnRef>
-          <a:fillRef idx="3">
-            <a:schemeClr val="accent1"/>
-          </a:fillRef>
-          <a:effectRef idx="2">
-            <a:schemeClr val="accent1"/>
-          </a:effectRef>
-          <a:fontRef idx="minor">
-            <a:schemeClr val="lt1"/>
-          </a:fontRef>
-        </p:style>
-        <p:txBody>
-          <a:bodyPr rtlCol="0" anchor="ctr"/>
-          <a:lstStyle/>
-          <a:p>
-            <a:pPr algn="ctr"/>
-          </a:p>
-        </p:txBody>
-      </p:sp>
-      <p:sp>
-        <p:nvSpPr>
-          <p:cNvPr id="13" name="TextBox 12"/>
-          <p:cNvSpPr txBox="1"/>
-          <p:nvPr/>
-        </p:nvSpPr>
-        <p:spPr>
-          <a:xfrm>
-            <a:off x="9784080" y="1234440"/>
-            <a:ext cx="1828800" cy="228600"/>
+            <a:off x="640080" y="2057400"/>
+            <a:ext cx="13258800" cy="365760"/>
           </a:xfrm>
           <a:prstGeom prst="rect">
             <a:avLst/>
@@ -3540,1221 +3865,34 @@
           <a:noFill/>
         </p:spPr>
         <p:txBody>
-          <a:bodyPr wrap="none">
+          <a:bodyPr wrap="square">
             <a:spAutoFit/>
           </a:bodyPr>
           <a:lstStyle/>
           <a:p>
             <a:pPr>
-              <a:defRPr sz="800" b="1">
-                <a:solidFill>
-                  <a:srgbClr val="002060"/>
+              <a:defRPr sz="1000">
+                <a:solidFill>
+                  <a:srgbClr val="2C3E50"/>
                 </a:solidFill>
               </a:defRPr>
             </a:pPr>
             <a:r>
-              <a:t>OUTPUTS</a:t>
-            </a:r>
-          </a:p>
-        </p:txBody>
-      </p:sp>
-      <p:sp>
-        <p:nvSpPr>
-          <p:cNvPr id="14" name="Data 13"/>
-          <p:cNvSpPr/>
+              <a:t>• Literature Files: Research papers → Full-text paper content</a:t>
+            </a:r>
+          </a:p>
+        </p:txBody>
+      </p:sp>
+      <p:sp>
+        <p:nvSpPr>
+          <p:cNvPr id="7" name="TextBox 6"/>
+          <p:cNvSpPr txBox="1"/>
           <p:nvPr/>
         </p:nvSpPr>
         <p:spPr>
           <a:xfrm>
-            <a:off x="457200" y="1645920"/>
-            <a:ext cx="1554480" cy="640080"/>
-          </a:xfrm>
-          <a:prstGeom prst="flowChartInputOutput">
-            <a:avLst/>
-          </a:prstGeom>
-          <a:solidFill>
-            <a:srgbClr val="E6F0FF"/>
-          </a:solidFill>
-          <a:ln w="19050">
-            <a:solidFill>
-              <a:srgbClr val="404040"/>
-            </a:solidFill>
-          </a:ln>
-        </p:spPr>
-        <p:style>
-          <a:lnRef idx="1">
-            <a:schemeClr val="accent1"/>
-          </a:lnRef>
-          <a:fillRef idx="3">
-            <a:schemeClr val="accent1"/>
-          </a:fillRef>
-          <a:effectRef idx="2">
-            <a:schemeClr val="accent1"/>
-          </a:effectRef>
-          <a:fontRef idx="minor">
-            <a:schemeClr val="lt1"/>
-          </a:fontRef>
-        </p:style>
-        <p:txBody>
-          <a:bodyPr rtlCol="0" anchor="ctr" wrap="square"/>
-          <a:lstStyle/>
-          <a:p>
-            <a:pPr algn="ctr">
-              <a:defRPr sz="900" b="1">
-                <a:solidFill>
-                  <a:srgbClr val="404040"/>
-                </a:solidFill>
-              </a:defRPr>
-            </a:pPr>
-            <a:r>
-              <a:t>CSV Files</a:t>
-            </a:r>
-          </a:p>
-          <a:p>
-            <a:pPr algn="ctr">
-              <a:defRPr sz="900" b="1">
-                <a:solidFill>
-                  <a:srgbClr val="404040"/>
-                </a:solidFill>
-              </a:defRPr>
-            </a:pPr>
-            <a:r>
-              <a:t>customers.csv</a:t>
-            </a:r>
-          </a:p>
-          <a:p>
-            <a:pPr algn="ctr">
-              <a:defRPr sz="900" b="1">
-                <a:solidFill>
-                  <a:srgbClr val="404040"/>
-                </a:solidFill>
-              </a:defRPr>
-            </a:pPr>
-            <a:r>
-              <a:t>competitor_data.csv</a:t>
-            </a:r>
-          </a:p>
-        </p:txBody>
-      </p:sp>
-      <p:sp>
-        <p:nvSpPr>
-          <p:cNvPr id="15" name="Data 14"/>
-          <p:cNvSpPr/>
-          <p:nvPr/>
-        </p:nvSpPr>
-        <p:spPr>
-          <a:xfrm>
-            <a:off x="457200" y="2743200"/>
-            <a:ext cx="1554480" cy="640080"/>
-          </a:xfrm>
-          <a:prstGeom prst="flowChartInputOutput">
-            <a:avLst/>
-          </a:prstGeom>
-          <a:solidFill>
-            <a:srgbClr val="E6F0FF"/>
-          </a:solidFill>
-          <a:ln w="19050">
-            <a:solidFill>
-              <a:srgbClr val="404040"/>
-            </a:solidFill>
-          </a:ln>
-        </p:spPr>
-        <p:style>
-          <a:lnRef idx="1">
-            <a:schemeClr val="accent1"/>
-          </a:lnRef>
-          <a:fillRef idx="3">
-            <a:schemeClr val="accent1"/>
-          </a:fillRef>
-          <a:effectRef idx="2">
-            <a:schemeClr val="accent1"/>
-          </a:effectRef>
-          <a:fontRef idx="minor">
-            <a:schemeClr val="lt1"/>
-          </a:fontRef>
-        </p:style>
-        <p:txBody>
-          <a:bodyPr rtlCol="0" anchor="ctr" wrap="square"/>
-          <a:lstStyle/>
-          <a:p>
-            <a:pPr algn="ctr">
-              <a:defRPr sz="900" b="1">
-                <a:solidFill>
-                  <a:srgbClr val="404040"/>
-                </a:solidFill>
-              </a:defRPr>
-            </a:pPr>
-            <a:r>
-              <a:t>Literature KB</a:t>
-            </a:r>
-          </a:p>
-          <a:p>
-            <a:pPr algn="ctr">
-              <a:defRPr sz="900" b="1">
-                <a:solidFill>
-                  <a:srgbClr val="404040"/>
-                </a:solidFill>
-              </a:defRPr>
-            </a:pPr>
-            <a:r>
-              <a:t>knowledge/</a:t>
-            </a:r>
-          </a:p>
-          <a:p>
-            <a:pPr algn="ctr">
-              <a:defRPr sz="900" b="1">
-                <a:solidFill>
-                  <a:srgbClr val="404040"/>
-                </a:solidFill>
-              </a:defRPr>
-            </a:pPr>
-            <a:r>
-              <a:t>literature/</a:t>
-            </a:r>
-          </a:p>
-        </p:txBody>
-      </p:sp>
-      <p:sp>
-        <p:nvSpPr>
-          <p:cNvPr id="16" name="Hexagon 15"/>
-          <p:cNvSpPr/>
-          <p:nvPr/>
-        </p:nvSpPr>
-        <p:spPr>
-          <a:xfrm>
-            <a:off x="457200" y="3840480"/>
-            <a:ext cx="1554480" cy="640080"/>
-          </a:xfrm>
-          <a:prstGeom prst="hexagon">
-            <a:avLst/>
-          </a:prstGeom>
-          <a:solidFill>
-            <a:srgbClr val="FFF5E6"/>
-          </a:solidFill>
-          <a:ln w="19050">
-            <a:solidFill>
-              <a:srgbClr val="404040"/>
-            </a:solidFill>
-          </a:ln>
-        </p:spPr>
-        <p:style>
-          <a:lnRef idx="1">
-            <a:schemeClr val="accent1"/>
-          </a:lnRef>
-          <a:fillRef idx="3">
-            <a:schemeClr val="accent1"/>
-          </a:fillRef>
-          <a:effectRef idx="2">
-            <a:schemeClr val="accent1"/>
-          </a:effectRef>
-          <a:fontRef idx="minor">
-            <a:schemeClr val="lt1"/>
-          </a:fontRef>
-        </p:style>
-        <p:txBody>
-          <a:bodyPr rtlCol="0" anchor="ctr" wrap="square"/>
-          <a:lstStyle/>
-          <a:p>
-            <a:pPr algn="ctr">
-              <a:defRPr sz="900" b="1">
-                <a:solidFill>
-                  <a:srgbClr val="404040"/>
-                </a:solidFill>
-              </a:defRPr>
-            </a:pPr>
-            <a:r>
-              <a:t>OpenAI API</a:t>
-            </a:r>
-          </a:p>
-          <a:p>
-            <a:pPr algn="ctr">
-              <a:defRPr sz="900" b="1">
-                <a:solidFill>
-                  <a:srgbClr val="404040"/>
-                </a:solidFill>
-              </a:defRPr>
-            </a:pPr>
-            <a:r>
-              <a:t>GPT-3.5/4</a:t>
-            </a:r>
-          </a:p>
-          <a:p>
-            <a:pPr algn="ctr">
-              <a:defRPr sz="900" b="1">
-                <a:solidFill>
-                  <a:srgbClr val="404040"/>
-                </a:solidFill>
-              </a:defRPr>
-            </a:pPr>
-            <a:r>
-              <a:t>(Optional)</a:t>
-            </a:r>
-          </a:p>
-        </p:txBody>
-      </p:sp>
-      <p:sp>
-        <p:nvSpPr>
-          <p:cNvPr id="17" name="Rounded Rectangle 16"/>
-          <p:cNvSpPr/>
-          <p:nvPr/>
-        </p:nvSpPr>
-        <p:spPr>
-          <a:xfrm>
-            <a:off x="2286000" y="1645920"/>
-            <a:ext cx="1554480" cy="1097280"/>
-          </a:xfrm>
-          <a:prstGeom prst="roundRect">
-            <a:avLst/>
-          </a:prstGeom>
-          <a:solidFill>
-            <a:srgbClr val="DCE6F0"/>
-          </a:solidFill>
-          <a:ln w="19050">
-            <a:solidFill>
-              <a:srgbClr val="404040"/>
-            </a:solidFill>
-          </a:ln>
-        </p:spPr>
-        <p:style>
-          <a:lnRef idx="1">
-            <a:schemeClr val="accent1"/>
-          </a:lnRef>
-          <a:fillRef idx="3">
-            <a:schemeClr val="accent1"/>
-          </a:fillRef>
-          <a:effectRef idx="2">
-            <a:schemeClr val="accent1"/>
-          </a:effectRef>
-          <a:fontRef idx="minor">
-            <a:schemeClr val="lt1"/>
-          </a:fontRef>
-        </p:style>
-        <p:txBody>
-          <a:bodyPr rtlCol="0" anchor="ctr" wrap="square"/>
-          <a:lstStyle/>
-          <a:p>
-            <a:pPr algn="ctr">
-              <a:defRPr sz="900" b="1">
-                <a:solidFill>
-                  <a:srgbClr val="404040"/>
-                </a:solidFill>
-              </a:defRPr>
-            </a:pPr>
-            <a:r>
-              <a:t>Data Ingestion</a:t>
-            </a:r>
-          </a:p>
-          <a:p>
-            <a:pPr algn="ctr">
-              <a:defRPr sz="900" b="1">
-                <a:solidFill>
-                  <a:srgbClr val="404040"/>
-                </a:solidFill>
-              </a:defRPr>
-            </a:pPr>
-            <a:r>
-              <a:t>&amp; Preprocessing</a:t>
-            </a:r>
-          </a:p>
-          <a:p>
-            <a:pPr algn="ctr">
-              <a:defRPr sz="900" b="1">
-                <a:solidFill>
-                  <a:srgbClr val="404040"/>
-                </a:solidFill>
-              </a:defRPr>
-            </a:pPr>
-          </a:p>
-          <a:p>
-            <a:pPr algn="ctr">
-              <a:defRPr sz="900" b="1">
-                <a:solidFill>
-                  <a:srgbClr val="404040"/>
-                </a:solidFill>
-              </a:defRPr>
-            </a:pPr>
-            <a:r>
-              <a:t>Merge + Clean</a:t>
-            </a:r>
-          </a:p>
-          <a:p>
-            <a:pPr algn="ctr">
-              <a:defRPr sz="900" b="1">
-                <a:solidFill>
-                  <a:srgbClr val="404040"/>
-                </a:solidFill>
-              </a:defRPr>
-            </a:pPr>
-            <a:r>
-              <a:t>Impute + Engineer</a:t>
-            </a:r>
-          </a:p>
-        </p:txBody>
-      </p:sp>
-      <p:sp>
-        <p:nvSpPr>
-          <p:cNvPr id="18" name="Rounded Rectangle 17"/>
-          <p:cNvSpPr/>
-          <p:nvPr/>
-        </p:nvSpPr>
-        <p:spPr>
-          <a:xfrm>
-            <a:off x="4389120" y="1463040"/>
-            <a:ext cx="1371600" cy="822960"/>
-          </a:xfrm>
-          <a:prstGeom prst="roundRect">
-            <a:avLst/>
-          </a:prstGeom>
-          <a:solidFill>
-            <a:srgbClr val="007BFF"/>
-          </a:solidFill>
-          <a:ln w="19050">
-            <a:solidFill>
-              <a:srgbClr val="007BFF"/>
-            </a:solidFill>
-          </a:ln>
-        </p:spPr>
-        <p:style>
-          <a:lnRef idx="1">
-            <a:schemeClr val="accent1"/>
-          </a:lnRef>
-          <a:fillRef idx="3">
-            <a:schemeClr val="accent1"/>
-          </a:fillRef>
-          <a:effectRef idx="2">
-            <a:schemeClr val="accent1"/>
-          </a:effectRef>
-          <a:fontRef idx="minor">
-            <a:schemeClr val="lt1"/>
-          </a:fontRef>
-        </p:style>
-        <p:txBody>
-          <a:bodyPr rtlCol="0" anchor="ctr" wrap="square"/>
-          <a:lstStyle/>
-          <a:p>
-            <a:pPr algn="ctr">
-              <a:defRPr sz="900" b="1">
-                <a:solidFill>
-                  <a:srgbClr val="FFFFFF"/>
-                </a:solidFill>
-              </a:defRPr>
-            </a:pPr>
-            <a:r>
-              <a:t>Discovery Cycle</a:t>
-            </a:r>
-          </a:p>
-          <a:p>
-            <a:pPr algn="ctr">
-              <a:defRPr sz="900" b="1">
-                <a:solidFill>
-                  <a:srgbClr val="FFFFFF"/>
-                </a:solidFill>
-              </a:defRPr>
-            </a:pPr>
-            <a:r>
-              <a:t>Engine</a:t>
-            </a:r>
-          </a:p>
-          <a:p>
-            <a:pPr algn="ctr">
-              <a:defRPr sz="900" b="1">
-                <a:solidFill>
-                  <a:srgbClr val="FFFFFF"/>
-                </a:solidFill>
-              </a:defRPr>
-            </a:pPr>
-          </a:p>
-          <a:p>
-            <a:pPr algn="ctr">
-              <a:defRPr sz="900" b="1">
-                <a:solidFill>
-                  <a:srgbClr val="FFFFFF"/>
-                </a:solidFill>
-              </a:defRPr>
-            </a:pPr>
-            <a:r>
-              <a:t>Orchestrates</a:t>
-            </a:r>
-          </a:p>
-          <a:p>
-            <a:pPr algn="ctr">
-              <a:defRPr sz="900" b="1">
-                <a:solidFill>
-                  <a:srgbClr val="FFFFFF"/>
-                </a:solidFill>
-              </a:defRPr>
-            </a:pPr>
-            <a:r>
-              <a:t>Q-&gt;A-&gt;S</a:t>
-            </a:r>
-          </a:p>
-        </p:txBody>
-      </p:sp>
-      <p:sp>
-        <p:nvSpPr>
-          <p:cNvPr id="19" name="Rounded Rectangle 18"/>
-          <p:cNvSpPr/>
-          <p:nvPr/>
-        </p:nvSpPr>
-        <p:spPr>
-          <a:xfrm>
-            <a:off x="6217920" y="1463040"/>
-            <a:ext cx="1371600" cy="822960"/>
-          </a:xfrm>
-          <a:prstGeom prst="roundRect">
-            <a:avLst/>
-          </a:prstGeom>
-          <a:solidFill>
-            <a:srgbClr val="DCE6F0"/>
-          </a:solidFill>
-          <a:ln w="19050">
-            <a:solidFill>
-              <a:srgbClr val="404040"/>
-            </a:solidFill>
-          </a:ln>
-        </p:spPr>
-        <p:style>
-          <a:lnRef idx="1">
-            <a:schemeClr val="accent1"/>
-          </a:lnRef>
-          <a:fillRef idx="3">
-            <a:schemeClr val="accent1"/>
-          </a:fillRef>
-          <a:effectRef idx="2">
-            <a:schemeClr val="accent1"/>
-          </a:effectRef>
-          <a:fontRef idx="minor">
-            <a:schemeClr val="lt1"/>
-          </a:fontRef>
-        </p:style>
-        <p:txBody>
-          <a:bodyPr rtlCol="0" anchor="ctr" wrap="square"/>
-          <a:lstStyle/>
-          <a:p>
-            <a:pPr algn="ctr">
-              <a:defRPr sz="900" b="1">
-                <a:solidFill>
-                  <a:srgbClr val="404040"/>
-                </a:solidFill>
-              </a:defRPr>
-            </a:pPr>
-            <a:r>
-              <a:t>Statistical</a:t>
-            </a:r>
-          </a:p>
-          <a:p>
-            <a:pPr algn="ctr">
-              <a:defRPr sz="900" b="1">
-                <a:solidFill>
-                  <a:srgbClr val="404040"/>
-                </a:solidFill>
-              </a:defRPr>
-            </a:pPr>
-            <a:r>
-              <a:t>Analysis</a:t>
-            </a:r>
-          </a:p>
-          <a:p>
-            <a:pPr algn="ctr">
-              <a:defRPr sz="900" b="1">
-                <a:solidFill>
-                  <a:srgbClr val="404040"/>
-                </a:solidFill>
-              </a:defRPr>
-            </a:pPr>
-          </a:p>
-          <a:p>
-            <a:pPr algn="ctr">
-              <a:defRPr sz="900" b="1">
-                <a:solidFill>
-                  <a:srgbClr val="404040"/>
-                </a:solidFill>
-              </a:defRPr>
-            </a:pPr>
-            <a:r>
-              <a:t>scipy + numpy</a:t>
-            </a:r>
-          </a:p>
-        </p:txBody>
-      </p:sp>
-      <p:sp>
-        <p:nvSpPr>
-          <p:cNvPr id="20" name="Rounded Rectangle 19"/>
-          <p:cNvSpPr/>
-          <p:nvPr/>
-        </p:nvSpPr>
-        <p:spPr>
-          <a:xfrm>
-            <a:off x="4389120" y="2560320"/>
-            <a:ext cx="1371600" cy="731520"/>
-          </a:xfrm>
-          <a:prstGeom prst="roundRect">
-            <a:avLst/>
-          </a:prstGeom>
-          <a:solidFill>
-            <a:srgbClr val="DCE6F0"/>
-          </a:solidFill>
-          <a:ln w="19050">
-            <a:solidFill>
-              <a:srgbClr val="404040"/>
-            </a:solidFill>
-          </a:ln>
-        </p:spPr>
-        <p:style>
-          <a:lnRef idx="1">
-            <a:schemeClr val="accent1"/>
-          </a:lnRef>
-          <a:fillRef idx="3">
-            <a:schemeClr val="accent1"/>
-          </a:fillRef>
-          <a:effectRef idx="2">
-            <a:schemeClr val="accent1"/>
-          </a:effectRef>
-          <a:fontRef idx="minor">
-            <a:schemeClr val="lt1"/>
-          </a:fontRef>
-        </p:style>
-        <p:txBody>
-          <a:bodyPr rtlCol="0" anchor="ctr" wrap="square"/>
-          <a:lstStyle/>
-          <a:p>
-            <a:pPr algn="ctr">
-              <a:defRPr sz="900" b="1">
-                <a:solidFill>
-                  <a:srgbClr val="404040"/>
-                </a:solidFill>
-              </a:defRPr>
-            </a:pPr>
-            <a:r>
-              <a:t>Literature</a:t>
-            </a:r>
-          </a:p>
-          <a:p>
-            <a:pPr algn="ctr">
-              <a:defRPr sz="900" b="1">
-                <a:solidFill>
-                  <a:srgbClr val="404040"/>
-                </a:solidFill>
-              </a:defRPr>
-            </a:pPr>
-            <a:r>
-              <a:t>Search Agent</a:t>
-            </a:r>
-          </a:p>
-          <a:p>
-            <a:pPr algn="ctr">
-              <a:defRPr sz="900" b="1">
-                <a:solidFill>
-                  <a:srgbClr val="404040"/>
-                </a:solidFill>
-              </a:defRPr>
-            </a:pPr>
-          </a:p>
-          <a:p>
-            <a:pPr algn="ctr">
-              <a:defRPr sz="900" b="1">
-                <a:solidFill>
-                  <a:srgbClr val="404040"/>
-                </a:solidFill>
-              </a:defRPr>
-            </a:pPr>
-            <a:r>
-              <a:t>LLM-powered</a:t>
-            </a:r>
-          </a:p>
-        </p:txBody>
-      </p:sp>
-      <p:sp>
-        <p:nvSpPr>
-          <p:cNvPr id="21" name="Rounded Rectangle 20"/>
-          <p:cNvSpPr/>
-          <p:nvPr/>
-        </p:nvSpPr>
-        <p:spPr>
-          <a:xfrm>
-            <a:off x="6217920" y="2560320"/>
-            <a:ext cx="1371600" cy="731520"/>
-          </a:xfrm>
-          <a:prstGeom prst="roundRect">
-            <a:avLst/>
-          </a:prstGeom>
-          <a:solidFill>
-            <a:srgbClr val="DCE6F0"/>
-          </a:solidFill>
-          <a:ln w="19050">
-            <a:solidFill>
-              <a:srgbClr val="404040"/>
-            </a:solidFill>
-          </a:ln>
-        </p:spPr>
-        <p:style>
-          <a:lnRef idx="1">
-            <a:schemeClr val="accent1"/>
-          </a:lnRef>
-          <a:fillRef idx="3">
-            <a:schemeClr val="accent1"/>
-          </a:fillRef>
-          <a:effectRef idx="2">
-            <a:schemeClr val="accent1"/>
-          </a:effectRef>
-          <a:fontRef idx="minor">
-            <a:schemeClr val="lt1"/>
-          </a:fontRef>
-        </p:style>
-        <p:txBody>
-          <a:bodyPr rtlCol="0" anchor="ctr" wrap="square"/>
-          <a:lstStyle/>
-          <a:p>
-            <a:pPr algn="ctr">
-              <a:defRPr sz="900" b="1">
-                <a:solidFill>
-                  <a:srgbClr val="404040"/>
-                </a:solidFill>
-              </a:defRPr>
-            </a:pPr>
-            <a:r>
-              <a:t>Discovery</a:t>
-            </a:r>
-          </a:p>
-          <a:p>
-            <a:pPr algn="ctr">
-              <a:defRPr sz="900" b="1">
-                <a:solidFill>
-                  <a:srgbClr val="404040"/>
-                </a:solidFill>
-              </a:defRPr>
-            </a:pPr>
-            <a:r>
-              <a:t>Synthesis</a:t>
-            </a:r>
-          </a:p>
-          <a:p>
-            <a:pPr algn="ctr">
-              <a:defRPr sz="900" b="1">
-                <a:solidFill>
-                  <a:srgbClr val="404040"/>
-                </a:solidFill>
-              </a:defRPr>
-            </a:pPr>
-          </a:p>
-          <a:p>
-            <a:pPr algn="ctr">
-              <a:defRPr sz="900" b="1">
-                <a:solidFill>
-                  <a:srgbClr val="404040"/>
-                </a:solidFill>
-              </a:defRPr>
-            </a:pPr>
-            <a:r>
-              <a:t>LLM insights</a:t>
-            </a:r>
-          </a:p>
-        </p:txBody>
-      </p:sp>
-      <p:sp>
-        <p:nvSpPr>
-          <p:cNvPr id="22" name="Rounded Rectangle 21"/>
-          <p:cNvSpPr/>
-          <p:nvPr/>
-        </p:nvSpPr>
-        <p:spPr>
-          <a:xfrm>
-            <a:off x="5303520" y="3566160"/>
-            <a:ext cx="1371600" cy="731520"/>
-          </a:xfrm>
-          <a:prstGeom prst="roundRect">
-            <a:avLst/>
-          </a:prstGeom>
-          <a:solidFill>
-            <a:srgbClr val="DCE6F0"/>
-          </a:solidFill>
-          <a:ln w="19050">
-            <a:solidFill>
-              <a:srgbClr val="404040"/>
-            </a:solidFill>
-          </a:ln>
-        </p:spPr>
-        <p:style>
-          <a:lnRef idx="1">
-            <a:schemeClr val="accent1"/>
-          </a:lnRef>
-          <a:fillRef idx="3">
-            <a:schemeClr val="accent1"/>
-          </a:fillRef>
-          <a:effectRef idx="2">
-            <a:schemeClr val="accent1"/>
-          </a:effectRef>
-          <a:fontRef idx="minor">
-            <a:schemeClr val="lt1"/>
-          </a:fontRef>
-        </p:style>
-        <p:txBody>
-          <a:bodyPr rtlCol="0" anchor="ctr" wrap="square"/>
-          <a:lstStyle/>
-          <a:p>
-            <a:pPr algn="ctr">
-              <a:defRPr sz="900" b="1">
-                <a:solidFill>
-                  <a:srgbClr val="404040"/>
-                </a:solidFill>
-              </a:defRPr>
-            </a:pPr>
-            <a:r>
-              <a:t>Report</a:t>
-            </a:r>
-          </a:p>
-          <a:p>
-            <a:pPr algn="ctr">
-              <a:defRPr sz="900" b="1">
-                <a:solidFill>
-                  <a:srgbClr val="404040"/>
-                </a:solidFill>
-              </a:defRPr>
-            </a:pPr>
-            <a:r>
-              <a:t>Generator</a:t>
-            </a:r>
-          </a:p>
-          <a:p>
-            <a:pPr algn="ctr">
-              <a:defRPr sz="900" b="1">
-                <a:solidFill>
-                  <a:srgbClr val="404040"/>
-                </a:solidFill>
-              </a:defRPr>
-            </a:pPr>
-          </a:p>
-          <a:p>
-            <a:pPr algn="ctr">
-              <a:defRPr sz="900" b="1">
-                <a:solidFill>
-                  <a:srgbClr val="404040"/>
-                </a:solidFill>
-              </a:defRPr>
-            </a:pPr>
-            <a:r>
-              <a:t>Extract stats</a:t>
-            </a:r>
-          </a:p>
-        </p:txBody>
-      </p:sp>
-      <p:sp>
-        <p:nvSpPr>
-          <p:cNvPr id="23" name="Data 22"/>
-          <p:cNvSpPr/>
-          <p:nvPr/>
-        </p:nvSpPr>
-        <p:spPr>
-          <a:xfrm>
-            <a:off x="7772400" y="1828800"/>
-            <a:ext cx="1645920" cy="1371600"/>
-          </a:xfrm>
-          <a:prstGeom prst="flowChartInputOutput">
-            <a:avLst/>
-          </a:prstGeom>
-          <a:solidFill>
-            <a:srgbClr val="FFFADC"/>
-          </a:solidFill>
-          <a:ln w="19050">
-            <a:solidFill>
-              <a:srgbClr val="404040"/>
-            </a:solidFill>
-          </a:ln>
-        </p:spPr>
-        <p:style>
-          <a:lnRef idx="1">
-            <a:schemeClr val="accent1"/>
-          </a:lnRef>
-          <a:fillRef idx="3">
-            <a:schemeClr val="accent1"/>
-          </a:fillRef>
-          <a:effectRef idx="2">
-            <a:schemeClr val="accent1"/>
-          </a:effectRef>
-          <a:fontRef idx="minor">
-            <a:schemeClr val="lt1"/>
-          </a:fontRef>
-        </p:style>
-        <p:txBody>
-          <a:bodyPr rtlCol="0" anchor="ctr" wrap="square"/>
-          <a:lstStyle/>
-          <a:p>
-            <a:pPr algn="ctr">
-              <a:defRPr sz="900" b="1">
-                <a:solidFill>
-                  <a:srgbClr val="404040"/>
-                </a:solidFill>
-              </a:defRPr>
-            </a:pPr>
-            <a:r>
-              <a:t>World Model</a:t>
-            </a:r>
-          </a:p>
-          <a:p>
-            <a:pPr algn="ctr">
-              <a:defRPr sz="900" b="1">
-                <a:solidFill>
-                  <a:srgbClr val="404040"/>
-                </a:solidFill>
-              </a:defRPr>
-            </a:pPr>
-            <a:r>
-              <a:t>(Knowledge State)</a:t>
-            </a:r>
-          </a:p>
-          <a:p>
-            <a:pPr algn="ctr">
-              <a:defRPr sz="900" b="1">
-                <a:solidFill>
-                  <a:srgbClr val="404040"/>
-                </a:solidFill>
-              </a:defRPr>
-            </a:pPr>
-          </a:p>
-          <a:p>
-            <a:pPr algn="ctr">
-              <a:defRPr sz="900" b="1">
-                <a:solidFill>
-                  <a:srgbClr val="404040"/>
-                </a:solidFill>
-              </a:defRPr>
-            </a:pPr>
-            <a:r>
-              <a:t>Discoveries</a:t>
-            </a:r>
-          </a:p>
-          <a:p>
-            <a:pPr algn="ctr">
-              <a:defRPr sz="900" b="1">
-                <a:solidFill>
-                  <a:srgbClr val="404040"/>
-                </a:solidFill>
-              </a:defRPr>
-            </a:pPr>
-            <a:r>
-              <a:t>Trajectories</a:t>
-            </a:r>
-          </a:p>
-          <a:p>
-            <a:pPr algn="ctr">
-              <a:defRPr sz="900" b="1">
-                <a:solidFill>
-                  <a:srgbClr val="404040"/>
-                </a:solidFill>
-              </a:defRPr>
-            </a:pPr>
-            <a:r>
-              <a:t>Hypotheses</a:t>
-            </a:r>
-          </a:p>
-        </p:txBody>
-      </p:sp>
-      <p:sp>
-        <p:nvSpPr>
-          <p:cNvPr id="24" name="Parallelogram 23"/>
-          <p:cNvSpPr/>
-          <p:nvPr/>
-        </p:nvSpPr>
-        <p:spPr>
-          <a:xfrm>
-            <a:off x="9875520" y="1463040"/>
-            <a:ext cx="1645920" cy="731520"/>
-          </a:xfrm>
-          <a:prstGeom prst="parallelogram">
-            <a:avLst/>
-          </a:prstGeom>
-          <a:solidFill>
-            <a:srgbClr val="00B050"/>
-          </a:solidFill>
-          <a:ln w="19050">
-            <a:solidFill>
-              <a:srgbClr val="00B050"/>
-            </a:solidFill>
-          </a:ln>
-        </p:spPr>
-        <p:style>
-          <a:lnRef idx="1">
-            <a:schemeClr val="accent1"/>
-          </a:lnRef>
-          <a:fillRef idx="3">
-            <a:schemeClr val="accent1"/>
-          </a:fillRef>
-          <a:effectRef idx="2">
-            <a:schemeClr val="accent1"/>
-          </a:effectRef>
-          <a:fontRef idx="minor">
-            <a:schemeClr val="lt1"/>
-          </a:fontRef>
-        </p:style>
-        <p:txBody>
-          <a:bodyPr rtlCol="0" anchor="ctr" wrap="square"/>
-          <a:lstStyle/>
-          <a:p>
-            <a:pPr algn="ctr">
-              <a:defRPr sz="900" b="1">
-                <a:solidFill>
-                  <a:srgbClr val="FFFFFF"/>
-                </a:solidFill>
-              </a:defRPr>
-            </a:pPr>
-            <a:r>
-              <a:t>Streamlit</a:t>
-            </a:r>
-          </a:p>
-          <a:p>
-            <a:pPr algn="ctr">
-              <a:defRPr sz="900" b="1">
-                <a:solidFill>
-                  <a:srgbClr val="FFFFFF"/>
-                </a:solidFill>
-              </a:defRPr>
-            </a:pPr>
-            <a:r>
-              <a:t>Web UI</a:t>
-            </a:r>
-          </a:p>
-          <a:p>
-            <a:pPr algn="ctr">
-              <a:defRPr sz="900" b="1">
-                <a:solidFill>
-                  <a:srgbClr val="FFFFFF"/>
-                </a:solidFill>
-              </a:defRPr>
-            </a:pPr>
-          </a:p>
-          <a:p>
-            <a:pPr algn="ctr">
-              <a:defRPr sz="900" b="1">
-                <a:solidFill>
-                  <a:srgbClr val="FFFFFF"/>
-                </a:solidFill>
-              </a:defRPr>
-            </a:pPr>
-            <a:r>
-              <a:t>Interactive</a:t>
-            </a:r>
-          </a:p>
-        </p:txBody>
-      </p:sp>
-      <p:sp>
-        <p:nvSpPr>
-          <p:cNvPr id="25" name="Parallelogram 24"/>
-          <p:cNvSpPr/>
-          <p:nvPr/>
-        </p:nvSpPr>
-        <p:spPr>
-          <a:xfrm>
-            <a:off x="9875520" y="2468880"/>
-            <a:ext cx="1645920" cy="731520"/>
-          </a:xfrm>
-          <a:prstGeom prst="parallelogram">
-            <a:avLst/>
-          </a:prstGeom>
-          <a:solidFill>
-            <a:srgbClr val="00B050"/>
-          </a:solidFill>
-          <a:ln w="19050">
-            <a:solidFill>
-              <a:srgbClr val="00B050"/>
-            </a:solidFill>
-          </a:ln>
-        </p:spPr>
-        <p:style>
-          <a:lnRef idx="1">
-            <a:schemeClr val="accent1"/>
-          </a:lnRef>
-          <a:fillRef idx="3">
-            <a:schemeClr val="accent1"/>
-          </a:fillRef>
-          <a:effectRef idx="2">
-            <a:schemeClr val="accent1"/>
-          </a:effectRef>
-          <a:fontRef idx="minor">
-            <a:schemeClr val="lt1"/>
-          </a:fontRef>
-        </p:style>
-        <p:txBody>
-          <a:bodyPr rtlCol="0" anchor="ctr" wrap="square"/>
-          <a:lstStyle/>
-          <a:p>
-            <a:pPr algn="ctr">
-              <a:defRPr sz="900" b="1">
-                <a:solidFill>
-                  <a:srgbClr val="FFFFFF"/>
-                </a:solidFill>
-              </a:defRPr>
-            </a:pPr>
-            <a:r>
-              <a:t>Discovery</a:t>
-            </a:r>
-          </a:p>
-          <a:p>
-            <a:pPr algn="ctr">
-              <a:defRPr sz="900" b="1">
-                <a:solidFill>
-                  <a:srgbClr val="FFFFFF"/>
-                </a:solidFill>
-              </a:defRPr>
-            </a:pPr>
-            <a:r>
-              <a:t>Reports</a:t>
-            </a:r>
-          </a:p>
-          <a:p>
-            <a:pPr algn="ctr">
-              <a:defRPr sz="900" b="1">
-                <a:solidFill>
-                  <a:srgbClr val="FFFFFF"/>
-                </a:solidFill>
-              </a:defRPr>
-            </a:pPr>
-          </a:p>
-          <a:p>
-            <a:pPr algn="ctr">
-              <a:defRPr sz="900" b="1">
-                <a:solidFill>
-                  <a:srgbClr val="FFFFFF"/>
-                </a:solidFill>
-              </a:defRPr>
-            </a:pPr>
-            <a:r>
-              <a:t>.txt files</a:t>
-            </a:r>
-          </a:p>
-        </p:txBody>
-      </p:sp>
-      <p:sp>
-        <p:nvSpPr>
-          <p:cNvPr id="26" name="Parallelogram 25"/>
-          <p:cNvSpPr/>
-          <p:nvPr/>
-        </p:nvSpPr>
-        <p:spPr>
-          <a:xfrm>
-            <a:off x="9875520" y="3474720"/>
-            <a:ext cx="1645920" cy="731520"/>
-          </a:xfrm>
-          <a:prstGeom prst="parallelogram">
-            <a:avLst/>
-          </a:prstGeom>
-          <a:solidFill>
-            <a:srgbClr val="00B050"/>
-          </a:solidFill>
-          <a:ln w="19050">
-            <a:solidFill>
-              <a:srgbClr val="00B050"/>
-            </a:solidFill>
-          </a:ln>
-        </p:spPr>
-        <p:style>
-          <a:lnRef idx="1">
-            <a:schemeClr val="accent1"/>
-          </a:lnRef>
-          <a:fillRef idx="3">
-            <a:schemeClr val="accent1"/>
-          </a:fillRef>
-          <a:effectRef idx="2">
-            <a:schemeClr val="accent1"/>
-          </a:effectRef>
-          <a:fontRef idx="minor">
-            <a:schemeClr val="lt1"/>
-          </a:fontRef>
-        </p:style>
-        <p:txBody>
-          <a:bodyPr rtlCol="0" anchor="ctr" wrap="square"/>
-          <a:lstStyle/>
-          <a:p>
-            <a:pPr algn="ctr">
-              <a:defRPr sz="900" b="1">
-                <a:solidFill>
-                  <a:srgbClr val="FFFFFF"/>
-                </a:solidFill>
-              </a:defRPr>
-            </a:pPr>
-            <a:r>
-              <a:t>World Model</a:t>
-            </a:r>
-          </a:p>
-          <a:p>
-            <a:pPr algn="ctr">
-              <a:defRPr sz="900" b="1">
-                <a:solidFill>
-                  <a:srgbClr val="FFFFFF"/>
-                </a:solidFill>
-              </a:defRPr>
-            </a:pPr>
-            <a:r>
-              <a:t>JSON</a:t>
-            </a:r>
-          </a:p>
-          <a:p>
-            <a:pPr algn="ctr">
-              <a:defRPr sz="900" b="1">
-                <a:solidFill>
-                  <a:srgbClr val="FFFFFF"/>
-                </a:solidFill>
-              </a:defRPr>
-            </a:pPr>
-          </a:p>
-          <a:p>
-            <a:pPr algn="ctr">
-              <a:defRPr sz="900" b="1">
-                <a:solidFill>
-                  <a:srgbClr val="FFFFFF"/>
-                </a:solidFill>
-              </a:defRPr>
-            </a:pPr>
-            <a:r>
-              <a:t>Persistent</a:t>
-            </a:r>
-          </a:p>
-        </p:txBody>
-      </p:sp>
-      <p:cxnSp>
-        <p:nvCxnSpPr>
-          <p:cNvPr id="27" name="Connector 26"/>
-          <p:cNvCxnSpPr/>
-          <p:nvPr/>
-        </p:nvCxnSpPr>
-        <p:spPr>
-          <a:xfrm>
-            <a:off x="2011680" y="1965960"/>
-            <a:ext cx="274320" cy="228600"/>
-          </a:xfrm>
-          <a:prstGeom prst="line">
-            <a:avLst/>
-          </a:prstGeom>
-          <a:ln w="25400">
-            <a:solidFill>
-              <a:srgbClr val="808080"/>
-            </a:solidFill>
-          </a:ln>
-        </p:spPr>
-        <p:style>
-          <a:lnRef idx="2">
-            <a:schemeClr val="accent1"/>
-          </a:lnRef>
-          <a:fillRef idx="0">
-            <a:schemeClr val="accent1"/>
-          </a:fillRef>
-          <a:effectRef idx="1">
-            <a:schemeClr val="accent1"/>
-          </a:effectRef>
-          <a:fontRef idx="minor">
-            <a:schemeClr val="tx1"/>
-          </a:fontRef>
-        </p:style>
-      </p:cxnSp>
-      <p:sp>
-        <p:nvSpPr>
-          <p:cNvPr id="28" name="TextBox 27"/>
-          <p:cNvSpPr txBox="1"/>
-          <p:nvPr/>
-        </p:nvSpPr>
-        <p:spPr>
-          <a:xfrm>
-            <a:off x="1691640" y="1805939"/>
-            <a:ext cx="914400" cy="274320"/>
+            <a:off x="457200" y="2468880"/>
+            <a:ext cx="13716000" cy="274320"/>
           </a:xfrm>
           <a:prstGeom prst="rect">
             <a:avLst/>
@@ -4767,64 +3905,29 @@
           </a:bodyPr>
           <a:lstStyle/>
           <a:p>
-            <a:pPr algn="ctr">
-              <a:defRPr sz="700">
-                <a:solidFill>
-                  <a:srgbClr val="007BFF"/>
+            <a:pPr>
+              <a:defRPr sz="1400" b="1">
+                <a:solidFill>
+                  <a:srgbClr val="3498DB"/>
                 </a:solidFill>
               </a:defRPr>
             </a:pPr>
             <a:r>
-              <a:t>CSV</a:t>
-            </a:r>
-          </a:p>
-        </p:txBody>
-      </p:sp>
-      <p:cxnSp>
-        <p:nvCxnSpPr>
-          <p:cNvPr id="29" name="Connector 28"/>
-          <p:cNvCxnSpPr/>
-          <p:nvPr/>
-        </p:nvCxnSpPr>
-        <p:spPr>
-          <a:xfrm flipV="1">
-            <a:off x="3840480" y="1874519"/>
-            <a:ext cx="548640" cy="320041"/>
-          </a:xfrm>
-          <a:prstGeom prst="line">
-            <a:avLst/>
-          </a:prstGeom>
-          <a:ln w="25400">
-            <a:solidFill>
-              <a:srgbClr val="808080"/>
-            </a:solidFill>
-          </a:ln>
-        </p:spPr>
-        <p:style>
-          <a:lnRef idx="2">
-            <a:schemeClr val="accent1"/>
-          </a:lnRef>
-          <a:fillRef idx="0">
-            <a:schemeClr val="accent1"/>
-          </a:fillRef>
-          <a:effectRef idx="1">
-            <a:schemeClr val="accent1"/>
-          </a:effectRef>
-          <a:fontRef idx="minor">
-            <a:schemeClr val="tx1"/>
-          </a:fontRef>
-        </p:style>
-      </p:cxnSp>
-      <p:sp>
-        <p:nvSpPr>
-          <p:cNvPr id="30" name="TextBox 29"/>
+              <a:t>Processing:</a:t>
+            </a:r>
+          </a:p>
+        </p:txBody>
+      </p:sp>
+      <p:sp>
+        <p:nvSpPr>
+          <p:cNvPr id="8" name="TextBox 7"/>
           <p:cNvSpPr txBox="1"/>
           <p:nvPr/>
         </p:nvSpPr>
         <p:spPr>
           <a:xfrm>
-            <a:off x="3657600" y="1760219"/>
-            <a:ext cx="914400" cy="274320"/>
+            <a:off x="640080" y="2788920"/>
+            <a:ext cx="13258800" cy="365760"/>
           </a:xfrm>
           <a:prstGeom prst="rect">
             <a:avLst/>
@@ -4832,69 +3935,34 @@
           <a:noFill/>
         </p:spPr>
         <p:txBody>
-          <a:bodyPr wrap="none">
+          <a:bodyPr wrap="square">
             <a:spAutoFit/>
           </a:bodyPr>
           <a:lstStyle/>
           <a:p>
-            <a:pPr algn="ctr">
-              <a:defRPr sz="700">
-                <a:solidFill>
-                  <a:srgbClr val="007BFF"/>
+            <a:pPr>
+              <a:defRPr sz="1000">
+                <a:solidFill>
+                  <a:srgbClr val="2C3E50"/>
                 </a:solidFill>
               </a:defRPr>
             </a:pPr>
             <a:r>
-              <a:t>DataFrame</a:t>
-            </a:r>
-          </a:p>
-        </p:txBody>
-      </p:sp>
-      <p:cxnSp>
-        <p:nvCxnSpPr>
-          <p:cNvPr id="31" name="Connector 30"/>
-          <p:cNvCxnSpPr/>
+              <a:t>• Streamlit Orchestrator: User commands + data → Discovery results</a:t>
+            </a:r>
+          </a:p>
+        </p:txBody>
+      </p:sp>
+      <p:sp>
+        <p:nvSpPr>
+          <p:cNvPr id="9" name="TextBox 8"/>
+          <p:cNvSpPr txBox="1"/>
           <p:nvPr/>
-        </p:nvCxnSpPr>
+        </p:nvSpPr>
         <p:spPr>
           <a:xfrm>
-            <a:off x="5760720" y="1691640"/>
-            <a:ext cx="457200" cy="0"/>
-          </a:xfrm>
-          <a:prstGeom prst="line">
-            <a:avLst/>
-          </a:prstGeom>
-          <a:ln w="25400">
-            <a:solidFill>
-              <a:srgbClr val="808080"/>
-            </a:solidFill>
-          </a:ln>
-        </p:spPr>
-        <p:style>
-          <a:lnRef idx="2">
-            <a:schemeClr val="accent1"/>
-          </a:lnRef>
-          <a:fillRef idx="0">
-            <a:schemeClr val="accent1"/>
-          </a:fillRef>
-          <a:effectRef idx="1">
-            <a:schemeClr val="accent1"/>
-          </a:effectRef>
-          <a:fontRef idx="minor">
-            <a:schemeClr val="tx1"/>
-          </a:fontRef>
-        </p:style>
-      </p:cxnSp>
-      <p:sp>
-        <p:nvSpPr>
-          <p:cNvPr id="32" name="TextBox 31"/>
-          <p:cNvSpPr txBox="1"/>
-          <p:nvPr/>
-        </p:nvSpPr>
-        <p:spPr>
-          <a:xfrm>
-            <a:off x="5532120" y="1417320"/>
-            <a:ext cx="914400" cy="274320"/>
+            <a:off x="640080" y="3200400"/>
+            <a:ext cx="13258800" cy="365760"/>
           </a:xfrm>
           <a:prstGeom prst="rect">
             <a:avLst/>
@@ -4902,69 +3970,34 @@
           <a:noFill/>
         </p:spPr>
         <p:txBody>
-          <a:bodyPr wrap="none">
+          <a:bodyPr wrap="square">
             <a:spAutoFit/>
           </a:bodyPr>
           <a:lstStyle/>
           <a:p>
-            <a:pPr algn="ctr">
-              <a:defRPr sz="700">
-                <a:solidFill>
-                  <a:srgbClr val="007BFF"/>
+            <a:pPr>
+              <a:defRPr sz="1000">
+                <a:solidFill>
+                  <a:srgbClr val="2C3E50"/>
                 </a:solidFill>
               </a:defRPr>
             </a:pPr>
             <a:r>
-              <a:t>Q</a:t>
-            </a:r>
-          </a:p>
-        </p:txBody>
-      </p:sp>
-      <p:cxnSp>
-        <p:nvCxnSpPr>
-          <p:cNvPr id="33" name="Connector 32"/>
-          <p:cNvCxnSpPr/>
-          <p:nvPr/>
-        </p:nvCxnSpPr>
-        <p:spPr>
-          <a:xfrm flipH="1">
-            <a:off x="5760720" y="2057400"/>
-            <a:ext cx="457200" cy="0"/>
-          </a:xfrm>
-          <a:prstGeom prst="line">
-            <a:avLst/>
-          </a:prstGeom>
-          <a:ln w="25400">
-            <a:solidFill>
-              <a:srgbClr val="808080"/>
-            </a:solidFill>
-          </a:ln>
-        </p:spPr>
-        <p:style>
-          <a:lnRef idx="2">
-            <a:schemeClr val="accent1"/>
-          </a:lnRef>
-          <a:fillRef idx="0">
-            <a:schemeClr val="accent1"/>
-          </a:fillRef>
-          <a:effectRef idx="1">
-            <a:schemeClr val="accent1"/>
-          </a:effectRef>
-          <a:fontRef idx="minor">
-            <a:schemeClr val="tx1"/>
-          </a:fontRef>
-        </p:style>
-      </p:cxnSp>
-      <p:sp>
-        <p:nvSpPr>
-          <p:cNvPr id="34" name="TextBox 33"/>
+              <a:t>• Data Loader: CSV files or generates sample → Pandas DataFrame</a:t>
+            </a:r>
+          </a:p>
+        </p:txBody>
+      </p:sp>
+      <p:sp>
+        <p:nvSpPr>
+          <p:cNvPr id="10" name="TextBox 9"/>
           <p:cNvSpPr txBox="1"/>
           <p:nvPr/>
         </p:nvSpPr>
         <p:spPr>
           <a:xfrm>
-            <a:off x="5532120" y="1783080"/>
-            <a:ext cx="914400" cy="274320"/>
+            <a:off x="640080" y="3611880"/>
+            <a:ext cx="13258800" cy="365760"/>
           </a:xfrm>
           <a:prstGeom prst="rect">
             <a:avLst/>
@@ -4972,69 +4005,34 @@
           <a:noFill/>
         </p:spPr>
         <p:txBody>
-          <a:bodyPr wrap="none">
+          <a:bodyPr wrap="square">
             <a:spAutoFit/>
           </a:bodyPr>
           <a:lstStyle/>
           <a:p>
-            <a:pPr algn="ctr">
-              <a:defRPr sz="700">
-                <a:solidFill>
-                  <a:srgbClr val="007BFF"/>
+            <a:pPr>
+              <a:defRPr sz="1000">
+                <a:solidFill>
+                  <a:srgbClr val="2C3E50"/>
                 </a:solidFill>
               </a:defRPr>
             </a:pPr>
             <a:r>
-              <a:t>Stats</a:t>
-            </a:r>
-          </a:p>
-        </p:txBody>
-      </p:sp>
-      <p:cxnSp>
-        <p:nvCxnSpPr>
-          <p:cNvPr id="35" name="Connector 34"/>
-          <p:cNvCxnSpPr/>
+              <a:t>• Statistical Analysis Engine: DataFrame + research questions → Statistical results (p-values/effect sizes)</a:t>
+            </a:r>
+          </a:p>
+        </p:txBody>
+      </p:sp>
+      <p:sp>
+        <p:nvSpPr>
+          <p:cNvPr id="11" name="TextBox 10"/>
+          <p:cNvSpPr txBox="1"/>
           <p:nvPr/>
-        </p:nvCxnSpPr>
+        </p:nvSpPr>
         <p:spPr>
           <a:xfrm>
-            <a:off x="5074920" y="2286000"/>
-            <a:ext cx="0" cy="274320"/>
-          </a:xfrm>
-          <a:prstGeom prst="line">
-            <a:avLst/>
-          </a:prstGeom>
-          <a:ln w="25400">
-            <a:solidFill>
-              <a:srgbClr val="808080"/>
-            </a:solidFill>
-          </a:ln>
-        </p:spPr>
-        <p:style>
-          <a:lnRef idx="2">
-            <a:schemeClr val="accent1"/>
-          </a:lnRef>
-          <a:fillRef idx="0">
-            <a:schemeClr val="accent1"/>
-          </a:fillRef>
-          <a:effectRef idx="1">
-            <a:schemeClr val="accent1"/>
-          </a:effectRef>
-          <a:fontRef idx="minor">
-            <a:schemeClr val="tx1"/>
-          </a:fontRef>
-        </p:style>
-      </p:cxnSp>
-      <p:sp>
-        <p:nvSpPr>
-          <p:cNvPr id="36" name="TextBox 35"/>
-          <p:cNvSpPr txBox="1"/>
-          <p:nvPr/>
-        </p:nvSpPr>
-        <p:spPr>
-          <a:xfrm>
-            <a:off x="4617720" y="2148840"/>
-            <a:ext cx="914400" cy="274320"/>
+            <a:off x="457200" y="4023360"/>
+            <a:ext cx="13716000" cy="274320"/>
           </a:xfrm>
           <a:prstGeom prst="rect">
             <a:avLst/>
@@ -5047,64 +4045,29 @@
           </a:bodyPr>
           <a:lstStyle/>
           <a:p>
-            <a:pPr algn="ctr">
-              <a:defRPr sz="700">
-                <a:solidFill>
-                  <a:srgbClr val="007BFF"/>
+            <a:pPr>
+              <a:defRPr sz="1400" b="1">
+                <a:solidFill>
+                  <a:srgbClr val="3498DB"/>
                 </a:solidFill>
               </a:defRPr>
             </a:pPr>
             <a:r>
-              <a:t>Query</a:t>
-            </a:r>
-          </a:p>
-        </p:txBody>
-      </p:sp>
-      <p:cxnSp>
-        <p:nvCxnSpPr>
-          <p:cNvPr id="37" name="Connector 36"/>
-          <p:cNvCxnSpPr/>
-          <p:nvPr/>
-        </p:nvCxnSpPr>
-        <p:spPr>
-          <a:xfrm flipV="1">
-            <a:off x="5486400" y="2286000"/>
-            <a:ext cx="0" cy="274320"/>
-          </a:xfrm>
-          <a:prstGeom prst="line">
-            <a:avLst/>
-          </a:prstGeom>
-          <a:ln w="25400">
-            <a:solidFill>
-              <a:srgbClr val="808080"/>
-            </a:solidFill>
-          </a:ln>
-        </p:spPr>
-        <p:style>
-          <a:lnRef idx="2">
-            <a:schemeClr val="accent1"/>
-          </a:lnRef>
-          <a:fillRef idx="0">
-            <a:schemeClr val="accent1"/>
-          </a:fillRef>
-          <a:effectRef idx="1">
-            <a:schemeClr val="accent1"/>
-          </a:effectRef>
-          <a:fontRef idx="minor">
-            <a:schemeClr val="tx1"/>
-          </a:fontRef>
-        </p:style>
-      </p:cxnSp>
-      <p:sp>
-        <p:nvSpPr>
-          <p:cNvPr id="38" name="TextBox 37"/>
+              <a:t>Storage:</a:t>
+            </a:r>
+          </a:p>
+        </p:txBody>
+      </p:sp>
+      <p:sp>
+        <p:nvSpPr>
+          <p:cNvPr id="12" name="TextBox 11"/>
           <p:cNvSpPr txBox="1"/>
           <p:nvPr/>
         </p:nvSpPr>
         <p:spPr>
           <a:xfrm>
-            <a:off x="5029200" y="2148840"/>
-            <a:ext cx="914400" cy="274320"/>
+            <a:off x="640080" y="4343400"/>
+            <a:ext cx="13258800" cy="365760"/>
           </a:xfrm>
           <a:prstGeom prst="rect">
             <a:avLst/>
@@ -5112,105 +4075,34 @@
           <a:noFill/>
         </p:spPr>
         <p:txBody>
-          <a:bodyPr wrap="none">
+          <a:bodyPr wrap="square">
             <a:spAutoFit/>
           </a:bodyPr>
           <a:lstStyle/>
           <a:p>
-            <a:pPr algn="ctr">
-              <a:defRPr sz="700">
-                <a:solidFill>
-                  <a:srgbClr val="007BFF"/>
+            <a:pPr>
+              <a:defRPr sz="1000">
+                <a:solidFill>
+                  <a:srgbClr val="2C3E50"/>
                 </a:solidFill>
               </a:defRPr>
             </a:pPr>
             <a:r>
-              <a:t>Results</a:t>
-            </a:r>
-          </a:p>
-        </p:txBody>
-      </p:sp>
-      <p:cxnSp>
-        <p:nvCxnSpPr>
-          <p:cNvPr id="39" name="Connector 38"/>
-          <p:cNvCxnSpPr/>
+              <a:t>• World Model Store: World model state → Persisted discoveries/trajectories</a:t>
+            </a:r>
+          </a:p>
+        </p:txBody>
+      </p:sp>
+      <p:sp>
+        <p:nvSpPr>
+          <p:cNvPr id="13" name="TextBox 12"/>
+          <p:cNvSpPr txBox="1"/>
           <p:nvPr/>
-        </p:nvCxnSpPr>
+        </p:nvSpPr>
         <p:spPr>
           <a:xfrm>
-            <a:off x="5760720" y="2743200"/>
-            <a:ext cx="457200" cy="0"/>
-          </a:xfrm>
-          <a:prstGeom prst="line">
-            <a:avLst/>
-          </a:prstGeom>
-          <a:ln w="25400">
-            <a:solidFill>
-              <a:srgbClr val="808080"/>
-            </a:solidFill>
-          </a:ln>
-        </p:spPr>
-        <p:style>
-          <a:lnRef idx="2">
-            <a:schemeClr val="accent1"/>
-          </a:lnRef>
-          <a:fillRef idx="0">
-            <a:schemeClr val="accent1"/>
-          </a:fillRef>
-          <a:effectRef idx="1">
-            <a:schemeClr val="accent1"/>
-          </a:effectRef>
-          <a:fontRef idx="minor">
-            <a:schemeClr val="tx1"/>
-          </a:fontRef>
-        </p:style>
-      </p:cxnSp>
-      <p:cxnSp>
-        <p:nvCxnSpPr>
-          <p:cNvPr id="40" name="Connector 39"/>
-          <p:cNvCxnSpPr/>
-          <p:nvPr/>
-        </p:nvCxnSpPr>
-        <p:spPr>
-          <a:xfrm flipV="1">
-            <a:off x="2011680" y="2286000"/>
-            <a:ext cx="2834640" cy="1920240"/>
-          </a:xfrm>
-          <a:prstGeom prst="line">
-            <a:avLst/>
-          </a:prstGeom>
-          <a:ln w="25400">
-            <a:solidFill>
-              <a:srgbClr val="808080"/>
-            </a:solidFill>
-            <a:prstDash val="sysDash"/>
-          </a:ln>
-        </p:spPr>
-        <p:style>
-          <a:lnRef idx="2">
-            <a:schemeClr val="accent1"/>
-          </a:lnRef>
-          <a:fillRef idx="0">
-            <a:schemeClr val="accent1"/>
-          </a:fillRef>
-          <a:effectRef idx="1">
-            <a:schemeClr val="accent1"/>
-          </a:effectRef>
-          <a:fontRef idx="minor">
-            <a:schemeClr val="tx1"/>
-          </a:fontRef>
-        </p:style>
-      </p:cxnSp>
-      <p:sp>
-        <p:nvSpPr>
-          <p:cNvPr id="41" name="TextBox 40"/>
-          <p:cNvSpPr txBox="1"/>
-          <p:nvPr/>
-        </p:nvSpPr>
-        <p:spPr>
-          <a:xfrm>
-            <a:off x="2971800" y="2971800"/>
-            <a:ext cx="914400" cy="274320"/>
+            <a:off x="640080" y="4754880"/>
+            <a:ext cx="13258800" cy="365760"/>
           </a:xfrm>
           <a:prstGeom prst="rect">
             <a:avLst/>
@@ -5218,69 +4110,34 @@
           <a:noFill/>
         </p:spPr>
         <p:txBody>
-          <a:bodyPr wrap="none">
+          <a:bodyPr wrap="square">
             <a:spAutoFit/>
           </a:bodyPr>
           <a:lstStyle/>
           <a:p>
-            <a:pPr algn="ctr">
-              <a:defRPr sz="700">
-                <a:solidFill>
-                  <a:srgbClr val="007BFF"/>
+            <a:pPr>
+              <a:defRPr sz="1000">
+                <a:solidFill>
+                  <a:srgbClr val="2C3E50"/>
                 </a:solidFill>
               </a:defRPr>
             </a:pPr>
             <a:r>
-              <a:t>LLM</a:t>
-            </a:r>
-          </a:p>
-        </p:txBody>
-      </p:sp>
-      <p:cxnSp>
-        <p:nvCxnSpPr>
-          <p:cNvPr id="42" name="Connector 41"/>
-          <p:cNvCxnSpPr/>
-          <p:nvPr/>
-        </p:nvCxnSpPr>
-        <p:spPr>
-          <a:xfrm flipV="1">
-            <a:off x="2011680" y="2926080"/>
-            <a:ext cx="2377440" cy="137160"/>
-          </a:xfrm>
-          <a:prstGeom prst="line">
-            <a:avLst/>
-          </a:prstGeom>
-          <a:ln w="25400">
-            <a:solidFill>
-              <a:srgbClr val="808080"/>
-            </a:solidFill>
-          </a:ln>
-        </p:spPr>
-        <p:style>
-          <a:lnRef idx="2">
-            <a:schemeClr val="accent1"/>
-          </a:lnRef>
-          <a:fillRef idx="0">
-            <a:schemeClr val="accent1"/>
-          </a:fillRef>
-          <a:effectRef idx="1">
-            <a:schemeClr val="accent1"/>
-          </a:effectRef>
-          <a:fontRef idx="minor">
-            <a:schemeClr val="tx1"/>
-          </a:fontRef>
-        </p:style>
-      </p:cxnSp>
-      <p:sp>
-        <p:nvSpPr>
-          <p:cNvPr id="43" name="TextBox 42"/>
+              <a:t>• Literature Index Store: Indexed papers → Paper metadata + keyword index</a:t>
+            </a:r>
+          </a:p>
+        </p:txBody>
+      </p:sp>
+      <p:sp>
+        <p:nvSpPr>
+          <p:cNvPr id="14" name="TextBox 13"/>
           <p:cNvSpPr txBox="1"/>
           <p:nvPr/>
         </p:nvSpPr>
         <p:spPr>
           <a:xfrm>
-            <a:off x="2743200" y="2720340"/>
-            <a:ext cx="914400" cy="274320"/>
+            <a:off x="640080" y="5166360"/>
+            <a:ext cx="13258800" cy="365760"/>
           </a:xfrm>
           <a:prstGeom prst="rect">
             <a:avLst/>
@@ -5288,69 +4145,34 @@
           <a:noFill/>
         </p:spPr>
         <p:txBody>
-          <a:bodyPr wrap="none">
+          <a:bodyPr wrap="square">
             <a:spAutoFit/>
           </a:bodyPr>
           <a:lstStyle/>
           <a:p>
-            <a:pPr algn="ctr">
-              <a:defRPr sz="700">
-                <a:solidFill>
-                  <a:srgbClr val="007BFF"/>
+            <a:pPr>
+              <a:defRPr sz="1000">
+                <a:solidFill>
+                  <a:srgbClr val="2C3E50"/>
                 </a:solidFill>
               </a:defRPr>
             </a:pPr>
             <a:r>
-              <a:t>Texts</a:t>
-            </a:r>
-          </a:p>
-        </p:txBody>
-      </p:sp>
-      <p:cxnSp>
-        <p:nvCxnSpPr>
-          <p:cNvPr id="44" name="Connector 43"/>
-          <p:cNvCxnSpPr/>
+              <a:t>• Session State Store: Discovery state → Runtime state preservation</a:t>
+            </a:r>
+          </a:p>
+        </p:txBody>
+      </p:sp>
+      <p:sp>
+        <p:nvSpPr>
+          <p:cNvPr id="15" name="TextBox 14"/>
+          <p:cNvSpPr txBox="1"/>
           <p:nvPr/>
-        </p:nvCxnSpPr>
+        </p:nvSpPr>
         <p:spPr>
           <a:xfrm>
-            <a:off x="5760720" y="1874519"/>
-            <a:ext cx="2011680" cy="640081"/>
-          </a:xfrm>
-          <a:prstGeom prst="line">
-            <a:avLst/>
-          </a:prstGeom>
-          <a:ln w="25400">
-            <a:solidFill>
-              <a:srgbClr val="808080"/>
-            </a:solidFill>
-          </a:ln>
-        </p:spPr>
-        <p:style>
-          <a:lnRef idx="2">
-            <a:schemeClr val="accent1"/>
-          </a:lnRef>
-          <a:fillRef idx="0">
-            <a:schemeClr val="accent1"/>
-          </a:fillRef>
-          <a:effectRef idx="1">
-            <a:schemeClr val="accent1"/>
-          </a:effectRef>
-          <a:fontRef idx="minor">
-            <a:schemeClr val="tx1"/>
-          </a:fontRef>
-        </p:style>
-      </p:cxnSp>
-      <p:sp>
-        <p:nvSpPr>
-          <p:cNvPr id="45" name="TextBox 44"/>
-          <p:cNvSpPr txBox="1"/>
-          <p:nvPr/>
-        </p:nvSpPr>
-        <p:spPr>
-          <a:xfrm>
-            <a:off x="6309360" y="1920240"/>
-            <a:ext cx="914400" cy="274320"/>
+            <a:off x="457200" y="5577840"/>
+            <a:ext cx="13716000" cy="274320"/>
           </a:xfrm>
           <a:prstGeom prst="rect">
             <a:avLst/>
@@ -5363,99 +4185,29 @@
           </a:bodyPr>
           <a:lstStyle/>
           <a:p>
-            <a:pPr algn="ctr">
-              <a:defRPr sz="700">
-                <a:solidFill>
-                  <a:srgbClr val="007BFF"/>
+            <a:pPr>
+              <a:defRPr sz="1400" b="1">
+                <a:solidFill>
+                  <a:srgbClr val="3498DB"/>
                 </a:solidFill>
               </a:defRPr>
             </a:pPr>
             <a:r>
-              <a:t>Disc</a:t>
-            </a:r>
-          </a:p>
-        </p:txBody>
-      </p:sp>
-      <p:cxnSp>
-        <p:nvCxnSpPr>
-          <p:cNvPr id="46" name="Connector 45"/>
-          <p:cNvCxnSpPr/>
-          <p:nvPr/>
-        </p:nvCxnSpPr>
-        <p:spPr>
-          <a:xfrm flipV="1">
-            <a:off x="7589520" y="2514600"/>
-            <a:ext cx="182880" cy="411480"/>
-          </a:xfrm>
-          <a:prstGeom prst="line">
-            <a:avLst/>
-          </a:prstGeom>
-          <a:ln w="25400">
-            <a:solidFill>
-              <a:srgbClr val="808080"/>
-            </a:solidFill>
-          </a:ln>
-        </p:spPr>
-        <p:style>
-          <a:lnRef idx="2">
-            <a:schemeClr val="accent1"/>
-          </a:lnRef>
-          <a:fillRef idx="0">
-            <a:schemeClr val="accent1"/>
-          </a:fillRef>
-          <a:effectRef idx="1">
-            <a:schemeClr val="accent1"/>
-          </a:effectRef>
-          <a:fontRef idx="minor">
-            <a:schemeClr val="tx1"/>
-          </a:fontRef>
-        </p:style>
-      </p:cxnSp>
-      <p:cxnSp>
-        <p:nvCxnSpPr>
-          <p:cNvPr id="47" name="Connector 46"/>
-          <p:cNvCxnSpPr/>
-          <p:nvPr/>
-        </p:nvCxnSpPr>
-        <p:spPr>
-          <a:xfrm flipH="1">
-            <a:off x="6675120" y="3200400"/>
-            <a:ext cx="1097280" cy="731520"/>
-          </a:xfrm>
-          <a:prstGeom prst="line">
-            <a:avLst/>
-          </a:prstGeom>
-          <a:ln w="25400">
-            <a:solidFill>
-              <a:srgbClr val="808080"/>
-            </a:solidFill>
-          </a:ln>
-        </p:spPr>
-        <p:style>
-          <a:lnRef idx="2">
-            <a:schemeClr val="accent1"/>
-          </a:lnRef>
-          <a:fillRef idx="0">
-            <a:schemeClr val="accent1"/>
-          </a:fillRef>
-          <a:effectRef idx="1">
-            <a:schemeClr val="accent1"/>
-          </a:effectRef>
-          <a:fontRef idx="minor">
-            <a:schemeClr val="tx1"/>
-          </a:fontRef>
-        </p:style>
-      </p:cxnSp>
-      <p:sp>
-        <p:nvSpPr>
-          <p:cNvPr id="48" name="TextBox 47"/>
+              <a:t>Outputs:</a:t>
+            </a:r>
+          </a:p>
+        </p:txBody>
+      </p:sp>
+      <p:sp>
+        <p:nvSpPr>
+          <p:cNvPr id="16" name="TextBox 15"/>
           <p:cNvSpPr txBox="1"/>
           <p:nvPr/>
         </p:nvSpPr>
         <p:spPr>
           <a:xfrm>
-            <a:off x="6766560" y="3291840"/>
-            <a:ext cx="914400" cy="274320"/>
+            <a:off x="640080" y="5897880"/>
+            <a:ext cx="13258800" cy="365760"/>
           </a:xfrm>
           <a:prstGeom prst="rect">
             <a:avLst/>
@@ -5463,69 +4215,34 @@
           <a:noFill/>
         </p:spPr>
         <p:txBody>
-          <a:bodyPr wrap="none">
+          <a:bodyPr wrap="square">
             <a:spAutoFit/>
           </a:bodyPr>
           <a:lstStyle/>
           <a:p>
-            <a:pPr algn="ctr">
-              <a:defRPr sz="700">
-                <a:solidFill>
-                  <a:srgbClr val="007BFF"/>
+            <a:pPr>
+              <a:defRPr sz="1000">
+                <a:solidFill>
+                  <a:srgbClr val="2C3E50"/>
                 </a:solidFill>
               </a:defRPr>
             </a:pPr>
             <a:r>
-              <a:t>Data</a:t>
-            </a:r>
-          </a:p>
-        </p:txBody>
-      </p:sp>
-      <p:cxnSp>
-        <p:nvCxnSpPr>
-          <p:cNvPr id="49" name="Connector 48"/>
-          <p:cNvCxnSpPr/>
-          <p:nvPr/>
-        </p:nvCxnSpPr>
-        <p:spPr>
-          <a:xfrm flipV="1">
-            <a:off x="6675120" y="2834640"/>
-            <a:ext cx="3200400" cy="1097280"/>
-          </a:xfrm>
-          <a:prstGeom prst="line">
-            <a:avLst/>
-          </a:prstGeom>
-          <a:ln w="25400">
-            <a:solidFill>
-              <a:srgbClr val="808080"/>
-            </a:solidFill>
-          </a:ln>
-        </p:spPr>
-        <p:style>
-          <a:lnRef idx="2">
-            <a:schemeClr val="accent1"/>
-          </a:lnRef>
-          <a:fillRef idx="0">
-            <a:schemeClr val="accent1"/>
-          </a:fillRef>
-          <a:effectRef idx="1">
-            <a:schemeClr val="accent1"/>
-          </a:effectRef>
-          <a:fontRef idx="minor">
-            <a:schemeClr val="tx1"/>
-          </a:fontRef>
-        </p:style>
-      </p:cxnSp>
-      <p:sp>
-        <p:nvSpPr>
-          <p:cNvPr id="50" name="TextBox 49"/>
+              <a:t>• Enhanced Report Output: Report content → Text file with discoveries</a:t>
+            </a:r>
+          </a:p>
+        </p:txBody>
+      </p:sp>
+      <p:sp>
+        <p:nvSpPr>
+          <p:cNvPr id="17" name="TextBox 16"/>
           <p:cNvSpPr txBox="1"/>
           <p:nvPr/>
         </p:nvSpPr>
         <p:spPr>
           <a:xfrm>
-            <a:off x="7818120" y="3108960"/>
-            <a:ext cx="914400" cy="274320"/>
+            <a:off x="640080" y="6309360"/>
+            <a:ext cx="13258800" cy="365760"/>
           </a:xfrm>
           <a:prstGeom prst="rect">
             <a:avLst/>
@@ -5533,69 +4250,34 @@
           <a:noFill/>
         </p:spPr>
         <p:txBody>
-          <a:bodyPr wrap="none">
+          <a:bodyPr wrap="square">
             <a:spAutoFit/>
           </a:bodyPr>
           <a:lstStyle/>
           <a:p>
-            <a:pPr algn="ctr">
-              <a:defRPr sz="700">
-                <a:solidFill>
-                  <a:srgbClr val="007BFF"/>
+            <a:pPr>
+              <a:defRPr sz="1000">
+                <a:solidFill>
+                  <a:srgbClr val="2C3E50"/>
                 </a:solidFill>
               </a:defRPr>
             </a:pPr>
             <a:r>
-              <a:t>Format</a:t>
-            </a:r>
-          </a:p>
-        </p:txBody>
-      </p:sp>
-      <p:cxnSp>
-        <p:nvCxnSpPr>
-          <p:cNvPr id="51" name="Connector 50"/>
-          <p:cNvCxnSpPr/>
+              <a:t>• Analysis Output Files: Analysis results → JSON results + Python code</a:t>
+            </a:r>
+          </a:p>
+        </p:txBody>
+      </p:sp>
+      <p:sp>
+        <p:nvSpPr>
+          <p:cNvPr id="18" name="TextBox 17"/>
+          <p:cNvSpPr txBox="1"/>
           <p:nvPr/>
-        </p:nvCxnSpPr>
+        </p:nvSpPr>
         <p:spPr>
           <a:xfrm>
-            <a:off x="9418320" y="2971800"/>
-            <a:ext cx="457200" cy="868680"/>
-          </a:xfrm>
-          <a:prstGeom prst="line">
-            <a:avLst/>
-          </a:prstGeom>
-          <a:ln w="25400">
-            <a:solidFill>
-              <a:srgbClr val="808080"/>
-            </a:solidFill>
-          </a:ln>
-        </p:spPr>
-        <p:style>
-          <a:lnRef idx="2">
-            <a:schemeClr val="accent1"/>
-          </a:lnRef>
-          <a:fillRef idx="0">
-            <a:schemeClr val="accent1"/>
-          </a:fillRef>
-          <a:effectRef idx="1">
-            <a:schemeClr val="accent1"/>
-          </a:effectRef>
-          <a:fontRef idx="minor">
-            <a:schemeClr val="tx1"/>
-          </a:fontRef>
-        </p:style>
-      </p:cxnSp>
-      <p:sp>
-        <p:nvSpPr>
-          <p:cNvPr id="52" name="TextBox 51"/>
-          <p:cNvSpPr txBox="1"/>
-          <p:nvPr/>
-        </p:nvSpPr>
-        <p:spPr>
-          <a:xfrm>
-            <a:off x="9189720" y="3131820"/>
-            <a:ext cx="914400" cy="274320"/>
+            <a:off x="640080" y="6720840"/>
+            <a:ext cx="13258800" cy="365760"/>
           </a:xfrm>
           <a:prstGeom prst="rect">
             <a:avLst/>
@@ -5603,69 +4285,52 @@
           <a:noFill/>
         </p:spPr>
         <p:txBody>
-          <a:bodyPr wrap="none">
+          <a:bodyPr wrap="square">
             <a:spAutoFit/>
           </a:bodyPr>
           <a:lstStyle/>
           <a:p>
-            <a:pPr algn="ctr">
-              <a:defRPr sz="700">
-                <a:solidFill>
-                  <a:srgbClr val="007BFF"/>
+            <a:pPr>
+              <a:defRPr sz="1000">
+                <a:solidFill>
+                  <a:srgbClr val="2C3E50"/>
                 </a:solidFill>
               </a:defRPr>
             </a:pPr>
             <a:r>
-              <a:t>JSON</a:t>
-            </a:r>
-          </a:p>
-        </p:txBody>
-      </p:sp>
-      <p:cxnSp>
-        <p:nvCxnSpPr>
-          <p:cNvPr id="53" name="Connector 52"/>
-          <p:cNvCxnSpPr/>
-          <p:nvPr/>
-        </p:nvCxnSpPr>
-        <p:spPr>
-          <a:xfrm flipV="1">
-            <a:off x="9418320" y="1828800"/>
-            <a:ext cx="457200" cy="228600"/>
-          </a:xfrm>
-          <a:prstGeom prst="line">
-            <a:avLst/>
-          </a:prstGeom>
-          <a:ln w="25400">
-            <a:solidFill>
-              <a:srgbClr val="808080"/>
-            </a:solidFill>
-          </a:ln>
-        </p:spPr>
-        <p:style>
-          <a:lnRef idx="2">
-            <a:schemeClr val="accent1"/>
-          </a:lnRef>
-          <a:fillRef idx="0">
-            <a:schemeClr val="accent1"/>
-          </a:fillRef>
-          <a:effectRef idx="1">
-            <a:schemeClr val="accent1"/>
-          </a:effectRef>
-          <a:fontRef idx="minor">
-            <a:schemeClr val="tx1"/>
-          </a:fontRef>
-        </p:style>
-      </p:cxnSp>
-      <p:sp>
-        <p:nvSpPr>
-          <p:cNvPr id="54" name="TextBox 53"/>
+              <a:t>• Interactive Dashboard: Discovery results + logs → Interactive visualizations</a:t>
+            </a:r>
+          </a:p>
+        </p:txBody>
+      </p:sp>
+    </p:spTree>
+  </p:cSld>
+  <p:clrMapOvr>
+    <a:masterClrMapping/>
+  </p:clrMapOvr>
+</p:sld>
+</file>
+
+<file path=ppt/slides/slide3.xml><?xml version="1.0" encoding="utf-8"?>
+<p:sld xmlns:a="http://schemas.openxmlformats.org/drawingml/2006/main" xmlns:p="http://schemas.openxmlformats.org/presentationml/2006/main" xmlns:r="http://schemas.openxmlformats.org/officeDocument/2006/relationships">
+  <p:cSld>
+    <p:spTree>
+      <p:nvGrpSpPr>
+        <p:cNvPr id="1" name=""/>
+        <p:cNvGrpSpPr/>
+        <p:nvPr/>
+      </p:nvGrpSpPr>
+      <p:grpSpPr/>
+      <p:sp>
+        <p:nvSpPr>
+          <p:cNvPr id="2" name="TextBox 1"/>
           <p:cNvSpPr txBox="1"/>
           <p:nvPr/>
         </p:nvSpPr>
         <p:spPr>
           <a:xfrm>
-            <a:off x="9189720" y="1668780"/>
-            <a:ext cx="914400" cy="274320"/>
+            <a:off x="457200" y="274320"/>
+            <a:ext cx="13716000" cy="457200"/>
           </a:xfrm>
           <a:prstGeom prst="rect">
             <a:avLst/>
@@ -5678,65 +4343,29 @@
           </a:bodyPr>
           <a:lstStyle/>
           <a:p>
-            <a:pPr algn="ctr">
-              <a:defRPr sz="700">
-                <a:solidFill>
-                  <a:srgbClr val="007BFF"/>
+            <a:pPr>
+              <a:defRPr sz="2800" b="1">
+                <a:solidFill>
+                  <a:srgbClr val="2C3E50"/>
                 </a:solidFill>
               </a:defRPr>
             </a:pPr>
             <a:r>
-              <a:t>State</a:t>
-            </a:r>
-          </a:p>
-        </p:txBody>
-      </p:sp>
-      <p:cxnSp>
-        <p:nvCxnSpPr>
-          <p:cNvPr id="55" name="Connector 54"/>
-          <p:cNvCxnSpPr/>
-          <p:nvPr/>
-        </p:nvCxnSpPr>
-        <p:spPr>
-          <a:xfrm flipH="1" flipV="1">
-            <a:off x="5074920" y="1280160"/>
-            <a:ext cx="4800600" cy="274320"/>
-          </a:xfrm>
-          <a:prstGeom prst="line">
-            <a:avLst/>
-          </a:prstGeom>
-          <a:ln w="25400">
-            <a:solidFill>
-              <a:srgbClr val="808080"/>
-            </a:solidFill>
-            <a:prstDash val="sysDash"/>
-          </a:ln>
-        </p:spPr>
-        <p:style>
-          <a:lnRef idx="2">
-            <a:schemeClr val="accent1"/>
-          </a:lnRef>
-          <a:fillRef idx="0">
-            <a:schemeClr val="accent1"/>
-          </a:fillRef>
-          <a:effectRef idx="1">
-            <a:schemeClr val="accent1"/>
-          </a:effectRef>
-          <a:fontRef idx="minor">
-            <a:schemeClr val="tx1"/>
-          </a:fontRef>
-        </p:style>
-      </p:cxnSp>
-      <p:sp>
-        <p:nvSpPr>
-          <p:cNvPr id="56" name="TextBox 55"/>
+              <a:t>Appendix B: Discovery Cycle Sequence</a:t>
+            </a:r>
+          </a:p>
+        </p:txBody>
+      </p:sp>
+      <p:sp>
+        <p:nvSpPr>
+          <p:cNvPr id="3" name="TextBox 2"/>
           <p:cNvSpPr txBox="1"/>
           <p:nvPr/>
         </p:nvSpPr>
         <p:spPr>
           <a:xfrm>
-            <a:off x="7018020" y="1142999"/>
-            <a:ext cx="914400" cy="274320"/>
+            <a:off x="914400" y="1097280"/>
+            <a:ext cx="12801600" cy="6400800"/>
           </a:xfrm>
           <a:prstGeom prst="rect">
             <a:avLst/>
@@ -5744,542 +4373,504 @@
           <a:noFill/>
         </p:spPr>
         <p:txBody>
-          <a:bodyPr wrap="none">
+          <a:bodyPr wrap="square">
             <a:spAutoFit/>
           </a:bodyPr>
           <a:lstStyle/>
           <a:p>
-            <a:pPr algn="ctr">
-              <a:defRPr sz="700">
-                <a:solidFill>
-                  <a:srgbClr val="007BFF"/>
+            <a:pPr>
+              <a:spcBef>
+                <a:spcPts val="600"/>
+              </a:spcBef>
+              <a:defRPr sz="1100">
+                <a:solidFill>
+                  <a:srgbClr val="2C3E50"/>
                 </a:solidFill>
               </a:defRPr>
             </a:pPr>
             <a:r>
-              <a:t>Config</a:t>
-            </a:r>
-          </a:p>
-        </p:txBody>
-      </p:sp>
-      <p:sp>
-        <p:nvSpPr>
-          <p:cNvPr id="57" name="TextBox 56"/>
-          <p:cNvSpPr txBox="1"/>
-          <p:nvPr/>
-        </p:nvSpPr>
-        <p:spPr>
-          <a:xfrm>
-            <a:off x="457200" y="5760720"/>
-            <a:ext cx="1828800" cy="228600"/>
-          </a:xfrm>
-          <a:prstGeom prst="rect">
-            <a:avLst/>
-          </a:prstGeom>
-          <a:noFill/>
-        </p:spPr>
-        <p:txBody>
-          <a:bodyPr wrap="none">
-            <a:spAutoFit/>
-          </a:bodyPr>
-          <a:lstStyle/>
+              <a:t>Discovery Cycle Flow:</a:t>
+            </a:r>
+          </a:p>
           <a:p>
             <a:pPr>
-              <a:defRPr sz="900" b="1">
-                <a:solidFill>
-                  <a:srgbClr val="002060"/>
+              <a:spcBef>
+                <a:spcPts val="600"/>
+              </a:spcBef>
+              <a:defRPr sz="1100">
+                <a:solidFill>
+                  <a:srgbClr val="2C3E50"/>
                 </a:solidFill>
               </a:defRPr>
             </a:pPr>
-            <a:r>
-              <a:t>LEGEND</a:t>
-            </a:r>
-          </a:p>
-        </p:txBody>
-      </p:sp>
-      <p:sp>
-        <p:nvSpPr>
-          <p:cNvPr id="58" name="Data 57"/>
-          <p:cNvSpPr/>
-          <p:nvPr/>
-        </p:nvSpPr>
-        <p:spPr>
-          <a:xfrm>
-            <a:off x="457200" y="6035040"/>
-            <a:ext cx="228600" cy="182880"/>
-          </a:xfrm>
-          <a:prstGeom prst="flowChartInputOutput">
-            <a:avLst/>
-          </a:prstGeom>
-          <a:solidFill>
-            <a:srgbClr val="E6F0FF"/>
-          </a:solidFill>
-          <a:ln w="12700">
-            <a:solidFill>
-              <a:srgbClr val="404040"/>
-            </a:solidFill>
-          </a:ln>
-        </p:spPr>
-        <p:style>
-          <a:lnRef idx="1">
-            <a:schemeClr val="accent1"/>
-          </a:lnRef>
-          <a:fillRef idx="3">
-            <a:schemeClr val="accent1"/>
-          </a:fillRef>
-          <a:effectRef idx="2">
-            <a:schemeClr val="accent1"/>
-          </a:effectRef>
-          <a:fontRef idx="minor">
-            <a:schemeClr val="lt1"/>
-          </a:fontRef>
-        </p:style>
-        <p:txBody>
-          <a:bodyPr rtlCol="0" anchor="ctr"/>
-          <a:lstStyle/>
-          <a:p>
-            <a:pPr algn="ctr"/>
-          </a:p>
-        </p:txBody>
-      </p:sp>
-      <p:sp>
-        <p:nvSpPr>
-          <p:cNvPr id="59" name="TextBox 58"/>
-          <p:cNvSpPr txBox="1"/>
-          <p:nvPr/>
-        </p:nvSpPr>
-        <p:spPr>
-          <a:xfrm>
-            <a:off x="777240" y="6035040"/>
-            <a:ext cx="1371600" cy="182880"/>
-          </a:xfrm>
-          <a:prstGeom prst="rect">
-            <a:avLst/>
-          </a:prstGeom>
-          <a:noFill/>
-        </p:spPr>
-        <p:txBody>
-          <a:bodyPr wrap="none" anchor="ctr">
-            <a:spAutoFit/>
-          </a:bodyPr>
-          <a:lstStyle/>
+          </a:p>
           <a:p>
             <a:pPr>
-              <a:defRPr sz="700">
-                <a:solidFill>
-                  <a:srgbClr val="404040"/>
+              <a:spcBef>
+                <a:spcPts val="600"/>
+              </a:spcBef>
+              <a:defRPr sz="1100">
+                <a:solidFill>
+                  <a:srgbClr val="2C3E50"/>
                 </a:solidFill>
               </a:defRPr>
             </a:pPr>
             <a:r>
-              <a:t>Cylinder = Data Store</a:t>
-            </a:r>
-          </a:p>
-        </p:txBody>
-      </p:sp>
-      <p:sp>
-        <p:nvSpPr>
-          <p:cNvPr id="60" name="Rounded Rectangle 59"/>
-          <p:cNvSpPr/>
-          <p:nvPr/>
-        </p:nvSpPr>
-        <p:spPr>
-          <a:xfrm>
-            <a:off x="457200" y="6355079"/>
-            <a:ext cx="228600" cy="182880"/>
-          </a:xfrm>
-          <a:prstGeom prst="roundRect">
-            <a:avLst/>
-          </a:prstGeom>
-          <a:solidFill>
-            <a:srgbClr val="DCE6F0"/>
-          </a:solidFill>
-          <a:ln w="12700">
-            <a:solidFill>
-              <a:srgbClr val="404040"/>
-            </a:solidFill>
-          </a:ln>
-        </p:spPr>
-        <p:style>
-          <a:lnRef idx="1">
-            <a:schemeClr val="accent1"/>
-          </a:lnRef>
-          <a:fillRef idx="3">
-            <a:schemeClr val="accent1"/>
-          </a:fillRef>
-          <a:effectRef idx="2">
-            <a:schemeClr val="accent1"/>
-          </a:effectRef>
-          <a:fontRef idx="minor">
-            <a:schemeClr val="lt1"/>
-          </a:fontRef>
-        </p:style>
-        <p:txBody>
-          <a:bodyPr rtlCol="0" anchor="ctr"/>
-          <a:lstStyle/>
-          <a:p>
-            <a:pPr algn="ctr"/>
-          </a:p>
-        </p:txBody>
-      </p:sp>
-      <p:sp>
-        <p:nvSpPr>
-          <p:cNvPr id="61" name="TextBox 60"/>
-          <p:cNvSpPr txBox="1"/>
-          <p:nvPr/>
-        </p:nvSpPr>
-        <p:spPr>
-          <a:xfrm>
-            <a:off x="777240" y="6355079"/>
-            <a:ext cx="1371600" cy="182880"/>
-          </a:xfrm>
-          <a:prstGeom prst="rect">
-            <a:avLst/>
-          </a:prstGeom>
-          <a:noFill/>
-        </p:spPr>
-        <p:txBody>
-          <a:bodyPr wrap="none" anchor="ctr">
-            <a:spAutoFit/>
-          </a:bodyPr>
-          <a:lstStyle/>
+              <a:t>1. User initiates discovery via Streamlit UI</a:t>
+            </a:r>
+          </a:p>
           <a:p>
             <a:pPr>
-              <a:defRPr sz="700">
-                <a:solidFill>
-                  <a:srgbClr val="404040"/>
+              <a:spcBef>
+                <a:spcPts val="600"/>
+              </a:spcBef>
+              <a:defRPr sz="1100">
+                <a:solidFill>
+                  <a:srgbClr val="2C3E50"/>
                 </a:solidFill>
               </a:defRPr>
             </a:pPr>
             <a:r>
-              <a:t>Rectangle = Processing</a:t>
-            </a:r>
-          </a:p>
-        </p:txBody>
-      </p:sp>
-      <p:sp>
-        <p:nvSpPr>
-          <p:cNvPr id="62" name="Hexagon 61"/>
-          <p:cNvSpPr/>
-          <p:nvPr/>
-        </p:nvSpPr>
-        <p:spPr>
-          <a:xfrm>
-            <a:off x="457200" y="6675120"/>
-            <a:ext cx="228600" cy="182880"/>
-          </a:xfrm>
-          <a:prstGeom prst="hexagon">
-            <a:avLst/>
-          </a:prstGeom>
-          <a:solidFill>
-            <a:srgbClr val="FFF5E6"/>
-          </a:solidFill>
-          <a:ln w="12700">
-            <a:solidFill>
-              <a:srgbClr val="404040"/>
-            </a:solidFill>
-          </a:ln>
-        </p:spPr>
-        <p:style>
-          <a:lnRef idx="1">
-            <a:schemeClr val="accent1"/>
-          </a:lnRef>
-          <a:fillRef idx="3">
-            <a:schemeClr val="accent1"/>
-          </a:fillRef>
-          <a:effectRef idx="2">
-            <a:schemeClr val="accent1"/>
-          </a:effectRef>
-          <a:fontRef idx="minor">
-            <a:schemeClr val="lt1"/>
-          </a:fontRef>
-        </p:style>
-        <p:txBody>
-          <a:bodyPr rtlCol="0" anchor="ctr"/>
-          <a:lstStyle/>
-          <a:p>
-            <a:pPr algn="ctr"/>
-          </a:p>
-        </p:txBody>
-      </p:sp>
-      <p:sp>
-        <p:nvSpPr>
-          <p:cNvPr id="63" name="TextBox 62"/>
-          <p:cNvSpPr txBox="1"/>
-          <p:nvPr/>
-        </p:nvSpPr>
-        <p:spPr>
-          <a:xfrm>
-            <a:off x="777240" y="6675120"/>
-            <a:ext cx="1371600" cy="182880"/>
-          </a:xfrm>
-          <a:prstGeom prst="rect">
-            <a:avLst/>
-          </a:prstGeom>
-          <a:noFill/>
-        </p:spPr>
-        <p:txBody>
-          <a:bodyPr wrap="none" anchor="ctr">
-            <a:spAutoFit/>
-          </a:bodyPr>
-          <a:lstStyle/>
+              <a:t>   → Provides research objective and configures cycles</a:t>
+            </a:r>
+          </a:p>
           <a:p>
             <a:pPr>
-              <a:defRPr sz="700">
-                <a:solidFill>
-                  <a:srgbClr val="404040"/>
+              <a:spcBef>
+                <a:spcPts val="600"/>
+              </a:spcBef>
+              <a:defRPr sz="1100">
+                <a:solidFill>
+                  <a:srgbClr val="2C3E50"/>
                 </a:solidFill>
               </a:defRPr>
             </a:pPr>
-            <a:r>
-              <a:t>Hexagon = External API</a:t>
-            </a:r>
-          </a:p>
-        </p:txBody>
-      </p:sp>
-      <p:sp>
-        <p:nvSpPr>
-          <p:cNvPr id="64" name="Parallelogram 63"/>
-          <p:cNvSpPr/>
-          <p:nvPr/>
-        </p:nvSpPr>
-        <p:spPr>
-          <a:xfrm>
-            <a:off x="457200" y="6995159"/>
-            <a:ext cx="228600" cy="182880"/>
-          </a:xfrm>
-          <a:prstGeom prst="parallelogram">
-            <a:avLst/>
-          </a:prstGeom>
-          <a:solidFill>
-            <a:srgbClr val="00B050"/>
-          </a:solidFill>
-          <a:ln w="12700">
-            <a:solidFill>
-              <a:srgbClr val="404040"/>
-            </a:solidFill>
-          </a:ln>
-        </p:spPr>
-        <p:style>
-          <a:lnRef idx="1">
-            <a:schemeClr val="accent1"/>
-          </a:lnRef>
-          <a:fillRef idx="3">
-            <a:schemeClr val="accent1"/>
-          </a:fillRef>
-          <a:effectRef idx="2">
-            <a:schemeClr val="accent1"/>
-          </a:effectRef>
-          <a:fontRef idx="minor">
-            <a:schemeClr val="lt1"/>
-          </a:fontRef>
-        </p:style>
-        <p:txBody>
-          <a:bodyPr rtlCol="0" anchor="ctr"/>
-          <a:lstStyle/>
-          <a:p>
-            <a:pPr algn="ctr"/>
-          </a:p>
-        </p:txBody>
-      </p:sp>
-      <p:sp>
-        <p:nvSpPr>
-          <p:cNvPr id="65" name="TextBox 64"/>
-          <p:cNvSpPr txBox="1"/>
-          <p:nvPr/>
-        </p:nvSpPr>
-        <p:spPr>
-          <a:xfrm>
-            <a:off x="777240" y="6995159"/>
-            <a:ext cx="1371600" cy="182880"/>
-          </a:xfrm>
-          <a:prstGeom prst="rect">
-            <a:avLst/>
-          </a:prstGeom>
-          <a:noFill/>
-        </p:spPr>
-        <p:txBody>
-          <a:bodyPr wrap="none" anchor="ctr">
-            <a:spAutoFit/>
-          </a:bodyPr>
-          <a:lstStyle/>
+          </a:p>
           <a:p>
             <a:pPr>
-              <a:defRPr sz="700">
-                <a:solidFill>
-                  <a:srgbClr val="404040"/>
+              <a:spcBef>
+                <a:spcPts val="600"/>
+              </a:spcBef>
+              <a:defRPr sz="1100">
+                <a:solidFill>
+                  <a:srgbClr val="2C3E50"/>
                 </a:solidFill>
               </a:defRPr>
             </a:pPr>
             <a:r>
-              <a:t>Parallelogram = Output</a:t>
-            </a:r>
-          </a:p>
-        </p:txBody>
-      </p:sp>
-      <p:sp>
-        <p:nvSpPr>
-          <p:cNvPr id="66" name="TextBox 65"/>
-          <p:cNvSpPr txBox="1"/>
-          <p:nvPr/>
-        </p:nvSpPr>
-        <p:spPr>
-          <a:xfrm>
-            <a:off x="2743200" y="5760720"/>
-            <a:ext cx="3200400" cy="1371600"/>
-          </a:xfrm>
-          <a:prstGeom prst="rect">
-            <a:avLst/>
-          </a:prstGeom>
-          <a:noFill/>
-        </p:spPr>
-        <p:txBody>
-          <a:bodyPr wrap="none">
-            <a:spAutoFit/>
-          </a:bodyPr>
-          <a:lstStyle/>
+              <a:t>2. Data Loader reads CSV files</a:t>
+            </a:r>
+          </a:p>
           <a:p>
             <a:pPr>
-              <a:defRPr sz="900" b="1">
-                <a:solidFill>
-                  <a:srgbClr val="002060"/>
+              <a:spcBef>
+                <a:spcPts val="600"/>
+              </a:spcBef>
+              <a:defRPr sz="1100">
+                <a:solidFill>
+                  <a:srgbClr val="2C3E50"/>
                 </a:solidFill>
               </a:defRPr>
             </a:pPr>
             <a:r>
-              <a:t>RUNTIME TRIGGERS</a:t>
+              <a:t>   → Loads and preprocesses customer/competitor data</a:t>
             </a:r>
           </a:p>
           <a:p>
             <a:pPr>
-              <a:defRPr sz="700">
-                <a:solidFill>
-                  <a:srgbClr val="404040"/>
+              <a:spcBef>
+                <a:spcPts val="600"/>
+              </a:spcBef>
+              <a:defRPr sz="1100">
+                <a:solidFill>
+                  <a:srgbClr val="2C3E50"/>
                 </a:solidFill>
               </a:defRPr>
             </a:pPr>
-            <a:r>
-              <a:t>- User initiates via Streamlit UI</a:t>
-            </a:r>
           </a:p>
           <a:p>
             <a:pPr>
-              <a:defRPr sz="700">
-                <a:solidFill>
-                  <a:srgbClr val="404040"/>
+              <a:spcBef>
+                <a:spcPts val="600"/>
+              </a:spcBef>
+              <a:defRPr sz="1100">
+                <a:solidFill>
+                  <a:srgbClr val="2C3E50"/>
                 </a:solidFill>
               </a:defRPr>
             </a:pPr>
             <a:r>
-              <a:t>- Cycles run sequentially (1-20)</a:t>
+              <a:t>3. Orchestrator generates research questions</a:t>
             </a:r>
           </a:p>
           <a:p>
             <a:pPr>
-              <a:defRPr sz="700">
-                <a:solidFill>
-                  <a:srgbClr val="404040"/>
+              <a:spcBef>
+                <a:spcPts val="600"/>
+              </a:spcBef>
+              <a:defRPr sz="1100">
+                <a:solidFill>
+                  <a:srgbClr val="2C3E50"/>
                 </a:solidFill>
               </a:defRPr>
             </a:pPr>
             <a:r>
-              <a:t>- Per-cycle: 3 questions</a:t>
+              <a:t>   → Uses LLM (if enabled) or default question bank</a:t>
             </a:r>
           </a:p>
           <a:p>
             <a:pPr>
-              <a:defRPr sz="700">
-                <a:solidFill>
-                  <a:srgbClr val="404040"/>
+              <a:spcBef>
+                <a:spcPts val="600"/>
+              </a:spcBef>
+              <a:defRPr sz="1100">
+                <a:solidFill>
+                  <a:srgbClr val="2C3E50"/>
                 </a:solidFill>
               </a:defRPr>
             </a:pPr>
-            <a:r>
-              <a:t>- LLM calls: Optional</a:t>
-            </a:r>
-          </a:p>
-        </p:txBody>
-      </p:sp>
-      <p:sp>
-        <p:nvSpPr>
-          <p:cNvPr id="67" name="TextBox 66"/>
-          <p:cNvSpPr txBox="1"/>
-          <p:nvPr/>
-        </p:nvSpPr>
-        <p:spPr>
-          <a:xfrm>
-            <a:off x="6400800" y="5760720"/>
-            <a:ext cx="2743200" cy="1371600"/>
-          </a:xfrm>
-          <a:prstGeom prst="rect">
-            <a:avLst/>
-          </a:prstGeom>
-          <a:noFill/>
-        </p:spPr>
-        <p:txBody>
-          <a:bodyPr wrap="none">
-            <a:spAutoFit/>
-          </a:bodyPr>
-          <a:lstStyle/>
+          </a:p>
           <a:p>
             <a:pPr>
-              <a:defRPr sz="900" b="1">
-                <a:solidFill>
-                  <a:srgbClr val="002060"/>
+              <a:spcBef>
+                <a:spcPts val="600"/>
+              </a:spcBef>
+              <a:defRPr sz="1100">
+                <a:solidFill>
+                  <a:srgbClr val="2C3E50"/>
                 </a:solidFill>
               </a:defRPr>
             </a:pPr>
             <a:r>
-              <a:t>DEPLOYMENT</a:t>
+              <a:t>4. Statistical Analysis Engine executes analyses</a:t>
             </a:r>
           </a:p>
           <a:p>
             <a:pPr>
-              <a:defRPr sz="700">
-                <a:solidFill>
-                  <a:srgbClr val="404040"/>
+              <a:spcBef>
+                <a:spcPts val="600"/>
+              </a:spcBef>
+              <a:defRPr sz="1100">
+                <a:solidFill>
+                  <a:srgbClr val="2C3E50"/>
                 </a:solidFill>
               </a:defRPr>
             </a:pPr>
             <a:r>
-              <a:t>- Local Python (streamlit run)</a:t>
+              <a:t>   → Performs correlations, t-tests, ANOVA, regression</a:t>
             </a:r>
           </a:p>
           <a:p>
             <a:pPr>
-              <a:defRPr sz="700">
-                <a:solidFill>
-                  <a:srgbClr val="404040"/>
+              <a:spcBef>
+                <a:spcPts val="600"/>
+              </a:spcBef>
+              <a:defRPr sz="1100">
+                <a:solidFill>
+                  <a:srgbClr val="2C3E50"/>
                 </a:solidFill>
               </a:defRPr>
             </a:pPr>
             <a:r>
-              <a:t>- Deps: pandas, scipy, streamlit</a:t>
+              <a:t>   → Computes p-values, effect sizes, confidence intervals</a:t>
             </a:r>
           </a:p>
           <a:p>
             <a:pPr>
-              <a:defRPr sz="700">
-                <a:solidFill>
-                  <a:srgbClr val="404040"/>
+              <a:spcBef>
+                <a:spcPts val="600"/>
+              </a:spcBef>
+              <a:defRPr sz="1100">
+                <a:solidFill>
+                  <a:srgbClr val="2C3E50"/>
                 </a:solidFill>
               </a:defRPr>
             </a:pPr>
-            <a:r>
-              <a:t>- Optional: OpenAI API key</a:t>
-            </a:r>
           </a:p>
           <a:p>
             <a:pPr>
-              <a:defRPr sz="700">
-                <a:solidFill>
-                  <a:srgbClr val="404040"/>
+              <a:spcBef>
+                <a:spcPts val="600"/>
+              </a:spcBef>
+              <a:defRPr sz="1100">
+                <a:solidFill>
+                  <a:srgbClr val="2C3E50"/>
                 </a:solidFill>
               </a:defRPr>
             </a:pPr>
             <a:r>
-              <a:t>- Scale: Single-user, local</a:t>
-            </a:r>
+              <a:t>5. LLM Gateway (optional) searches literature</a:t>
+            </a:r>
+          </a:p>
+          <a:p>
+            <a:pPr>
+              <a:spcBef>
+                <a:spcPts val="600"/>
+              </a:spcBef>
+              <a:defRPr sz="1100">
+                <a:solidFill>
+                  <a:srgbClr val="2C3E50"/>
+                </a:solidFill>
+              </a:defRPr>
+            </a:pPr>
+            <a:r>
+              <a:t>   → Queries literature index for relevant papers</a:t>
+            </a:r>
+          </a:p>
+          <a:p>
+            <a:pPr>
+              <a:spcBef>
+                <a:spcPts val="600"/>
+              </a:spcBef>
+              <a:defRPr sz="1100">
+                <a:solidFill>
+                  <a:srgbClr val="2C3E50"/>
+                </a:solidFill>
+              </a:defRPr>
+            </a:pPr>
+            <a:r>
+              <a:t>   → Extracts and synthesizes findings</a:t>
+            </a:r>
+          </a:p>
+          <a:p>
+            <a:pPr>
+              <a:spcBef>
+                <a:spcPts val="600"/>
+              </a:spcBef>
+              <a:defRPr sz="1100">
+                <a:solidFill>
+                  <a:srgbClr val="2C3E50"/>
+                </a:solidFill>
+              </a:defRPr>
+            </a:pPr>
+          </a:p>
+          <a:p>
+            <a:pPr>
+              <a:spcBef>
+                <a:spcPts val="600"/>
+              </a:spcBef>
+              <a:defRPr sz="1100">
+                <a:solidFill>
+                  <a:srgbClr val="2C3E50"/>
+                </a:solidFill>
+              </a:defRPr>
+            </a:pPr>
+            <a:r>
+              <a:t>6. Discovery Synthesis</a:t>
+            </a:r>
+          </a:p>
+          <a:p>
+            <a:pPr>
+              <a:spcBef>
+                <a:spcPts val="600"/>
+              </a:spcBef>
+              <a:defRPr sz="1100">
+                <a:solidFill>
+                  <a:srgbClr val="2C3E50"/>
+                </a:solidFill>
+              </a:defRPr>
+            </a:pPr>
+            <a:r>
+              <a:t>   → LLM combines statistical + literature evidence</a:t>
+            </a:r>
+          </a:p>
+          <a:p>
+            <a:pPr>
+              <a:spcBef>
+                <a:spcPts val="600"/>
+              </a:spcBef>
+              <a:defRPr sz="1100">
+                <a:solidFill>
+                  <a:srgbClr val="2C3E50"/>
+                </a:solidFill>
+              </a:defRPr>
+            </a:pPr>
+            <a:r>
+              <a:t>   → Generates actionable discoveries with confidence scores</a:t>
+            </a:r>
+          </a:p>
+          <a:p>
+            <a:pPr>
+              <a:spcBef>
+                <a:spcPts val="600"/>
+              </a:spcBef>
+              <a:defRPr sz="1100">
+                <a:solidFill>
+                  <a:srgbClr val="2C3E50"/>
+                </a:solidFill>
+              </a:defRPr>
+            </a:pPr>
+          </a:p>
+          <a:p>
+            <a:pPr>
+              <a:spcBef>
+                <a:spcPts val="600"/>
+              </a:spcBef>
+              <a:defRPr sz="1100">
+                <a:solidFill>
+                  <a:srgbClr val="2C3E50"/>
+                </a:solidFill>
+              </a:defRPr>
+            </a:pPr>
+            <a:r>
+              <a:t>7. World Model updates</a:t>
+            </a:r>
+          </a:p>
+          <a:p>
+            <a:pPr>
+              <a:spcBef>
+                <a:spcPts val="600"/>
+              </a:spcBef>
+              <a:defRPr sz="1100">
+                <a:solidFill>
+                  <a:srgbClr val="2C3E50"/>
+                </a:solidFill>
+              </a:defRPr>
+            </a:pPr>
+            <a:r>
+              <a:t>   → Stores discoveries, trajectories, hypotheses</a:t>
+            </a:r>
+          </a:p>
+          <a:p>
+            <a:pPr>
+              <a:spcBef>
+                <a:spcPts val="600"/>
+              </a:spcBef>
+              <a:defRPr sz="1100">
+                <a:solidFill>
+                  <a:srgbClr val="2C3E50"/>
+                </a:solidFill>
+              </a:defRPr>
+            </a:pPr>
+            <a:r>
+              <a:t>   → Persists to world_model.json</a:t>
+            </a:r>
+          </a:p>
+          <a:p>
+            <a:pPr>
+              <a:spcBef>
+                <a:spcPts val="600"/>
+              </a:spcBef>
+              <a:defRPr sz="1100">
+                <a:solidFill>
+                  <a:srgbClr val="2C3E50"/>
+                </a:solidFill>
+              </a:defRPr>
+            </a:pPr>
+          </a:p>
+          <a:p>
+            <a:pPr>
+              <a:spcBef>
+                <a:spcPts val="600"/>
+              </a:spcBef>
+              <a:defRPr sz="1100">
+                <a:solidFill>
+                  <a:srgbClr val="2C3E50"/>
+                </a:solidFill>
+              </a:defRPr>
+            </a:pPr>
+            <a:r>
+              <a:t>8. Report Generation</a:t>
+            </a:r>
+          </a:p>
+          <a:p>
+            <a:pPr>
+              <a:spcBef>
+                <a:spcPts val="600"/>
+              </a:spcBef>
+              <a:defRPr sz="1100">
+                <a:solidFill>
+                  <a:srgbClr val="2C3E50"/>
+                </a:solidFill>
+              </a:defRPr>
+            </a:pPr>
+            <a:r>
+              <a:t>   → Auto-extracts statistics from trajectories</a:t>
+            </a:r>
+          </a:p>
+          <a:p>
+            <a:pPr>
+              <a:spcBef>
+                <a:spcPts val="600"/>
+              </a:spcBef>
+              <a:defRPr sz="1100">
+                <a:solidFill>
+                  <a:srgbClr val="2C3E50"/>
+                </a:solidFill>
+              </a:defRPr>
+            </a:pPr>
+            <a:r>
+              <a:t>   → Formats enhanced report with full evidence</a:t>
+            </a:r>
+          </a:p>
+          <a:p>
+            <a:pPr>
+              <a:spcBef>
+                <a:spcPts val="600"/>
+              </a:spcBef>
+              <a:defRPr sz="1100">
+                <a:solidFill>
+                  <a:srgbClr val="2C3E50"/>
+                </a:solidFill>
+              </a:defRPr>
+            </a:pPr>
+          </a:p>
+          <a:p>
+            <a:pPr>
+              <a:spcBef>
+                <a:spcPts val="600"/>
+              </a:spcBef>
+              <a:defRPr sz="1100">
+                <a:solidFill>
+                  <a:srgbClr val="2C3E50"/>
+                </a:solidFill>
+              </a:defRPr>
+            </a:pPr>
+            <a:r>
+              <a:t>9. Dashboard displays results</a:t>
+            </a:r>
+          </a:p>
+          <a:p>
+            <a:pPr>
+              <a:spcBef>
+                <a:spcPts val="600"/>
+              </a:spcBef>
+              <a:defRPr sz="1100">
+                <a:solidFill>
+                  <a:srgbClr val="2C3E50"/>
+                </a:solidFill>
+              </a:defRPr>
+            </a:pPr>
+            <a:r>
+              <a:t>   → Real-time visualization of discoveries</a:t>
+            </a:r>
+          </a:p>
+          <a:p>
+            <a:pPr>
+              <a:spcBef>
+                <a:spcPts val="600"/>
+              </a:spcBef>
+              <a:defRPr sz="1100">
+                <a:solidFill>
+                  <a:srgbClr val="2C3E50"/>
+                </a:solidFill>
+              </a:defRPr>
+            </a:pPr>
+            <a:r>
+              <a:t>   → Interactive filtering and exploration</a:t>
+            </a:r>
+          </a:p>
+          <a:p>
+            <a:pPr>
+              <a:spcBef>
+                <a:spcPts val="600"/>
+              </a:spcBef>
+              <a:defRPr sz="1100">
+                <a:solidFill>
+                  <a:srgbClr val="2C3E50"/>
+                </a:solidFill>
+              </a:defRPr>
+            </a:pPr>
           </a:p>
         </p:txBody>
       </p:sp>
@@ -6609,4 +5200,324 @@
   </a:objectDefaults>
   <a:extraClrSchemeLst/>
 </a:theme>
+</file>
+
+<file path=ppt/theme/theme2.xml><?xml version="1.0" encoding="utf-8"?>
+<a:theme xmlns:a="http://schemas.openxmlformats.org/drawingml/2006/main" name="Office Theme">
+  <a:themeElements>
+    <a:clrScheme name="Office">
+      <a:dk1>
+        <a:sysClr val="windowText" lastClr="000000"/>
+      </a:dk1>
+      <a:lt1>
+        <a:sysClr val="window" lastClr="FFFFFF"/>
+      </a:lt1>
+      <a:dk2>
+        <a:srgbClr val="1F497D"/>
+      </a:dk2>
+      <a:lt2>
+        <a:srgbClr val="EEECE1"/>
+      </a:lt2>
+      <a:accent1>
+        <a:srgbClr val="4F81BD"/>
+      </a:accent1>
+      <a:accent2>
+        <a:srgbClr val="C0504D"/>
+      </a:accent2>
+      <a:accent3>
+        <a:srgbClr val="9BBB59"/>
+      </a:accent3>
+      <a:accent4>
+        <a:srgbClr val="8064A2"/>
+      </a:accent4>
+      <a:accent5>
+        <a:srgbClr val="4BACC6"/>
+      </a:accent5>
+      <a:accent6>
+        <a:srgbClr val="F79646"/>
+      </a:accent6>
+      <a:hlink>
+        <a:srgbClr val="0000FF"/>
+      </a:hlink>
+      <a:folHlink>
+        <a:srgbClr val="800080"/>
+      </a:folHlink>
+    </a:clrScheme>
+    <a:fontScheme name="Office">
+      <a:majorFont>
+        <a:latin typeface="Calibri"/>
+        <a:ea typeface=""/>
+        <a:cs typeface=""/>
+        <a:font script="Jpan" typeface="ＭＳ Ｐゴシック"/>
+        <a:font script="Hang" typeface="맑은 고딕"/>
+        <a:font script="Hans" typeface="宋体"/>
+        <a:font script="Hant" typeface="新細明體"/>
+        <a:font script="Arab" typeface="Times New Roman"/>
+        <a:font script="Hebr" typeface="Times New Roman"/>
+        <a:font script="Thai" typeface="Angsana New"/>
+        <a:font script="Ethi" typeface="Nyala"/>
+        <a:font script="Beng" typeface="Vrinda"/>
+        <a:font script="Gujr" typeface="Shruti"/>
+        <a:font script="Khmr" typeface="MoolBoran"/>
+        <a:font script="Knda" typeface="Tunga"/>
+        <a:font script="Guru" typeface="Raavi"/>
+        <a:font script="Cans" typeface="Euphemia"/>
+        <a:font script="Cher" typeface="Plantagenet Cherokee"/>
+        <a:font script="Yiii" typeface="Microsoft Yi Baiti"/>
+        <a:font script="Tibt" typeface="Microsoft Himalaya"/>
+        <a:font script="Thaa" typeface="MV Boli"/>
+        <a:font script="Deva" typeface="Mangal"/>
+        <a:font script="Telu" typeface="Gautami"/>
+        <a:font script="Taml" typeface="Latha"/>
+        <a:font script="Syrc" typeface="Estrangelo Edessa"/>
+        <a:font script="Orya" typeface="Kalinga"/>
+        <a:font script="Mlym" typeface="Kartika"/>
+        <a:font script="Laoo" typeface="DokChampa"/>
+        <a:font script="Sinh" typeface="Iskoola Pota"/>
+        <a:font script="Mong" typeface="Mongolian Baiti"/>
+        <a:font script="Viet" typeface="Times New Roman"/>
+        <a:font script="Uigh" typeface="Microsoft Uighur"/>
+        <a:font script="Geor" typeface="Sylfaen"/>
+      </a:majorFont>
+      <a:minorFont>
+        <a:latin typeface="Calibri"/>
+        <a:ea typeface=""/>
+        <a:cs typeface=""/>
+        <a:font script="Jpan" typeface="ＭＳ Ｐゴシック"/>
+        <a:font script="Hang" typeface="맑은 고딕"/>
+        <a:font script="Hans" typeface="宋体"/>
+        <a:font script="Hant" typeface="新細明體"/>
+        <a:font script="Arab" typeface="Arial"/>
+        <a:font script="Hebr" typeface="Arial"/>
+        <a:font script="Thai" typeface="Cordia New"/>
+        <a:font script="Ethi" typeface="Nyala"/>
+        <a:font script="Beng" typeface="Vrinda"/>
+        <a:font script="Gujr" typeface="Shruti"/>
+        <a:font script="Khmr" typeface="DaunPenh"/>
+        <a:font script="Knda" typeface="Tunga"/>
+        <a:font script="Guru" typeface="Raavi"/>
+        <a:font script="Cans" typeface="Euphemia"/>
+        <a:font script="Cher" typeface="Plantagenet Cherokee"/>
+        <a:font script="Yiii" typeface="Microsoft Yi Baiti"/>
+        <a:font script="Tibt" typeface="Microsoft Himalaya"/>
+        <a:font script="Thaa" typeface="MV Boli"/>
+        <a:font script="Deva" typeface="Mangal"/>
+        <a:font script="Telu" typeface="Gautami"/>
+        <a:font script="Taml" typeface="Latha"/>
+        <a:font script="Syrc" typeface="Estrangelo Edessa"/>
+        <a:font script="Orya" typeface="Kalinga"/>
+        <a:font script="Mlym" typeface="Kartika"/>
+        <a:font script="Laoo" typeface="DokChampa"/>
+        <a:font script="Sinh" typeface="Iskoola Pota"/>
+        <a:font script="Mong" typeface="Mongolian Baiti"/>
+        <a:font script="Viet" typeface="Arial"/>
+        <a:font script="Uigh" typeface="Microsoft Uighur"/>
+        <a:font script="Geor" typeface="Sylfaen"/>
+      </a:minorFont>
+    </a:fontScheme>
+    <a:fmtScheme name="Office">
+      <a:fillStyleLst>
+        <a:solidFill>
+          <a:schemeClr val="phClr"/>
+        </a:solidFill>
+        <a:gradFill rotWithShape="1">
+          <a:gsLst>
+            <a:gs pos="0">
+              <a:schemeClr val="phClr">
+                <a:tint val="50000"/>
+                <a:satMod val="300000"/>
+              </a:schemeClr>
+            </a:gs>
+            <a:gs pos="35000">
+              <a:schemeClr val="phClr">
+                <a:tint val="37000"/>
+                <a:satMod val="300000"/>
+              </a:schemeClr>
+            </a:gs>
+            <a:gs pos="100000">
+              <a:schemeClr val="phClr">
+                <a:tint val="15000"/>
+                <a:satMod val="350000"/>
+              </a:schemeClr>
+            </a:gs>
+          </a:gsLst>
+          <a:lin ang="16200000" scaled="1"/>
+        </a:gradFill>
+        <a:gradFill rotWithShape="1">
+          <a:gsLst>
+            <a:gs pos="0">
+              <a:schemeClr val="phClr">
+                <a:tint val="100000"/>
+                <a:shade val="100000"/>
+                <a:satMod val="130000"/>
+              </a:schemeClr>
+            </a:gs>
+            <a:gs pos="100000">
+              <a:schemeClr val="phClr">
+                <a:tint val="50000"/>
+                <a:shade val="100000"/>
+                <a:satMod val="350000"/>
+              </a:schemeClr>
+            </a:gs>
+          </a:gsLst>
+          <a:lin ang="16200000" scaled="0"/>
+        </a:gradFill>
+      </a:fillStyleLst>
+      <a:lnStyleLst>
+        <a:ln w="9525" cap="flat" cmpd="sng" algn="ctr">
+          <a:solidFill>
+            <a:schemeClr val="phClr">
+              <a:shade val="95000"/>
+              <a:satMod val="105000"/>
+            </a:schemeClr>
+          </a:solidFill>
+          <a:prstDash val="solid"/>
+        </a:ln>
+        <a:ln w="25400" cap="flat" cmpd="sng" algn="ctr">
+          <a:solidFill>
+            <a:schemeClr val="phClr"/>
+          </a:solidFill>
+          <a:prstDash val="solid"/>
+        </a:ln>
+        <a:ln w="38100" cap="flat" cmpd="sng" algn="ctr">
+          <a:solidFill>
+            <a:schemeClr val="phClr"/>
+          </a:solidFill>
+          <a:prstDash val="solid"/>
+        </a:ln>
+      </a:lnStyleLst>
+      <a:effectStyleLst>
+        <a:effectStyle>
+          <a:effectLst>
+            <a:outerShdw blurRad="40000" dist="20000" dir="5400000" rotWithShape="0">
+              <a:srgbClr val="000000">
+                <a:alpha val="38000"/>
+              </a:srgbClr>
+            </a:outerShdw>
+          </a:effectLst>
+        </a:effectStyle>
+        <a:effectStyle>
+          <a:effectLst>
+            <a:outerShdw blurRad="40000" dist="23000" dir="5400000" rotWithShape="0">
+              <a:srgbClr val="000000">
+                <a:alpha val="35000"/>
+              </a:srgbClr>
+            </a:outerShdw>
+          </a:effectLst>
+        </a:effectStyle>
+        <a:effectStyle>
+          <a:effectLst>
+            <a:outerShdw blurRad="40000" dist="23000" dir="5400000" rotWithShape="0">
+              <a:srgbClr val="000000">
+                <a:alpha val="35000"/>
+              </a:srgbClr>
+            </a:outerShdw>
+          </a:effectLst>
+          <a:scene3d>
+            <a:camera prst="orthographicFront">
+              <a:rot lat="0" lon="0" rev="0"/>
+            </a:camera>
+            <a:lightRig rig="threePt" dir="t">
+              <a:rot lat="0" lon="0" rev="1200000"/>
+            </a:lightRig>
+          </a:scene3d>
+          <a:sp3d>
+            <a:bevelT w="63500" h="25400"/>
+          </a:sp3d>
+        </a:effectStyle>
+      </a:effectStyleLst>
+      <a:bgFillStyleLst>
+        <a:solidFill>
+          <a:schemeClr val="phClr"/>
+        </a:solidFill>
+        <a:gradFill rotWithShape="1">
+          <a:gsLst>
+            <a:gs pos="0">
+              <a:schemeClr val="phClr">
+                <a:tint val="40000"/>
+                <a:satMod val="350000"/>
+              </a:schemeClr>
+            </a:gs>
+            <a:gs pos="40000">
+              <a:schemeClr val="phClr">
+                <a:tint val="45000"/>
+                <a:shade val="99000"/>
+                <a:satMod val="350000"/>
+              </a:schemeClr>
+            </a:gs>
+            <a:gs pos="100000">
+              <a:schemeClr val="phClr">
+                <a:shade val="20000"/>
+                <a:satMod val="255000"/>
+              </a:schemeClr>
+            </a:gs>
+          </a:gsLst>
+          <a:path path="circle">
+            <a:fillToRect l="50000" t="-80000" r="50000" b="180000"/>
+          </a:path>
+        </a:gradFill>
+        <a:gradFill rotWithShape="1">
+          <a:gsLst>
+            <a:gs pos="0">
+              <a:schemeClr val="phClr">
+                <a:tint val="80000"/>
+                <a:satMod val="300000"/>
+              </a:schemeClr>
+            </a:gs>
+            <a:gs pos="100000">
+              <a:schemeClr val="phClr">
+                <a:shade val="30000"/>
+                <a:satMod val="200000"/>
+              </a:schemeClr>
+            </a:gs>
+          </a:gsLst>
+          <a:path path="circle">
+            <a:fillToRect l="50000" t="50000" r="50000" b="50000"/>
+          </a:path>
+        </a:gradFill>
+      </a:bgFillStyleLst>
+    </a:fmtScheme>
+  </a:themeElements>
+  <a:objectDefaults>
+    <a:spDef>
+      <a:spPr/>
+      <a:bodyPr/>
+      <a:lstStyle/>
+      <a:style>
+        <a:lnRef idx="1">
+          <a:schemeClr val="accent1"/>
+        </a:lnRef>
+        <a:fillRef idx="3">
+          <a:schemeClr val="accent1"/>
+        </a:fillRef>
+        <a:effectRef idx="2">
+          <a:schemeClr val="accent1"/>
+        </a:effectRef>
+        <a:fontRef idx="minor">
+          <a:schemeClr val="lt1"/>
+        </a:fontRef>
+      </a:style>
+    </a:spDef>
+    <a:lnDef>
+      <a:spPr/>
+      <a:bodyPr/>
+      <a:lstStyle/>
+      <a:style>
+        <a:lnRef idx="2">
+          <a:schemeClr val="accent1"/>
+        </a:lnRef>
+        <a:fillRef idx="0">
+          <a:schemeClr val="accent1"/>
+        </a:fillRef>
+        <a:effectRef idx="1">
+          <a:schemeClr val="accent1"/>
+        </a:effectRef>
+        <a:fontRef idx="minor">
+          <a:schemeClr val="tx1"/>
+        </a:fontRef>
+      </a:style>
+    </a:lnDef>
+  </a:objectDefaults>
+  <a:extraClrSchemeLst/>
+</a:theme>
 </file>
--- a/architecture_overview.pptx
+++ b/architecture_overview.pptx
@@ -5,11 +5,12 @@
     <p:sldMasterId id="2147483648" r:id="rId1"/>
   </p:sldMasterIdLst>
   <p:sldIdLst>
-    <p:sldId id="256" r:id="rId7"/>
-    <p:sldId id="257" r:id="rId9"/>
-    <p:sldId id="258" r:id="rId10"/>
+    <p:sldId id="256" r:id="rId2"/>
+    <p:sldId id="257" r:id="rId3"/>
+    <p:sldId id="258" r:id="rId4"/>
+    <p:sldId id="259" r:id="rId5"/>
   </p:sldIdLst>
-  <p:sldSz cx="14630400" cy="8229600" type="screen4x3"/>
+  <p:sldSz cx="12192000" cy="6858000"/>
   <p:notesSz cx="6858000" cy="9144000"/>
   <p:defaultTextStyle>
     <a:defPPr>
@@ -106,513 +107,23 @@
       </a:defRPr>
     </a:lvl9pPr>
   </p:defaultTextStyle>
+  <p:extLst>
+    <p:ext uri="{EFAFB233-063F-42B5-8137-9DF3F51BA10A}">
+      <p15:sldGuideLst xmlns:p15="http://schemas.microsoft.com/office/powerpoint/2012/main">
+        <p15:guide id="1" orient="horz" pos="2160">
+          <p15:clr>
+            <a:srgbClr val="A4A3A4"/>
+          </p15:clr>
+        </p15:guide>
+        <p15:guide id="2" pos="2880">
+          <p15:clr>
+            <a:srgbClr val="A4A3A4"/>
+          </p15:clr>
+        </p15:guide>
+      </p15:sldGuideLst>
+    </p:ext>
+  </p:extLst>
 </p:presentation>
-</file>
-
-<file path=ppt/notesMasters/notesMaster1.xml><?xml version="1.0" encoding="utf-8"?>
-<p:notesMaster xmlns:a="http://schemas.openxmlformats.org/drawingml/2006/main" xmlns:p="http://schemas.openxmlformats.org/presentationml/2006/main" xmlns:r="http://schemas.openxmlformats.org/officeDocument/2006/relationships">
-  <p:cSld>
-    <p:bg>
-      <p:bgRef idx="1001">
-        <a:schemeClr val="bg1"/>
-      </p:bgRef>
-    </p:bg>
-    <p:spTree>
-      <p:nvGrpSpPr>
-        <p:cNvPr id="1" name=""/>
-        <p:cNvGrpSpPr/>
-        <p:nvPr/>
-      </p:nvGrpSpPr>
-      <p:grpSpPr>
-        <a:xfrm>
-          <a:off x="0" y="0"/>
-          <a:ext cx="0" cy="0"/>
-          <a:chOff x="0" y="0"/>
-          <a:chExt cx="0" cy="0"/>
-        </a:xfrm>
-      </p:grpSpPr>
-      <p:sp>
-        <p:nvSpPr>
-          <p:cNvPr id="2" name="Header Placeholder 1"/>
-          <p:cNvSpPr>
-            <a:spLocks noGrp="1"/>
-          </p:cNvSpPr>
-          <p:nvPr>
-            <p:ph type="hdr" sz="quarter"/>
-          </p:nvPr>
-        </p:nvSpPr>
-        <p:spPr>
-          <a:xfrm>
-            <a:off x="0" y="0"/>
-            <a:ext cx="2971800" cy="457200"/>
-          </a:xfrm>
-          <a:prstGeom prst="rect">
-            <a:avLst/>
-          </a:prstGeom>
-        </p:spPr>
-        <p:txBody>
-          <a:bodyPr vert="horz" lIns="91440" tIns="45720" rIns="91440" bIns="45720" rtlCol="0"/>
-          <a:lstStyle>
-            <a:lvl1pPr algn="l">
-              <a:defRPr sz="1200"/>
-            </a:lvl1pPr>
-          </a:lstStyle>
-          <a:p>
-            <a:endParaRPr lang="en-US"/>
-          </a:p>
-        </p:txBody>
-      </p:sp>
-      <p:sp>
-        <p:nvSpPr>
-          <p:cNvPr id="3" name="Date Placeholder 2"/>
-          <p:cNvSpPr>
-            <a:spLocks noGrp="1"/>
-          </p:cNvSpPr>
-          <p:nvPr>
-            <p:ph type="dt" idx="1"/>
-          </p:nvPr>
-        </p:nvSpPr>
-        <p:spPr>
-          <a:xfrm>
-            <a:off x="3884613" y="0"/>
-            <a:ext cx="2971800" cy="457200"/>
-          </a:xfrm>
-          <a:prstGeom prst="rect">
-            <a:avLst/>
-          </a:prstGeom>
-        </p:spPr>
-        <p:txBody>
-          <a:bodyPr vert="horz" lIns="91440" tIns="45720" rIns="91440" bIns="45720" rtlCol="0"/>
-          <a:lstStyle>
-            <a:lvl1pPr algn="r">
-              <a:defRPr sz="1200"/>
-            </a:lvl1pPr>
-          </a:lstStyle>
-          <a:p>
-            <a:fld id="{0F89C1C7-3DCD-1040-A9CF-14679D8B5DDD}" type="datetimeFigureOut">
-              <a:rPr lang="en-US" smtClean="0"/>
-              <a:t>10/17/16</a:t>
-            </a:fld>
-            <a:endParaRPr lang="en-US"/>
-          </a:p>
-        </p:txBody>
-      </p:sp>
-      <p:sp>
-        <p:nvSpPr>
-          <p:cNvPr id="4" name="Slide Image Placeholder 3"/>
-          <p:cNvSpPr>
-            <a:spLocks noGrp="1" noRot="1" noChangeAspect="1"/>
-          </p:cNvSpPr>
-          <p:nvPr>
-            <p:ph type="sldImg" idx="2"/>
-          </p:nvPr>
-        </p:nvSpPr>
-        <p:spPr>
-          <a:xfrm>
-            <a:off x="1143000" y="685800"/>
-            <a:ext cx="4572000" cy="3429000"/>
-          </a:xfrm>
-          <a:prstGeom prst="rect">
-            <a:avLst/>
-          </a:prstGeom>
-          <a:noFill/>
-          <a:ln w="12700">
-            <a:solidFill>
-              <a:prstClr val="black"/>
-            </a:solidFill>
-          </a:ln>
-        </p:spPr>
-        <p:txBody>
-          <a:bodyPr vert="horz" lIns="91440" tIns="45720" rIns="91440" bIns="45720" rtlCol="0" anchor="ctr"/>
-          <a:lstStyle/>
-          <a:p>
-            <a:endParaRPr lang="en-US"/>
-          </a:p>
-        </p:txBody>
-      </p:sp>
-      <p:sp>
-        <p:nvSpPr>
-          <p:cNvPr id="5" name="Notes Placeholder 4"/>
-          <p:cNvSpPr>
-            <a:spLocks noGrp="1"/>
-          </p:cNvSpPr>
-          <p:nvPr>
-            <p:ph type="body" sz="quarter" idx="3"/>
-          </p:nvPr>
-        </p:nvSpPr>
-        <p:spPr>
-          <a:xfrm>
-            <a:off x="685800" y="4343400"/>
-            <a:ext cx="5486400" cy="4114800"/>
-          </a:xfrm>
-          <a:prstGeom prst="rect">
-            <a:avLst/>
-          </a:prstGeom>
-        </p:spPr>
-        <p:txBody>
-          <a:bodyPr vert="horz" lIns="91440" tIns="45720" rIns="91440" bIns="45720" rtlCol="0"/>
-          <a:lstStyle/>
-          <a:p>
-            <a:pPr lvl="0"/>
-            <a:r>
-              <a:rPr lang="en-US" smtClean="0"/>
-              <a:t>Click to edit Master text styles</a:t>
-            </a:r>
-          </a:p>
-          <a:p>
-            <a:pPr lvl="1"/>
-            <a:r>
-              <a:rPr lang="en-US" smtClean="0"/>
-              <a:t>Second level</a:t>
-            </a:r>
-          </a:p>
-          <a:p>
-            <a:pPr lvl="2"/>
-            <a:r>
-              <a:rPr lang="en-US" smtClean="0"/>
-              <a:t>Third level</a:t>
-            </a:r>
-          </a:p>
-          <a:p>
-            <a:pPr lvl="3"/>
-            <a:r>
-              <a:rPr lang="en-US" smtClean="0"/>
-              <a:t>Fourth level</a:t>
-            </a:r>
-          </a:p>
-          <a:p>
-            <a:pPr lvl="4"/>
-            <a:r>
-              <a:rPr lang="en-US" smtClean="0"/>
-              <a:t>Fifth level</a:t>
-            </a:r>
-            <a:endParaRPr lang="en-US"/>
-          </a:p>
-        </p:txBody>
-      </p:sp>
-      <p:sp>
-        <p:nvSpPr>
-          <p:cNvPr id="6" name="Footer Placeholder 5"/>
-          <p:cNvSpPr>
-            <a:spLocks noGrp="1"/>
-          </p:cNvSpPr>
-          <p:nvPr>
-            <p:ph type="ftr" sz="quarter" idx="4"/>
-          </p:nvPr>
-        </p:nvSpPr>
-        <p:spPr>
-          <a:xfrm>
-            <a:off x="0" y="8685213"/>
-            <a:ext cx="2971800" cy="457200"/>
-          </a:xfrm>
-          <a:prstGeom prst="rect">
-            <a:avLst/>
-          </a:prstGeom>
-        </p:spPr>
-        <p:txBody>
-          <a:bodyPr vert="horz" lIns="91440" tIns="45720" rIns="91440" bIns="45720" rtlCol="0" anchor="b"/>
-          <a:lstStyle>
-            <a:lvl1pPr algn="l">
-              <a:defRPr sz="1200"/>
-            </a:lvl1pPr>
-          </a:lstStyle>
-          <a:p>
-            <a:endParaRPr lang="en-US"/>
-          </a:p>
-        </p:txBody>
-      </p:sp>
-      <p:sp>
-        <p:nvSpPr>
-          <p:cNvPr id="7" name="Slide Number Placeholder 6"/>
-          <p:cNvSpPr>
-            <a:spLocks noGrp="1"/>
-          </p:cNvSpPr>
-          <p:nvPr>
-            <p:ph type="sldNum" sz="quarter" idx="5"/>
-          </p:nvPr>
-        </p:nvSpPr>
-        <p:spPr>
-          <a:xfrm>
-            <a:off x="3884613" y="8685213"/>
-            <a:ext cx="2971800" cy="457200"/>
-          </a:xfrm>
-          <a:prstGeom prst="rect">
-            <a:avLst/>
-          </a:prstGeom>
-        </p:spPr>
-        <p:txBody>
-          <a:bodyPr vert="horz" lIns="91440" tIns="45720" rIns="91440" bIns="45720" rtlCol="0" anchor="b"/>
-          <a:lstStyle>
-            <a:lvl1pPr algn="r">
-              <a:defRPr sz="1200"/>
-            </a:lvl1pPr>
-          </a:lstStyle>
-          <a:p>
-            <a:fld id="{BB5E49A5-4136-284D-997B-48E1D791AD67}" type="slidenum">
-              <a:rPr lang="en-US" smtClean="0"/>
-              <a:t>‹#›</a:t>
-            </a:fld>
-            <a:endParaRPr lang="en-US"/>
-          </a:p>
-        </p:txBody>
-      </p:sp>
-    </p:spTree>
-    <p:extLst>
-      <p:ext uri="{BB962C8B-B14F-4D97-AF65-F5344CB8AC3E}">
-        <p14:creationId xmlns:p14="http://schemas.microsoft.com/office/powerpoint/2010/main" val="2623252185"/>
-      </p:ext>
-    </p:extLst>
-  </p:cSld>
-  <p:clrMap bg1="lt1" tx1="dk1" bg2="lt2" tx2="dk2" accent1="accent1" accent2="accent2" accent3="accent3" accent4="accent4" accent5="accent5" accent6="accent6" hlink="hlink" folHlink="folHlink"/>
-  <p:notesStyle>
-    <a:lvl1pPr marL="0" algn="l" defTabSz="457200" rtl="0" eaLnBrk="1" latinLnBrk="0" hangingPunct="1">
-      <a:defRPr sz="1200" kern="1200">
-        <a:solidFill>
-          <a:schemeClr val="tx1"/>
-        </a:solidFill>
-        <a:latin typeface="+mn-lt"/>
-        <a:ea typeface="+mn-ea"/>
-        <a:cs typeface="+mn-cs"/>
-      </a:defRPr>
-    </a:lvl1pPr>
-    <a:lvl2pPr marL="457200" algn="l" defTabSz="457200" rtl="0" eaLnBrk="1" latinLnBrk="0" hangingPunct="1">
-      <a:defRPr sz="1200" kern="1200">
-        <a:solidFill>
-          <a:schemeClr val="tx1"/>
-        </a:solidFill>
-        <a:latin typeface="+mn-lt"/>
-        <a:ea typeface="+mn-ea"/>
-        <a:cs typeface="+mn-cs"/>
-      </a:defRPr>
-    </a:lvl2pPr>
-    <a:lvl3pPr marL="914400" algn="l" defTabSz="457200" rtl="0" eaLnBrk="1" latinLnBrk="0" hangingPunct="1">
-      <a:defRPr sz="1200" kern="1200">
-        <a:solidFill>
-          <a:schemeClr val="tx1"/>
-        </a:solidFill>
-        <a:latin typeface="+mn-lt"/>
-        <a:ea typeface="+mn-ea"/>
-        <a:cs typeface="+mn-cs"/>
-      </a:defRPr>
-    </a:lvl3pPr>
-    <a:lvl4pPr marL="1371600" algn="l" defTabSz="457200" rtl="0" eaLnBrk="1" latinLnBrk="0" hangingPunct="1">
-      <a:defRPr sz="1200" kern="1200">
-        <a:solidFill>
-          <a:schemeClr val="tx1"/>
-        </a:solidFill>
-        <a:latin typeface="+mn-lt"/>
-        <a:ea typeface="+mn-ea"/>
-        <a:cs typeface="+mn-cs"/>
-      </a:defRPr>
-    </a:lvl4pPr>
-    <a:lvl5pPr marL="1828800" algn="l" defTabSz="457200" rtl="0" eaLnBrk="1" latinLnBrk="0" hangingPunct="1">
-      <a:defRPr sz="1200" kern="1200">
-        <a:solidFill>
-          <a:schemeClr val="tx1"/>
-        </a:solidFill>
-        <a:latin typeface="+mn-lt"/>
-        <a:ea typeface="+mn-ea"/>
-        <a:cs typeface="+mn-cs"/>
-      </a:defRPr>
-    </a:lvl5pPr>
-    <a:lvl6pPr marL="2286000" algn="l" defTabSz="457200" rtl="0" eaLnBrk="1" latinLnBrk="0" hangingPunct="1">
-      <a:defRPr sz="1200" kern="1200">
-        <a:solidFill>
-          <a:schemeClr val="tx1"/>
-        </a:solidFill>
-        <a:latin typeface="+mn-lt"/>
-        <a:ea typeface="+mn-ea"/>
-        <a:cs typeface="+mn-cs"/>
-      </a:defRPr>
-    </a:lvl6pPr>
-    <a:lvl7pPr marL="2743200" algn="l" defTabSz="457200" rtl="0" eaLnBrk="1" latinLnBrk="0" hangingPunct="1">
-      <a:defRPr sz="1200" kern="1200">
-        <a:solidFill>
-          <a:schemeClr val="tx1"/>
-        </a:solidFill>
-        <a:latin typeface="+mn-lt"/>
-        <a:ea typeface="+mn-ea"/>
-        <a:cs typeface="+mn-cs"/>
-      </a:defRPr>
-    </a:lvl7pPr>
-    <a:lvl8pPr marL="3200400" algn="l" defTabSz="457200" rtl="0" eaLnBrk="1" latinLnBrk="0" hangingPunct="1">
-      <a:defRPr sz="1200" kern="1200">
-        <a:solidFill>
-          <a:schemeClr val="tx1"/>
-        </a:solidFill>
-        <a:latin typeface="+mn-lt"/>
-        <a:ea typeface="+mn-ea"/>
-        <a:cs typeface="+mn-cs"/>
-      </a:defRPr>
-    </a:lvl8pPr>
-    <a:lvl9pPr marL="3657600" algn="l" defTabSz="457200" rtl="0" eaLnBrk="1" latinLnBrk="0" hangingPunct="1">
-      <a:defRPr sz="1200" kern="1200">
-        <a:solidFill>
-          <a:schemeClr val="tx1"/>
-        </a:solidFill>
-        <a:latin typeface="+mn-lt"/>
-        <a:ea typeface="+mn-ea"/>
-        <a:cs typeface="+mn-cs"/>
-      </a:defRPr>
-    </a:lvl9pPr>
-  </p:notesStyle>
-</p:notesMaster>
-</file>
-
-<file path=ppt/notesSlides/notesSlide1.xml><?xml version="1.0" encoding="utf-8"?>
-<p:notes xmlns:a="http://schemas.openxmlformats.org/drawingml/2006/main" xmlns:p="http://schemas.openxmlformats.org/presentationml/2006/main" xmlns:r="http://schemas.openxmlformats.org/officeDocument/2006/relationships">
-  <p:cSld>
-    <p:spTree>
-      <p:nvGrpSpPr>
-        <p:cNvPr id="1" name=""/>
-        <p:cNvGrpSpPr/>
-        <p:nvPr/>
-      </p:nvGrpSpPr>
-      <p:grpSpPr>
-        <a:xfrm>
-          <a:off x="0" y="0"/>
-          <a:ext cx="0" cy="0"/>
-          <a:chOff x="0" y="0"/>
-          <a:chExt cx="0" cy="0"/>
-        </a:xfrm>
-      </p:grpSpPr>
-      <p:sp>
-        <p:nvSpPr>
-          <p:cNvPr id="2" name="Slide Image Placeholder 1"/>
-          <p:cNvSpPr>
-            <a:spLocks noGrp="1"/>
-          </p:cNvSpPr>
-          <p:nvPr>
-            <p:ph type="sldImg" idx="2"/>
-          </p:nvPr>
-        </p:nvSpPr>
-        <p:spPr/>
-      </p:sp>
-      <p:sp>
-        <p:nvSpPr>
-          <p:cNvPr id="3" name="Notes Placeholder 2"/>
-          <p:cNvSpPr>
-            <a:spLocks noGrp="1"/>
-          </p:cNvSpPr>
-          <p:nvPr>
-            <p:ph type="body" idx="3" sz="quarter"/>
-          </p:nvPr>
-        </p:nvSpPr>
-        <p:spPr/>
-        <p:txBody>
-          <a:bodyPr/>
-          <a:lstStyle/>
-          <a:p>
-            <a:r>
-              <a:t>Architecture Overview:</a:t>
-            </a:r>
-          </a:p>
-          <a:p/>
-          <a:p>
-            <a:r>
-              <a:t>SOURCES:</a:t>
-            </a:r>
-          </a:p>
-          <a:p>
-            <a:r>
-              <a:t>- CSV Data (data/customers.csv, data/competitor_data.csv): Customer transaction and competitor data</a:t>
-            </a:r>
-          </a:p>
-          <a:p>
-            <a:r>
-              <a:t>- User Input: Research objectives, API keys, and configuration via Streamlit UI</a:t>
-            </a:r>
-          </a:p>
-          <a:p>
-            <a:r>
-              <a:t>- Literature: Research papers stored in knowledge/literature/*.txt</a:t>
-            </a:r>
-          </a:p>
-          <a:p/>
-          <a:p>
-            <a:r>
-              <a:t>PROCESSING:</a:t>
-            </a:r>
-          </a:p>
-          <a:p>
-            <a:r>
-              <a:t>- Streamlit Orchestrator: Main application controller that manages discovery cycles</a:t>
-            </a:r>
-          </a:p>
-          <a:p>
-            <a:r>
-              <a:t>- Statistical Analysis: scipy/numpy-based statistical tests (correlations, t-tests, ANOVA, regression)</a:t>
-            </a:r>
-          </a:p>
-          <a:p>
-            <a:r>
-              <a:t>- LLM Gateway: OpenAI API integration for question generation and discovery synthesis</a:t>
-            </a:r>
-          </a:p>
-          <a:p>
-            <a:r>
-              <a:t>- World Model: Knowledge graph manager tracking discoveries, trajectories, and hypotheses</a:t>
-            </a:r>
-          </a:p>
-          <a:p/>
-          <a:p>
-            <a:r>
-              <a:t>STORAGE:</a:t>
-            </a:r>
-          </a:p>
-          <a:p>
-            <a:r>
-              <a:t>- World Model JSON: Persistent storage of discoveries and analysis trajectories</a:t>
-            </a:r>
-          </a:p>
-          <a:p>
-            <a:r>
-              <a:t>- Session State: Streamlit session state for runtime data preservation</a:t>
-            </a:r>
-          </a:p>
-          <a:p/>
-          <a:p>
-            <a:r>
-              <a:t>OUTPUTS:</a:t>
-            </a:r>
-          </a:p>
-          <a:p>
-            <a:r>
-              <a:t>- Dashboard: Interactive Streamlit web interface with real-time visualizations</a:t>
-            </a:r>
-          </a:p>
-          <a:p>
-            <a:r>
-              <a:t>- Reports: Auto-generated text reports with statistical evidence extraction</a:t>
-            </a:r>
-          </a:p>
-          <a:p/>
-          <a:p>
-            <a:r>
-              <a:t>Evidence: All components verified in source code (see component_index.csv)</a:t>
-            </a:r>
-          </a:p>
-          <a:p/>
-        </p:txBody>
-      </p:sp>
-      <p:sp>
-        <p:nvSpPr>
-          <p:cNvPr id="4" name="Slide Number Placeholder 3"/>
-          <p:cNvSpPr>
-            <a:spLocks noGrp="1"/>
-          </p:cNvSpPr>
-          <p:nvPr>
-            <p:ph type="sldNum" idx="5" sz="quarter"/>
-          </p:nvPr>
-        </p:nvSpPr>
-        <p:spPr/>
-      </p:sp>
-    </p:spTree>
-  </p:cSld>
-  <p:clrMapOvr>
-    <a:masterClrMapping/>
-  </p:clrMapOvr>
-</p:notes>
 </file>
 
 <file path=ppt/slideLayouts/slideLayout1.xml><?xml version="1.0" encoding="utf-8"?>
@@ -653,10 +164,9 @@
           <a:lstStyle/>
           <a:p>
             <a:r>
-              <a:rPr lang="en-US" smtClean="0"/>
+              <a:rPr lang="en-US"/>
               <a:t>Click to edit Master title style</a:t>
             </a:r>
-            <a:endParaRPr lang="en-US"/>
           </a:p>
         </p:txBody>
       </p:sp>
@@ -772,10 +282,9 @@
           </a:lstStyle>
           <a:p>
             <a:r>
-              <a:rPr lang="en-US" smtClean="0"/>
+              <a:rPr lang="en-US"/>
               <a:t>Click to edit Master subtitle style</a:t>
             </a:r>
-            <a:endParaRPr lang="en-US"/>
           </a:p>
         </p:txBody>
       </p:sp>
@@ -796,7 +305,7 @@
           <a:p>
             <a:fld id="{5BCAD085-E8A6-8845-BD4E-CB4CCA059FC4}" type="datetimeFigureOut">
               <a:rPr lang="en-US" smtClean="0"/>
-              <a:t>1/27/13</a:t>
+              <a:t>11/11/2025</a:t>
             </a:fld>
             <a:endParaRPr lang="en-US"/>
           </a:p>
@@ -890,10 +399,9 @@
           <a:lstStyle/>
           <a:p>
             <a:r>
-              <a:rPr lang="en-US" smtClean="0"/>
+              <a:rPr lang="en-US"/>
               <a:t>Click to edit Master title style</a:t>
             </a:r>
-            <a:endParaRPr lang="en-US"/>
           </a:p>
         </p:txBody>
       </p:sp>
@@ -914,38 +422,37 @@
           <a:p>
             <a:pPr lvl="0"/>
             <a:r>
-              <a:rPr lang="en-US" smtClean="0"/>
+              <a:rPr lang="en-US"/>
               <a:t>Click to edit Master text styles</a:t>
             </a:r>
           </a:p>
           <a:p>
             <a:pPr lvl="1"/>
             <a:r>
-              <a:rPr lang="en-US" smtClean="0"/>
+              <a:rPr lang="en-US"/>
               <a:t>Second level</a:t>
             </a:r>
           </a:p>
           <a:p>
             <a:pPr lvl="2"/>
             <a:r>
-              <a:rPr lang="en-US" smtClean="0"/>
+              <a:rPr lang="en-US"/>
               <a:t>Third level</a:t>
             </a:r>
           </a:p>
           <a:p>
             <a:pPr lvl="3"/>
             <a:r>
-              <a:rPr lang="en-US" smtClean="0"/>
+              <a:rPr lang="en-US"/>
               <a:t>Fourth level</a:t>
             </a:r>
           </a:p>
           <a:p>
             <a:pPr lvl="4"/>
             <a:r>
-              <a:rPr lang="en-US" smtClean="0"/>
+              <a:rPr lang="en-US"/>
               <a:t>Fifth level</a:t>
             </a:r>
-            <a:endParaRPr lang="en-US"/>
           </a:p>
         </p:txBody>
       </p:sp>
@@ -966,7 +473,7 @@
           <a:p>
             <a:fld id="{5BCAD085-E8A6-8845-BD4E-CB4CCA059FC4}" type="datetimeFigureOut">
               <a:rPr lang="en-US" smtClean="0"/>
-              <a:t>1/27/13</a:t>
+              <a:t>11/11/2025</a:t>
             </a:fld>
             <a:endParaRPr lang="en-US"/>
           </a:p>
@@ -1065,10 +572,9 @@
           <a:lstStyle/>
           <a:p>
             <a:r>
-              <a:rPr lang="en-US" smtClean="0"/>
+              <a:rPr lang="en-US"/>
               <a:t>Click to edit Master title style</a:t>
             </a:r>
-            <a:endParaRPr lang="en-US"/>
           </a:p>
         </p:txBody>
       </p:sp>
@@ -1094,38 +600,37 @@
           <a:p>
             <a:pPr lvl="0"/>
             <a:r>
-              <a:rPr lang="en-US" smtClean="0"/>
+              <a:rPr lang="en-US"/>
               <a:t>Click to edit Master text styles</a:t>
             </a:r>
           </a:p>
           <a:p>
             <a:pPr lvl="1"/>
             <a:r>
-              <a:rPr lang="en-US" smtClean="0"/>
+              <a:rPr lang="en-US"/>
               <a:t>Second level</a:t>
             </a:r>
           </a:p>
           <a:p>
             <a:pPr lvl="2"/>
             <a:r>
-              <a:rPr lang="en-US" smtClean="0"/>
+              <a:rPr lang="en-US"/>
               <a:t>Third level</a:t>
             </a:r>
           </a:p>
           <a:p>
             <a:pPr lvl="3"/>
             <a:r>
-              <a:rPr lang="en-US" smtClean="0"/>
+              <a:rPr lang="en-US"/>
               <a:t>Fourth level</a:t>
             </a:r>
           </a:p>
           <a:p>
             <a:pPr lvl="4"/>
             <a:r>
-              <a:rPr lang="en-US" smtClean="0"/>
+              <a:rPr lang="en-US"/>
               <a:t>Fifth level</a:t>
             </a:r>
-            <a:endParaRPr lang="en-US"/>
           </a:p>
         </p:txBody>
       </p:sp>
@@ -1146,7 +651,7 @@
           <a:p>
             <a:fld id="{5BCAD085-E8A6-8845-BD4E-CB4CCA059FC4}" type="datetimeFigureOut">
               <a:rPr lang="en-US" smtClean="0"/>
-              <a:t>1/27/13</a:t>
+              <a:t>11/11/2025</a:t>
             </a:fld>
             <a:endParaRPr lang="en-US"/>
           </a:p>
@@ -1240,10 +745,9 @@
           <a:lstStyle/>
           <a:p>
             <a:r>
-              <a:rPr lang="en-US" smtClean="0"/>
+              <a:rPr lang="en-US"/>
               <a:t>Click to edit Master title style</a:t>
             </a:r>
-            <a:endParaRPr lang="en-US"/>
           </a:p>
         </p:txBody>
       </p:sp>
@@ -1264,38 +768,37 @@
           <a:p>
             <a:pPr lvl="0"/>
             <a:r>
-              <a:rPr lang="en-US" smtClean="0"/>
+              <a:rPr lang="en-US"/>
               <a:t>Click to edit Master text styles</a:t>
             </a:r>
           </a:p>
           <a:p>
             <a:pPr lvl="1"/>
             <a:r>
-              <a:rPr lang="en-US" smtClean="0"/>
+              <a:rPr lang="en-US"/>
               <a:t>Second level</a:t>
             </a:r>
           </a:p>
           <a:p>
             <a:pPr lvl="2"/>
             <a:r>
-              <a:rPr lang="en-US" smtClean="0"/>
+              <a:rPr lang="en-US"/>
               <a:t>Third level</a:t>
             </a:r>
           </a:p>
           <a:p>
             <a:pPr lvl="3"/>
             <a:r>
-              <a:rPr lang="en-US" smtClean="0"/>
+              <a:rPr lang="en-US"/>
               <a:t>Fourth level</a:t>
             </a:r>
           </a:p>
           <a:p>
             <a:pPr lvl="4"/>
             <a:r>
-              <a:rPr lang="en-US" smtClean="0"/>
+              <a:rPr lang="en-US"/>
               <a:t>Fifth level</a:t>
             </a:r>
-            <a:endParaRPr lang="en-US"/>
           </a:p>
         </p:txBody>
       </p:sp>
@@ -1316,7 +819,7 @@
           <a:p>
             <a:fld id="{5BCAD085-E8A6-8845-BD4E-CB4CCA059FC4}" type="datetimeFigureOut">
               <a:rPr lang="en-US" smtClean="0"/>
-              <a:t>1/27/13</a:t>
+              <a:t>11/11/2025</a:t>
             </a:fld>
             <a:endParaRPr lang="en-US"/>
           </a:p>
@@ -1419,10 +922,9 @@
           </a:lstStyle>
           <a:p>
             <a:r>
-              <a:rPr lang="en-US" smtClean="0"/>
+              <a:rPr lang="en-US"/>
               <a:t>Click to edit Master title style</a:t>
             </a:r>
-            <a:endParaRPr lang="en-US"/>
           </a:p>
         </p:txBody>
       </p:sp>
@@ -1539,7 +1041,7 @@
           <a:p>
             <a:pPr lvl="0"/>
             <a:r>
-              <a:rPr lang="en-US" smtClean="0"/>
+              <a:rPr lang="en-US"/>
               <a:t>Click to edit Master text styles</a:t>
             </a:r>
           </a:p>
@@ -1562,7 +1064,7 @@
           <a:p>
             <a:fld id="{5BCAD085-E8A6-8845-BD4E-CB4CCA059FC4}" type="datetimeFigureOut">
               <a:rPr lang="en-US" smtClean="0"/>
-              <a:t>1/27/13</a:t>
+              <a:t>11/11/2025</a:t>
             </a:fld>
             <a:endParaRPr lang="en-US"/>
           </a:p>
@@ -1656,10 +1158,9 @@
           <a:lstStyle/>
           <a:p>
             <a:r>
-              <a:rPr lang="en-US" smtClean="0"/>
+              <a:rPr lang="en-US"/>
               <a:t>Click to edit Master title style</a:t>
             </a:r>
-            <a:endParaRPr lang="en-US"/>
           </a:p>
         </p:txBody>
       </p:sp>
@@ -1713,38 +1214,37 @@
           <a:p>
             <a:pPr lvl="0"/>
             <a:r>
-              <a:rPr lang="en-US" smtClean="0"/>
+              <a:rPr lang="en-US"/>
               <a:t>Click to edit Master text styles</a:t>
             </a:r>
           </a:p>
           <a:p>
             <a:pPr lvl="1"/>
             <a:r>
-              <a:rPr lang="en-US" smtClean="0"/>
+              <a:rPr lang="en-US"/>
               <a:t>Second level</a:t>
             </a:r>
           </a:p>
           <a:p>
             <a:pPr lvl="2"/>
             <a:r>
-              <a:rPr lang="en-US" smtClean="0"/>
+              <a:rPr lang="en-US"/>
               <a:t>Third level</a:t>
             </a:r>
           </a:p>
           <a:p>
             <a:pPr lvl="3"/>
             <a:r>
-              <a:rPr lang="en-US" smtClean="0"/>
+              <a:rPr lang="en-US"/>
               <a:t>Fourth level</a:t>
             </a:r>
           </a:p>
           <a:p>
             <a:pPr lvl="4"/>
             <a:r>
-              <a:rPr lang="en-US" smtClean="0"/>
+              <a:rPr lang="en-US"/>
               <a:t>Fifth level</a:t>
             </a:r>
-            <a:endParaRPr lang="en-US"/>
           </a:p>
         </p:txBody>
       </p:sp>
@@ -1798,38 +1298,37 @@
           <a:p>
             <a:pPr lvl="0"/>
             <a:r>
-              <a:rPr lang="en-US" smtClean="0"/>
+              <a:rPr lang="en-US"/>
               <a:t>Click to edit Master text styles</a:t>
             </a:r>
           </a:p>
           <a:p>
             <a:pPr lvl="1"/>
             <a:r>
-              <a:rPr lang="en-US" smtClean="0"/>
+              <a:rPr lang="en-US"/>
               <a:t>Second level</a:t>
             </a:r>
           </a:p>
           <a:p>
             <a:pPr lvl="2"/>
             <a:r>
-              <a:rPr lang="en-US" smtClean="0"/>
+              <a:rPr lang="en-US"/>
               <a:t>Third level</a:t>
             </a:r>
           </a:p>
           <a:p>
             <a:pPr lvl="3"/>
             <a:r>
-              <a:rPr lang="en-US" smtClean="0"/>
+              <a:rPr lang="en-US"/>
               <a:t>Fourth level</a:t>
             </a:r>
           </a:p>
           <a:p>
             <a:pPr lvl="4"/>
             <a:r>
-              <a:rPr lang="en-US" smtClean="0"/>
+              <a:rPr lang="en-US"/>
               <a:t>Fifth level</a:t>
             </a:r>
-            <a:endParaRPr lang="en-US"/>
           </a:p>
         </p:txBody>
       </p:sp>
@@ -1850,7 +1349,7 @@
           <a:p>
             <a:fld id="{5BCAD085-E8A6-8845-BD4E-CB4CCA059FC4}" type="datetimeFigureOut">
               <a:rPr lang="en-US" smtClean="0"/>
-              <a:t>1/27/13</a:t>
+              <a:t>11/11/2025</a:t>
             </a:fld>
             <a:endParaRPr lang="en-US"/>
           </a:p>
@@ -1948,10 +1447,9 @@
           </a:lstStyle>
           <a:p>
             <a:r>
-              <a:rPr lang="en-US" smtClean="0"/>
+              <a:rPr lang="en-US"/>
               <a:t>Click to edit Master title style</a:t>
             </a:r>
-            <a:endParaRPr lang="en-US"/>
           </a:p>
         </p:txBody>
       </p:sp>
@@ -2014,7 +1512,7 @@
           <a:p>
             <a:pPr lvl="0"/>
             <a:r>
-              <a:rPr lang="en-US" smtClean="0"/>
+              <a:rPr lang="en-US"/>
               <a:t>Click to edit Master text styles</a:t>
             </a:r>
           </a:p>
@@ -2070,38 +1568,37 @@
           <a:p>
             <a:pPr lvl="0"/>
             <a:r>
-              <a:rPr lang="en-US" smtClean="0"/>
+              <a:rPr lang="en-US"/>
               <a:t>Click to edit Master text styles</a:t>
             </a:r>
           </a:p>
           <a:p>
             <a:pPr lvl="1"/>
             <a:r>
-              <a:rPr lang="en-US" smtClean="0"/>
+              <a:rPr lang="en-US"/>
               <a:t>Second level</a:t>
             </a:r>
           </a:p>
           <a:p>
             <a:pPr lvl="2"/>
             <a:r>
-              <a:rPr lang="en-US" smtClean="0"/>
+              <a:rPr lang="en-US"/>
               <a:t>Third level</a:t>
             </a:r>
           </a:p>
           <a:p>
             <a:pPr lvl="3"/>
             <a:r>
-              <a:rPr lang="en-US" smtClean="0"/>
+              <a:rPr lang="en-US"/>
               <a:t>Fourth level</a:t>
             </a:r>
           </a:p>
           <a:p>
             <a:pPr lvl="4"/>
             <a:r>
-              <a:rPr lang="en-US" smtClean="0"/>
+              <a:rPr lang="en-US"/>
               <a:t>Fifth level</a:t>
             </a:r>
-            <a:endParaRPr lang="en-US"/>
           </a:p>
         </p:txBody>
       </p:sp>
@@ -2164,7 +1661,7 @@
           <a:p>
             <a:pPr lvl="0"/>
             <a:r>
-              <a:rPr lang="en-US" smtClean="0"/>
+              <a:rPr lang="en-US"/>
               <a:t>Click to edit Master text styles</a:t>
             </a:r>
           </a:p>
@@ -2220,38 +1717,37 @@
           <a:p>
             <a:pPr lvl="0"/>
             <a:r>
-              <a:rPr lang="en-US" smtClean="0"/>
+              <a:rPr lang="en-US"/>
               <a:t>Click to edit Master text styles</a:t>
             </a:r>
           </a:p>
           <a:p>
             <a:pPr lvl="1"/>
             <a:r>
-              <a:rPr lang="en-US" smtClean="0"/>
+              <a:rPr lang="en-US"/>
               <a:t>Second level</a:t>
             </a:r>
           </a:p>
           <a:p>
             <a:pPr lvl="2"/>
             <a:r>
-              <a:rPr lang="en-US" smtClean="0"/>
+              <a:rPr lang="en-US"/>
               <a:t>Third level</a:t>
             </a:r>
           </a:p>
           <a:p>
             <a:pPr lvl="3"/>
             <a:r>
-              <a:rPr lang="en-US" smtClean="0"/>
+              <a:rPr lang="en-US"/>
               <a:t>Fourth level</a:t>
             </a:r>
           </a:p>
           <a:p>
             <a:pPr lvl="4"/>
             <a:r>
-              <a:rPr lang="en-US" smtClean="0"/>
+              <a:rPr lang="en-US"/>
               <a:t>Fifth level</a:t>
             </a:r>
-            <a:endParaRPr lang="en-US"/>
           </a:p>
         </p:txBody>
       </p:sp>
@@ -2272,7 +1768,7 @@
           <a:p>
             <a:fld id="{5BCAD085-E8A6-8845-BD4E-CB4CCA059FC4}" type="datetimeFigureOut">
               <a:rPr lang="en-US" smtClean="0"/>
-              <a:t>1/27/13</a:t>
+              <a:t>11/11/2025</a:t>
             </a:fld>
             <a:endParaRPr lang="en-US"/>
           </a:p>
@@ -2366,10 +1862,9 @@
           <a:lstStyle/>
           <a:p>
             <a:r>
-              <a:rPr lang="en-US" smtClean="0"/>
+              <a:rPr lang="en-US"/>
               <a:t>Click to edit Master title style</a:t>
             </a:r>
-            <a:endParaRPr lang="en-US"/>
           </a:p>
         </p:txBody>
       </p:sp>
@@ -2390,7 +1885,7 @@
           <a:p>
             <a:fld id="{5BCAD085-E8A6-8845-BD4E-CB4CCA059FC4}" type="datetimeFigureOut">
               <a:rPr lang="en-US" smtClean="0"/>
-              <a:t>1/27/13</a:t>
+              <a:t>11/11/2025</a:t>
             </a:fld>
             <a:endParaRPr lang="en-US"/>
           </a:p>
@@ -2485,7 +1980,7 @@
           <a:p>
             <a:fld id="{5BCAD085-E8A6-8845-BD4E-CB4CCA059FC4}" type="datetimeFigureOut">
               <a:rPr lang="en-US" smtClean="0"/>
-              <a:t>1/27/13</a:t>
+              <a:t>11/11/2025</a:t>
             </a:fld>
             <a:endParaRPr lang="en-US"/>
           </a:p>
@@ -2588,10 +2083,9 @@
           </a:lstStyle>
           <a:p>
             <a:r>
-              <a:rPr lang="en-US" smtClean="0"/>
+              <a:rPr lang="en-US"/>
               <a:t>Click to edit Master title style</a:t>
             </a:r>
-            <a:endParaRPr lang="en-US"/>
           </a:p>
         </p:txBody>
       </p:sp>
@@ -2645,38 +2139,37 @@
           <a:p>
             <a:pPr lvl="0"/>
             <a:r>
-              <a:rPr lang="en-US" smtClean="0"/>
+              <a:rPr lang="en-US"/>
               <a:t>Click to edit Master text styles</a:t>
             </a:r>
           </a:p>
           <a:p>
             <a:pPr lvl="1"/>
             <a:r>
-              <a:rPr lang="en-US" smtClean="0"/>
+              <a:rPr lang="en-US"/>
               <a:t>Second level</a:t>
             </a:r>
           </a:p>
           <a:p>
             <a:pPr lvl="2"/>
             <a:r>
-              <a:rPr lang="en-US" smtClean="0"/>
+              <a:rPr lang="en-US"/>
               <a:t>Third level</a:t>
             </a:r>
           </a:p>
           <a:p>
             <a:pPr lvl="3"/>
             <a:r>
-              <a:rPr lang="en-US" smtClean="0"/>
+              <a:rPr lang="en-US"/>
               <a:t>Fourth level</a:t>
             </a:r>
           </a:p>
           <a:p>
             <a:pPr lvl="4"/>
             <a:r>
-              <a:rPr lang="en-US" smtClean="0"/>
+              <a:rPr lang="en-US"/>
               <a:t>Fifth level</a:t>
             </a:r>
-            <a:endParaRPr lang="en-US"/>
           </a:p>
         </p:txBody>
       </p:sp>
@@ -2739,7 +2232,7 @@
           <a:p>
             <a:pPr lvl="0"/>
             <a:r>
-              <a:rPr lang="en-US" smtClean="0"/>
+              <a:rPr lang="en-US"/>
               <a:t>Click to edit Master text styles</a:t>
             </a:r>
           </a:p>
@@ -2762,7 +2255,7 @@
           <a:p>
             <a:fld id="{5BCAD085-E8A6-8845-BD4E-CB4CCA059FC4}" type="datetimeFigureOut">
               <a:rPr lang="en-US" smtClean="0"/>
-              <a:t>1/27/13</a:t>
+              <a:t>11/11/2025</a:t>
             </a:fld>
             <a:endParaRPr lang="en-US"/>
           </a:p>
@@ -2865,10 +2358,9 @@
           </a:lstStyle>
           <a:p>
             <a:r>
-              <a:rPr lang="en-US" smtClean="0"/>
+              <a:rPr lang="en-US"/>
               <a:t>Click to edit Master title style</a:t>
             </a:r>
-            <a:endParaRPr lang="en-US"/>
           </a:p>
         </p:txBody>
       </p:sp>
@@ -2992,7 +2484,7 @@
           <a:p>
             <a:pPr lvl="0"/>
             <a:r>
-              <a:rPr lang="en-US" smtClean="0"/>
+              <a:rPr lang="en-US"/>
               <a:t>Click to edit Master text styles</a:t>
             </a:r>
           </a:p>
@@ -3015,7 +2507,7 @@
           <a:p>
             <a:fld id="{5BCAD085-E8A6-8845-BD4E-CB4CCA059FC4}" type="datetimeFigureOut">
               <a:rPr lang="en-US" smtClean="0"/>
-              <a:t>1/27/13</a:t>
+              <a:t>11/11/2025</a:t>
             </a:fld>
             <a:endParaRPr lang="en-US"/>
           </a:p>
@@ -3124,10 +2616,9 @@
           <a:lstStyle/>
           <a:p>
             <a:r>
-              <a:rPr lang="en-US" smtClean="0"/>
+              <a:rPr lang="en-US"/>
               <a:t>Click to edit Master title style</a:t>
             </a:r>
-            <a:endParaRPr lang="en-US"/>
           </a:p>
         </p:txBody>
       </p:sp>
@@ -3158,38 +2649,37 @@
           <a:p>
             <a:pPr lvl="0"/>
             <a:r>
-              <a:rPr lang="en-US" smtClean="0"/>
+              <a:rPr lang="en-US"/>
               <a:t>Click to edit Master text styles</a:t>
             </a:r>
           </a:p>
           <a:p>
             <a:pPr lvl="1"/>
             <a:r>
-              <a:rPr lang="en-US" smtClean="0"/>
+              <a:rPr lang="en-US"/>
               <a:t>Second level</a:t>
             </a:r>
           </a:p>
           <a:p>
             <a:pPr lvl="2"/>
             <a:r>
-              <a:rPr lang="en-US" smtClean="0"/>
+              <a:rPr lang="en-US"/>
               <a:t>Third level</a:t>
             </a:r>
           </a:p>
           <a:p>
             <a:pPr lvl="3"/>
             <a:r>
-              <a:rPr lang="en-US" smtClean="0"/>
+              <a:rPr lang="en-US"/>
               <a:t>Fourth level</a:t>
             </a:r>
           </a:p>
           <a:p>
             <a:pPr lvl="4"/>
             <a:r>
-              <a:rPr lang="en-US" smtClean="0"/>
+              <a:rPr lang="en-US"/>
               <a:t>Fifth level</a:t>
             </a:r>
-            <a:endParaRPr lang="en-US"/>
           </a:p>
         </p:txBody>
       </p:sp>
@@ -3228,7 +2718,7 @@
           <a:p>
             <a:fld id="{5BCAD085-E8A6-8845-BD4E-CB4CCA059FC4}" type="datetimeFigureOut">
               <a:rPr lang="en-US" smtClean="0"/>
-              <a:t>1/27/13</a:t>
+              <a:t>11/11/2025</a:t>
             </a:fld>
             <a:endParaRPr lang="en-US"/>
           </a:p>
@@ -3587,15 +3077,30 @@
 </file>
 
 <file path=ppt/slides/slide1.xml><?xml version="1.0" encoding="utf-8"?>
-<p:sld xmlns:a="http://schemas.openxmlformats.org/drawingml/2006/main" xmlns:p="http://schemas.openxmlformats.org/presentationml/2006/main" xmlns:r="http://schemas.openxmlformats.org/officeDocument/2006/relationships">
+<p:sld xmlns:a="http://schemas.openxmlformats.org/drawingml/2006/main" xmlns:r="http://schemas.openxmlformats.org/officeDocument/2006/relationships" xmlns:p="http://schemas.openxmlformats.org/presentationml/2006/main">
   <p:cSld>
+    <p:bg>
+      <p:bgPr>
+        <a:solidFill>
+          <a:srgbClr val="FFFFFF"/>
+        </a:solidFill>
+        <a:effectLst/>
+      </p:bgPr>
+    </p:bg>
     <p:spTree>
       <p:nvGrpSpPr>
         <p:cNvPr id="1" name=""/>
         <p:cNvGrpSpPr/>
         <p:nvPr/>
       </p:nvGrpSpPr>
-      <p:grpSpPr/>
+      <p:grpSpPr>
+        <a:xfrm>
+          <a:off x="0" y="0"/>
+          <a:ext cx="0" cy="0"/>
+          <a:chOff x="0" y="0"/>
+          <a:chExt cx="0" cy="0"/>
+        </a:xfrm>
+      </p:grpSpPr>
       <p:sp>
         <p:nvSpPr>
           <p:cNvPr id="2" name="TextBox 1"/>
@@ -3605,7 +3110,7 @@
         <p:spPr>
           <a:xfrm>
             <a:off x="457200" y="274320"/>
-            <a:ext cx="13716000" cy="548640"/>
+            <a:ext cx="10972800" cy="457200"/>
           </a:xfrm>
           <a:prstGeom prst="rect">
             <a:avLst/>
@@ -3613,20 +3118,20 @@
           <a:noFill/>
         </p:spPr>
         <p:txBody>
-          <a:bodyPr wrap="none">
+          <a:bodyPr wrap="square" anchor="t">
             <a:spAutoFit/>
           </a:bodyPr>
           <a:lstStyle/>
           <a:p>
-            <a:pPr algn="ctr">
-              <a:defRPr sz="3600" b="1">
-                <a:solidFill>
-                  <a:srgbClr val="2C3E50"/>
-                </a:solidFill>
-              </a:defRPr>
-            </a:pPr>
-            <a:r>
-              <a:t>Agentic Insights: System Architecture</a:t>
+            <a:pPr algn="l"/>
+            <a:r>
+              <a:rPr sz="2400" b="1">
+                <a:solidFill>
+                  <a:srgbClr val="002060"/>
+                </a:solidFill>
+                <a:latin typeface="Calibri"/>
+              </a:rPr>
+              <a:t>System Architecture: How Agentic Insights Produces Autonomous Discoveries</a:t>
             </a:r>
           </a:p>
         </p:txBody>
@@ -3639,8 +3144,8 @@
         </p:nvSpPr>
         <p:spPr>
           <a:xfrm>
-            <a:off x="457200" y="822960"/>
-            <a:ext cx="13716000" cy="365760"/>
+            <a:off x="457200" y="777240"/>
+            <a:ext cx="10972800" cy="274320"/>
           </a:xfrm>
           <a:prstGeom prst="rect">
             <a:avLst/>
@@ -3648,27 +3153,1739 @@
           <a:noFill/>
         </p:spPr>
         <p:txBody>
-          <a:bodyPr wrap="none">
+          <a:bodyPr wrap="square" anchor="t">
             <a:spAutoFit/>
           </a:bodyPr>
           <a:lstStyle/>
           <a:p>
-            <a:pPr algn="ctr">
-              <a:defRPr sz="1600">
-                <a:solidFill>
-                  <a:srgbClr val="7F8C8D"/>
-                </a:solidFill>
-              </a:defRPr>
-            </a:pPr>
-            <a:r>
-              <a:t>Autonomous AI discovery system with statistical rigor and LLM synthesis</a:t>
-            </a:r>
-          </a:p>
-        </p:txBody>
-      </p:sp>
+            <a:pPr algn="l"/>
+            <a:r>
+              <a:rPr sz="1200" b="0">
+                <a:solidFill>
+                  <a:srgbClr val="404040"/>
+                </a:solidFill>
+                <a:latin typeface="Calibri"/>
+              </a:rPr>
+              <a:t>Multi-cycle discovery engine combining statistical rigor with optional LLM intelligence to generate evidence-backed insights</a:t>
+            </a:r>
+          </a:p>
+        </p:txBody>
+      </p:sp>
+      <p:sp>
+        <p:nvSpPr>
+          <p:cNvPr id="4" name="TextBox 3"/>
+          <p:cNvSpPr txBox="1"/>
+          <p:nvPr/>
+        </p:nvSpPr>
+        <p:spPr>
+          <a:xfrm>
+            <a:off x="731520" y="1554480"/>
+            <a:ext cx="2011680" cy="274320"/>
+          </a:xfrm>
+          <a:prstGeom prst="rect">
+            <a:avLst/>
+          </a:prstGeom>
+          <a:noFill/>
+        </p:spPr>
+        <p:txBody>
+          <a:bodyPr wrap="square" anchor="t">
+            <a:spAutoFit/>
+          </a:bodyPr>
+          <a:lstStyle/>
+          <a:p>
+            <a:pPr algn="ctr"/>
+            <a:r>
+              <a:rPr sz="1000" b="1">
+                <a:solidFill>
+                  <a:srgbClr val="0070C0"/>
+                </a:solidFill>
+                <a:latin typeface="Calibri"/>
+              </a:rPr>
+              <a:t>DATA SOURCES</a:t>
+            </a:r>
+          </a:p>
+        </p:txBody>
+      </p:sp>
+      <p:sp>
+        <p:nvSpPr>
+          <p:cNvPr id="5" name="Can 4"/>
+          <p:cNvSpPr/>
+          <p:nvPr/>
+        </p:nvSpPr>
+        <p:spPr>
+          <a:xfrm>
+            <a:off x="822960" y="2011680"/>
+            <a:ext cx="914400" cy="640080"/>
+          </a:xfrm>
+          <a:prstGeom prst="can">
+            <a:avLst/>
+          </a:prstGeom>
+          <a:solidFill>
+            <a:srgbClr val="C0C0C0"/>
+          </a:solidFill>
+          <a:ln w="12700">
+            <a:solidFill>
+              <a:srgbClr val="404040"/>
+            </a:solidFill>
+          </a:ln>
+        </p:spPr>
+        <p:style>
+          <a:lnRef idx="1">
+            <a:schemeClr val="accent1"/>
+          </a:lnRef>
+          <a:fillRef idx="3">
+            <a:schemeClr val="accent1"/>
+          </a:fillRef>
+          <a:effectRef idx="2">
+            <a:schemeClr val="accent1"/>
+          </a:effectRef>
+          <a:fontRef idx="minor">
+            <a:schemeClr val="lt1"/>
+          </a:fontRef>
+        </p:style>
+        <p:txBody>
+          <a:bodyPr wrap="square" rtlCol="0" anchor="ctr"/>
+          <a:lstStyle/>
+          <a:p>
+            <a:pPr algn="ctr"/>
+            <a:r>
+              <a:rPr sz="1000" b="1" dirty="0">
+                <a:solidFill>
+                  <a:srgbClr val="404040"/>
+                </a:solidFill>
+                <a:latin typeface="Calibri"/>
+              </a:rPr>
+              <a:t>CSV Files</a:t>
+            </a:r>
+          </a:p>
+          <a:p>
+            <a:pPr algn="ctr"/>
+            <a:r>
+              <a:rPr sz="1000" b="1" dirty="0">
+                <a:solidFill>
+                  <a:srgbClr val="404040"/>
+                </a:solidFill>
+                <a:latin typeface="Calibri"/>
+              </a:rPr>
+              <a:t>(customers,</a:t>
+            </a:r>
+          </a:p>
+          <a:p>
+            <a:pPr algn="ctr"/>
+            <a:r>
+              <a:rPr sz="1000" b="1" dirty="0">
+                <a:solidFill>
+                  <a:srgbClr val="404040"/>
+                </a:solidFill>
+                <a:latin typeface="Calibri"/>
+              </a:rPr>
+              <a:t>competitor)</a:t>
+            </a:r>
+          </a:p>
+        </p:txBody>
+      </p:sp>
+      <p:sp>
+        <p:nvSpPr>
+          <p:cNvPr id="6" name="Can 5"/>
+          <p:cNvSpPr/>
+          <p:nvPr/>
+        </p:nvSpPr>
+        <p:spPr>
+          <a:xfrm>
+            <a:off x="1828800" y="2011680"/>
+            <a:ext cx="914400" cy="640080"/>
+          </a:xfrm>
+          <a:prstGeom prst="can">
+            <a:avLst/>
+          </a:prstGeom>
+          <a:solidFill>
+            <a:srgbClr val="C0C0C0"/>
+          </a:solidFill>
+          <a:ln w="12700">
+            <a:solidFill>
+              <a:srgbClr val="404040"/>
+            </a:solidFill>
+          </a:ln>
+        </p:spPr>
+        <p:style>
+          <a:lnRef idx="1">
+            <a:schemeClr val="accent1"/>
+          </a:lnRef>
+          <a:fillRef idx="3">
+            <a:schemeClr val="accent1"/>
+          </a:fillRef>
+          <a:effectRef idx="2">
+            <a:schemeClr val="accent1"/>
+          </a:effectRef>
+          <a:fontRef idx="minor">
+            <a:schemeClr val="lt1"/>
+          </a:fontRef>
+        </p:style>
+        <p:txBody>
+          <a:bodyPr wrap="square" rtlCol="0" anchor="ctr"/>
+          <a:lstStyle/>
+          <a:p>
+            <a:pPr algn="ctr"/>
+            <a:r>
+              <a:rPr sz="1000" b="1">
+                <a:solidFill>
+                  <a:srgbClr val="404040"/>
+                </a:solidFill>
+                <a:latin typeface="Calibri"/>
+              </a:rPr>
+              <a:t>Literature</a:t>
+            </a:r>
+          </a:p>
+          <a:p>
+            <a:pPr algn="ctr"/>
+            <a:r>
+              <a:rPr sz="1000" b="1">
+                <a:solidFill>
+                  <a:srgbClr val="404040"/>
+                </a:solidFill>
+                <a:latin typeface="Calibri"/>
+              </a:rPr>
+              <a:t>Knowledge</a:t>
+            </a:r>
+          </a:p>
+          <a:p>
+            <a:pPr algn="ctr"/>
+            <a:r>
+              <a:rPr sz="1000" b="1">
+                <a:solidFill>
+                  <a:srgbClr val="404040"/>
+                </a:solidFill>
+                <a:latin typeface="Calibri"/>
+              </a:rPr>
+              <a:t>Base</a:t>
+            </a:r>
+          </a:p>
+        </p:txBody>
+      </p:sp>
+      <p:sp>
+        <p:nvSpPr>
+          <p:cNvPr id="7" name="Hexagon 6"/>
+          <p:cNvSpPr/>
+          <p:nvPr/>
+        </p:nvSpPr>
+        <p:spPr>
+          <a:xfrm>
+            <a:off x="1188720" y="3017520"/>
+            <a:ext cx="1097280" cy="457200"/>
+          </a:xfrm>
+          <a:prstGeom prst="hexagon">
+            <a:avLst/>
+          </a:prstGeom>
+          <a:solidFill>
+            <a:srgbClr val="FFF0C8"/>
+          </a:solidFill>
+          <a:ln w="12700">
+            <a:solidFill>
+              <a:srgbClr val="404040"/>
+            </a:solidFill>
+          </a:ln>
+        </p:spPr>
+        <p:style>
+          <a:lnRef idx="1">
+            <a:schemeClr val="accent1"/>
+          </a:lnRef>
+          <a:fillRef idx="3">
+            <a:schemeClr val="accent1"/>
+          </a:fillRef>
+          <a:effectRef idx="2">
+            <a:schemeClr val="accent1"/>
+          </a:effectRef>
+          <a:fontRef idx="minor">
+            <a:schemeClr val="lt1"/>
+          </a:fontRef>
+        </p:style>
+        <p:txBody>
+          <a:bodyPr wrap="square" rtlCol="0" anchor="ctr"/>
+          <a:lstStyle/>
+          <a:p>
+            <a:pPr algn="ctr"/>
+            <a:r>
+              <a:rPr lang="en-US" sz="1000" b="1" dirty="0">
+                <a:solidFill>
+                  <a:srgbClr val="404040"/>
+                </a:solidFill>
+                <a:latin typeface="Calibri"/>
+              </a:rPr>
+              <a:t>LLM</a:t>
+            </a:r>
+            <a:r>
+              <a:rPr sz="1000" b="1" dirty="0">
+                <a:solidFill>
+                  <a:srgbClr val="404040"/>
+                </a:solidFill>
+                <a:latin typeface="Calibri"/>
+              </a:rPr>
+              <a:t> API</a:t>
+            </a:r>
+          </a:p>
+        </p:txBody>
+      </p:sp>
+      <p:sp>
+        <p:nvSpPr>
+          <p:cNvPr id="8" name="TextBox 7"/>
+          <p:cNvSpPr txBox="1"/>
+          <p:nvPr/>
+        </p:nvSpPr>
+        <p:spPr>
+          <a:xfrm>
+            <a:off x="3474720" y="1554480"/>
+            <a:ext cx="2743200" cy="274320"/>
+          </a:xfrm>
+          <a:prstGeom prst="rect">
+            <a:avLst/>
+          </a:prstGeom>
+          <a:noFill/>
+        </p:spPr>
+        <p:txBody>
+          <a:bodyPr wrap="square" anchor="t">
+            <a:spAutoFit/>
+          </a:bodyPr>
+          <a:lstStyle/>
+          <a:p>
+            <a:pPr algn="ctr"/>
+            <a:r>
+              <a:rPr sz="1000" b="1">
+                <a:solidFill>
+                  <a:srgbClr val="0070C0"/>
+                </a:solidFill>
+                <a:latin typeface="Calibri"/>
+              </a:rPr>
+              <a:t>PROCESSING ENGINE</a:t>
+            </a:r>
+          </a:p>
+        </p:txBody>
+      </p:sp>
+      <p:sp>
+        <p:nvSpPr>
+          <p:cNvPr id="9" name="Rounded Rectangle 8"/>
+          <p:cNvSpPr/>
+          <p:nvPr/>
+        </p:nvSpPr>
+        <p:spPr>
+          <a:xfrm>
+            <a:off x="3566160" y="1874520"/>
+            <a:ext cx="2560320" cy="457200"/>
+          </a:xfrm>
+          <a:prstGeom prst="roundRect">
+            <a:avLst/>
+          </a:prstGeom>
+          <a:solidFill>
+            <a:srgbClr val="0070C0"/>
+          </a:solidFill>
+          <a:ln w="12700">
+            <a:solidFill>
+              <a:srgbClr val="404040"/>
+            </a:solidFill>
+          </a:ln>
+        </p:spPr>
+        <p:style>
+          <a:lnRef idx="1">
+            <a:schemeClr val="accent1"/>
+          </a:lnRef>
+          <a:fillRef idx="3">
+            <a:schemeClr val="accent1"/>
+          </a:fillRef>
+          <a:effectRef idx="2">
+            <a:schemeClr val="accent1"/>
+          </a:effectRef>
+          <a:fontRef idx="minor">
+            <a:schemeClr val="lt1"/>
+          </a:fontRef>
+        </p:style>
+        <p:txBody>
+          <a:bodyPr wrap="square" rtlCol="0" anchor="ctr"/>
+          <a:lstStyle/>
+          <a:p>
+            <a:pPr algn="ctr"/>
+            <a:r>
+              <a:rPr sz="1000" b="1">
+                <a:solidFill>
+                  <a:srgbClr val="FFFFFF"/>
+                </a:solidFill>
+                <a:latin typeface="Calibri"/>
+              </a:rPr>
+              <a:t>Streamlit UI &amp; Orchestration Engine</a:t>
+            </a:r>
+          </a:p>
+        </p:txBody>
+      </p:sp>
+      <p:sp>
+        <p:nvSpPr>
+          <p:cNvPr id="10" name="Rectangle 9"/>
+          <p:cNvSpPr/>
+          <p:nvPr/>
+        </p:nvSpPr>
+        <p:spPr>
+          <a:xfrm>
+            <a:off x="3657600" y="2514600"/>
+            <a:ext cx="1097280" cy="384048"/>
+          </a:xfrm>
+          <a:prstGeom prst="rect">
+            <a:avLst/>
+          </a:prstGeom>
+          <a:solidFill>
+            <a:srgbClr val="DCE6F0"/>
+          </a:solidFill>
+          <a:ln w="12700">
+            <a:solidFill>
+              <a:srgbClr val="404040"/>
+            </a:solidFill>
+          </a:ln>
+        </p:spPr>
+        <p:style>
+          <a:lnRef idx="1">
+            <a:schemeClr val="accent1"/>
+          </a:lnRef>
+          <a:fillRef idx="3">
+            <a:schemeClr val="accent1"/>
+          </a:fillRef>
+          <a:effectRef idx="2">
+            <a:schemeClr val="accent1"/>
+          </a:effectRef>
+          <a:fontRef idx="minor">
+            <a:schemeClr val="lt1"/>
+          </a:fontRef>
+        </p:style>
+        <p:txBody>
+          <a:bodyPr wrap="square" rtlCol="0" anchor="ctr"/>
+          <a:lstStyle/>
+          <a:p>
+            <a:pPr algn="ctr"/>
+            <a:r>
+              <a:rPr sz="1000" b="1">
+                <a:solidFill>
+                  <a:srgbClr val="404040"/>
+                </a:solidFill>
+                <a:latin typeface="Calibri"/>
+              </a:rPr>
+              <a:t>Question</a:t>
+            </a:r>
+          </a:p>
+          <a:p>
+            <a:pPr algn="ctr"/>
+            <a:r>
+              <a:rPr sz="1000" b="1">
+                <a:solidFill>
+                  <a:srgbClr val="404040"/>
+                </a:solidFill>
+                <a:latin typeface="Calibri"/>
+              </a:rPr>
+              <a:t>Generator</a:t>
+            </a:r>
+          </a:p>
+        </p:txBody>
+      </p:sp>
+      <p:sp>
+        <p:nvSpPr>
+          <p:cNvPr id="11" name="Rectangle 10"/>
+          <p:cNvSpPr/>
+          <p:nvPr/>
+        </p:nvSpPr>
+        <p:spPr>
+          <a:xfrm>
+            <a:off x="4846320" y="2514600"/>
+            <a:ext cx="1097280" cy="384048"/>
+          </a:xfrm>
+          <a:prstGeom prst="rect">
+            <a:avLst/>
+          </a:prstGeom>
+          <a:solidFill>
+            <a:srgbClr val="DCE6F0"/>
+          </a:solidFill>
+          <a:ln w="12700">
+            <a:solidFill>
+              <a:srgbClr val="404040"/>
+            </a:solidFill>
+          </a:ln>
+        </p:spPr>
+        <p:style>
+          <a:lnRef idx="1">
+            <a:schemeClr val="accent1"/>
+          </a:lnRef>
+          <a:fillRef idx="3">
+            <a:schemeClr val="accent1"/>
+          </a:fillRef>
+          <a:effectRef idx="2">
+            <a:schemeClr val="accent1"/>
+          </a:effectRef>
+          <a:fontRef idx="minor">
+            <a:schemeClr val="lt1"/>
+          </a:fontRef>
+        </p:style>
+        <p:txBody>
+          <a:bodyPr wrap="square" rtlCol="0" anchor="ctr"/>
+          <a:lstStyle/>
+          <a:p>
+            <a:pPr algn="ctr"/>
+            <a:r>
+              <a:rPr lang="en-US" sz="1000" b="1" dirty="0">
+                <a:solidFill>
+                  <a:srgbClr val="404040"/>
+                </a:solidFill>
+                <a:latin typeface="Calibri"/>
+              </a:rPr>
+              <a:t>Curated </a:t>
+            </a:r>
+            <a:r>
+              <a:rPr sz="1000" b="1" dirty="0">
+                <a:solidFill>
+                  <a:srgbClr val="404040"/>
+                </a:solidFill>
+                <a:latin typeface="Calibri"/>
+              </a:rPr>
+              <a:t>Statistical</a:t>
+            </a:r>
+          </a:p>
+          <a:p>
+            <a:pPr algn="ctr"/>
+            <a:r>
+              <a:rPr sz="1000" b="1" dirty="0">
+                <a:solidFill>
+                  <a:srgbClr val="404040"/>
+                </a:solidFill>
+                <a:latin typeface="Calibri"/>
+              </a:rPr>
+              <a:t>Analysis</a:t>
+            </a:r>
+          </a:p>
+        </p:txBody>
+      </p:sp>
+      <p:sp>
+        <p:nvSpPr>
+          <p:cNvPr id="12" name="Rectangle 11"/>
+          <p:cNvSpPr/>
+          <p:nvPr/>
+        </p:nvSpPr>
+        <p:spPr>
+          <a:xfrm>
+            <a:off x="3657600" y="2990088"/>
+            <a:ext cx="1097280" cy="384048"/>
+          </a:xfrm>
+          <a:prstGeom prst="rect">
+            <a:avLst/>
+          </a:prstGeom>
+          <a:solidFill>
+            <a:srgbClr val="DCE6F0"/>
+          </a:solidFill>
+          <a:ln w="12700">
+            <a:solidFill>
+              <a:srgbClr val="404040"/>
+            </a:solidFill>
+          </a:ln>
+        </p:spPr>
+        <p:style>
+          <a:lnRef idx="1">
+            <a:schemeClr val="accent1"/>
+          </a:lnRef>
+          <a:fillRef idx="3">
+            <a:schemeClr val="accent1"/>
+          </a:fillRef>
+          <a:effectRef idx="2">
+            <a:schemeClr val="accent1"/>
+          </a:effectRef>
+          <a:fontRef idx="minor">
+            <a:schemeClr val="lt1"/>
+          </a:fontRef>
+        </p:style>
+        <p:txBody>
+          <a:bodyPr wrap="square" rtlCol="0" anchor="ctr"/>
+          <a:lstStyle/>
+          <a:p>
+            <a:pPr algn="ctr"/>
+            <a:r>
+              <a:rPr sz="1000" b="1">
+                <a:solidFill>
+                  <a:srgbClr val="404040"/>
+                </a:solidFill>
+                <a:latin typeface="Calibri"/>
+              </a:rPr>
+              <a:t>Literature</a:t>
+            </a:r>
+          </a:p>
+          <a:p>
+            <a:pPr algn="ctr"/>
+            <a:r>
+              <a:rPr sz="1000" b="1">
+                <a:solidFill>
+                  <a:srgbClr val="404040"/>
+                </a:solidFill>
+                <a:latin typeface="Calibri"/>
+              </a:rPr>
+              <a:t>Search</a:t>
+            </a:r>
+          </a:p>
+        </p:txBody>
+      </p:sp>
+      <p:sp>
+        <p:nvSpPr>
+          <p:cNvPr id="13" name="Rectangle 12"/>
+          <p:cNvSpPr/>
+          <p:nvPr/>
+        </p:nvSpPr>
+        <p:spPr>
+          <a:xfrm>
+            <a:off x="4846320" y="2990088"/>
+            <a:ext cx="1097280" cy="384048"/>
+          </a:xfrm>
+          <a:prstGeom prst="rect">
+            <a:avLst/>
+          </a:prstGeom>
+          <a:solidFill>
+            <a:srgbClr val="DCE6F0"/>
+          </a:solidFill>
+          <a:ln w="12700">
+            <a:solidFill>
+              <a:srgbClr val="404040"/>
+            </a:solidFill>
+          </a:ln>
+        </p:spPr>
+        <p:style>
+          <a:lnRef idx="1">
+            <a:schemeClr val="accent1"/>
+          </a:lnRef>
+          <a:fillRef idx="3">
+            <a:schemeClr val="accent1"/>
+          </a:fillRef>
+          <a:effectRef idx="2">
+            <a:schemeClr val="accent1"/>
+          </a:effectRef>
+          <a:fontRef idx="minor">
+            <a:schemeClr val="lt1"/>
+          </a:fontRef>
+        </p:style>
+        <p:txBody>
+          <a:bodyPr wrap="square" rtlCol="0" anchor="ctr"/>
+          <a:lstStyle/>
+          <a:p>
+            <a:pPr algn="ctr"/>
+            <a:r>
+              <a:rPr sz="1000" b="1">
+                <a:solidFill>
+                  <a:srgbClr val="404040"/>
+                </a:solidFill>
+                <a:latin typeface="Calibri"/>
+              </a:rPr>
+              <a:t>Discovery</a:t>
+            </a:r>
+          </a:p>
+          <a:p>
+            <a:pPr algn="ctr"/>
+            <a:r>
+              <a:rPr sz="1000" b="1">
+                <a:solidFill>
+                  <a:srgbClr val="404040"/>
+                </a:solidFill>
+                <a:latin typeface="Calibri"/>
+              </a:rPr>
+              <a:t>Synthesizer</a:t>
+            </a:r>
+          </a:p>
+        </p:txBody>
+      </p:sp>
+      <p:sp>
+        <p:nvSpPr>
+          <p:cNvPr id="14" name="TextBox 13"/>
+          <p:cNvSpPr txBox="1"/>
+          <p:nvPr/>
+        </p:nvSpPr>
+        <p:spPr>
+          <a:xfrm>
+            <a:off x="6858000" y="1554480"/>
+            <a:ext cx="2011680" cy="274320"/>
+          </a:xfrm>
+          <a:prstGeom prst="rect">
+            <a:avLst/>
+          </a:prstGeom>
+          <a:noFill/>
+        </p:spPr>
+        <p:txBody>
+          <a:bodyPr wrap="square" anchor="t">
+            <a:spAutoFit/>
+          </a:bodyPr>
+          <a:lstStyle/>
+          <a:p>
+            <a:pPr algn="ctr"/>
+            <a:r>
+              <a:rPr sz="1000" b="1">
+                <a:solidFill>
+                  <a:srgbClr val="0070C0"/>
+                </a:solidFill>
+                <a:latin typeface="Calibri"/>
+              </a:rPr>
+              <a:t>STORAGE &amp; STATE</a:t>
+            </a:r>
+          </a:p>
+        </p:txBody>
+      </p:sp>
+      <p:sp>
+        <p:nvSpPr>
+          <p:cNvPr id="15" name="Can 14"/>
+          <p:cNvSpPr/>
+          <p:nvPr/>
+        </p:nvSpPr>
+        <p:spPr>
+          <a:xfrm>
+            <a:off x="7132320" y="2194560"/>
+            <a:ext cx="1463040" cy="731520"/>
+          </a:xfrm>
+          <a:prstGeom prst="can">
+            <a:avLst/>
+          </a:prstGeom>
+          <a:solidFill>
+            <a:srgbClr val="002060"/>
+          </a:solidFill>
+          <a:ln w="12700">
+            <a:solidFill>
+              <a:srgbClr val="404040"/>
+            </a:solidFill>
+          </a:ln>
+        </p:spPr>
+        <p:style>
+          <a:lnRef idx="1">
+            <a:schemeClr val="accent1"/>
+          </a:lnRef>
+          <a:fillRef idx="3">
+            <a:schemeClr val="accent1"/>
+          </a:fillRef>
+          <a:effectRef idx="2">
+            <a:schemeClr val="accent1"/>
+          </a:effectRef>
+          <a:fontRef idx="minor">
+            <a:schemeClr val="lt1"/>
+          </a:fontRef>
+        </p:style>
+        <p:txBody>
+          <a:bodyPr wrap="square" rtlCol="0" anchor="ctr"/>
+          <a:lstStyle/>
+          <a:p>
+            <a:pPr algn="ctr"/>
+            <a:r>
+              <a:rPr sz="1000" b="1">
+                <a:solidFill>
+                  <a:srgbClr val="FFFFFF"/>
+                </a:solidFill>
+                <a:latin typeface="Calibri"/>
+              </a:rPr>
+              <a:t>World Model</a:t>
+            </a:r>
+          </a:p>
+          <a:p>
+            <a:pPr algn="ctr"/>
+            <a:r>
+              <a:rPr sz="1000" b="1">
+                <a:solidFill>
+                  <a:srgbClr val="FFFFFF"/>
+                </a:solidFill>
+                <a:latin typeface="Calibri"/>
+              </a:rPr>
+              <a:t>(discoveries,</a:t>
+            </a:r>
+          </a:p>
+          <a:p>
+            <a:pPr algn="ctr"/>
+            <a:r>
+              <a:rPr sz="1000" b="1">
+                <a:solidFill>
+                  <a:srgbClr val="FFFFFF"/>
+                </a:solidFill>
+                <a:latin typeface="Calibri"/>
+              </a:rPr>
+              <a:t>trajectories,</a:t>
+            </a:r>
+          </a:p>
+          <a:p>
+            <a:pPr algn="ctr"/>
+            <a:r>
+              <a:rPr sz="1000" b="1">
+                <a:solidFill>
+                  <a:srgbClr val="FFFFFF"/>
+                </a:solidFill>
+                <a:latin typeface="Calibri"/>
+              </a:rPr>
+              <a:t>hypotheses)</a:t>
+            </a:r>
+          </a:p>
+        </p:txBody>
+      </p:sp>
+      <p:sp>
+        <p:nvSpPr>
+          <p:cNvPr id="16" name="Rectangle 15"/>
+          <p:cNvSpPr/>
+          <p:nvPr/>
+        </p:nvSpPr>
+        <p:spPr>
+          <a:xfrm>
+            <a:off x="7223760" y="3108960"/>
+            <a:ext cx="1280160" cy="365760"/>
+          </a:xfrm>
+          <a:prstGeom prst="rect">
+            <a:avLst/>
+          </a:prstGeom>
+          <a:solidFill>
+            <a:srgbClr val="DCE6F0"/>
+          </a:solidFill>
+          <a:ln w="12700">
+            <a:solidFill>
+              <a:srgbClr val="404040"/>
+            </a:solidFill>
+          </a:ln>
+        </p:spPr>
+        <p:style>
+          <a:lnRef idx="1">
+            <a:schemeClr val="accent1"/>
+          </a:lnRef>
+          <a:fillRef idx="3">
+            <a:schemeClr val="accent1"/>
+          </a:fillRef>
+          <a:effectRef idx="2">
+            <a:schemeClr val="accent1"/>
+          </a:effectRef>
+          <a:fontRef idx="minor">
+            <a:schemeClr val="lt1"/>
+          </a:fontRef>
+        </p:style>
+        <p:txBody>
+          <a:bodyPr wrap="square" rtlCol="0" anchor="ctr"/>
+          <a:lstStyle/>
+          <a:p>
+            <a:pPr algn="ctr"/>
+            <a:r>
+              <a:rPr sz="1000" b="1">
+                <a:solidFill>
+                  <a:srgbClr val="404040"/>
+                </a:solidFill>
+                <a:latin typeface="Calibri"/>
+              </a:rPr>
+              <a:t>Report</a:t>
+            </a:r>
+          </a:p>
+          <a:p>
+            <a:pPr algn="ctr"/>
+            <a:r>
+              <a:rPr sz="1000" b="1">
+                <a:solidFill>
+                  <a:srgbClr val="404040"/>
+                </a:solidFill>
+                <a:latin typeface="Calibri"/>
+              </a:rPr>
+              <a:t>Generator</a:t>
+            </a:r>
+          </a:p>
+        </p:txBody>
+      </p:sp>
+      <p:sp>
+        <p:nvSpPr>
+          <p:cNvPr id="17" name="TextBox 16"/>
+          <p:cNvSpPr txBox="1"/>
+          <p:nvPr/>
+        </p:nvSpPr>
+        <p:spPr>
+          <a:xfrm>
+            <a:off x="9509760" y="1554480"/>
+            <a:ext cx="2194560" cy="274320"/>
+          </a:xfrm>
+          <a:prstGeom prst="rect">
+            <a:avLst/>
+          </a:prstGeom>
+          <a:noFill/>
+        </p:spPr>
+        <p:txBody>
+          <a:bodyPr wrap="square" anchor="t">
+            <a:spAutoFit/>
+          </a:bodyPr>
+          <a:lstStyle/>
+          <a:p>
+            <a:pPr algn="ctr"/>
+            <a:r>
+              <a:rPr sz="1000" b="1">
+                <a:solidFill>
+                  <a:srgbClr val="0070C0"/>
+                </a:solidFill>
+                <a:latin typeface="Calibri"/>
+              </a:rPr>
+              <a:t>OUTPUTS</a:t>
+            </a:r>
+          </a:p>
+        </p:txBody>
+      </p:sp>
+      <p:sp>
+        <p:nvSpPr>
+          <p:cNvPr id="18" name="Parallelogram 17"/>
+          <p:cNvSpPr/>
+          <p:nvPr/>
+        </p:nvSpPr>
+        <p:spPr>
+          <a:xfrm>
+            <a:off x="9692640" y="2011680"/>
+            <a:ext cx="1828800" cy="457200"/>
+          </a:xfrm>
+          <a:prstGeom prst="parallelogram">
+            <a:avLst/>
+          </a:prstGeom>
+          <a:solidFill>
+            <a:srgbClr val="DCF0DC"/>
+          </a:solidFill>
+          <a:ln w="12700">
+            <a:solidFill>
+              <a:srgbClr val="404040"/>
+            </a:solidFill>
+          </a:ln>
+        </p:spPr>
+        <p:style>
+          <a:lnRef idx="1">
+            <a:schemeClr val="accent1"/>
+          </a:lnRef>
+          <a:fillRef idx="3">
+            <a:schemeClr val="accent1"/>
+          </a:fillRef>
+          <a:effectRef idx="2">
+            <a:schemeClr val="accent1"/>
+          </a:effectRef>
+          <a:fontRef idx="minor">
+            <a:schemeClr val="lt1"/>
+          </a:fontRef>
+        </p:style>
+        <p:txBody>
+          <a:bodyPr wrap="square" rtlCol="0" anchor="ctr"/>
+          <a:lstStyle/>
+          <a:p>
+            <a:pPr algn="ctr"/>
+            <a:r>
+              <a:rPr sz="1000" b="1">
+                <a:solidFill>
+                  <a:srgbClr val="404040"/>
+                </a:solidFill>
+                <a:latin typeface="Calibri"/>
+              </a:rPr>
+              <a:t>Interactive</a:t>
+            </a:r>
+          </a:p>
+          <a:p>
+            <a:pPr algn="ctr"/>
+            <a:r>
+              <a:rPr sz="1000" b="1">
+                <a:solidFill>
+                  <a:srgbClr val="404040"/>
+                </a:solidFill>
+                <a:latin typeface="Calibri"/>
+              </a:rPr>
+              <a:t>Dashboard</a:t>
+            </a:r>
+          </a:p>
+        </p:txBody>
+      </p:sp>
+      <p:sp>
+        <p:nvSpPr>
+          <p:cNvPr id="19" name="Parallelogram 18"/>
+          <p:cNvSpPr/>
+          <p:nvPr/>
+        </p:nvSpPr>
+        <p:spPr>
+          <a:xfrm>
+            <a:off x="9692640" y="2606040"/>
+            <a:ext cx="1828800" cy="457200"/>
+          </a:xfrm>
+          <a:prstGeom prst="parallelogram">
+            <a:avLst/>
+          </a:prstGeom>
+          <a:solidFill>
+            <a:srgbClr val="DCF0DC"/>
+          </a:solidFill>
+          <a:ln w="12700">
+            <a:solidFill>
+              <a:srgbClr val="404040"/>
+            </a:solidFill>
+          </a:ln>
+        </p:spPr>
+        <p:style>
+          <a:lnRef idx="1">
+            <a:schemeClr val="accent1"/>
+          </a:lnRef>
+          <a:fillRef idx="3">
+            <a:schemeClr val="accent1"/>
+          </a:fillRef>
+          <a:effectRef idx="2">
+            <a:schemeClr val="accent1"/>
+          </a:effectRef>
+          <a:fontRef idx="minor">
+            <a:schemeClr val="lt1"/>
+          </a:fontRef>
+        </p:style>
+        <p:txBody>
+          <a:bodyPr wrap="square" rtlCol="0" anchor="ctr"/>
+          <a:lstStyle/>
+          <a:p>
+            <a:pPr algn="ctr"/>
+            <a:r>
+              <a:rPr sz="1000" b="1" dirty="0">
+                <a:solidFill>
+                  <a:srgbClr val="404040"/>
+                </a:solidFill>
+                <a:latin typeface="Calibri"/>
+              </a:rPr>
+              <a:t>Enhanced Report</a:t>
+            </a:r>
+          </a:p>
+        </p:txBody>
+      </p:sp>
+      <p:cxnSp>
+        <p:nvCxnSpPr>
+          <p:cNvPr id="31" name="Connector 30"/>
+          <p:cNvCxnSpPr>
+            <a:cxnSpLocks/>
+          </p:cNvCxnSpPr>
+          <p:nvPr/>
+        </p:nvCxnSpPr>
+        <p:spPr>
+          <a:xfrm flipV="1">
+            <a:off x="6126480" y="2468880"/>
+            <a:ext cx="1005840" cy="480060"/>
+          </a:xfrm>
+          <a:prstGeom prst="line">
+            <a:avLst/>
+          </a:prstGeom>
+          <a:ln w="19050">
+            <a:solidFill>
+              <a:srgbClr val="404040"/>
+            </a:solidFill>
+          </a:ln>
+        </p:spPr>
+        <p:style>
+          <a:lnRef idx="2">
+            <a:schemeClr val="accent1"/>
+          </a:lnRef>
+          <a:fillRef idx="0">
+            <a:schemeClr val="accent1"/>
+          </a:fillRef>
+          <a:effectRef idx="1">
+            <a:schemeClr val="accent1"/>
+          </a:effectRef>
+          <a:fontRef idx="minor">
+            <a:schemeClr val="tx1"/>
+          </a:fontRef>
+        </p:style>
+      </p:cxnSp>
+      <p:cxnSp>
+        <p:nvCxnSpPr>
+          <p:cNvPr id="33" name="Connector 32"/>
+          <p:cNvCxnSpPr/>
+          <p:nvPr/>
+        </p:nvCxnSpPr>
+        <p:spPr>
+          <a:xfrm>
+            <a:off x="7863840" y="2926080"/>
+            <a:ext cx="0" cy="182880"/>
+          </a:xfrm>
+          <a:prstGeom prst="line">
+            <a:avLst/>
+          </a:prstGeom>
+          <a:ln w="19050">
+            <a:solidFill>
+              <a:srgbClr val="404040"/>
+            </a:solidFill>
+          </a:ln>
+        </p:spPr>
+        <p:style>
+          <a:lnRef idx="2">
+            <a:schemeClr val="accent1"/>
+          </a:lnRef>
+          <a:fillRef idx="0">
+            <a:schemeClr val="accent1"/>
+          </a:fillRef>
+          <a:effectRef idx="1">
+            <a:schemeClr val="accent1"/>
+          </a:effectRef>
+          <a:fontRef idx="minor">
+            <a:schemeClr val="tx1"/>
+          </a:fontRef>
+        </p:style>
+      </p:cxnSp>
+      <p:cxnSp>
+        <p:nvCxnSpPr>
+          <p:cNvPr id="34" name="Connector 33"/>
+          <p:cNvCxnSpPr>
+            <a:cxnSpLocks/>
+            <a:endCxn id="19" idx="5"/>
+          </p:cNvCxnSpPr>
+          <p:nvPr/>
+        </p:nvCxnSpPr>
+        <p:spPr>
+          <a:xfrm flipV="1">
+            <a:off x="8503920" y="2834640"/>
+            <a:ext cx="1245870" cy="457200"/>
+          </a:xfrm>
+          <a:prstGeom prst="line">
+            <a:avLst/>
+          </a:prstGeom>
+          <a:ln w="19050">
+            <a:solidFill>
+              <a:srgbClr val="404040"/>
+            </a:solidFill>
+          </a:ln>
+        </p:spPr>
+        <p:style>
+          <a:lnRef idx="2">
+            <a:schemeClr val="accent1"/>
+          </a:lnRef>
+          <a:fillRef idx="0">
+            <a:schemeClr val="accent1"/>
+          </a:fillRef>
+          <a:effectRef idx="1">
+            <a:schemeClr val="accent1"/>
+          </a:effectRef>
+          <a:fontRef idx="minor">
+            <a:schemeClr val="tx1"/>
+          </a:fontRef>
+        </p:style>
+      </p:cxnSp>
+      <p:cxnSp>
+        <p:nvCxnSpPr>
+          <p:cNvPr id="36" name="Connector 35"/>
+          <p:cNvCxnSpPr>
+            <a:cxnSpLocks/>
+            <a:stCxn id="16" idx="3"/>
+            <a:endCxn id="18" idx="5"/>
+          </p:cNvCxnSpPr>
+          <p:nvPr/>
+        </p:nvCxnSpPr>
+        <p:spPr>
+          <a:xfrm flipV="1">
+            <a:off x="8503920" y="2240280"/>
+            <a:ext cx="1245870" cy="1051560"/>
+          </a:xfrm>
+          <a:prstGeom prst="line">
+            <a:avLst/>
+          </a:prstGeom>
+          <a:ln w="19050">
+            <a:solidFill>
+              <a:srgbClr val="404040"/>
+            </a:solidFill>
+          </a:ln>
+        </p:spPr>
+        <p:style>
+          <a:lnRef idx="2">
+            <a:schemeClr val="accent1"/>
+          </a:lnRef>
+          <a:fillRef idx="0">
+            <a:schemeClr val="accent1"/>
+          </a:fillRef>
+          <a:effectRef idx="1">
+            <a:schemeClr val="accent1"/>
+          </a:effectRef>
+          <a:fontRef idx="minor">
+            <a:schemeClr val="tx1"/>
+          </a:fontRef>
+        </p:style>
+      </p:cxnSp>
+      <p:cxnSp>
+        <p:nvCxnSpPr>
+          <p:cNvPr id="38" name="Connector 37"/>
+          <p:cNvCxnSpPr>
+            <a:cxnSpLocks/>
+            <a:endCxn id="18" idx="5"/>
+          </p:cNvCxnSpPr>
+          <p:nvPr/>
+        </p:nvCxnSpPr>
+        <p:spPr>
+          <a:xfrm>
+            <a:off x="6126479" y="2103120"/>
+            <a:ext cx="3623311" cy="137160"/>
+          </a:xfrm>
+          <a:prstGeom prst="line">
+            <a:avLst/>
+          </a:prstGeom>
+          <a:ln w="19050">
+            <a:solidFill>
+              <a:srgbClr val="404040"/>
+            </a:solidFill>
+          </a:ln>
+        </p:spPr>
+        <p:style>
+          <a:lnRef idx="2">
+            <a:schemeClr val="accent1"/>
+          </a:lnRef>
+          <a:fillRef idx="0">
+            <a:schemeClr val="accent1"/>
+          </a:fillRef>
+          <a:effectRef idx="1">
+            <a:schemeClr val="accent1"/>
+          </a:effectRef>
+          <a:fontRef idx="minor">
+            <a:schemeClr val="tx1"/>
+          </a:fontRef>
+        </p:style>
+      </p:cxnSp>
+      <p:sp>
+        <p:nvSpPr>
+          <p:cNvPr id="40" name="TextBox 39"/>
+          <p:cNvSpPr txBox="1"/>
+          <p:nvPr/>
+        </p:nvSpPr>
+        <p:spPr>
+          <a:xfrm>
+            <a:off x="365760" y="3589097"/>
+            <a:ext cx="1828800" cy="261610"/>
+          </a:xfrm>
+          <a:prstGeom prst="rect">
+            <a:avLst/>
+          </a:prstGeom>
+          <a:noFill/>
+        </p:spPr>
+        <p:txBody>
+          <a:bodyPr wrap="square" anchor="t">
+            <a:spAutoFit/>
+          </a:bodyPr>
+          <a:lstStyle/>
+          <a:p>
+            <a:pPr algn="l"/>
+            <a:r>
+              <a:rPr sz="1100" b="1" dirty="0">
+                <a:solidFill>
+                  <a:srgbClr val="404040"/>
+                </a:solidFill>
+                <a:latin typeface="Calibri"/>
+              </a:rPr>
+              <a:t>LEGEND</a:t>
+            </a:r>
+          </a:p>
+        </p:txBody>
+      </p:sp>
+      <p:sp>
+        <p:nvSpPr>
+          <p:cNvPr id="41" name="Can 40"/>
+          <p:cNvSpPr/>
+          <p:nvPr/>
+        </p:nvSpPr>
+        <p:spPr>
+          <a:xfrm>
+            <a:off x="457200" y="4032104"/>
+            <a:ext cx="365760" cy="274320"/>
+          </a:xfrm>
+          <a:prstGeom prst="can">
+            <a:avLst/>
+          </a:prstGeom>
+          <a:solidFill>
+            <a:srgbClr val="C0C0C0"/>
+          </a:solidFill>
+          <a:ln w="12700">
+            <a:solidFill>
+              <a:srgbClr val="404040"/>
+            </a:solidFill>
+          </a:ln>
+        </p:spPr>
+        <p:style>
+          <a:lnRef idx="1">
+            <a:schemeClr val="accent1"/>
+          </a:lnRef>
+          <a:fillRef idx="3">
+            <a:schemeClr val="accent1"/>
+          </a:fillRef>
+          <a:effectRef idx="2">
+            <a:schemeClr val="accent1"/>
+          </a:effectRef>
+          <a:fontRef idx="minor">
+            <a:schemeClr val="lt1"/>
+          </a:fontRef>
+        </p:style>
+        <p:txBody>
+          <a:bodyPr wrap="square" rtlCol="0" anchor="ctr"/>
+          <a:lstStyle/>
+          <a:p>
+            <a:pPr algn="ctr"/>
+            <a:endParaRPr sz="1100"/>
+          </a:p>
+        </p:txBody>
+      </p:sp>
+      <p:sp>
+        <p:nvSpPr>
+          <p:cNvPr id="42" name="TextBox 41"/>
+          <p:cNvSpPr txBox="1"/>
+          <p:nvPr/>
+        </p:nvSpPr>
+        <p:spPr>
+          <a:xfrm>
+            <a:off x="868680" y="4050392"/>
+            <a:ext cx="1097280" cy="261610"/>
+          </a:xfrm>
+          <a:prstGeom prst="rect">
+            <a:avLst/>
+          </a:prstGeom>
+          <a:noFill/>
+        </p:spPr>
+        <p:txBody>
+          <a:bodyPr wrap="square" anchor="t">
+            <a:spAutoFit/>
+          </a:bodyPr>
+          <a:lstStyle/>
+          <a:p>
+            <a:pPr algn="l"/>
+            <a:r>
+              <a:rPr sz="1100" b="0">
+                <a:solidFill>
+                  <a:srgbClr val="404040"/>
+                </a:solidFill>
+                <a:latin typeface="Calibri"/>
+              </a:rPr>
+              <a:t>= Data Store</a:t>
+            </a:r>
+          </a:p>
+        </p:txBody>
+      </p:sp>
+      <p:sp>
+        <p:nvSpPr>
+          <p:cNvPr id="43" name="Rectangle 42"/>
+          <p:cNvSpPr/>
+          <p:nvPr/>
+        </p:nvSpPr>
+        <p:spPr>
+          <a:xfrm>
+            <a:off x="2103120" y="4032104"/>
+            <a:ext cx="365760" cy="274320"/>
+          </a:xfrm>
+          <a:prstGeom prst="rect">
+            <a:avLst/>
+          </a:prstGeom>
+          <a:solidFill>
+            <a:srgbClr val="DCE6F0"/>
+          </a:solidFill>
+          <a:ln w="12700">
+            <a:solidFill>
+              <a:srgbClr val="404040"/>
+            </a:solidFill>
+          </a:ln>
+        </p:spPr>
+        <p:style>
+          <a:lnRef idx="1">
+            <a:schemeClr val="accent1"/>
+          </a:lnRef>
+          <a:fillRef idx="3">
+            <a:schemeClr val="accent1"/>
+          </a:fillRef>
+          <a:effectRef idx="2">
+            <a:schemeClr val="accent1"/>
+          </a:effectRef>
+          <a:fontRef idx="minor">
+            <a:schemeClr val="lt1"/>
+          </a:fontRef>
+        </p:style>
+        <p:txBody>
+          <a:bodyPr wrap="square" rtlCol="0" anchor="ctr"/>
+          <a:lstStyle/>
+          <a:p>
+            <a:pPr algn="ctr"/>
+            <a:endParaRPr sz="1100"/>
+          </a:p>
+        </p:txBody>
+      </p:sp>
+      <p:sp>
+        <p:nvSpPr>
+          <p:cNvPr id="44" name="TextBox 43"/>
+          <p:cNvSpPr txBox="1"/>
+          <p:nvPr/>
+        </p:nvSpPr>
+        <p:spPr>
+          <a:xfrm>
+            <a:off x="2514600" y="4050392"/>
+            <a:ext cx="1371600" cy="261610"/>
+          </a:xfrm>
+          <a:prstGeom prst="rect">
+            <a:avLst/>
+          </a:prstGeom>
+          <a:noFill/>
+        </p:spPr>
+        <p:txBody>
+          <a:bodyPr wrap="square" anchor="t">
+            <a:spAutoFit/>
+          </a:bodyPr>
+          <a:lstStyle/>
+          <a:p>
+            <a:pPr algn="l"/>
+            <a:r>
+              <a:rPr sz="1100" b="0">
+                <a:solidFill>
+                  <a:srgbClr val="404040"/>
+                </a:solidFill>
+                <a:latin typeface="Calibri"/>
+              </a:rPr>
+              <a:t>= Processing Module</a:t>
+            </a:r>
+          </a:p>
+        </p:txBody>
+      </p:sp>
+      <p:sp>
+        <p:nvSpPr>
+          <p:cNvPr id="45" name="Hexagon 44"/>
+          <p:cNvSpPr/>
+          <p:nvPr/>
+        </p:nvSpPr>
+        <p:spPr>
+          <a:xfrm>
+            <a:off x="4114800" y="4032104"/>
+            <a:ext cx="365760" cy="274320"/>
+          </a:xfrm>
+          <a:prstGeom prst="hexagon">
+            <a:avLst/>
+          </a:prstGeom>
+          <a:solidFill>
+            <a:srgbClr val="FFF0C8"/>
+          </a:solidFill>
+          <a:ln w="12700">
+            <a:solidFill>
+              <a:srgbClr val="404040"/>
+            </a:solidFill>
+          </a:ln>
+        </p:spPr>
+        <p:style>
+          <a:lnRef idx="1">
+            <a:schemeClr val="accent1"/>
+          </a:lnRef>
+          <a:fillRef idx="3">
+            <a:schemeClr val="accent1"/>
+          </a:fillRef>
+          <a:effectRef idx="2">
+            <a:schemeClr val="accent1"/>
+          </a:effectRef>
+          <a:fontRef idx="minor">
+            <a:schemeClr val="lt1"/>
+          </a:fontRef>
+        </p:style>
+        <p:txBody>
+          <a:bodyPr wrap="square" rtlCol="0" anchor="ctr"/>
+          <a:lstStyle/>
+          <a:p>
+            <a:pPr algn="ctr"/>
+            <a:endParaRPr sz="1100"/>
+          </a:p>
+        </p:txBody>
+      </p:sp>
+      <p:sp>
+        <p:nvSpPr>
+          <p:cNvPr id="46" name="TextBox 45"/>
+          <p:cNvSpPr txBox="1"/>
+          <p:nvPr/>
+        </p:nvSpPr>
+        <p:spPr>
+          <a:xfrm>
+            <a:off x="4526280" y="4050392"/>
+            <a:ext cx="1371600" cy="261610"/>
+          </a:xfrm>
+          <a:prstGeom prst="rect">
+            <a:avLst/>
+          </a:prstGeom>
+          <a:noFill/>
+        </p:spPr>
+        <p:txBody>
+          <a:bodyPr wrap="square" anchor="t">
+            <a:spAutoFit/>
+          </a:bodyPr>
+          <a:lstStyle/>
+          <a:p>
+            <a:pPr algn="l"/>
+            <a:r>
+              <a:rPr sz="1100" b="0">
+                <a:solidFill>
+                  <a:srgbClr val="404040"/>
+                </a:solidFill>
+                <a:latin typeface="Calibri"/>
+              </a:rPr>
+              <a:t>= External System</a:t>
+            </a:r>
+          </a:p>
+        </p:txBody>
+      </p:sp>
+      <p:sp>
+        <p:nvSpPr>
+          <p:cNvPr id="47" name="Parallelogram 46"/>
+          <p:cNvSpPr/>
+          <p:nvPr/>
+        </p:nvSpPr>
+        <p:spPr>
+          <a:xfrm>
+            <a:off x="5943600" y="4032104"/>
+            <a:ext cx="365760" cy="274320"/>
+          </a:xfrm>
+          <a:prstGeom prst="parallelogram">
+            <a:avLst/>
+          </a:prstGeom>
+          <a:solidFill>
+            <a:srgbClr val="DCF0DC"/>
+          </a:solidFill>
+          <a:ln w="12700">
+            <a:solidFill>
+              <a:srgbClr val="404040"/>
+            </a:solidFill>
+          </a:ln>
+        </p:spPr>
+        <p:style>
+          <a:lnRef idx="1">
+            <a:schemeClr val="accent1"/>
+          </a:lnRef>
+          <a:fillRef idx="3">
+            <a:schemeClr val="accent1"/>
+          </a:fillRef>
+          <a:effectRef idx="2">
+            <a:schemeClr val="accent1"/>
+          </a:effectRef>
+          <a:fontRef idx="minor">
+            <a:schemeClr val="lt1"/>
+          </a:fontRef>
+        </p:style>
+        <p:txBody>
+          <a:bodyPr wrap="square" rtlCol="0" anchor="ctr"/>
+          <a:lstStyle/>
+          <a:p>
+            <a:pPr algn="ctr"/>
+            <a:endParaRPr sz="1100"/>
+          </a:p>
+        </p:txBody>
+      </p:sp>
+      <p:sp>
+        <p:nvSpPr>
+          <p:cNvPr id="48" name="TextBox 47"/>
+          <p:cNvSpPr txBox="1"/>
+          <p:nvPr/>
+        </p:nvSpPr>
+        <p:spPr>
+          <a:xfrm>
+            <a:off x="6355080" y="3953820"/>
+            <a:ext cx="1097280" cy="430887"/>
+          </a:xfrm>
+          <a:prstGeom prst="rect">
+            <a:avLst/>
+          </a:prstGeom>
+          <a:noFill/>
+        </p:spPr>
+        <p:txBody>
+          <a:bodyPr wrap="square" anchor="t">
+            <a:spAutoFit/>
+          </a:bodyPr>
+          <a:lstStyle/>
+          <a:p>
+            <a:pPr algn="l"/>
+            <a:r>
+              <a:rPr sz="1100" b="0" dirty="0">
+                <a:solidFill>
+                  <a:srgbClr val="404040"/>
+                </a:solidFill>
+                <a:latin typeface="Calibri"/>
+              </a:rPr>
+              <a:t>= Output Artifact</a:t>
+            </a:r>
+          </a:p>
+        </p:txBody>
+      </p:sp>
+      <p:sp>
+        <p:nvSpPr>
+          <p:cNvPr id="49" name="TextBox 48"/>
+          <p:cNvSpPr txBox="1"/>
+          <p:nvPr/>
+        </p:nvSpPr>
+        <p:spPr>
+          <a:xfrm>
+            <a:off x="6903720" y="4863807"/>
+            <a:ext cx="3931920" cy="1600438"/>
+          </a:xfrm>
+          <a:prstGeom prst="rect">
+            <a:avLst/>
+          </a:prstGeom>
+          <a:noFill/>
+        </p:spPr>
+        <p:txBody>
+          <a:bodyPr wrap="square" anchor="t">
+            <a:spAutoFit/>
+          </a:bodyPr>
+          <a:lstStyle/>
+          <a:p>
+            <a:pPr algn="l"/>
+            <a:r>
+              <a:rPr sz="1400" b="0" dirty="0">
+                <a:solidFill>
+                  <a:srgbClr val="404040"/>
+                </a:solidFill>
+                <a:latin typeface="Calibri"/>
+              </a:rPr>
+              <a:t>RUNTIME TRIGGER: User initiates discovery → System runs 1-20 cycles → Each cycle:</a:t>
+            </a:r>
+          </a:p>
+          <a:p>
+            <a:pPr algn="l"/>
+            <a:r>
+              <a:rPr sz="1400" b="0" dirty="0">
+                <a:solidFill>
+                  <a:srgbClr val="404040"/>
+                </a:solidFill>
+                <a:latin typeface="Calibri"/>
+              </a:rPr>
+              <a:t>1) Generates </a:t>
+            </a:r>
+            <a:r>
+              <a:rPr lang="en-US" sz="1400" b="0" dirty="0">
+                <a:solidFill>
+                  <a:srgbClr val="404040"/>
+                </a:solidFill>
+                <a:latin typeface="Calibri"/>
+              </a:rPr>
+              <a:t>or takes user </a:t>
+            </a:r>
+            <a:r>
+              <a:rPr sz="1400" b="0" dirty="0">
+                <a:solidFill>
+                  <a:srgbClr val="404040"/>
+                </a:solidFill>
+                <a:latin typeface="Calibri"/>
+              </a:rPr>
+              <a:t>questions  2) Runs statistical tests  3) Searches literature (optional)</a:t>
+            </a:r>
+          </a:p>
+          <a:p>
+            <a:pPr algn="l"/>
+            <a:r>
+              <a:rPr sz="1400" b="0" dirty="0">
+                <a:solidFill>
+                  <a:srgbClr val="404040"/>
+                </a:solidFill>
+                <a:latin typeface="Calibri"/>
+              </a:rPr>
+              <a:t>4) Synthesizes discoveries</a:t>
+            </a:r>
+            <a:r>
+              <a:rPr lang="en-US" sz="1400" b="0" dirty="0">
+                <a:solidFill>
+                  <a:srgbClr val="404040"/>
+                </a:solidFill>
+                <a:latin typeface="Calibri"/>
+              </a:rPr>
+              <a:t>, weighs against world model</a:t>
+            </a:r>
+            <a:r>
+              <a:rPr sz="1400" b="0" dirty="0">
+                <a:solidFill>
+                  <a:srgbClr val="404040"/>
+                </a:solidFill>
+                <a:latin typeface="Calibri"/>
+              </a:rPr>
+              <a:t>  5) Updates world model  6) Produces reports</a:t>
+            </a:r>
+            <a:r>
+              <a:rPr lang="en-US" sz="1400" b="0" dirty="0">
+                <a:solidFill>
+                  <a:srgbClr val="404040"/>
+                </a:solidFill>
+                <a:latin typeface="Calibri"/>
+              </a:rPr>
+              <a:t> 7) accepts user feedback</a:t>
+            </a:r>
+            <a:endParaRPr sz="1400" b="0" dirty="0">
+              <a:solidFill>
+                <a:srgbClr val="404040"/>
+              </a:solidFill>
+              <a:latin typeface="Calibri"/>
+            </a:endParaRPr>
+          </a:p>
+        </p:txBody>
+      </p:sp>
+      <p:sp>
+        <p:nvSpPr>
+          <p:cNvPr id="50" name="Left Brace 49">
+            <a:extLst>
+              <a:ext uri="{FF2B5EF4-FFF2-40B4-BE49-F238E27FC236}">
+                <a16:creationId xmlns:a16="http://schemas.microsoft.com/office/drawing/2014/main" id="{FE3CDF65-F8AE-83C6-C15B-07F55B7608B0}"/>
+              </a:ext>
+            </a:extLst>
+          </p:cNvPr>
+          <p:cNvSpPr/>
+          <p:nvPr/>
+        </p:nvSpPr>
+        <p:spPr>
+          <a:xfrm>
+            <a:off x="2924991" y="2606040"/>
+            <a:ext cx="502919" cy="685800"/>
+          </a:xfrm>
+          <a:prstGeom prst="leftBrace">
+            <a:avLst/>
+          </a:prstGeom>
+        </p:spPr>
+        <p:style>
+          <a:lnRef idx="2">
+            <a:schemeClr val="accent1"/>
+          </a:lnRef>
+          <a:fillRef idx="0">
+            <a:schemeClr val="accent1"/>
+          </a:fillRef>
+          <a:effectRef idx="1">
+            <a:schemeClr val="accent1"/>
+          </a:effectRef>
+          <a:fontRef idx="minor">
+            <a:schemeClr val="tx1"/>
+          </a:fontRef>
+        </p:style>
+        <p:txBody>
+          <a:bodyPr rtlCol="0" anchor="ctr"/>
+          <a:lstStyle/>
+          <a:p>
+            <a:pPr algn="ctr"/>
+            <a:endParaRPr lang="en-US" sz="1000" b="1"/>
+          </a:p>
+        </p:txBody>
+      </p:sp>
+      <p:cxnSp>
+        <p:nvCxnSpPr>
+          <p:cNvPr id="52" name="Connector 30">
+            <a:extLst>
+              <a:ext uri="{FF2B5EF4-FFF2-40B4-BE49-F238E27FC236}">
+                <a16:creationId xmlns:a16="http://schemas.microsoft.com/office/drawing/2014/main" id="{C2AC0BDA-32EF-9A45-628B-56307D18D616}"/>
+              </a:ext>
+            </a:extLst>
+          </p:cNvPr>
+          <p:cNvCxnSpPr>
+            <a:cxnSpLocks/>
+            <a:endCxn id="16" idx="1"/>
+          </p:cNvCxnSpPr>
+          <p:nvPr/>
+        </p:nvCxnSpPr>
+        <p:spPr>
+          <a:xfrm>
+            <a:off x="6149340" y="2948940"/>
+            <a:ext cx="1074420" cy="342900"/>
+          </a:xfrm>
+          <a:prstGeom prst="line">
+            <a:avLst/>
+          </a:prstGeom>
+          <a:ln w="19050">
+            <a:solidFill>
+              <a:srgbClr val="404040"/>
+            </a:solidFill>
+          </a:ln>
+        </p:spPr>
+        <p:style>
+          <a:lnRef idx="2">
+            <a:schemeClr val="accent1"/>
+          </a:lnRef>
+          <a:fillRef idx="0">
+            <a:schemeClr val="accent1"/>
+          </a:fillRef>
+          <a:effectRef idx="1">
+            <a:schemeClr val="accent1"/>
+          </a:effectRef>
+          <a:fontRef idx="minor">
+            <a:schemeClr val="tx1"/>
+          </a:fontRef>
+        </p:style>
+      </p:cxnSp>
       <p:pic>
         <p:nvPicPr>
-          <p:cNvPr id="4" name="Picture 3" descr="architecture_diagram.png"/>
+          <p:cNvPr id="62" name="Picture 61">
+            <a:extLst>
+              <a:ext uri="{FF2B5EF4-FFF2-40B4-BE49-F238E27FC236}">
+                <a16:creationId xmlns:a16="http://schemas.microsoft.com/office/drawing/2014/main" id="{64B03F31-23B3-FF16-64D0-B46A0E029B34}"/>
+              </a:ext>
+            </a:extLst>
+          </p:cNvPr>
           <p:cNvPicPr>
             <a:picLocks noChangeAspect="1"/>
           </p:cNvPicPr>
@@ -3682,8 +4899,8 @@
         </p:blipFill>
         <p:spPr>
           <a:xfrm>
-            <a:off x="457200" y="1371600"/>
-            <a:ext cx="13716000" cy="7667938"/>
+            <a:off x="365760" y="4855064"/>
+            <a:ext cx="5931603" cy="1728616"/>
           </a:xfrm>
           <a:prstGeom prst="rect">
             <a:avLst/>
@@ -3699,15 +4916,260 @@
 </file>
 
 <file path=ppt/slides/slide2.xml><?xml version="1.0" encoding="utf-8"?>
-<p:sld xmlns:a="http://schemas.openxmlformats.org/drawingml/2006/main" xmlns:p="http://schemas.openxmlformats.org/presentationml/2006/main" xmlns:r="http://schemas.openxmlformats.org/officeDocument/2006/relationships">
+<p:sld xmlns:a="http://schemas.openxmlformats.org/drawingml/2006/main" xmlns:r="http://schemas.openxmlformats.org/officeDocument/2006/relationships" xmlns:p="http://schemas.openxmlformats.org/presentationml/2006/main">
   <p:cSld>
+    <p:bg>
+      <p:bgPr>
+        <a:solidFill>
+          <a:srgbClr val="FFFFFF"/>
+        </a:solidFill>
+        <a:effectLst/>
+      </p:bgPr>
+    </p:bg>
     <p:spTree>
       <p:nvGrpSpPr>
         <p:cNvPr id="1" name=""/>
         <p:cNvGrpSpPr/>
         <p:nvPr/>
       </p:nvGrpSpPr>
-      <p:grpSpPr/>
+      <p:grpSpPr>
+        <a:xfrm>
+          <a:off x="0" y="0"/>
+          <a:ext cx="0" cy="0"/>
+          <a:chOff x="0" y="0"/>
+          <a:chExt cx="0" cy="0"/>
+        </a:xfrm>
+      </p:grpSpPr>
+      <p:sp>
+        <p:nvSpPr>
+          <p:cNvPr id="12" name="Rectangle 11"/>
+          <p:cNvSpPr/>
+          <p:nvPr/>
+        </p:nvSpPr>
+        <p:spPr>
+          <a:xfrm>
+            <a:off x="9875520" y="914400"/>
+            <a:ext cx="2011680" cy="274320"/>
+          </a:xfrm>
+          <a:prstGeom prst="rect">
+            <a:avLst/>
+          </a:prstGeom>
+          <a:solidFill>
+            <a:srgbClr val="002060"/>
+          </a:solidFill>
+          <a:ln>
+            <a:solidFill>
+              <a:srgbClr val="FFFFFF"/>
+            </a:solidFill>
+          </a:ln>
+        </p:spPr>
+        <p:style>
+          <a:lnRef idx="1">
+            <a:schemeClr val="accent1"/>
+          </a:lnRef>
+          <a:fillRef idx="3">
+            <a:schemeClr val="accent1"/>
+          </a:fillRef>
+          <a:effectRef idx="2">
+            <a:schemeClr val="accent1"/>
+          </a:effectRef>
+          <a:fontRef idx="minor">
+            <a:schemeClr val="lt1"/>
+          </a:fontRef>
+        </p:style>
+        <p:txBody>
+          <a:bodyPr rtlCol="0" anchor="ctr"/>
+          <a:lstStyle/>
+          <a:p>
+            <a:pPr algn="ctr"/>
+            <a:endParaRPr/>
+          </a:p>
+        </p:txBody>
+      </p:sp>
+      <p:sp>
+        <p:nvSpPr>
+          <p:cNvPr id="10" name="Rectangle 9"/>
+          <p:cNvSpPr/>
+          <p:nvPr/>
+        </p:nvSpPr>
+        <p:spPr>
+          <a:xfrm>
+            <a:off x="7315200" y="914400"/>
+            <a:ext cx="2560320" cy="274320"/>
+          </a:xfrm>
+          <a:prstGeom prst="rect">
+            <a:avLst/>
+          </a:prstGeom>
+          <a:solidFill>
+            <a:srgbClr val="002060"/>
+          </a:solidFill>
+          <a:ln>
+            <a:solidFill>
+              <a:srgbClr val="FFFFFF"/>
+            </a:solidFill>
+          </a:ln>
+        </p:spPr>
+        <p:style>
+          <a:lnRef idx="1">
+            <a:schemeClr val="accent1"/>
+          </a:lnRef>
+          <a:fillRef idx="3">
+            <a:schemeClr val="accent1"/>
+          </a:fillRef>
+          <a:effectRef idx="2">
+            <a:schemeClr val="accent1"/>
+          </a:effectRef>
+          <a:fontRef idx="minor">
+            <a:schemeClr val="lt1"/>
+          </a:fontRef>
+        </p:style>
+        <p:txBody>
+          <a:bodyPr rtlCol="0" anchor="ctr"/>
+          <a:lstStyle/>
+          <a:p>
+            <a:pPr algn="ctr"/>
+            <a:endParaRPr/>
+          </a:p>
+        </p:txBody>
+      </p:sp>
+      <p:sp>
+        <p:nvSpPr>
+          <p:cNvPr id="8" name="Rectangle 7"/>
+          <p:cNvSpPr/>
+          <p:nvPr/>
+        </p:nvSpPr>
+        <p:spPr>
+          <a:xfrm>
+            <a:off x="4754880" y="914400"/>
+            <a:ext cx="2560320" cy="274320"/>
+          </a:xfrm>
+          <a:prstGeom prst="rect">
+            <a:avLst/>
+          </a:prstGeom>
+          <a:solidFill>
+            <a:srgbClr val="002060"/>
+          </a:solidFill>
+          <a:ln>
+            <a:solidFill>
+              <a:srgbClr val="FFFFFF"/>
+            </a:solidFill>
+          </a:ln>
+        </p:spPr>
+        <p:style>
+          <a:lnRef idx="1">
+            <a:schemeClr val="accent1"/>
+          </a:lnRef>
+          <a:fillRef idx="3">
+            <a:schemeClr val="accent1"/>
+          </a:fillRef>
+          <a:effectRef idx="2">
+            <a:schemeClr val="accent1"/>
+          </a:effectRef>
+          <a:fontRef idx="minor">
+            <a:schemeClr val="lt1"/>
+          </a:fontRef>
+        </p:style>
+        <p:txBody>
+          <a:bodyPr rtlCol="0" anchor="ctr"/>
+          <a:lstStyle/>
+          <a:p>
+            <a:pPr algn="ctr"/>
+            <a:endParaRPr/>
+          </a:p>
+        </p:txBody>
+      </p:sp>
+      <p:sp>
+        <p:nvSpPr>
+          <p:cNvPr id="6" name="Rectangle 5"/>
+          <p:cNvSpPr/>
+          <p:nvPr/>
+        </p:nvSpPr>
+        <p:spPr>
+          <a:xfrm>
+            <a:off x="2743200" y="914400"/>
+            <a:ext cx="2011680" cy="274320"/>
+          </a:xfrm>
+          <a:prstGeom prst="rect">
+            <a:avLst/>
+          </a:prstGeom>
+          <a:solidFill>
+            <a:srgbClr val="002060"/>
+          </a:solidFill>
+          <a:ln>
+            <a:solidFill>
+              <a:srgbClr val="FFFFFF"/>
+            </a:solidFill>
+          </a:ln>
+        </p:spPr>
+        <p:style>
+          <a:lnRef idx="1">
+            <a:schemeClr val="accent1"/>
+          </a:lnRef>
+          <a:fillRef idx="3">
+            <a:schemeClr val="accent1"/>
+          </a:fillRef>
+          <a:effectRef idx="2">
+            <a:schemeClr val="accent1"/>
+          </a:effectRef>
+          <a:fontRef idx="minor">
+            <a:schemeClr val="lt1"/>
+          </a:fontRef>
+        </p:style>
+        <p:txBody>
+          <a:bodyPr rtlCol="0" anchor="ctr"/>
+          <a:lstStyle/>
+          <a:p>
+            <a:pPr algn="ctr"/>
+            <a:endParaRPr/>
+          </a:p>
+        </p:txBody>
+      </p:sp>
+      <p:sp>
+        <p:nvSpPr>
+          <p:cNvPr id="4" name="Rectangle 3"/>
+          <p:cNvSpPr/>
+          <p:nvPr/>
+        </p:nvSpPr>
+        <p:spPr>
+          <a:xfrm>
+            <a:off x="457200" y="914400"/>
+            <a:ext cx="2286000" cy="274320"/>
+          </a:xfrm>
+          <a:prstGeom prst="rect">
+            <a:avLst/>
+          </a:prstGeom>
+          <a:solidFill>
+            <a:srgbClr val="002060"/>
+          </a:solidFill>
+          <a:ln>
+            <a:solidFill>
+              <a:srgbClr val="FFFFFF"/>
+            </a:solidFill>
+          </a:ln>
+        </p:spPr>
+        <p:style>
+          <a:lnRef idx="1">
+            <a:schemeClr val="accent1"/>
+          </a:lnRef>
+          <a:fillRef idx="3">
+            <a:schemeClr val="accent1"/>
+          </a:fillRef>
+          <a:effectRef idx="2">
+            <a:schemeClr val="accent1"/>
+          </a:effectRef>
+          <a:fontRef idx="minor">
+            <a:schemeClr val="lt1"/>
+          </a:fontRef>
+        </p:style>
+        <p:txBody>
+          <a:bodyPr rtlCol="0" anchor="ctr"/>
+          <a:lstStyle/>
+          <a:p>
+            <a:pPr algn="ctr"/>
+            <a:endParaRPr/>
+          </a:p>
+        </p:txBody>
+      </p:sp>
       <p:sp>
         <p:nvSpPr>
           <p:cNvPr id="2" name="TextBox 1"/>
@@ -3717,7 +5179,7 @@
         <p:spPr>
           <a:xfrm>
             <a:off x="457200" y="274320"/>
-            <a:ext cx="13716000" cy="457200"/>
+            <a:ext cx="10972800" cy="365760"/>
           </a:xfrm>
           <a:prstGeom prst="rect">
             <a:avLst/>
@@ -3725,20 +5187,20 @@
           <a:noFill/>
         </p:spPr>
         <p:txBody>
-          <a:bodyPr wrap="none">
+          <a:bodyPr wrap="square" anchor="t">
             <a:spAutoFit/>
           </a:bodyPr>
           <a:lstStyle/>
           <a:p>
-            <a:pPr>
-              <a:defRPr sz="2800" b="1">
-                <a:solidFill>
-                  <a:srgbClr val="2C3E50"/>
-                </a:solidFill>
-              </a:defRPr>
-            </a:pPr>
-            <a:r>
-              <a:t>Appendix A: Component Details</a:t>
+            <a:pPr algn="l"/>
+            <a:r>
+              <a:rPr sz="2200" b="1">
+                <a:solidFill>
+                  <a:srgbClr val="002060"/>
+                </a:solidFill>
+                <a:latin typeface="Calibri"/>
+              </a:rPr>
+              <a:t>Appendix: Component Details</a:t>
             </a:r>
           </a:p>
         </p:txBody>
@@ -3752,7 +5214,7 @@
         <p:spPr>
           <a:xfrm>
             <a:off x="457200" y="914400"/>
-            <a:ext cx="13716000" cy="274320"/>
+            <a:ext cx="2286000" cy="274320"/>
           </a:xfrm>
           <a:prstGeom prst="rect">
             <a:avLst/>
@@ -3760,34 +5222,34 @@
           <a:noFill/>
         </p:spPr>
         <p:txBody>
-          <a:bodyPr wrap="none">
+          <a:bodyPr wrap="square" anchor="t">
             <a:spAutoFit/>
           </a:bodyPr>
           <a:lstStyle/>
           <a:p>
-            <a:pPr>
-              <a:defRPr sz="1400" b="1">
-                <a:solidFill>
-                  <a:srgbClr val="3498DB"/>
-                </a:solidFill>
-              </a:defRPr>
-            </a:pPr>
-            <a:r>
-              <a:t>Sources:</a:t>
-            </a:r>
-          </a:p>
-        </p:txBody>
-      </p:sp>
-      <p:sp>
-        <p:nvSpPr>
-          <p:cNvPr id="4" name="TextBox 3"/>
+            <a:pPr algn="l"/>
+            <a:r>
+              <a:rPr sz="1000" b="1">
+                <a:solidFill>
+                  <a:srgbClr val="FFFFFF"/>
+                </a:solidFill>
+                <a:latin typeface="Calibri"/>
+              </a:rPr>
+              <a:t>Component</a:t>
+            </a:r>
+          </a:p>
+        </p:txBody>
+      </p:sp>
+      <p:sp>
+        <p:nvSpPr>
+          <p:cNvPr id="5" name="TextBox 4"/>
           <p:cNvSpPr txBox="1"/>
           <p:nvPr/>
         </p:nvSpPr>
         <p:spPr>
           <a:xfrm>
-            <a:off x="640080" y="1234440"/>
-            <a:ext cx="13258800" cy="365760"/>
+            <a:off x="2743200" y="914400"/>
+            <a:ext cx="2011680" cy="274320"/>
           </a:xfrm>
           <a:prstGeom prst="rect">
             <a:avLst/>
@@ -3795,34 +5257,34 @@
           <a:noFill/>
         </p:spPr>
         <p:txBody>
-          <a:bodyPr wrap="square">
+          <a:bodyPr wrap="square" anchor="t">
             <a:spAutoFit/>
           </a:bodyPr>
           <a:lstStyle/>
           <a:p>
-            <a:pPr>
-              <a:defRPr sz="1000">
-                <a:solidFill>
-                  <a:srgbClr val="2C3E50"/>
-                </a:solidFill>
-              </a:defRPr>
-            </a:pPr>
-            <a:r>
-              <a:t>• Customer Data CSV: User uploaded data → Customer records (demographics/transactions)</a:t>
-            </a:r>
-          </a:p>
-        </p:txBody>
-      </p:sp>
-      <p:sp>
-        <p:nvSpPr>
-          <p:cNvPr id="5" name="TextBox 4"/>
+            <a:pPr algn="l"/>
+            <a:r>
+              <a:rPr sz="1000" b="1">
+                <a:solidFill>
+                  <a:srgbClr val="FFFFFF"/>
+                </a:solidFill>
+                <a:latin typeface="Calibri"/>
+              </a:rPr>
+              <a:t>Path</a:t>
+            </a:r>
+          </a:p>
+        </p:txBody>
+      </p:sp>
+      <p:sp>
+        <p:nvSpPr>
+          <p:cNvPr id="7" name="TextBox 6"/>
           <p:cNvSpPr txBox="1"/>
           <p:nvPr/>
         </p:nvSpPr>
         <p:spPr>
           <a:xfrm>
-            <a:off x="640080" y="1645920"/>
-            <a:ext cx="13258800" cy="365760"/>
+            <a:off x="4754880" y="914400"/>
+            <a:ext cx="2560320" cy="274320"/>
           </a:xfrm>
           <a:prstGeom prst="rect">
             <a:avLst/>
@@ -3830,34 +5292,34 @@
           <a:noFill/>
         </p:spPr>
         <p:txBody>
-          <a:bodyPr wrap="square">
+          <a:bodyPr wrap="square" anchor="t">
             <a:spAutoFit/>
           </a:bodyPr>
           <a:lstStyle/>
           <a:p>
-            <a:pPr>
-              <a:defRPr sz="1000">
-                <a:solidFill>
-                  <a:srgbClr val="2C3E50"/>
-                </a:solidFill>
-              </a:defRPr>
-            </a:pPr>
-            <a:r>
-              <a:t>• Competitor Data CSV: User uploaded data → Competitor interaction data</a:t>
-            </a:r>
-          </a:p>
-        </p:txBody>
-      </p:sp>
-      <p:sp>
-        <p:nvSpPr>
-          <p:cNvPr id="6" name="TextBox 5"/>
+            <a:pPr algn="l"/>
+            <a:r>
+              <a:rPr sz="1000" b="1">
+                <a:solidFill>
+                  <a:srgbClr val="FFFFFF"/>
+                </a:solidFill>
+                <a:latin typeface="Calibri"/>
+              </a:rPr>
+              <a:t>Key Functions</a:t>
+            </a:r>
+          </a:p>
+        </p:txBody>
+      </p:sp>
+      <p:sp>
+        <p:nvSpPr>
+          <p:cNvPr id="9" name="TextBox 8"/>
           <p:cNvSpPr txBox="1"/>
           <p:nvPr/>
         </p:nvSpPr>
         <p:spPr>
           <a:xfrm>
-            <a:off x="640080" y="2057400"/>
-            <a:ext cx="13258800" cy="365760"/>
+            <a:off x="7315200" y="914400"/>
+            <a:ext cx="2560320" cy="274320"/>
           </a:xfrm>
           <a:prstGeom prst="rect">
             <a:avLst/>
@@ -3865,34 +5327,34 @@
           <a:noFill/>
         </p:spPr>
         <p:txBody>
-          <a:bodyPr wrap="square">
+          <a:bodyPr wrap="square" anchor="t">
             <a:spAutoFit/>
           </a:bodyPr>
           <a:lstStyle/>
           <a:p>
-            <a:pPr>
-              <a:defRPr sz="1000">
-                <a:solidFill>
-                  <a:srgbClr val="2C3E50"/>
-                </a:solidFill>
-              </a:defRPr>
-            </a:pPr>
-            <a:r>
-              <a:t>• Literature Files: Research papers → Full-text paper content</a:t>
-            </a:r>
-          </a:p>
-        </p:txBody>
-      </p:sp>
-      <p:sp>
-        <p:nvSpPr>
-          <p:cNvPr id="7" name="TextBox 6"/>
+            <a:pPr algn="l"/>
+            <a:r>
+              <a:rPr sz="1000" b="1">
+                <a:solidFill>
+                  <a:srgbClr val="FFFFFF"/>
+                </a:solidFill>
+                <a:latin typeface="Calibri"/>
+              </a:rPr>
+              <a:t>Inputs</a:t>
+            </a:r>
+          </a:p>
+        </p:txBody>
+      </p:sp>
+      <p:sp>
+        <p:nvSpPr>
+          <p:cNvPr id="11" name="TextBox 10"/>
           <p:cNvSpPr txBox="1"/>
           <p:nvPr/>
         </p:nvSpPr>
         <p:spPr>
           <a:xfrm>
-            <a:off x="457200" y="2468880"/>
-            <a:ext cx="13716000" cy="274320"/>
+            <a:off x="9875520" y="914400"/>
+            <a:ext cx="2011680" cy="274320"/>
           </a:xfrm>
           <a:prstGeom prst="rect">
             <a:avLst/>
@@ -3900,34 +5362,80 @@
           <a:noFill/>
         </p:spPr>
         <p:txBody>
-          <a:bodyPr wrap="none">
+          <a:bodyPr wrap="square" anchor="t">
             <a:spAutoFit/>
           </a:bodyPr>
           <a:lstStyle/>
           <a:p>
-            <a:pPr>
-              <a:defRPr sz="1400" b="1">
-                <a:solidFill>
-                  <a:srgbClr val="3498DB"/>
-                </a:solidFill>
-              </a:defRPr>
-            </a:pPr>
-            <a:r>
-              <a:t>Processing:</a:t>
-            </a:r>
-          </a:p>
-        </p:txBody>
-      </p:sp>
-      <p:sp>
-        <p:nvSpPr>
-          <p:cNvPr id="8" name="TextBox 7"/>
+            <a:pPr algn="l"/>
+            <a:r>
+              <a:rPr sz="1000" b="1">
+                <a:solidFill>
+                  <a:srgbClr val="FFFFFF"/>
+                </a:solidFill>
+                <a:latin typeface="Calibri"/>
+              </a:rPr>
+              <a:t>Outputs</a:t>
+            </a:r>
+          </a:p>
+        </p:txBody>
+      </p:sp>
+      <p:sp>
+        <p:nvSpPr>
+          <p:cNvPr id="13" name="Rectangle 12"/>
+          <p:cNvSpPr/>
+          <p:nvPr/>
+        </p:nvSpPr>
+        <p:spPr>
+          <a:xfrm>
+            <a:off x="457200" y="1234440"/>
+            <a:ext cx="2286000" cy="548640"/>
+          </a:xfrm>
+          <a:prstGeom prst="rect">
+            <a:avLst/>
+          </a:prstGeom>
+          <a:solidFill>
+            <a:srgbClr val="FAFAFA"/>
+          </a:solidFill>
+          <a:ln>
+            <a:solidFill>
+              <a:srgbClr val="C0C0C0"/>
+            </a:solidFill>
+          </a:ln>
+        </p:spPr>
+        <p:style>
+          <a:lnRef idx="1">
+            <a:schemeClr val="accent1"/>
+          </a:lnRef>
+          <a:fillRef idx="3">
+            <a:schemeClr val="accent1"/>
+          </a:fillRef>
+          <a:effectRef idx="2">
+            <a:schemeClr val="accent1"/>
+          </a:effectRef>
+          <a:fontRef idx="minor">
+            <a:schemeClr val="lt1"/>
+          </a:fontRef>
+        </p:style>
+        <p:txBody>
+          <a:bodyPr rtlCol="0" anchor="ctr"/>
+          <a:lstStyle/>
+          <a:p>
+            <a:pPr algn="ctr"/>
+            <a:endParaRPr/>
+          </a:p>
+        </p:txBody>
+      </p:sp>
+      <p:sp>
+        <p:nvSpPr>
+          <p:cNvPr id="14" name="TextBox 13"/>
           <p:cNvSpPr txBox="1"/>
           <p:nvPr/>
         </p:nvSpPr>
         <p:spPr>
           <a:xfrm>
-            <a:off x="640080" y="2788920"/>
-            <a:ext cx="13258800" cy="365760"/>
+            <a:off x="502920" y="1280160"/>
+            <a:ext cx="2194560" cy="457200"/>
           </a:xfrm>
           <a:prstGeom prst="rect">
             <a:avLst/>
@@ -3935,34 +5443,80 @@
           <a:noFill/>
         </p:spPr>
         <p:txBody>
-          <a:bodyPr wrap="square">
+          <a:bodyPr wrap="square" anchor="t">
             <a:spAutoFit/>
           </a:bodyPr>
           <a:lstStyle/>
           <a:p>
-            <a:pPr>
-              <a:defRPr sz="1000">
-                <a:solidFill>
-                  <a:srgbClr val="2C3E50"/>
-                </a:solidFill>
-              </a:defRPr>
-            </a:pPr>
-            <a:r>
-              <a:t>• Streamlit Orchestrator: User commands + data → Discovery results</a:t>
-            </a:r>
-          </a:p>
-        </p:txBody>
-      </p:sp>
-      <p:sp>
-        <p:nvSpPr>
-          <p:cNvPr id="9" name="TextBox 8"/>
+            <a:pPr algn="l"/>
+            <a:r>
+              <a:rPr sz="800" b="0">
+                <a:solidFill>
+                  <a:srgbClr val="404040"/>
+                </a:solidFill>
+                <a:latin typeface="Calibri"/>
+              </a:rPr>
+              <a:t>Streamlit UI</a:t>
+            </a:r>
+          </a:p>
+        </p:txBody>
+      </p:sp>
+      <p:sp>
+        <p:nvSpPr>
+          <p:cNvPr id="15" name="Rectangle 14"/>
+          <p:cNvSpPr/>
+          <p:nvPr/>
+        </p:nvSpPr>
+        <p:spPr>
+          <a:xfrm>
+            <a:off x="2743200" y="1234440"/>
+            <a:ext cx="2011680" cy="548640"/>
+          </a:xfrm>
+          <a:prstGeom prst="rect">
+            <a:avLst/>
+          </a:prstGeom>
+          <a:solidFill>
+            <a:srgbClr val="FAFAFA"/>
+          </a:solidFill>
+          <a:ln>
+            <a:solidFill>
+              <a:srgbClr val="C0C0C0"/>
+            </a:solidFill>
+          </a:ln>
+        </p:spPr>
+        <p:style>
+          <a:lnRef idx="1">
+            <a:schemeClr val="accent1"/>
+          </a:lnRef>
+          <a:fillRef idx="3">
+            <a:schemeClr val="accent1"/>
+          </a:fillRef>
+          <a:effectRef idx="2">
+            <a:schemeClr val="accent1"/>
+          </a:effectRef>
+          <a:fontRef idx="minor">
+            <a:schemeClr val="lt1"/>
+          </a:fontRef>
+        </p:style>
+        <p:txBody>
+          <a:bodyPr rtlCol="0" anchor="ctr"/>
+          <a:lstStyle/>
+          <a:p>
+            <a:pPr algn="ctr"/>
+            <a:endParaRPr/>
+          </a:p>
+        </p:txBody>
+      </p:sp>
+      <p:sp>
+        <p:nvSpPr>
+          <p:cNvPr id="16" name="TextBox 15"/>
           <p:cNvSpPr txBox="1"/>
           <p:nvPr/>
         </p:nvSpPr>
         <p:spPr>
           <a:xfrm>
-            <a:off x="640080" y="3200400"/>
-            <a:ext cx="13258800" cy="365760"/>
+            <a:off x="2788920" y="1280160"/>
+            <a:ext cx="1920240" cy="457200"/>
           </a:xfrm>
           <a:prstGeom prst="rect">
             <a:avLst/>
@@ -3970,34 +5524,92 @@
           <a:noFill/>
         </p:spPr>
         <p:txBody>
-          <a:bodyPr wrap="square">
+          <a:bodyPr wrap="square" anchor="t">
             <a:spAutoFit/>
           </a:bodyPr>
           <a:lstStyle/>
           <a:p>
-            <a:pPr>
-              <a:defRPr sz="1000">
-                <a:solidFill>
-                  <a:srgbClr val="2C3E50"/>
-                </a:solidFill>
-              </a:defRPr>
-            </a:pPr>
-            <a:r>
-              <a:t>• Data Loader: CSV files or generates sample → Pandas DataFrame</a:t>
-            </a:r>
-          </a:p>
-        </p:txBody>
-      </p:sp>
-      <p:sp>
-        <p:nvSpPr>
-          <p:cNvPr id="10" name="TextBox 9"/>
+            <a:pPr algn="l"/>
+            <a:r>
+              <a:rPr sz="800" b="0">
+                <a:solidFill>
+                  <a:srgbClr val="404040"/>
+                </a:solidFill>
+                <a:latin typeface="Calibri"/>
+              </a:rPr>
+              <a:t>streamlit_app_</a:t>
+            </a:r>
+          </a:p>
+          <a:p>
+            <a:pPr algn="l"/>
+            <a:r>
+              <a:rPr sz="800" b="0">
+                <a:solidFill>
+                  <a:srgbClr val="404040"/>
+                </a:solidFill>
+                <a:latin typeface="Calibri"/>
+              </a:rPr>
+              <a:t>ULTIMATE.py</a:t>
+            </a:r>
+          </a:p>
+        </p:txBody>
+      </p:sp>
+      <p:sp>
+        <p:nvSpPr>
+          <p:cNvPr id="17" name="Rectangle 16"/>
+          <p:cNvSpPr/>
+          <p:nvPr/>
+        </p:nvSpPr>
+        <p:spPr>
+          <a:xfrm>
+            <a:off x="4754880" y="1234440"/>
+            <a:ext cx="2560320" cy="548640"/>
+          </a:xfrm>
+          <a:prstGeom prst="rect">
+            <a:avLst/>
+          </a:prstGeom>
+          <a:solidFill>
+            <a:srgbClr val="FAFAFA"/>
+          </a:solidFill>
+          <a:ln>
+            <a:solidFill>
+              <a:srgbClr val="C0C0C0"/>
+            </a:solidFill>
+          </a:ln>
+        </p:spPr>
+        <p:style>
+          <a:lnRef idx="1">
+            <a:schemeClr val="accent1"/>
+          </a:lnRef>
+          <a:fillRef idx="3">
+            <a:schemeClr val="accent1"/>
+          </a:fillRef>
+          <a:effectRef idx="2">
+            <a:schemeClr val="accent1"/>
+          </a:effectRef>
+          <a:fontRef idx="minor">
+            <a:schemeClr val="lt1"/>
+          </a:fontRef>
+        </p:style>
+        <p:txBody>
+          <a:bodyPr rtlCol="0" anchor="ctr"/>
+          <a:lstStyle/>
+          <a:p>
+            <a:pPr algn="ctr"/>
+            <a:endParaRPr/>
+          </a:p>
+        </p:txBody>
+      </p:sp>
+      <p:sp>
+        <p:nvSpPr>
+          <p:cNvPr id="18" name="TextBox 17"/>
           <p:cNvSpPr txBox="1"/>
           <p:nvPr/>
         </p:nvSpPr>
         <p:spPr>
           <a:xfrm>
-            <a:off x="640080" y="3611880"/>
-            <a:ext cx="13258800" cy="365760"/>
+            <a:off x="4800600" y="1280160"/>
+            <a:ext cx="2468879" cy="457200"/>
           </a:xfrm>
           <a:prstGeom prst="rect">
             <a:avLst/>
@@ -4005,34 +5617,92 @@
           <a:noFill/>
         </p:spPr>
         <p:txBody>
-          <a:bodyPr wrap="square">
+          <a:bodyPr wrap="square" anchor="t">
             <a:spAutoFit/>
           </a:bodyPr>
           <a:lstStyle/>
           <a:p>
-            <a:pPr>
-              <a:defRPr sz="1000">
-                <a:solidFill>
-                  <a:srgbClr val="2C3E50"/>
-                </a:solidFill>
-              </a:defRPr>
-            </a:pPr>
-            <a:r>
-              <a:t>• Statistical Analysis Engine: DataFrame + research questions → Statistical results (p-values/effect sizes)</a:t>
-            </a:r>
-          </a:p>
-        </p:txBody>
-      </p:sp>
-      <p:sp>
-        <p:nvSpPr>
-          <p:cNvPr id="11" name="TextBox 10"/>
+            <a:pPr algn="l"/>
+            <a:r>
+              <a:rPr sz="800" b="0">
+                <a:solidFill>
+                  <a:srgbClr val="404040"/>
+                </a:solidFill>
+                <a:latin typeface="Calibri"/>
+              </a:rPr>
+              <a:t>main(), run_discovery_</a:t>
+            </a:r>
+          </a:p>
+          <a:p>
+            <a:pPr algn="l"/>
+            <a:r>
+              <a:rPr sz="800" b="0">
+                <a:solidFill>
+                  <a:srgbClr val="404040"/>
+                </a:solidFill>
+                <a:latin typeface="Calibri"/>
+              </a:rPr>
+              <a:t>cycle()</a:t>
+            </a:r>
+          </a:p>
+        </p:txBody>
+      </p:sp>
+      <p:sp>
+        <p:nvSpPr>
+          <p:cNvPr id="19" name="Rectangle 18"/>
+          <p:cNvSpPr/>
+          <p:nvPr/>
+        </p:nvSpPr>
+        <p:spPr>
+          <a:xfrm>
+            <a:off x="7315200" y="1234440"/>
+            <a:ext cx="2560320" cy="548640"/>
+          </a:xfrm>
+          <a:prstGeom prst="rect">
+            <a:avLst/>
+          </a:prstGeom>
+          <a:solidFill>
+            <a:srgbClr val="FAFAFA"/>
+          </a:solidFill>
+          <a:ln>
+            <a:solidFill>
+              <a:srgbClr val="C0C0C0"/>
+            </a:solidFill>
+          </a:ln>
+        </p:spPr>
+        <p:style>
+          <a:lnRef idx="1">
+            <a:schemeClr val="accent1"/>
+          </a:lnRef>
+          <a:fillRef idx="3">
+            <a:schemeClr val="accent1"/>
+          </a:fillRef>
+          <a:effectRef idx="2">
+            <a:schemeClr val="accent1"/>
+          </a:effectRef>
+          <a:fontRef idx="minor">
+            <a:schemeClr val="lt1"/>
+          </a:fontRef>
+        </p:style>
+        <p:txBody>
+          <a:bodyPr rtlCol="0" anchor="ctr"/>
+          <a:lstStyle/>
+          <a:p>
+            <a:pPr algn="ctr"/>
+            <a:endParaRPr/>
+          </a:p>
+        </p:txBody>
+      </p:sp>
+      <p:sp>
+        <p:nvSpPr>
+          <p:cNvPr id="20" name="TextBox 19"/>
           <p:cNvSpPr txBox="1"/>
           <p:nvPr/>
         </p:nvSpPr>
         <p:spPr>
           <a:xfrm>
-            <a:off x="457200" y="4023360"/>
-            <a:ext cx="13716000" cy="274320"/>
+            <a:off x="7360920" y="1280160"/>
+            <a:ext cx="2468879" cy="457200"/>
           </a:xfrm>
           <a:prstGeom prst="rect">
             <a:avLst/>
@@ -4040,34 +5710,92 @@
           <a:noFill/>
         </p:spPr>
         <p:txBody>
-          <a:bodyPr wrap="none">
+          <a:bodyPr wrap="square" anchor="t">
             <a:spAutoFit/>
           </a:bodyPr>
           <a:lstStyle/>
           <a:p>
-            <a:pPr>
-              <a:defRPr sz="1400" b="1">
-                <a:solidFill>
-                  <a:srgbClr val="3498DB"/>
-                </a:solidFill>
-              </a:defRPr>
-            </a:pPr>
-            <a:r>
-              <a:t>Storage:</a:t>
-            </a:r>
-          </a:p>
-        </p:txBody>
-      </p:sp>
-      <p:sp>
-        <p:nvSpPr>
-          <p:cNvPr id="12" name="TextBox 11"/>
+            <a:pPr algn="l"/>
+            <a:r>
+              <a:rPr sz="800" b="0">
+                <a:solidFill>
+                  <a:srgbClr val="404040"/>
+                </a:solidFill>
+                <a:latin typeface="Calibri"/>
+              </a:rPr>
+              <a:t>User inputs,</a:t>
+            </a:r>
+          </a:p>
+          <a:p>
+            <a:pPr algn="l"/>
+            <a:r>
+              <a:rPr sz="800" b="0">
+                <a:solidFill>
+                  <a:srgbClr val="404040"/>
+                </a:solidFill>
+                <a:latin typeface="Calibri"/>
+              </a:rPr>
+              <a:t>CSV files</a:t>
+            </a:r>
+          </a:p>
+        </p:txBody>
+      </p:sp>
+      <p:sp>
+        <p:nvSpPr>
+          <p:cNvPr id="21" name="Rectangle 20"/>
+          <p:cNvSpPr/>
+          <p:nvPr/>
+        </p:nvSpPr>
+        <p:spPr>
+          <a:xfrm>
+            <a:off x="9875520" y="1234440"/>
+            <a:ext cx="2011680" cy="548640"/>
+          </a:xfrm>
+          <a:prstGeom prst="rect">
+            <a:avLst/>
+          </a:prstGeom>
+          <a:solidFill>
+            <a:srgbClr val="FAFAFA"/>
+          </a:solidFill>
+          <a:ln>
+            <a:solidFill>
+              <a:srgbClr val="C0C0C0"/>
+            </a:solidFill>
+          </a:ln>
+        </p:spPr>
+        <p:style>
+          <a:lnRef idx="1">
+            <a:schemeClr val="accent1"/>
+          </a:lnRef>
+          <a:fillRef idx="3">
+            <a:schemeClr val="accent1"/>
+          </a:fillRef>
+          <a:effectRef idx="2">
+            <a:schemeClr val="accent1"/>
+          </a:effectRef>
+          <a:fontRef idx="minor">
+            <a:schemeClr val="lt1"/>
+          </a:fontRef>
+        </p:style>
+        <p:txBody>
+          <a:bodyPr rtlCol="0" anchor="ctr"/>
+          <a:lstStyle/>
+          <a:p>
+            <a:pPr algn="ctr"/>
+            <a:endParaRPr/>
+          </a:p>
+        </p:txBody>
+      </p:sp>
+      <p:sp>
+        <p:nvSpPr>
+          <p:cNvPr id="22" name="TextBox 21"/>
           <p:cNvSpPr txBox="1"/>
           <p:nvPr/>
         </p:nvSpPr>
         <p:spPr>
           <a:xfrm>
-            <a:off x="640080" y="4343400"/>
-            <a:ext cx="13258800" cy="365760"/>
+            <a:off x="9921240" y="1280160"/>
+            <a:ext cx="1920240" cy="457200"/>
           </a:xfrm>
           <a:prstGeom prst="rect">
             <a:avLst/>
@@ -4075,34 +5803,92 @@
           <a:noFill/>
         </p:spPr>
         <p:txBody>
-          <a:bodyPr wrap="square">
+          <a:bodyPr wrap="square" anchor="t">
             <a:spAutoFit/>
           </a:bodyPr>
           <a:lstStyle/>
           <a:p>
-            <a:pPr>
-              <a:defRPr sz="1000">
-                <a:solidFill>
-                  <a:srgbClr val="2C3E50"/>
-                </a:solidFill>
-              </a:defRPr>
-            </a:pPr>
-            <a:r>
-              <a:t>• World Model Store: World model state → Persisted discoveries/trajectories</a:t>
-            </a:r>
-          </a:p>
-        </p:txBody>
-      </p:sp>
-      <p:sp>
-        <p:nvSpPr>
-          <p:cNvPr id="13" name="TextBox 12"/>
+            <a:pPr algn="l"/>
+            <a:r>
+              <a:rPr sz="800" b="0">
+                <a:solidFill>
+                  <a:srgbClr val="404040"/>
+                </a:solidFill>
+                <a:latin typeface="Calibri"/>
+              </a:rPr>
+              <a:t>Dashboard,</a:t>
+            </a:r>
+          </a:p>
+          <a:p>
+            <a:pPr algn="l"/>
+            <a:r>
+              <a:rPr sz="800" b="0">
+                <a:solidFill>
+                  <a:srgbClr val="404040"/>
+                </a:solidFill>
+                <a:latin typeface="Calibri"/>
+              </a:rPr>
+              <a:t>logs</a:t>
+            </a:r>
+          </a:p>
+        </p:txBody>
+      </p:sp>
+      <p:sp>
+        <p:nvSpPr>
+          <p:cNvPr id="23" name="Rectangle 22"/>
+          <p:cNvSpPr/>
+          <p:nvPr/>
+        </p:nvSpPr>
+        <p:spPr>
+          <a:xfrm>
+            <a:off x="457200" y="1828800"/>
+            <a:ext cx="2286000" cy="548640"/>
+          </a:xfrm>
+          <a:prstGeom prst="rect">
+            <a:avLst/>
+          </a:prstGeom>
+          <a:solidFill>
+            <a:srgbClr val="FAFAFA"/>
+          </a:solidFill>
+          <a:ln>
+            <a:solidFill>
+              <a:srgbClr val="C0C0C0"/>
+            </a:solidFill>
+          </a:ln>
+        </p:spPr>
+        <p:style>
+          <a:lnRef idx="1">
+            <a:schemeClr val="accent1"/>
+          </a:lnRef>
+          <a:fillRef idx="3">
+            <a:schemeClr val="accent1"/>
+          </a:fillRef>
+          <a:effectRef idx="2">
+            <a:schemeClr val="accent1"/>
+          </a:effectRef>
+          <a:fontRef idx="minor">
+            <a:schemeClr val="lt1"/>
+          </a:fontRef>
+        </p:style>
+        <p:txBody>
+          <a:bodyPr rtlCol="0" anchor="ctr"/>
+          <a:lstStyle/>
+          <a:p>
+            <a:pPr algn="ctr"/>
+            <a:endParaRPr/>
+          </a:p>
+        </p:txBody>
+      </p:sp>
+      <p:sp>
+        <p:nvSpPr>
+          <p:cNvPr id="24" name="TextBox 23"/>
           <p:cNvSpPr txBox="1"/>
           <p:nvPr/>
         </p:nvSpPr>
         <p:spPr>
           <a:xfrm>
-            <a:off x="640080" y="4754880"/>
-            <a:ext cx="13258800" cy="365760"/>
+            <a:off x="502920" y="1874519"/>
+            <a:ext cx="2194560" cy="457200"/>
           </a:xfrm>
           <a:prstGeom prst="rect">
             <a:avLst/>
@@ -4110,34 +5896,80 @@
           <a:noFill/>
         </p:spPr>
         <p:txBody>
-          <a:bodyPr wrap="square">
+          <a:bodyPr wrap="square" anchor="t">
             <a:spAutoFit/>
           </a:bodyPr>
           <a:lstStyle/>
           <a:p>
-            <a:pPr>
-              <a:defRPr sz="1000">
-                <a:solidFill>
-                  <a:srgbClr val="2C3E50"/>
-                </a:solidFill>
-              </a:defRPr>
-            </a:pPr>
-            <a:r>
-              <a:t>• Literature Index Store: Indexed papers → Paper metadata + keyword index</a:t>
-            </a:r>
-          </a:p>
-        </p:txBody>
-      </p:sp>
-      <p:sp>
-        <p:nvSpPr>
-          <p:cNvPr id="14" name="TextBox 13"/>
+            <a:pPr algn="l"/>
+            <a:r>
+              <a:rPr sz="800" b="0">
+                <a:solidFill>
+                  <a:srgbClr val="404040"/>
+                </a:solidFill>
+                <a:latin typeface="Calibri"/>
+              </a:rPr>
+              <a:t>World Model</a:t>
+            </a:r>
+          </a:p>
+        </p:txBody>
+      </p:sp>
+      <p:sp>
+        <p:nvSpPr>
+          <p:cNvPr id="25" name="Rectangle 24"/>
+          <p:cNvSpPr/>
+          <p:nvPr/>
+        </p:nvSpPr>
+        <p:spPr>
+          <a:xfrm>
+            <a:off x="2743200" y="1828800"/>
+            <a:ext cx="2011680" cy="548640"/>
+          </a:xfrm>
+          <a:prstGeom prst="rect">
+            <a:avLst/>
+          </a:prstGeom>
+          <a:solidFill>
+            <a:srgbClr val="FAFAFA"/>
+          </a:solidFill>
+          <a:ln>
+            <a:solidFill>
+              <a:srgbClr val="C0C0C0"/>
+            </a:solidFill>
+          </a:ln>
+        </p:spPr>
+        <p:style>
+          <a:lnRef idx="1">
+            <a:schemeClr val="accent1"/>
+          </a:lnRef>
+          <a:fillRef idx="3">
+            <a:schemeClr val="accent1"/>
+          </a:fillRef>
+          <a:effectRef idx="2">
+            <a:schemeClr val="accent1"/>
+          </a:effectRef>
+          <a:fontRef idx="minor">
+            <a:schemeClr val="lt1"/>
+          </a:fontRef>
+        </p:style>
+        <p:txBody>
+          <a:bodyPr rtlCol="0" anchor="ctr"/>
+          <a:lstStyle/>
+          <a:p>
+            <a:pPr algn="ctr"/>
+            <a:endParaRPr/>
+          </a:p>
+        </p:txBody>
+      </p:sp>
+      <p:sp>
+        <p:nvSpPr>
+          <p:cNvPr id="26" name="TextBox 25"/>
           <p:cNvSpPr txBox="1"/>
           <p:nvPr/>
         </p:nvSpPr>
         <p:spPr>
           <a:xfrm>
-            <a:off x="640080" y="5166360"/>
-            <a:ext cx="13258800" cy="365760"/>
+            <a:off x="2788920" y="1874519"/>
+            <a:ext cx="1920240" cy="457200"/>
           </a:xfrm>
           <a:prstGeom prst="rect">
             <a:avLst/>
@@ -4145,34 +5977,92 @@
           <a:noFill/>
         </p:spPr>
         <p:txBody>
-          <a:bodyPr wrap="square">
+          <a:bodyPr wrap="square" anchor="t">
             <a:spAutoFit/>
           </a:bodyPr>
           <a:lstStyle/>
           <a:p>
-            <a:pPr>
-              <a:defRPr sz="1000">
-                <a:solidFill>
-                  <a:srgbClr val="2C3E50"/>
-                </a:solidFill>
-              </a:defRPr>
-            </a:pPr>
-            <a:r>
-              <a:t>• Session State Store: Discovery state → Runtime state preservation</a:t>
-            </a:r>
-          </a:p>
-        </p:txBody>
-      </p:sp>
-      <p:sp>
-        <p:nvSpPr>
-          <p:cNvPr id="15" name="TextBox 14"/>
+            <a:pPr algn="l"/>
+            <a:r>
+              <a:rPr sz="800" b="0">
+                <a:solidFill>
+                  <a:srgbClr val="404040"/>
+                </a:solidFill>
+                <a:latin typeface="Calibri"/>
+              </a:rPr>
+              <a:t>world_model_</a:t>
+            </a:r>
+          </a:p>
+          <a:p>
+            <a:pPr algn="l"/>
+            <a:r>
+              <a:rPr sz="800" b="0">
+                <a:solidFill>
+                  <a:srgbClr val="404040"/>
+                </a:solidFill>
+                <a:latin typeface="Calibri"/>
+              </a:rPr>
+              <a:t>builder.py</a:t>
+            </a:r>
+          </a:p>
+        </p:txBody>
+      </p:sp>
+      <p:sp>
+        <p:nvSpPr>
+          <p:cNvPr id="27" name="Rectangle 26"/>
+          <p:cNvSpPr/>
+          <p:nvPr/>
+        </p:nvSpPr>
+        <p:spPr>
+          <a:xfrm>
+            <a:off x="4754880" y="1828800"/>
+            <a:ext cx="2560320" cy="548640"/>
+          </a:xfrm>
+          <a:prstGeom prst="rect">
+            <a:avLst/>
+          </a:prstGeom>
+          <a:solidFill>
+            <a:srgbClr val="FAFAFA"/>
+          </a:solidFill>
+          <a:ln>
+            <a:solidFill>
+              <a:srgbClr val="C0C0C0"/>
+            </a:solidFill>
+          </a:ln>
+        </p:spPr>
+        <p:style>
+          <a:lnRef idx="1">
+            <a:schemeClr val="accent1"/>
+          </a:lnRef>
+          <a:fillRef idx="3">
+            <a:schemeClr val="accent1"/>
+          </a:fillRef>
+          <a:effectRef idx="2">
+            <a:schemeClr val="accent1"/>
+          </a:effectRef>
+          <a:fontRef idx="minor">
+            <a:schemeClr val="lt1"/>
+          </a:fontRef>
+        </p:style>
+        <p:txBody>
+          <a:bodyPr rtlCol="0" anchor="ctr"/>
+          <a:lstStyle/>
+          <a:p>
+            <a:pPr algn="ctr"/>
+            <a:endParaRPr/>
+          </a:p>
+        </p:txBody>
+      </p:sp>
+      <p:sp>
+        <p:nvSpPr>
+          <p:cNvPr id="28" name="TextBox 27"/>
           <p:cNvSpPr txBox="1"/>
           <p:nvPr/>
         </p:nvSpPr>
         <p:spPr>
           <a:xfrm>
-            <a:off x="457200" y="5577840"/>
-            <a:ext cx="13716000" cy="274320"/>
+            <a:off x="4800600" y="1874519"/>
+            <a:ext cx="2468879" cy="457200"/>
           </a:xfrm>
           <a:prstGeom prst="rect">
             <a:avLst/>
@@ -4180,34 +6070,92 @@
           <a:noFill/>
         </p:spPr>
         <p:txBody>
-          <a:bodyPr wrap="none">
+          <a:bodyPr wrap="square" anchor="t">
             <a:spAutoFit/>
           </a:bodyPr>
           <a:lstStyle/>
           <a:p>
-            <a:pPr>
-              <a:defRPr sz="1400" b="1">
-                <a:solidFill>
-                  <a:srgbClr val="3498DB"/>
-                </a:solidFill>
-              </a:defRPr>
-            </a:pPr>
-            <a:r>
-              <a:t>Outputs:</a:t>
-            </a:r>
-          </a:p>
-        </p:txBody>
-      </p:sp>
-      <p:sp>
-        <p:nvSpPr>
-          <p:cNvPr id="16" name="TextBox 15"/>
+            <a:pPr algn="l"/>
+            <a:r>
+              <a:rPr sz="800" b="0">
+                <a:solidFill>
+                  <a:srgbClr val="404040"/>
+                </a:solidFill>
+                <a:latin typeface="Calibri"/>
+              </a:rPr>
+              <a:t>add_discovery(),</a:t>
+            </a:r>
+          </a:p>
+          <a:p>
+            <a:pPr algn="l"/>
+            <a:r>
+              <a:rPr sz="800" b="0">
+                <a:solidFill>
+                  <a:srgbClr val="404040"/>
+                </a:solidFill>
+                <a:latin typeface="Calibri"/>
+              </a:rPr>
+              <a:t>add_trajectory()</a:t>
+            </a:r>
+          </a:p>
+        </p:txBody>
+      </p:sp>
+      <p:sp>
+        <p:nvSpPr>
+          <p:cNvPr id="29" name="Rectangle 28"/>
+          <p:cNvSpPr/>
+          <p:nvPr/>
+        </p:nvSpPr>
+        <p:spPr>
+          <a:xfrm>
+            <a:off x="7315200" y="1828800"/>
+            <a:ext cx="2560320" cy="548640"/>
+          </a:xfrm>
+          <a:prstGeom prst="rect">
+            <a:avLst/>
+          </a:prstGeom>
+          <a:solidFill>
+            <a:srgbClr val="FAFAFA"/>
+          </a:solidFill>
+          <a:ln>
+            <a:solidFill>
+              <a:srgbClr val="C0C0C0"/>
+            </a:solidFill>
+          </a:ln>
+        </p:spPr>
+        <p:style>
+          <a:lnRef idx="1">
+            <a:schemeClr val="accent1"/>
+          </a:lnRef>
+          <a:fillRef idx="3">
+            <a:schemeClr val="accent1"/>
+          </a:fillRef>
+          <a:effectRef idx="2">
+            <a:schemeClr val="accent1"/>
+          </a:effectRef>
+          <a:fontRef idx="minor">
+            <a:schemeClr val="lt1"/>
+          </a:fontRef>
+        </p:style>
+        <p:txBody>
+          <a:bodyPr rtlCol="0" anchor="ctr"/>
+          <a:lstStyle/>
+          <a:p>
+            <a:pPr algn="ctr"/>
+            <a:endParaRPr/>
+          </a:p>
+        </p:txBody>
+      </p:sp>
+      <p:sp>
+        <p:nvSpPr>
+          <p:cNvPr id="30" name="TextBox 29"/>
           <p:cNvSpPr txBox="1"/>
           <p:nvPr/>
         </p:nvSpPr>
         <p:spPr>
           <a:xfrm>
-            <a:off x="640080" y="5897880"/>
-            <a:ext cx="13258800" cy="365760"/>
+            <a:off x="7360920" y="1874519"/>
+            <a:ext cx="2468879" cy="457200"/>
           </a:xfrm>
           <a:prstGeom prst="rect">
             <a:avLst/>
@@ -4215,34 +6163,92 @@
           <a:noFill/>
         </p:spPr>
         <p:txBody>
-          <a:bodyPr wrap="square">
+          <a:bodyPr wrap="square" anchor="t">
             <a:spAutoFit/>
           </a:bodyPr>
           <a:lstStyle/>
           <a:p>
-            <a:pPr>
-              <a:defRPr sz="1000">
-                <a:solidFill>
-                  <a:srgbClr val="2C3E50"/>
-                </a:solidFill>
-              </a:defRPr>
-            </a:pPr>
-            <a:r>
-              <a:t>• Enhanced Report Output: Report content → Text file with discoveries</a:t>
-            </a:r>
-          </a:p>
-        </p:txBody>
-      </p:sp>
-      <p:sp>
-        <p:nvSpPr>
-          <p:cNvPr id="17" name="TextBox 16"/>
+            <a:pPr algn="l"/>
+            <a:r>
+              <a:rPr sz="800" b="0">
+                <a:solidFill>
+                  <a:srgbClr val="404040"/>
+                </a:solidFill>
+                <a:latin typeface="Calibri"/>
+              </a:rPr>
+              <a:t>Discovery/</a:t>
+            </a:r>
+          </a:p>
+          <a:p>
+            <a:pPr algn="l"/>
+            <a:r>
+              <a:rPr sz="800" b="0">
+                <a:solidFill>
+                  <a:srgbClr val="404040"/>
+                </a:solidFill>
+                <a:latin typeface="Calibri"/>
+              </a:rPr>
+              <a:t>trajectory data</a:t>
+            </a:r>
+          </a:p>
+        </p:txBody>
+      </p:sp>
+      <p:sp>
+        <p:nvSpPr>
+          <p:cNvPr id="31" name="Rectangle 30"/>
+          <p:cNvSpPr/>
+          <p:nvPr/>
+        </p:nvSpPr>
+        <p:spPr>
+          <a:xfrm>
+            <a:off x="9875520" y="1828800"/>
+            <a:ext cx="2011680" cy="548640"/>
+          </a:xfrm>
+          <a:prstGeom prst="rect">
+            <a:avLst/>
+          </a:prstGeom>
+          <a:solidFill>
+            <a:srgbClr val="FAFAFA"/>
+          </a:solidFill>
+          <a:ln>
+            <a:solidFill>
+              <a:srgbClr val="C0C0C0"/>
+            </a:solidFill>
+          </a:ln>
+        </p:spPr>
+        <p:style>
+          <a:lnRef idx="1">
+            <a:schemeClr val="accent1"/>
+          </a:lnRef>
+          <a:fillRef idx="3">
+            <a:schemeClr val="accent1"/>
+          </a:fillRef>
+          <a:effectRef idx="2">
+            <a:schemeClr val="accent1"/>
+          </a:effectRef>
+          <a:fontRef idx="minor">
+            <a:schemeClr val="lt1"/>
+          </a:fontRef>
+        </p:style>
+        <p:txBody>
+          <a:bodyPr rtlCol="0" anchor="ctr"/>
+          <a:lstStyle/>
+          <a:p>
+            <a:pPr algn="ctr"/>
+            <a:endParaRPr/>
+          </a:p>
+        </p:txBody>
+      </p:sp>
+      <p:sp>
+        <p:nvSpPr>
+          <p:cNvPr id="32" name="TextBox 31"/>
           <p:cNvSpPr txBox="1"/>
           <p:nvPr/>
         </p:nvSpPr>
         <p:spPr>
           <a:xfrm>
-            <a:off x="640080" y="6309360"/>
-            <a:ext cx="13258800" cy="365760"/>
+            <a:off x="9921240" y="1874519"/>
+            <a:ext cx="1920240" cy="457200"/>
           </a:xfrm>
           <a:prstGeom prst="rect">
             <a:avLst/>
@@ -4250,34 +6256,92 @@
           <a:noFill/>
         </p:spPr>
         <p:txBody>
-          <a:bodyPr wrap="square">
+          <a:bodyPr wrap="square" anchor="t">
             <a:spAutoFit/>
           </a:bodyPr>
           <a:lstStyle/>
           <a:p>
-            <a:pPr>
-              <a:defRPr sz="1000">
-                <a:solidFill>
-                  <a:srgbClr val="2C3E50"/>
-                </a:solidFill>
-              </a:defRPr>
-            </a:pPr>
-            <a:r>
-              <a:t>• Analysis Output Files: Analysis results → JSON results + Python code</a:t>
-            </a:r>
-          </a:p>
-        </p:txBody>
-      </p:sp>
-      <p:sp>
-        <p:nvSpPr>
-          <p:cNvPr id="18" name="TextBox 17"/>
+            <a:pPr algn="l"/>
+            <a:r>
+              <a:rPr sz="800" b="0">
+                <a:solidFill>
+                  <a:srgbClr val="404040"/>
+                </a:solidFill>
+                <a:latin typeface="Calibri"/>
+              </a:rPr>
+              <a:t>world_model.</a:t>
+            </a:r>
+          </a:p>
+          <a:p>
+            <a:pPr algn="l"/>
+            <a:r>
+              <a:rPr sz="800" b="0">
+                <a:solidFill>
+                  <a:srgbClr val="404040"/>
+                </a:solidFill>
+                <a:latin typeface="Calibri"/>
+              </a:rPr>
+              <a:t>json</a:t>
+            </a:r>
+          </a:p>
+        </p:txBody>
+      </p:sp>
+      <p:sp>
+        <p:nvSpPr>
+          <p:cNvPr id="33" name="Rectangle 32"/>
+          <p:cNvSpPr/>
+          <p:nvPr/>
+        </p:nvSpPr>
+        <p:spPr>
+          <a:xfrm>
+            <a:off x="457200" y="2423160"/>
+            <a:ext cx="2286000" cy="548640"/>
+          </a:xfrm>
+          <a:prstGeom prst="rect">
+            <a:avLst/>
+          </a:prstGeom>
+          <a:solidFill>
+            <a:srgbClr val="FAFAFA"/>
+          </a:solidFill>
+          <a:ln>
+            <a:solidFill>
+              <a:srgbClr val="C0C0C0"/>
+            </a:solidFill>
+          </a:ln>
+        </p:spPr>
+        <p:style>
+          <a:lnRef idx="1">
+            <a:schemeClr val="accent1"/>
+          </a:lnRef>
+          <a:fillRef idx="3">
+            <a:schemeClr val="accent1"/>
+          </a:fillRef>
+          <a:effectRef idx="2">
+            <a:schemeClr val="accent1"/>
+          </a:effectRef>
+          <a:fontRef idx="minor">
+            <a:schemeClr val="lt1"/>
+          </a:fontRef>
+        </p:style>
+        <p:txBody>
+          <a:bodyPr rtlCol="0" anchor="ctr"/>
+          <a:lstStyle/>
+          <a:p>
+            <a:pPr algn="ctr"/>
+            <a:endParaRPr/>
+          </a:p>
+        </p:txBody>
+      </p:sp>
+      <p:sp>
+        <p:nvSpPr>
+          <p:cNvPr id="34" name="TextBox 33"/>
           <p:cNvSpPr txBox="1"/>
           <p:nvPr/>
         </p:nvSpPr>
         <p:spPr>
           <a:xfrm>
-            <a:off x="640080" y="6720840"/>
-            <a:ext cx="13258800" cy="365760"/>
+            <a:off x="502920" y="2468879"/>
+            <a:ext cx="2194560" cy="457200"/>
           </a:xfrm>
           <a:prstGeom prst="rect">
             <a:avLst/>
@@ -4285,20 +6349,1390 @@
           <a:noFill/>
         </p:spPr>
         <p:txBody>
-          <a:bodyPr wrap="square">
+          <a:bodyPr wrap="square" anchor="t">
             <a:spAutoFit/>
           </a:bodyPr>
           <a:lstStyle/>
           <a:p>
-            <a:pPr>
-              <a:defRPr sz="1000">
-                <a:solidFill>
-                  <a:srgbClr val="2C3E50"/>
-                </a:solidFill>
-              </a:defRPr>
-            </a:pPr>
-            <a:r>
-              <a:t>• Interactive Dashboard: Discovery results + logs → Interactive visualizations</a:t>
+            <a:pPr algn="l"/>
+            <a:r>
+              <a:rPr sz="800" b="0">
+                <a:solidFill>
+                  <a:srgbClr val="404040"/>
+                </a:solidFill>
+                <a:latin typeface="Calibri"/>
+              </a:rPr>
+              <a:t>Report Gen</a:t>
+            </a:r>
+          </a:p>
+        </p:txBody>
+      </p:sp>
+      <p:sp>
+        <p:nvSpPr>
+          <p:cNvPr id="35" name="Rectangle 34"/>
+          <p:cNvSpPr/>
+          <p:nvPr/>
+        </p:nvSpPr>
+        <p:spPr>
+          <a:xfrm>
+            <a:off x="2743200" y="2423160"/>
+            <a:ext cx="2011680" cy="548640"/>
+          </a:xfrm>
+          <a:prstGeom prst="rect">
+            <a:avLst/>
+          </a:prstGeom>
+          <a:solidFill>
+            <a:srgbClr val="FAFAFA"/>
+          </a:solidFill>
+          <a:ln>
+            <a:solidFill>
+              <a:srgbClr val="C0C0C0"/>
+            </a:solidFill>
+          </a:ln>
+        </p:spPr>
+        <p:style>
+          <a:lnRef idx="1">
+            <a:schemeClr val="accent1"/>
+          </a:lnRef>
+          <a:fillRef idx="3">
+            <a:schemeClr val="accent1"/>
+          </a:fillRef>
+          <a:effectRef idx="2">
+            <a:schemeClr val="accent1"/>
+          </a:effectRef>
+          <a:fontRef idx="minor">
+            <a:schemeClr val="lt1"/>
+          </a:fontRef>
+        </p:style>
+        <p:txBody>
+          <a:bodyPr rtlCol="0" anchor="ctr"/>
+          <a:lstStyle/>
+          <a:p>
+            <a:pPr algn="ctr"/>
+            <a:endParaRPr/>
+          </a:p>
+        </p:txBody>
+      </p:sp>
+      <p:sp>
+        <p:nvSpPr>
+          <p:cNvPr id="36" name="TextBox 35"/>
+          <p:cNvSpPr txBox="1"/>
+          <p:nvPr/>
+        </p:nvSpPr>
+        <p:spPr>
+          <a:xfrm>
+            <a:off x="2788920" y="2468879"/>
+            <a:ext cx="1920240" cy="457200"/>
+          </a:xfrm>
+          <a:prstGeom prst="rect">
+            <a:avLst/>
+          </a:prstGeom>
+          <a:noFill/>
+        </p:spPr>
+        <p:txBody>
+          <a:bodyPr wrap="square" anchor="t">
+            <a:spAutoFit/>
+          </a:bodyPr>
+          <a:lstStyle/>
+          <a:p>
+            <a:pPr algn="l"/>
+            <a:r>
+              <a:rPr sz="800" b="0">
+                <a:solidFill>
+                  <a:srgbClr val="404040"/>
+                </a:solidFill>
+                <a:latin typeface="Calibri"/>
+              </a:rPr>
+              <a:t>auto_enhanced_</a:t>
+            </a:r>
+          </a:p>
+          <a:p>
+            <a:pPr algn="l"/>
+            <a:r>
+              <a:rPr sz="800" b="0">
+                <a:solidFill>
+                  <a:srgbClr val="404040"/>
+                </a:solidFill>
+                <a:latin typeface="Calibri"/>
+              </a:rPr>
+              <a:t>report.py</a:t>
+            </a:r>
+          </a:p>
+        </p:txBody>
+      </p:sp>
+      <p:sp>
+        <p:nvSpPr>
+          <p:cNvPr id="37" name="Rectangle 36"/>
+          <p:cNvSpPr/>
+          <p:nvPr/>
+        </p:nvSpPr>
+        <p:spPr>
+          <a:xfrm>
+            <a:off x="4754880" y="2423160"/>
+            <a:ext cx="2560320" cy="548640"/>
+          </a:xfrm>
+          <a:prstGeom prst="rect">
+            <a:avLst/>
+          </a:prstGeom>
+          <a:solidFill>
+            <a:srgbClr val="FAFAFA"/>
+          </a:solidFill>
+          <a:ln>
+            <a:solidFill>
+              <a:srgbClr val="C0C0C0"/>
+            </a:solidFill>
+          </a:ln>
+        </p:spPr>
+        <p:style>
+          <a:lnRef idx="1">
+            <a:schemeClr val="accent1"/>
+          </a:lnRef>
+          <a:fillRef idx="3">
+            <a:schemeClr val="accent1"/>
+          </a:fillRef>
+          <a:effectRef idx="2">
+            <a:schemeClr val="accent1"/>
+          </a:effectRef>
+          <a:fontRef idx="minor">
+            <a:schemeClr val="lt1"/>
+          </a:fontRef>
+        </p:style>
+        <p:txBody>
+          <a:bodyPr rtlCol="0" anchor="ctr"/>
+          <a:lstStyle/>
+          <a:p>
+            <a:pPr algn="ctr"/>
+            <a:endParaRPr/>
+          </a:p>
+        </p:txBody>
+      </p:sp>
+      <p:sp>
+        <p:nvSpPr>
+          <p:cNvPr id="38" name="TextBox 37"/>
+          <p:cNvSpPr txBox="1"/>
+          <p:nvPr/>
+        </p:nvSpPr>
+        <p:spPr>
+          <a:xfrm>
+            <a:off x="4800600" y="2468879"/>
+            <a:ext cx="2468879" cy="457200"/>
+          </a:xfrm>
+          <a:prstGeom prst="rect">
+            <a:avLst/>
+          </a:prstGeom>
+          <a:noFill/>
+        </p:spPr>
+        <p:txBody>
+          <a:bodyPr wrap="square" anchor="t">
+            <a:spAutoFit/>
+          </a:bodyPr>
+          <a:lstStyle/>
+          <a:p>
+            <a:pPr algn="l"/>
+            <a:r>
+              <a:rPr sz="800" b="0">
+                <a:solidFill>
+                  <a:srgbClr val="404040"/>
+                </a:solidFill>
+                <a:latin typeface="Calibri"/>
+              </a:rPr>
+              <a:t>generate_enhanced_</a:t>
+            </a:r>
+          </a:p>
+          <a:p>
+            <a:pPr algn="l"/>
+            <a:r>
+              <a:rPr sz="800" b="0">
+                <a:solidFill>
+                  <a:srgbClr val="404040"/>
+                </a:solidFill>
+                <a:latin typeface="Calibri"/>
+              </a:rPr>
+              <a:t>report()</a:t>
+            </a:r>
+          </a:p>
+        </p:txBody>
+      </p:sp>
+      <p:sp>
+        <p:nvSpPr>
+          <p:cNvPr id="39" name="Rectangle 38"/>
+          <p:cNvSpPr/>
+          <p:nvPr/>
+        </p:nvSpPr>
+        <p:spPr>
+          <a:xfrm>
+            <a:off x="7315200" y="2423160"/>
+            <a:ext cx="2560320" cy="548640"/>
+          </a:xfrm>
+          <a:prstGeom prst="rect">
+            <a:avLst/>
+          </a:prstGeom>
+          <a:solidFill>
+            <a:srgbClr val="FAFAFA"/>
+          </a:solidFill>
+          <a:ln>
+            <a:solidFill>
+              <a:srgbClr val="C0C0C0"/>
+            </a:solidFill>
+          </a:ln>
+        </p:spPr>
+        <p:style>
+          <a:lnRef idx="1">
+            <a:schemeClr val="accent1"/>
+          </a:lnRef>
+          <a:fillRef idx="3">
+            <a:schemeClr val="accent1"/>
+          </a:fillRef>
+          <a:effectRef idx="2">
+            <a:schemeClr val="accent1"/>
+          </a:effectRef>
+          <a:fontRef idx="minor">
+            <a:schemeClr val="lt1"/>
+          </a:fontRef>
+        </p:style>
+        <p:txBody>
+          <a:bodyPr rtlCol="0" anchor="ctr"/>
+          <a:lstStyle/>
+          <a:p>
+            <a:pPr algn="ctr"/>
+            <a:endParaRPr/>
+          </a:p>
+        </p:txBody>
+      </p:sp>
+      <p:sp>
+        <p:nvSpPr>
+          <p:cNvPr id="40" name="TextBox 39"/>
+          <p:cNvSpPr txBox="1"/>
+          <p:nvPr/>
+        </p:nvSpPr>
+        <p:spPr>
+          <a:xfrm>
+            <a:off x="7360920" y="2468879"/>
+            <a:ext cx="2468879" cy="457200"/>
+          </a:xfrm>
+          <a:prstGeom prst="rect">
+            <a:avLst/>
+          </a:prstGeom>
+          <a:noFill/>
+        </p:spPr>
+        <p:txBody>
+          <a:bodyPr wrap="square" anchor="t">
+            <a:spAutoFit/>
+          </a:bodyPr>
+          <a:lstStyle/>
+          <a:p>
+            <a:pPr algn="l"/>
+            <a:r>
+              <a:rPr sz="800" b="0">
+                <a:solidFill>
+                  <a:srgbClr val="404040"/>
+                </a:solidFill>
+                <a:latin typeface="Calibri"/>
+              </a:rPr>
+              <a:t>Discoveries,</a:t>
+            </a:r>
+          </a:p>
+          <a:p>
+            <a:pPr algn="l"/>
+            <a:r>
+              <a:rPr sz="800" b="0">
+                <a:solidFill>
+                  <a:srgbClr val="404040"/>
+                </a:solidFill>
+                <a:latin typeface="Calibri"/>
+              </a:rPr>
+              <a:t>trajectories</a:t>
+            </a:r>
+          </a:p>
+        </p:txBody>
+      </p:sp>
+      <p:sp>
+        <p:nvSpPr>
+          <p:cNvPr id="41" name="Rectangle 40"/>
+          <p:cNvSpPr/>
+          <p:nvPr/>
+        </p:nvSpPr>
+        <p:spPr>
+          <a:xfrm>
+            <a:off x="9875520" y="2423160"/>
+            <a:ext cx="2011680" cy="548640"/>
+          </a:xfrm>
+          <a:prstGeom prst="rect">
+            <a:avLst/>
+          </a:prstGeom>
+          <a:solidFill>
+            <a:srgbClr val="FAFAFA"/>
+          </a:solidFill>
+          <a:ln>
+            <a:solidFill>
+              <a:srgbClr val="C0C0C0"/>
+            </a:solidFill>
+          </a:ln>
+        </p:spPr>
+        <p:style>
+          <a:lnRef idx="1">
+            <a:schemeClr val="accent1"/>
+          </a:lnRef>
+          <a:fillRef idx="3">
+            <a:schemeClr val="accent1"/>
+          </a:fillRef>
+          <a:effectRef idx="2">
+            <a:schemeClr val="accent1"/>
+          </a:effectRef>
+          <a:fontRef idx="minor">
+            <a:schemeClr val="lt1"/>
+          </a:fontRef>
+        </p:style>
+        <p:txBody>
+          <a:bodyPr rtlCol="0" anchor="ctr"/>
+          <a:lstStyle/>
+          <a:p>
+            <a:pPr algn="ctr"/>
+            <a:endParaRPr/>
+          </a:p>
+        </p:txBody>
+      </p:sp>
+      <p:sp>
+        <p:nvSpPr>
+          <p:cNvPr id="42" name="TextBox 41"/>
+          <p:cNvSpPr txBox="1"/>
+          <p:nvPr/>
+        </p:nvSpPr>
+        <p:spPr>
+          <a:xfrm>
+            <a:off x="9921240" y="2468879"/>
+            <a:ext cx="1920240" cy="457200"/>
+          </a:xfrm>
+          <a:prstGeom prst="rect">
+            <a:avLst/>
+          </a:prstGeom>
+          <a:noFill/>
+        </p:spPr>
+        <p:txBody>
+          <a:bodyPr wrap="square" anchor="t">
+            <a:spAutoFit/>
+          </a:bodyPr>
+          <a:lstStyle/>
+          <a:p>
+            <a:pPr algn="l"/>
+            <a:r>
+              <a:rPr sz="800" b="0">
+                <a:solidFill>
+                  <a:srgbClr val="404040"/>
+                </a:solidFill>
+                <a:latin typeface="Calibri"/>
+              </a:rPr>
+              <a:t>auto_enhanced_</a:t>
+            </a:r>
+          </a:p>
+          <a:p>
+            <a:pPr algn="l"/>
+            <a:r>
+              <a:rPr sz="800" b="0">
+                <a:solidFill>
+                  <a:srgbClr val="404040"/>
+                </a:solidFill>
+                <a:latin typeface="Calibri"/>
+              </a:rPr>
+              <a:t>report.txt</a:t>
+            </a:r>
+          </a:p>
+        </p:txBody>
+      </p:sp>
+      <p:sp>
+        <p:nvSpPr>
+          <p:cNvPr id="43" name="Rectangle 42"/>
+          <p:cNvSpPr/>
+          <p:nvPr/>
+        </p:nvSpPr>
+        <p:spPr>
+          <a:xfrm>
+            <a:off x="457200" y="3017520"/>
+            <a:ext cx="2286000" cy="548640"/>
+          </a:xfrm>
+          <a:prstGeom prst="rect">
+            <a:avLst/>
+          </a:prstGeom>
+          <a:solidFill>
+            <a:srgbClr val="FAFAFA"/>
+          </a:solidFill>
+          <a:ln>
+            <a:solidFill>
+              <a:srgbClr val="C0C0C0"/>
+            </a:solidFill>
+          </a:ln>
+        </p:spPr>
+        <p:style>
+          <a:lnRef idx="1">
+            <a:schemeClr val="accent1"/>
+          </a:lnRef>
+          <a:fillRef idx="3">
+            <a:schemeClr val="accent1"/>
+          </a:fillRef>
+          <a:effectRef idx="2">
+            <a:schemeClr val="accent1"/>
+          </a:effectRef>
+          <a:fontRef idx="minor">
+            <a:schemeClr val="lt1"/>
+          </a:fontRef>
+        </p:style>
+        <p:txBody>
+          <a:bodyPr rtlCol="0" anchor="ctr"/>
+          <a:lstStyle/>
+          <a:p>
+            <a:pPr algn="ctr"/>
+            <a:endParaRPr/>
+          </a:p>
+        </p:txBody>
+      </p:sp>
+      <p:sp>
+        <p:nvSpPr>
+          <p:cNvPr id="44" name="TextBox 43"/>
+          <p:cNvSpPr txBox="1"/>
+          <p:nvPr/>
+        </p:nvSpPr>
+        <p:spPr>
+          <a:xfrm>
+            <a:off x="502920" y="3063239"/>
+            <a:ext cx="2194560" cy="457200"/>
+          </a:xfrm>
+          <a:prstGeom prst="rect">
+            <a:avLst/>
+          </a:prstGeom>
+          <a:noFill/>
+        </p:spPr>
+        <p:txBody>
+          <a:bodyPr wrap="square" anchor="t">
+            <a:spAutoFit/>
+          </a:bodyPr>
+          <a:lstStyle/>
+          <a:p>
+            <a:pPr algn="l"/>
+            <a:r>
+              <a:rPr sz="800" b="0">
+                <a:solidFill>
+                  <a:srgbClr val="404040"/>
+                </a:solidFill>
+                <a:latin typeface="Calibri"/>
+              </a:rPr>
+              <a:t>Stats Engine</a:t>
+            </a:r>
+          </a:p>
+        </p:txBody>
+      </p:sp>
+      <p:sp>
+        <p:nvSpPr>
+          <p:cNvPr id="45" name="Rectangle 44"/>
+          <p:cNvSpPr/>
+          <p:nvPr/>
+        </p:nvSpPr>
+        <p:spPr>
+          <a:xfrm>
+            <a:off x="2743200" y="3017520"/>
+            <a:ext cx="2011680" cy="548640"/>
+          </a:xfrm>
+          <a:prstGeom prst="rect">
+            <a:avLst/>
+          </a:prstGeom>
+          <a:solidFill>
+            <a:srgbClr val="FAFAFA"/>
+          </a:solidFill>
+          <a:ln>
+            <a:solidFill>
+              <a:srgbClr val="C0C0C0"/>
+            </a:solidFill>
+          </a:ln>
+        </p:spPr>
+        <p:style>
+          <a:lnRef idx="1">
+            <a:schemeClr val="accent1"/>
+          </a:lnRef>
+          <a:fillRef idx="3">
+            <a:schemeClr val="accent1"/>
+          </a:fillRef>
+          <a:effectRef idx="2">
+            <a:schemeClr val="accent1"/>
+          </a:effectRef>
+          <a:fontRef idx="minor">
+            <a:schemeClr val="lt1"/>
+          </a:fontRef>
+        </p:style>
+        <p:txBody>
+          <a:bodyPr rtlCol="0" anchor="ctr"/>
+          <a:lstStyle/>
+          <a:p>
+            <a:pPr algn="ctr"/>
+            <a:endParaRPr/>
+          </a:p>
+        </p:txBody>
+      </p:sp>
+      <p:sp>
+        <p:nvSpPr>
+          <p:cNvPr id="46" name="TextBox 45"/>
+          <p:cNvSpPr txBox="1"/>
+          <p:nvPr/>
+        </p:nvSpPr>
+        <p:spPr>
+          <a:xfrm>
+            <a:off x="2788920" y="3063239"/>
+            <a:ext cx="1920240" cy="457200"/>
+          </a:xfrm>
+          <a:prstGeom prst="rect">
+            <a:avLst/>
+          </a:prstGeom>
+          <a:noFill/>
+        </p:spPr>
+        <p:txBody>
+          <a:bodyPr wrap="square" anchor="t">
+            <a:spAutoFit/>
+          </a:bodyPr>
+          <a:lstStyle/>
+          <a:p>
+            <a:pPr algn="l"/>
+            <a:r>
+              <a:rPr sz="800" b="0">
+                <a:solidFill>
+                  <a:srgbClr val="404040"/>
+                </a:solidFill>
+                <a:latin typeface="Calibri"/>
+              </a:rPr>
+              <a:t>embedded in</a:t>
+            </a:r>
+          </a:p>
+          <a:p>
+            <a:pPr algn="l"/>
+            <a:r>
+              <a:rPr sz="800" b="0">
+                <a:solidFill>
+                  <a:srgbClr val="404040"/>
+                </a:solidFill>
+                <a:latin typeface="Calibri"/>
+              </a:rPr>
+              <a:t>streamlit</a:t>
+            </a:r>
+          </a:p>
+        </p:txBody>
+      </p:sp>
+      <p:sp>
+        <p:nvSpPr>
+          <p:cNvPr id="47" name="Rectangle 46"/>
+          <p:cNvSpPr/>
+          <p:nvPr/>
+        </p:nvSpPr>
+        <p:spPr>
+          <a:xfrm>
+            <a:off x="4754880" y="3017520"/>
+            <a:ext cx="2560320" cy="548640"/>
+          </a:xfrm>
+          <a:prstGeom prst="rect">
+            <a:avLst/>
+          </a:prstGeom>
+          <a:solidFill>
+            <a:srgbClr val="FAFAFA"/>
+          </a:solidFill>
+          <a:ln>
+            <a:solidFill>
+              <a:srgbClr val="C0C0C0"/>
+            </a:solidFill>
+          </a:ln>
+        </p:spPr>
+        <p:style>
+          <a:lnRef idx="1">
+            <a:schemeClr val="accent1"/>
+          </a:lnRef>
+          <a:fillRef idx="3">
+            <a:schemeClr val="accent1"/>
+          </a:fillRef>
+          <a:effectRef idx="2">
+            <a:schemeClr val="accent1"/>
+          </a:effectRef>
+          <a:fontRef idx="minor">
+            <a:schemeClr val="lt1"/>
+          </a:fontRef>
+        </p:style>
+        <p:txBody>
+          <a:bodyPr rtlCol="0" anchor="ctr"/>
+          <a:lstStyle/>
+          <a:p>
+            <a:pPr algn="ctr"/>
+            <a:endParaRPr/>
+          </a:p>
+        </p:txBody>
+      </p:sp>
+      <p:sp>
+        <p:nvSpPr>
+          <p:cNvPr id="48" name="TextBox 47"/>
+          <p:cNvSpPr txBox="1"/>
+          <p:nvPr/>
+        </p:nvSpPr>
+        <p:spPr>
+          <a:xfrm>
+            <a:off x="4800600" y="3063239"/>
+            <a:ext cx="2468879" cy="457200"/>
+          </a:xfrm>
+          <a:prstGeom prst="rect">
+            <a:avLst/>
+          </a:prstGeom>
+          <a:noFill/>
+        </p:spPr>
+        <p:txBody>
+          <a:bodyPr wrap="square" anchor="t">
+            <a:spAutoFit/>
+          </a:bodyPr>
+          <a:lstStyle/>
+          <a:p>
+            <a:pPr algn="l"/>
+            <a:r>
+              <a:rPr sz="800" b="0">
+                <a:solidFill>
+                  <a:srgbClr val="404040"/>
+                </a:solidFill>
+                <a:latin typeface="Calibri"/>
+              </a:rPr>
+              <a:t>perform_statistical_</a:t>
+            </a:r>
+          </a:p>
+          <a:p>
+            <a:pPr algn="l"/>
+            <a:r>
+              <a:rPr sz="800" b="0">
+                <a:solidFill>
+                  <a:srgbClr val="404040"/>
+                </a:solidFill>
+                <a:latin typeface="Calibri"/>
+              </a:rPr>
+              <a:t>analysis()</a:t>
+            </a:r>
+          </a:p>
+        </p:txBody>
+      </p:sp>
+      <p:sp>
+        <p:nvSpPr>
+          <p:cNvPr id="49" name="Rectangle 48"/>
+          <p:cNvSpPr/>
+          <p:nvPr/>
+        </p:nvSpPr>
+        <p:spPr>
+          <a:xfrm>
+            <a:off x="7315200" y="3017520"/>
+            <a:ext cx="2560320" cy="548640"/>
+          </a:xfrm>
+          <a:prstGeom prst="rect">
+            <a:avLst/>
+          </a:prstGeom>
+          <a:solidFill>
+            <a:srgbClr val="FAFAFA"/>
+          </a:solidFill>
+          <a:ln>
+            <a:solidFill>
+              <a:srgbClr val="C0C0C0"/>
+            </a:solidFill>
+          </a:ln>
+        </p:spPr>
+        <p:style>
+          <a:lnRef idx="1">
+            <a:schemeClr val="accent1"/>
+          </a:lnRef>
+          <a:fillRef idx="3">
+            <a:schemeClr val="accent1"/>
+          </a:fillRef>
+          <a:effectRef idx="2">
+            <a:schemeClr val="accent1"/>
+          </a:effectRef>
+          <a:fontRef idx="minor">
+            <a:schemeClr val="lt1"/>
+          </a:fontRef>
+        </p:style>
+        <p:txBody>
+          <a:bodyPr rtlCol="0" anchor="ctr"/>
+          <a:lstStyle/>
+          <a:p>
+            <a:pPr algn="ctr"/>
+            <a:endParaRPr/>
+          </a:p>
+        </p:txBody>
+      </p:sp>
+      <p:sp>
+        <p:nvSpPr>
+          <p:cNvPr id="50" name="TextBox 49"/>
+          <p:cNvSpPr txBox="1"/>
+          <p:nvPr/>
+        </p:nvSpPr>
+        <p:spPr>
+          <a:xfrm>
+            <a:off x="7360920" y="3063239"/>
+            <a:ext cx="2468879" cy="457200"/>
+          </a:xfrm>
+          <a:prstGeom prst="rect">
+            <a:avLst/>
+          </a:prstGeom>
+          <a:noFill/>
+        </p:spPr>
+        <p:txBody>
+          <a:bodyPr wrap="square" anchor="t">
+            <a:spAutoFit/>
+          </a:bodyPr>
+          <a:lstStyle/>
+          <a:p>
+            <a:pPr algn="l"/>
+            <a:r>
+              <a:rPr sz="800" b="0">
+                <a:solidFill>
+                  <a:srgbClr val="404040"/>
+                </a:solidFill>
+                <a:latin typeface="Calibri"/>
+              </a:rPr>
+              <a:t>DataFrame,</a:t>
+            </a:r>
+          </a:p>
+          <a:p>
+            <a:pPr algn="l"/>
+            <a:r>
+              <a:rPr sz="800" b="0">
+                <a:solidFill>
+                  <a:srgbClr val="404040"/>
+                </a:solidFill>
+                <a:latin typeface="Calibri"/>
+              </a:rPr>
+              <a:t>question</a:t>
+            </a:r>
+          </a:p>
+        </p:txBody>
+      </p:sp>
+      <p:sp>
+        <p:nvSpPr>
+          <p:cNvPr id="51" name="Rectangle 50"/>
+          <p:cNvSpPr/>
+          <p:nvPr/>
+        </p:nvSpPr>
+        <p:spPr>
+          <a:xfrm>
+            <a:off x="9875520" y="3017520"/>
+            <a:ext cx="2011680" cy="548640"/>
+          </a:xfrm>
+          <a:prstGeom prst="rect">
+            <a:avLst/>
+          </a:prstGeom>
+          <a:solidFill>
+            <a:srgbClr val="FAFAFA"/>
+          </a:solidFill>
+          <a:ln>
+            <a:solidFill>
+              <a:srgbClr val="C0C0C0"/>
+            </a:solidFill>
+          </a:ln>
+        </p:spPr>
+        <p:style>
+          <a:lnRef idx="1">
+            <a:schemeClr val="accent1"/>
+          </a:lnRef>
+          <a:fillRef idx="3">
+            <a:schemeClr val="accent1"/>
+          </a:fillRef>
+          <a:effectRef idx="2">
+            <a:schemeClr val="accent1"/>
+          </a:effectRef>
+          <a:fontRef idx="minor">
+            <a:schemeClr val="lt1"/>
+          </a:fontRef>
+        </p:style>
+        <p:txBody>
+          <a:bodyPr rtlCol="0" anchor="ctr"/>
+          <a:lstStyle/>
+          <a:p>
+            <a:pPr algn="ctr"/>
+            <a:endParaRPr/>
+          </a:p>
+        </p:txBody>
+      </p:sp>
+      <p:sp>
+        <p:nvSpPr>
+          <p:cNvPr id="52" name="TextBox 51"/>
+          <p:cNvSpPr txBox="1"/>
+          <p:nvPr/>
+        </p:nvSpPr>
+        <p:spPr>
+          <a:xfrm>
+            <a:off x="9921240" y="3063239"/>
+            <a:ext cx="1920240" cy="457200"/>
+          </a:xfrm>
+          <a:prstGeom prst="rect">
+            <a:avLst/>
+          </a:prstGeom>
+          <a:noFill/>
+        </p:spPr>
+        <p:txBody>
+          <a:bodyPr wrap="square" anchor="t">
+            <a:spAutoFit/>
+          </a:bodyPr>
+          <a:lstStyle/>
+          <a:p>
+            <a:pPr algn="l"/>
+            <a:r>
+              <a:rPr sz="800" b="0">
+                <a:solidFill>
+                  <a:srgbClr val="404040"/>
+                </a:solidFill>
+                <a:latin typeface="Calibri"/>
+              </a:rPr>
+              <a:t>p-values,</a:t>
+            </a:r>
+          </a:p>
+          <a:p>
+            <a:pPr algn="l"/>
+            <a:r>
+              <a:rPr sz="800" b="0">
+                <a:solidFill>
+                  <a:srgbClr val="404040"/>
+                </a:solidFill>
+                <a:latin typeface="Calibri"/>
+              </a:rPr>
+              <a:t>effect sizes</a:t>
+            </a:r>
+          </a:p>
+        </p:txBody>
+      </p:sp>
+      <p:sp>
+        <p:nvSpPr>
+          <p:cNvPr id="53" name="Rectangle 52"/>
+          <p:cNvSpPr/>
+          <p:nvPr/>
+        </p:nvSpPr>
+        <p:spPr>
+          <a:xfrm>
+            <a:off x="457200" y="3611879"/>
+            <a:ext cx="2286000" cy="548640"/>
+          </a:xfrm>
+          <a:prstGeom prst="rect">
+            <a:avLst/>
+          </a:prstGeom>
+          <a:solidFill>
+            <a:srgbClr val="FAFAFA"/>
+          </a:solidFill>
+          <a:ln>
+            <a:solidFill>
+              <a:srgbClr val="C0C0C0"/>
+            </a:solidFill>
+          </a:ln>
+        </p:spPr>
+        <p:style>
+          <a:lnRef idx="1">
+            <a:schemeClr val="accent1"/>
+          </a:lnRef>
+          <a:fillRef idx="3">
+            <a:schemeClr val="accent1"/>
+          </a:fillRef>
+          <a:effectRef idx="2">
+            <a:schemeClr val="accent1"/>
+          </a:effectRef>
+          <a:fontRef idx="minor">
+            <a:schemeClr val="lt1"/>
+          </a:fontRef>
+        </p:style>
+        <p:txBody>
+          <a:bodyPr rtlCol="0" anchor="ctr"/>
+          <a:lstStyle/>
+          <a:p>
+            <a:pPr algn="ctr"/>
+            <a:endParaRPr/>
+          </a:p>
+        </p:txBody>
+      </p:sp>
+      <p:sp>
+        <p:nvSpPr>
+          <p:cNvPr id="54" name="TextBox 53"/>
+          <p:cNvSpPr txBox="1"/>
+          <p:nvPr/>
+        </p:nvSpPr>
+        <p:spPr>
+          <a:xfrm>
+            <a:off x="502920" y="3657599"/>
+            <a:ext cx="2194560" cy="457200"/>
+          </a:xfrm>
+          <a:prstGeom prst="rect">
+            <a:avLst/>
+          </a:prstGeom>
+          <a:noFill/>
+        </p:spPr>
+        <p:txBody>
+          <a:bodyPr wrap="square" anchor="t">
+            <a:spAutoFit/>
+          </a:bodyPr>
+          <a:lstStyle/>
+          <a:p>
+            <a:pPr algn="l"/>
+            <a:r>
+              <a:rPr sz="800" b="0">
+                <a:solidFill>
+                  <a:srgbClr val="404040"/>
+                </a:solidFill>
+                <a:latin typeface="Calibri"/>
+              </a:rPr>
+              <a:t>Lit Search</a:t>
+            </a:r>
+          </a:p>
+        </p:txBody>
+      </p:sp>
+      <p:sp>
+        <p:nvSpPr>
+          <p:cNvPr id="55" name="Rectangle 54"/>
+          <p:cNvSpPr/>
+          <p:nvPr/>
+        </p:nvSpPr>
+        <p:spPr>
+          <a:xfrm>
+            <a:off x="2743200" y="3611879"/>
+            <a:ext cx="2011680" cy="548640"/>
+          </a:xfrm>
+          <a:prstGeom prst="rect">
+            <a:avLst/>
+          </a:prstGeom>
+          <a:solidFill>
+            <a:srgbClr val="FAFAFA"/>
+          </a:solidFill>
+          <a:ln>
+            <a:solidFill>
+              <a:srgbClr val="C0C0C0"/>
+            </a:solidFill>
+          </a:ln>
+        </p:spPr>
+        <p:style>
+          <a:lnRef idx="1">
+            <a:schemeClr val="accent1"/>
+          </a:lnRef>
+          <a:fillRef idx="3">
+            <a:schemeClr val="accent1"/>
+          </a:fillRef>
+          <a:effectRef idx="2">
+            <a:schemeClr val="accent1"/>
+          </a:effectRef>
+          <a:fontRef idx="minor">
+            <a:schemeClr val="lt1"/>
+          </a:fontRef>
+        </p:style>
+        <p:txBody>
+          <a:bodyPr rtlCol="0" anchor="ctr"/>
+          <a:lstStyle/>
+          <a:p>
+            <a:pPr algn="ctr"/>
+            <a:endParaRPr/>
+          </a:p>
+        </p:txBody>
+      </p:sp>
+      <p:sp>
+        <p:nvSpPr>
+          <p:cNvPr id="56" name="TextBox 55"/>
+          <p:cNvSpPr txBox="1"/>
+          <p:nvPr/>
+        </p:nvSpPr>
+        <p:spPr>
+          <a:xfrm>
+            <a:off x="2788920" y="3657599"/>
+            <a:ext cx="1920240" cy="457200"/>
+          </a:xfrm>
+          <a:prstGeom prst="rect">
+            <a:avLst/>
+          </a:prstGeom>
+          <a:noFill/>
+        </p:spPr>
+        <p:txBody>
+          <a:bodyPr wrap="square" anchor="t">
+            <a:spAutoFit/>
+          </a:bodyPr>
+          <a:lstStyle/>
+          <a:p>
+            <a:pPr algn="l"/>
+            <a:r>
+              <a:rPr sz="800" b="0">
+                <a:solidFill>
+                  <a:srgbClr val="404040"/>
+                </a:solidFill>
+                <a:latin typeface="Calibri"/>
+              </a:rPr>
+              <a:t>agents/</a:t>
+            </a:r>
+          </a:p>
+          <a:p>
+            <a:pPr algn="l"/>
+            <a:r>
+              <a:rPr sz="800" b="0">
+                <a:solidFill>
+                  <a:srgbClr val="404040"/>
+                </a:solidFill>
+                <a:latin typeface="Calibri"/>
+              </a:rPr>
+              <a:t>literature_</a:t>
+            </a:r>
+          </a:p>
+          <a:p>
+            <a:pPr algn="l"/>
+            <a:r>
+              <a:rPr sz="800" b="0">
+                <a:solidFill>
+                  <a:srgbClr val="404040"/>
+                </a:solidFill>
+                <a:latin typeface="Calibri"/>
+              </a:rPr>
+              <a:t>searcher.py</a:t>
+            </a:r>
+          </a:p>
+        </p:txBody>
+      </p:sp>
+      <p:sp>
+        <p:nvSpPr>
+          <p:cNvPr id="57" name="Rectangle 56"/>
+          <p:cNvSpPr/>
+          <p:nvPr/>
+        </p:nvSpPr>
+        <p:spPr>
+          <a:xfrm>
+            <a:off x="4754880" y="3611879"/>
+            <a:ext cx="2560320" cy="548640"/>
+          </a:xfrm>
+          <a:prstGeom prst="rect">
+            <a:avLst/>
+          </a:prstGeom>
+          <a:solidFill>
+            <a:srgbClr val="FAFAFA"/>
+          </a:solidFill>
+          <a:ln>
+            <a:solidFill>
+              <a:srgbClr val="C0C0C0"/>
+            </a:solidFill>
+          </a:ln>
+        </p:spPr>
+        <p:style>
+          <a:lnRef idx="1">
+            <a:schemeClr val="accent1"/>
+          </a:lnRef>
+          <a:fillRef idx="3">
+            <a:schemeClr val="accent1"/>
+          </a:fillRef>
+          <a:effectRef idx="2">
+            <a:schemeClr val="accent1"/>
+          </a:effectRef>
+          <a:fontRef idx="minor">
+            <a:schemeClr val="lt1"/>
+          </a:fontRef>
+        </p:style>
+        <p:txBody>
+          <a:bodyPr rtlCol="0" anchor="ctr"/>
+          <a:lstStyle/>
+          <a:p>
+            <a:pPr algn="ctr"/>
+            <a:endParaRPr/>
+          </a:p>
+        </p:txBody>
+      </p:sp>
+      <p:sp>
+        <p:nvSpPr>
+          <p:cNvPr id="58" name="TextBox 57"/>
+          <p:cNvSpPr txBox="1"/>
+          <p:nvPr/>
+        </p:nvSpPr>
+        <p:spPr>
+          <a:xfrm>
+            <a:off x="4800600" y="3657599"/>
+            <a:ext cx="2468879" cy="457200"/>
+          </a:xfrm>
+          <a:prstGeom prst="rect">
+            <a:avLst/>
+          </a:prstGeom>
+          <a:noFill/>
+        </p:spPr>
+        <p:txBody>
+          <a:bodyPr wrap="square" anchor="t">
+            <a:spAutoFit/>
+          </a:bodyPr>
+          <a:lstStyle/>
+          <a:p>
+            <a:pPr algn="l"/>
+            <a:r>
+              <a:rPr sz="800" b="0">
+                <a:solidFill>
+                  <a:srgbClr val="404040"/>
+                </a:solidFill>
+                <a:latin typeface="Calibri"/>
+              </a:rPr>
+              <a:t>search(),</a:t>
+            </a:r>
+          </a:p>
+          <a:p>
+            <a:pPr algn="l"/>
+            <a:r>
+              <a:rPr sz="800" b="0">
+                <a:solidFill>
+                  <a:srgbClr val="404040"/>
+                </a:solidFill>
+                <a:latin typeface="Calibri"/>
+              </a:rPr>
+              <a:t>_extract_insights()</a:t>
+            </a:r>
+          </a:p>
+        </p:txBody>
+      </p:sp>
+      <p:sp>
+        <p:nvSpPr>
+          <p:cNvPr id="59" name="Rectangle 58"/>
+          <p:cNvSpPr/>
+          <p:nvPr/>
+        </p:nvSpPr>
+        <p:spPr>
+          <a:xfrm>
+            <a:off x="7315200" y="3611879"/>
+            <a:ext cx="2560320" cy="548640"/>
+          </a:xfrm>
+          <a:prstGeom prst="rect">
+            <a:avLst/>
+          </a:prstGeom>
+          <a:solidFill>
+            <a:srgbClr val="FAFAFA"/>
+          </a:solidFill>
+          <a:ln>
+            <a:solidFill>
+              <a:srgbClr val="C0C0C0"/>
+            </a:solidFill>
+          </a:ln>
+        </p:spPr>
+        <p:style>
+          <a:lnRef idx="1">
+            <a:schemeClr val="accent1"/>
+          </a:lnRef>
+          <a:fillRef idx="3">
+            <a:schemeClr val="accent1"/>
+          </a:fillRef>
+          <a:effectRef idx="2">
+            <a:schemeClr val="accent1"/>
+          </a:effectRef>
+          <a:fontRef idx="minor">
+            <a:schemeClr val="lt1"/>
+          </a:fontRef>
+        </p:style>
+        <p:txBody>
+          <a:bodyPr rtlCol="0" anchor="ctr"/>
+          <a:lstStyle/>
+          <a:p>
+            <a:pPr algn="ctr"/>
+            <a:endParaRPr/>
+          </a:p>
+        </p:txBody>
+      </p:sp>
+      <p:sp>
+        <p:nvSpPr>
+          <p:cNvPr id="60" name="TextBox 59"/>
+          <p:cNvSpPr txBox="1"/>
+          <p:nvPr/>
+        </p:nvSpPr>
+        <p:spPr>
+          <a:xfrm>
+            <a:off x="7360920" y="3657599"/>
+            <a:ext cx="2468879" cy="457200"/>
+          </a:xfrm>
+          <a:prstGeom prst="rect">
+            <a:avLst/>
+          </a:prstGeom>
+          <a:noFill/>
+        </p:spPr>
+        <p:txBody>
+          <a:bodyPr wrap="square" anchor="t">
+            <a:spAutoFit/>
+          </a:bodyPr>
+          <a:lstStyle/>
+          <a:p>
+            <a:pPr algn="l"/>
+            <a:r>
+              <a:rPr sz="800" b="0">
+                <a:solidFill>
+                  <a:srgbClr val="404040"/>
+                </a:solidFill>
+                <a:latin typeface="Calibri"/>
+              </a:rPr>
+              <a:t>Query,</a:t>
+            </a:r>
+          </a:p>
+          <a:p>
+            <a:pPr algn="l"/>
+            <a:r>
+              <a:rPr sz="800" b="0">
+                <a:solidFill>
+                  <a:srgbClr val="404040"/>
+                </a:solidFill>
+                <a:latin typeface="Calibri"/>
+              </a:rPr>
+              <a:t>literature KB</a:t>
+            </a:r>
+          </a:p>
+        </p:txBody>
+      </p:sp>
+      <p:sp>
+        <p:nvSpPr>
+          <p:cNvPr id="61" name="Rectangle 60"/>
+          <p:cNvSpPr/>
+          <p:nvPr/>
+        </p:nvSpPr>
+        <p:spPr>
+          <a:xfrm>
+            <a:off x="9875520" y="3611879"/>
+            <a:ext cx="2011680" cy="548640"/>
+          </a:xfrm>
+          <a:prstGeom prst="rect">
+            <a:avLst/>
+          </a:prstGeom>
+          <a:solidFill>
+            <a:srgbClr val="FAFAFA"/>
+          </a:solidFill>
+          <a:ln>
+            <a:solidFill>
+              <a:srgbClr val="C0C0C0"/>
+            </a:solidFill>
+          </a:ln>
+        </p:spPr>
+        <p:style>
+          <a:lnRef idx="1">
+            <a:schemeClr val="accent1"/>
+          </a:lnRef>
+          <a:fillRef idx="3">
+            <a:schemeClr val="accent1"/>
+          </a:fillRef>
+          <a:effectRef idx="2">
+            <a:schemeClr val="accent1"/>
+          </a:effectRef>
+          <a:fontRef idx="minor">
+            <a:schemeClr val="lt1"/>
+          </a:fontRef>
+        </p:style>
+        <p:txBody>
+          <a:bodyPr rtlCol="0" anchor="ctr"/>
+          <a:lstStyle/>
+          <a:p>
+            <a:pPr algn="ctr"/>
+            <a:endParaRPr/>
+          </a:p>
+        </p:txBody>
+      </p:sp>
+      <p:sp>
+        <p:nvSpPr>
+          <p:cNvPr id="62" name="TextBox 61"/>
+          <p:cNvSpPr txBox="1"/>
+          <p:nvPr/>
+        </p:nvSpPr>
+        <p:spPr>
+          <a:xfrm>
+            <a:off x="9921240" y="3657599"/>
+            <a:ext cx="1920240" cy="457200"/>
+          </a:xfrm>
+          <a:prstGeom prst="rect">
+            <a:avLst/>
+          </a:prstGeom>
+          <a:noFill/>
+        </p:spPr>
+        <p:txBody>
+          <a:bodyPr wrap="square" anchor="t">
+            <a:spAutoFit/>
+          </a:bodyPr>
+          <a:lstStyle/>
+          <a:p>
+            <a:pPr algn="l"/>
+            <a:r>
+              <a:rPr sz="800" b="0">
+                <a:solidFill>
+                  <a:srgbClr val="404040"/>
+                </a:solidFill>
+                <a:latin typeface="Calibri"/>
+              </a:rPr>
+              <a:t>Papers,</a:t>
+            </a:r>
+          </a:p>
+          <a:p>
+            <a:pPr algn="l"/>
+            <a:r>
+              <a:rPr sz="800" b="0">
+                <a:solidFill>
+                  <a:srgbClr val="404040"/>
+                </a:solidFill>
+                <a:latin typeface="Calibri"/>
+              </a:rPr>
+              <a:t>insights</a:t>
+            </a:r>
+          </a:p>
+        </p:txBody>
+      </p:sp>
+      <p:sp>
+        <p:nvSpPr>
+          <p:cNvPr id="63" name="TextBox 62"/>
+          <p:cNvSpPr txBox="1"/>
+          <p:nvPr/>
+        </p:nvSpPr>
+        <p:spPr>
+          <a:xfrm>
+            <a:off x="457200" y="4389120"/>
+            <a:ext cx="10972800" cy="731520"/>
+          </a:xfrm>
+          <a:prstGeom prst="rect">
+            <a:avLst/>
+          </a:prstGeom>
+          <a:noFill/>
+        </p:spPr>
+        <p:txBody>
+          <a:bodyPr wrap="square" anchor="t">
+            <a:spAutoFit/>
+          </a:bodyPr>
+          <a:lstStyle/>
+          <a:p>
+            <a:pPr algn="l"/>
+            <a:r>
+              <a:rPr sz="900" b="0">
+                <a:solidFill>
+                  <a:srgbClr val="404040"/>
+                </a:solidFill>
+                <a:latin typeface="Calibri"/>
+              </a:rPr>
+              <a:t>CRITICAL DEPENDENCIES:</a:t>
+            </a:r>
+          </a:p>
+          <a:p>
+            <a:pPr algn="l"/>
+            <a:r>
+              <a:rPr sz="900" b="0">
+                <a:solidFill>
+                  <a:srgbClr val="404040"/>
+                </a:solidFill>
+                <a:latin typeface="Calibri"/>
+              </a:rPr>
+              <a:t>• Python 3.8+  • Streamlit (UI framework)  • SciPy/NumPy (statistical analysis)  • Pandas (data manipulation)</a:t>
+            </a:r>
+          </a:p>
+          <a:p>
+            <a:pPr algn="l"/>
+            <a:r>
+              <a:rPr sz="900" b="0">
+                <a:solidFill>
+                  <a:srgbClr val="404040"/>
+                </a:solidFill>
+                <a:latin typeface="Calibri"/>
+              </a:rPr>
+              <a:t>• OpenAI API (optional, for LLM features)  • python-pptx (presentation generation)</a:t>
+            </a:r>
+          </a:p>
+          <a:p>
+            <a:pPr algn="l"/>
+            <a:endParaRPr sz="900" b="0">
+              <a:solidFill>
+                <a:srgbClr val="404040"/>
+              </a:solidFill>
+              <a:latin typeface="Calibri"/>
+            </a:endParaRPr>
+          </a:p>
+          <a:p>
+            <a:pPr algn="l"/>
+            <a:r>
+              <a:rPr sz="900" b="0">
+                <a:solidFill>
+                  <a:srgbClr val="404040"/>
+                </a:solidFill>
+                <a:latin typeface="Calibri"/>
+              </a:rPr>
+              <a:t>DEPLOYMENT: Runs locally or containerized (Docker). No cloud infrastructure required for core functionality.</a:t>
             </a:r>
           </a:p>
         </p:txBody>
@@ -4312,15 +7746,30 @@
 </file>
 
 <file path=ppt/slides/slide3.xml><?xml version="1.0" encoding="utf-8"?>
-<p:sld xmlns:a="http://schemas.openxmlformats.org/drawingml/2006/main" xmlns:p="http://schemas.openxmlformats.org/presentationml/2006/main" xmlns:r="http://schemas.openxmlformats.org/officeDocument/2006/relationships">
+<p:sld xmlns:a="http://schemas.openxmlformats.org/drawingml/2006/main" xmlns:r="http://schemas.openxmlformats.org/officeDocument/2006/relationships" xmlns:p="http://schemas.openxmlformats.org/presentationml/2006/main">
   <p:cSld>
+    <p:bg>
+      <p:bgPr>
+        <a:solidFill>
+          <a:srgbClr val="FFFFFF"/>
+        </a:solidFill>
+        <a:effectLst/>
+      </p:bgPr>
+    </p:bg>
     <p:spTree>
       <p:nvGrpSpPr>
         <p:cNvPr id="1" name=""/>
         <p:cNvGrpSpPr/>
         <p:nvPr/>
       </p:nvGrpSpPr>
-      <p:grpSpPr/>
+      <p:grpSpPr>
+        <a:xfrm>
+          <a:off x="0" y="0"/>
+          <a:ext cx="0" cy="0"/>
+          <a:chOff x="0" y="0"/>
+          <a:chExt cx="0" cy="0"/>
+        </a:xfrm>
+      </p:grpSpPr>
       <p:sp>
         <p:nvSpPr>
           <p:cNvPr id="2" name="TextBox 1"/>
@@ -4330,7 +7779,7 @@
         <p:spPr>
           <a:xfrm>
             <a:off x="457200" y="274320"/>
-            <a:ext cx="13716000" cy="457200"/>
+            <a:ext cx="10972800" cy="365760"/>
           </a:xfrm>
           <a:prstGeom prst="rect">
             <a:avLst/>
@@ -4338,20 +7787,20 @@
           <a:noFill/>
         </p:spPr>
         <p:txBody>
-          <a:bodyPr wrap="none">
+          <a:bodyPr wrap="square" anchor="t">
             <a:spAutoFit/>
           </a:bodyPr>
           <a:lstStyle/>
           <a:p>
-            <a:pPr>
-              <a:defRPr sz="2800" b="1">
-                <a:solidFill>
-                  <a:srgbClr val="2C3E50"/>
-                </a:solidFill>
-              </a:defRPr>
-            </a:pPr>
-            <a:r>
-              <a:t>Appendix B: Discovery Cycle Sequence</a:t>
+            <a:pPr algn="l"/>
+            <a:r>
+              <a:rPr sz="2200" b="1">
+                <a:solidFill>
+                  <a:srgbClr val="002060"/>
+                </a:solidFill>
+                <a:latin typeface="Calibri"/>
+              </a:rPr>
+              <a:t>Appendix: Primary User Journey</a:t>
             </a:r>
           </a:p>
         </p:txBody>
@@ -4364,8 +7813,8 @@
         </p:nvSpPr>
         <p:spPr>
           <a:xfrm>
-            <a:off x="914400" y="1097280"/>
-            <a:ext cx="12801600" cy="6400800"/>
+            <a:off x="457200" y="731520"/>
+            <a:ext cx="10972800" cy="274320"/>
           </a:xfrm>
           <a:prstGeom prst="rect">
             <a:avLst/>
@@ -4373,504 +7822,2057 @@
           <a:noFill/>
         </p:spPr>
         <p:txBody>
-          <a:bodyPr wrap="square">
+          <a:bodyPr wrap="square" anchor="t">
             <a:spAutoFit/>
           </a:bodyPr>
           <a:lstStyle/>
           <a:p>
-            <a:pPr>
-              <a:spcBef>
-                <a:spcPts val="600"/>
-              </a:spcBef>
-              <a:defRPr sz="1100">
-                <a:solidFill>
-                  <a:srgbClr val="2C3E50"/>
-                </a:solidFill>
-              </a:defRPr>
-            </a:pPr>
-            <a:r>
-              <a:t>Discovery Cycle Flow:</a:t>
-            </a:r>
-          </a:p>
-          <a:p>
-            <a:pPr>
-              <a:spcBef>
-                <a:spcPts val="600"/>
-              </a:spcBef>
-              <a:defRPr sz="1100">
-                <a:solidFill>
-                  <a:srgbClr val="2C3E50"/>
-                </a:solidFill>
-              </a:defRPr>
-            </a:pPr>
-          </a:p>
-          <a:p>
-            <a:pPr>
-              <a:spcBef>
-                <a:spcPts val="600"/>
-              </a:spcBef>
-              <a:defRPr sz="1100">
-                <a:solidFill>
-                  <a:srgbClr val="2C3E50"/>
-                </a:solidFill>
-              </a:defRPr>
-            </a:pPr>
-            <a:r>
-              <a:t>1. User initiates discovery via Streamlit UI</a:t>
-            </a:r>
-          </a:p>
-          <a:p>
-            <a:pPr>
-              <a:spcBef>
-                <a:spcPts val="600"/>
-              </a:spcBef>
-              <a:defRPr sz="1100">
-                <a:solidFill>
-                  <a:srgbClr val="2C3E50"/>
-                </a:solidFill>
-              </a:defRPr>
-            </a:pPr>
-            <a:r>
-              <a:t>   → Provides research objective and configures cycles</a:t>
-            </a:r>
-          </a:p>
-          <a:p>
-            <a:pPr>
-              <a:spcBef>
-                <a:spcPts val="600"/>
-              </a:spcBef>
-              <a:defRPr sz="1100">
-                <a:solidFill>
-                  <a:srgbClr val="2C3E50"/>
-                </a:solidFill>
-              </a:defRPr>
-            </a:pPr>
-          </a:p>
-          <a:p>
-            <a:pPr>
-              <a:spcBef>
-                <a:spcPts val="600"/>
-              </a:spcBef>
-              <a:defRPr sz="1100">
-                <a:solidFill>
-                  <a:srgbClr val="2C3E50"/>
-                </a:solidFill>
-              </a:defRPr>
-            </a:pPr>
-            <a:r>
-              <a:t>2. Data Loader reads CSV files</a:t>
-            </a:r>
-          </a:p>
-          <a:p>
-            <a:pPr>
-              <a:spcBef>
-                <a:spcPts val="600"/>
-              </a:spcBef>
-              <a:defRPr sz="1100">
-                <a:solidFill>
-                  <a:srgbClr val="2C3E50"/>
-                </a:solidFill>
-              </a:defRPr>
-            </a:pPr>
-            <a:r>
-              <a:t>   → Loads and preprocesses customer/competitor data</a:t>
-            </a:r>
-          </a:p>
-          <a:p>
-            <a:pPr>
-              <a:spcBef>
-                <a:spcPts val="600"/>
-              </a:spcBef>
-              <a:defRPr sz="1100">
-                <a:solidFill>
-                  <a:srgbClr val="2C3E50"/>
-                </a:solidFill>
-              </a:defRPr>
-            </a:pPr>
-          </a:p>
-          <a:p>
-            <a:pPr>
-              <a:spcBef>
-                <a:spcPts val="600"/>
-              </a:spcBef>
-              <a:defRPr sz="1100">
-                <a:solidFill>
-                  <a:srgbClr val="2C3E50"/>
-                </a:solidFill>
-              </a:defRPr>
-            </a:pPr>
-            <a:r>
-              <a:t>3. Orchestrator generates research questions</a:t>
-            </a:r>
-          </a:p>
-          <a:p>
-            <a:pPr>
-              <a:spcBef>
-                <a:spcPts val="600"/>
-              </a:spcBef>
-              <a:defRPr sz="1100">
-                <a:solidFill>
-                  <a:srgbClr val="2C3E50"/>
-                </a:solidFill>
-              </a:defRPr>
-            </a:pPr>
-            <a:r>
-              <a:t>   → Uses LLM (if enabled) or default question bank</a:t>
-            </a:r>
-          </a:p>
-          <a:p>
-            <a:pPr>
-              <a:spcBef>
-                <a:spcPts val="600"/>
-              </a:spcBef>
-              <a:defRPr sz="1100">
-                <a:solidFill>
-                  <a:srgbClr val="2C3E50"/>
-                </a:solidFill>
-              </a:defRPr>
-            </a:pPr>
-          </a:p>
-          <a:p>
-            <a:pPr>
-              <a:spcBef>
-                <a:spcPts val="600"/>
-              </a:spcBef>
-              <a:defRPr sz="1100">
-                <a:solidFill>
-                  <a:srgbClr val="2C3E50"/>
-                </a:solidFill>
-              </a:defRPr>
-            </a:pPr>
-            <a:r>
-              <a:t>4. Statistical Analysis Engine executes analyses</a:t>
-            </a:r>
-          </a:p>
-          <a:p>
-            <a:pPr>
-              <a:spcBef>
-                <a:spcPts val="600"/>
-              </a:spcBef>
-              <a:defRPr sz="1100">
-                <a:solidFill>
-                  <a:srgbClr val="2C3E50"/>
-                </a:solidFill>
-              </a:defRPr>
-            </a:pPr>
-            <a:r>
-              <a:t>   → Performs correlations, t-tests, ANOVA, regression</a:t>
-            </a:r>
-          </a:p>
-          <a:p>
-            <a:pPr>
-              <a:spcBef>
-                <a:spcPts val="600"/>
-              </a:spcBef>
-              <a:defRPr sz="1100">
-                <a:solidFill>
-                  <a:srgbClr val="2C3E50"/>
-                </a:solidFill>
-              </a:defRPr>
-            </a:pPr>
-            <a:r>
-              <a:t>   → Computes p-values, effect sizes, confidence intervals</a:t>
-            </a:r>
-          </a:p>
-          <a:p>
-            <a:pPr>
-              <a:spcBef>
-                <a:spcPts val="600"/>
-              </a:spcBef>
-              <a:defRPr sz="1100">
-                <a:solidFill>
-                  <a:srgbClr val="2C3E50"/>
-                </a:solidFill>
-              </a:defRPr>
-            </a:pPr>
-          </a:p>
-          <a:p>
-            <a:pPr>
-              <a:spcBef>
-                <a:spcPts val="600"/>
-              </a:spcBef>
-              <a:defRPr sz="1100">
-                <a:solidFill>
-                  <a:srgbClr val="2C3E50"/>
-                </a:solidFill>
-              </a:defRPr>
-            </a:pPr>
-            <a:r>
-              <a:t>5. LLM Gateway (optional) searches literature</a:t>
-            </a:r>
-          </a:p>
-          <a:p>
-            <a:pPr>
-              <a:spcBef>
-                <a:spcPts val="600"/>
-              </a:spcBef>
-              <a:defRPr sz="1100">
-                <a:solidFill>
-                  <a:srgbClr val="2C3E50"/>
-                </a:solidFill>
-              </a:defRPr>
-            </a:pPr>
-            <a:r>
-              <a:t>   → Queries literature index for relevant papers</a:t>
-            </a:r>
-          </a:p>
-          <a:p>
-            <a:pPr>
-              <a:spcBef>
-                <a:spcPts val="600"/>
-              </a:spcBef>
-              <a:defRPr sz="1100">
-                <a:solidFill>
-                  <a:srgbClr val="2C3E50"/>
-                </a:solidFill>
-              </a:defRPr>
-            </a:pPr>
-            <a:r>
-              <a:t>   → Extracts and synthesizes findings</a:t>
-            </a:r>
-          </a:p>
-          <a:p>
-            <a:pPr>
-              <a:spcBef>
-                <a:spcPts val="600"/>
-              </a:spcBef>
-              <a:defRPr sz="1100">
-                <a:solidFill>
-                  <a:srgbClr val="2C3E50"/>
-                </a:solidFill>
-              </a:defRPr>
-            </a:pPr>
-          </a:p>
-          <a:p>
-            <a:pPr>
-              <a:spcBef>
-                <a:spcPts val="600"/>
-              </a:spcBef>
-              <a:defRPr sz="1100">
-                <a:solidFill>
-                  <a:srgbClr val="2C3E50"/>
-                </a:solidFill>
-              </a:defRPr>
-            </a:pPr>
-            <a:r>
-              <a:t>6. Discovery Synthesis</a:t>
-            </a:r>
-          </a:p>
-          <a:p>
-            <a:pPr>
-              <a:spcBef>
-                <a:spcPts val="600"/>
-              </a:spcBef>
-              <a:defRPr sz="1100">
-                <a:solidFill>
-                  <a:srgbClr val="2C3E50"/>
-                </a:solidFill>
-              </a:defRPr>
-            </a:pPr>
-            <a:r>
-              <a:t>   → LLM combines statistical + literature evidence</a:t>
-            </a:r>
-          </a:p>
-          <a:p>
-            <a:pPr>
-              <a:spcBef>
-                <a:spcPts val="600"/>
-              </a:spcBef>
-              <a:defRPr sz="1100">
-                <a:solidFill>
-                  <a:srgbClr val="2C3E50"/>
-                </a:solidFill>
-              </a:defRPr>
-            </a:pPr>
-            <a:r>
-              <a:t>   → Generates actionable discoveries with confidence scores</a:t>
-            </a:r>
-          </a:p>
-          <a:p>
-            <a:pPr>
-              <a:spcBef>
-                <a:spcPts val="600"/>
-              </a:spcBef>
-              <a:defRPr sz="1100">
-                <a:solidFill>
-                  <a:srgbClr val="2C3E50"/>
-                </a:solidFill>
-              </a:defRPr>
-            </a:pPr>
-          </a:p>
-          <a:p>
-            <a:pPr>
-              <a:spcBef>
-                <a:spcPts val="600"/>
-              </a:spcBef>
-              <a:defRPr sz="1100">
-                <a:solidFill>
-                  <a:srgbClr val="2C3E50"/>
-                </a:solidFill>
-              </a:defRPr>
-            </a:pPr>
-            <a:r>
-              <a:t>7. World Model updates</a:t>
-            </a:r>
-          </a:p>
-          <a:p>
-            <a:pPr>
-              <a:spcBef>
-                <a:spcPts val="600"/>
-              </a:spcBef>
-              <a:defRPr sz="1100">
-                <a:solidFill>
-                  <a:srgbClr val="2C3E50"/>
-                </a:solidFill>
-              </a:defRPr>
-            </a:pPr>
-            <a:r>
-              <a:t>   → Stores discoveries, trajectories, hypotheses</a:t>
-            </a:r>
-          </a:p>
-          <a:p>
-            <a:pPr>
-              <a:spcBef>
-                <a:spcPts val="600"/>
-              </a:spcBef>
-              <a:defRPr sz="1100">
-                <a:solidFill>
-                  <a:srgbClr val="2C3E50"/>
-                </a:solidFill>
-              </a:defRPr>
-            </a:pPr>
-            <a:r>
-              <a:t>   → Persists to world_model.json</a:t>
-            </a:r>
-          </a:p>
-          <a:p>
-            <a:pPr>
-              <a:spcBef>
-                <a:spcPts val="600"/>
-              </a:spcBef>
-              <a:defRPr sz="1100">
-                <a:solidFill>
-                  <a:srgbClr val="2C3E50"/>
-                </a:solidFill>
-              </a:defRPr>
-            </a:pPr>
-          </a:p>
-          <a:p>
-            <a:pPr>
-              <a:spcBef>
-                <a:spcPts val="600"/>
-              </a:spcBef>
-              <a:defRPr sz="1100">
-                <a:solidFill>
-                  <a:srgbClr val="2C3E50"/>
-                </a:solidFill>
-              </a:defRPr>
-            </a:pPr>
-            <a:r>
-              <a:t>8. Report Generation</a:t>
-            </a:r>
-          </a:p>
-          <a:p>
-            <a:pPr>
-              <a:spcBef>
-                <a:spcPts val="600"/>
-              </a:spcBef>
-              <a:defRPr sz="1100">
-                <a:solidFill>
-                  <a:srgbClr val="2C3E50"/>
-                </a:solidFill>
-              </a:defRPr>
-            </a:pPr>
-            <a:r>
-              <a:t>   → Auto-extracts statistics from trajectories</a:t>
-            </a:r>
-          </a:p>
-          <a:p>
-            <a:pPr>
-              <a:spcBef>
-                <a:spcPts val="600"/>
-              </a:spcBef>
-              <a:defRPr sz="1100">
-                <a:solidFill>
-                  <a:srgbClr val="2C3E50"/>
-                </a:solidFill>
-              </a:defRPr>
-            </a:pPr>
-            <a:r>
-              <a:t>   → Formats enhanced report with full evidence</a:t>
-            </a:r>
-          </a:p>
-          <a:p>
-            <a:pPr>
-              <a:spcBef>
-                <a:spcPts val="600"/>
-              </a:spcBef>
-              <a:defRPr sz="1100">
-                <a:solidFill>
-                  <a:srgbClr val="2C3E50"/>
-                </a:solidFill>
-              </a:defRPr>
-            </a:pPr>
-          </a:p>
-          <a:p>
-            <a:pPr>
-              <a:spcBef>
-                <a:spcPts val="600"/>
-              </a:spcBef>
-              <a:defRPr sz="1100">
-                <a:solidFill>
-                  <a:srgbClr val="2C3E50"/>
-                </a:solidFill>
-              </a:defRPr>
-            </a:pPr>
-            <a:r>
-              <a:t>9. Dashboard displays results</a:t>
-            </a:r>
-          </a:p>
-          <a:p>
-            <a:pPr>
-              <a:spcBef>
-                <a:spcPts val="600"/>
-              </a:spcBef>
-              <a:defRPr sz="1100">
-                <a:solidFill>
-                  <a:srgbClr val="2C3E50"/>
-                </a:solidFill>
-              </a:defRPr>
-            </a:pPr>
-            <a:r>
-              <a:t>   → Real-time visualization of discoveries</a:t>
-            </a:r>
-          </a:p>
-          <a:p>
-            <a:pPr>
-              <a:spcBef>
-                <a:spcPts val="600"/>
-              </a:spcBef>
-              <a:defRPr sz="1100">
-                <a:solidFill>
-                  <a:srgbClr val="2C3E50"/>
-                </a:solidFill>
-              </a:defRPr>
-            </a:pPr>
-            <a:r>
-              <a:t>   → Interactive filtering and exploration</a:t>
-            </a:r>
-          </a:p>
-          <a:p>
-            <a:pPr>
-              <a:spcBef>
-                <a:spcPts val="600"/>
-              </a:spcBef>
-              <a:defRPr sz="1100">
-                <a:solidFill>
-                  <a:srgbClr val="2C3E50"/>
-                </a:solidFill>
-              </a:defRPr>
-            </a:pPr>
+            <a:pPr algn="l"/>
+            <a:r>
+              <a:rPr sz="1100" b="0">
+                <a:solidFill>
+                  <a:srgbClr val="404040"/>
+                </a:solidFill>
+                <a:latin typeface="Calibri"/>
+              </a:rPr>
+              <a:t>End-to-end flow: User initiates discovery → System autonomously generates insights → Reports delivered</a:t>
+            </a:r>
+          </a:p>
+        </p:txBody>
+      </p:sp>
+      <p:sp>
+        <p:nvSpPr>
+          <p:cNvPr id="4" name="Rounded Rectangle 3"/>
+          <p:cNvSpPr/>
+          <p:nvPr/>
+        </p:nvSpPr>
+        <p:spPr>
+          <a:xfrm>
+            <a:off x="1828800" y="1371600"/>
+            <a:ext cx="3657600" cy="457200"/>
+          </a:xfrm>
+          <a:prstGeom prst="roundRect">
+            <a:avLst/>
+          </a:prstGeom>
+          <a:solidFill>
+            <a:srgbClr val="0070C0"/>
+          </a:solidFill>
+          <a:ln w="12700">
+            <a:solidFill>
+              <a:srgbClr val="404040"/>
+            </a:solidFill>
+          </a:ln>
+        </p:spPr>
+        <p:style>
+          <a:lnRef idx="1">
+            <a:schemeClr val="accent1"/>
+          </a:lnRef>
+          <a:fillRef idx="3">
+            <a:schemeClr val="accent1"/>
+          </a:fillRef>
+          <a:effectRef idx="2">
+            <a:schemeClr val="accent1"/>
+          </a:effectRef>
+          <a:fontRef idx="minor">
+            <a:schemeClr val="lt1"/>
+          </a:fontRef>
+        </p:style>
+        <p:txBody>
+          <a:bodyPr wrap="square" rtlCol="0" anchor="ctr"/>
+          <a:lstStyle/>
+          <a:p>
+            <a:pPr algn="ctr"/>
+            <a:r>
+              <a:rPr sz="1000" b="1">
+                <a:solidFill>
+                  <a:srgbClr val="FFFFFF"/>
+                </a:solidFill>
+                <a:latin typeface="Calibri"/>
+              </a:rPr>
+              <a:t>1. User Setup</a:t>
+            </a:r>
+          </a:p>
+        </p:txBody>
+      </p:sp>
+      <p:sp>
+        <p:nvSpPr>
+          <p:cNvPr id="5" name="TextBox 4"/>
+          <p:cNvSpPr txBox="1"/>
+          <p:nvPr/>
+        </p:nvSpPr>
+        <p:spPr>
+          <a:xfrm>
+            <a:off x="5669280" y="1417320"/>
+            <a:ext cx="5486400" cy="365760"/>
+          </a:xfrm>
+          <a:prstGeom prst="rect">
+            <a:avLst/>
+          </a:prstGeom>
+          <a:noFill/>
+        </p:spPr>
+        <p:txBody>
+          <a:bodyPr wrap="square" anchor="t">
+            <a:spAutoFit/>
+          </a:bodyPr>
+          <a:lstStyle/>
+          <a:p>
+            <a:pPr algn="l"/>
+            <a:r>
+              <a:rPr sz="900" b="0">
+                <a:solidFill>
+                  <a:srgbClr val="404040"/>
+                </a:solidFill>
+                <a:latin typeface="Calibri"/>
+              </a:rPr>
+              <a:t>Configure objective, API key (optional), # cycles</a:t>
+            </a:r>
+          </a:p>
+        </p:txBody>
+      </p:sp>
+      <p:cxnSp>
+        <p:nvCxnSpPr>
+          <p:cNvPr id="6" name="Connector 5"/>
+          <p:cNvCxnSpPr/>
+          <p:nvPr/>
+        </p:nvCxnSpPr>
+        <p:spPr>
+          <a:xfrm>
+            <a:off x="3657600" y="1828800"/>
+            <a:ext cx="0" cy="182880"/>
+          </a:xfrm>
+          <a:prstGeom prst="line">
+            <a:avLst/>
+          </a:prstGeom>
+          <a:ln w="19050">
+            <a:solidFill>
+              <a:srgbClr val="404040"/>
+            </a:solidFill>
+          </a:ln>
+        </p:spPr>
+        <p:style>
+          <a:lnRef idx="2">
+            <a:schemeClr val="accent1"/>
+          </a:lnRef>
+          <a:fillRef idx="0">
+            <a:schemeClr val="accent1"/>
+          </a:fillRef>
+          <a:effectRef idx="1">
+            <a:schemeClr val="accent1"/>
+          </a:effectRef>
+          <a:fontRef idx="minor">
+            <a:schemeClr val="tx1"/>
+          </a:fontRef>
+        </p:style>
+      </p:cxnSp>
+      <p:sp>
+        <p:nvSpPr>
+          <p:cNvPr id="7" name="Rounded Rectangle 6"/>
+          <p:cNvSpPr/>
+          <p:nvPr/>
+        </p:nvSpPr>
+        <p:spPr>
+          <a:xfrm>
+            <a:off x="1828800" y="2011680"/>
+            <a:ext cx="3657600" cy="457200"/>
+          </a:xfrm>
+          <a:prstGeom prst="roundRect">
+            <a:avLst/>
+          </a:prstGeom>
+          <a:solidFill>
+            <a:srgbClr val="6496C8"/>
+          </a:solidFill>
+          <a:ln w="12700">
+            <a:solidFill>
+              <a:srgbClr val="404040"/>
+            </a:solidFill>
+          </a:ln>
+        </p:spPr>
+        <p:style>
+          <a:lnRef idx="1">
+            <a:schemeClr val="accent1"/>
+          </a:lnRef>
+          <a:fillRef idx="3">
+            <a:schemeClr val="accent1"/>
+          </a:fillRef>
+          <a:effectRef idx="2">
+            <a:schemeClr val="accent1"/>
+          </a:effectRef>
+          <a:fontRef idx="minor">
+            <a:schemeClr val="lt1"/>
+          </a:fontRef>
+        </p:style>
+        <p:txBody>
+          <a:bodyPr wrap="square" rtlCol="0" anchor="ctr"/>
+          <a:lstStyle/>
+          <a:p>
+            <a:pPr algn="ctr"/>
+            <a:r>
+              <a:rPr sz="1000" b="1">
+                <a:solidFill>
+                  <a:srgbClr val="FFFFFF"/>
+                </a:solidFill>
+                <a:latin typeface="Calibri"/>
+              </a:rPr>
+              <a:t>2. Data Load</a:t>
+            </a:r>
+          </a:p>
+        </p:txBody>
+      </p:sp>
+      <p:sp>
+        <p:nvSpPr>
+          <p:cNvPr id="8" name="TextBox 7"/>
+          <p:cNvSpPr txBox="1"/>
+          <p:nvPr/>
+        </p:nvSpPr>
+        <p:spPr>
+          <a:xfrm>
+            <a:off x="5669280" y="2057400"/>
+            <a:ext cx="5486400" cy="365760"/>
+          </a:xfrm>
+          <a:prstGeom prst="rect">
+            <a:avLst/>
+          </a:prstGeom>
+          <a:noFill/>
+        </p:spPr>
+        <p:txBody>
+          <a:bodyPr wrap="square" anchor="t">
+            <a:spAutoFit/>
+          </a:bodyPr>
+          <a:lstStyle/>
+          <a:p>
+            <a:pPr algn="l"/>
+            <a:r>
+              <a:rPr sz="900" b="0">
+                <a:solidFill>
+                  <a:srgbClr val="404040"/>
+                </a:solidFill>
+                <a:latin typeface="Calibri"/>
+              </a:rPr>
+              <a:t>Load CSV files or generate sample data</a:t>
+            </a:r>
+          </a:p>
+        </p:txBody>
+      </p:sp>
+      <p:cxnSp>
+        <p:nvCxnSpPr>
+          <p:cNvPr id="9" name="Connector 8"/>
+          <p:cNvCxnSpPr/>
+          <p:nvPr/>
+        </p:nvCxnSpPr>
+        <p:spPr>
+          <a:xfrm>
+            <a:off x="3657600" y="2468880"/>
+            <a:ext cx="0" cy="182880"/>
+          </a:xfrm>
+          <a:prstGeom prst="line">
+            <a:avLst/>
+          </a:prstGeom>
+          <a:ln w="19050">
+            <a:solidFill>
+              <a:srgbClr val="404040"/>
+            </a:solidFill>
+          </a:ln>
+        </p:spPr>
+        <p:style>
+          <a:lnRef idx="2">
+            <a:schemeClr val="accent1"/>
+          </a:lnRef>
+          <a:fillRef idx="0">
+            <a:schemeClr val="accent1"/>
+          </a:fillRef>
+          <a:effectRef idx="1">
+            <a:schemeClr val="accent1"/>
+          </a:effectRef>
+          <a:fontRef idx="minor">
+            <a:schemeClr val="tx1"/>
+          </a:fontRef>
+        </p:style>
+      </p:cxnSp>
+      <p:sp>
+        <p:nvSpPr>
+          <p:cNvPr id="10" name="Rounded Rectangle 9"/>
+          <p:cNvSpPr/>
+          <p:nvPr/>
+        </p:nvSpPr>
+        <p:spPr>
+          <a:xfrm>
+            <a:off x="1828800" y="2651760"/>
+            <a:ext cx="3657600" cy="457200"/>
+          </a:xfrm>
+          <a:prstGeom prst="roundRect">
+            <a:avLst/>
+          </a:prstGeom>
+          <a:solidFill>
+            <a:srgbClr val="5082B4"/>
+          </a:solidFill>
+          <a:ln w="12700">
+            <a:solidFill>
+              <a:srgbClr val="404040"/>
+            </a:solidFill>
+          </a:ln>
+        </p:spPr>
+        <p:style>
+          <a:lnRef idx="1">
+            <a:schemeClr val="accent1"/>
+          </a:lnRef>
+          <a:fillRef idx="3">
+            <a:schemeClr val="accent1"/>
+          </a:fillRef>
+          <a:effectRef idx="2">
+            <a:schemeClr val="accent1"/>
+          </a:effectRef>
+          <a:fontRef idx="minor">
+            <a:schemeClr val="lt1"/>
+          </a:fontRef>
+        </p:style>
+        <p:txBody>
+          <a:bodyPr wrap="square" rtlCol="0" anchor="ctr"/>
+          <a:lstStyle/>
+          <a:p>
+            <a:pPr algn="ctr"/>
+            <a:r>
+              <a:rPr sz="1000" b="1">
+                <a:solidFill>
+                  <a:srgbClr val="FFFFFF"/>
+                </a:solidFill>
+                <a:latin typeface="Calibri"/>
+              </a:rPr>
+              <a:t>3. Discovery Loop</a:t>
+            </a:r>
+          </a:p>
+        </p:txBody>
+      </p:sp>
+      <p:sp>
+        <p:nvSpPr>
+          <p:cNvPr id="11" name="TextBox 10"/>
+          <p:cNvSpPr txBox="1"/>
+          <p:nvPr/>
+        </p:nvSpPr>
+        <p:spPr>
+          <a:xfrm>
+            <a:off x="5669280" y="2697479"/>
+            <a:ext cx="5486400" cy="365760"/>
+          </a:xfrm>
+          <a:prstGeom prst="rect">
+            <a:avLst/>
+          </a:prstGeom>
+          <a:noFill/>
+        </p:spPr>
+        <p:txBody>
+          <a:bodyPr wrap="square" anchor="t">
+            <a:spAutoFit/>
+          </a:bodyPr>
+          <a:lstStyle/>
+          <a:p>
+            <a:pPr algn="l"/>
+            <a:r>
+              <a:rPr sz="900" b="0">
+                <a:solidFill>
+                  <a:srgbClr val="404040"/>
+                </a:solidFill>
+                <a:latin typeface="Calibri"/>
+              </a:rPr>
+              <a:t>For each cycle (1-20):</a:t>
+            </a:r>
+          </a:p>
+        </p:txBody>
+      </p:sp>
+      <p:cxnSp>
+        <p:nvCxnSpPr>
+          <p:cNvPr id="12" name="Connector 11"/>
+          <p:cNvCxnSpPr/>
+          <p:nvPr/>
+        </p:nvCxnSpPr>
+        <p:spPr>
+          <a:xfrm>
+            <a:off x="3657600" y="3108960"/>
+            <a:ext cx="0" cy="182879"/>
+          </a:xfrm>
+          <a:prstGeom prst="line">
+            <a:avLst/>
+          </a:prstGeom>
+          <a:ln w="19050">
+            <a:solidFill>
+              <a:srgbClr val="404040"/>
+            </a:solidFill>
+          </a:ln>
+        </p:spPr>
+        <p:style>
+          <a:lnRef idx="2">
+            <a:schemeClr val="accent1"/>
+          </a:lnRef>
+          <a:fillRef idx="0">
+            <a:schemeClr val="accent1"/>
+          </a:fillRef>
+          <a:effectRef idx="1">
+            <a:schemeClr val="accent1"/>
+          </a:effectRef>
+          <a:fontRef idx="minor">
+            <a:schemeClr val="tx1"/>
+          </a:fontRef>
+        </p:style>
+      </p:cxnSp>
+      <p:sp>
+        <p:nvSpPr>
+          <p:cNvPr id="13" name="Rounded Rectangle 12"/>
+          <p:cNvSpPr/>
+          <p:nvPr/>
+        </p:nvSpPr>
+        <p:spPr>
+          <a:xfrm>
+            <a:off x="1828800" y="3291839"/>
+            <a:ext cx="3657600" cy="457200"/>
+          </a:xfrm>
+          <a:prstGeom prst="roundRect">
+            <a:avLst/>
+          </a:prstGeom>
+          <a:solidFill>
+            <a:srgbClr val="B4C8DC"/>
+          </a:solidFill>
+          <a:ln w="12700">
+            <a:solidFill>
+              <a:srgbClr val="404040"/>
+            </a:solidFill>
+          </a:ln>
+        </p:spPr>
+        <p:style>
+          <a:lnRef idx="1">
+            <a:schemeClr val="accent1"/>
+          </a:lnRef>
+          <a:fillRef idx="3">
+            <a:schemeClr val="accent1"/>
+          </a:fillRef>
+          <a:effectRef idx="2">
+            <a:schemeClr val="accent1"/>
+          </a:effectRef>
+          <a:fontRef idx="minor">
+            <a:schemeClr val="lt1"/>
+          </a:fontRef>
+        </p:style>
+        <p:txBody>
+          <a:bodyPr wrap="square" rtlCol="0" anchor="ctr"/>
+          <a:lstStyle/>
+          <a:p>
+            <a:pPr algn="ctr"/>
+            <a:r>
+              <a:rPr sz="1000" b="1">
+                <a:solidFill>
+                  <a:srgbClr val="FFFFFF"/>
+                </a:solidFill>
+                <a:latin typeface="Calibri"/>
+              </a:rPr>
+              <a:t>   3a. Generate Questions</a:t>
+            </a:r>
+          </a:p>
+        </p:txBody>
+      </p:sp>
+      <p:sp>
+        <p:nvSpPr>
+          <p:cNvPr id="14" name="TextBox 13"/>
+          <p:cNvSpPr txBox="1"/>
+          <p:nvPr/>
+        </p:nvSpPr>
+        <p:spPr>
+          <a:xfrm>
+            <a:off x="5669280" y="3337559"/>
+            <a:ext cx="5486400" cy="365760"/>
+          </a:xfrm>
+          <a:prstGeom prst="rect">
+            <a:avLst/>
+          </a:prstGeom>
+          <a:noFill/>
+        </p:spPr>
+        <p:txBody>
+          <a:bodyPr wrap="square" anchor="t">
+            <a:spAutoFit/>
+          </a:bodyPr>
+          <a:lstStyle/>
+          <a:p>
+            <a:pPr algn="l"/>
+            <a:r>
+              <a:rPr sz="900" b="0">
+                <a:solidFill>
+                  <a:srgbClr val="404040"/>
+                </a:solidFill>
+                <a:latin typeface="Calibri"/>
+              </a:rPr>
+              <a:t>LLM or predefined research questions</a:t>
+            </a:r>
+          </a:p>
+        </p:txBody>
+      </p:sp>
+      <p:cxnSp>
+        <p:nvCxnSpPr>
+          <p:cNvPr id="15" name="Connector 14"/>
+          <p:cNvCxnSpPr/>
+          <p:nvPr/>
+        </p:nvCxnSpPr>
+        <p:spPr>
+          <a:xfrm>
+            <a:off x="3657600" y="3749039"/>
+            <a:ext cx="0" cy="182881"/>
+          </a:xfrm>
+          <a:prstGeom prst="line">
+            <a:avLst/>
+          </a:prstGeom>
+          <a:ln w="19050">
+            <a:solidFill>
+              <a:srgbClr val="404040"/>
+            </a:solidFill>
+          </a:ln>
+        </p:spPr>
+        <p:style>
+          <a:lnRef idx="2">
+            <a:schemeClr val="accent1"/>
+          </a:lnRef>
+          <a:fillRef idx="0">
+            <a:schemeClr val="accent1"/>
+          </a:fillRef>
+          <a:effectRef idx="1">
+            <a:schemeClr val="accent1"/>
+          </a:effectRef>
+          <a:fontRef idx="minor">
+            <a:schemeClr val="tx1"/>
+          </a:fontRef>
+        </p:style>
+      </p:cxnSp>
+      <p:sp>
+        <p:nvSpPr>
+          <p:cNvPr id="16" name="Rounded Rectangle 15"/>
+          <p:cNvSpPr/>
+          <p:nvPr/>
+        </p:nvSpPr>
+        <p:spPr>
+          <a:xfrm>
+            <a:off x="1828800" y="3931920"/>
+            <a:ext cx="3657600" cy="457200"/>
+          </a:xfrm>
+          <a:prstGeom prst="roundRect">
+            <a:avLst/>
+          </a:prstGeom>
+          <a:solidFill>
+            <a:srgbClr val="B4C8DC"/>
+          </a:solidFill>
+          <a:ln w="12700">
+            <a:solidFill>
+              <a:srgbClr val="404040"/>
+            </a:solidFill>
+          </a:ln>
+        </p:spPr>
+        <p:style>
+          <a:lnRef idx="1">
+            <a:schemeClr val="accent1"/>
+          </a:lnRef>
+          <a:fillRef idx="3">
+            <a:schemeClr val="accent1"/>
+          </a:fillRef>
+          <a:effectRef idx="2">
+            <a:schemeClr val="accent1"/>
+          </a:effectRef>
+          <a:fontRef idx="minor">
+            <a:schemeClr val="lt1"/>
+          </a:fontRef>
+        </p:style>
+        <p:txBody>
+          <a:bodyPr wrap="square" rtlCol="0" anchor="ctr"/>
+          <a:lstStyle/>
+          <a:p>
+            <a:pPr algn="ctr"/>
+            <a:r>
+              <a:rPr sz="1000" b="1">
+                <a:solidFill>
+                  <a:srgbClr val="FFFFFF"/>
+                </a:solidFill>
+                <a:latin typeface="Calibri"/>
+              </a:rPr>
+              <a:t>   3b. Run Statistical Tests</a:t>
+            </a:r>
+          </a:p>
+        </p:txBody>
+      </p:sp>
+      <p:sp>
+        <p:nvSpPr>
+          <p:cNvPr id="17" name="TextBox 16"/>
+          <p:cNvSpPr txBox="1"/>
+          <p:nvPr/>
+        </p:nvSpPr>
+        <p:spPr>
+          <a:xfrm>
+            <a:off x="5669280" y="3977639"/>
+            <a:ext cx="5486400" cy="365760"/>
+          </a:xfrm>
+          <a:prstGeom prst="rect">
+            <a:avLst/>
+          </a:prstGeom>
+          <a:noFill/>
+        </p:spPr>
+        <p:txBody>
+          <a:bodyPr wrap="square" anchor="t">
+            <a:spAutoFit/>
+          </a:bodyPr>
+          <a:lstStyle/>
+          <a:p>
+            <a:pPr algn="l"/>
+            <a:r>
+              <a:rPr sz="900" b="0">
+                <a:solidFill>
+                  <a:srgbClr val="404040"/>
+                </a:solidFill>
+                <a:latin typeface="Calibri"/>
+              </a:rPr>
+              <a:t>Correlations, t-tests, ANOVA, regression</a:t>
+            </a:r>
+          </a:p>
+        </p:txBody>
+      </p:sp>
+      <p:cxnSp>
+        <p:nvCxnSpPr>
+          <p:cNvPr id="18" name="Connector 17"/>
+          <p:cNvCxnSpPr/>
+          <p:nvPr/>
+        </p:nvCxnSpPr>
+        <p:spPr>
+          <a:xfrm>
+            <a:off x="3657600" y="4389120"/>
+            <a:ext cx="0" cy="182880"/>
+          </a:xfrm>
+          <a:prstGeom prst="line">
+            <a:avLst/>
+          </a:prstGeom>
+          <a:ln w="19050">
+            <a:solidFill>
+              <a:srgbClr val="404040"/>
+            </a:solidFill>
+          </a:ln>
+        </p:spPr>
+        <p:style>
+          <a:lnRef idx="2">
+            <a:schemeClr val="accent1"/>
+          </a:lnRef>
+          <a:fillRef idx="0">
+            <a:schemeClr val="accent1"/>
+          </a:fillRef>
+          <a:effectRef idx="1">
+            <a:schemeClr val="accent1"/>
+          </a:effectRef>
+          <a:fontRef idx="minor">
+            <a:schemeClr val="tx1"/>
+          </a:fontRef>
+        </p:style>
+      </p:cxnSp>
+      <p:sp>
+        <p:nvSpPr>
+          <p:cNvPr id="19" name="Rounded Rectangle 18"/>
+          <p:cNvSpPr/>
+          <p:nvPr/>
+        </p:nvSpPr>
+        <p:spPr>
+          <a:xfrm>
+            <a:off x="1828800" y="4572000"/>
+            <a:ext cx="3657600" cy="457200"/>
+          </a:xfrm>
+          <a:prstGeom prst="roundRect">
+            <a:avLst/>
+          </a:prstGeom>
+          <a:solidFill>
+            <a:srgbClr val="B4C8DC"/>
+          </a:solidFill>
+          <a:ln w="12700">
+            <a:solidFill>
+              <a:srgbClr val="404040"/>
+            </a:solidFill>
+          </a:ln>
+        </p:spPr>
+        <p:style>
+          <a:lnRef idx="1">
+            <a:schemeClr val="accent1"/>
+          </a:lnRef>
+          <a:fillRef idx="3">
+            <a:schemeClr val="accent1"/>
+          </a:fillRef>
+          <a:effectRef idx="2">
+            <a:schemeClr val="accent1"/>
+          </a:effectRef>
+          <a:fontRef idx="minor">
+            <a:schemeClr val="lt1"/>
+          </a:fontRef>
+        </p:style>
+        <p:txBody>
+          <a:bodyPr wrap="square" rtlCol="0" anchor="ctr"/>
+          <a:lstStyle/>
+          <a:p>
+            <a:pPr algn="ctr"/>
+            <a:r>
+              <a:rPr sz="1000" b="1">
+                <a:solidFill>
+                  <a:srgbClr val="FFFFFF"/>
+                </a:solidFill>
+                <a:latin typeface="Calibri"/>
+              </a:rPr>
+              <a:t>   3c. Search Literature</a:t>
+            </a:r>
+          </a:p>
+        </p:txBody>
+      </p:sp>
+      <p:sp>
+        <p:nvSpPr>
+          <p:cNvPr id="20" name="TextBox 19"/>
+          <p:cNvSpPr txBox="1"/>
+          <p:nvPr/>
+        </p:nvSpPr>
+        <p:spPr>
+          <a:xfrm>
+            <a:off x="5669280" y="4617720"/>
+            <a:ext cx="5486400" cy="365760"/>
+          </a:xfrm>
+          <a:prstGeom prst="rect">
+            <a:avLst/>
+          </a:prstGeom>
+          <a:noFill/>
+        </p:spPr>
+        <p:txBody>
+          <a:bodyPr wrap="square" anchor="t">
+            <a:spAutoFit/>
+          </a:bodyPr>
+          <a:lstStyle/>
+          <a:p>
+            <a:pPr algn="l"/>
+            <a:r>
+              <a:rPr sz="900" b="0">
+                <a:solidFill>
+                  <a:srgbClr val="404040"/>
+                </a:solidFill>
+                <a:latin typeface="Calibri"/>
+              </a:rPr>
+              <a:t>(Optional) Query knowledge base via LLM</a:t>
+            </a:r>
+          </a:p>
+        </p:txBody>
+      </p:sp>
+      <p:cxnSp>
+        <p:nvCxnSpPr>
+          <p:cNvPr id="21" name="Connector 20"/>
+          <p:cNvCxnSpPr/>
+          <p:nvPr/>
+        </p:nvCxnSpPr>
+        <p:spPr>
+          <a:xfrm>
+            <a:off x="3657600" y="5029200"/>
+            <a:ext cx="0" cy="182880"/>
+          </a:xfrm>
+          <a:prstGeom prst="line">
+            <a:avLst/>
+          </a:prstGeom>
+          <a:ln w="19050">
+            <a:solidFill>
+              <a:srgbClr val="404040"/>
+            </a:solidFill>
+          </a:ln>
+        </p:spPr>
+        <p:style>
+          <a:lnRef idx="2">
+            <a:schemeClr val="accent1"/>
+          </a:lnRef>
+          <a:fillRef idx="0">
+            <a:schemeClr val="accent1"/>
+          </a:fillRef>
+          <a:effectRef idx="1">
+            <a:schemeClr val="accent1"/>
+          </a:effectRef>
+          <a:fontRef idx="minor">
+            <a:schemeClr val="tx1"/>
+          </a:fontRef>
+        </p:style>
+      </p:cxnSp>
+      <p:sp>
+        <p:nvSpPr>
+          <p:cNvPr id="22" name="Rounded Rectangle 21"/>
+          <p:cNvSpPr/>
+          <p:nvPr/>
+        </p:nvSpPr>
+        <p:spPr>
+          <a:xfrm>
+            <a:off x="1828800" y="5212079"/>
+            <a:ext cx="3657600" cy="457200"/>
+          </a:xfrm>
+          <a:prstGeom prst="roundRect">
+            <a:avLst/>
+          </a:prstGeom>
+          <a:solidFill>
+            <a:srgbClr val="B4C8DC"/>
+          </a:solidFill>
+          <a:ln w="12700">
+            <a:solidFill>
+              <a:srgbClr val="404040"/>
+            </a:solidFill>
+          </a:ln>
+        </p:spPr>
+        <p:style>
+          <a:lnRef idx="1">
+            <a:schemeClr val="accent1"/>
+          </a:lnRef>
+          <a:fillRef idx="3">
+            <a:schemeClr val="accent1"/>
+          </a:fillRef>
+          <a:effectRef idx="2">
+            <a:schemeClr val="accent1"/>
+          </a:effectRef>
+          <a:fontRef idx="minor">
+            <a:schemeClr val="lt1"/>
+          </a:fontRef>
+        </p:style>
+        <p:txBody>
+          <a:bodyPr wrap="square" rtlCol="0" anchor="ctr"/>
+          <a:lstStyle/>
+          <a:p>
+            <a:pPr algn="ctr"/>
+            <a:r>
+              <a:rPr sz="1000" b="1">
+                <a:solidFill>
+                  <a:srgbClr val="FFFFFF"/>
+                </a:solidFill>
+                <a:latin typeface="Calibri"/>
+              </a:rPr>
+              <a:t>   3d. Synthesize</a:t>
+            </a:r>
+          </a:p>
+        </p:txBody>
+      </p:sp>
+      <p:sp>
+        <p:nvSpPr>
+          <p:cNvPr id="23" name="TextBox 22"/>
+          <p:cNvSpPr txBox="1"/>
+          <p:nvPr/>
+        </p:nvSpPr>
+        <p:spPr>
+          <a:xfrm>
+            <a:off x="5669280" y="5257799"/>
+            <a:ext cx="5486400" cy="365760"/>
+          </a:xfrm>
+          <a:prstGeom prst="rect">
+            <a:avLst/>
+          </a:prstGeom>
+          <a:noFill/>
+        </p:spPr>
+        <p:txBody>
+          <a:bodyPr wrap="square" anchor="t">
+            <a:spAutoFit/>
+          </a:bodyPr>
+          <a:lstStyle/>
+          <a:p>
+            <a:pPr algn="l"/>
+            <a:r>
+              <a:rPr sz="900" b="0">
+                <a:solidFill>
+                  <a:srgbClr val="404040"/>
+                </a:solidFill>
+                <a:latin typeface="Calibri"/>
+              </a:rPr>
+              <a:t>Combine stats + literature → discoveries</a:t>
+            </a:r>
+          </a:p>
+        </p:txBody>
+      </p:sp>
+      <p:cxnSp>
+        <p:nvCxnSpPr>
+          <p:cNvPr id="24" name="Connector 23"/>
+          <p:cNvCxnSpPr/>
+          <p:nvPr/>
+        </p:nvCxnSpPr>
+        <p:spPr>
+          <a:xfrm>
+            <a:off x="3657600" y="5669279"/>
+            <a:ext cx="0" cy="182880"/>
+          </a:xfrm>
+          <a:prstGeom prst="line">
+            <a:avLst/>
+          </a:prstGeom>
+          <a:ln w="19050">
+            <a:solidFill>
+              <a:srgbClr val="404040"/>
+            </a:solidFill>
+          </a:ln>
+        </p:spPr>
+        <p:style>
+          <a:lnRef idx="2">
+            <a:schemeClr val="accent1"/>
+          </a:lnRef>
+          <a:fillRef idx="0">
+            <a:schemeClr val="accent1"/>
+          </a:fillRef>
+          <a:effectRef idx="1">
+            <a:schemeClr val="accent1"/>
+          </a:effectRef>
+          <a:fontRef idx="minor">
+            <a:schemeClr val="tx1"/>
+          </a:fontRef>
+        </p:style>
+      </p:cxnSp>
+      <p:sp>
+        <p:nvSpPr>
+          <p:cNvPr id="25" name="Rounded Rectangle 24"/>
+          <p:cNvSpPr/>
+          <p:nvPr/>
+        </p:nvSpPr>
+        <p:spPr>
+          <a:xfrm>
+            <a:off x="1828800" y="5852159"/>
+            <a:ext cx="3657600" cy="457200"/>
+          </a:xfrm>
+          <a:prstGeom prst="roundRect">
+            <a:avLst/>
+          </a:prstGeom>
+          <a:solidFill>
+            <a:srgbClr val="B4C8DC"/>
+          </a:solidFill>
+          <a:ln w="12700">
+            <a:solidFill>
+              <a:srgbClr val="404040"/>
+            </a:solidFill>
+          </a:ln>
+        </p:spPr>
+        <p:style>
+          <a:lnRef idx="1">
+            <a:schemeClr val="accent1"/>
+          </a:lnRef>
+          <a:fillRef idx="3">
+            <a:schemeClr val="accent1"/>
+          </a:fillRef>
+          <a:effectRef idx="2">
+            <a:schemeClr val="accent1"/>
+          </a:effectRef>
+          <a:fontRef idx="minor">
+            <a:schemeClr val="lt1"/>
+          </a:fontRef>
+        </p:style>
+        <p:txBody>
+          <a:bodyPr wrap="square" rtlCol="0" anchor="ctr"/>
+          <a:lstStyle/>
+          <a:p>
+            <a:pPr algn="ctr"/>
+            <a:r>
+              <a:rPr sz="1000" b="1">
+                <a:solidFill>
+                  <a:srgbClr val="FFFFFF"/>
+                </a:solidFill>
+                <a:latin typeface="Calibri"/>
+              </a:rPr>
+              <a:t>   3e. Update World Model</a:t>
+            </a:r>
+          </a:p>
+        </p:txBody>
+      </p:sp>
+      <p:sp>
+        <p:nvSpPr>
+          <p:cNvPr id="26" name="TextBox 25"/>
+          <p:cNvSpPr txBox="1"/>
+          <p:nvPr/>
+        </p:nvSpPr>
+        <p:spPr>
+          <a:xfrm>
+            <a:off x="5669280" y="5897879"/>
+            <a:ext cx="5486400" cy="365760"/>
+          </a:xfrm>
+          <a:prstGeom prst="rect">
+            <a:avLst/>
+          </a:prstGeom>
+          <a:noFill/>
+        </p:spPr>
+        <p:txBody>
+          <a:bodyPr wrap="square" anchor="t">
+            <a:spAutoFit/>
+          </a:bodyPr>
+          <a:lstStyle/>
+          <a:p>
+            <a:pPr algn="l"/>
+            <a:r>
+              <a:rPr sz="900" b="0">
+                <a:solidFill>
+                  <a:srgbClr val="404040"/>
+                </a:solidFill>
+                <a:latin typeface="Calibri"/>
+              </a:rPr>
+              <a:t>Add discoveries &amp; trajectories to graph</a:t>
+            </a:r>
+          </a:p>
+        </p:txBody>
+      </p:sp>
+      <p:cxnSp>
+        <p:nvCxnSpPr>
+          <p:cNvPr id="27" name="Connector 26"/>
+          <p:cNvCxnSpPr/>
+          <p:nvPr/>
+        </p:nvCxnSpPr>
+        <p:spPr>
+          <a:xfrm>
+            <a:off x="3657600" y="6309359"/>
+            <a:ext cx="0" cy="182881"/>
+          </a:xfrm>
+          <a:prstGeom prst="line">
+            <a:avLst/>
+          </a:prstGeom>
+          <a:ln w="19050">
+            <a:solidFill>
+              <a:srgbClr val="404040"/>
+            </a:solidFill>
+          </a:ln>
+        </p:spPr>
+        <p:style>
+          <a:lnRef idx="2">
+            <a:schemeClr val="accent1"/>
+          </a:lnRef>
+          <a:fillRef idx="0">
+            <a:schemeClr val="accent1"/>
+          </a:fillRef>
+          <a:effectRef idx="1">
+            <a:schemeClr val="accent1"/>
+          </a:effectRef>
+          <a:fontRef idx="minor">
+            <a:schemeClr val="tx1"/>
+          </a:fontRef>
+        </p:style>
+      </p:cxnSp>
+      <p:sp>
+        <p:nvSpPr>
+          <p:cNvPr id="28" name="Rounded Rectangle 27"/>
+          <p:cNvSpPr/>
+          <p:nvPr/>
+        </p:nvSpPr>
+        <p:spPr>
+          <a:xfrm>
+            <a:off x="1828800" y="6492240"/>
+            <a:ext cx="3657600" cy="457200"/>
+          </a:xfrm>
+          <a:prstGeom prst="roundRect">
+            <a:avLst/>
+          </a:prstGeom>
+          <a:solidFill>
+            <a:srgbClr val="6496C8"/>
+          </a:solidFill>
+          <a:ln w="12700">
+            <a:solidFill>
+              <a:srgbClr val="404040"/>
+            </a:solidFill>
+          </a:ln>
+        </p:spPr>
+        <p:style>
+          <a:lnRef idx="1">
+            <a:schemeClr val="accent1"/>
+          </a:lnRef>
+          <a:fillRef idx="3">
+            <a:schemeClr val="accent1"/>
+          </a:fillRef>
+          <a:effectRef idx="2">
+            <a:schemeClr val="accent1"/>
+          </a:effectRef>
+          <a:fontRef idx="minor">
+            <a:schemeClr val="lt1"/>
+          </a:fontRef>
+        </p:style>
+        <p:txBody>
+          <a:bodyPr wrap="square" rtlCol="0" anchor="ctr"/>
+          <a:lstStyle/>
+          <a:p>
+            <a:pPr algn="ctr"/>
+            <a:r>
+              <a:rPr sz="1000" b="1">
+                <a:solidFill>
+                  <a:srgbClr val="FFFFFF"/>
+                </a:solidFill>
+                <a:latin typeface="Calibri"/>
+              </a:rPr>
+              <a:t>4. Generate Report</a:t>
+            </a:r>
+          </a:p>
+        </p:txBody>
+      </p:sp>
+      <p:sp>
+        <p:nvSpPr>
+          <p:cNvPr id="29" name="TextBox 28"/>
+          <p:cNvSpPr txBox="1"/>
+          <p:nvPr/>
+        </p:nvSpPr>
+        <p:spPr>
+          <a:xfrm>
+            <a:off x="5669280" y="6537959"/>
+            <a:ext cx="5486400" cy="365760"/>
+          </a:xfrm>
+          <a:prstGeom prst="rect">
+            <a:avLst/>
+          </a:prstGeom>
+          <a:noFill/>
+        </p:spPr>
+        <p:txBody>
+          <a:bodyPr wrap="square" anchor="t">
+            <a:spAutoFit/>
+          </a:bodyPr>
+          <a:lstStyle/>
+          <a:p>
+            <a:pPr algn="l"/>
+            <a:r>
+              <a:rPr sz="900" b="0">
+                <a:solidFill>
+                  <a:srgbClr val="404040"/>
+                </a:solidFill>
+                <a:latin typeface="Calibri"/>
+              </a:rPr>
+              <a:t>Extract statistics, format enhanced report</a:t>
+            </a:r>
+          </a:p>
+        </p:txBody>
+      </p:sp>
+      <p:cxnSp>
+        <p:nvCxnSpPr>
+          <p:cNvPr id="30" name="Connector 29"/>
+          <p:cNvCxnSpPr/>
+          <p:nvPr/>
+        </p:nvCxnSpPr>
+        <p:spPr>
+          <a:xfrm>
+            <a:off x="3657600" y="6949440"/>
+            <a:ext cx="0" cy="182880"/>
+          </a:xfrm>
+          <a:prstGeom prst="line">
+            <a:avLst/>
+          </a:prstGeom>
+          <a:ln w="19050">
+            <a:solidFill>
+              <a:srgbClr val="404040"/>
+            </a:solidFill>
+          </a:ln>
+        </p:spPr>
+        <p:style>
+          <a:lnRef idx="2">
+            <a:schemeClr val="accent1"/>
+          </a:lnRef>
+          <a:fillRef idx="0">
+            <a:schemeClr val="accent1"/>
+          </a:fillRef>
+          <a:effectRef idx="1">
+            <a:schemeClr val="accent1"/>
+          </a:effectRef>
+          <a:fontRef idx="minor">
+            <a:schemeClr val="tx1"/>
+          </a:fontRef>
+        </p:style>
+      </p:cxnSp>
+      <p:sp>
+        <p:nvSpPr>
+          <p:cNvPr id="31" name="Rounded Rectangle 30"/>
+          <p:cNvSpPr/>
+          <p:nvPr/>
+        </p:nvSpPr>
+        <p:spPr>
+          <a:xfrm>
+            <a:off x="1828800" y="7132320"/>
+            <a:ext cx="3657600" cy="457200"/>
+          </a:xfrm>
+          <a:prstGeom prst="roundRect">
+            <a:avLst/>
+          </a:prstGeom>
+          <a:solidFill>
+            <a:srgbClr val="0070C0"/>
+          </a:solidFill>
+          <a:ln w="12700">
+            <a:solidFill>
+              <a:srgbClr val="404040"/>
+            </a:solidFill>
+          </a:ln>
+        </p:spPr>
+        <p:style>
+          <a:lnRef idx="1">
+            <a:schemeClr val="accent1"/>
+          </a:lnRef>
+          <a:fillRef idx="3">
+            <a:schemeClr val="accent1"/>
+          </a:fillRef>
+          <a:effectRef idx="2">
+            <a:schemeClr val="accent1"/>
+          </a:effectRef>
+          <a:fontRef idx="minor">
+            <a:schemeClr val="lt1"/>
+          </a:fontRef>
+        </p:style>
+        <p:txBody>
+          <a:bodyPr wrap="square" rtlCol="0" anchor="ctr"/>
+          <a:lstStyle/>
+          <a:p>
+            <a:pPr algn="ctr"/>
+            <a:r>
+              <a:rPr sz="1000" b="1">
+                <a:solidFill>
+                  <a:srgbClr val="FFFFFF"/>
+                </a:solidFill>
+                <a:latin typeface="Calibri"/>
+              </a:rPr>
+              <a:t>5. Deliver Outputs</a:t>
+            </a:r>
+          </a:p>
+        </p:txBody>
+      </p:sp>
+      <p:sp>
+        <p:nvSpPr>
+          <p:cNvPr id="32" name="TextBox 31"/>
+          <p:cNvSpPr txBox="1"/>
+          <p:nvPr/>
+        </p:nvSpPr>
+        <p:spPr>
+          <a:xfrm>
+            <a:off x="5669280" y="7178040"/>
+            <a:ext cx="5486400" cy="365760"/>
+          </a:xfrm>
+          <a:prstGeom prst="rect">
+            <a:avLst/>
+          </a:prstGeom>
+          <a:noFill/>
+        </p:spPr>
+        <p:txBody>
+          <a:bodyPr wrap="square" anchor="t">
+            <a:spAutoFit/>
+          </a:bodyPr>
+          <a:lstStyle/>
+          <a:p>
+            <a:pPr algn="l"/>
+            <a:r>
+              <a:rPr sz="900" b="0">
+                <a:solidFill>
+                  <a:srgbClr val="404040"/>
+                </a:solidFill>
+                <a:latin typeface="Calibri"/>
+              </a:rPr>
+              <a:t>Dashboard + TXT report + JSON model</a:t>
+            </a:r>
+          </a:p>
+        </p:txBody>
+      </p:sp>
+      <p:sp>
+        <p:nvSpPr>
+          <p:cNvPr id="33" name="TextBox 32"/>
+          <p:cNvSpPr txBox="1"/>
+          <p:nvPr/>
+        </p:nvSpPr>
+        <p:spPr>
+          <a:xfrm>
+            <a:off x="8229600" y="7315200"/>
+            <a:ext cx="3657600" cy="731520"/>
+          </a:xfrm>
+          <a:prstGeom prst="rect">
+            <a:avLst/>
+          </a:prstGeom>
+          <a:noFill/>
+        </p:spPr>
+        <p:txBody>
+          <a:bodyPr wrap="square" anchor="t">
+            <a:spAutoFit/>
+          </a:bodyPr>
+          <a:lstStyle/>
+          <a:p>
+            <a:pPr algn="l"/>
+            <a:r>
+              <a:rPr sz="900" b="0">
+                <a:solidFill>
+                  <a:srgbClr val="404040"/>
+                </a:solidFill>
+                <a:latin typeface="Calibri"/>
+              </a:rPr>
+              <a:t>TYPICAL TIMING:</a:t>
+            </a:r>
+          </a:p>
+          <a:p>
+            <a:pPr algn="l"/>
+            <a:r>
+              <a:rPr sz="900" b="0">
+                <a:solidFill>
+                  <a:srgbClr val="404040"/>
+                </a:solidFill>
+                <a:latin typeface="Calibri"/>
+              </a:rPr>
+              <a:t>• 5 cycles with LLM: ~10-20 min</a:t>
+            </a:r>
+          </a:p>
+          <a:p>
+            <a:pPr algn="l"/>
+            <a:r>
+              <a:rPr sz="900" b="0">
+                <a:solidFill>
+                  <a:srgbClr val="404040"/>
+                </a:solidFill>
+                <a:latin typeface="Calibri"/>
+              </a:rPr>
+              <a:t>• 5 cycles statistical-only: ~2-5 min</a:t>
+            </a:r>
+          </a:p>
+          <a:p>
+            <a:pPr algn="l"/>
+            <a:r>
+              <a:rPr sz="900" b="0">
+                <a:solidFill>
+                  <a:srgbClr val="404040"/>
+                </a:solidFill>
+                <a:latin typeface="Calibri"/>
+              </a:rPr>
+              <a:t>• Scales with data size &amp; API latency</a:t>
+            </a:r>
+          </a:p>
+        </p:txBody>
+      </p:sp>
+    </p:spTree>
+  </p:cSld>
+  <p:clrMapOvr>
+    <a:masterClrMapping/>
+  </p:clrMapOvr>
+</p:sld>
+</file>
+
+<file path=ppt/slides/slide4.xml><?xml version="1.0" encoding="utf-8"?>
+<p:sld xmlns:a="http://schemas.openxmlformats.org/drawingml/2006/main" xmlns:r="http://schemas.openxmlformats.org/officeDocument/2006/relationships" xmlns:p="http://schemas.openxmlformats.org/presentationml/2006/main">
+  <p:cSld>
+    <p:bg>
+      <p:bgPr>
+        <a:solidFill>
+          <a:srgbClr val="FFFFFF"/>
+        </a:solidFill>
+        <a:effectLst/>
+      </p:bgPr>
+    </p:bg>
+    <p:spTree>
+      <p:nvGrpSpPr>
+        <p:cNvPr id="1" name=""/>
+        <p:cNvGrpSpPr/>
+        <p:nvPr/>
+      </p:nvGrpSpPr>
+      <p:grpSpPr>
+        <a:xfrm>
+          <a:off x="0" y="0"/>
+          <a:ext cx="0" cy="0"/>
+          <a:chOff x="0" y="0"/>
+          <a:chExt cx="0" cy="0"/>
+        </a:xfrm>
+      </p:grpSpPr>
+      <p:sp>
+        <p:nvSpPr>
+          <p:cNvPr id="2" name="TextBox 1"/>
+          <p:cNvSpPr txBox="1"/>
+          <p:nvPr/>
+        </p:nvSpPr>
+        <p:spPr>
+          <a:xfrm>
+            <a:off x="457200" y="274320"/>
+            <a:ext cx="10972800" cy="365760"/>
+          </a:xfrm>
+          <a:prstGeom prst="rect">
+            <a:avLst/>
+          </a:prstGeom>
+          <a:noFill/>
+        </p:spPr>
+        <p:txBody>
+          <a:bodyPr wrap="square" anchor="t">
+            <a:spAutoFit/>
+          </a:bodyPr>
+          <a:lstStyle/>
+          <a:p>
+            <a:pPr algn="l"/>
+            <a:r>
+              <a:rPr sz="2200" b="1">
+                <a:solidFill>
+                  <a:srgbClr val="002060"/>
+                </a:solidFill>
+                <a:latin typeface="Calibri"/>
+              </a:rPr>
+              <a:t>Appendix: Deployment Architecture</a:t>
+            </a:r>
+          </a:p>
+        </p:txBody>
+      </p:sp>
+      <p:sp>
+        <p:nvSpPr>
+          <p:cNvPr id="3" name="TextBox 2"/>
+          <p:cNvSpPr txBox="1"/>
+          <p:nvPr/>
+        </p:nvSpPr>
+        <p:spPr>
+          <a:xfrm>
+            <a:off x="731520" y="1097280"/>
+            <a:ext cx="3200400" cy="182880"/>
+          </a:xfrm>
+          <a:prstGeom prst="rect">
+            <a:avLst/>
+          </a:prstGeom>
+          <a:noFill/>
+        </p:spPr>
+        <p:txBody>
+          <a:bodyPr wrap="square" anchor="t">
+            <a:spAutoFit/>
+          </a:bodyPr>
+          <a:lstStyle/>
+          <a:p>
+            <a:pPr algn="ctr"/>
+            <a:r>
+              <a:rPr sz="1000" b="1">
+                <a:solidFill>
+                  <a:srgbClr val="0070C0"/>
+                </a:solidFill>
+                <a:latin typeface="Calibri"/>
+              </a:rPr>
+              <a:t>LOCAL DEVELOPMENT</a:t>
+            </a:r>
+          </a:p>
+        </p:txBody>
+      </p:sp>
+      <p:sp>
+        <p:nvSpPr>
+          <p:cNvPr id="4" name="Rounded Rectangle 3"/>
+          <p:cNvSpPr/>
+          <p:nvPr/>
+        </p:nvSpPr>
+        <p:spPr>
+          <a:xfrm>
+            <a:off x="731520" y="1371600"/>
+            <a:ext cx="3200400" cy="1097280"/>
+          </a:xfrm>
+          <a:prstGeom prst="roundRect">
+            <a:avLst/>
+          </a:prstGeom>
+          <a:solidFill>
+            <a:srgbClr val="E6F0FA"/>
+          </a:solidFill>
+          <a:ln w="12700">
+            <a:solidFill>
+              <a:srgbClr val="404040"/>
+            </a:solidFill>
+          </a:ln>
+        </p:spPr>
+        <p:style>
+          <a:lnRef idx="1">
+            <a:schemeClr val="accent1"/>
+          </a:lnRef>
+          <a:fillRef idx="3">
+            <a:schemeClr val="accent1"/>
+          </a:fillRef>
+          <a:effectRef idx="2">
+            <a:schemeClr val="accent1"/>
+          </a:effectRef>
+          <a:fontRef idx="minor">
+            <a:schemeClr val="lt1"/>
+          </a:fontRef>
+        </p:style>
+        <p:txBody>
+          <a:bodyPr wrap="square" rtlCol="0" anchor="ctr"/>
+          <a:lstStyle/>
+          <a:p>
+            <a:pPr algn="ctr"/>
+            <a:r>
+              <a:rPr sz="900" b="0">
+                <a:solidFill>
+                  <a:srgbClr val="404040"/>
+                </a:solidFill>
+                <a:latin typeface="Calibri"/>
+              </a:rPr>
+              <a:t>Python Environment</a:t>
+            </a:r>
+          </a:p>
+          <a:p>
+            <a:pPr algn="ctr"/>
+            <a:endParaRPr sz="900" b="0">
+              <a:solidFill>
+                <a:srgbClr val="404040"/>
+              </a:solidFill>
+              <a:latin typeface="Calibri"/>
+            </a:endParaRPr>
+          </a:p>
+          <a:p>
+            <a:pPr algn="ctr"/>
+            <a:r>
+              <a:rPr sz="900" b="0">
+                <a:solidFill>
+                  <a:srgbClr val="404040"/>
+                </a:solidFill>
+                <a:latin typeface="Calibri"/>
+              </a:rPr>
+              <a:t>• Streamlit dev server</a:t>
+            </a:r>
+          </a:p>
+          <a:p>
+            <a:pPr algn="ctr"/>
+            <a:r>
+              <a:rPr sz="900" b="0">
+                <a:solidFill>
+                  <a:srgbClr val="404040"/>
+                </a:solidFill>
+                <a:latin typeface="Calibri"/>
+              </a:rPr>
+              <a:t>• Local file storage</a:t>
+            </a:r>
+          </a:p>
+          <a:p>
+            <a:pPr algn="ctr"/>
+            <a:r>
+              <a:rPr sz="900" b="0">
+                <a:solidFill>
+                  <a:srgbClr val="404040"/>
+                </a:solidFill>
+                <a:latin typeface="Calibri"/>
+              </a:rPr>
+              <a:t>• Direct OpenAI calls</a:t>
+            </a:r>
+          </a:p>
+          <a:p>
+            <a:pPr algn="ctr"/>
+            <a:r>
+              <a:rPr sz="900" b="0">
+                <a:solidFill>
+                  <a:srgbClr val="404040"/>
+                </a:solidFill>
+                <a:latin typeface="Calibri"/>
+              </a:rPr>
+              <a:t>• No containerization</a:t>
+            </a:r>
+          </a:p>
+        </p:txBody>
+      </p:sp>
+      <p:sp>
+        <p:nvSpPr>
+          <p:cNvPr id="5" name="TextBox 4"/>
+          <p:cNvSpPr txBox="1"/>
+          <p:nvPr/>
+        </p:nvSpPr>
+        <p:spPr>
+          <a:xfrm>
+            <a:off x="731520" y="2560320"/>
+            <a:ext cx="3200400" cy="274320"/>
+          </a:xfrm>
+          <a:prstGeom prst="rect">
+            <a:avLst/>
+          </a:prstGeom>
+          <a:noFill/>
+        </p:spPr>
+        <p:txBody>
+          <a:bodyPr wrap="square" anchor="t">
+            <a:spAutoFit/>
+          </a:bodyPr>
+          <a:lstStyle/>
+          <a:p>
+            <a:pPr algn="ctr"/>
+            <a:r>
+              <a:rPr sz="800" b="0">
+                <a:solidFill>
+                  <a:srgbClr val="404040"/>
+                </a:solidFill>
+                <a:latin typeface="Calibri"/>
+              </a:rPr>
+              <a:t>Run: streamlit run</a:t>
+            </a:r>
+          </a:p>
+          <a:p>
+            <a:pPr algn="ctr"/>
+            <a:r>
+              <a:rPr sz="800" b="0">
+                <a:solidFill>
+                  <a:srgbClr val="404040"/>
+                </a:solidFill>
+                <a:latin typeface="Calibri"/>
+              </a:rPr>
+              <a:t>streamlit_app_ULTIMATE.py</a:t>
+            </a:r>
+          </a:p>
+        </p:txBody>
+      </p:sp>
+      <p:sp>
+        <p:nvSpPr>
+          <p:cNvPr id="6" name="TextBox 5"/>
+          <p:cNvSpPr txBox="1"/>
+          <p:nvPr/>
+        </p:nvSpPr>
+        <p:spPr>
+          <a:xfrm>
+            <a:off x="4389120" y="1097280"/>
+            <a:ext cx="3200400" cy="182880"/>
+          </a:xfrm>
+          <a:prstGeom prst="rect">
+            <a:avLst/>
+          </a:prstGeom>
+          <a:noFill/>
+        </p:spPr>
+        <p:txBody>
+          <a:bodyPr wrap="square" anchor="t">
+            <a:spAutoFit/>
+          </a:bodyPr>
+          <a:lstStyle/>
+          <a:p>
+            <a:pPr algn="ctr"/>
+            <a:r>
+              <a:rPr sz="1000" b="1">
+                <a:solidFill>
+                  <a:srgbClr val="0070C0"/>
+                </a:solidFill>
+                <a:latin typeface="Calibri"/>
+              </a:rPr>
+              <a:t>CONTAINERIZED</a:t>
+            </a:r>
+          </a:p>
+        </p:txBody>
+      </p:sp>
+      <p:sp>
+        <p:nvSpPr>
+          <p:cNvPr id="7" name="Rounded Rectangle 6"/>
+          <p:cNvSpPr/>
+          <p:nvPr/>
+        </p:nvSpPr>
+        <p:spPr>
+          <a:xfrm>
+            <a:off x="4389120" y="1371600"/>
+            <a:ext cx="3200400" cy="1097280"/>
+          </a:xfrm>
+          <a:prstGeom prst="roundRect">
+            <a:avLst/>
+          </a:prstGeom>
+          <a:solidFill>
+            <a:srgbClr val="E6F0FA"/>
+          </a:solidFill>
+          <a:ln w="12700">
+            <a:solidFill>
+              <a:srgbClr val="404040"/>
+            </a:solidFill>
+          </a:ln>
+        </p:spPr>
+        <p:style>
+          <a:lnRef idx="1">
+            <a:schemeClr val="accent1"/>
+          </a:lnRef>
+          <a:fillRef idx="3">
+            <a:schemeClr val="accent1"/>
+          </a:fillRef>
+          <a:effectRef idx="2">
+            <a:schemeClr val="accent1"/>
+          </a:effectRef>
+          <a:fontRef idx="minor">
+            <a:schemeClr val="lt1"/>
+          </a:fontRef>
+        </p:style>
+        <p:txBody>
+          <a:bodyPr wrap="square" rtlCol="0" anchor="ctr"/>
+          <a:lstStyle/>
+          <a:p>
+            <a:pPr algn="ctr"/>
+            <a:r>
+              <a:rPr sz="900" b="0">
+                <a:solidFill>
+                  <a:srgbClr val="404040"/>
+                </a:solidFill>
+                <a:latin typeface="Calibri"/>
+              </a:rPr>
+              <a:t>Docker Container</a:t>
+            </a:r>
+          </a:p>
+          <a:p>
+            <a:pPr algn="ctr"/>
+            <a:endParaRPr sz="900" b="0">
+              <a:solidFill>
+                <a:srgbClr val="404040"/>
+              </a:solidFill>
+              <a:latin typeface="Calibri"/>
+            </a:endParaRPr>
+          </a:p>
+          <a:p>
+            <a:pPr algn="ctr"/>
+            <a:r>
+              <a:rPr sz="900" b="0">
+                <a:solidFill>
+                  <a:srgbClr val="404040"/>
+                </a:solidFill>
+                <a:latin typeface="Calibri"/>
+              </a:rPr>
+              <a:t>• Dockerfile included</a:t>
+            </a:r>
+          </a:p>
+          <a:p>
+            <a:pPr algn="ctr"/>
+            <a:r>
+              <a:rPr sz="900" b="0">
+                <a:solidFill>
+                  <a:srgbClr val="404040"/>
+                </a:solidFill>
+                <a:latin typeface="Calibri"/>
+              </a:rPr>
+              <a:t>• Isolated dependencies</a:t>
+            </a:r>
+          </a:p>
+          <a:p>
+            <a:pPr algn="ctr"/>
+            <a:r>
+              <a:rPr sz="900" b="0">
+                <a:solidFill>
+                  <a:srgbClr val="404040"/>
+                </a:solidFill>
+                <a:latin typeface="Calibri"/>
+              </a:rPr>
+              <a:t>• Volume mounts for data</a:t>
+            </a:r>
+          </a:p>
+          <a:p>
+            <a:pPr algn="ctr"/>
+            <a:r>
+              <a:rPr sz="900" b="0">
+                <a:solidFill>
+                  <a:srgbClr val="404040"/>
+                </a:solidFill>
+                <a:latin typeface="Calibri"/>
+              </a:rPr>
+              <a:t>• Port 8501 exposed</a:t>
+            </a:r>
+          </a:p>
+        </p:txBody>
+      </p:sp>
+      <p:sp>
+        <p:nvSpPr>
+          <p:cNvPr id="8" name="TextBox 7"/>
+          <p:cNvSpPr txBox="1"/>
+          <p:nvPr/>
+        </p:nvSpPr>
+        <p:spPr>
+          <a:xfrm>
+            <a:off x="4389120" y="2560320"/>
+            <a:ext cx="3200400" cy="274320"/>
+          </a:xfrm>
+          <a:prstGeom prst="rect">
+            <a:avLst/>
+          </a:prstGeom>
+          <a:noFill/>
+        </p:spPr>
+        <p:txBody>
+          <a:bodyPr wrap="square" anchor="t">
+            <a:spAutoFit/>
+          </a:bodyPr>
+          <a:lstStyle/>
+          <a:p>
+            <a:pPr algn="ctr"/>
+            <a:r>
+              <a:rPr sz="800" b="0">
+                <a:solidFill>
+                  <a:srgbClr val="404040"/>
+                </a:solidFill>
+                <a:latin typeface="Calibri"/>
+              </a:rPr>
+              <a:t>Run: docker build &amp; run</a:t>
+            </a:r>
+          </a:p>
+          <a:p>
+            <a:pPr algn="ctr"/>
+            <a:r>
+              <a:rPr sz="800" b="0">
+                <a:solidFill>
+                  <a:srgbClr val="404040"/>
+                </a:solidFill>
+                <a:latin typeface="Calibri"/>
+              </a:rPr>
+              <a:t>(see Dockerfile if exists)</a:t>
+            </a:r>
+          </a:p>
+        </p:txBody>
+      </p:sp>
+      <p:sp>
+        <p:nvSpPr>
+          <p:cNvPr id="9" name="TextBox 8"/>
+          <p:cNvSpPr txBox="1"/>
+          <p:nvPr/>
+        </p:nvSpPr>
+        <p:spPr>
+          <a:xfrm>
+            <a:off x="8046720" y="1097280"/>
+            <a:ext cx="3200400" cy="182880"/>
+          </a:xfrm>
+          <a:prstGeom prst="rect">
+            <a:avLst/>
+          </a:prstGeom>
+          <a:noFill/>
+        </p:spPr>
+        <p:txBody>
+          <a:bodyPr wrap="square" anchor="t">
+            <a:spAutoFit/>
+          </a:bodyPr>
+          <a:lstStyle/>
+          <a:p>
+            <a:pPr algn="ctr"/>
+            <a:r>
+              <a:rPr sz="1000" b="1">
+                <a:solidFill>
+                  <a:srgbClr val="0070C0"/>
+                </a:solidFill>
+                <a:latin typeface="Calibri"/>
+              </a:rPr>
+              <a:t>CLOUD (Optional)</a:t>
+            </a:r>
+          </a:p>
+        </p:txBody>
+      </p:sp>
+      <p:sp>
+        <p:nvSpPr>
+          <p:cNvPr id="10" name="Rounded Rectangle 9"/>
+          <p:cNvSpPr/>
+          <p:nvPr/>
+        </p:nvSpPr>
+        <p:spPr>
+          <a:xfrm>
+            <a:off x="8046720" y="1371600"/>
+            <a:ext cx="3200400" cy="1097280"/>
+          </a:xfrm>
+          <a:prstGeom prst="roundRect">
+            <a:avLst/>
+          </a:prstGeom>
+          <a:solidFill>
+            <a:srgbClr val="E6F0FA"/>
+          </a:solidFill>
+          <a:ln w="12700">
+            <a:solidFill>
+              <a:srgbClr val="404040"/>
+            </a:solidFill>
+          </a:ln>
+        </p:spPr>
+        <p:style>
+          <a:lnRef idx="1">
+            <a:schemeClr val="accent1"/>
+          </a:lnRef>
+          <a:fillRef idx="3">
+            <a:schemeClr val="accent1"/>
+          </a:fillRef>
+          <a:effectRef idx="2">
+            <a:schemeClr val="accent1"/>
+          </a:effectRef>
+          <a:fontRef idx="minor">
+            <a:schemeClr val="lt1"/>
+          </a:fontRef>
+        </p:style>
+        <p:txBody>
+          <a:bodyPr wrap="square" rtlCol="0" anchor="ctr"/>
+          <a:lstStyle/>
+          <a:p>
+            <a:pPr algn="ctr"/>
+            <a:r>
+              <a:rPr sz="900" b="0">
+                <a:solidFill>
+                  <a:srgbClr val="404040"/>
+                </a:solidFill>
+                <a:latin typeface="Calibri"/>
+              </a:rPr>
+              <a:t>Cloud Deployment</a:t>
+            </a:r>
+          </a:p>
+          <a:p>
+            <a:pPr algn="ctr"/>
+            <a:endParaRPr sz="900" b="0">
+              <a:solidFill>
+                <a:srgbClr val="404040"/>
+              </a:solidFill>
+              <a:latin typeface="Calibri"/>
+            </a:endParaRPr>
+          </a:p>
+          <a:p>
+            <a:pPr algn="ctr"/>
+            <a:r>
+              <a:rPr sz="900" b="0">
+                <a:solidFill>
+                  <a:srgbClr val="404040"/>
+                </a:solidFill>
+                <a:latin typeface="Calibri"/>
+              </a:rPr>
+              <a:t>• AWS/GCP/Azure VM</a:t>
+            </a:r>
+          </a:p>
+          <a:p>
+            <a:pPr algn="ctr"/>
+            <a:r>
+              <a:rPr sz="900" b="0">
+                <a:solidFill>
+                  <a:srgbClr val="404040"/>
+                </a:solidFill>
+                <a:latin typeface="Calibri"/>
+              </a:rPr>
+              <a:t>• S3/GCS for data</a:t>
+            </a:r>
+          </a:p>
+          <a:p>
+            <a:pPr algn="ctr"/>
+            <a:r>
+              <a:rPr sz="900" b="0">
+                <a:solidFill>
+                  <a:srgbClr val="404040"/>
+                </a:solidFill>
+                <a:latin typeface="Calibri"/>
+              </a:rPr>
+              <a:t>• Secrets manager for keys</a:t>
+            </a:r>
+          </a:p>
+          <a:p>
+            <a:pPr algn="ctr"/>
+            <a:r>
+              <a:rPr sz="900" b="0">
+                <a:solidFill>
+                  <a:srgbClr val="404040"/>
+                </a:solidFill>
+                <a:latin typeface="Calibri"/>
+              </a:rPr>
+              <a:t>• Load balancer (if scaled)</a:t>
+            </a:r>
+          </a:p>
+        </p:txBody>
+      </p:sp>
+      <p:sp>
+        <p:nvSpPr>
+          <p:cNvPr id="11" name="TextBox 10"/>
+          <p:cNvSpPr txBox="1"/>
+          <p:nvPr/>
+        </p:nvSpPr>
+        <p:spPr>
+          <a:xfrm>
+            <a:off x="8046720" y="2560320"/>
+            <a:ext cx="3200400" cy="274320"/>
+          </a:xfrm>
+          <a:prstGeom prst="rect">
+            <a:avLst/>
+          </a:prstGeom>
+          <a:noFill/>
+        </p:spPr>
+        <p:txBody>
+          <a:bodyPr wrap="square" anchor="t">
+            <a:spAutoFit/>
+          </a:bodyPr>
+          <a:lstStyle/>
+          <a:p>
+            <a:pPr algn="ctr"/>
+            <a:r>
+              <a:rPr sz="800" b="0">
+                <a:solidFill>
+                  <a:srgbClr val="404040"/>
+                </a:solidFill>
+                <a:latin typeface="Calibri"/>
+              </a:rPr>
+              <a:t>Deploy: Cloud-specific</a:t>
+            </a:r>
+          </a:p>
+          <a:p>
+            <a:pPr algn="ctr"/>
+            <a:r>
+              <a:rPr sz="800" b="0">
+                <a:solidFill>
+                  <a:srgbClr val="404040"/>
+                </a:solidFill>
+                <a:latin typeface="Calibri"/>
+              </a:rPr>
+              <a:t>(Terraform/Helm if infra exists)</a:t>
+            </a:r>
+          </a:p>
+        </p:txBody>
+      </p:sp>
+      <p:sp>
+        <p:nvSpPr>
+          <p:cNvPr id="12" name="TextBox 11"/>
+          <p:cNvSpPr txBox="1"/>
+          <p:nvPr/>
+        </p:nvSpPr>
+        <p:spPr>
+          <a:xfrm>
+            <a:off x="731520" y="3200400"/>
+            <a:ext cx="10972800" cy="914400"/>
+          </a:xfrm>
+          <a:prstGeom prst="rect">
+            <a:avLst/>
+          </a:prstGeom>
+          <a:noFill/>
+        </p:spPr>
+        <p:txBody>
+          <a:bodyPr wrap="square" anchor="t">
+            <a:spAutoFit/>
+          </a:bodyPr>
+          <a:lstStyle/>
+          <a:p>
+            <a:pPr algn="l"/>
+            <a:r>
+              <a:rPr sz="900" b="0">
+                <a:solidFill>
+                  <a:srgbClr val="404040"/>
+                </a:solidFill>
+                <a:latin typeface="Calibri"/>
+              </a:rPr>
+              <a:t>CONFIGURATION &amp; SECRETS:</a:t>
+            </a:r>
+          </a:p>
+          <a:p>
+            <a:pPr algn="l"/>
+            <a:endParaRPr sz="900" b="0">
+              <a:solidFill>
+                <a:srgbClr val="404040"/>
+              </a:solidFill>
+              <a:latin typeface="Calibri"/>
+            </a:endParaRPr>
+          </a:p>
+          <a:p>
+            <a:pPr algn="l"/>
+            <a:r>
+              <a:rPr sz="900" b="0">
+                <a:solidFill>
+                  <a:srgbClr val="404040"/>
+                </a:solidFill>
+                <a:latin typeface="Calibri"/>
+              </a:rPr>
+              <a:t>• OpenAI API Key: Set in config.py or via Streamlit UI (saved to session)</a:t>
+            </a:r>
+          </a:p>
+          <a:p>
+            <a:pPr algn="l"/>
+            <a:r>
+              <a:rPr sz="900" b="0">
+                <a:solidFill>
+                  <a:srgbClr val="404040"/>
+                </a:solidFill>
+                <a:latin typeface="Calibri"/>
+              </a:rPr>
+              <a:t>• Data Sources: CSV files in data/ directory or auto-generated</a:t>
+            </a:r>
+          </a:p>
+          <a:p>
+            <a:pPr algn="l"/>
+            <a:r>
+              <a:rPr sz="900" b="0">
+                <a:solidFill>
+                  <a:srgbClr val="404040"/>
+                </a:solidFill>
+                <a:latin typeface="Calibri"/>
+              </a:rPr>
+              <a:t>• Literature KB: JSON index + text files in knowledge/literature/</a:t>
+            </a:r>
+          </a:p>
+          <a:p>
+            <a:pPr algn="l"/>
+            <a:r>
+              <a:rPr sz="900" b="0">
+                <a:solidFill>
+                  <a:srgbClr val="404040"/>
+                </a:solidFill>
+                <a:latin typeface="Calibri"/>
+              </a:rPr>
+              <a:t>• Outputs: world_model.json &amp; auto_enhanced_report.txt in base directory</a:t>
+            </a:r>
+          </a:p>
+          <a:p>
+            <a:pPr algn="l"/>
+            <a:endParaRPr sz="900" b="0">
+              <a:solidFill>
+                <a:srgbClr val="404040"/>
+              </a:solidFill>
+              <a:latin typeface="Calibri"/>
+            </a:endParaRPr>
+          </a:p>
+          <a:p>
+            <a:pPr algn="l"/>
+            <a:r>
+              <a:rPr sz="900" b="0">
+                <a:solidFill>
+                  <a:srgbClr val="404040"/>
+                </a:solidFill>
+                <a:latin typeface="Calibri"/>
+              </a:rPr>
+              <a:t>SECURITY NOTE: API keys are stored in config.py (local file). For production, use environment variables or secrets manager.</a:t>
+            </a:r>
           </a:p>
         </p:txBody>
       </p:sp>
@@ -5200,324 +10202,4 @@
   </a:objectDefaults>
   <a:extraClrSchemeLst/>
 </a:theme>
-</file>
-
-<file path=ppt/theme/theme2.xml><?xml version="1.0" encoding="utf-8"?>
-<a:theme xmlns:a="http://schemas.openxmlformats.org/drawingml/2006/main" name="Office Theme">
-  <a:themeElements>
-    <a:clrScheme name="Office">
-      <a:dk1>
-        <a:sysClr val="windowText" lastClr="000000"/>
-      </a:dk1>
-      <a:lt1>
-        <a:sysClr val="window" lastClr="FFFFFF"/>
-      </a:lt1>
-      <a:dk2>
-        <a:srgbClr val="1F497D"/>
-      </a:dk2>
-      <a:lt2>
-        <a:srgbClr val="EEECE1"/>
-      </a:lt2>
-      <a:accent1>
-        <a:srgbClr val="4F81BD"/>
-      </a:accent1>
-      <a:accent2>
-        <a:srgbClr val="C0504D"/>
-      </a:accent2>
-      <a:accent3>
-        <a:srgbClr val="9BBB59"/>
-      </a:accent3>
-      <a:accent4>
-        <a:srgbClr val="8064A2"/>
-      </a:accent4>
-      <a:accent5>
-        <a:srgbClr val="4BACC6"/>
-      </a:accent5>
-      <a:accent6>
-        <a:srgbClr val="F79646"/>
-      </a:accent6>
-      <a:hlink>
-        <a:srgbClr val="0000FF"/>
-      </a:hlink>
-      <a:folHlink>
-        <a:srgbClr val="800080"/>
-      </a:folHlink>
-    </a:clrScheme>
-    <a:fontScheme name="Office">
-      <a:majorFont>
-        <a:latin typeface="Calibri"/>
-        <a:ea typeface=""/>
-        <a:cs typeface=""/>
-        <a:font script="Jpan" typeface="ＭＳ Ｐゴシック"/>
-        <a:font script="Hang" typeface="맑은 고딕"/>
-        <a:font script="Hans" typeface="宋体"/>
-        <a:font script="Hant" typeface="新細明體"/>
-        <a:font script="Arab" typeface="Times New Roman"/>
-        <a:font script="Hebr" typeface="Times New Roman"/>
-        <a:font script="Thai" typeface="Angsana New"/>
-        <a:font script="Ethi" typeface="Nyala"/>
-        <a:font script="Beng" typeface="Vrinda"/>
-        <a:font script="Gujr" typeface="Shruti"/>
-        <a:font script="Khmr" typeface="MoolBoran"/>
-        <a:font script="Knda" typeface="Tunga"/>
-        <a:font script="Guru" typeface="Raavi"/>
-        <a:font script="Cans" typeface="Euphemia"/>
-        <a:font script="Cher" typeface="Plantagenet Cherokee"/>
-        <a:font script="Yiii" typeface="Microsoft Yi Baiti"/>
-        <a:font script="Tibt" typeface="Microsoft Himalaya"/>
-        <a:font script="Thaa" typeface="MV Boli"/>
-        <a:font script="Deva" typeface="Mangal"/>
-        <a:font script="Telu" typeface="Gautami"/>
-        <a:font script="Taml" typeface="Latha"/>
-        <a:font script="Syrc" typeface="Estrangelo Edessa"/>
-        <a:font script="Orya" typeface="Kalinga"/>
-        <a:font script="Mlym" typeface="Kartika"/>
-        <a:font script="Laoo" typeface="DokChampa"/>
-        <a:font script="Sinh" typeface="Iskoola Pota"/>
-        <a:font script="Mong" typeface="Mongolian Baiti"/>
-        <a:font script="Viet" typeface="Times New Roman"/>
-        <a:font script="Uigh" typeface="Microsoft Uighur"/>
-        <a:font script="Geor" typeface="Sylfaen"/>
-      </a:majorFont>
-      <a:minorFont>
-        <a:latin typeface="Calibri"/>
-        <a:ea typeface=""/>
-        <a:cs typeface=""/>
-        <a:font script="Jpan" typeface="ＭＳ Ｐゴシック"/>
-        <a:font script="Hang" typeface="맑은 고딕"/>
-        <a:font script="Hans" typeface="宋体"/>
-        <a:font script="Hant" typeface="新細明體"/>
-        <a:font script="Arab" typeface="Arial"/>
-        <a:font script="Hebr" typeface="Arial"/>
-        <a:font script="Thai" typeface="Cordia New"/>
-        <a:font script="Ethi" typeface="Nyala"/>
-        <a:font script="Beng" typeface="Vrinda"/>
-        <a:font script="Gujr" typeface="Shruti"/>
-        <a:font script="Khmr" typeface="DaunPenh"/>
-        <a:font script="Knda" typeface="Tunga"/>
-        <a:font script="Guru" typeface="Raavi"/>
-        <a:font script="Cans" typeface="Euphemia"/>
-        <a:font script="Cher" typeface="Plantagenet Cherokee"/>
-        <a:font script="Yiii" typeface="Microsoft Yi Baiti"/>
-        <a:font script="Tibt" typeface="Microsoft Himalaya"/>
-        <a:font script="Thaa" typeface="MV Boli"/>
-        <a:font script="Deva" typeface="Mangal"/>
-        <a:font script="Telu" typeface="Gautami"/>
-        <a:font script="Taml" typeface="Latha"/>
-        <a:font script="Syrc" typeface="Estrangelo Edessa"/>
-        <a:font script="Orya" typeface="Kalinga"/>
-        <a:font script="Mlym" typeface="Kartika"/>
-        <a:font script="Laoo" typeface="DokChampa"/>
-        <a:font script="Sinh" typeface="Iskoola Pota"/>
-        <a:font script="Mong" typeface="Mongolian Baiti"/>
-        <a:font script="Viet" typeface="Arial"/>
-        <a:font script="Uigh" typeface="Microsoft Uighur"/>
-        <a:font script="Geor" typeface="Sylfaen"/>
-      </a:minorFont>
-    </a:fontScheme>
-    <a:fmtScheme name="Office">
-      <a:fillStyleLst>
-        <a:solidFill>
-          <a:schemeClr val="phClr"/>
-        </a:solidFill>
-        <a:gradFill rotWithShape="1">
-          <a:gsLst>
-            <a:gs pos="0">
-              <a:schemeClr val="phClr">
-                <a:tint val="50000"/>
-                <a:satMod val="300000"/>
-              </a:schemeClr>
-            </a:gs>
-            <a:gs pos="35000">
-              <a:schemeClr val="phClr">
-                <a:tint val="37000"/>
-                <a:satMod val="300000"/>
-              </a:schemeClr>
-            </a:gs>
-            <a:gs pos="100000">
-              <a:schemeClr val="phClr">
-                <a:tint val="15000"/>
-                <a:satMod val="350000"/>
-              </a:schemeClr>
-            </a:gs>
-          </a:gsLst>
-          <a:lin ang="16200000" scaled="1"/>
-        </a:gradFill>
-        <a:gradFill rotWithShape="1">
-          <a:gsLst>
-            <a:gs pos="0">
-              <a:schemeClr val="phClr">
-                <a:tint val="100000"/>
-                <a:shade val="100000"/>
-                <a:satMod val="130000"/>
-              </a:schemeClr>
-            </a:gs>
-            <a:gs pos="100000">
-              <a:schemeClr val="phClr">
-                <a:tint val="50000"/>
-                <a:shade val="100000"/>
-                <a:satMod val="350000"/>
-              </a:schemeClr>
-            </a:gs>
-          </a:gsLst>
-          <a:lin ang="16200000" scaled="0"/>
-        </a:gradFill>
-      </a:fillStyleLst>
-      <a:lnStyleLst>
-        <a:ln w="9525" cap="flat" cmpd="sng" algn="ctr">
-          <a:solidFill>
-            <a:schemeClr val="phClr">
-              <a:shade val="95000"/>
-              <a:satMod val="105000"/>
-            </a:schemeClr>
-          </a:solidFill>
-          <a:prstDash val="solid"/>
-        </a:ln>
-        <a:ln w="25400" cap="flat" cmpd="sng" algn="ctr">
-          <a:solidFill>
-            <a:schemeClr val="phClr"/>
-          </a:solidFill>
-          <a:prstDash val="solid"/>
-        </a:ln>
-        <a:ln w="38100" cap="flat" cmpd="sng" algn="ctr">
-          <a:solidFill>
-            <a:schemeClr val="phClr"/>
-          </a:solidFill>
-          <a:prstDash val="solid"/>
-        </a:ln>
-      </a:lnStyleLst>
-      <a:effectStyleLst>
-        <a:effectStyle>
-          <a:effectLst>
-            <a:outerShdw blurRad="40000" dist="20000" dir="5400000" rotWithShape="0">
-              <a:srgbClr val="000000">
-                <a:alpha val="38000"/>
-              </a:srgbClr>
-            </a:outerShdw>
-          </a:effectLst>
-        </a:effectStyle>
-        <a:effectStyle>
-          <a:effectLst>
-            <a:outerShdw blurRad="40000" dist="23000" dir="5400000" rotWithShape="0">
-              <a:srgbClr val="000000">
-                <a:alpha val="35000"/>
-              </a:srgbClr>
-            </a:outerShdw>
-          </a:effectLst>
-        </a:effectStyle>
-        <a:effectStyle>
-          <a:effectLst>
-            <a:outerShdw blurRad="40000" dist="23000" dir="5400000" rotWithShape="0">
-              <a:srgbClr val="000000">
-                <a:alpha val="35000"/>
-              </a:srgbClr>
-            </a:outerShdw>
-          </a:effectLst>
-          <a:scene3d>
-            <a:camera prst="orthographicFront">
-              <a:rot lat="0" lon="0" rev="0"/>
-            </a:camera>
-            <a:lightRig rig="threePt" dir="t">
-              <a:rot lat="0" lon="0" rev="1200000"/>
-            </a:lightRig>
-          </a:scene3d>
-          <a:sp3d>
-            <a:bevelT w="63500" h="25400"/>
-          </a:sp3d>
-        </a:effectStyle>
-      </a:effectStyleLst>
-      <a:bgFillStyleLst>
-        <a:solidFill>
-          <a:schemeClr val="phClr"/>
-        </a:solidFill>
-        <a:gradFill rotWithShape="1">
-          <a:gsLst>
-            <a:gs pos="0">
-              <a:schemeClr val="phClr">
-                <a:tint val="40000"/>
-                <a:satMod val="350000"/>
-              </a:schemeClr>
-            </a:gs>
-            <a:gs pos="40000">
-              <a:schemeClr val="phClr">
-                <a:tint val="45000"/>
-                <a:shade val="99000"/>
-                <a:satMod val="350000"/>
-              </a:schemeClr>
-            </a:gs>
-            <a:gs pos="100000">
-              <a:schemeClr val="phClr">
-                <a:shade val="20000"/>
-                <a:satMod val="255000"/>
-              </a:schemeClr>
-            </a:gs>
-          </a:gsLst>
-          <a:path path="circle">
-            <a:fillToRect l="50000" t="-80000" r="50000" b="180000"/>
-          </a:path>
-        </a:gradFill>
-        <a:gradFill rotWithShape="1">
-          <a:gsLst>
-            <a:gs pos="0">
-              <a:schemeClr val="phClr">
-                <a:tint val="80000"/>
-                <a:satMod val="300000"/>
-              </a:schemeClr>
-            </a:gs>
-            <a:gs pos="100000">
-              <a:schemeClr val="phClr">
-                <a:shade val="30000"/>
-                <a:satMod val="200000"/>
-              </a:schemeClr>
-            </a:gs>
-          </a:gsLst>
-          <a:path path="circle">
-            <a:fillToRect l="50000" t="50000" r="50000" b="50000"/>
-          </a:path>
-        </a:gradFill>
-      </a:bgFillStyleLst>
-    </a:fmtScheme>
-  </a:themeElements>
-  <a:objectDefaults>
-    <a:spDef>
-      <a:spPr/>
-      <a:bodyPr/>
-      <a:lstStyle/>
-      <a:style>
-        <a:lnRef idx="1">
-          <a:schemeClr val="accent1"/>
-        </a:lnRef>
-        <a:fillRef idx="3">
-          <a:schemeClr val="accent1"/>
-        </a:fillRef>
-        <a:effectRef idx="2">
-          <a:schemeClr val="accent1"/>
-        </a:effectRef>
-        <a:fontRef idx="minor">
-          <a:schemeClr val="lt1"/>
-        </a:fontRef>
-      </a:style>
-    </a:spDef>
-    <a:lnDef>
-      <a:spPr/>
-      <a:bodyPr/>
-      <a:lstStyle/>
-      <a:style>
-        <a:lnRef idx="2">
-          <a:schemeClr val="accent1"/>
-        </a:lnRef>
-        <a:fillRef idx="0">
-          <a:schemeClr val="accent1"/>
-        </a:fillRef>
-        <a:effectRef idx="1">
-          <a:schemeClr val="accent1"/>
-        </a:effectRef>
-        <a:fontRef idx="minor">
-          <a:schemeClr val="tx1"/>
-        </a:fontRef>
-      </a:style>
-    </a:lnDef>
-  </a:objectDefaults>
-  <a:extraClrSchemeLst/>
-</a:theme>
 </file>